--- a/src/main/resources/hw7_presentation.pptx
+++ b/src/main/resources/hw7_presentation.pptx
@@ -202,7 +202,7 @@
           <a:p>
             <a:fld id="{F47BD92E-FF1D-6A4E-BE14-EDEAC00E0CAA}" type="datetimeFigureOut">
               <a:rPr lang="en-US" smtClean="0"/>
-              <a:t>10/21/18</a:t>
+              <a:t>10/22/18</a:t>
             </a:fld>
             <a:endParaRPr lang="en-US"/>
           </a:p>
@@ -516,7 +516,31 @@
           <a:p>
             <a:r>
               <a:rPr lang="en-US" dirty="0" smtClean="0"/>
-              <a:t>Talk about inheritance structure and functions</a:t>
+              <a:t>All </a:t>
+            </a:r>
+            <a:r>
+              <a:rPr lang="en-US" dirty="0" err="1" smtClean="0"/>
+              <a:t>AGameObjects</a:t>
+            </a:r>
+            <a:r>
+              <a:rPr lang="en-US" baseline="0" dirty="0" smtClean="0"/>
+              <a:t> implement Observer Talk </a:t>
+            </a:r>
+            <a:r>
+              <a:rPr lang="en-US" dirty="0" smtClean="0"/>
+              <a:t>about </a:t>
+            </a:r>
+            <a:r>
+              <a:rPr lang="en-US" dirty="0" smtClean="0"/>
+              <a:t>inheritance structure and </a:t>
+            </a:r>
+            <a:r>
+              <a:rPr lang="en-US" dirty="0" smtClean="0"/>
+              <a:t>functions.</a:t>
+            </a:r>
+            <a:r>
+              <a:rPr lang="en-US" baseline="0" dirty="0" smtClean="0"/>
+              <a:t> </a:t>
             </a:r>
             <a:endParaRPr lang="en-US" dirty="0"/>
           </a:p>
@@ -1015,7 +1039,7 @@
           <a:p>
             <a:fld id="{E2016EA5-1104-9947-BC32-BE5ED901B257}" type="datetimeFigureOut">
               <a:rPr lang="en-US" smtClean="0"/>
-              <a:t>10/21/18</a:t>
+              <a:t>10/22/18</a:t>
             </a:fld>
             <a:endParaRPr lang="en-US"/>
           </a:p>
@@ -1185,7 +1209,7 @@
           <a:p>
             <a:fld id="{E2016EA5-1104-9947-BC32-BE5ED901B257}" type="datetimeFigureOut">
               <a:rPr lang="en-US" smtClean="0"/>
-              <a:t>10/21/18</a:t>
+              <a:t>10/22/18</a:t>
             </a:fld>
             <a:endParaRPr lang="en-US"/>
           </a:p>
@@ -1365,7 +1389,7 @@
           <a:p>
             <a:fld id="{E2016EA5-1104-9947-BC32-BE5ED901B257}" type="datetimeFigureOut">
               <a:rPr lang="en-US" smtClean="0"/>
-              <a:t>10/21/18</a:t>
+              <a:t>10/22/18</a:t>
             </a:fld>
             <a:endParaRPr lang="en-US"/>
           </a:p>
@@ -1535,7 +1559,7 @@
           <a:p>
             <a:fld id="{E2016EA5-1104-9947-BC32-BE5ED901B257}" type="datetimeFigureOut">
               <a:rPr lang="en-US" smtClean="0"/>
-              <a:t>10/21/18</a:t>
+              <a:t>10/22/18</a:t>
             </a:fld>
             <a:endParaRPr lang="en-US"/>
           </a:p>
@@ -1781,7 +1805,7 @@
           <a:p>
             <a:fld id="{E2016EA5-1104-9947-BC32-BE5ED901B257}" type="datetimeFigureOut">
               <a:rPr lang="en-US" smtClean="0"/>
-              <a:t>10/21/18</a:t>
+              <a:t>10/22/18</a:t>
             </a:fld>
             <a:endParaRPr lang="en-US"/>
           </a:p>
@@ -2069,7 +2093,7 @@
           <a:p>
             <a:fld id="{E2016EA5-1104-9947-BC32-BE5ED901B257}" type="datetimeFigureOut">
               <a:rPr lang="en-US" smtClean="0"/>
-              <a:t>10/21/18</a:t>
+              <a:t>10/22/18</a:t>
             </a:fld>
             <a:endParaRPr lang="en-US"/>
           </a:p>
@@ -2491,7 +2515,7 @@
           <a:p>
             <a:fld id="{E2016EA5-1104-9947-BC32-BE5ED901B257}" type="datetimeFigureOut">
               <a:rPr lang="en-US" smtClean="0"/>
-              <a:t>10/21/18</a:t>
+              <a:t>10/22/18</a:t>
             </a:fld>
             <a:endParaRPr lang="en-US"/>
           </a:p>
@@ -2609,7 +2633,7 @@
           <a:p>
             <a:fld id="{E2016EA5-1104-9947-BC32-BE5ED901B257}" type="datetimeFigureOut">
               <a:rPr lang="en-US" smtClean="0"/>
-              <a:t>10/21/18</a:t>
+              <a:t>10/22/18</a:t>
             </a:fld>
             <a:endParaRPr lang="en-US"/>
           </a:p>
@@ -2704,7 +2728,7 @@
           <a:p>
             <a:fld id="{E2016EA5-1104-9947-BC32-BE5ED901B257}" type="datetimeFigureOut">
               <a:rPr lang="en-US" smtClean="0"/>
-              <a:t>10/21/18</a:t>
+              <a:t>10/22/18</a:t>
             </a:fld>
             <a:endParaRPr lang="en-US"/>
           </a:p>
@@ -2981,7 +3005,7 @@
           <a:p>
             <a:fld id="{E2016EA5-1104-9947-BC32-BE5ED901B257}" type="datetimeFigureOut">
               <a:rPr lang="en-US" smtClean="0"/>
-              <a:t>10/21/18</a:t>
+              <a:t>10/22/18</a:t>
             </a:fld>
             <a:endParaRPr lang="en-US"/>
           </a:p>
@@ -3234,7 +3258,7 @@
           <a:p>
             <a:fld id="{E2016EA5-1104-9947-BC32-BE5ED901B257}" type="datetimeFigureOut">
               <a:rPr lang="en-US" smtClean="0"/>
-              <a:t>10/21/18</a:t>
+              <a:t>10/22/18</a:t>
             </a:fld>
             <a:endParaRPr lang="en-US"/>
           </a:p>
@@ -3447,7 +3471,7 @@
           <a:p>
             <a:fld id="{E2016EA5-1104-9947-BC32-BE5ED901B257}" type="datetimeFigureOut">
               <a:rPr lang="en-US" smtClean="0"/>
-              <a:t>10/21/18</a:t>
+              <a:t>10/22/18</a:t>
             </a:fld>
             <a:endParaRPr lang="en-US"/>
           </a:p>
@@ -3967,9 +3991,33 @@
           </a:p>
         </p:txBody>
       </p:sp>
-      <p:sp>
-        <p:nvSpPr>
-          <p:cNvPr id="3" name="Content Placeholder 2"/>
+      <p:pic>
+        <p:nvPicPr>
+          <p:cNvPr id="13" name="Picture 12"/>
+          <p:cNvPicPr>
+            <a:picLocks noChangeAspect="1"/>
+          </p:cNvPicPr>
+          <p:nvPr/>
+        </p:nvPicPr>
+        <p:blipFill>
+          <a:blip r:embed="rId3"/>
+          <a:stretch>
+            <a:fillRect/>
+          </a:stretch>
+        </p:blipFill>
+        <p:spPr>
+          <a:xfrm>
+            <a:off x="995637" y="2187564"/>
+            <a:ext cx="6985000" cy="4483100"/>
+          </a:xfrm>
+          <a:prstGeom prst="rect">
+            <a:avLst/>
+          </a:prstGeom>
+        </p:spPr>
+      </p:pic>
+      <p:sp>
+        <p:nvSpPr>
+          <p:cNvPr id="14" name="Content Placeholder 2"/>
           <p:cNvSpPr>
             <a:spLocks noGrp="1"/>
           </p:cNvSpPr>
@@ -3977,18 +4025,45 @@
             <p:ph idx="1"/>
           </p:nvPr>
         </p:nvSpPr>
-        <p:spPr/>
-        <p:txBody>
-          <a:bodyPr/>
-          <a:lstStyle/>
-          <a:p>
-            <a:r>
-              <a:rPr lang="en-US" smtClean="0"/>
-              <a:t>Insert Image </a:t>
-            </a:r>
-            <a:r>
-              <a:rPr lang="en-US" dirty="0" smtClean="0"/>
-              <a:t>of GUI</a:t>
+        <p:spPr>
+          <a:xfrm>
+            <a:off x="457200" y="1600200"/>
+            <a:ext cx="8360336" cy="4525963"/>
+          </a:xfrm>
+        </p:spPr>
+        <p:txBody>
+          <a:bodyPr/>
+          <a:lstStyle/>
+          <a:p>
+            <a:r>
+              <a:rPr lang="en-US" dirty="0">
+                <a:hlinkClick r:id="rId4"/>
+              </a:rPr>
+              <a:t>http://</a:t>
+            </a:r>
+            <a:r>
+              <a:rPr lang="en-US" dirty="0" err="1">
+                <a:hlinkClick r:id="rId4"/>
+              </a:rPr>
+              <a:t>pacman</a:t>
+            </a:r>
+            <a:r>
+              <a:rPr lang="en-US" dirty="0">
+                <a:hlinkClick r:id="rId4"/>
+              </a:rPr>
+              <a:t>-team-</a:t>
+            </a:r>
+            <a:r>
+              <a:rPr lang="en-US" dirty="0" err="1">
+                <a:hlinkClick r:id="rId4"/>
+              </a:rPr>
+              <a:t>houston.herokuapp.com</a:t>
+            </a:r>
+            <a:r>
+              <a:rPr lang="en-US" dirty="0">
+                <a:hlinkClick r:id="rId4"/>
+              </a:rPr>
+              <a:t>/</a:t>
             </a:r>
             <a:endParaRPr lang="en-US" dirty="0"/>
           </a:p>
@@ -4145,11 +4220,7 @@
             <a:pPr lvl="1"/>
             <a:r>
               <a:rPr lang="en-US" dirty="0" smtClean="0"/>
-              <a:t>End game on win/lose </a:t>
-            </a:r>
-            <a:r>
-              <a:rPr lang="en-US" dirty="0" smtClean="0"/>
-              <a:t>condition</a:t>
+              <a:t>End game on win/lose condition</a:t>
             </a:r>
           </a:p>
           <a:p>
@@ -4654,7 +4725,6 @@
               <a:rPr lang="en-US" dirty="0" smtClean="0"/>
               <a:t>Strategies</a:t>
             </a:r>
-            <a:endParaRPr lang="en-US" dirty="0" smtClean="0"/>
           </a:p>
           <a:p>
             <a:pPr lvl="1"/>
@@ -4699,13 +4769,8 @@
             </a:r>
             <a:r>
               <a:rPr lang="en-US" dirty="0" smtClean="0"/>
-              <a:t> one-directional </a:t>
-            </a:r>
-            <a:r>
-              <a:rPr lang="en-US" dirty="0" smtClean="0"/>
-              <a:t>interactions</a:t>
-            </a:r>
-            <a:endParaRPr lang="en-US" dirty="0" smtClean="0"/>
+              <a:t> one-directional interactions</a:t>
+            </a:r>
           </a:p>
         </p:txBody>
       </p:sp>
@@ -4783,7 +4848,7 @@
       </p:sp>
       <p:pic>
         <p:nvPicPr>
-          <p:cNvPr id="9" name="Picture 8"/>
+          <p:cNvPr id="3" name="Picture 2"/>
           <p:cNvPicPr>
             <a:picLocks noChangeAspect="1"/>
           </p:cNvPicPr>
@@ -4797,46 +4862,14 @@
         </p:blipFill>
         <p:spPr>
           <a:xfrm>
-            <a:off x="167725" y="2195464"/>
-            <a:ext cx="8686800" cy="4234270"/>
+            <a:off x="1817244" y="1313022"/>
+            <a:ext cx="5526708" cy="5299182"/>
           </a:xfrm>
           <a:prstGeom prst="rect">
             <a:avLst/>
           </a:prstGeom>
         </p:spPr>
       </p:pic>
-      <p:sp>
-        <p:nvSpPr>
-          <p:cNvPr id="10" name="Content Placeholder 2"/>
-          <p:cNvSpPr>
-            <a:spLocks noGrp="1"/>
-          </p:cNvSpPr>
-          <p:nvPr>
-            <p:ph idx="1"/>
-          </p:nvPr>
-        </p:nvSpPr>
-        <p:spPr>
-          <a:xfrm>
-            <a:off x="457200" y="1600200"/>
-            <a:ext cx="8229600" cy="4525963"/>
-          </a:xfrm>
-        </p:spPr>
-        <p:txBody>
-          <a:bodyPr/>
-          <a:lstStyle/>
-          <a:p>
-            <a:r>
-              <a:rPr lang="en-US" dirty="0" err="1" smtClean="0"/>
-              <a:t>AGameObject</a:t>
-            </a:r>
-            <a:r>
-              <a:rPr lang="en-US" dirty="0" smtClean="0"/>
-              <a:t> implements Observer</a:t>
-            </a:r>
-            <a:endParaRPr lang="en-US" dirty="0"/>
-          </a:p>
-        </p:txBody>
-      </p:sp>
     </p:spTree>
     <p:extLst>
       <p:ext uri="{BB962C8B-B14F-4D97-AF65-F5344CB8AC3E}">
@@ -4899,7 +4932,7 @@
       </p:sp>
       <p:pic>
         <p:nvPicPr>
-          <p:cNvPr id="5" name="Picture 4"/>
+          <p:cNvPr id="3" name="Picture 2"/>
           <p:cNvPicPr>
             <a:picLocks noChangeAspect="1"/>
           </p:cNvPicPr>
@@ -4913,8 +4946,8 @@
         </p:blipFill>
         <p:spPr>
           <a:xfrm>
-            <a:off x="2933700" y="1727457"/>
-            <a:ext cx="3263900" cy="4229100"/>
+            <a:off x="2656711" y="1417638"/>
+            <a:ext cx="3824655" cy="4938348"/>
           </a:xfrm>
           <a:prstGeom prst="rect">
             <a:avLst/>
@@ -5007,6 +5040,26 @@
               <a:rPr lang="en-US" dirty="0" err="1" smtClean="0"/>
               <a:t>resetGame</a:t>
             </a:r>
+            <a:r>
+              <a:rPr lang="en-US" dirty="0" smtClean="0"/>
+              <a:t> </a:t>
+            </a:r>
+            <a:r>
+              <a:rPr lang="mr-IN" dirty="0" smtClean="0"/>
+              <a:t>–</a:t>
+            </a:r>
+            <a:r>
+              <a:rPr lang="en-US" dirty="0" smtClean="0"/>
+              <a:t> </a:t>
+            </a:r>
+            <a:r>
+              <a:rPr lang="en-US" dirty="0" smtClean="0"/>
+              <a:t>get canvas dims and </a:t>
+            </a:r>
+            <a:r>
+              <a:rPr lang="en-US" dirty="0" smtClean="0"/>
+              <a:t>reset game objects </a:t>
+            </a:r>
             <a:endParaRPr lang="en-US" dirty="0" smtClean="0"/>
           </a:p>
           <a:p>
@@ -5015,6 +5068,18 @@
               <a:rPr lang="en-US" dirty="0" err="1" smtClean="0"/>
               <a:t>updateGame</a:t>
             </a:r>
+            <a:r>
+              <a:rPr lang="en-US" dirty="0" smtClean="0"/>
+              <a:t> </a:t>
+            </a:r>
+            <a:r>
+              <a:rPr lang="mr-IN" dirty="0" smtClean="0"/>
+              <a:t>–</a:t>
+            </a:r>
+            <a:r>
+              <a:rPr lang="en-US" dirty="0" smtClean="0"/>
+              <a:t> update game object states</a:t>
+            </a:r>
             <a:endParaRPr lang="en-US" dirty="0" smtClean="0"/>
           </a:p>
           <a:p>
@@ -5023,27 +5088,31 @@
               <a:rPr lang="en-US" dirty="0" err="1" smtClean="0"/>
               <a:t>switchDirection</a:t>
             </a:r>
+            <a:r>
+              <a:rPr lang="en-US" dirty="0" smtClean="0"/>
+              <a:t> </a:t>
+            </a:r>
+            <a:r>
+              <a:rPr lang="mr-IN" dirty="0" smtClean="0"/>
+              <a:t>–</a:t>
+            </a:r>
+            <a:r>
+              <a:rPr lang="en-US" dirty="0" smtClean="0"/>
+              <a:t> switch </a:t>
+            </a:r>
+            <a:r>
+              <a:rPr lang="en-US" dirty="0" err="1" smtClean="0"/>
+              <a:t>Pacm</a:t>
+            </a:r>
+            <a:r>
+              <a:rPr lang="en-US" dirty="0" err="1" smtClean="0"/>
+              <a:t>an</a:t>
+            </a:r>
+            <a:r>
+              <a:rPr lang="en-US" smtClean="0"/>
+              <a:t> direction</a:t>
+            </a:r>
             <a:endParaRPr lang="en-US" dirty="0" smtClean="0"/>
-          </a:p>
-          <a:p>
-            <a:pPr lvl="1"/>
-            <a:r>
-              <a:rPr lang="en-US" dirty="0" err="1" smtClean="0"/>
-              <a:t>canvasDims</a:t>
-            </a:r>
-            <a:r>
-              <a:rPr lang="en-US" dirty="0" smtClean="0"/>
-              <a:t> </a:t>
-            </a:r>
-            <a:endParaRPr lang="en-US" dirty="0" smtClean="0"/>
-          </a:p>
-          <a:p>
-            <a:pPr lvl="1"/>
-            <a:r>
-              <a:rPr lang="en-US" dirty="0" err="1" smtClean="0"/>
-              <a:t>loadFruit</a:t>
-            </a:r>
-            <a:endParaRPr lang="en-US" dirty="0"/>
           </a:p>
         </p:txBody>
       </p:sp>

--- a/src/main/resources/hw7_presentation.pptx
+++ b/src/main/resources/hw7_presentation.pptx
@@ -516,31 +516,27 @@
           <a:p>
             <a:r>
               <a:rPr lang="en-US" dirty="0" smtClean="0"/>
-              <a:t>All </a:t>
+              <a:t>Interact strategy example: ghost handles all </a:t>
             </a:r>
             <a:r>
               <a:rPr lang="en-US" dirty="0" err="1" smtClean="0"/>
-              <a:t>AGameObjects</a:t>
+              <a:t>pacman</a:t>
+            </a:r>
+            <a:r>
+              <a:rPr lang="en-US" dirty="0" smtClean="0"/>
+              <a:t>-ghost interactions, and </a:t>
+            </a:r>
+            <a:r>
+              <a:rPr lang="en-US" dirty="0" err="1" smtClean="0"/>
+              <a:t>pacman</a:t>
+            </a:r>
+            <a:r>
+              <a:rPr lang="en-US" dirty="0" smtClean="0"/>
+              <a:t> does not</a:t>
             </a:r>
             <a:r>
               <a:rPr lang="en-US" baseline="0" dirty="0" smtClean="0"/>
-              <a:t> implement Observer Talk </a:t>
-            </a:r>
-            <a:r>
-              <a:rPr lang="en-US" dirty="0" smtClean="0"/>
-              <a:t>about </a:t>
-            </a:r>
-            <a:r>
-              <a:rPr lang="en-US" dirty="0" smtClean="0"/>
-              <a:t>inheritance structure and </a:t>
-            </a:r>
-            <a:r>
-              <a:rPr lang="en-US" dirty="0" smtClean="0"/>
-              <a:t>functions.</a:t>
-            </a:r>
-            <a:r>
-              <a:rPr lang="en-US" baseline="0" dirty="0" smtClean="0"/>
-              <a:t> </a:t>
+              <a:t> worry about it.</a:t>
             </a:r>
             <a:endParaRPr lang="en-US" dirty="0"/>
           </a:p>
@@ -563,7 +559,7 @@
           <a:p>
             <a:fld id="{B0EC7914-C99C-EC47-BACB-EACC7A5FFFA3}" type="slidenum">
               <a:rPr lang="en-US" smtClean="0"/>
-              <a:t>7</a:t>
+              <a:t>6</a:t>
             </a:fld>
             <a:endParaRPr lang="en-US"/>
           </a:p>
@@ -572,7 +568,7 @@
     </p:spTree>
     <p:extLst>
       <p:ext uri="{BB962C8B-B14F-4D97-AF65-F5344CB8AC3E}">
-        <p14:creationId xmlns:p14="http://schemas.microsoft.com/office/powerpoint/2010/main" val="940924563"/>
+        <p14:creationId xmlns:p14="http://schemas.microsoft.com/office/powerpoint/2010/main" val="2346791306"/>
       </p:ext>
     </p:extLst>
   </p:cSld>
@@ -628,7 +624,37 @@
           <a:p>
             <a:r>
               <a:rPr lang="en-US" dirty="0" smtClean="0"/>
-              <a:t>Talk about timers and values</a:t>
+              <a:t>All </a:t>
+            </a:r>
+            <a:r>
+              <a:rPr lang="en-US" dirty="0" err="1" smtClean="0"/>
+              <a:t>AGameObjects</a:t>
+            </a:r>
+            <a:r>
+              <a:rPr lang="en-US" baseline="0" dirty="0" smtClean="0"/>
+              <a:t> implement </a:t>
+            </a:r>
+            <a:r>
+              <a:rPr lang="en-US" baseline="0" dirty="0" smtClean="0"/>
+              <a:t>Observer. </a:t>
+            </a:r>
+            <a:r>
+              <a:rPr lang="en-US" baseline="0" dirty="0" smtClean="0"/>
+              <a:t>Talk </a:t>
+            </a:r>
+            <a:r>
+              <a:rPr lang="en-US" dirty="0" smtClean="0"/>
+              <a:t>about inheritance structure and functions</a:t>
+            </a:r>
+            <a:r>
+              <a:rPr lang="en-US" dirty="0" smtClean="0"/>
+              <a:t>.</a:t>
+            </a:r>
+          </a:p>
+          <a:p>
+            <a:r>
+              <a:rPr lang="en-US" baseline="0" dirty="0" smtClean="0"/>
+              <a:t>Separate concrete classes for easy object creation and extensibility. </a:t>
             </a:r>
             <a:endParaRPr lang="en-US" dirty="0"/>
           </a:p>
@@ -651,7 +677,7 @@
           <a:p>
             <a:fld id="{B0EC7914-C99C-EC47-BACB-EACC7A5FFFA3}" type="slidenum">
               <a:rPr lang="en-US" smtClean="0"/>
-              <a:t>8</a:t>
+              <a:t>7</a:t>
             </a:fld>
             <a:endParaRPr lang="en-US"/>
           </a:p>
@@ -660,7 +686,7 @@
     </p:spTree>
     <p:extLst>
       <p:ext uri="{BB962C8B-B14F-4D97-AF65-F5344CB8AC3E}">
-        <p14:creationId xmlns:p14="http://schemas.microsoft.com/office/powerpoint/2010/main" val="2447390117"/>
+        <p14:creationId xmlns:p14="http://schemas.microsoft.com/office/powerpoint/2010/main" val="940924563"/>
       </p:ext>
     </p:extLst>
   </p:cSld>
@@ -716,6 +742,102 @@
           <a:p>
             <a:r>
               <a:rPr lang="en-US" dirty="0" smtClean="0"/>
+              <a:t>Talk about timers and </a:t>
+            </a:r>
+            <a:r>
+              <a:rPr lang="en-US" dirty="0" smtClean="0"/>
+              <a:t>values. Grid</a:t>
+            </a:r>
+            <a:r>
+              <a:rPr lang="en-US" baseline="0" dirty="0" smtClean="0"/>
+              <a:t> size is static for easy access in concrete classes.</a:t>
+            </a:r>
+            <a:endParaRPr lang="en-US" dirty="0"/>
+          </a:p>
+        </p:txBody>
+      </p:sp>
+      <p:sp>
+        <p:nvSpPr>
+          <p:cNvPr id="4" name="Slide Number Placeholder 3"/>
+          <p:cNvSpPr>
+            <a:spLocks noGrp="1"/>
+          </p:cNvSpPr>
+          <p:nvPr>
+            <p:ph type="sldNum" sz="quarter" idx="10"/>
+          </p:nvPr>
+        </p:nvSpPr>
+        <p:spPr/>
+        <p:txBody>
+          <a:bodyPr/>
+          <a:lstStyle/>
+          <a:p>
+            <a:fld id="{B0EC7914-C99C-EC47-BACB-EACC7A5FFFA3}" type="slidenum">
+              <a:rPr lang="en-US" smtClean="0"/>
+              <a:t>8</a:t>
+            </a:fld>
+            <a:endParaRPr lang="en-US"/>
+          </a:p>
+        </p:txBody>
+      </p:sp>
+    </p:spTree>
+    <p:extLst>
+      <p:ext uri="{BB962C8B-B14F-4D97-AF65-F5344CB8AC3E}">
+        <p14:creationId xmlns:p14="http://schemas.microsoft.com/office/powerpoint/2010/main" val="2447390117"/>
+      </p:ext>
+    </p:extLst>
+  </p:cSld>
+  <p:clrMapOvr>
+    <a:masterClrMapping/>
+  </p:clrMapOvr>
+</p:notes>
+</file>
+
+<file path=ppt/notesSlides/notesSlide4.xml><?xml version="1.0" encoding="utf-8"?>
+<p:notes xmlns:a="http://schemas.openxmlformats.org/drawingml/2006/main" xmlns:r="http://schemas.openxmlformats.org/officeDocument/2006/relationships" xmlns:p="http://schemas.openxmlformats.org/presentationml/2006/main">
+  <p:cSld>
+    <p:spTree>
+      <p:nvGrpSpPr>
+        <p:cNvPr id="1" name=""/>
+        <p:cNvGrpSpPr/>
+        <p:nvPr/>
+      </p:nvGrpSpPr>
+      <p:grpSpPr>
+        <a:xfrm>
+          <a:off x="0" y="0"/>
+          <a:ext cx="0" cy="0"/>
+          <a:chOff x="0" y="0"/>
+          <a:chExt cx="0" cy="0"/>
+        </a:xfrm>
+      </p:grpSpPr>
+      <p:sp>
+        <p:nvSpPr>
+          <p:cNvPr id="2" name="Slide Image Placeholder 1"/>
+          <p:cNvSpPr>
+            <a:spLocks noGrp="1" noRot="1" noChangeAspect="1"/>
+          </p:cNvSpPr>
+          <p:nvPr>
+            <p:ph type="sldImg"/>
+          </p:nvPr>
+        </p:nvSpPr>
+        <p:spPr/>
+      </p:sp>
+      <p:sp>
+        <p:nvSpPr>
+          <p:cNvPr id="3" name="Notes Placeholder 2"/>
+          <p:cNvSpPr>
+            <a:spLocks noGrp="1"/>
+          </p:cNvSpPr>
+          <p:nvPr>
+            <p:ph type="body" idx="1"/>
+          </p:nvPr>
+        </p:nvSpPr>
+        <p:spPr/>
+        <p:txBody>
+          <a:bodyPr/>
+          <a:lstStyle/>
+          <a:p>
+            <a:r>
+              <a:rPr lang="en-US" dirty="0" smtClean="0"/>
               <a:t>What each request</a:t>
             </a:r>
             <a:r>
@@ -762,7 +884,7 @@
 </p:notes>
 </file>
 
-<file path=ppt/notesSlides/notesSlide4.xml><?xml version="1.0" encoding="utf-8"?>
+<file path=ppt/notesSlides/notesSlide5.xml><?xml version="1.0" encoding="utf-8"?>
 <p:notes xmlns:a="http://schemas.openxmlformats.org/drawingml/2006/main" xmlns:r="http://schemas.openxmlformats.org/officeDocument/2006/relationships" xmlns:p="http://schemas.openxmlformats.org/presentationml/2006/main">
   <p:cSld>
     <p:spTree>
@@ -4213,8 +4335,9 @@
             <a:pPr lvl="1"/>
             <a:r>
               <a:rPr lang="en-US" dirty="0" smtClean="0"/>
-              <a:t>Randomly spawn fruit</a:t>
-            </a:r>
+              <a:t>Spawn fruit periodically</a:t>
+            </a:r>
+            <a:endParaRPr lang="en-US" dirty="0" smtClean="0"/>
           </a:p>
           <a:p>
             <a:pPr lvl="1"/>
@@ -4227,7 +4350,15 @@
             <a:pPr lvl="1"/>
             <a:r>
               <a:rPr lang="en-US" dirty="0" smtClean="0"/>
-              <a:t>Track score, lives, etc.</a:t>
+              <a:t>Track score, lives, </a:t>
+            </a:r>
+            <a:r>
+              <a:rPr lang="en-US" dirty="0" smtClean="0"/>
+              <a:t>timers, etc</a:t>
+            </a:r>
+            <a:r>
+              <a:rPr lang="en-US" dirty="0" smtClean="0"/>
+              <a:t>.</a:t>
             </a:r>
             <a:endParaRPr lang="en-US" dirty="0"/>
           </a:p>
@@ -4769,7 +4900,11 @@
             </a:r>
             <a:r>
               <a:rPr lang="en-US" dirty="0" smtClean="0"/>
-              <a:t> one-directional interactions</a:t>
+              <a:t> one-directional </a:t>
+            </a:r>
+            <a:r>
+              <a:rPr lang="en-US" dirty="0" smtClean="0"/>
+              <a:t>interactions</a:t>
             </a:r>
           </a:p>
         </p:txBody>
@@ -4848,7 +4983,7 @@
       </p:sp>
       <p:pic>
         <p:nvPicPr>
-          <p:cNvPr id="3" name="Picture 2"/>
+          <p:cNvPr id="4" name="Picture 3"/>
           <p:cNvPicPr>
             <a:picLocks noChangeAspect="1"/>
           </p:cNvPicPr>
@@ -4862,8 +4997,8 @@
         </p:blipFill>
         <p:spPr>
           <a:xfrm>
-            <a:off x="1817244" y="1313022"/>
-            <a:ext cx="5526708" cy="5299182"/>
+            <a:off x="1417067" y="1276342"/>
+            <a:ext cx="6298277" cy="5294097"/>
           </a:xfrm>
           <a:prstGeom prst="rect">
             <a:avLst/>
@@ -4932,7 +5067,7 @@
       </p:sp>
       <p:pic>
         <p:nvPicPr>
-          <p:cNvPr id="3" name="Picture 2"/>
+          <p:cNvPr id="4" name="Picture 3"/>
           <p:cNvPicPr>
             <a:picLocks noChangeAspect="1"/>
           </p:cNvPicPr>
@@ -4946,8 +5081,32 @@
         </p:blipFill>
         <p:spPr>
           <a:xfrm>
-            <a:off x="2656711" y="1417638"/>
-            <a:ext cx="3824655" cy="4938348"/>
+            <a:off x="1001308" y="1417638"/>
+            <a:ext cx="3044246" cy="3135391"/>
+          </a:xfrm>
+          <a:prstGeom prst="rect">
+            <a:avLst/>
+          </a:prstGeom>
+        </p:spPr>
+      </p:pic>
+      <p:pic>
+        <p:nvPicPr>
+          <p:cNvPr id="5" name="Picture 4"/>
+          <p:cNvPicPr>
+            <a:picLocks noChangeAspect="1"/>
+          </p:cNvPicPr>
+          <p:nvPr/>
+        </p:nvPicPr>
+        <p:blipFill>
+          <a:blip r:embed="rId4"/>
+          <a:stretch>
+            <a:fillRect/>
+          </a:stretch>
+        </p:blipFill>
+        <p:spPr>
+          <a:xfrm>
+            <a:off x="4806233" y="1417638"/>
+            <a:ext cx="3136900" cy="4699000"/>
           </a:xfrm>
           <a:prstGeom prst="rect">
             <a:avLst/>
@@ -5050,17 +5209,8 @@
             </a:r>
             <a:r>
               <a:rPr lang="en-US" dirty="0" smtClean="0"/>
-              <a:t> </a:t>
-            </a:r>
-            <a:r>
-              <a:rPr lang="en-US" dirty="0" smtClean="0"/>
-              <a:t>get canvas dims and </a:t>
-            </a:r>
-            <a:r>
-              <a:rPr lang="en-US" dirty="0" smtClean="0"/>
-              <a:t>reset game objects </a:t>
-            </a:r>
-            <a:endParaRPr lang="en-US" dirty="0" smtClean="0"/>
+              <a:t> get canvas dims and reset game objects </a:t>
+            </a:r>
           </a:p>
           <a:p>
             <a:pPr lvl="1"/>
@@ -5080,7 +5230,6 @@
               <a:rPr lang="en-US" dirty="0" smtClean="0"/>
               <a:t> update game object states</a:t>
             </a:r>
-            <a:endParaRPr lang="en-US" dirty="0" smtClean="0"/>
           </a:p>
           <a:p>
             <a:pPr lvl="1"/>
@@ -5102,11 +5251,7 @@
             </a:r>
             <a:r>
               <a:rPr lang="en-US" dirty="0" err="1" smtClean="0"/>
-              <a:t>Pacm</a:t>
-            </a:r>
-            <a:r>
-              <a:rPr lang="en-US" dirty="0" err="1" smtClean="0"/>
-              <a:t>an</a:t>
+              <a:t>Pacman</a:t>
             </a:r>
             <a:r>
               <a:rPr lang="en-US" smtClean="0"/>

--- a/src/main/resources/hw7_presentation.pptx
+++ b/src/main/resources/hw7_presentation.pptx
@@ -516,27 +516,7 @@
           <a:p>
             <a:r>
               <a:rPr lang="en-US" dirty="0" smtClean="0"/>
-              <a:t>Interact strategy example: ghost handles all </a:t>
-            </a:r>
-            <a:r>
-              <a:rPr lang="en-US" dirty="0" err="1" smtClean="0"/>
-              <a:t>pacman</a:t>
-            </a:r>
-            <a:r>
-              <a:rPr lang="en-US" dirty="0" smtClean="0"/>
-              <a:t>-ghost interactions, and </a:t>
-            </a:r>
-            <a:r>
-              <a:rPr lang="en-US" dirty="0" err="1" smtClean="0"/>
-              <a:t>pacman</a:t>
-            </a:r>
-            <a:r>
-              <a:rPr lang="en-US" dirty="0" smtClean="0"/>
-              <a:t> does not</a:t>
-            </a:r>
-            <a:r>
-              <a:rPr lang="en-US" baseline="0" dirty="0" smtClean="0"/>
-              <a:t> worry about it.</a:t>
+              <a:t>Overview of how each piece connects to use cases</a:t>
             </a:r>
             <a:endParaRPr lang="en-US" dirty="0"/>
           </a:p>
@@ -559,7 +539,7 @@
           <a:p>
             <a:fld id="{B0EC7914-C99C-EC47-BACB-EACC7A5FFFA3}" type="slidenum">
               <a:rPr lang="en-US" smtClean="0"/>
-              <a:t>6</a:t>
+              <a:t>5</a:t>
             </a:fld>
             <a:endParaRPr lang="en-US"/>
           </a:p>
@@ -568,7 +548,7 @@
     </p:spTree>
     <p:extLst>
       <p:ext uri="{BB962C8B-B14F-4D97-AF65-F5344CB8AC3E}">
-        <p14:creationId xmlns:p14="http://schemas.microsoft.com/office/powerpoint/2010/main" val="2346791306"/>
+        <p14:creationId xmlns:p14="http://schemas.microsoft.com/office/powerpoint/2010/main" val="1129418081"/>
       </p:ext>
     </p:extLst>
   </p:cSld>
@@ -624,37 +604,39 @@
           <a:p>
             <a:r>
               <a:rPr lang="en-US" dirty="0" smtClean="0"/>
-              <a:t>All </a:t>
+              <a:t>Talk about how</a:t>
+            </a:r>
+            <a:r>
+              <a:rPr lang="en-US" baseline="0" dirty="0" smtClean="0"/>
+              <a:t> interfaces satisfy use cases. </a:t>
+            </a:r>
+            <a:r>
+              <a:rPr lang="en-US" dirty="0" smtClean="0"/>
+              <a:t>Interact </a:t>
+            </a:r>
+            <a:r>
+              <a:rPr lang="en-US" dirty="0" smtClean="0"/>
+              <a:t>strategy example: ghost handles all </a:t>
             </a:r>
             <a:r>
               <a:rPr lang="en-US" dirty="0" err="1" smtClean="0"/>
-              <a:t>AGameObjects</a:t>
+              <a:t>pacman</a:t>
+            </a:r>
+            <a:r>
+              <a:rPr lang="en-US" dirty="0" smtClean="0"/>
+              <a:t>-ghost interactions, and </a:t>
+            </a:r>
+            <a:r>
+              <a:rPr lang="en-US" dirty="0" err="1" smtClean="0"/>
+              <a:t>pacman</a:t>
+            </a:r>
+            <a:r>
+              <a:rPr lang="en-US" dirty="0" smtClean="0"/>
+              <a:t> does not</a:t>
             </a:r>
             <a:r>
               <a:rPr lang="en-US" baseline="0" dirty="0" smtClean="0"/>
-              <a:t> implement </a:t>
-            </a:r>
-            <a:r>
-              <a:rPr lang="en-US" baseline="0" dirty="0" smtClean="0"/>
-              <a:t>Observer. </a:t>
-            </a:r>
-            <a:r>
-              <a:rPr lang="en-US" baseline="0" dirty="0" smtClean="0"/>
-              <a:t>Talk </a:t>
-            </a:r>
-            <a:r>
-              <a:rPr lang="en-US" dirty="0" smtClean="0"/>
-              <a:t>about inheritance structure and functions</a:t>
-            </a:r>
-            <a:r>
-              <a:rPr lang="en-US" dirty="0" smtClean="0"/>
-              <a:t>.</a:t>
-            </a:r>
-          </a:p>
-          <a:p>
-            <a:r>
-              <a:rPr lang="en-US" baseline="0" dirty="0" smtClean="0"/>
-              <a:t>Separate concrete classes for easy object creation and extensibility. </a:t>
+              <a:t> worry about it.</a:t>
             </a:r>
             <a:endParaRPr lang="en-US" dirty="0"/>
           </a:p>
@@ -677,7 +659,7 @@
           <a:p>
             <a:fld id="{B0EC7914-C99C-EC47-BACB-EACC7A5FFFA3}" type="slidenum">
               <a:rPr lang="en-US" smtClean="0"/>
-              <a:t>7</a:t>
+              <a:t>6</a:t>
             </a:fld>
             <a:endParaRPr lang="en-US"/>
           </a:p>
@@ -686,7 +668,7 @@
     </p:spTree>
     <p:extLst>
       <p:ext uri="{BB962C8B-B14F-4D97-AF65-F5344CB8AC3E}">
-        <p14:creationId xmlns:p14="http://schemas.microsoft.com/office/powerpoint/2010/main" val="940924563"/>
+        <p14:creationId xmlns:p14="http://schemas.microsoft.com/office/powerpoint/2010/main" val="2346791306"/>
       </p:ext>
     </p:extLst>
   </p:cSld>
@@ -742,15 +724,25 @@
           <a:p>
             <a:r>
               <a:rPr lang="en-US" dirty="0" smtClean="0"/>
-              <a:t>Talk about timers and </a:t>
-            </a:r>
-            <a:r>
-              <a:rPr lang="en-US" dirty="0" smtClean="0"/>
-              <a:t>values. Grid</a:t>
+              <a:t>All </a:t>
+            </a:r>
+            <a:r>
+              <a:rPr lang="en-US" dirty="0" err="1" smtClean="0"/>
+              <a:t>AGameObjects</a:t>
             </a:r>
             <a:r>
               <a:rPr lang="en-US" baseline="0" dirty="0" smtClean="0"/>
-              <a:t> size is static for easy access in concrete classes.</a:t>
+              <a:t> implement Observer. Talk </a:t>
+            </a:r>
+            <a:r>
+              <a:rPr lang="en-US" dirty="0" smtClean="0"/>
+              <a:t>about inheritance structure and functions.</a:t>
+            </a:r>
+          </a:p>
+          <a:p>
+            <a:r>
+              <a:rPr lang="en-US" baseline="0" dirty="0" smtClean="0"/>
+              <a:t>Separate concrete classes for easy object creation and extensibility. </a:t>
             </a:r>
             <a:endParaRPr lang="en-US" dirty="0"/>
           </a:p>
@@ -773,7 +765,7 @@
           <a:p>
             <a:fld id="{B0EC7914-C99C-EC47-BACB-EACC7A5FFFA3}" type="slidenum">
               <a:rPr lang="en-US" smtClean="0"/>
-              <a:t>8</a:t>
+              <a:t>7</a:t>
             </a:fld>
             <a:endParaRPr lang="en-US"/>
           </a:p>
@@ -782,7 +774,7 @@
     </p:spTree>
     <p:extLst>
       <p:ext uri="{BB962C8B-B14F-4D97-AF65-F5344CB8AC3E}">
-        <p14:creationId xmlns:p14="http://schemas.microsoft.com/office/powerpoint/2010/main" val="2447390117"/>
+        <p14:creationId xmlns:p14="http://schemas.microsoft.com/office/powerpoint/2010/main" val="940924563"/>
       </p:ext>
     </p:extLst>
   </p:cSld>
@@ -838,11 +830,11 @@
           <a:p>
             <a:r>
               <a:rPr lang="en-US" dirty="0" smtClean="0"/>
-              <a:t>What each request</a:t>
+              <a:t>Talk about timers and values. Grid</a:t>
             </a:r>
             <a:r>
               <a:rPr lang="en-US" baseline="0" dirty="0" smtClean="0"/>
-              <a:t> does</a:t>
+              <a:t> size is static for easy access in concrete classes.</a:t>
             </a:r>
             <a:endParaRPr lang="en-US" dirty="0"/>
           </a:p>
@@ -865,7 +857,7 @@
           <a:p>
             <a:fld id="{B0EC7914-C99C-EC47-BACB-EACC7A5FFFA3}" type="slidenum">
               <a:rPr lang="en-US" smtClean="0"/>
-              <a:t>9</a:t>
+              <a:t>8</a:t>
             </a:fld>
             <a:endParaRPr lang="en-US"/>
           </a:p>
@@ -874,7 +866,7 @@
     </p:spTree>
     <p:extLst>
       <p:ext uri="{BB962C8B-B14F-4D97-AF65-F5344CB8AC3E}">
-        <p14:creationId xmlns:p14="http://schemas.microsoft.com/office/powerpoint/2010/main" val="3369376564"/>
+        <p14:creationId xmlns:p14="http://schemas.microsoft.com/office/powerpoint/2010/main" val="2447390117"/>
       </p:ext>
     </p:extLst>
   </p:cSld>
@@ -930,15 +922,123 @@
           <a:p>
             <a:r>
               <a:rPr lang="en-US" dirty="0" smtClean="0"/>
+              <a:t>What each request</a:t>
+            </a:r>
+            <a:r>
+              <a:rPr lang="en-US" baseline="0" dirty="0" smtClean="0"/>
+              <a:t> does</a:t>
+            </a:r>
+            <a:endParaRPr lang="en-US" dirty="0"/>
+          </a:p>
+        </p:txBody>
+      </p:sp>
+      <p:sp>
+        <p:nvSpPr>
+          <p:cNvPr id="4" name="Slide Number Placeholder 3"/>
+          <p:cNvSpPr>
+            <a:spLocks noGrp="1"/>
+          </p:cNvSpPr>
+          <p:nvPr>
+            <p:ph type="sldNum" sz="quarter" idx="10"/>
+          </p:nvPr>
+        </p:nvSpPr>
+        <p:spPr/>
+        <p:txBody>
+          <a:bodyPr/>
+          <a:lstStyle/>
+          <a:p>
+            <a:fld id="{B0EC7914-C99C-EC47-BACB-EACC7A5FFFA3}" type="slidenum">
+              <a:rPr lang="en-US" smtClean="0"/>
+              <a:t>9</a:t>
+            </a:fld>
+            <a:endParaRPr lang="en-US"/>
+          </a:p>
+        </p:txBody>
+      </p:sp>
+    </p:spTree>
+    <p:extLst>
+      <p:ext uri="{BB962C8B-B14F-4D97-AF65-F5344CB8AC3E}">
+        <p14:creationId xmlns:p14="http://schemas.microsoft.com/office/powerpoint/2010/main" val="3369376564"/>
+      </p:ext>
+    </p:extLst>
+  </p:cSld>
+  <p:clrMapOvr>
+    <a:masterClrMapping/>
+  </p:clrMapOvr>
+</p:notes>
+</file>
+
+<file path=ppt/notesSlides/notesSlide6.xml><?xml version="1.0" encoding="utf-8"?>
+<p:notes xmlns:a="http://schemas.openxmlformats.org/drawingml/2006/main" xmlns:r="http://schemas.openxmlformats.org/officeDocument/2006/relationships" xmlns:p="http://schemas.openxmlformats.org/presentationml/2006/main">
+  <p:cSld>
+    <p:spTree>
+      <p:nvGrpSpPr>
+        <p:cNvPr id="1" name=""/>
+        <p:cNvGrpSpPr/>
+        <p:nvPr/>
+      </p:nvGrpSpPr>
+      <p:grpSpPr>
+        <a:xfrm>
+          <a:off x="0" y="0"/>
+          <a:ext cx="0" cy="0"/>
+          <a:chOff x="0" y="0"/>
+          <a:chExt cx="0" cy="0"/>
+        </a:xfrm>
+      </p:grpSpPr>
+      <p:sp>
+        <p:nvSpPr>
+          <p:cNvPr id="2" name="Slide Image Placeholder 1"/>
+          <p:cNvSpPr>
+            <a:spLocks noGrp="1" noRot="1" noChangeAspect="1"/>
+          </p:cNvSpPr>
+          <p:nvPr>
+            <p:ph type="sldImg"/>
+          </p:nvPr>
+        </p:nvSpPr>
+        <p:spPr/>
+      </p:sp>
+      <p:sp>
+        <p:nvSpPr>
+          <p:cNvPr id="3" name="Notes Placeholder 2"/>
+          <p:cNvSpPr>
+            <a:spLocks noGrp="1"/>
+          </p:cNvSpPr>
+          <p:nvPr>
+            <p:ph type="body" idx="1"/>
+          </p:nvPr>
+        </p:nvSpPr>
+        <p:spPr/>
+        <p:txBody>
+          <a:bodyPr/>
+          <a:lstStyle/>
+          <a:p>
+            <a:r>
+              <a:rPr lang="en-US" baseline="0" dirty="0" smtClean="0"/>
+              <a:t>Design decisions </a:t>
+            </a:r>
+            <a:r>
+              <a:rPr lang="mr-IN" baseline="0" dirty="0" smtClean="0"/>
+              <a:t>–</a:t>
+            </a:r>
+            <a:r>
+              <a:rPr lang="en-US" baseline="0" dirty="0" smtClean="0"/>
+              <a:t> flashing ghosts, blinking dots, </a:t>
+            </a:r>
+            <a:r>
+              <a:rPr lang="en-US" baseline="0" dirty="0" err="1" smtClean="0"/>
+              <a:t>pacman</a:t>
+            </a:r>
+            <a:r>
+              <a:rPr lang="en-US" baseline="0" dirty="0" smtClean="0"/>
+              <a:t> animation do not affect game so are handled only in view. </a:t>
+            </a:r>
+            <a:r>
+              <a:rPr lang="en-US" dirty="0" smtClean="0"/>
               <a:t>Talk about how we are drawing different</a:t>
             </a:r>
             <a:r>
               <a:rPr lang="en-US" baseline="0" dirty="0" smtClean="0"/>
-              <a:t> game objects, link to </a:t>
-            </a:r>
-            <a:r>
-              <a:rPr lang="en-US" baseline="0" dirty="0" err="1" smtClean="0"/>
-              <a:t>heroku</a:t>
+              <a:t> game objects. When to call each request</a:t>
             </a:r>
             <a:endParaRPr lang="en-US" dirty="0"/>
           </a:p>
@@ -4017,12 +4117,24 @@
           </a:xfrm>
         </p:spPr>
         <p:txBody>
-          <a:bodyPr/>
-          <a:lstStyle/>
-          <a:p>
-            <a:r>
-              <a:rPr lang="en-US" dirty="0" smtClean="0"/>
-              <a:t>Jonathan Wang, Manu </a:t>
+          <a:bodyPr>
+            <a:normAutofit fontScale="92500" lnSpcReduction="20000"/>
+          </a:bodyPr>
+          <a:lstStyle/>
+          <a:p>
+            <a:r>
+              <a:rPr lang="en-US" dirty="0" smtClean="0"/>
+              <a:t>Team Houston</a:t>
+            </a:r>
+          </a:p>
+          <a:p>
+            <a:r>
+              <a:rPr lang="en-US" dirty="0" smtClean="0"/>
+              <a:t>Jonathan </a:t>
+            </a:r>
+            <a:r>
+              <a:rPr lang="en-US" dirty="0" smtClean="0"/>
+              <a:t>Wang, Manu </a:t>
             </a:r>
             <a:r>
               <a:rPr lang="en-US" dirty="0" err="1" smtClean="0"/>
@@ -4337,7 +4449,6 @@
               <a:rPr lang="en-US" dirty="0" smtClean="0"/>
               <a:t>Spawn fruit periodically</a:t>
             </a:r>
-            <a:endParaRPr lang="en-US" dirty="0" smtClean="0"/>
           </a:p>
           <a:p>
             <a:pPr lvl="1"/>
@@ -4350,15 +4461,7 @@
             <a:pPr lvl="1"/>
             <a:r>
               <a:rPr lang="en-US" dirty="0" smtClean="0"/>
-              <a:t>Track score, lives, </a:t>
-            </a:r>
-            <a:r>
-              <a:rPr lang="en-US" dirty="0" smtClean="0"/>
-              <a:t>timers, etc</a:t>
-            </a:r>
-            <a:r>
-              <a:rPr lang="en-US" dirty="0" smtClean="0"/>
-              <a:t>.</a:t>
+              <a:t>Track score, lives, timers, etc.</a:t>
             </a:r>
             <a:endParaRPr lang="en-US" dirty="0"/>
           </a:p>
@@ -4900,11 +5003,7 @@
             </a:r>
             <a:r>
               <a:rPr lang="en-US" dirty="0" smtClean="0"/>
-              <a:t> one-directional </a:t>
-            </a:r>
-            <a:r>
-              <a:rPr lang="en-US" dirty="0" smtClean="0"/>
-              <a:t>interactions</a:t>
+              <a:t> one-directional interactions</a:t>
             </a:r>
           </a:p>
         </p:txBody>

--- a/src/main/resources/hw7_presentation.pptx
+++ b/src/main/resources/hw7_presentation.pptx
@@ -117,6 +117,22 @@
       </a:defRPr>
     </a:lvl9pPr>
   </p:defaultTextStyle>
+  <p:extLst>
+    <p:ext uri="{EFAFB233-063F-42B5-8137-9DF3F51BA10A}">
+      <p15:sldGuideLst xmlns:p15="http://schemas.microsoft.com/office/powerpoint/2012/main">
+        <p15:guide id="1" orient="horz" pos="2160">
+          <p15:clr>
+            <a:srgbClr val="A4A3A4"/>
+          </p15:clr>
+        </p15:guide>
+        <p15:guide id="2" pos="2880">
+          <p15:clr>
+            <a:srgbClr val="A4A3A4"/>
+          </p15:clr>
+        </p15:guide>
+      </p15:sldGuideLst>
+    </p:ext>
+  </p:extLst>
 </p:presentation>
 </file>
 
@@ -202,7 +218,7 @@
           <a:p>
             <a:fld id="{F47BD92E-FF1D-6A4E-BE14-EDEAC00E0CAA}" type="datetimeFigureOut">
               <a:rPr lang="en-US" smtClean="0"/>
-              <a:t>10/22/18</a:t>
+              <a:t>10/25/18</a:t>
             </a:fld>
             <a:endParaRPr lang="en-US"/>
           </a:p>
@@ -612,11 +628,7 @@
             </a:r>
             <a:r>
               <a:rPr lang="en-US" dirty="0" smtClean="0"/>
-              <a:t>Interact </a:t>
-            </a:r>
-            <a:r>
-              <a:rPr lang="en-US" dirty="0" smtClean="0"/>
-              <a:t>strategy example: ghost handles all </a:t>
+              <a:t>Interact strategy example: ghost handles all </a:t>
             </a:r>
             <a:r>
               <a:rPr lang="en-US" dirty="0" err="1" smtClean="0"/>
@@ -1261,7 +1273,7 @@
           <a:p>
             <a:fld id="{E2016EA5-1104-9947-BC32-BE5ED901B257}" type="datetimeFigureOut">
               <a:rPr lang="en-US" smtClean="0"/>
-              <a:t>10/22/18</a:t>
+              <a:t>10/25/18</a:t>
             </a:fld>
             <a:endParaRPr lang="en-US"/>
           </a:p>
@@ -1431,7 +1443,7 @@
           <a:p>
             <a:fld id="{E2016EA5-1104-9947-BC32-BE5ED901B257}" type="datetimeFigureOut">
               <a:rPr lang="en-US" smtClean="0"/>
-              <a:t>10/22/18</a:t>
+              <a:t>10/25/18</a:t>
             </a:fld>
             <a:endParaRPr lang="en-US"/>
           </a:p>
@@ -1611,7 +1623,7 @@
           <a:p>
             <a:fld id="{E2016EA5-1104-9947-BC32-BE5ED901B257}" type="datetimeFigureOut">
               <a:rPr lang="en-US" smtClean="0"/>
-              <a:t>10/22/18</a:t>
+              <a:t>10/25/18</a:t>
             </a:fld>
             <a:endParaRPr lang="en-US"/>
           </a:p>
@@ -1781,7 +1793,7 @@
           <a:p>
             <a:fld id="{E2016EA5-1104-9947-BC32-BE5ED901B257}" type="datetimeFigureOut">
               <a:rPr lang="en-US" smtClean="0"/>
-              <a:t>10/22/18</a:t>
+              <a:t>10/25/18</a:t>
             </a:fld>
             <a:endParaRPr lang="en-US"/>
           </a:p>
@@ -2027,7 +2039,7 @@
           <a:p>
             <a:fld id="{E2016EA5-1104-9947-BC32-BE5ED901B257}" type="datetimeFigureOut">
               <a:rPr lang="en-US" smtClean="0"/>
-              <a:t>10/22/18</a:t>
+              <a:t>10/25/18</a:t>
             </a:fld>
             <a:endParaRPr lang="en-US"/>
           </a:p>
@@ -2315,7 +2327,7 @@
           <a:p>
             <a:fld id="{E2016EA5-1104-9947-BC32-BE5ED901B257}" type="datetimeFigureOut">
               <a:rPr lang="en-US" smtClean="0"/>
-              <a:t>10/22/18</a:t>
+              <a:t>10/25/18</a:t>
             </a:fld>
             <a:endParaRPr lang="en-US"/>
           </a:p>
@@ -2737,7 +2749,7 @@
           <a:p>
             <a:fld id="{E2016EA5-1104-9947-BC32-BE5ED901B257}" type="datetimeFigureOut">
               <a:rPr lang="en-US" smtClean="0"/>
-              <a:t>10/22/18</a:t>
+              <a:t>10/25/18</a:t>
             </a:fld>
             <a:endParaRPr lang="en-US"/>
           </a:p>
@@ -2855,7 +2867,7 @@
           <a:p>
             <a:fld id="{E2016EA5-1104-9947-BC32-BE5ED901B257}" type="datetimeFigureOut">
               <a:rPr lang="en-US" smtClean="0"/>
-              <a:t>10/22/18</a:t>
+              <a:t>10/25/18</a:t>
             </a:fld>
             <a:endParaRPr lang="en-US"/>
           </a:p>
@@ -2950,7 +2962,7 @@
           <a:p>
             <a:fld id="{E2016EA5-1104-9947-BC32-BE5ED901B257}" type="datetimeFigureOut">
               <a:rPr lang="en-US" smtClean="0"/>
-              <a:t>10/22/18</a:t>
+              <a:t>10/25/18</a:t>
             </a:fld>
             <a:endParaRPr lang="en-US"/>
           </a:p>
@@ -3227,7 +3239,7 @@
           <a:p>
             <a:fld id="{E2016EA5-1104-9947-BC32-BE5ED901B257}" type="datetimeFigureOut">
               <a:rPr lang="en-US" smtClean="0"/>
-              <a:t>10/22/18</a:t>
+              <a:t>10/25/18</a:t>
             </a:fld>
             <a:endParaRPr lang="en-US"/>
           </a:p>
@@ -3480,7 +3492,7 @@
           <a:p>
             <a:fld id="{E2016EA5-1104-9947-BC32-BE5ED901B257}" type="datetimeFigureOut">
               <a:rPr lang="en-US" smtClean="0"/>
-              <a:t>10/22/18</a:t>
+              <a:t>10/25/18</a:t>
             </a:fld>
             <a:endParaRPr lang="en-US"/>
           </a:p>
@@ -3693,7 +3705,7 @@
           <a:p>
             <a:fld id="{E2016EA5-1104-9947-BC32-BE5ED901B257}" type="datetimeFigureOut">
               <a:rPr lang="en-US" smtClean="0"/>
-              <a:t>10/22/18</a:t>
+              <a:t>10/25/18</a:t>
             </a:fld>
             <a:endParaRPr lang="en-US"/>
           </a:p>
@@ -4130,11 +4142,7 @@
           <a:p>
             <a:r>
               <a:rPr lang="en-US" dirty="0" smtClean="0"/>
-              <a:t>Jonathan </a:t>
-            </a:r>
-            <a:r>
-              <a:rPr lang="en-US" dirty="0" smtClean="0"/>
-              <a:t>Wang, Manu </a:t>
+              <a:t>Jonathan Wang, Manu </a:t>
             </a:r>
             <a:r>
               <a:rPr lang="en-US" dirty="0" err="1" smtClean="0"/>
@@ -5021,7 +5029,7 @@
   <p:timing>
     <p:tnLst>
       <p:par>
-        <p:cTn xmlns:p14="http://schemas.microsoft.com/office/powerpoint/2010/main" id="1" dur="indefinite" restart="never" nodeType="tmRoot"/>
+        <p:cTn id="1" dur="indefinite" restart="never" nodeType="tmRoot"/>
       </p:par>
     </p:tnLst>
   </p:timing>
@@ -5117,7 +5125,7 @@
   <p:timing>
     <p:tnLst>
       <p:par>
-        <p:cTn xmlns:p14="http://schemas.microsoft.com/office/powerpoint/2010/main" id="1" dur="indefinite" restart="never" nodeType="tmRoot"/>
+        <p:cTn id="1" dur="indefinite" restart="never" nodeType="tmRoot"/>
       </p:par>
     </p:tnLst>
   </p:timing>
@@ -5225,7 +5233,7 @@
   <p:timing>
     <p:tnLst>
       <p:par>
-        <p:cTn xmlns:p14="http://schemas.microsoft.com/office/powerpoint/2010/main" id="1" dur="indefinite" restart="never" nodeType="tmRoot"/>
+        <p:cTn id="1" dur="indefinite" restart="never" nodeType="tmRoot"/>
       </p:par>
     </p:tnLst>
   </p:timing>

--- a/src/main/resources/hw7_presentation.pptx
+++ b/src/main/resources/hw7_presentation.pptx
@@ -5,20 +5,24 @@
     <p:sldMasterId id="2147483648" r:id="rId1"/>
   </p:sldMasterIdLst>
   <p:notesMasterIdLst>
-    <p:notesMasterId r:id="rId13"/>
+    <p:notesMasterId r:id="rId17"/>
   </p:notesMasterIdLst>
   <p:sldIdLst>
     <p:sldId id="256" r:id="rId2"/>
-    <p:sldId id="264" r:id="rId3"/>
-    <p:sldId id="267" r:id="rId4"/>
-    <p:sldId id="268" r:id="rId5"/>
-    <p:sldId id="257" r:id="rId6"/>
-    <p:sldId id="259" r:id="rId7"/>
-    <p:sldId id="260" r:id="rId8"/>
-    <p:sldId id="261" r:id="rId9"/>
-    <p:sldId id="262" r:id="rId10"/>
-    <p:sldId id="265" r:id="rId11"/>
-    <p:sldId id="266" r:id="rId12"/>
+    <p:sldId id="273" r:id="rId3"/>
+    <p:sldId id="274" r:id="rId4"/>
+    <p:sldId id="270" r:id="rId5"/>
+    <p:sldId id="260" r:id="rId6"/>
+    <p:sldId id="261" r:id="rId7"/>
+    <p:sldId id="262" r:id="rId8"/>
+    <p:sldId id="265" r:id="rId9"/>
+    <p:sldId id="266" r:id="rId10"/>
+    <p:sldId id="271" r:id="rId11"/>
+    <p:sldId id="267" r:id="rId12"/>
+    <p:sldId id="268" r:id="rId13"/>
+    <p:sldId id="264" r:id="rId14"/>
+    <p:sldId id="275" r:id="rId15"/>
+    <p:sldId id="272" r:id="rId16"/>
   </p:sldIdLst>
   <p:sldSz cx="9144000" cy="6858000" type="screen4x3"/>
   <p:notesSz cx="6858000" cy="9144000"/>
@@ -218,7 +222,7 @@
           <a:p>
             <a:fld id="{F47BD92E-FF1D-6A4E-BE14-EDEAC00E0CAA}" type="datetimeFigureOut">
               <a:rPr lang="en-US" smtClean="0"/>
-              <a:t>10/25/18</a:t>
+              <a:t>11/2/18</a:t>
             </a:fld>
             <a:endParaRPr lang="en-US"/>
           </a:p>
@@ -530,10 +534,6 @@
           <a:bodyPr/>
           <a:lstStyle/>
           <a:p>
-            <a:r>
-              <a:rPr lang="en-US" dirty="0" smtClean="0"/>
-              <a:t>Overview of how each piece connects to use cases</a:t>
-            </a:r>
             <a:endParaRPr lang="en-US" dirty="0"/>
           </a:p>
         </p:txBody>
@@ -555,7 +555,7 @@
           <a:p>
             <a:fld id="{B0EC7914-C99C-EC47-BACB-EACC7A5FFFA3}" type="slidenum">
               <a:rPr lang="en-US" smtClean="0"/>
-              <a:t>5</a:t>
+              <a:t>3</a:t>
             </a:fld>
             <a:endParaRPr lang="en-US"/>
           </a:p>
@@ -564,7 +564,7 @@
     </p:spTree>
     <p:extLst>
       <p:ext uri="{BB962C8B-B14F-4D97-AF65-F5344CB8AC3E}">
-        <p14:creationId xmlns:p14="http://schemas.microsoft.com/office/powerpoint/2010/main" val="1129418081"/>
+        <p14:creationId xmlns:p14="http://schemas.microsoft.com/office/powerpoint/2010/main" val="214430660"/>
       </p:ext>
     </p:extLst>
   </p:cSld>
@@ -620,35 +620,25 @@
           <a:p>
             <a:r>
               <a:rPr lang="en-US" dirty="0" smtClean="0"/>
-              <a:t>Talk about how</a:t>
+              <a:t>All </a:t>
+            </a:r>
+            <a:r>
+              <a:rPr lang="en-US" dirty="0" err="1" smtClean="0"/>
+              <a:t>AGameObjects</a:t>
             </a:r>
             <a:r>
               <a:rPr lang="en-US" baseline="0" dirty="0" smtClean="0"/>
-              <a:t> interfaces satisfy use cases. </a:t>
+              <a:t> implement Observer. Talk </a:t>
             </a:r>
             <a:r>
               <a:rPr lang="en-US" dirty="0" smtClean="0"/>
-              <a:t>Interact strategy example: ghost handles all </a:t>
-            </a:r>
-            <a:r>
-              <a:rPr lang="en-US" dirty="0" err="1" smtClean="0"/>
-              <a:t>pacman</a:t>
-            </a:r>
-            <a:r>
-              <a:rPr lang="en-US" dirty="0" smtClean="0"/>
-              <a:t>-ghost interactions, and </a:t>
-            </a:r>
-            <a:r>
-              <a:rPr lang="en-US" dirty="0" err="1" smtClean="0"/>
-              <a:t>pacman</a:t>
-            </a:r>
-            <a:r>
-              <a:rPr lang="en-US" dirty="0" smtClean="0"/>
-              <a:t> does not</a:t>
-            </a:r>
+              <a:t>about inheritance structure and functions.</a:t>
+            </a:r>
+          </a:p>
+          <a:p>
             <a:r>
               <a:rPr lang="en-US" baseline="0" dirty="0" smtClean="0"/>
-              <a:t> worry about it.</a:t>
+              <a:t>Separate concrete classes for easy object creation and extensibility. </a:t>
             </a:r>
             <a:endParaRPr lang="en-US" dirty="0"/>
           </a:p>
@@ -671,7 +661,7 @@
           <a:p>
             <a:fld id="{B0EC7914-C99C-EC47-BACB-EACC7A5FFFA3}" type="slidenum">
               <a:rPr lang="en-US" smtClean="0"/>
-              <a:t>6</a:t>
+              <a:t>5</a:t>
             </a:fld>
             <a:endParaRPr lang="en-US"/>
           </a:p>
@@ -680,7 +670,7 @@
     </p:spTree>
     <p:extLst>
       <p:ext uri="{BB962C8B-B14F-4D97-AF65-F5344CB8AC3E}">
-        <p14:creationId xmlns:p14="http://schemas.microsoft.com/office/powerpoint/2010/main" val="2346791306"/>
+        <p14:creationId xmlns:p14="http://schemas.microsoft.com/office/powerpoint/2010/main" val="940924563"/>
       </p:ext>
     </p:extLst>
   </p:cSld>
@@ -736,25 +726,11 @@
           <a:p>
             <a:r>
               <a:rPr lang="en-US" dirty="0" smtClean="0"/>
-              <a:t>All </a:t>
-            </a:r>
-            <a:r>
-              <a:rPr lang="en-US" dirty="0" err="1" smtClean="0"/>
-              <a:t>AGameObjects</a:t>
+              <a:t>Talk about timers and values. Grid</a:t>
             </a:r>
             <a:r>
               <a:rPr lang="en-US" baseline="0" dirty="0" smtClean="0"/>
-              <a:t> implement Observer. Talk </a:t>
-            </a:r>
-            <a:r>
-              <a:rPr lang="en-US" dirty="0" smtClean="0"/>
-              <a:t>about inheritance structure and functions.</a:t>
-            </a:r>
-          </a:p>
-          <a:p>
-            <a:r>
-              <a:rPr lang="en-US" baseline="0" dirty="0" smtClean="0"/>
-              <a:t>Separate concrete classes for easy object creation and extensibility. </a:t>
+              <a:t> size is static for easy access in concrete classes.</a:t>
             </a:r>
             <a:endParaRPr lang="en-US" dirty="0"/>
           </a:p>
@@ -777,7 +753,7 @@
           <a:p>
             <a:fld id="{B0EC7914-C99C-EC47-BACB-EACC7A5FFFA3}" type="slidenum">
               <a:rPr lang="en-US" smtClean="0"/>
-              <a:t>7</a:t>
+              <a:t>6</a:t>
             </a:fld>
             <a:endParaRPr lang="en-US"/>
           </a:p>
@@ -786,7 +762,7 @@
     </p:spTree>
     <p:extLst>
       <p:ext uri="{BB962C8B-B14F-4D97-AF65-F5344CB8AC3E}">
-        <p14:creationId xmlns:p14="http://schemas.microsoft.com/office/powerpoint/2010/main" val="940924563"/>
+        <p14:creationId xmlns:p14="http://schemas.microsoft.com/office/powerpoint/2010/main" val="2447390117"/>
       </p:ext>
     </p:extLst>
   </p:cSld>
@@ -842,11 +818,11 @@
           <a:p>
             <a:r>
               <a:rPr lang="en-US" dirty="0" smtClean="0"/>
-              <a:t>Talk about timers and values. Grid</a:t>
+              <a:t>What each request</a:t>
             </a:r>
             <a:r>
               <a:rPr lang="en-US" baseline="0" dirty="0" smtClean="0"/>
-              <a:t> size is static for easy access in concrete classes.</a:t>
+              <a:t> does</a:t>
             </a:r>
             <a:endParaRPr lang="en-US" dirty="0"/>
           </a:p>
@@ -869,7 +845,7 @@
           <a:p>
             <a:fld id="{B0EC7914-C99C-EC47-BACB-EACC7A5FFFA3}" type="slidenum">
               <a:rPr lang="en-US" smtClean="0"/>
-              <a:t>8</a:t>
+              <a:t>7</a:t>
             </a:fld>
             <a:endParaRPr lang="en-US"/>
           </a:p>
@@ -878,7 +854,7 @@
     </p:spTree>
     <p:extLst>
       <p:ext uri="{BB962C8B-B14F-4D97-AF65-F5344CB8AC3E}">
-        <p14:creationId xmlns:p14="http://schemas.microsoft.com/office/powerpoint/2010/main" val="2447390117"/>
+        <p14:creationId xmlns:p14="http://schemas.microsoft.com/office/powerpoint/2010/main" val="3369376564"/>
       </p:ext>
     </p:extLst>
   </p:cSld>
@@ -933,12 +909,32 @@
           <a:lstStyle/>
           <a:p>
             <a:r>
+              <a:rPr lang="en-US" baseline="0" dirty="0" smtClean="0"/>
+              <a:t>Design decisions </a:t>
+            </a:r>
+            <a:r>
+              <a:rPr lang="mr-IN" baseline="0" dirty="0" smtClean="0"/>
+              <a:t>–</a:t>
+            </a:r>
+            <a:r>
+              <a:rPr lang="en-US" baseline="0" dirty="0" smtClean="0"/>
+              <a:t> flashing ghosts, blinking dots, </a:t>
+            </a:r>
+            <a:r>
+              <a:rPr lang="en-US" baseline="0" dirty="0" err="1" smtClean="0"/>
+              <a:t>pacman</a:t>
+            </a:r>
+            <a:r>
+              <a:rPr lang="en-US" baseline="0" dirty="0" smtClean="0"/>
+              <a:t> animation do not affect game so are handled only in view. </a:t>
+            </a:r>
+            <a:r>
               <a:rPr lang="en-US" dirty="0" smtClean="0"/>
-              <a:t>What each request</a:t>
+              <a:t>Talk about how we are drawing different</a:t>
             </a:r>
             <a:r>
               <a:rPr lang="en-US" baseline="0" dirty="0" smtClean="0"/>
-              <a:t> does</a:t>
+              <a:t> game objects. When to call each request</a:t>
             </a:r>
             <a:endParaRPr lang="en-US" dirty="0"/>
           </a:p>
@@ -961,7 +957,7 @@
           <a:p>
             <a:fld id="{B0EC7914-C99C-EC47-BACB-EACC7A5FFFA3}" type="slidenum">
               <a:rPr lang="en-US" smtClean="0"/>
-              <a:t>9</a:t>
+              <a:t>8</a:t>
             </a:fld>
             <a:endParaRPr lang="en-US"/>
           </a:p>
@@ -970,7 +966,7 @@
     </p:spTree>
     <p:extLst>
       <p:ext uri="{BB962C8B-B14F-4D97-AF65-F5344CB8AC3E}">
-        <p14:creationId xmlns:p14="http://schemas.microsoft.com/office/powerpoint/2010/main" val="3369376564"/>
+        <p14:creationId xmlns:p14="http://schemas.microsoft.com/office/powerpoint/2010/main" val="824070473"/>
       </p:ext>
     </p:extLst>
   </p:cSld>
@@ -1025,32 +1021,8 @@
           <a:lstStyle/>
           <a:p>
             <a:r>
-              <a:rPr lang="en-US" baseline="0" dirty="0" smtClean="0"/>
-              <a:t>Design decisions </a:t>
-            </a:r>
-            <a:r>
-              <a:rPr lang="mr-IN" baseline="0" dirty="0" smtClean="0"/>
-              <a:t>–</a:t>
-            </a:r>
-            <a:r>
-              <a:rPr lang="en-US" baseline="0" dirty="0" smtClean="0"/>
-              <a:t> flashing ghosts, blinking dots, </a:t>
-            </a:r>
-            <a:r>
-              <a:rPr lang="en-US" baseline="0" dirty="0" err="1" smtClean="0"/>
-              <a:t>pacman</a:t>
-            </a:r>
-            <a:r>
-              <a:rPr lang="en-US" baseline="0" dirty="0" smtClean="0"/>
-              <a:t> animation do not affect game so are handled only in view. </a:t>
-            </a:r>
-            <a:r>
               <a:rPr lang="en-US" dirty="0" smtClean="0"/>
-              <a:t>Talk about how we are drawing different</a:t>
-            </a:r>
-            <a:r>
-              <a:rPr lang="en-US" baseline="0" dirty="0" smtClean="0"/>
-              <a:t> game objects. When to call each request</a:t>
+              <a:t>Overview of how each piece connects to use cases</a:t>
             </a:r>
             <a:endParaRPr lang="en-US" dirty="0"/>
           </a:p>
@@ -1073,7 +1045,7 @@
           <a:p>
             <a:fld id="{B0EC7914-C99C-EC47-BACB-EACC7A5FFFA3}" type="slidenum">
               <a:rPr lang="en-US" smtClean="0"/>
-              <a:t>10</a:t>
+              <a:t>14</a:t>
             </a:fld>
             <a:endParaRPr lang="en-US"/>
           </a:p>
@@ -1082,7 +1054,123 @@
     </p:spTree>
     <p:extLst>
       <p:ext uri="{BB962C8B-B14F-4D97-AF65-F5344CB8AC3E}">
-        <p14:creationId xmlns:p14="http://schemas.microsoft.com/office/powerpoint/2010/main" val="824070473"/>
+        <p14:creationId xmlns:p14="http://schemas.microsoft.com/office/powerpoint/2010/main" val="1194889481"/>
+      </p:ext>
+    </p:extLst>
+  </p:cSld>
+  <p:clrMapOvr>
+    <a:masterClrMapping/>
+  </p:clrMapOvr>
+</p:notes>
+</file>
+
+<file path=ppt/notesSlides/notesSlide7.xml><?xml version="1.0" encoding="utf-8"?>
+<p:notes xmlns:a="http://schemas.openxmlformats.org/drawingml/2006/main" xmlns:r="http://schemas.openxmlformats.org/officeDocument/2006/relationships" xmlns:p="http://schemas.openxmlformats.org/presentationml/2006/main">
+  <p:cSld>
+    <p:spTree>
+      <p:nvGrpSpPr>
+        <p:cNvPr id="1" name=""/>
+        <p:cNvGrpSpPr/>
+        <p:nvPr/>
+      </p:nvGrpSpPr>
+      <p:grpSpPr>
+        <a:xfrm>
+          <a:off x="0" y="0"/>
+          <a:ext cx="0" cy="0"/>
+          <a:chOff x="0" y="0"/>
+          <a:chExt cx="0" cy="0"/>
+        </a:xfrm>
+      </p:grpSpPr>
+      <p:sp>
+        <p:nvSpPr>
+          <p:cNvPr id="2" name="Slide Image Placeholder 1"/>
+          <p:cNvSpPr>
+            <a:spLocks noGrp="1" noRot="1" noChangeAspect="1"/>
+          </p:cNvSpPr>
+          <p:nvPr>
+            <p:ph type="sldImg"/>
+          </p:nvPr>
+        </p:nvSpPr>
+        <p:spPr/>
+      </p:sp>
+      <p:sp>
+        <p:nvSpPr>
+          <p:cNvPr id="3" name="Notes Placeholder 2"/>
+          <p:cNvSpPr>
+            <a:spLocks noGrp="1"/>
+          </p:cNvSpPr>
+          <p:nvPr>
+            <p:ph type="body" idx="1"/>
+          </p:nvPr>
+        </p:nvSpPr>
+        <p:spPr/>
+        <p:txBody>
+          <a:bodyPr/>
+          <a:lstStyle/>
+          <a:p>
+            <a:r>
+              <a:rPr lang="en-US" dirty="0" smtClean="0"/>
+              <a:t>Talk about how</a:t>
+            </a:r>
+            <a:r>
+              <a:rPr lang="en-US" baseline="0" dirty="0" smtClean="0"/>
+              <a:t> interfaces satisfy use cases. </a:t>
+            </a:r>
+            <a:r>
+              <a:rPr lang="en-US" dirty="0" smtClean="0"/>
+              <a:t>Interact strategy example: ghost handles all </a:t>
+            </a:r>
+            <a:r>
+              <a:rPr lang="en-US" dirty="0" err="1" smtClean="0"/>
+              <a:t>pacman</a:t>
+            </a:r>
+            <a:r>
+              <a:rPr lang="en-US" dirty="0" smtClean="0"/>
+              <a:t>-ghost interactions, and </a:t>
+            </a:r>
+            <a:r>
+              <a:rPr lang="en-US" dirty="0" err="1" smtClean="0"/>
+              <a:t>pacman</a:t>
+            </a:r>
+            <a:r>
+              <a:rPr lang="en-US" dirty="0" smtClean="0"/>
+              <a:t> does not</a:t>
+            </a:r>
+            <a:r>
+              <a:rPr lang="en-US" baseline="0" dirty="0" smtClean="0"/>
+              <a:t> worry about it.</a:t>
+            </a:r>
+            <a:endParaRPr lang="en-US" dirty="0"/>
+          </a:p>
+        </p:txBody>
+      </p:sp>
+      <p:sp>
+        <p:nvSpPr>
+          <p:cNvPr id="4" name="Slide Number Placeholder 3"/>
+          <p:cNvSpPr>
+            <a:spLocks noGrp="1"/>
+          </p:cNvSpPr>
+          <p:nvPr>
+            <p:ph type="sldNum" sz="quarter" idx="10"/>
+          </p:nvPr>
+        </p:nvSpPr>
+        <p:spPr/>
+        <p:txBody>
+          <a:bodyPr/>
+          <a:lstStyle/>
+          <a:p>
+            <a:fld id="{B0EC7914-C99C-EC47-BACB-EACC7A5FFFA3}" type="slidenum">
+              <a:rPr lang="en-US" smtClean="0"/>
+              <a:t>15</a:t>
+            </a:fld>
+            <a:endParaRPr lang="en-US"/>
+          </a:p>
+        </p:txBody>
+      </p:sp>
+    </p:spTree>
+    <p:extLst>
+      <p:ext uri="{BB962C8B-B14F-4D97-AF65-F5344CB8AC3E}">
+        <p14:creationId xmlns:p14="http://schemas.microsoft.com/office/powerpoint/2010/main" val="22833653"/>
       </p:ext>
     </p:extLst>
   </p:cSld>
@@ -1273,7 +1361,7 @@
           <a:p>
             <a:fld id="{E2016EA5-1104-9947-BC32-BE5ED901B257}" type="datetimeFigureOut">
               <a:rPr lang="en-US" smtClean="0"/>
-              <a:t>10/25/18</a:t>
+              <a:t>11/2/18</a:t>
             </a:fld>
             <a:endParaRPr lang="en-US"/>
           </a:p>
@@ -1443,7 +1531,7 @@
           <a:p>
             <a:fld id="{E2016EA5-1104-9947-BC32-BE5ED901B257}" type="datetimeFigureOut">
               <a:rPr lang="en-US" smtClean="0"/>
-              <a:t>10/25/18</a:t>
+              <a:t>11/2/18</a:t>
             </a:fld>
             <a:endParaRPr lang="en-US"/>
           </a:p>
@@ -1623,7 +1711,7 @@
           <a:p>
             <a:fld id="{E2016EA5-1104-9947-BC32-BE5ED901B257}" type="datetimeFigureOut">
               <a:rPr lang="en-US" smtClean="0"/>
-              <a:t>10/25/18</a:t>
+              <a:t>11/2/18</a:t>
             </a:fld>
             <a:endParaRPr lang="en-US"/>
           </a:p>
@@ -1793,7 +1881,7 @@
           <a:p>
             <a:fld id="{E2016EA5-1104-9947-BC32-BE5ED901B257}" type="datetimeFigureOut">
               <a:rPr lang="en-US" smtClean="0"/>
-              <a:t>10/25/18</a:t>
+              <a:t>11/2/18</a:t>
             </a:fld>
             <a:endParaRPr lang="en-US"/>
           </a:p>
@@ -2039,7 +2127,7 @@
           <a:p>
             <a:fld id="{E2016EA5-1104-9947-BC32-BE5ED901B257}" type="datetimeFigureOut">
               <a:rPr lang="en-US" smtClean="0"/>
-              <a:t>10/25/18</a:t>
+              <a:t>11/2/18</a:t>
             </a:fld>
             <a:endParaRPr lang="en-US"/>
           </a:p>
@@ -2327,7 +2415,7 @@
           <a:p>
             <a:fld id="{E2016EA5-1104-9947-BC32-BE5ED901B257}" type="datetimeFigureOut">
               <a:rPr lang="en-US" smtClean="0"/>
-              <a:t>10/25/18</a:t>
+              <a:t>11/2/18</a:t>
             </a:fld>
             <a:endParaRPr lang="en-US"/>
           </a:p>
@@ -2749,7 +2837,7 @@
           <a:p>
             <a:fld id="{E2016EA5-1104-9947-BC32-BE5ED901B257}" type="datetimeFigureOut">
               <a:rPr lang="en-US" smtClean="0"/>
-              <a:t>10/25/18</a:t>
+              <a:t>11/2/18</a:t>
             </a:fld>
             <a:endParaRPr lang="en-US"/>
           </a:p>
@@ -2867,7 +2955,7 @@
           <a:p>
             <a:fld id="{E2016EA5-1104-9947-BC32-BE5ED901B257}" type="datetimeFigureOut">
               <a:rPr lang="en-US" smtClean="0"/>
-              <a:t>10/25/18</a:t>
+              <a:t>11/2/18</a:t>
             </a:fld>
             <a:endParaRPr lang="en-US"/>
           </a:p>
@@ -2962,7 +3050,7 @@
           <a:p>
             <a:fld id="{E2016EA5-1104-9947-BC32-BE5ED901B257}" type="datetimeFigureOut">
               <a:rPr lang="en-US" smtClean="0"/>
-              <a:t>10/25/18</a:t>
+              <a:t>11/2/18</a:t>
             </a:fld>
             <a:endParaRPr lang="en-US"/>
           </a:p>
@@ -3239,7 +3327,7 @@
           <a:p>
             <a:fld id="{E2016EA5-1104-9947-BC32-BE5ED901B257}" type="datetimeFigureOut">
               <a:rPr lang="en-US" smtClean="0"/>
-              <a:t>10/25/18</a:t>
+              <a:t>11/2/18</a:t>
             </a:fld>
             <a:endParaRPr lang="en-US"/>
           </a:p>
@@ -3492,7 +3580,7 @@
           <a:p>
             <a:fld id="{E2016EA5-1104-9947-BC32-BE5ED901B257}" type="datetimeFigureOut">
               <a:rPr lang="en-US" smtClean="0"/>
-              <a:t>10/25/18</a:t>
+              <a:t>11/2/18</a:t>
             </a:fld>
             <a:endParaRPr lang="en-US"/>
           </a:p>
@@ -3705,7 +3793,7 @@
           <a:p>
             <a:fld id="{E2016EA5-1104-9947-BC32-BE5ED901B257}" type="datetimeFigureOut">
               <a:rPr lang="en-US" smtClean="0"/>
-              <a:t>10/25/18</a:t>
+              <a:t>11/2/18</a:t>
             </a:fld>
             <a:endParaRPr lang="en-US"/>
           </a:p>
@@ -4101,12 +4189,28 @@
           <a:lstStyle/>
           <a:p>
             <a:r>
-              <a:rPr lang="en-US" dirty="0" err="1" smtClean="0"/>
+              <a:rPr lang="en-US" dirty="0" smtClean="0"/>
               <a:t>Pacman</a:t>
             </a:r>
             <a:r>
+              <a:rPr lang="zh-CN" altLang="en-US" dirty="0" smtClean="0"/>
+              <a:t> </a:t>
+            </a:r>
+            <a:r>
+              <a:rPr lang="en-US" altLang="zh-CN" dirty="0" smtClean="0"/>
+              <a:t>Final</a:t>
+            </a:r>
+            <a:r>
               <a:rPr lang="en-US" dirty="0" smtClean="0"/>
-              <a:t> Game API Design</a:t>
+              <a:t> Game</a:t>
+            </a:r>
+            <a:r>
+              <a:rPr lang="zh-CN" altLang="en-US" dirty="0" smtClean="0"/>
+              <a:t> </a:t>
+            </a:r>
+            <a:r>
+              <a:rPr lang="en-US" dirty="0" smtClean="0"/>
+              <a:t>Design</a:t>
             </a:r>
             <a:endParaRPr lang="en-US" dirty="0"/>
           </a:p>
@@ -4190,6 +4294,13 @@
   <p:clrMapOvr>
     <a:masterClrMapping/>
   </p:clrMapOvr>
+  <p:timing>
+    <p:tnLst>
+      <p:par>
+        <p:cTn id="1" dur="indefinite" restart="never" nodeType="tmRoot"/>
+      </p:par>
+    </p:tnLst>
+  </p:timing>
 </p:sld>
 </file>
 
@@ -4225,41 +4336,13 @@
           <a:bodyPr/>
           <a:lstStyle/>
           <a:p>
-            <a:r>
-              <a:rPr lang="en-US" dirty="0" smtClean="0"/>
-              <a:t>View</a:t>
-            </a:r>
-            <a:endParaRPr lang="en-US" dirty="0"/>
-          </a:p>
-        </p:txBody>
-      </p:sp>
-      <p:pic>
-        <p:nvPicPr>
-          <p:cNvPr id="13" name="Picture 12"/>
-          <p:cNvPicPr>
-            <a:picLocks noChangeAspect="1"/>
-          </p:cNvPicPr>
-          <p:nvPr/>
-        </p:nvPicPr>
-        <p:blipFill>
-          <a:blip r:embed="rId3"/>
-          <a:stretch>
-            <a:fillRect/>
-          </a:stretch>
-        </p:blipFill>
-        <p:spPr>
-          <a:xfrm>
-            <a:off x="995637" y="2187564"/>
-            <a:ext cx="6985000" cy="4483100"/>
-          </a:xfrm>
-          <a:prstGeom prst="rect">
-            <a:avLst/>
-          </a:prstGeom>
-        </p:spPr>
-      </p:pic>
-      <p:sp>
-        <p:nvSpPr>
-          <p:cNvPr id="14" name="Content Placeholder 2"/>
+            <a:endParaRPr lang="en-US"/>
+          </a:p>
+        </p:txBody>
+      </p:sp>
+      <p:sp>
+        <p:nvSpPr>
+          <p:cNvPr id="3" name="Content Placeholder 2"/>
           <p:cNvSpPr>
             <a:spLocks noGrp="1"/>
           </p:cNvSpPr>
@@ -4267,60 +4350,32 @@
             <p:ph idx="1"/>
           </p:nvPr>
         </p:nvSpPr>
-        <p:spPr>
-          <a:xfrm>
-            <a:off x="457200" y="1600200"/>
-            <a:ext cx="8360336" cy="4525963"/>
-          </a:xfrm>
-        </p:spPr>
-        <p:txBody>
-          <a:bodyPr/>
-          <a:lstStyle/>
-          <a:p>
-            <a:r>
-              <a:rPr lang="en-US" dirty="0">
-                <a:hlinkClick r:id="rId4"/>
-              </a:rPr>
-              <a:t>http://</a:t>
-            </a:r>
-            <a:r>
-              <a:rPr lang="en-US" dirty="0" err="1">
-                <a:hlinkClick r:id="rId4"/>
-              </a:rPr>
-              <a:t>pacman</a:t>
-            </a:r>
-            <a:r>
-              <a:rPr lang="en-US" dirty="0">
-                <a:hlinkClick r:id="rId4"/>
-              </a:rPr>
-              <a:t>-team-</a:t>
-            </a:r>
-            <a:r>
-              <a:rPr lang="en-US" dirty="0" err="1">
-                <a:hlinkClick r:id="rId4"/>
-              </a:rPr>
-              <a:t>houston.herokuapp.com</a:t>
-            </a:r>
-            <a:r>
-              <a:rPr lang="en-US" dirty="0">
-                <a:hlinkClick r:id="rId4"/>
-              </a:rPr>
-              <a:t>/</a:t>
-            </a:r>
-            <a:endParaRPr lang="en-US" dirty="0"/>
+        <p:spPr/>
+        <p:txBody>
+          <a:bodyPr/>
+          <a:lstStyle/>
+          <a:p>
+            <a:endParaRPr lang="en-US"/>
           </a:p>
         </p:txBody>
       </p:sp>
     </p:spTree>
     <p:extLst>
       <p:ext uri="{BB962C8B-B14F-4D97-AF65-F5344CB8AC3E}">
-        <p14:creationId xmlns:p14="http://schemas.microsoft.com/office/powerpoint/2010/main" val="2209031246"/>
+        <p14:creationId xmlns:p14="http://schemas.microsoft.com/office/powerpoint/2010/main" val="1654850993"/>
       </p:ext>
     </p:extLst>
   </p:cSld>
   <p:clrMapOvr>
     <a:masterClrMapping/>
   </p:clrMapOvr>
+  <p:timing>
+    <p:tnLst>
+      <p:par>
+        <p:cTn id="1" dur="indefinite" restart="never" nodeType="tmRoot"/>
+      </p:par>
+    </p:tnLst>
+  </p:timing>
 </p:sld>
 </file>
 
@@ -4351,12 +4406,30 @@
             <p:ph type="title"/>
           </p:nvPr>
         </p:nvSpPr>
-        <p:spPr>
-          <a:xfrm>
-            <a:off x="457200" y="2779250"/>
-            <a:ext cx="8229600" cy="1143000"/>
-          </a:xfrm>
-        </p:spPr>
+        <p:spPr/>
+        <p:txBody>
+          <a:bodyPr/>
+          <a:lstStyle/>
+          <a:p>
+            <a:r>
+              <a:rPr lang="en-US" dirty="0" smtClean="0"/>
+              <a:t>Use Cases</a:t>
+            </a:r>
+            <a:endParaRPr lang="en-US" dirty="0"/>
+          </a:p>
+        </p:txBody>
+      </p:sp>
+      <p:sp>
+        <p:nvSpPr>
+          <p:cNvPr id="3" name="Content Placeholder 2"/>
+          <p:cNvSpPr>
+            <a:spLocks noGrp="1"/>
+          </p:cNvSpPr>
+          <p:nvPr>
+            <p:ph idx="1"/>
+          </p:nvPr>
+        </p:nvSpPr>
+        <p:spPr/>
         <p:txBody>
           <a:bodyPr>
             <a:normAutofit/>
@@ -4365,22 +4438,578 @@
           <a:p>
             <a:r>
               <a:rPr lang="en-US" dirty="0" smtClean="0"/>
-              <a:t>	Questions?</a:t>
+              <a:t>Pacman</a:t>
             </a:r>
             <a:endParaRPr lang="en-US" dirty="0"/>
+          </a:p>
+          <a:p>
+            <a:pPr lvl="1" fontAlgn="base"/>
+            <a:r>
+              <a:rPr lang="en-US" dirty="0"/>
+              <a:t>Pacman can move in all directions - can change direction with user input</a:t>
+            </a:r>
+          </a:p>
+          <a:p>
+            <a:pPr lvl="1" fontAlgn="base"/>
+            <a:r>
+              <a:rPr lang="en-US" dirty="0"/>
+              <a:t>Pacman does not go through walls</a:t>
+            </a:r>
+          </a:p>
+          <a:p>
+            <a:pPr lvl="1" fontAlgn="base"/>
+            <a:r>
+              <a:rPr lang="en-US" dirty="0"/>
+              <a:t>Pacman can teleport through </a:t>
+            </a:r>
+            <a:r>
+              <a:rPr lang="en-US" dirty="0" smtClean="0"/>
+              <a:t>exit</a:t>
+            </a:r>
+            <a:r>
+              <a:rPr lang="en-US" altLang="zh-CN" dirty="0" smtClean="0"/>
+              <a:t>s</a:t>
+            </a:r>
+            <a:endParaRPr lang="en-US" dirty="0"/>
+          </a:p>
+          <a:p>
+            <a:pPr lvl="1" fontAlgn="base"/>
+            <a:r>
+              <a:rPr lang="en-US" dirty="0"/>
+              <a:t>Pacman eats food - food is destroyed, update score, ghost strategy</a:t>
+            </a:r>
+          </a:p>
+          <a:p>
+            <a:pPr lvl="1" fontAlgn="base"/>
+            <a:r>
+              <a:rPr lang="en-US" dirty="0"/>
+              <a:t>Pacman eats afraid ghosts</a:t>
+            </a:r>
           </a:p>
         </p:txBody>
       </p:sp>
     </p:spTree>
     <p:extLst>
       <p:ext uri="{BB962C8B-B14F-4D97-AF65-F5344CB8AC3E}">
-        <p14:creationId xmlns:p14="http://schemas.microsoft.com/office/powerpoint/2010/main" val="2591834153"/>
+        <p14:creationId xmlns:p14="http://schemas.microsoft.com/office/powerpoint/2010/main" val="2761579830"/>
       </p:ext>
     </p:extLst>
   </p:cSld>
   <p:clrMapOvr>
     <a:masterClrMapping/>
   </p:clrMapOvr>
+  <p:timing>
+    <p:tnLst>
+      <p:par>
+        <p:cTn id="1" dur="indefinite" restart="never" nodeType="tmRoot"/>
+      </p:par>
+    </p:tnLst>
+  </p:timing>
+</p:sld>
+</file>
+
+<file path=ppt/slides/slide12.xml><?xml version="1.0" encoding="utf-8"?>
+<p:sld xmlns:a="http://schemas.openxmlformats.org/drawingml/2006/main" xmlns:r="http://schemas.openxmlformats.org/officeDocument/2006/relationships" xmlns:p="http://schemas.openxmlformats.org/presentationml/2006/main">
+  <p:cSld>
+    <p:spTree>
+      <p:nvGrpSpPr>
+        <p:cNvPr id="1" name=""/>
+        <p:cNvGrpSpPr/>
+        <p:nvPr/>
+      </p:nvGrpSpPr>
+      <p:grpSpPr>
+        <a:xfrm>
+          <a:off x="0" y="0"/>
+          <a:ext cx="0" cy="0"/>
+          <a:chOff x="0" y="0"/>
+          <a:chExt cx="0" cy="0"/>
+        </a:xfrm>
+      </p:grpSpPr>
+      <p:sp>
+        <p:nvSpPr>
+          <p:cNvPr id="2" name="Title 1"/>
+          <p:cNvSpPr>
+            <a:spLocks noGrp="1"/>
+          </p:cNvSpPr>
+          <p:nvPr>
+            <p:ph type="title"/>
+          </p:nvPr>
+        </p:nvSpPr>
+        <p:spPr/>
+        <p:txBody>
+          <a:bodyPr/>
+          <a:lstStyle/>
+          <a:p>
+            <a:r>
+              <a:rPr lang="en-US" dirty="0" smtClean="0"/>
+              <a:t>Use Cases</a:t>
+            </a:r>
+            <a:endParaRPr lang="en-US" dirty="0"/>
+          </a:p>
+        </p:txBody>
+      </p:sp>
+      <p:sp>
+        <p:nvSpPr>
+          <p:cNvPr id="3" name="Content Placeholder 2"/>
+          <p:cNvSpPr>
+            <a:spLocks noGrp="1"/>
+          </p:cNvSpPr>
+          <p:nvPr>
+            <p:ph idx="1"/>
+          </p:nvPr>
+        </p:nvSpPr>
+        <p:spPr/>
+        <p:txBody>
+          <a:bodyPr/>
+          <a:lstStyle/>
+          <a:p>
+            <a:r>
+              <a:rPr lang="en-US" dirty="0" smtClean="0"/>
+              <a:t>Ghosts</a:t>
+            </a:r>
+          </a:p>
+          <a:p>
+            <a:pPr lvl="1" fontAlgn="base"/>
+            <a:r>
+              <a:rPr lang="en-US" dirty="0"/>
+              <a:t>Ghost starts in jail</a:t>
+            </a:r>
+          </a:p>
+          <a:p>
+            <a:pPr lvl="1" fontAlgn="base"/>
+            <a:r>
+              <a:rPr lang="en-US" dirty="0"/>
+              <a:t>Ghost can move based on strategy</a:t>
+            </a:r>
+          </a:p>
+          <a:p>
+            <a:pPr lvl="1" fontAlgn="base"/>
+            <a:r>
+              <a:rPr lang="en-US" dirty="0"/>
+              <a:t>Ghost does not go through walls</a:t>
+            </a:r>
+          </a:p>
+          <a:p>
+            <a:pPr lvl="1" fontAlgn="base"/>
+            <a:r>
+              <a:rPr lang="en-US" dirty="0"/>
+              <a:t>Ghost can teleport through exit</a:t>
+            </a:r>
+          </a:p>
+          <a:p>
+            <a:pPr lvl="1" fontAlgn="base"/>
+            <a:r>
+              <a:rPr lang="en-US" dirty="0"/>
+              <a:t>Eating large dot makes ghosts afraid</a:t>
+            </a:r>
+          </a:p>
+          <a:p>
+            <a:pPr lvl="1" fontAlgn="base"/>
+            <a:r>
+              <a:rPr lang="en-US" dirty="0"/>
+              <a:t>Ghost goes to jail when eaten</a:t>
+            </a:r>
+          </a:p>
+        </p:txBody>
+      </p:sp>
+    </p:spTree>
+    <p:extLst>
+      <p:ext uri="{BB962C8B-B14F-4D97-AF65-F5344CB8AC3E}">
+        <p14:creationId xmlns:p14="http://schemas.microsoft.com/office/powerpoint/2010/main" val="3923475606"/>
+      </p:ext>
+    </p:extLst>
+  </p:cSld>
+  <p:clrMapOvr>
+    <a:masterClrMapping/>
+  </p:clrMapOvr>
+</p:sld>
+</file>
+
+<file path=ppt/slides/slide13.xml><?xml version="1.0" encoding="utf-8"?>
+<p:sld xmlns:a="http://schemas.openxmlformats.org/drawingml/2006/main" xmlns:r="http://schemas.openxmlformats.org/officeDocument/2006/relationships" xmlns:p="http://schemas.openxmlformats.org/presentationml/2006/main">
+  <p:cSld>
+    <p:spTree>
+      <p:nvGrpSpPr>
+        <p:cNvPr id="1" name=""/>
+        <p:cNvGrpSpPr/>
+        <p:nvPr/>
+      </p:nvGrpSpPr>
+      <p:grpSpPr>
+        <a:xfrm>
+          <a:off x="0" y="0"/>
+          <a:ext cx="0" cy="0"/>
+          <a:chOff x="0" y="0"/>
+          <a:chExt cx="0" cy="0"/>
+        </a:xfrm>
+      </p:grpSpPr>
+      <p:sp>
+        <p:nvSpPr>
+          <p:cNvPr id="2" name="Title 1"/>
+          <p:cNvSpPr>
+            <a:spLocks noGrp="1"/>
+          </p:cNvSpPr>
+          <p:nvPr>
+            <p:ph type="title"/>
+          </p:nvPr>
+        </p:nvSpPr>
+        <p:spPr/>
+        <p:txBody>
+          <a:bodyPr/>
+          <a:lstStyle/>
+          <a:p>
+            <a:r>
+              <a:rPr lang="en-US" dirty="0" smtClean="0"/>
+              <a:t>Use Cases</a:t>
+            </a:r>
+            <a:endParaRPr lang="en-US" dirty="0"/>
+          </a:p>
+        </p:txBody>
+      </p:sp>
+      <p:sp>
+        <p:nvSpPr>
+          <p:cNvPr id="3" name="Content Placeholder 2"/>
+          <p:cNvSpPr>
+            <a:spLocks noGrp="1"/>
+          </p:cNvSpPr>
+          <p:nvPr>
+            <p:ph idx="1"/>
+          </p:nvPr>
+        </p:nvSpPr>
+        <p:spPr/>
+        <p:txBody>
+          <a:bodyPr/>
+          <a:lstStyle/>
+          <a:p>
+            <a:r>
+              <a:rPr lang="en-US" dirty="0" smtClean="0"/>
+              <a:t>Game</a:t>
+            </a:r>
+          </a:p>
+          <a:p>
+            <a:pPr lvl="1"/>
+            <a:r>
+              <a:rPr lang="en-US" dirty="0" smtClean="0"/>
+              <a:t>Spawn fruit periodically</a:t>
+            </a:r>
+          </a:p>
+          <a:p>
+            <a:pPr lvl="1"/>
+            <a:r>
+              <a:rPr lang="en-US" dirty="0" smtClean="0"/>
+              <a:t>End game on win/lose condition</a:t>
+            </a:r>
+          </a:p>
+        </p:txBody>
+      </p:sp>
+    </p:spTree>
+    <p:extLst>
+      <p:ext uri="{BB962C8B-B14F-4D97-AF65-F5344CB8AC3E}">
+        <p14:creationId xmlns:p14="http://schemas.microsoft.com/office/powerpoint/2010/main" val="1314568207"/>
+      </p:ext>
+    </p:extLst>
+  </p:cSld>
+  <p:clrMapOvr>
+    <a:masterClrMapping/>
+  </p:clrMapOvr>
+</p:sld>
+</file>
+
+<file path=ppt/slides/slide14.xml><?xml version="1.0" encoding="utf-8"?>
+<p:sld xmlns:a="http://schemas.openxmlformats.org/drawingml/2006/main" xmlns:r="http://schemas.openxmlformats.org/officeDocument/2006/relationships" xmlns:p="http://schemas.openxmlformats.org/presentationml/2006/main">
+  <p:cSld>
+    <p:spTree>
+      <p:nvGrpSpPr>
+        <p:cNvPr id="1" name=""/>
+        <p:cNvGrpSpPr/>
+        <p:nvPr/>
+      </p:nvGrpSpPr>
+      <p:grpSpPr>
+        <a:xfrm>
+          <a:off x="0" y="0"/>
+          <a:ext cx="0" cy="0"/>
+          <a:chOff x="0" y="0"/>
+          <a:chExt cx="0" cy="0"/>
+        </a:xfrm>
+      </p:grpSpPr>
+      <p:sp>
+        <p:nvSpPr>
+          <p:cNvPr id="2" name="Title 1"/>
+          <p:cNvSpPr>
+            <a:spLocks noGrp="1"/>
+          </p:cNvSpPr>
+          <p:nvPr>
+            <p:ph type="title"/>
+          </p:nvPr>
+        </p:nvSpPr>
+        <p:spPr/>
+        <p:txBody>
+          <a:bodyPr/>
+          <a:lstStyle/>
+          <a:p>
+            <a:r>
+              <a:rPr lang="en-US" dirty="0" smtClean="0"/>
+              <a:t>API Breakdown</a:t>
+            </a:r>
+            <a:endParaRPr lang="en-US" dirty="0"/>
+          </a:p>
+        </p:txBody>
+      </p:sp>
+      <p:sp>
+        <p:nvSpPr>
+          <p:cNvPr id="3" name="Content Placeholder 2"/>
+          <p:cNvSpPr>
+            <a:spLocks noGrp="1"/>
+          </p:cNvSpPr>
+          <p:nvPr>
+            <p:ph idx="1"/>
+          </p:nvPr>
+        </p:nvSpPr>
+        <p:spPr/>
+        <p:txBody>
+          <a:bodyPr/>
+          <a:lstStyle/>
+          <a:p>
+            <a:r>
+              <a:rPr lang="en-US" dirty="0" smtClean="0"/>
+              <a:t>Model </a:t>
+            </a:r>
+            <a:r>
+              <a:rPr lang="mr-IN" dirty="0" smtClean="0"/>
+              <a:t>–</a:t>
+            </a:r>
+            <a:r>
+              <a:rPr lang="en-US" dirty="0" smtClean="0"/>
+              <a:t> </a:t>
+            </a:r>
+            <a:r>
+              <a:rPr lang="en-US" dirty="0" err="1" smtClean="0"/>
+              <a:t>Cmds</a:t>
+            </a:r>
+            <a:r>
+              <a:rPr lang="en-US" dirty="0" smtClean="0"/>
+              <a:t>, Strategies, </a:t>
+            </a:r>
+            <a:r>
+              <a:rPr lang="en-US" dirty="0" err="1" smtClean="0"/>
+              <a:t>GameObjects</a:t>
+            </a:r>
+            <a:endParaRPr lang="en-US" dirty="0" smtClean="0"/>
+          </a:p>
+          <a:p>
+            <a:pPr lvl="1"/>
+            <a:r>
+              <a:rPr lang="en-US" dirty="0" smtClean="0"/>
+              <a:t>Interfaces and abstract classes</a:t>
+            </a:r>
+          </a:p>
+          <a:p>
+            <a:r>
+              <a:rPr lang="en-US" dirty="0" err="1" smtClean="0"/>
+              <a:t>DispatchAdapter</a:t>
+            </a:r>
+            <a:r>
+              <a:rPr lang="en-US" dirty="0" smtClean="0"/>
+              <a:t>, Controller</a:t>
+            </a:r>
+          </a:p>
+          <a:p>
+            <a:pPr lvl="1"/>
+            <a:r>
+              <a:rPr lang="en-US" dirty="0" smtClean="0"/>
+              <a:t>Manage game, process requests</a:t>
+            </a:r>
+          </a:p>
+          <a:p>
+            <a:r>
+              <a:rPr lang="en-US" dirty="0" err="1" smtClean="0"/>
+              <a:t>View.js</a:t>
+            </a:r>
+            <a:r>
+              <a:rPr lang="en-US" dirty="0" smtClean="0"/>
+              <a:t>, </a:t>
+            </a:r>
+            <a:r>
+              <a:rPr lang="en-US" dirty="0" err="1" smtClean="0"/>
+              <a:t>Index.html</a:t>
+            </a:r>
+            <a:endParaRPr lang="en-US" dirty="0" smtClean="0"/>
+          </a:p>
+          <a:p>
+            <a:pPr lvl="1"/>
+            <a:r>
+              <a:rPr lang="en-US" dirty="0" smtClean="0"/>
+              <a:t>Display game objects, make requests</a:t>
+            </a:r>
+          </a:p>
+        </p:txBody>
+      </p:sp>
+    </p:spTree>
+    <p:extLst>
+      <p:ext uri="{BB962C8B-B14F-4D97-AF65-F5344CB8AC3E}">
+        <p14:creationId xmlns:p14="http://schemas.microsoft.com/office/powerpoint/2010/main" val="827146816"/>
+      </p:ext>
+    </p:extLst>
+  </p:cSld>
+  <p:clrMapOvr>
+    <a:masterClrMapping/>
+  </p:clrMapOvr>
+  <p:timing>
+    <p:tnLst>
+      <p:par>
+        <p:cTn id="1" dur="indefinite" restart="never" nodeType="tmRoot"/>
+      </p:par>
+    </p:tnLst>
+  </p:timing>
+</p:sld>
+</file>
+
+<file path=ppt/slides/slide15.xml><?xml version="1.0" encoding="utf-8"?>
+<p:sld xmlns:a="http://schemas.openxmlformats.org/drawingml/2006/main" xmlns:r="http://schemas.openxmlformats.org/officeDocument/2006/relationships" xmlns:p="http://schemas.openxmlformats.org/presentationml/2006/main">
+  <p:cSld>
+    <p:spTree>
+      <p:nvGrpSpPr>
+        <p:cNvPr id="1" name=""/>
+        <p:cNvGrpSpPr/>
+        <p:nvPr/>
+      </p:nvGrpSpPr>
+      <p:grpSpPr>
+        <a:xfrm>
+          <a:off x="0" y="0"/>
+          <a:ext cx="0" cy="0"/>
+          <a:chOff x="0" y="0"/>
+          <a:chExt cx="0" cy="0"/>
+        </a:xfrm>
+      </p:grpSpPr>
+      <p:sp>
+        <p:nvSpPr>
+          <p:cNvPr id="2" name="Title 1"/>
+          <p:cNvSpPr>
+            <a:spLocks noGrp="1"/>
+          </p:cNvSpPr>
+          <p:nvPr>
+            <p:ph type="title"/>
+          </p:nvPr>
+        </p:nvSpPr>
+        <p:spPr/>
+        <p:txBody>
+          <a:bodyPr/>
+          <a:lstStyle/>
+          <a:p>
+            <a:r>
+              <a:rPr lang="en-US" dirty="0" smtClean="0"/>
+              <a:t>Model </a:t>
+            </a:r>
+            <a:r>
+              <a:rPr lang="mr-IN" dirty="0" smtClean="0"/>
+              <a:t>–</a:t>
+            </a:r>
+            <a:r>
+              <a:rPr lang="en-US" dirty="0" smtClean="0"/>
+              <a:t> Commands, Strategies</a:t>
+            </a:r>
+            <a:endParaRPr lang="en-US" dirty="0"/>
+          </a:p>
+        </p:txBody>
+      </p:sp>
+      <p:sp>
+        <p:nvSpPr>
+          <p:cNvPr id="3" name="Content Placeholder 2"/>
+          <p:cNvSpPr>
+            <a:spLocks noGrp="1"/>
+          </p:cNvSpPr>
+          <p:nvPr>
+            <p:ph idx="1"/>
+          </p:nvPr>
+        </p:nvSpPr>
+        <p:spPr/>
+        <p:txBody>
+          <a:bodyPr/>
+          <a:lstStyle/>
+          <a:p>
+            <a:r>
+              <a:rPr lang="en-US" dirty="0" smtClean="0"/>
+              <a:t>Commands</a:t>
+            </a:r>
+          </a:p>
+          <a:p>
+            <a:pPr lvl="1"/>
+            <a:r>
+              <a:rPr lang="en-US" dirty="0" err="1" smtClean="0"/>
+              <a:t>IGameObjectCmd</a:t>
+            </a:r>
+            <a:endParaRPr lang="en-US" dirty="0" smtClean="0"/>
+          </a:p>
+          <a:p>
+            <a:r>
+              <a:rPr lang="en-US" dirty="0" smtClean="0"/>
+              <a:t>Strategies</a:t>
+            </a:r>
+          </a:p>
+          <a:p>
+            <a:pPr lvl="1"/>
+            <a:r>
+              <a:rPr lang="en-US" dirty="0" err="1" smtClean="0"/>
+              <a:t>IUpdateStrategy</a:t>
+            </a:r>
+            <a:r>
+              <a:rPr lang="en-US" dirty="0" smtClean="0"/>
+              <a:t> </a:t>
+            </a:r>
+            <a:r>
+              <a:rPr lang="mr-IN" dirty="0" smtClean="0"/>
+              <a:t>–</a:t>
+            </a:r>
+            <a:r>
+              <a:rPr lang="en-US" dirty="0" smtClean="0"/>
+              <a:t> move </a:t>
+            </a:r>
+            <a:r>
+              <a:rPr lang="en-US" dirty="0" err="1" smtClean="0"/>
+              <a:t>Pacman</a:t>
+            </a:r>
+            <a:r>
+              <a:rPr lang="en-US" dirty="0" smtClean="0"/>
+              <a:t> and ghosts</a:t>
+            </a:r>
+          </a:p>
+          <a:p>
+            <a:pPr lvl="1"/>
+            <a:r>
+              <a:rPr lang="en-US" dirty="0" err="1" smtClean="0"/>
+              <a:t>IInteractStrategy</a:t>
+            </a:r>
+            <a:r>
+              <a:rPr lang="en-US" dirty="0" smtClean="0"/>
+              <a:t> </a:t>
+            </a:r>
+            <a:r>
+              <a:rPr lang="mr-IN" dirty="0" smtClean="0"/>
+              <a:t>–</a:t>
+            </a:r>
+            <a:r>
+              <a:rPr lang="en-US" dirty="0" smtClean="0"/>
+              <a:t> one-directional interactions</a:t>
+            </a:r>
+          </a:p>
+        </p:txBody>
+      </p:sp>
+    </p:spTree>
+    <p:extLst>
+      <p:ext uri="{BB962C8B-B14F-4D97-AF65-F5344CB8AC3E}">
+        <p14:creationId xmlns:p14="http://schemas.microsoft.com/office/powerpoint/2010/main" val="354699675"/>
+      </p:ext>
+    </p:extLst>
+  </p:cSld>
+  <p:clrMapOvr>
+    <a:masterClrMapping/>
+  </p:clrMapOvr>
+  <p:timing>
+    <p:tnLst>
+      <p:par>
+        <p:cTn id="1" dur="indefinite" restart="never" nodeType="tmRoot"/>
+      </p:par>
+    </p:tnLst>
+  </p:timing>
 </p:sld>
 </file>
 
@@ -4417,8 +5046,16 @@
           <a:lstStyle/>
           <a:p>
             <a:r>
-              <a:rPr lang="en-US" dirty="0" smtClean="0"/>
-              <a:t>Use Cases</a:t>
+              <a:rPr lang="en-US" altLang="zh-CN" dirty="0" smtClean="0"/>
+              <a:t>Design</a:t>
+            </a:r>
+            <a:r>
+              <a:rPr lang="zh-CN" altLang="en-US" dirty="0" smtClean="0"/>
+              <a:t> </a:t>
+            </a:r>
+            <a:r>
+              <a:rPr lang="en-US" altLang="zh-CN" dirty="0" smtClean="0"/>
+              <a:t>Overview</a:t>
             </a:r>
             <a:endParaRPr lang="en-US" dirty="0"/>
           </a:p>
@@ -4440,51 +5077,177 @@
           <a:lstStyle/>
           <a:p>
             <a:r>
-              <a:rPr lang="en-US" dirty="0" smtClean="0"/>
-              <a:t>Game</a:t>
+              <a:rPr lang="en-US" altLang="zh-CN" dirty="0" smtClean="0"/>
+              <a:t>Command</a:t>
+            </a:r>
+            <a:r>
+              <a:rPr lang="zh-CN" altLang="en-US" dirty="0" smtClean="0"/>
+              <a:t> </a:t>
+            </a:r>
+            <a:r>
+              <a:rPr lang="en-US" altLang="zh-CN" dirty="0" smtClean="0"/>
+              <a:t>design</a:t>
+            </a:r>
+            <a:r>
+              <a:rPr lang="zh-CN" altLang="en-US" dirty="0" smtClean="0"/>
+              <a:t> </a:t>
+            </a:r>
+            <a:r>
+              <a:rPr lang="en-US" altLang="zh-CN" dirty="0" smtClean="0"/>
+              <a:t>pattern</a:t>
             </a:r>
           </a:p>
           <a:p>
             <a:pPr lvl="1"/>
             <a:r>
-              <a:rPr lang="en-US" dirty="0" smtClean="0"/>
-              <a:t>Display all game objects</a:t>
+              <a:rPr lang="en-US" altLang="zh-CN" dirty="0" smtClean="0"/>
+              <a:t>For</a:t>
+            </a:r>
+            <a:r>
+              <a:rPr lang="zh-CN" altLang="en-US" dirty="0" smtClean="0"/>
+              <a:t> </a:t>
+            </a:r>
+            <a:r>
+              <a:rPr lang="en-US" altLang="zh-CN" dirty="0" smtClean="0"/>
+              <a:t>the</a:t>
+            </a:r>
+            <a:r>
+              <a:rPr lang="zh-CN" altLang="en-US" dirty="0" smtClean="0"/>
+              <a:t> </a:t>
+            </a:r>
+            <a:r>
+              <a:rPr lang="en-US" altLang="zh-CN" dirty="0" smtClean="0"/>
+              <a:t>overall</a:t>
+            </a:r>
+            <a:r>
+              <a:rPr lang="zh-CN" altLang="en-US" dirty="0" smtClean="0"/>
+              <a:t> </a:t>
+            </a:r>
+            <a:r>
+              <a:rPr lang="en-US" altLang="zh-CN" dirty="0" smtClean="0"/>
+              <a:t>game</a:t>
+            </a:r>
+            <a:r>
+              <a:rPr lang="zh-CN" altLang="en-US" dirty="0" smtClean="0"/>
+              <a:t> </a:t>
+            </a:r>
+            <a:r>
+              <a:rPr lang="en-US" altLang="zh-CN" dirty="0" smtClean="0"/>
+              <a:t>design</a:t>
+            </a:r>
+          </a:p>
+          <a:p>
+            <a:r>
+              <a:rPr lang="en-US" altLang="zh-CN" dirty="0" smtClean="0"/>
+              <a:t>Singleton</a:t>
+            </a:r>
+            <a:r>
+              <a:rPr lang="zh-CN" altLang="en-US" dirty="0" smtClean="0"/>
+              <a:t> </a:t>
+            </a:r>
+            <a:r>
+              <a:rPr lang="en-US" altLang="zh-CN" dirty="0" smtClean="0"/>
+              <a:t>design</a:t>
+            </a:r>
+            <a:r>
+              <a:rPr lang="zh-CN" altLang="en-US" dirty="0" smtClean="0"/>
+              <a:t> </a:t>
+            </a:r>
+            <a:r>
+              <a:rPr lang="en-US" altLang="zh-CN" dirty="0" smtClean="0"/>
+              <a:t>pattern</a:t>
             </a:r>
           </a:p>
           <a:p>
             <a:pPr lvl="1"/>
             <a:r>
-              <a:rPr lang="en-US" dirty="0" smtClean="0"/>
-              <a:t>Spawn fruit periodically</a:t>
-            </a:r>
+              <a:rPr lang="en-US" altLang="zh-CN" dirty="0" smtClean="0"/>
+              <a:t>For</a:t>
+            </a:r>
+            <a:r>
+              <a:rPr lang="zh-CN" altLang="en-US" dirty="0" smtClean="0"/>
+              <a:t> </a:t>
+            </a:r>
+            <a:r>
+              <a:rPr lang="en-US" altLang="zh-CN" dirty="0" smtClean="0"/>
+              <a:t>the</a:t>
+            </a:r>
+            <a:r>
+              <a:rPr lang="zh-CN" altLang="en-US" dirty="0" smtClean="0"/>
+              <a:t> </a:t>
+            </a:r>
+            <a:r>
+              <a:rPr lang="en-US" altLang="zh-CN" dirty="0" err="1" smtClean="0"/>
+              <a:t>pacman</a:t>
+            </a:r>
+            <a:endParaRPr lang="en-US" altLang="zh-CN" dirty="0" smtClean="0"/>
           </a:p>
           <a:p>
             <a:pPr lvl="1"/>
             <a:r>
-              <a:rPr lang="en-US" dirty="0" smtClean="0"/>
-              <a:t>End game on win/lose condition</a:t>
-            </a:r>
-          </a:p>
-          <a:p>
-            <a:pPr lvl="1"/>
-            <a:r>
-              <a:rPr lang="en-US" dirty="0" smtClean="0"/>
-              <a:t>Track score, lives, timers, etc.</a:t>
-            </a:r>
-            <a:endParaRPr lang="en-US" dirty="0"/>
+              <a:rPr lang="en-US" altLang="zh-CN" dirty="0" smtClean="0"/>
+              <a:t>For</a:t>
+            </a:r>
+            <a:r>
+              <a:rPr lang="zh-CN" altLang="en-US" dirty="0" smtClean="0"/>
+              <a:t> </a:t>
+            </a:r>
+            <a:r>
+              <a:rPr lang="en-US" altLang="zh-CN" dirty="0" smtClean="0"/>
+              <a:t>c</a:t>
+            </a:r>
+            <a:r>
+              <a:rPr lang="en-US" altLang="zh-CN" dirty="0" smtClean="0"/>
+              <a:t>oncrete</a:t>
+            </a:r>
+            <a:r>
+              <a:rPr lang="zh-CN" altLang="en-US" dirty="0" smtClean="0"/>
+              <a:t> </a:t>
+            </a:r>
+            <a:r>
+              <a:rPr lang="en-US" altLang="zh-CN" dirty="0" smtClean="0"/>
+              <a:t>strategies</a:t>
+            </a:r>
+            <a:r>
+              <a:rPr lang="zh-CN" altLang="en-US" dirty="0" smtClean="0"/>
+              <a:t> </a:t>
+            </a:r>
+            <a:r>
+              <a:rPr lang="en-US" altLang="zh-CN" dirty="0" smtClean="0"/>
+              <a:t>and</a:t>
+            </a:r>
+            <a:r>
+              <a:rPr lang="zh-CN" altLang="en-US" dirty="0" smtClean="0"/>
+              <a:t> </a:t>
+            </a:r>
+            <a:r>
+              <a:rPr lang="en-US" altLang="zh-CN" dirty="0" smtClean="0"/>
+              <a:t>commands</a:t>
+            </a:r>
+            <a:endParaRPr lang="en-US" altLang="zh-CN" dirty="0"/>
+          </a:p>
+          <a:p>
+            <a:endParaRPr lang="en-US" altLang="zh-CN" dirty="0" smtClean="0"/>
           </a:p>
         </p:txBody>
       </p:sp>
     </p:spTree>
     <p:extLst>
       <p:ext uri="{BB962C8B-B14F-4D97-AF65-F5344CB8AC3E}">
-        <p14:creationId xmlns:p14="http://schemas.microsoft.com/office/powerpoint/2010/main" val="1314568207"/>
+        <p14:creationId xmlns:p14="http://schemas.microsoft.com/office/powerpoint/2010/main" val="1235365097"/>
       </p:ext>
     </p:extLst>
   </p:cSld>
   <p:clrMapOvr>
     <a:masterClrMapping/>
   </p:clrMapOvr>
+  <p:timing>
+    <p:tnLst>
+      <p:par>
+        <p:cTn id="1" dur="indefinite" restart="never" nodeType="tmRoot"/>
+      </p:par>
+    </p:tnLst>
+  </p:timing>
 </p:sld>
 </file>
 
@@ -4515,22 +5278,57 @@
             <p:ph type="title"/>
           </p:nvPr>
         </p:nvSpPr>
-        <p:spPr/>
+        <p:spPr>
+          <a:xfrm>
+            <a:off x="457200" y="274638"/>
+            <a:ext cx="8229600" cy="777548"/>
+          </a:xfrm>
+        </p:spPr>
         <p:txBody>
           <a:bodyPr/>
           <a:lstStyle/>
           <a:p>
             <a:r>
               <a:rPr lang="en-US" dirty="0" smtClean="0"/>
-              <a:t>Use Cases</a:t>
+              <a:t>API Overview</a:t>
             </a:r>
             <a:endParaRPr lang="en-US" dirty="0"/>
           </a:p>
         </p:txBody>
       </p:sp>
-      <p:sp>
-        <p:nvSpPr>
-          <p:cNvPr id="3" name="Content Placeholder 2"/>
+      <p:pic>
+        <p:nvPicPr>
+          <p:cNvPr id="4" name="Picture 3"/>
+          <p:cNvPicPr>
+            <a:picLocks noChangeAspect="1"/>
+          </p:cNvPicPr>
+          <p:nvPr/>
+        </p:nvPicPr>
+        <p:blipFill>
+          <a:blip r:embed="rId3">
+            <a:extLst>
+              <a:ext uri="{28A0092B-C50C-407E-A947-70E740481C1C}">
+                <a14:useLocalDpi xmlns:a14="http://schemas.microsoft.com/office/drawing/2010/main" val="0"/>
+              </a:ext>
+            </a:extLst>
+          </a:blip>
+          <a:stretch>
+            <a:fillRect/>
+          </a:stretch>
+        </p:blipFill>
+        <p:spPr>
+          <a:xfrm>
+            <a:off x="228600" y="1052186"/>
+            <a:ext cx="8686800" cy="3339070"/>
+          </a:xfrm>
+          <a:prstGeom prst="rect">
+            <a:avLst/>
+          </a:prstGeom>
+        </p:spPr>
+      </p:pic>
+      <p:sp>
+        <p:nvSpPr>
+          <p:cNvPr id="5" name="Content Placeholder 2"/>
           <p:cNvSpPr>
             <a:spLocks noGrp="1"/>
           </p:cNvSpPr>
@@ -4538,43 +5336,21 @@
             <p:ph idx="1"/>
           </p:nvPr>
         </p:nvSpPr>
-        <p:spPr/>
-        <p:txBody>
-          <a:bodyPr/>
-          <a:lstStyle/>
-          <a:p>
-            <a:r>
-              <a:rPr lang="en-US" dirty="0" err="1" smtClean="0"/>
-              <a:t>Pacman</a:t>
-            </a:r>
-            <a:endParaRPr lang="en-US" dirty="0" smtClean="0"/>
-          </a:p>
-          <a:p>
-            <a:pPr lvl="1"/>
+        <p:spPr>
+          <a:xfrm>
+            <a:off x="457200" y="4546948"/>
+            <a:ext cx="8229600" cy="2179529"/>
+          </a:xfrm>
+        </p:spPr>
+        <p:txBody>
+          <a:bodyPr>
+            <a:normAutofit fontScale="77500" lnSpcReduction="20000"/>
+          </a:bodyPr>
+          <a:lstStyle/>
+          <a:p>
             <a:r>
               <a:rPr lang="en-US" dirty="0" smtClean="0"/>
-              <a:t>Move in all direction based on user input</a:t>
-            </a:r>
-          </a:p>
-          <a:p>
-            <a:pPr lvl="1"/>
-            <a:r>
-              <a:rPr lang="en-US" dirty="0" smtClean="0"/>
-              <a:t>Does not go through walls</a:t>
-            </a:r>
-          </a:p>
-          <a:p>
-            <a:pPr lvl="1"/>
-            <a:r>
-              <a:rPr lang="en-US" dirty="0" smtClean="0"/>
-              <a:t>Warp through exit</a:t>
-            </a:r>
-          </a:p>
-          <a:p>
-            <a:pPr lvl="1"/>
-            <a:r>
-              <a:rPr lang="en-US" dirty="0" smtClean="0"/>
-              <a:t>Eat food </a:t>
+              <a:t>Model </a:t>
             </a:r>
             <a:r>
               <a:rPr lang="mr-IN" dirty="0" smtClean="0"/>
@@ -4582,46 +5358,74 @@
             </a:r>
             <a:r>
               <a:rPr lang="en-US" dirty="0" smtClean="0"/>
-              <a:t> destroy food, update score, update ghost strategy</a:t>
-            </a:r>
+              <a:t> </a:t>
+            </a:r>
+            <a:r>
+              <a:rPr lang="en-US" dirty="0" err="1" smtClean="0"/>
+              <a:t>Cmds</a:t>
+            </a:r>
+            <a:r>
+              <a:rPr lang="en-US" dirty="0" smtClean="0"/>
+              <a:t>, Strategies, </a:t>
+            </a:r>
+            <a:r>
+              <a:rPr lang="en-US" dirty="0" err="1" smtClean="0"/>
+              <a:t>GameObjects</a:t>
+            </a:r>
+            <a:endParaRPr lang="en-US" dirty="0" smtClean="0"/>
           </a:p>
           <a:p>
             <a:pPr lvl="1"/>
             <a:r>
               <a:rPr lang="en-US" dirty="0" smtClean="0"/>
-              <a:t>Eaten by ghosts </a:t>
-            </a:r>
-            <a:r>
-              <a:rPr lang="mr-IN" dirty="0" smtClean="0"/>
-              <a:t>–</a:t>
+              <a:t>Interfaces and abstract classes</a:t>
+            </a:r>
+          </a:p>
+          <a:p>
+            <a:r>
+              <a:rPr lang="en-US" dirty="0" err="1" smtClean="0"/>
+              <a:t>DispatchAdapter</a:t>
             </a:r>
             <a:r>
               <a:rPr lang="en-US" dirty="0" smtClean="0"/>
-              <a:t> lose life</a:t>
+              <a:t>, Controller</a:t>
             </a:r>
           </a:p>
           <a:p>
             <a:pPr lvl="1"/>
             <a:r>
               <a:rPr lang="en-US" dirty="0" smtClean="0"/>
-              <a:t>Eat afraid ghosts </a:t>
-            </a:r>
-            <a:r>
-              <a:rPr lang="mr-IN" dirty="0" smtClean="0"/>
-              <a:t>–</a:t>
+              <a:t>Manage game, process requests</a:t>
+            </a:r>
+          </a:p>
+          <a:p>
+            <a:r>
+              <a:rPr lang="en-US" dirty="0" err="1" smtClean="0"/>
+              <a:t>View.js</a:t>
             </a:r>
             <a:r>
               <a:rPr lang="en-US" dirty="0" smtClean="0"/>
-              <a:t> send to jail, update score</a:t>
-            </a:r>
-            <a:endParaRPr lang="en-US" dirty="0"/>
+              <a:t>, </a:t>
+            </a:r>
+            <a:r>
+              <a:rPr lang="en-US" dirty="0" err="1" smtClean="0"/>
+              <a:t>Index.html</a:t>
+            </a:r>
+            <a:endParaRPr lang="en-US" dirty="0" smtClean="0"/>
+          </a:p>
+          <a:p>
+            <a:pPr lvl="1"/>
+            <a:r>
+              <a:rPr lang="en-US" dirty="0" smtClean="0"/>
+              <a:t>Display game objects, make requests</a:t>
+            </a:r>
           </a:p>
         </p:txBody>
       </p:sp>
     </p:spTree>
     <p:extLst>
       <p:ext uri="{BB962C8B-B14F-4D97-AF65-F5344CB8AC3E}">
-        <p14:creationId xmlns:p14="http://schemas.microsoft.com/office/powerpoint/2010/main" val="2761579830"/>
+        <p14:creationId xmlns:p14="http://schemas.microsoft.com/office/powerpoint/2010/main" val="489816454"/>
       </p:ext>
     </p:extLst>
   </p:cSld>
@@ -4664,74 +5468,68 @@
           <a:lstStyle/>
           <a:p>
             <a:r>
-              <a:rPr lang="en-US" dirty="0" smtClean="0"/>
-              <a:t>Use Cases</a:t>
+              <a:rPr lang="en-US" altLang="zh-CN" dirty="0" smtClean="0"/>
+              <a:t>Model—Commands,</a:t>
+            </a:r>
+            <a:r>
+              <a:rPr lang="zh-CN" altLang="en-US" dirty="0" smtClean="0"/>
+              <a:t> </a:t>
+            </a:r>
+            <a:r>
+              <a:rPr lang="en-US" altLang="zh-CN" dirty="0" smtClean="0"/>
+              <a:t>Strategies</a:t>
             </a:r>
             <a:endParaRPr lang="en-US" dirty="0"/>
           </a:p>
         </p:txBody>
       </p:sp>
-      <p:sp>
-        <p:nvSpPr>
-          <p:cNvPr id="3" name="Content Placeholder 2"/>
-          <p:cNvSpPr>
-            <a:spLocks noGrp="1"/>
-          </p:cNvSpPr>
-          <p:nvPr>
-            <p:ph idx="1"/>
-          </p:nvPr>
-        </p:nvSpPr>
-        <p:spPr/>
-        <p:txBody>
-          <a:bodyPr/>
-          <a:lstStyle/>
-          <a:p>
-            <a:r>
-              <a:rPr lang="en-US" dirty="0" smtClean="0"/>
-              <a:t>Ghosts</a:t>
-            </a:r>
-          </a:p>
-          <a:p>
-            <a:pPr lvl="1"/>
-            <a:r>
-              <a:rPr lang="en-US" dirty="0" smtClean="0"/>
-              <a:t>Move based on strategy</a:t>
-            </a:r>
-          </a:p>
-          <a:p>
-            <a:pPr lvl="1"/>
-            <a:r>
-              <a:rPr lang="en-US" dirty="0" smtClean="0"/>
-              <a:t>Does not go through walls</a:t>
-            </a:r>
-          </a:p>
-          <a:p>
-            <a:pPr lvl="1"/>
-            <a:r>
-              <a:rPr lang="en-US" dirty="0" smtClean="0"/>
-              <a:t>Warp through exit</a:t>
-            </a:r>
-          </a:p>
-          <a:p>
-            <a:pPr lvl="1"/>
-            <a:r>
-              <a:rPr lang="en-US" dirty="0" smtClean="0"/>
-              <a:t>Exit jail after some time</a:t>
-            </a:r>
-            <a:endParaRPr lang="en-US" dirty="0"/>
-          </a:p>
-        </p:txBody>
-      </p:sp>
+      <p:pic>
+        <p:nvPicPr>
+          <p:cNvPr id="4" name="Picture 3"/>
+          <p:cNvPicPr>
+            <a:picLocks noChangeAspect="1"/>
+          </p:cNvPicPr>
+          <p:nvPr/>
+        </p:nvPicPr>
+        <p:blipFill>
+          <a:blip r:embed="rId2">
+            <a:extLst>
+              <a:ext uri="{28A0092B-C50C-407E-A947-70E740481C1C}">
+                <a14:useLocalDpi xmlns:a14="http://schemas.microsoft.com/office/drawing/2010/main" val="0"/>
+              </a:ext>
+            </a:extLst>
+          </a:blip>
+          <a:stretch>
+            <a:fillRect/>
+          </a:stretch>
+        </p:blipFill>
+        <p:spPr>
+          <a:xfrm>
+            <a:off x="0" y="1250863"/>
+            <a:ext cx="9144000" cy="3431211"/>
+          </a:xfrm>
+          <a:prstGeom prst="rect">
+            <a:avLst/>
+          </a:prstGeom>
+        </p:spPr>
+      </p:pic>
     </p:spTree>
     <p:extLst>
       <p:ext uri="{BB962C8B-B14F-4D97-AF65-F5344CB8AC3E}">
-        <p14:creationId xmlns:p14="http://schemas.microsoft.com/office/powerpoint/2010/main" val="3923475606"/>
+        <p14:creationId xmlns:p14="http://schemas.microsoft.com/office/powerpoint/2010/main" val="2060030462"/>
       </p:ext>
     </p:extLst>
   </p:cSld>
   <p:clrMapOvr>
     <a:masterClrMapping/>
   </p:clrMapOvr>
+  <p:timing>
+    <p:tnLst>
+      <p:par>
+        <p:cTn id="1" dur="indefinite" restart="never" nodeType="tmRoot"/>
+      </p:par>
+    </p:tnLst>
+  </p:timing>
 </p:sld>
 </file>
 
@@ -4762,32 +5560,16 @@
             <p:ph type="title"/>
           </p:nvPr>
         </p:nvSpPr>
-        <p:spPr/>
-        <p:txBody>
-          <a:bodyPr/>
-          <a:lstStyle/>
-          <a:p>
-            <a:r>
-              <a:rPr lang="en-US" dirty="0" smtClean="0"/>
-              <a:t>API Breakdown</a:t>
-            </a:r>
-            <a:endParaRPr lang="en-US" dirty="0"/>
-          </a:p>
-        </p:txBody>
-      </p:sp>
-      <p:sp>
-        <p:nvSpPr>
-          <p:cNvPr id="3" name="Content Placeholder 2"/>
-          <p:cNvSpPr>
-            <a:spLocks noGrp="1"/>
-          </p:cNvSpPr>
-          <p:nvPr>
-            <p:ph idx="1"/>
-          </p:nvPr>
-        </p:nvSpPr>
-        <p:spPr/>
-        <p:txBody>
-          <a:bodyPr/>
+        <p:spPr>
+          <a:xfrm>
+            <a:off x="457200" y="274638"/>
+            <a:ext cx="8229600" cy="614710"/>
+          </a:xfrm>
+        </p:spPr>
+        <p:txBody>
+          <a:bodyPr>
+            <a:normAutofit fontScale="90000"/>
+          </a:bodyPr>
           <a:lstStyle/>
           <a:p>
             <a:r>
@@ -4804,85 +5586,53 @@
             </a:r>
             <a:r>
               <a:rPr lang="en-US" dirty="0" err="1" smtClean="0"/>
-              <a:t>Cmds</a:t>
-            </a:r>
-            <a:r>
-              <a:rPr lang="en-US" dirty="0" smtClean="0"/>
-              <a:t>, Strategies, </a:t>
-            </a:r>
-            <a:r>
-              <a:rPr lang="en-US" dirty="0" err="1" smtClean="0"/>
               <a:t>GameObjects</a:t>
             </a:r>
-            <a:endParaRPr lang="en-US" dirty="0" smtClean="0"/>
-          </a:p>
-          <a:p>
-            <a:pPr lvl="1"/>
-            <a:r>
-              <a:rPr lang="en-US" dirty="0" smtClean="0"/>
-              <a:t>Interfaces and abstract classes</a:t>
-            </a:r>
-          </a:p>
-          <a:p>
-            <a:r>
-              <a:rPr lang="en-US" dirty="0" err="1" smtClean="0"/>
-              <a:t>DispatchAdapter</a:t>
-            </a:r>
-            <a:r>
-              <a:rPr lang="en-US" dirty="0" smtClean="0"/>
-              <a:t>, Controller</a:t>
-            </a:r>
-          </a:p>
-          <a:p>
-            <a:pPr lvl="1"/>
-            <a:r>
-              <a:rPr lang="en-US" dirty="0" smtClean="0"/>
-              <a:t>Manage game, process requests</a:t>
-            </a:r>
-          </a:p>
-          <a:p>
-            <a:r>
-              <a:rPr lang="en-US" dirty="0" err="1" smtClean="0"/>
-              <a:t>View.js</a:t>
-            </a:r>
-            <a:r>
-              <a:rPr lang="en-US" dirty="0" smtClean="0"/>
-              <a:t>, </a:t>
-            </a:r>
-            <a:r>
-              <a:rPr lang="en-US" dirty="0" err="1" smtClean="0"/>
-              <a:t>Index.html</a:t>
-            </a:r>
-            <a:endParaRPr lang="en-US" dirty="0" smtClean="0"/>
-          </a:p>
-          <a:p>
-            <a:pPr lvl="1"/>
-            <a:r>
-              <a:rPr lang="en-US" dirty="0" smtClean="0"/>
-              <a:t>Display game objects, make requests</a:t>
-            </a:r>
-          </a:p>
-          <a:p>
-            <a:pPr marL="0" indent="0">
-              <a:buNone/>
-            </a:pPr>
-            <a:endParaRPr lang="en-US" dirty="0" smtClean="0"/>
-          </a:p>
-          <a:p>
             <a:endParaRPr lang="en-US" dirty="0"/>
           </a:p>
         </p:txBody>
       </p:sp>
+      <p:pic>
+        <p:nvPicPr>
+          <p:cNvPr id="3" name="Picture 2"/>
+          <p:cNvPicPr>
+            <a:picLocks noChangeAspect="1"/>
+          </p:cNvPicPr>
+          <p:nvPr/>
+        </p:nvPicPr>
+        <p:blipFill>
+          <a:blip r:embed="rId3"/>
+          <a:stretch>
+            <a:fillRect/>
+          </a:stretch>
+        </p:blipFill>
+        <p:spPr>
+          <a:xfrm>
+            <a:off x="807280" y="889348"/>
+            <a:ext cx="7879520" cy="5968652"/>
+          </a:xfrm>
+          <a:prstGeom prst="rect">
+            <a:avLst/>
+          </a:prstGeom>
+        </p:spPr>
+      </p:pic>
     </p:spTree>
     <p:extLst>
       <p:ext uri="{BB962C8B-B14F-4D97-AF65-F5344CB8AC3E}">
-        <p14:creationId xmlns:p14="http://schemas.microsoft.com/office/powerpoint/2010/main" val="2184818700"/>
+        <p14:creationId xmlns:p14="http://schemas.microsoft.com/office/powerpoint/2010/main" val="2696746514"/>
       </p:ext>
     </p:extLst>
   </p:cSld>
   <p:clrMapOvr>
     <a:masterClrMapping/>
   </p:clrMapOvr>
+  <p:timing>
+    <p:tnLst>
+      <p:par>
+        <p:cTn id="1" dur="indefinite" restart="never" nodeType="tmRoot"/>
+      </p:par>
+    </p:tnLst>
+  </p:timing>
 </p:sld>
 </file>
 
@@ -4919,107 +5669,77 @@
           <a:lstStyle/>
           <a:p>
             <a:r>
-              <a:rPr lang="en-US" dirty="0" smtClean="0"/>
-              <a:t>Model </a:t>
-            </a:r>
-            <a:r>
-              <a:rPr lang="mr-IN" dirty="0" smtClean="0"/>
-              <a:t>–</a:t>
-            </a:r>
-            <a:r>
-              <a:rPr lang="en-US" dirty="0" smtClean="0"/>
-              <a:t> Commands, Strategies</a:t>
+              <a:rPr lang="en-US" dirty="0" err="1" smtClean="0"/>
+              <a:t>DispatchAdapter</a:t>
             </a:r>
             <a:endParaRPr lang="en-US" dirty="0"/>
           </a:p>
         </p:txBody>
       </p:sp>
-      <p:sp>
-        <p:nvSpPr>
-          <p:cNvPr id="3" name="Content Placeholder 2"/>
-          <p:cNvSpPr>
-            <a:spLocks noGrp="1"/>
-          </p:cNvSpPr>
-          <p:nvPr>
-            <p:ph idx="1"/>
-          </p:nvPr>
-        </p:nvSpPr>
-        <p:spPr/>
-        <p:txBody>
-          <a:bodyPr/>
-          <a:lstStyle/>
-          <a:p>
-            <a:r>
-              <a:rPr lang="en-US" dirty="0" smtClean="0"/>
-              <a:t>Commands</a:t>
-            </a:r>
-          </a:p>
-          <a:p>
-            <a:pPr lvl="1"/>
-            <a:r>
-              <a:rPr lang="en-US" dirty="0" err="1" smtClean="0"/>
-              <a:t>IGameObjectCmd</a:t>
-            </a:r>
-            <a:endParaRPr lang="en-US" dirty="0" smtClean="0"/>
-          </a:p>
-          <a:p>
-            <a:r>
-              <a:rPr lang="en-US" dirty="0" smtClean="0"/>
-              <a:t>Strategies</a:t>
-            </a:r>
-          </a:p>
-          <a:p>
-            <a:pPr lvl="1"/>
-            <a:r>
-              <a:rPr lang="en-US" dirty="0" err="1" smtClean="0"/>
-              <a:t>IUpdateStrategy</a:t>
-            </a:r>
-            <a:r>
-              <a:rPr lang="en-US" dirty="0" smtClean="0"/>
-              <a:t> </a:t>
-            </a:r>
-            <a:r>
-              <a:rPr lang="mr-IN" dirty="0" smtClean="0"/>
-              <a:t>–</a:t>
-            </a:r>
-            <a:r>
-              <a:rPr lang="en-US" dirty="0" smtClean="0"/>
-              <a:t> move </a:t>
-            </a:r>
-            <a:r>
-              <a:rPr lang="en-US" dirty="0" err="1" smtClean="0"/>
-              <a:t>Pacman</a:t>
-            </a:r>
-            <a:r>
-              <a:rPr lang="en-US" dirty="0" smtClean="0"/>
-              <a:t> and ghosts</a:t>
-            </a:r>
-          </a:p>
-          <a:p>
-            <a:pPr lvl="1"/>
-            <a:r>
-              <a:rPr lang="en-US" dirty="0" err="1" smtClean="0"/>
-              <a:t>IInteractStrategy</a:t>
-            </a:r>
-            <a:r>
-              <a:rPr lang="en-US" dirty="0" smtClean="0"/>
-              <a:t> </a:t>
-            </a:r>
-            <a:r>
-              <a:rPr lang="mr-IN" dirty="0" smtClean="0"/>
-              <a:t>–</a:t>
-            </a:r>
-            <a:r>
-              <a:rPr lang="en-US" dirty="0" smtClean="0"/>
-              <a:t> one-directional interactions</a:t>
-            </a:r>
-          </a:p>
-        </p:txBody>
-      </p:sp>
+      <p:pic>
+        <p:nvPicPr>
+          <p:cNvPr id="3" name="Picture 2"/>
+          <p:cNvPicPr>
+            <a:picLocks noChangeAspect="1"/>
+          </p:cNvPicPr>
+          <p:nvPr/>
+        </p:nvPicPr>
+        <p:blipFill>
+          <a:blip r:embed="rId3">
+            <a:extLst>
+              <a:ext uri="{28A0092B-C50C-407E-A947-70E740481C1C}">
+                <a14:useLocalDpi xmlns:a14="http://schemas.microsoft.com/office/drawing/2010/main" val="0"/>
+              </a:ext>
+            </a:extLst>
+          </a:blip>
+          <a:stretch>
+            <a:fillRect/>
+          </a:stretch>
+        </p:blipFill>
+        <p:spPr>
+          <a:xfrm>
+            <a:off x="730908" y="1417638"/>
+            <a:ext cx="3022600" cy="1841500"/>
+          </a:xfrm>
+          <a:prstGeom prst="rect">
+            <a:avLst/>
+          </a:prstGeom>
+        </p:spPr>
+      </p:pic>
+      <p:pic>
+        <p:nvPicPr>
+          <p:cNvPr id="6" name="Picture 5"/>
+          <p:cNvPicPr>
+            <a:picLocks noChangeAspect="1"/>
+          </p:cNvPicPr>
+          <p:nvPr/>
+        </p:nvPicPr>
+        <p:blipFill>
+          <a:blip r:embed="rId4">
+            <a:extLst>
+              <a:ext uri="{28A0092B-C50C-407E-A947-70E740481C1C}">
+                <a14:useLocalDpi xmlns:a14="http://schemas.microsoft.com/office/drawing/2010/main" val="0"/>
+              </a:ext>
+            </a:extLst>
+          </a:blip>
+          <a:stretch>
+            <a:fillRect/>
+          </a:stretch>
+        </p:blipFill>
+        <p:spPr>
+          <a:xfrm>
+            <a:off x="5308600" y="1417638"/>
+            <a:ext cx="3378200" cy="4508500"/>
+          </a:xfrm>
+          <a:prstGeom prst="rect">
+            <a:avLst/>
+          </a:prstGeom>
+        </p:spPr>
+      </p:pic>
     </p:spTree>
     <p:extLst>
       <p:ext uri="{BB962C8B-B14F-4D97-AF65-F5344CB8AC3E}">
-        <p14:creationId xmlns:p14="http://schemas.microsoft.com/office/powerpoint/2010/main" val="3018462422"/>
+        <p14:creationId xmlns:p14="http://schemas.microsoft.com/office/powerpoint/2010/main" val="4037834688"/>
       </p:ext>
     </p:extLst>
   </p:cSld>
@@ -5070,7 +5790,41 @@
           <a:p>
             <a:r>
               <a:rPr lang="en-US" dirty="0" smtClean="0"/>
-              <a:t>Model </a:t>
+              <a:t>Controller</a:t>
+            </a:r>
+            <a:endParaRPr lang="en-US" dirty="0"/>
+          </a:p>
+        </p:txBody>
+      </p:sp>
+      <p:sp>
+        <p:nvSpPr>
+          <p:cNvPr id="3" name="Content Placeholder 2"/>
+          <p:cNvSpPr>
+            <a:spLocks noGrp="1"/>
+          </p:cNvSpPr>
+          <p:nvPr>
+            <p:ph idx="1"/>
+          </p:nvPr>
+        </p:nvSpPr>
+        <p:spPr/>
+        <p:txBody>
+          <a:bodyPr/>
+          <a:lstStyle/>
+          <a:p>
+            <a:r>
+              <a:rPr lang="en-US" dirty="0" smtClean="0"/>
+              <a:t>Supported requests</a:t>
+            </a:r>
+          </a:p>
+          <a:p>
+            <a:pPr lvl="1"/>
+            <a:r>
+              <a:rPr lang="en-US" dirty="0" err="1" smtClean="0"/>
+              <a:t>resetGame</a:t>
+            </a:r>
+            <a:r>
+              <a:rPr lang="en-US" dirty="0" smtClean="0"/>
+              <a:t> </a:t>
             </a:r>
             <a:r>
               <a:rPr lang="mr-IN" dirty="0" smtClean="0"/>
@@ -5078,44 +5832,62 @@
             </a:r>
             <a:r>
               <a:rPr lang="en-US" dirty="0" smtClean="0"/>
+              <a:t> get canvas dims and reset game objects </a:t>
+            </a:r>
+          </a:p>
+          <a:p>
+            <a:pPr lvl="1"/>
+            <a:r>
+              <a:rPr lang="en-US" dirty="0" err="1" smtClean="0"/>
+              <a:t>updateGame</a:t>
+            </a:r>
+            <a:r>
+              <a:rPr lang="en-US" dirty="0" smtClean="0"/>
               <a:t> </a:t>
             </a:r>
             <a:r>
+              <a:rPr lang="mr-IN" dirty="0" smtClean="0"/>
+              <a:t>–</a:t>
+            </a:r>
+            <a:r>
+              <a:rPr lang="en-US" dirty="0" smtClean="0"/>
+              <a:t> update game object states</a:t>
+            </a:r>
+          </a:p>
+          <a:p>
+            <a:pPr lvl="1"/>
+            <a:r>
               <a:rPr lang="en-US" dirty="0" err="1" smtClean="0"/>
-              <a:t>GameObjects</a:t>
-            </a:r>
-            <a:endParaRPr lang="en-US" dirty="0"/>
-          </a:p>
-        </p:txBody>
-      </p:sp>
-      <p:pic>
-        <p:nvPicPr>
-          <p:cNvPr id="4" name="Picture 3"/>
-          <p:cNvPicPr>
-            <a:picLocks noChangeAspect="1"/>
-          </p:cNvPicPr>
-          <p:nvPr/>
-        </p:nvPicPr>
-        <p:blipFill>
-          <a:blip r:embed="rId3"/>
-          <a:stretch>
-            <a:fillRect/>
-          </a:stretch>
-        </p:blipFill>
-        <p:spPr>
-          <a:xfrm>
-            <a:off x="1417067" y="1276342"/>
-            <a:ext cx="6298277" cy="5294097"/>
-          </a:xfrm>
-          <a:prstGeom prst="rect">
-            <a:avLst/>
-          </a:prstGeom>
-        </p:spPr>
-      </p:pic>
+              <a:t>switchDirection</a:t>
+            </a:r>
+            <a:r>
+              <a:rPr lang="en-US" dirty="0" smtClean="0"/>
+              <a:t> </a:t>
+            </a:r>
+            <a:r>
+              <a:rPr lang="mr-IN" dirty="0" smtClean="0"/>
+              <a:t>–</a:t>
+            </a:r>
+            <a:r>
+              <a:rPr lang="en-US" dirty="0" smtClean="0"/>
+              <a:t> switch </a:t>
+            </a:r>
+            <a:r>
+              <a:rPr lang="en-US" dirty="0" err="1" smtClean="0"/>
+              <a:t>Pacman</a:t>
+            </a:r>
+            <a:r>
+              <a:rPr lang="en-US" smtClean="0"/>
+              <a:t> direction</a:t>
+            </a:r>
+            <a:endParaRPr lang="en-US" dirty="0" smtClean="0"/>
+          </a:p>
+        </p:txBody>
+      </p:sp>
     </p:spTree>
     <p:extLst>
       <p:ext uri="{BB962C8B-B14F-4D97-AF65-F5344CB8AC3E}">
-        <p14:creationId xmlns:p14="http://schemas.microsoft.com/office/powerpoint/2010/main" val="2696746514"/>
+        <p14:creationId xmlns:p14="http://schemas.microsoft.com/office/powerpoint/2010/main" val="1459978361"/>
       </p:ext>
     </p:extLst>
   </p:cSld>
@@ -5165,8 +5937,8 @@
           <a:lstStyle/>
           <a:p>
             <a:r>
-              <a:rPr lang="en-US" dirty="0" err="1" smtClean="0"/>
-              <a:t>DispatchAdapter</a:t>
+              <a:rPr lang="en-US" dirty="0" smtClean="0"/>
+              <a:t>View</a:t>
             </a:r>
             <a:endParaRPr lang="en-US" dirty="0"/>
           </a:p>
@@ -5174,7 +5946,7 @@
       </p:sp>
       <p:pic>
         <p:nvPicPr>
-          <p:cNvPr id="4" name="Picture 3"/>
+          <p:cNvPr id="13" name="Picture 12"/>
           <p:cNvPicPr>
             <a:picLocks noChangeAspect="1"/>
           </p:cNvPicPr>
@@ -5188,42 +5960,72 @@
         </p:blipFill>
         <p:spPr>
           <a:xfrm>
-            <a:off x="1001308" y="1417638"/>
-            <a:ext cx="3044246" cy="3135391"/>
+            <a:off x="995637" y="2187564"/>
+            <a:ext cx="6985000" cy="4483100"/>
           </a:xfrm>
           <a:prstGeom prst="rect">
             <a:avLst/>
           </a:prstGeom>
         </p:spPr>
       </p:pic>
-      <p:pic>
-        <p:nvPicPr>
-          <p:cNvPr id="5" name="Picture 4"/>
-          <p:cNvPicPr>
-            <a:picLocks noChangeAspect="1"/>
-          </p:cNvPicPr>
-          <p:nvPr/>
-        </p:nvPicPr>
-        <p:blipFill>
-          <a:blip r:embed="rId4"/>
-          <a:stretch>
-            <a:fillRect/>
-          </a:stretch>
-        </p:blipFill>
+      <p:sp>
+        <p:nvSpPr>
+          <p:cNvPr id="14" name="Content Placeholder 2"/>
+          <p:cNvSpPr>
+            <a:spLocks noGrp="1"/>
+          </p:cNvSpPr>
+          <p:nvPr>
+            <p:ph idx="1"/>
+          </p:nvPr>
+        </p:nvSpPr>
         <p:spPr>
           <a:xfrm>
-            <a:off x="4806233" y="1417638"/>
-            <a:ext cx="3136900" cy="4699000"/>
+            <a:off x="457200" y="1600200"/>
+            <a:ext cx="8360336" cy="4525963"/>
           </a:xfrm>
-          <a:prstGeom prst="rect">
-            <a:avLst/>
-          </a:prstGeom>
         </p:spPr>
-      </p:pic>
+        <p:txBody>
+          <a:bodyPr/>
+          <a:lstStyle/>
+          <a:p>
+            <a:r>
+              <a:rPr lang="en-US" dirty="0">
+                <a:hlinkClick r:id="rId4"/>
+              </a:rPr>
+              <a:t>http://</a:t>
+            </a:r>
+            <a:r>
+              <a:rPr lang="en-US" dirty="0" err="1">
+                <a:hlinkClick r:id="rId4"/>
+              </a:rPr>
+              <a:t>pacman</a:t>
+            </a:r>
+            <a:r>
+              <a:rPr lang="en-US" dirty="0">
+                <a:hlinkClick r:id="rId4"/>
+              </a:rPr>
+              <a:t>-team-</a:t>
+            </a:r>
+            <a:r>
+              <a:rPr lang="en-US" dirty="0" err="1">
+                <a:hlinkClick r:id="rId4"/>
+              </a:rPr>
+              <a:t>houston.herokuapp.com</a:t>
+            </a:r>
+            <a:r>
+              <a:rPr lang="en-US" dirty="0">
+                <a:hlinkClick r:id="rId4"/>
+              </a:rPr>
+              <a:t>/</a:t>
+            </a:r>
+            <a:endParaRPr lang="en-US" dirty="0"/>
+          </a:p>
+        </p:txBody>
+      </p:sp>
     </p:spTree>
     <p:extLst>
       <p:ext uri="{BB962C8B-B14F-4D97-AF65-F5344CB8AC3E}">
-        <p14:creationId xmlns:p14="http://schemas.microsoft.com/office/powerpoint/2010/main" val="4037834688"/>
+        <p14:creationId xmlns:p14="http://schemas.microsoft.com/office/powerpoint/2010/main" val="2209031246"/>
       </p:ext>
     </p:extLst>
   </p:cSld>
@@ -5267,117 +6069,43 @@
             <p:ph type="title"/>
           </p:nvPr>
         </p:nvSpPr>
-        <p:spPr/>
-        <p:txBody>
-          <a:bodyPr/>
+        <p:spPr>
+          <a:xfrm>
+            <a:off x="457200" y="2779250"/>
+            <a:ext cx="8229600" cy="1143000"/>
+          </a:xfrm>
+        </p:spPr>
+        <p:txBody>
+          <a:bodyPr>
+            <a:normAutofit/>
+          </a:bodyPr>
           <a:lstStyle/>
           <a:p>
             <a:r>
               <a:rPr lang="en-US" dirty="0" smtClean="0"/>
-              <a:t>Controller</a:t>
+              <a:t>	Questions?</a:t>
             </a:r>
             <a:endParaRPr lang="en-US" dirty="0"/>
-          </a:p>
-        </p:txBody>
-      </p:sp>
-      <p:sp>
-        <p:nvSpPr>
-          <p:cNvPr id="3" name="Content Placeholder 2"/>
-          <p:cNvSpPr>
-            <a:spLocks noGrp="1"/>
-          </p:cNvSpPr>
-          <p:nvPr>
-            <p:ph idx="1"/>
-          </p:nvPr>
-        </p:nvSpPr>
-        <p:spPr/>
-        <p:txBody>
-          <a:bodyPr/>
-          <a:lstStyle/>
-          <a:p>
-            <a:r>
-              <a:rPr lang="en-US" dirty="0" smtClean="0"/>
-              <a:t>Supported requests</a:t>
-            </a:r>
-          </a:p>
-          <a:p>
-            <a:pPr lvl="1"/>
-            <a:r>
-              <a:rPr lang="en-US" dirty="0" err="1" smtClean="0"/>
-              <a:t>resetGame</a:t>
-            </a:r>
-            <a:r>
-              <a:rPr lang="en-US" dirty="0" smtClean="0"/>
-              <a:t> </a:t>
-            </a:r>
-            <a:r>
-              <a:rPr lang="mr-IN" dirty="0" smtClean="0"/>
-              <a:t>–</a:t>
-            </a:r>
-            <a:r>
-              <a:rPr lang="en-US" dirty="0" smtClean="0"/>
-              <a:t> get canvas dims and reset game objects </a:t>
-            </a:r>
-          </a:p>
-          <a:p>
-            <a:pPr lvl="1"/>
-            <a:r>
-              <a:rPr lang="en-US" dirty="0" err="1" smtClean="0"/>
-              <a:t>updateGame</a:t>
-            </a:r>
-            <a:r>
-              <a:rPr lang="en-US" dirty="0" smtClean="0"/>
-              <a:t> </a:t>
-            </a:r>
-            <a:r>
-              <a:rPr lang="mr-IN" dirty="0" smtClean="0"/>
-              <a:t>–</a:t>
-            </a:r>
-            <a:r>
-              <a:rPr lang="en-US" dirty="0" smtClean="0"/>
-              <a:t> update game object states</a:t>
-            </a:r>
-          </a:p>
-          <a:p>
-            <a:pPr lvl="1"/>
-            <a:r>
-              <a:rPr lang="en-US" dirty="0" err="1" smtClean="0"/>
-              <a:t>switchDirection</a:t>
-            </a:r>
-            <a:r>
-              <a:rPr lang="en-US" dirty="0" smtClean="0"/>
-              <a:t> </a:t>
-            </a:r>
-            <a:r>
-              <a:rPr lang="mr-IN" dirty="0" smtClean="0"/>
-              <a:t>–</a:t>
-            </a:r>
-            <a:r>
-              <a:rPr lang="en-US" dirty="0" smtClean="0"/>
-              <a:t> switch </a:t>
-            </a:r>
-            <a:r>
-              <a:rPr lang="en-US" dirty="0" err="1" smtClean="0"/>
-              <a:t>Pacman</a:t>
-            </a:r>
-            <a:r>
-              <a:rPr lang="en-US" smtClean="0"/>
-              <a:t> direction</a:t>
-            </a:r>
-            <a:endParaRPr lang="en-US" dirty="0" smtClean="0"/>
           </a:p>
         </p:txBody>
       </p:sp>
     </p:spTree>
     <p:extLst>
       <p:ext uri="{BB962C8B-B14F-4D97-AF65-F5344CB8AC3E}">
-        <p14:creationId xmlns:p14="http://schemas.microsoft.com/office/powerpoint/2010/main" val="1459978361"/>
+        <p14:creationId xmlns:p14="http://schemas.microsoft.com/office/powerpoint/2010/main" val="2591834153"/>
       </p:ext>
     </p:extLst>
   </p:cSld>
   <p:clrMapOvr>
     <a:masterClrMapping/>
   </p:clrMapOvr>
+  <p:timing>
+    <p:tnLst>
+      <p:par>
+        <p:cTn id="1" dur="indefinite" restart="never" nodeType="tmRoot"/>
+      </p:par>
+    </p:tnLst>
+  </p:timing>
 </p:sld>
 </file>
 

--- a/src/main/resources/hw7_presentation.pptx
+++ b/src/main/resources/hw7_presentation.pptx
@@ -5944,84 +5944,90 @@
           </a:p>
         </p:txBody>
       </p:sp>
+      <p:sp>
+        <p:nvSpPr>
+          <p:cNvPr id="14" name="Content Placeholder 2"/>
+          <p:cNvSpPr>
+            <a:spLocks noGrp="1"/>
+          </p:cNvSpPr>
+          <p:nvPr>
+            <p:ph idx="1"/>
+          </p:nvPr>
+        </p:nvSpPr>
+        <p:spPr>
+          <a:xfrm>
+            <a:off x="457200" y="1600200"/>
+            <a:ext cx="8360336" cy="4525963"/>
+          </a:xfrm>
+        </p:spPr>
+        <p:txBody>
+          <a:bodyPr/>
+          <a:lstStyle/>
+          <a:p>
+            <a:r>
+              <a:rPr lang="en-US" dirty="0">
+                <a:hlinkClick r:id="rId3"/>
+              </a:rPr>
+              <a:t>http://</a:t>
+            </a:r>
+            <a:r>
+              <a:rPr lang="en-US" dirty="0" err="1">
+                <a:hlinkClick r:id="rId3"/>
+              </a:rPr>
+              <a:t>pacman</a:t>
+            </a:r>
+            <a:r>
+              <a:rPr lang="en-US" dirty="0">
+                <a:hlinkClick r:id="rId3"/>
+              </a:rPr>
+              <a:t>-team-</a:t>
+            </a:r>
+            <a:r>
+              <a:rPr lang="en-US" dirty="0" err="1">
+                <a:hlinkClick r:id="rId3"/>
+              </a:rPr>
+              <a:t>houston.herokuapp.com</a:t>
+            </a:r>
+            <a:r>
+              <a:rPr lang="en-US" dirty="0">
+                <a:hlinkClick r:id="rId3"/>
+              </a:rPr>
+              <a:t>/</a:t>
+            </a:r>
+            <a:endParaRPr lang="en-US" dirty="0"/>
+          </a:p>
+        </p:txBody>
+      </p:sp>
       <p:pic>
         <p:nvPicPr>
-          <p:cNvPr id="13" name="Picture 12"/>
+          <p:cNvPr id="3" name="Picture 2"/>
           <p:cNvPicPr>
             <a:picLocks noChangeAspect="1"/>
           </p:cNvPicPr>
           <p:nvPr/>
         </p:nvPicPr>
         <p:blipFill>
-          <a:blip r:embed="rId3"/>
+          <a:blip r:embed="rId4">
+            <a:extLst>
+              <a:ext uri="{28A0092B-C50C-407E-A947-70E740481C1C}">
+                <a14:useLocalDpi xmlns:a14="http://schemas.microsoft.com/office/drawing/2010/main" val="0"/>
+              </a:ext>
+            </a:extLst>
+          </a:blip>
           <a:stretch>
             <a:fillRect/>
           </a:stretch>
         </p:blipFill>
         <p:spPr>
           <a:xfrm>
-            <a:off x="995637" y="2187564"/>
-            <a:ext cx="6985000" cy="4483100"/>
+            <a:off x="1130300" y="2146300"/>
+            <a:ext cx="6883400" cy="4711700"/>
           </a:xfrm>
           <a:prstGeom prst="rect">
             <a:avLst/>
           </a:prstGeom>
         </p:spPr>
       </p:pic>
-      <p:sp>
-        <p:nvSpPr>
-          <p:cNvPr id="14" name="Content Placeholder 2"/>
-          <p:cNvSpPr>
-            <a:spLocks noGrp="1"/>
-          </p:cNvSpPr>
-          <p:nvPr>
-            <p:ph idx="1"/>
-          </p:nvPr>
-        </p:nvSpPr>
-        <p:spPr>
-          <a:xfrm>
-            <a:off x="457200" y="1600200"/>
-            <a:ext cx="8360336" cy="4525963"/>
-          </a:xfrm>
-        </p:spPr>
-        <p:txBody>
-          <a:bodyPr/>
-          <a:lstStyle/>
-          <a:p>
-            <a:r>
-              <a:rPr lang="en-US" dirty="0">
-                <a:hlinkClick r:id="rId4"/>
-              </a:rPr>
-              <a:t>http://</a:t>
-            </a:r>
-            <a:r>
-              <a:rPr lang="en-US" dirty="0" err="1">
-                <a:hlinkClick r:id="rId4"/>
-              </a:rPr>
-              <a:t>pacman</a:t>
-            </a:r>
-            <a:r>
-              <a:rPr lang="en-US" dirty="0">
-                <a:hlinkClick r:id="rId4"/>
-              </a:rPr>
-              <a:t>-team-</a:t>
-            </a:r>
-            <a:r>
-              <a:rPr lang="en-US" dirty="0" err="1">
-                <a:hlinkClick r:id="rId4"/>
-              </a:rPr>
-              <a:t>houston.herokuapp.com</a:t>
-            </a:r>
-            <a:r>
-              <a:rPr lang="en-US" dirty="0">
-                <a:hlinkClick r:id="rId4"/>
-              </a:rPr>
-              <a:t>/</a:t>
-            </a:r>
-            <a:endParaRPr lang="en-US" dirty="0"/>
-          </a:p>
-        </p:txBody>
-      </p:sp>
     </p:spTree>
     <p:extLst>
       <p:ext uri="{BB962C8B-B14F-4D97-AF65-F5344CB8AC3E}">

--- a/src/main/resources/hw7_presentation.pptx
+++ b/src/main/resources/hw7_presentation.pptx
@@ -5,24 +5,30 @@
     <p:sldMasterId id="2147483648" r:id="rId1"/>
   </p:sldMasterIdLst>
   <p:notesMasterIdLst>
-    <p:notesMasterId r:id="rId17"/>
+    <p:notesMasterId r:id="rId23"/>
   </p:notesMasterIdLst>
   <p:sldIdLst>
     <p:sldId id="256" r:id="rId2"/>
-    <p:sldId id="273" r:id="rId3"/>
-    <p:sldId id="274" r:id="rId4"/>
-    <p:sldId id="270" r:id="rId5"/>
-    <p:sldId id="260" r:id="rId6"/>
-    <p:sldId id="261" r:id="rId7"/>
-    <p:sldId id="262" r:id="rId8"/>
-    <p:sldId id="265" r:id="rId9"/>
-    <p:sldId id="266" r:id="rId10"/>
-    <p:sldId id="271" r:id="rId11"/>
-    <p:sldId id="267" r:id="rId12"/>
-    <p:sldId id="268" r:id="rId13"/>
-    <p:sldId id="264" r:id="rId14"/>
-    <p:sldId id="275" r:id="rId15"/>
-    <p:sldId id="272" r:id="rId16"/>
+    <p:sldId id="274" r:id="rId3"/>
+    <p:sldId id="283" r:id="rId4"/>
+    <p:sldId id="284" r:id="rId5"/>
+    <p:sldId id="285" r:id="rId6"/>
+    <p:sldId id="277" r:id="rId7"/>
+    <p:sldId id="281" r:id="rId8"/>
+    <p:sldId id="278" r:id="rId9"/>
+    <p:sldId id="279" r:id="rId10"/>
+    <p:sldId id="280" r:id="rId11"/>
+    <p:sldId id="282" r:id="rId12"/>
+    <p:sldId id="266" r:id="rId13"/>
+    <p:sldId id="271" r:id="rId14"/>
+    <p:sldId id="265" r:id="rId15"/>
+    <p:sldId id="262" r:id="rId16"/>
+    <p:sldId id="267" r:id="rId17"/>
+    <p:sldId id="268" r:id="rId18"/>
+    <p:sldId id="264" r:id="rId19"/>
+    <p:sldId id="275" r:id="rId20"/>
+    <p:sldId id="272" r:id="rId21"/>
+    <p:sldId id="276" r:id="rId22"/>
   </p:sldIdLst>
   <p:sldSz cx="9144000" cy="6858000" type="screen4x3"/>
   <p:notesSz cx="6858000" cy="9144000"/>
@@ -140,6 +146,4084 @@
 </p:presentation>
 </file>
 
+<file path=ppt/diagrams/colors1.xml><?xml version="1.0" encoding="utf-8"?>
+<dgm:colorsDef xmlns:dgm="http://schemas.openxmlformats.org/drawingml/2006/diagram" xmlns:a="http://schemas.openxmlformats.org/drawingml/2006/main" uniqueId="urn:microsoft.com/office/officeart/2005/8/colors/accent1_2">
+  <dgm:title val=""/>
+  <dgm:desc val=""/>
+  <dgm:catLst>
+    <dgm:cat type="accent1" pri="11200"/>
+  </dgm:catLst>
+  <dgm:styleLbl name="node0">
+    <dgm:fillClrLst meth="repeat">
+      <a:schemeClr val="accent1"/>
+    </dgm:fillClrLst>
+    <dgm:linClrLst meth="repeat">
+      <a:schemeClr val="lt1"/>
+    </dgm:linClrLst>
+    <dgm:effectClrLst/>
+    <dgm:txLinClrLst/>
+    <dgm:txFillClrLst/>
+    <dgm:txEffectClrLst/>
+  </dgm:styleLbl>
+  <dgm:styleLbl name="alignNode1">
+    <dgm:fillClrLst meth="repeat">
+      <a:schemeClr val="accent1"/>
+    </dgm:fillClrLst>
+    <dgm:linClrLst meth="repeat">
+      <a:schemeClr val="accent1"/>
+    </dgm:linClrLst>
+    <dgm:effectClrLst/>
+    <dgm:txLinClrLst/>
+    <dgm:txFillClrLst/>
+    <dgm:txEffectClrLst/>
+  </dgm:styleLbl>
+  <dgm:styleLbl name="node1">
+    <dgm:fillClrLst meth="repeat">
+      <a:schemeClr val="accent1"/>
+    </dgm:fillClrLst>
+    <dgm:linClrLst meth="repeat">
+      <a:schemeClr val="lt1"/>
+    </dgm:linClrLst>
+    <dgm:effectClrLst/>
+    <dgm:txLinClrLst/>
+    <dgm:txFillClrLst/>
+    <dgm:txEffectClrLst/>
+  </dgm:styleLbl>
+  <dgm:styleLbl name="lnNode1">
+    <dgm:fillClrLst meth="repeat">
+      <a:schemeClr val="accent1"/>
+    </dgm:fillClrLst>
+    <dgm:linClrLst meth="repeat">
+      <a:schemeClr val="lt1"/>
+    </dgm:linClrLst>
+    <dgm:effectClrLst/>
+    <dgm:txLinClrLst/>
+    <dgm:txFillClrLst/>
+    <dgm:txEffectClrLst/>
+  </dgm:styleLbl>
+  <dgm:styleLbl name="vennNode1">
+    <dgm:fillClrLst meth="repeat">
+      <a:schemeClr val="accent1">
+        <a:alpha val="50000"/>
+      </a:schemeClr>
+    </dgm:fillClrLst>
+    <dgm:linClrLst meth="repeat">
+      <a:schemeClr val="lt1"/>
+    </dgm:linClrLst>
+    <dgm:effectClrLst/>
+    <dgm:txLinClrLst/>
+    <dgm:txFillClrLst/>
+    <dgm:txEffectClrLst/>
+  </dgm:styleLbl>
+  <dgm:styleLbl name="node2">
+    <dgm:fillClrLst meth="repeat">
+      <a:schemeClr val="accent1"/>
+    </dgm:fillClrLst>
+    <dgm:linClrLst meth="repeat">
+      <a:schemeClr val="lt1"/>
+    </dgm:linClrLst>
+    <dgm:effectClrLst/>
+    <dgm:txLinClrLst/>
+    <dgm:txFillClrLst/>
+    <dgm:txEffectClrLst/>
+  </dgm:styleLbl>
+  <dgm:styleLbl name="node3">
+    <dgm:fillClrLst meth="repeat">
+      <a:schemeClr val="accent1"/>
+    </dgm:fillClrLst>
+    <dgm:linClrLst meth="repeat">
+      <a:schemeClr val="lt1"/>
+    </dgm:linClrLst>
+    <dgm:effectClrLst/>
+    <dgm:txLinClrLst/>
+    <dgm:txFillClrLst/>
+    <dgm:txEffectClrLst/>
+  </dgm:styleLbl>
+  <dgm:styleLbl name="node4">
+    <dgm:fillClrLst meth="repeat">
+      <a:schemeClr val="accent1"/>
+    </dgm:fillClrLst>
+    <dgm:linClrLst meth="repeat">
+      <a:schemeClr val="lt1"/>
+    </dgm:linClrLst>
+    <dgm:effectClrLst/>
+    <dgm:txLinClrLst/>
+    <dgm:txFillClrLst/>
+    <dgm:txEffectClrLst/>
+  </dgm:styleLbl>
+  <dgm:styleLbl name="fgImgPlace1">
+    <dgm:fillClrLst meth="repeat">
+      <a:schemeClr val="accent1">
+        <a:tint val="50000"/>
+      </a:schemeClr>
+    </dgm:fillClrLst>
+    <dgm:linClrLst meth="repeat">
+      <a:schemeClr val="lt1"/>
+    </dgm:linClrLst>
+    <dgm:effectClrLst/>
+    <dgm:txLinClrLst/>
+    <dgm:txFillClrLst meth="repeat">
+      <a:schemeClr val="lt1"/>
+    </dgm:txFillClrLst>
+    <dgm:txEffectClrLst/>
+  </dgm:styleLbl>
+  <dgm:styleLbl name="alignImgPlace1">
+    <dgm:fillClrLst meth="repeat">
+      <a:schemeClr val="accent1">
+        <a:tint val="50000"/>
+      </a:schemeClr>
+    </dgm:fillClrLst>
+    <dgm:linClrLst meth="repeat">
+      <a:schemeClr val="lt1"/>
+    </dgm:linClrLst>
+    <dgm:effectClrLst/>
+    <dgm:txLinClrLst/>
+    <dgm:txFillClrLst meth="repeat">
+      <a:schemeClr val="lt1"/>
+    </dgm:txFillClrLst>
+    <dgm:txEffectClrLst/>
+  </dgm:styleLbl>
+  <dgm:styleLbl name="bgImgPlace1">
+    <dgm:fillClrLst meth="repeat">
+      <a:schemeClr val="accent1">
+        <a:tint val="50000"/>
+      </a:schemeClr>
+    </dgm:fillClrLst>
+    <dgm:linClrLst meth="repeat">
+      <a:schemeClr val="lt1"/>
+    </dgm:linClrLst>
+    <dgm:effectClrLst/>
+    <dgm:txLinClrLst/>
+    <dgm:txFillClrLst meth="repeat">
+      <a:schemeClr val="lt1"/>
+    </dgm:txFillClrLst>
+    <dgm:txEffectClrLst/>
+  </dgm:styleLbl>
+  <dgm:styleLbl name="sibTrans2D1">
+    <dgm:fillClrLst meth="repeat">
+      <a:schemeClr val="accent1">
+        <a:tint val="60000"/>
+      </a:schemeClr>
+    </dgm:fillClrLst>
+    <dgm:linClrLst meth="repeat">
+      <a:schemeClr val="accent1">
+        <a:tint val="60000"/>
+      </a:schemeClr>
+    </dgm:linClrLst>
+    <dgm:effectClrLst/>
+    <dgm:txLinClrLst/>
+    <dgm:txFillClrLst/>
+    <dgm:txEffectClrLst/>
+  </dgm:styleLbl>
+  <dgm:styleLbl name="fgSibTrans2D1">
+    <dgm:fillClrLst meth="repeat">
+      <a:schemeClr val="accent1">
+        <a:tint val="60000"/>
+      </a:schemeClr>
+    </dgm:fillClrLst>
+    <dgm:linClrLst meth="repeat">
+      <a:schemeClr val="accent1">
+        <a:tint val="60000"/>
+      </a:schemeClr>
+    </dgm:linClrLst>
+    <dgm:effectClrLst/>
+    <dgm:txLinClrLst/>
+    <dgm:txFillClrLst/>
+    <dgm:txEffectClrLst/>
+  </dgm:styleLbl>
+  <dgm:styleLbl name="bgSibTrans2D1">
+    <dgm:fillClrLst meth="repeat">
+      <a:schemeClr val="accent1">
+        <a:tint val="60000"/>
+      </a:schemeClr>
+    </dgm:fillClrLst>
+    <dgm:linClrLst meth="repeat">
+      <a:schemeClr val="accent1">
+        <a:tint val="60000"/>
+      </a:schemeClr>
+    </dgm:linClrLst>
+    <dgm:effectClrLst/>
+    <dgm:txLinClrLst/>
+    <dgm:txFillClrLst/>
+    <dgm:txEffectClrLst/>
+  </dgm:styleLbl>
+  <dgm:styleLbl name="sibTrans1D1">
+    <dgm:fillClrLst meth="repeat">
+      <a:schemeClr val="accent1"/>
+    </dgm:fillClrLst>
+    <dgm:linClrLst meth="repeat">
+      <a:schemeClr val="accent1"/>
+    </dgm:linClrLst>
+    <dgm:effectClrLst/>
+    <dgm:txLinClrLst/>
+    <dgm:txFillClrLst meth="repeat">
+      <a:schemeClr val="tx1"/>
+    </dgm:txFillClrLst>
+    <dgm:txEffectClrLst/>
+  </dgm:styleLbl>
+  <dgm:styleLbl name="callout">
+    <dgm:fillClrLst meth="repeat">
+      <a:schemeClr val="accent1"/>
+    </dgm:fillClrLst>
+    <dgm:linClrLst meth="repeat">
+      <a:schemeClr val="accent1">
+        <a:tint val="50000"/>
+      </a:schemeClr>
+    </dgm:linClrLst>
+    <dgm:effectClrLst/>
+    <dgm:txLinClrLst/>
+    <dgm:txFillClrLst meth="repeat">
+      <a:schemeClr val="tx1"/>
+    </dgm:txFillClrLst>
+    <dgm:txEffectClrLst/>
+  </dgm:styleLbl>
+  <dgm:styleLbl name="asst0">
+    <dgm:fillClrLst meth="repeat">
+      <a:schemeClr val="accent1"/>
+    </dgm:fillClrLst>
+    <dgm:linClrLst meth="repeat">
+      <a:schemeClr val="lt1"/>
+    </dgm:linClrLst>
+    <dgm:effectClrLst/>
+    <dgm:txLinClrLst/>
+    <dgm:txFillClrLst/>
+    <dgm:txEffectClrLst/>
+  </dgm:styleLbl>
+  <dgm:styleLbl name="asst1">
+    <dgm:fillClrLst meth="repeat">
+      <a:schemeClr val="accent1"/>
+    </dgm:fillClrLst>
+    <dgm:linClrLst meth="repeat">
+      <a:schemeClr val="lt1"/>
+    </dgm:linClrLst>
+    <dgm:effectClrLst/>
+    <dgm:txLinClrLst/>
+    <dgm:txFillClrLst/>
+    <dgm:txEffectClrLst/>
+  </dgm:styleLbl>
+  <dgm:styleLbl name="asst2">
+    <dgm:fillClrLst meth="repeat">
+      <a:schemeClr val="accent1"/>
+    </dgm:fillClrLst>
+    <dgm:linClrLst meth="repeat">
+      <a:schemeClr val="lt1"/>
+    </dgm:linClrLst>
+    <dgm:effectClrLst/>
+    <dgm:txLinClrLst/>
+    <dgm:txFillClrLst/>
+    <dgm:txEffectClrLst/>
+  </dgm:styleLbl>
+  <dgm:styleLbl name="asst3">
+    <dgm:fillClrLst meth="repeat">
+      <a:schemeClr val="accent1"/>
+    </dgm:fillClrLst>
+    <dgm:linClrLst meth="repeat">
+      <a:schemeClr val="lt1"/>
+    </dgm:linClrLst>
+    <dgm:effectClrLst/>
+    <dgm:txLinClrLst/>
+    <dgm:txFillClrLst/>
+    <dgm:txEffectClrLst/>
+  </dgm:styleLbl>
+  <dgm:styleLbl name="asst4">
+    <dgm:fillClrLst meth="repeat">
+      <a:schemeClr val="accent1"/>
+    </dgm:fillClrLst>
+    <dgm:linClrLst meth="repeat">
+      <a:schemeClr val="lt1"/>
+    </dgm:linClrLst>
+    <dgm:effectClrLst/>
+    <dgm:txLinClrLst/>
+    <dgm:txFillClrLst/>
+    <dgm:txEffectClrLst/>
+  </dgm:styleLbl>
+  <dgm:styleLbl name="parChTrans2D1">
+    <dgm:fillClrLst meth="repeat">
+      <a:schemeClr val="accent1">
+        <a:tint val="60000"/>
+      </a:schemeClr>
+    </dgm:fillClrLst>
+    <dgm:linClrLst meth="repeat">
+      <a:schemeClr val="accent1">
+        <a:tint val="60000"/>
+      </a:schemeClr>
+    </dgm:linClrLst>
+    <dgm:effectClrLst/>
+    <dgm:txLinClrLst/>
+    <dgm:txFillClrLst meth="repeat">
+      <a:schemeClr val="lt1"/>
+    </dgm:txFillClrLst>
+    <dgm:txEffectClrLst/>
+  </dgm:styleLbl>
+  <dgm:styleLbl name="parChTrans2D2">
+    <dgm:fillClrLst meth="repeat">
+      <a:schemeClr val="accent1"/>
+    </dgm:fillClrLst>
+    <dgm:linClrLst meth="repeat">
+      <a:schemeClr val="accent1"/>
+    </dgm:linClrLst>
+    <dgm:effectClrLst/>
+    <dgm:txLinClrLst/>
+    <dgm:txFillClrLst meth="repeat">
+      <a:schemeClr val="lt1"/>
+    </dgm:txFillClrLst>
+    <dgm:txEffectClrLst/>
+  </dgm:styleLbl>
+  <dgm:styleLbl name="parChTrans2D3">
+    <dgm:fillClrLst meth="repeat">
+      <a:schemeClr val="accent1"/>
+    </dgm:fillClrLst>
+    <dgm:linClrLst meth="repeat">
+      <a:schemeClr val="accent1"/>
+    </dgm:linClrLst>
+    <dgm:effectClrLst/>
+    <dgm:txLinClrLst/>
+    <dgm:txFillClrLst meth="repeat">
+      <a:schemeClr val="lt1"/>
+    </dgm:txFillClrLst>
+    <dgm:txEffectClrLst/>
+  </dgm:styleLbl>
+  <dgm:styleLbl name="parChTrans2D4">
+    <dgm:fillClrLst meth="repeat">
+      <a:schemeClr val="accent1"/>
+    </dgm:fillClrLst>
+    <dgm:linClrLst meth="repeat">
+      <a:schemeClr val="accent1"/>
+    </dgm:linClrLst>
+    <dgm:effectClrLst/>
+    <dgm:txLinClrLst/>
+    <dgm:txFillClrLst meth="repeat">
+      <a:schemeClr val="lt1"/>
+    </dgm:txFillClrLst>
+    <dgm:txEffectClrLst/>
+  </dgm:styleLbl>
+  <dgm:styleLbl name="parChTrans1D1">
+    <dgm:fillClrLst meth="repeat">
+      <a:schemeClr val="accent1"/>
+    </dgm:fillClrLst>
+    <dgm:linClrLst meth="repeat">
+      <a:schemeClr val="accent1">
+        <a:shade val="60000"/>
+      </a:schemeClr>
+    </dgm:linClrLst>
+    <dgm:effectClrLst/>
+    <dgm:txLinClrLst/>
+    <dgm:txFillClrLst meth="repeat">
+      <a:schemeClr val="tx1"/>
+    </dgm:txFillClrLst>
+    <dgm:txEffectClrLst/>
+  </dgm:styleLbl>
+  <dgm:styleLbl name="parChTrans1D2">
+    <dgm:fillClrLst meth="repeat">
+      <a:schemeClr val="accent1"/>
+    </dgm:fillClrLst>
+    <dgm:linClrLst meth="repeat">
+      <a:schemeClr val="accent1">
+        <a:shade val="60000"/>
+      </a:schemeClr>
+    </dgm:linClrLst>
+    <dgm:effectClrLst/>
+    <dgm:txLinClrLst/>
+    <dgm:txFillClrLst meth="repeat">
+      <a:schemeClr val="tx1"/>
+    </dgm:txFillClrLst>
+    <dgm:txEffectClrLst/>
+  </dgm:styleLbl>
+  <dgm:styleLbl name="parChTrans1D3">
+    <dgm:fillClrLst meth="repeat">
+      <a:schemeClr val="accent1"/>
+    </dgm:fillClrLst>
+    <dgm:linClrLst meth="repeat">
+      <a:schemeClr val="accent1">
+        <a:shade val="80000"/>
+      </a:schemeClr>
+    </dgm:linClrLst>
+    <dgm:effectClrLst/>
+    <dgm:txLinClrLst/>
+    <dgm:txFillClrLst meth="repeat">
+      <a:schemeClr val="tx1"/>
+    </dgm:txFillClrLst>
+    <dgm:txEffectClrLst/>
+  </dgm:styleLbl>
+  <dgm:styleLbl name="parChTrans1D4">
+    <dgm:fillClrLst meth="repeat">
+      <a:schemeClr val="accent1"/>
+    </dgm:fillClrLst>
+    <dgm:linClrLst meth="repeat">
+      <a:schemeClr val="accent1">
+        <a:shade val="80000"/>
+      </a:schemeClr>
+    </dgm:linClrLst>
+    <dgm:effectClrLst/>
+    <dgm:txLinClrLst/>
+    <dgm:txFillClrLst meth="repeat">
+      <a:schemeClr val="tx1"/>
+    </dgm:txFillClrLst>
+    <dgm:txEffectClrLst/>
+  </dgm:styleLbl>
+  <dgm:styleLbl name="fgAcc1">
+    <dgm:fillClrLst meth="repeat">
+      <a:schemeClr val="lt1">
+        <a:alpha val="90000"/>
+      </a:schemeClr>
+    </dgm:fillClrLst>
+    <dgm:linClrLst meth="repeat">
+      <a:schemeClr val="accent1"/>
+    </dgm:linClrLst>
+    <dgm:effectClrLst/>
+    <dgm:txLinClrLst/>
+    <dgm:txFillClrLst meth="repeat">
+      <a:schemeClr val="dk1"/>
+    </dgm:txFillClrLst>
+    <dgm:txEffectClrLst/>
+  </dgm:styleLbl>
+  <dgm:styleLbl name="conFgAcc1">
+    <dgm:fillClrLst meth="repeat">
+      <a:schemeClr val="lt1">
+        <a:alpha val="90000"/>
+      </a:schemeClr>
+    </dgm:fillClrLst>
+    <dgm:linClrLst meth="repeat">
+      <a:schemeClr val="accent1"/>
+    </dgm:linClrLst>
+    <dgm:effectClrLst/>
+    <dgm:txLinClrLst/>
+    <dgm:txFillClrLst meth="repeat">
+      <a:schemeClr val="dk1"/>
+    </dgm:txFillClrLst>
+    <dgm:txEffectClrLst/>
+  </dgm:styleLbl>
+  <dgm:styleLbl name="alignAcc1">
+    <dgm:fillClrLst meth="repeat">
+      <a:schemeClr val="lt1">
+        <a:alpha val="90000"/>
+      </a:schemeClr>
+    </dgm:fillClrLst>
+    <dgm:linClrLst meth="repeat">
+      <a:schemeClr val="accent1"/>
+    </dgm:linClrLst>
+    <dgm:effectClrLst/>
+    <dgm:txLinClrLst/>
+    <dgm:txFillClrLst meth="repeat">
+      <a:schemeClr val="dk1"/>
+    </dgm:txFillClrLst>
+    <dgm:txEffectClrLst/>
+  </dgm:styleLbl>
+  <dgm:styleLbl name="trAlignAcc1">
+    <dgm:fillClrLst meth="repeat">
+      <a:schemeClr val="lt1">
+        <a:alpha val="40000"/>
+      </a:schemeClr>
+    </dgm:fillClrLst>
+    <dgm:linClrLst meth="repeat">
+      <a:schemeClr val="accent1"/>
+    </dgm:linClrLst>
+    <dgm:effectClrLst/>
+    <dgm:txLinClrLst/>
+    <dgm:txFillClrLst meth="repeat">
+      <a:schemeClr val="dk1"/>
+    </dgm:txFillClrLst>
+    <dgm:txEffectClrLst/>
+  </dgm:styleLbl>
+  <dgm:styleLbl name="bgAcc1">
+    <dgm:fillClrLst meth="repeat">
+      <a:schemeClr val="lt1">
+        <a:alpha val="90000"/>
+      </a:schemeClr>
+    </dgm:fillClrLst>
+    <dgm:linClrLst meth="repeat">
+      <a:schemeClr val="accent1"/>
+    </dgm:linClrLst>
+    <dgm:effectClrLst/>
+    <dgm:txLinClrLst/>
+    <dgm:txFillClrLst meth="repeat">
+      <a:schemeClr val="dk1"/>
+    </dgm:txFillClrLst>
+    <dgm:txEffectClrLst/>
+  </dgm:styleLbl>
+  <dgm:styleLbl name="solidFgAcc1">
+    <dgm:fillClrLst meth="repeat">
+      <a:schemeClr val="lt1"/>
+    </dgm:fillClrLst>
+    <dgm:linClrLst meth="repeat">
+      <a:schemeClr val="accent1"/>
+    </dgm:linClrLst>
+    <dgm:effectClrLst/>
+    <dgm:txLinClrLst/>
+    <dgm:txFillClrLst meth="repeat">
+      <a:schemeClr val="dk1"/>
+    </dgm:txFillClrLst>
+    <dgm:txEffectClrLst/>
+  </dgm:styleLbl>
+  <dgm:styleLbl name="solidAlignAcc1">
+    <dgm:fillClrLst meth="repeat">
+      <a:schemeClr val="lt1"/>
+    </dgm:fillClrLst>
+    <dgm:linClrLst meth="repeat">
+      <a:schemeClr val="accent1"/>
+    </dgm:linClrLst>
+    <dgm:effectClrLst/>
+    <dgm:txLinClrLst/>
+    <dgm:txFillClrLst meth="repeat">
+      <a:schemeClr val="dk1"/>
+    </dgm:txFillClrLst>
+    <dgm:txEffectClrLst/>
+  </dgm:styleLbl>
+  <dgm:styleLbl name="solidBgAcc1">
+    <dgm:fillClrLst meth="repeat">
+      <a:schemeClr val="lt1"/>
+    </dgm:fillClrLst>
+    <dgm:linClrLst meth="repeat">
+      <a:schemeClr val="accent1"/>
+    </dgm:linClrLst>
+    <dgm:effectClrLst/>
+    <dgm:txLinClrLst/>
+    <dgm:txFillClrLst meth="repeat">
+      <a:schemeClr val="dk1"/>
+    </dgm:txFillClrLst>
+    <dgm:txEffectClrLst/>
+  </dgm:styleLbl>
+  <dgm:styleLbl name="fgAccFollowNode1">
+    <dgm:fillClrLst meth="repeat">
+      <a:schemeClr val="accent1">
+        <a:alpha val="90000"/>
+        <a:tint val="40000"/>
+      </a:schemeClr>
+    </dgm:fillClrLst>
+    <dgm:linClrLst meth="repeat">
+      <a:schemeClr val="accent1">
+        <a:alpha val="90000"/>
+        <a:tint val="40000"/>
+      </a:schemeClr>
+    </dgm:linClrLst>
+    <dgm:effectClrLst/>
+    <dgm:txLinClrLst/>
+    <dgm:txFillClrLst meth="repeat">
+      <a:schemeClr val="dk1"/>
+    </dgm:txFillClrLst>
+    <dgm:txEffectClrLst/>
+  </dgm:styleLbl>
+  <dgm:styleLbl name="alignAccFollowNode1">
+    <dgm:fillClrLst meth="repeat">
+      <a:schemeClr val="accent1">
+        <a:alpha val="90000"/>
+        <a:tint val="40000"/>
+      </a:schemeClr>
+    </dgm:fillClrLst>
+    <dgm:linClrLst meth="repeat">
+      <a:schemeClr val="accent1">
+        <a:alpha val="90000"/>
+        <a:tint val="40000"/>
+      </a:schemeClr>
+    </dgm:linClrLst>
+    <dgm:effectClrLst/>
+    <dgm:txLinClrLst/>
+    <dgm:txFillClrLst meth="repeat">
+      <a:schemeClr val="dk1"/>
+    </dgm:txFillClrLst>
+    <dgm:txEffectClrLst/>
+  </dgm:styleLbl>
+  <dgm:styleLbl name="bgAccFollowNode1">
+    <dgm:fillClrLst meth="repeat">
+      <a:schemeClr val="accent1">
+        <a:alpha val="90000"/>
+        <a:tint val="40000"/>
+      </a:schemeClr>
+    </dgm:fillClrLst>
+    <dgm:linClrLst meth="repeat">
+      <a:schemeClr val="accent1">
+        <a:alpha val="90000"/>
+        <a:tint val="40000"/>
+      </a:schemeClr>
+    </dgm:linClrLst>
+    <dgm:effectClrLst/>
+    <dgm:txLinClrLst/>
+    <dgm:txFillClrLst meth="repeat">
+      <a:schemeClr val="dk1"/>
+    </dgm:txFillClrLst>
+    <dgm:txEffectClrLst/>
+  </dgm:styleLbl>
+  <dgm:styleLbl name="fgAcc0">
+    <dgm:fillClrLst meth="repeat">
+      <a:schemeClr val="lt1">
+        <a:alpha val="90000"/>
+      </a:schemeClr>
+    </dgm:fillClrLst>
+    <dgm:linClrLst meth="repeat">
+      <a:schemeClr val="accent1"/>
+    </dgm:linClrLst>
+    <dgm:effectClrLst/>
+    <dgm:txLinClrLst/>
+    <dgm:txFillClrLst meth="repeat">
+      <a:schemeClr val="dk1"/>
+    </dgm:txFillClrLst>
+    <dgm:txEffectClrLst/>
+  </dgm:styleLbl>
+  <dgm:styleLbl name="fgAcc2">
+    <dgm:fillClrLst meth="repeat">
+      <a:schemeClr val="lt1">
+        <a:alpha val="90000"/>
+      </a:schemeClr>
+    </dgm:fillClrLst>
+    <dgm:linClrLst meth="repeat">
+      <a:schemeClr val="accent1"/>
+    </dgm:linClrLst>
+    <dgm:effectClrLst/>
+    <dgm:txLinClrLst/>
+    <dgm:txFillClrLst meth="repeat">
+      <a:schemeClr val="dk1"/>
+    </dgm:txFillClrLst>
+    <dgm:txEffectClrLst/>
+  </dgm:styleLbl>
+  <dgm:styleLbl name="fgAcc3">
+    <dgm:fillClrLst meth="repeat">
+      <a:schemeClr val="lt1">
+        <a:alpha val="90000"/>
+      </a:schemeClr>
+    </dgm:fillClrLst>
+    <dgm:linClrLst meth="repeat">
+      <a:schemeClr val="accent1"/>
+    </dgm:linClrLst>
+    <dgm:effectClrLst/>
+    <dgm:txLinClrLst/>
+    <dgm:txFillClrLst meth="repeat">
+      <a:schemeClr val="dk1"/>
+    </dgm:txFillClrLst>
+    <dgm:txEffectClrLst/>
+  </dgm:styleLbl>
+  <dgm:styleLbl name="fgAcc4">
+    <dgm:fillClrLst meth="repeat">
+      <a:schemeClr val="lt1">
+        <a:alpha val="90000"/>
+      </a:schemeClr>
+    </dgm:fillClrLst>
+    <dgm:linClrLst meth="repeat">
+      <a:schemeClr val="accent1"/>
+    </dgm:linClrLst>
+    <dgm:effectClrLst/>
+    <dgm:txLinClrLst/>
+    <dgm:txFillClrLst meth="repeat">
+      <a:schemeClr val="dk1"/>
+    </dgm:txFillClrLst>
+    <dgm:txEffectClrLst/>
+  </dgm:styleLbl>
+  <dgm:styleLbl name="bgShp">
+    <dgm:fillClrLst meth="repeat">
+      <a:schemeClr val="accent1">
+        <a:tint val="40000"/>
+      </a:schemeClr>
+    </dgm:fillClrLst>
+    <dgm:linClrLst meth="repeat">
+      <a:schemeClr val="accent1"/>
+    </dgm:linClrLst>
+    <dgm:effectClrLst/>
+    <dgm:txLinClrLst/>
+    <dgm:txFillClrLst meth="repeat">
+      <a:schemeClr val="dk1"/>
+    </dgm:txFillClrLst>
+    <dgm:txEffectClrLst/>
+  </dgm:styleLbl>
+  <dgm:styleLbl name="dkBgShp">
+    <dgm:fillClrLst meth="repeat">
+      <a:schemeClr val="accent1">
+        <a:shade val="80000"/>
+      </a:schemeClr>
+    </dgm:fillClrLst>
+    <dgm:linClrLst meth="repeat">
+      <a:schemeClr val="accent1"/>
+    </dgm:linClrLst>
+    <dgm:effectClrLst/>
+    <dgm:txLinClrLst/>
+    <dgm:txFillClrLst meth="repeat">
+      <a:schemeClr val="lt1"/>
+    </dgm:txFillClrLst>
+    <dgm:txEffectClrLst/>
+  </dgm:styleLbl>
+  <dgm:styleLbl name="trBgShp">
+    <dgm:fillClrLst meth="repeat">
+      <a:schemeClr val="accent1">
+        <a:tint val="50000"/>
+        <a:alpha val="40000"/>
+      </a:schemeClr>
+    </dgm:fillClrLst>
+    <dgm:linClrLst meth="repeat">
+      <a:schemeClr val="accent1"/>
+    </dgm:linClrLst>
+    <dgm:effectClrLst/>
+    <dgm:txLinClrLst/>
+    <dgm:txFillClrLst meth="repeat">
+      <a:schemeClr val="lt1"/>
+    </dgm:txFillClrLst>
+    <dgm:txEffectClrLst/>
+  </dgm:styleLbl>
+  <dgm:styleLbl name="fgShp">
+    <dgm:fillClrLst meth="repeat">
+      <a:schemeClr val="accent1">
+        <a:tint val="60000"/>
+      </a:schemeClr>
+    </dgm:fillClrLst>
+    <dgm:linClrLst meth="repeat">
+      <a:schemeClr val="lt1"/>
+    </dgm:linClrLst>
+    <dgm:effectClrLst/>
+    <dgm:txLinClrLst/>
+    <dgm:txFillClrLst meth="repeat">
+      <a:schemeClr val="dk1"/>
+    </dgm:txFillClrLst>
+    <dgm:txEffectClrLst/>
+  </dgm:styleLbl>
+  <dgm:styleLbl name="revTx">
+    <dgm:fillClrLst meth="repeat">
+      <a:schemeClr val="lt1">
+        <a:alpha val="0"/>
+      </a:schemeClr>
+    </dgm:fillClrLst>
+    <dgm:linClrLst meth="repeat">
+      <a:schemeClr val="dk1">
+        <a:alpha val="0"/>
+      </a:schemeClr>
+    </dgm:linClrLst>
+    <dgm:effectClrLst/>
+    <dgm:txLinClrLst/>
+    <dgm:txFillClrLst meth="repeat">
+      <a:schemeClr val="tx1"/>
+    </dgm:txFillClrLst>
+    <dgm:txEffectClrLst/>
+  </dgm:styleLbl>
+</dgm:colorsDef>
+</file>
+
+<file path=ppt/diagrams/data1.xml><?xml version="1.0" encoding="utf-8"?>
+<dgm:dataModel xmlns:dgm="http://schemas.openxmlformats.org/drawingml/2006/diagram" xmlns:a="http://schemas.openxmlformats.org/drawingml/2006/main">
+  <dgm:ptLst>
+    <dgm:pt modelId="{BD5BC3F1-499F-7645-901C-2C7837892535}" type="doc">
+      <dgm:prSet loTypeId="urn:microsoft.com/office/officeart/2005/8/layout/orgChart1" loCatId="" qsTypeId="urn:microsoft.com/office/officeart/2005/8/quickstyle/simple4" qsCatId="simple" csTypeId="urn:microsoft.com/office/officeart/2005/8/colors/accent1_2" csCatId="accent1" phldr="1"/>
+      <dgm:spPr/>
+      <dgm:t>
+        <a:bodyPr/>
+        <a:lstStyle/>
+        <a:p>
+          <a:endParaRPr lang="en-US"/>
+        </a:p>
+      </dgm:t>
+    </dgm:pt>
+    <dgm:pt modelId="{2EE1D2BE-D212-F349-8529-DF8E6D6829D6}">
+      <dgm:prSet phldrT="[Text]"/>
+      <dgm:spPr/>
+      <dgm:t>
+        <a:bodyPr/>
+        <a:lstStyle/>
+        <a:p>
+          <a:r>
+            <a:rPr lang="en-US" altLang="zh-CN" dirty="0" smtClean="0"/>
+            <a:t>Pacman</a:t>
+          </a:r>
+          <a:r>
+            <a:rPr lang="zh-CN" altLang="en-US" dirty="0" smtClean="0"/>
+            <a:t> </a:t>
+          </a:r>
+          <a:r>
+            <a:rPr lang="en-US" altLang="zh-CN" dirty="0" smtClean="0"/>
+            <a:t>Interactions</a:t>
+          </a:r>
+          <a:endParaRPr lang="en-US" dirty="0"/>
+        </a:p>
+      </dgm:t>
+    </dgm:pt>
+    <dgm:pt modelId="{984133D1-C7DD-D246-8F7F-B3A02218B76E}" type="parTrans" cxnId="{BE42BB14-E270-A248-A81E-21EC37E9AB11}">
+      <dgm:prSet/>
+      <dgm:spPr/>
+      <dgm:t>
+        <a:bodyPr/>
+        <a:lstStyle/>
+        <a:p>
+          <a:endParaRPr lang="en-US"/>
+        </a:p>
+      </dgm:t>
+    </dgm:pt>
+    <dgm:pt modelId="{161326F2-DA59-0549-BC88-435672AFA423}" type="sibTrans" cxnId="{BE42BB14-E270-A248-A81E-21EC37E9AB11}">
+      <dgm:prSet/>
+      <dgm:spPr/>
+      <dgm:t>
+        <a:bodyPr/>
+        <a:lstStyle/>
+        <a:p>
+          <a:endParaRPr lang="en-US"/>
+        </a:p>
+      </dgm:t>
+    </dgm:pt>
+    <dgm:pt modelId="{89E38E5A-2C3C-4048-A0DE-150A2EFF48D7}">
+      <dgm:prSet phldrT="[Text]"/>
+      <dgm:spPr/>
+      <dgm:t>
+        <a:bodyPr/>
+        <a:lstStyle/>
+        <a:p>
+          <a:r>
+            <a:rPr lang="en-US" altLang="zh-CN" dirty="0" smtClean="0"/>
+            <a:t>Wall</a:t>
+          </a:r>
+          <a:endParaRPr lang="zh-CN" altLang="en-US" dirty="0" smtClean="0"/>
+        </a:p>
+        <a:p>
+          <a:r>
+            <a:rPr lang="en-US" altLang="zh-CN" dirty="0" smtClean="0"/>
+            <a:t>Velocity</a:t>
+          </a:r>
+          <a:r>
+            <a:rPr lang="zh-CN" altLang="en-US" dirty="0" smtClean="0"/>
+            <a:t> </a:t>
+          </a:r>
+          <a:r>
+            <a:rPr lang="en-US" altLang="zh-CN" dirty="0" smtClean="0"/>
+            <a:t>(0,</a:t>
+          </a:r>
+          <a:r>
+            <a:rPr lang="zh-CN" altLang="en-US" dirty="0" smtClean="0"/>
+            <a:t> </a:t>
+          </a:r>
+          <a:r>
+            <a:rPr lang="en-US" altLang="zh-CN" dirty="0" smtClean="0"/>
+            <a:t>0)</a:t>
+          </a:r>
+          <a:endParaRPr lang="en-US" dirty="0"/>
+        </a:p>
+      </dgm:t>
+    </dgm:pt>
+    <dgm:pt modelId="{B3F4D04B-0797-AB47-8E6F-5E5A45B35F8B}" type="parTrans" cxnId="{5EC057BB-079A-B647-8D7B-77C01956C73E}">
+      <dgm:prSet/>
+      <dgm:spPr/>
+      <dgm:t>
+        <a:bodyPr/>
+        <a:lstStyle/>
+        <a:p>
+          <a:endParaRPr lang="en-US"/>
+        </a:p>
+      </dgm:t>
+    </dgm:pt>
+    <dgm:pt modelId="{E2D01246-7599-2544-AF45-743624731692}" type="sibTrans" cxnId="{5EC057BB-079A-B647-8D7B-77C01956C73E}">
+      <dgm:prSet/>
+      <dgm:spPr/>
+      <dgm:t>
+        <a:bodyPr/>
+        <a:lstStyle/>
+        <a:p>
+          <a:endParaRPr lang="en-US"/>
+        </a:p>
+      </dgm:t>
+    </dgm:pt>
+    <dgm:pt modelId="{ADE5EDDA-6318-7C4B-91D7-F20FF602F40E}">
+      <dgm:prSet phldrT="[Text]"/>
+      <dgm:spPr/>
+      <dgm:t>
+        <a:bodyPr/>
+        <a:lstStyle/>
+        <a:p>
+          <a:r>
+            <a:rPr lang="en-US" altLang="zh-CN" dirty="0" smtClean="0"/>
+            <a:t>Exit</a:t>
+          </a:r>
+          <a:endParaRPr lang="zh-CN" altLang="en-US" dirty="0" smtClean="0"/>
+        </a:p>
+        <a:p>
+          <a:r>
+            <a:rPr lang="en-US" altLang="zh-CN" dirty="0" smtClean="0"/>
+            <a:t>location</a:t>
+          </a:r>
+          <a:r>
+            <a:rPr lang="zh-CN" altLang="en-US" dirty="0" smtClean="0"/>
+            <a:t> </a:t>
+          </a:r>
+          <a:r>
+            <a:rPr lang="en-US" altLang="zh-CN" dirty="0" smtClean="0"/>
+            <a:t>(</a:t>
+          </a:r>
+          <a:r>
+            <a:rPr lang="en-US" altLang="zh-CN" dirty="0" err="1" smtClean="0"/>
+            <a:t>exitTo</a:t>
+          </a:r>
+          <a:r>
+            <a:rPr lang="en-US" altLang="zh-CN" dirty="0" smtClean="0"/>
+            <a:t>)</a:t>
+          </a:r>
+          <a:endParaRPr lang="en-US" dirty="0"/>
+        </a:p>
+      </dgm:t>
+    </dgm:pt>
+    <dgm:pt modelId="{F6D1A0CC-2E86-1A46-97FA-673204D33998}" type="parTrans" cxnId="{15E8BAFE-D99E-F748-8129-474EA68B47A4}">
+      <dgm:prSet/>
+      <dgm:spPr/>
+      <dgm:t>
+        <a:bodyPr/>
+        <a:lstStyle/>
+        <a:p>
+          <a:endParaRPr lang="en-US"/>
+        </a:p>
+      </dgm:t>
+    </dgm:pt>
+    <dgm:pt modelId="{444E683A-75D5-944B-B571-EFD3898DB91F}" type="sibTrans" cxnId="{15E8BAFE-D99E-F748-8129-474EA68B47A4}">
+      <dgm:prSet/>
+      <dgm:spPr/>
+      <dgm:t>
+        <a:bodyPr/>
+        <a:lstStyle/>
+        <a:p>
+          <a:endParaRPr lang="en-US"/>
+        </a:p>
+      </dgm:t>
+    </dgm:pt>
+    <dgm:pt modelId="{9C27C08A-690D-FD49-834A-46809237F1C0}">
+      <dgm:prSet phldrT="[Text]"/>
+      <dgm:spPr/>
+      <dgm:t>
+        <a:bodyPr/>
+        <a:lstStyle/>
+        <a:p>
+          <a:r>
+            <a:rPr lang="en-US" altLang="zh-CN" dirty="0" smtClean="0"/>
+            <a:t>Food</a:t>
+          </a:r>
+          <a:endParaRPr lang="zh-CN" altLang="en-US" dirty="0" smtClean="0"/>
+        </a:p>
+        <a:p>
+          <a:r>
+            <a:rPr lang="en-US" altLang="zh-CN" dirty="0" smtClean="0"/>
+            <a:t>update</a:t>
+          </a:r>
+          <a:r>
+            <a:rPr lang="zh-CN" altLang="en-US" dirty="0" smtClean="0"/>
+            <a:t> </a:t>
+          </a:r>
+          <a:r>
+            <a:rPr lang="en-US" altLang="zh-CN" dirty="0" smtClean="0"/>
+            <a:t>all</a:t>
+          </a:r>
+          <a:r>
+            <a:rPr lang="zh-CN" altLang="en-US" dirty="0" smtClean="0"/>
+            <a:t> </a:t>
+          </a:r>
+          <a:r>
+            <a:rPr lang="en-US" altLang="zh-CN" dirty="0" smtClean="0"/>
+            <a:t>values</a:t>
+          </a:r>
+          <a:endParaRPr lang="en-US" dirty="0"/>
+        </a:p>
+      </dgm:t>
+    </dgm:pt>
+    <dgm:pt modelId="{7CBEA03F-103C-2342-996B-FD512A3E93C1}" type="parTrans" cxnId="{3DAE3C19-18A9-F042-8A07-10FED53825C3}">
+      <dgm:prSet/>
+      <dgm:spPr/>
+      <dgm:t>
+        <a:bodyPr/>
+        <a:lstStyle/>
+        <a:p>
+          <a:endParaRPr lang="en-US"/>
+        </a:p>
+      </dgm:t>
+    </dgm:pt>
+    <dgm:pt modelId="{3FEE7B4F-FA0B-C54B-8E43-B374680881EC}" type="sibTrans" cxnId="{3DAE3C19-18A9-F042-8A07-10FED53825C3}">
+      <dgm:prSet/>
+      <dgm:spPr/>
+      <dgm:t>
+        <a:bodyPr/>
+        <a:lstStyle/>
+        <a:p>
+          <a:endParaRPr lang="en-US"/>
+        </a:p>
+      </dgm:t>
+    </dgm:pt>
+    <dgm:pt modelId="{B1DAA4D3-D245-0247-963E-223440409FAC}" type="pres">
+      <dgm:prSet presAssocID="{BD5BC3F1-499F-7645-901C-2C7837892535}" presName="hierChild1" presStyleCnt="0">
+        <dgm:presLayoutVars>
+          <dgm:orgChart val="1"/>
+          <dgm:chPref val="1"/>
+          <dgm:dir/>
+          <dgm:animOne val="branch"/>
+          <dgm:animLvl val="lvl"/>
+          <dgm:resizeHandles/>
+        </dgm:presLayoutVars>
+      </dgm:prSet>
+      <dgm:spPr/>
+    </dgm:pt>
+    <dgm:pt modelId="{E20BF11A-161E-594D-8F03-F117183377C0}" type="pres">
+      <dgm:prSet presAssocID="{2EE1D2BE-D212-F349-8529-DF8E6D6829D6}" presName="hierRoot1" presStyleCnt="0">
+        <dgm:presLayoutVars>
+          <dgm:hierBranch val="init"/>
+        </dgm:presLayoutVars>
+      </dgm:prSet>
+      <dgm:spPr/>
+    </dgm:pt>
+    <dgm:pt modelId="{EC133F0E-C59D-7E49-A47C-3E170F7A6693}" type="pres">
+      <dgm:prSet presAssocID="{2EE1D2BE-D212-F349-8529-DF8E6D6829D6}" presName="rootComposite1" presStyleCnt="0"/>
+      <dgm:spPr/>
+    </dgm:pt>
+    <dgm:pt modelId="{6066B8DE-E6E5-3744-9538-602CE837F307}" type="pres">
+      <dgm:prSet presAssocID="{2EE1D2BE-D212-F349-8529-DF8E6D6829D6}" presName="rootText1" presStyleLbl="node0" presStyleIdx="0" presStyleCnt="1">
+        <dgm:presLayoutVars>
+          <dgm:chPref val="3"/>
+        </dgm:presLayoutVars>
+      </dgm:prSet>
+      <dgm:spPr/>
+      <dgm:t>
+        <a:bodyPr/>
+        <a:lstStyle/>
+        <a:p>
+          <a:endParaRPr lang="en-US"/>
+        </a:p>
+      </dgm:t>
+    </dgm:pt>
+    <dgm:pt modelId="{79CFD5F1-F965-014D-894E-3DE639F753F7}" type="pres">
+      <dgm:prSet presAssocID="{2EE1D2BE-D212-F349-8529-DF8E6D6829D6}" presName="rootConnector1" presStyleLbl="node1" presStyleIdx="0" presStyleCnt="0"/>
+      <dgm:spPr/>
+    </dgm:pt>
+    <dgm:pt modelId="{A4F8CC7D-A909-1044-9025-10828B10F0C9}" type="pres">
+      <dgm:prSet presAssocID="{2EE1D2BE-D212-F349-8529-DF8E6D6829D6}" presName="hierChild2" presStyleCnt="0"/>
+      <dgm:spPr/>
+    </dgm:pt>
+    <dgm:pt modelId="{1A07A4E1-7A44-4841-BD31-B4EC1307775E}" type="pres">
+      <dgm:prSet presAssocID="{B3F4D04B-0797-AB47-8E6F-5E5A45B35F8B}" presName="Name37" presStyleLbl="parChTrans1D2" presStyleIdx="0" presStyleCnt="3"/>
+      <dgm:spPr/>
+    </dgm:pt>
+    <dgm:pt modelId="{3202C327-679A-D54D-8A2D-4151A8608776}" type="pres">
+      <dgm:prSet presAssocID="{89E38E5A-2C3C-4048-A0DE-150A2EFF48D7}" presName="hierRoot2" presStyleCnt="0">
+        <dgm:presLayoutVars>
+          <dgm:hierBranch val="init"/>
+        </dgm:presLayoutVars>
+      </dgm:prSet>
+      <dgm:spPr/>
+    </dgm:pt>
+    <dgm:pt modelId="{DFBB8CC4-1984-3D45-891B-4E7D2F92BB28}" type="pres">
+      <dgm:prSet presAssocID="{89E38E5A-2C3C-4048-A0DE-150A2EFF48D7}" presName="rootComposite" presStyleCnt="0"/>
+      <dgm:spPr/>
+    </dgm:pt>
+    <dgm:pt modelId="{D26A0337-0779-3C40-BD93-ED6B61A02FF0}" type="pres">
+      <dgm:prSet presAssocID="{89E38E5A-2C3C-4048-A0DE-150A2EFF48D7}" presName="rootText" presStyleLbl="node2" presStyleIdx="0" presStyleCnt="3">
+        <dgm:presLayoutVars>
+          <dgm:chPref val="3"/>
+        </dgm:presLayoutVars>
+      </dgm:prSet>
+      <dgm:spPr/>
+      <dgm:t>
+        <a:bodyPr/>
+        <a:lstStyle/>
+        <a:p>
+          <a:endParaRPr lang="en-US"/>
+        </a:p>
+      </dgm:t>
+    </dgm:pt>
+    <dgm:pt modelId="{308226C9-3B74-1F4C-8C27-FCDE4738D610}" type="pres">
+      <dgm:prSet presAssocID="{89E38E5A-2C3C-4048-A0DE-150A2EFF48D7}" presName="rootConnector" presStyleLbl="node2" presStyleIdx="0" presStyleCnt="3"/>
+      <dgm:spPr/>
+    </dgm:pt>
+    <dgm:pt modelId="{E044E5A6-398A-1141-B3F4-1E2D1AD48A9F}" type="pres">
+      <dgm:prSet presAssocID="{89E38E5A-2C3C-4048-A0DE-150A2EFF48D7}" presName="hierChild4" presStyleCnt="0"/>
+      <dgm:spPr/>
+    </dgm:pt>
+    <dgm:pt modelId="{78382B74-22BC-3141-92BB-AF41A61AD949}" type="pres">
+      <dgm:prSet presAssocID="{89E38E5A-2C3C-4048-A0DE-150A2EFF48D7}" presName="hierChild5" presStyleCnt="0"/>
+      <dgm:spPr/>
+    </dgm:pt>
+    <dgm:pt modelId="{DAA492F3-C4B4-1E48-9266-401CD0E29394}" type="pres">
+      <dgm:prSet presAssocID="{F6D1A0CC-2E86-1A46-97FA-673204D33998}" presName="Name37" presStyleLbl="parChTrans1D2" presStyleIdx="1" presStyleCnt="3"/>
+      <dgm:spPr/>
+    </dgm:pt>
+    <dgm:pt modelId="{4FFF8A1F-EFC0-5748-9977-CEA95A936E90}" type="pres">
+      <dgm:prSet presAssocID="{ADE5EDDA-6318-7C4B-91D7-F20FF602F40E}" presName="hierRoot2" presStyleCnt="0">
+        <dgm:presLayoutVars>
+          <dgm:hierBranch val="init"/>
+        </dgm:presLayoutVars>
+      </dgm:prSet>
+      <dgm:spPr/>
+    </dgm:pt>
+    <dgm:pt modelId="{422DBCBA-04AF-3F4B-B814-4619D336B2EE}" type="pres">
+      <dgm:prSet presAssocID="{ADE5EDDA-6318-7C4B-91D7-F20FF602F40E}" presName="rootComposite" presStyleCnt="0"/>
+      <dgm:spPr/>
+    </dgm:pt>
+    <dgm:pt modelId="{0EAB9C12-3701-2A41-8871-A74FD0D7951A}" type="pres">
+      <dgm:prSet presAssocID="{ADE5EDDA-6318-7C4B-91D7-F20FF602F40E}" presName="rootText" presStyleLbl="node2" presStyleIdx="1" presStyleCnt="3">
+        <dgm:presLayoutVars>
+          <dgm:chPref val="3"/>
+        </dgm:presLayoutVars>
+      </dgm:prSet>
+      <dgm:spPr/>
+      <dgm:t>
+        <a:bodyPr/>
+        <a:lstStyle/>
+        <a:p>
+          <a:endParaRPr lang="en-US"/>
+        </a:p>
+      </dgm:t>
+    </dgm:pt>
+    <dgm:pt modelId="{E7A66A87-F902-F446-9A70-68E29CAE6597}" type="pres">
+      <dgm:prSet presAssocID="{ADE5EDDA-6318-7C4B-91D7-F20FF602F40E}" presName="rootConnector" presStyleLbl="node2" presStyleIdx="1" presStyleCnt="3"/>
+      <dgm:spPr/>
+    </dgm:pt>
+    <dgm:pt modelId="{BE34FEA6-2E6A-FC48-9D99-2D500ECCAE21}" type="pres">
+      <dgm:prSet presAssocID="{ADE5EDDA-6318-7C4B-91D7-F20FF602F40E}" presName="hierChild4" presStyleCnt="0"/>
+      <dgm:spPr/>
+    </dgm:pt>
+    <dgm:pt modelId="{89BC85A2-61ED-D945-A8B2-1658560E0F26}" type="pres">
+      <dgm:prSet presAssocID="{ADE5EDDA-6318-7C4B-91D7-F20FF602F40E}" presName="hierChild5" presStyleCnt="0"/>
+      <dgm:spPr/>
+    </dgm:pt>
+    <dgm:pt modelId="{2F4736E0-F759-BF4E-A1F8-648C0462720B}" type="pres">
+      <dgm:prSet presAssocID="{7CBEA03F-103C-2342-996B-FD512A3E93C1}" presName="Name37" presStyleLbl="parChTrans1D2" presStyleIdx="2" presStyleCnt="3"/>
+      <dgm:spPr/>
+    </dgm:pt>
+    <dgm:pt modelId="{1F8AF886-7C69-E045-B43D-9B872C22098C}" type="pres">
+      <dgm:prSet presAssocID="{9C27C08A-690D-FD49-834A-46809237F1C0}" presName="hierRoot2" presStyleCnt="0">
+        <dgm:presLayoutVars>
+          <dgm:hierBranch val="init"/>
+        </dgm:presLayoutVars>
+      </dgm:prSet>
+      <dgm:spPr/>
+    </dgm:pt>
+    <dgm:pt modelId="{464CB40B-8D1B-EC40-A34C-CB760B47E04A}" type="pres">
+      <dgm:prSet presAssocID="{9C27C08A-690D-FD49-834A-46809237F1C0}" presName="rootComposite" presStyleCnt="0"/>
+      <dgm:spPr/>
+    </dgm:pt>
+    <dgm:pt modelId="{90926900-365D-8345-B663-7C5799CAD897}" type="pres">
+      <dgm:prSet presAssocID="{9C27C08A-690D-FD49-834A-46809237F1C0}" presName="rootText" presStyleLbl="node2" presStyleIdx="2" presStyleCnt="3">
+        <dgm:presLayoutVars>
+          <dgm:chPref val="3"/>
+        </dgm:presLayoutVars>
+      </dgm:prSet>
+      <dgm:spPr/>
+      <dgm:t>
+        <a:bodyPr/>
+        <a:lstStyle/>
+        <a:p>
+          <a:endParaRPr lang="en-US"/>
+        </a:p>
+      </dgm:t>
+    </dgm:pt>
+    <dgm:pt modelId="{42E1A025-620E-E649-A36B-30CA23193671}" type="pres">
+      <dgm:prSet presAssocID="{9C27C08A-690D-FD49-834A-46809237F1C0}" presName="rootConnector" presStyleLbl="node2" presStyleIdx="2" presStyleCnt="3"/>
+      <dgm:spPr/>
+    </dgm:pt>
+    <dgm:pt modelId="{D2FDB79E-1B24-D04F-8568-2D9BB9A9B4FA}" type="pres">
+      <dgm:prSet presAssocID="{9C27C08A-690D-FD49-834A-46809237F1C0}" presName="hierChild4" presStyleCnt="0"/>
+      <dgm:spPr/>
+    </dgm:pt>
+    <dgm:pt modelId="{76840404-7E3E-254C-BC27-EFB859371922}" type="pres">
+      <dgm:prSet presAssocID="{9C27C08A-690D-FD49-834A-46809237F1C0}" presName="hierChild5" presStyleCnt="0"/>
+      <dgm:spPr/>
+    </dgm:pt>
+    <dgm:pt modelId="{90A5BE53-9BB8-0A4E-BE59-C48B98BDB866}" type="pres">
+      <dgm:prSet presAssocID="{2EE1D2BE-D212-F349-8529-DF8E6D6829D6}" presName="hierChild3" presStyleCnt="0"/>
+      <dgm:spPr/>
+    </dgm:pt>
+  </dgm:ptLst>
+  <dgm:cxnLst>
+    <dgm:cxn modelId="{EEA1BC2D-0C58-DA41-90A6-BAB1564613C2}" type="presOf" srcId="{F6D1A0CC-2E86-1A46-97FA-673204D33998}" destId="{DAA492F3-C4B4-1E48-9266-401CD0E29394}" srcOrd="0" destOrd="0" presId="urn:microsoft.com/office/officeart/2005/8/layout/orgChart1"/>
+    <dgm:cxn modelId="{E9C2061A-0022-CD41-AB03-ABC3C5BB9425}" type="presOf" srcId="{9C27C08A-690D-FD49-834A-46809237F1C0}" destId="{90926900-365D-8345-B663-7C5799CAD897}" srcOrd="0" destOrd="0" presId="urn:microsoft.com/office/officeart/2005/8/layout/orgChart1"/>
+    <dgm:cxn modelId="{21D3E893-DABE-1141-9FCA-B10B7EB6F318}" type="presOf" srcId="{ADE5EDDA-6318-7C4B-91D7-F20FF602F40E}" destId="{0EAB9C12-3701-2A41-8871-A74FD0D7951A}" srcOrd="0" destOrd="0" presId="urn:microsoft.com/office/officeart/2005/8/layout/orgChart1"/>
+    <dgm:cxn modelId="{49F35A11-1F67-B940-A673-010D142340E1}" type="presOf" srcId="{89E38E5A-2C3C-4048-A0DE-150A2EFF48D7}" destId="{308226C9-3B74-1F4C-8C27-FCDE4738D610}" srcOrd="1" destOrd="0" presId="urn:microsoft.com/office/officeart/2005/8/layout/orgChart1"/>
+    <dgm:cxn modelId="{3B8FD6FE-EF03-694B-92C3-D48F8C0A4B95}" type="presOf" srcId="{9C27C08A-690D-FD49-834A-46809237F1C0}" destId="{42E1A025-620E-E649-A36B-30CA23193671}" srcOrd="1" destOrd="0" presId="urn:microsoft.com/office/officeart/2005/8/layout/orgChart1"/>
+    <dgm:cxn modelId="{C17EC4F7-E05A-674F-B1BF-F101DD6B5542}" type="presOf" srcId="{2EE1D2BE-D212-F349-8529-DF8E6D6829D6}" destId="{6066B8DE-E6E5-3744-9538-602CE837F307}" srcOrd="0" destOrd="0" presId="urn:microsoft.com/office/officeart/2005/8/layout/orgChart1"/>
+    <dgm:cxn modelId="{BE42BB14-E270-A248-A81E-21EC37E9AB11}" srcId="{BD5BC3F1-499F-7645-901C-2C7837892535}" destId="{2EE1D2BE-D212-F349-8529-DF8E6D6829D6}" srcOrd="0" destOrd="0" parTransId="{984133D1-C7DD-D246-8F7F-B3A02218B76E}" sibTransId="{161326F2-DA59-0549-BC88-435672AFA423}"/>
+    <dgm:cxn modelId="{8C5CAF5E-D441-8A4B-A45F-E68998D180BC}" type="presOf" srcId="{BD5BC3F1-499F-7645-901C-2C7837892535}" destId="{B1DAA4D3-D245-0247-963E-223440409FAC}" srcOrd="0" destOrd="0" presId="urn:microsoft.com/office/officeart/2005/8/layout/orgChart1"/>
+    <dgm:cxn modelId="{E3642D47-8F1C-8748-9296-264345C75AA8}" type="presOf" srcId="{ADE5EDDA-6318-7C4B-91D7-F20FF602F40E}" destId="{E7A66A87-F902-F446-9A70-68E29CAE6597}" srcOrd="1" destOrd="0" presId="urn:microsoft.com/office/officeart/2005/8/layout/orgChart1"/>
+    <dgm:cxn modelId="{3DAE3C19-18A9-F042-8A07-10FED53825C3}" srcId="{2EE1D2BE-D212-F349-8529-DF8E6D6829D6}" destId="{9C27C08A-690D-FD49-834A-46809237F1C0}" srcOrd="2" destOrd="0" parTransId="{7CBEA03F-103C-2342-996B-FD512A3E93C1}" sibTransId="{3FEE7B4F-FA0B-C54B-8E43-B374680881EC}"/>
+    <dgm:cxn modelId="{5EC057BB-079A-B647-8D7B-77C01956C73E}" srcId="{2EE1D2BE-D212-F349-8529-DF8E6D6829D6}" destId="{89E38E5A-2C3C-4048-A0DE-150A2EFF48D7}" srcOrd="0" destOrd="0" parTransId="{B3F4D04B-0797-AB47-8E6F-5E5A45B35F8B}" sibTransId="{E2D01246-7599-2544-AF45-743624731692}"/>
+    <dgm:cxn modelId="{B3BA5F09-E850-5B4E-B5DA-8F3715D3BDDA}" type="presOf" srcId="{B3F4D04B-0797-AB47-8E6F-5E5A45B35F8B}" destId="{1A07A4E1-7A44-4841-BD31-B4EC1307775E}" srcOrd="0" destOrd="0" presId="urn:microsoft.com/office/officeart/2005/8/layout/orgChart1"/>
+    <dgm:cxn modelId="{A0F2EF0A-1656-2043-8DD4-EB8754876106}" type="presOf" srcId="{7CBEA03F-103C-2342-996B-FD512A3E93C1}" destId="{2F4736E0-F759-BF4E-A1F8-648C0462720B}" srcOrd="0" destOrd="0" presId="urn:microsoft.com/office/officeart/2005/8/layout/orgChart1"/>
+    <dgm:cxn modelId="{C6B03626-AB56-6D46-A9F3-67EA5825D65C}" type="presOf" srcId="{2EE1D2BE-D212-F349-8529-DF8E6D6829D6}" destId="{79CFD5F1-F965-014D-894E-3DE639F753F7}" srcOrd="1" destOrd="0" presId="urn:microsoft.com/office/officeart/2005/8/layout/orgChart1"/>
+    <dgm:cxn modelId="{15E8BAFE-D99E-F748-8129-474EA68B47A4}" srcId="{2EE1D2BE-D212-F349-8529-DF8E6D6829D6}" destId="{ADE5EDDA-6318-7C4B-91D7-F20FF602F40E}" srcOrd="1" destOrd="0" parTransId="{F6D1A0CC-2E86-1A46-97FA-673204D33998}" sibTransId="{444E683A-75D5-944B-B571-EFD3898DB91F}"/>
+    <dgm:cxn modelId="{73A4C3DF-89F6-1D40-BB81-7CDCE6EB53A9}" type="presOf" srcId="{89E38E5A-2C3C-4048-A0DE-150A2EFF48D7}" destId="{D26A0337-0779-3C40-BD93-ED6B61A02FF0}" srcOrd="0" destOrd="0" presId="urn:microsoft.com/office/officeart/2005/8/layout/orgChart1"/>
+    <dgm:cxn modelId="{05FADB0D-175D-9940-8A0D-370F5193842F}" type="presParOf" srcId="{B1DAA4D3-D245-0247-963E-223440409FAC}" destId="{E20BF11A-161E-594D-8F03-F117183377C0}" srcOrd="0" destOrd="0" presId="urn:microsoft.com/office/officeart/2005/8/layout/orgChart1"/>
+    <dgm:cxn modelId="{F1A1F7B4-5BE9-2344-A142-B177CBDF06F0}" type="presParOf" srcId="{E20BF11A-161E-594D-8F03-F117183377C0}" destId="{EC133F0E-C59D-7E49-A47C-3E170F7A6693}" srcOrd="0" destOrd="0" presId="urn:microsoft.com/office/officeart/2005/8/layout/orgChart1"/>
+    <dgm:cxn modelId="{F50B844A-AC5E-F848-82DA-BC20DBEA826E}" type="presParOf" srcId="{EC133F0E-C59D-7E49-A47C-3E170F7A6693}" destId="{6066B8DE-E6E5-3744-9538-602CE837F307}" srcOrd="0" destOrd="0" presId="urn:microsoft.com/office/officeart/2005/8/layout/orgChart1"/>
+    <dgm:cxn modelId="{BA29549B-3312-A54F-9984-A37A148F9171}" type="presParOf" srcId="{EC133F0E-C59D-7E49-A47C-3E170F7A6693}" destId="{79CFD5F1-F965-014D-894E-3DE639F753F7}" srcOrd="1" destOrd="0" presId="urn:microsoft.com/office/officeart/2005/8/layout/orgChart1"/>
+    <dgm:cxn modelId="{C9683F5C-BF92-2B4D-BBDA-548F54A0C6D0}" type="presParOf" srcId="{E20BF11A-161E-594D-8F03-F117183377C0}" destId="{A4F8CC7D-A909-1044-9025-10828B10F0C9}" srcOrd="1" destOrd="0" presId="urn:microsoft.com/office/officeart/2005/8/layout/orgChart1"/>
+    <dgm:cxn modelId="{F7E494DD-8273-344A-A118-09F7C438E624}" type="presParOf" srcId="{A4F8CC7D-A909-1044-9025-10828B10F0C9}" destId="{1A07A4E1-7A44-4841-BD31-B4EC1307775E}" srcOrd="0" destOrd="0" presId="urn:microsoft.com/office/officeart/2005/8/layout/orgChart1"/>
+    <dgm:cxn modelId="{98760B49-25A5-CD47-9E76-1F29FCF45106}" type="presParOf" srcId="{A4F8CC7D-A909-1044-9025-10828B10F0C9}" destId="{3202C327-679A-D54D-8A2D-4151A8608776}" srcOrd="1" destOrd="0" presId="urn:microsoft.com/office/officeart/2005/8/layout/orgChart1"/>
+    <dgm:cxn modelId="{381BC218-7B7D-E343-892D-0D348AD3B62E}" type="presParOf" srcId="{3202C327-679A-D54D-8A2D-4151A8608776}" destId="{DFBB8CC4-1984-3D45-891B-4E7D2F92BB28}" srcOrd="0" destOrd="0" presId="urn:microsoft.com/office/officeart/2005/8/layout/orgChart1"/>
+    <dgm:cxn modelId="{17A67D6E-FCD3-944D-B3BC-D7F186A9F7B0}" type="presParOf" srcId="{DFBB8CC4-1984-3D45-891B-4E7D2F92BB28}" destId="{D26A0337-0779-3C40-BD93-ED6B61A02FF0}" srcOrd="0" destOrd="0" presId="urn:microsoft.com/office/officeart/2005/8/layout/orgChart1"/>
+    <dgm:cxn modelId="{17BBFBCD-3EC6-A34B-98AE-31919B811D6D}" type="presParOf" srcId="{DFBB8CC4-1984-3D45-891B-4E7D2F92BB28}" destId="{308226C9-3B74-1F4C-8C27-FCDE4738D610}" srcOrd="1" destOrd="0" presId="urn:microsoft.com/office/officeart/2005/8/layout/orgChart1"/>
+    <dgm:cxn modelId="{193D357E-1C06-4744-B55C-E98D9EBFA644}" type="presParOf" srcId="{3202C327-679A-D54D-8A2D-4151A8608776}" destId="{E044E5A6-398A-1141-B3F4-1E2D1AD48A9F}" srcOrd="1" destOrd="0" presId="urn:microsoft.com/office/officeart/2005/8/layout/orgChart1"/>
+    <dgm:cxn modelId="{2E924AE8-BA39-5048-9478-5C020AA31433}" type="presParOf" srcId="{3202C327-679A-D54D-8A2D-4151A8608776}" destId="{78382B74-22BC-3141-92BB-AF41A61AD949}" srcOrd="2" destOrd="0" presId="urn:microsoft.com/office/officeart/2005/8/layout/orgChart1"/>
+    <dgm:cxn modelId="{A015A767-B9A3-864D-9F4E-810A6277829C}" type="presParOf" srcId="{A4F8CC7D-A909-1044-9025-10828B10F0C9}" destId="{DAA492F3-C4B4-1E48-9266-401CD0E29394}" srcOrd="2" destOrd="0" presId="urn:microsoft.com/office/officeart/2005/8/layout/orgChart1"/>
+    <dgm:cxn modelId="{1461A675-A6FB-494E-A881-D5875940802A}" type="presParOf" srcId="{A4F8CC7D-A909-1044-9025-10828B10F0C9}" destId="{4FFF8A1F-EFC0-5748-9977-CEA95A936E90}" srcOrd="3" destOrd="0" presId="urn:microsoft.com/office/officeart/2005/8/layout/orgChart1"/>
+    <dgm:cxn modelId="{96C482FC-D7ED-E041-9281-1586F12693DA}" type="presParOf" srcId="{4FFF8A1F-EFC0-5748-9977-CEA95A936E90}" destId="{422DBCBA-04AF-3F4B-B814-4619D336B2EE}" srcOrd="0" destOrd="0" presId="urn:microsoft.com/office/officeart/2005/8/layout/orgChart1"/>
+    <dgm:cxn modelId="{AA3C8092-43A3-9449-AA88-C2E65384F0F1}" type="presParOf" srcId="{422DBCBA-04AF-3F4B-B814-4619D336B2EE}" destId="{0EAB9C12-3701-2A41-8871-A74FD0D7951A}" srcOrd="0" destOrd="0" presId="urn:microsoft.com/office/officeart/2005/8/layout/orgChart1"/>
+    <dgm:cxn modelId="{C673EB0A-3C99-0047-A431-18B2D7ADC8DB}" type="presParOf" srcId="{422DBCBA-04AF-3F4B-B814-4619D336B2EE}" destId="{E7A66A87-F902-F446-9A70-68E29CAE6597}" srcOrd="1" destOrd="0" presId="urn:microsoft.com/office/officeart/2005/8/layout/orgChart1"/>
+    <dgm:cxn modelId="{93765FFF-E908-D842-8005-C59E88F46A1C}" type="presParOf" srcId="{4FFF8A1F-EFC0-5748-9977-CEA95A936E90}" destId="{BE34FEA6-2E6A-FC48-9D99-2D500ECCAE21}" srcOrd="1" destOrd="0" presId="urn:microsoft.com/office/officeart/2005/8/layout/orgChart1"/>
+    <dgm:cxn modelId="{E14137B0-DA89-B247-927E-ACD37DF25F41}" type="presParOf" srcId="{4FFF8A1F-EFC0-5748-9977-CEA95A936E90}" destId="{89BC85A2-61ED-D945-A8B2-1658560E0F26}" srcOrd="2" destOrd="0" presId="urn:microsoft.com/office/officeart/2005/8/layout/orgChart1"/>
+    <dgm:cxn modelId="{D8CDBD0C-B323-B446-BA12-7C5564BA3297}" type="presParOf" srcId="{A4F8CC7D-A909-1044-9025-10828B10F0C9}" destId="{2F4736E0-F759-BF4E-A1F8-648C0462720B}" srcOrd="4" destOrd="0" presId="urn:microsoft.com/office/officeart/2005/8/layout/orgChart1"/>
+    <dgm:cxn modelId="{BF4CA7A3-3E12-6D4D-84B7-1EE912122779}" type="presParOf" srcId="{A4F8CC7D-A909-1044-9025-10828B10F0C9}" destId="{1F8AF886-7C69-E045-B43D-9B872C22098C}" srcOrd="5" destOrd="0" presId="urn:microsoft.com/office/officeart/2005/8/layout/orgChart1"/>
+    <dgm:cxn modelId="{9CD83B94-0192-6F4F-A413-E0B8DD2B62C3}" type="presParOf" srcId="{1F8AF886-7C69-E045-B43D-9B872C22098C}" destId="{464CB40B-8D1B-EC40-A34C-CB760B47E04A}" srcOrd="0" destOrd="0" presId="urn:microsoft.com/office/officeart/2005/8/layout/orgChart1"/>
+    <dgm:cxn modelId="{FC9996FB-7512-FA4F-AB93-E4CDD29E9DDB}" type="presParOf" srcId="{464CB40B-8D1B-EC40-A34C-CB760B47E04A}" destId="{90926900-365D-8345-B663-7C5799CAD897}" srcOrd="0" destOrd="0" presId="urn:microsoft.com/office/officeart/2005/8/layout/orgChart1"/>
+    <dgm:cxn modelId="{16566CE7-B0C5-2E48-99DF-8F328A42F2E6}" type="presParOf" srcId="{464CB40B-8D1B-EC40-A34C-CB760B47E04A}" destId="{42E1A025-620E-E649-A36B-30CA23193671}" srcOrd="1" destOrd="0" presId="urn:microsoft.com/office/officeart/2005/8/layout/orgChart1"/>
+    <dgm:cxn modelId="{13772409-1F9C-1A45-B854-AE5C39C5A158}" type="presParOf" srcId="{1F8AF886-7C69-E045-B43D-9B872C22098C}" destId="{D2FDB79E-1B24-D04F-8568-2D9BB9A9B4FA}" srcOrd="1" destOrd="0" presId="urn:microsoft.com/office/officeart/2005/8/layout/orgChart1"/>
+    <dgm:cxn modelId="{4395DDD8-52C9-AF4D-9D93-9BEC7BAB0114}" type="presParOf" srcId="{1F8AF886-7C69-E045-B43D-9B872C22098C}" destId="{76840404-7E3E-254C-BC27-EFB859371922}" srcOrd="2" destOrd="0" presId="urn:microsoft.com/office/officeart/2005/8/layout/orgChart1"/>
+    <dgm:cxn modelId="{E7DB9B3D-7708-5247-84AF-EE83E54B493A}" type="presParOf" srcId="{E20BF11A-161E-594D-8F03-F117183377C0}" destId="{90A5BE53-9BB8-0A4E-BE59-C48B98BDB866}" srcOrd="2" destOrd="0" presId="urn:microsoft.com/office/officeart/2005/8/layout/orgChart1"/>
+  </dgm:cxnLst>
+  <dgm:bg/>
+  <dgm:whole/>
+  <dgm:extLst>
+    <a:ext uri="http://schemas.microsoft.com/office/drawing/2008/diagram">
+      <dsp:dataModelExt xmlns:dsp="http://schemas.microsoft.com/office/drawing/2008/diagram" relId="rId6" minVer="http://schemas.openxmlformats.org/drawingml/2006/diagram"/>
+    </a:ext>
+  </dgm:extLst>
+</dgm:dataModel>
+</file>
+
+<file path=ppt/diagrams/drawing1.xml><?xml version="1.0" encoding="utf-8"?>
+<dsp:drawing xmlns:dgm="http://schemas.openxmlformats.org/drawingml/2006/diagram" xmlns:dsp="http://schemas.microsoft.com/office/drawing/2008/diagram" xmlns:a="http://schemas.openxmlformats.org/drawingml/2006/main">
+  <dsp:spTree>
+    <dsp:nvGrpSpPr>
+      <dsp:cNvPr id="0" name=""/>
+      <dsp:cNvGrpSpPr/>
+    </dsp:nvGrpSpPr>
+    <dsp:grpSpPr/>
+    <dsp:sp modelId="{2F4736E0-F759-BF4E-A1F8-648C0462720B}">
+      <dsp:nvSpPr>
+        <dsp:cNvPr id="0" name=""/>
+        <dsp:cNvSpPr/>
+      </dsp:nvSpPr>
+      <dsp:spPr>
+        <a:xfrm>
+          <a:off x="3048000" y="874832"/>
+          <a:ext cx="2115963" cy="367233"/>
+        </a:xfrm>
+        <a:custGeom>
+          <a:avLst/>
+          <a:gdLst/>
+          <a:ahLst/>
+          <a:cxnLst/>
+          <a:rect l="0" t="0" r="0" b="0"/>
+          <a:pathLst>
+            <a:path>
+              <a:moveTo>
+                <a:pt x="0" y="0"/>
+              </a:moveTo>
+              <a:lnTo>
+                <a:pt x="0" y="183616"/>
+              </a:lnTo>
+              <a:lnTo>
+                <a:pt x="2115963" y="183616"/>
+              </a:lnTo>
+              <a:lnTo>
+                <a:pt x="2115963" y="367233"/>
+              </a:lnTo>
+            </a:path>
+          </a:pathLst>
+        </a:custGeom>
+        <a:noFill/>
+        <a:ln w="9525" cap="flat" cmpd="sng" algn="ctr">
+          <a:solidFill>
+            <a:schemeClr val="accent1">
+              <a:shade val="60000"/>
+              <a:hueOff val="0"/>
+              <a:satOff val="0"/>
+              <a:lumOff val="0"/>
+              <a:alphaOff val="0"/>
+            </a:schemeClr>
+          </a:solidFill>
+          <a:prstDash val="solid"/>
+        </a:ln>
+        <a:effectLst/>
+      </dsp:spPr>
+      <dsp:style>
+        <a:lnRef idx="1">
+          <a:scrgbClr r="0" g="0" b="0"/>
+        </a:lnRef>
+        <a:fillRef idx="0">
+          <a:scrgbClr r="0" g="0" b="0"/>
+        </a:fillRef>
+        <a:effectRef idx="0">
+          <a:scrgbClr r="0" g="0" b="0"/>
+        </a:effectRef>
+        <a:fontRef idx="minor"/>
+      </dsp:style>
+    </dsp:sp>
+    <dsp:sp modelId="{DAA492F3-C4B4-1E48-9266-401CD0E29394}">
+      <dsp:nvSpPr>
+        <dsp:cNvPr id="0" name=""/>
+        <dsp:cNvSpPr/>
+      </dsp:nvSpPr>
+      <dsp:spPr>
+        <a:xfrm>
+          <a:off x="3002280" y="874832"/>
+          <a:ext cx="91440" cy="367233"/>
+        </a:xfrm>
+        <a:custGeom>
+          <a:avLst/>
+          <a:gdLst/>
+          <a:ahLst/>
+          <a:cxnLst/>
+          <a:rect l="0" t="0" r="0" b="0"/>
+          <a:pathLst>
+            <a:path>
+              <a:moveTo>
+                <a:pt x="45720" y="0"/>
+              </a:moveTo>
+              <a:lnTo>
+                <a:pt x="45720" y="367233"/>
+              </a:lnTo>
+            </a:path>
+          </a:pathLst>
+        </a:custGeom>
+        <a:noFill/>
+        <a:ln w="9525" cap="flat" cmpd="sng" algn="ctr">
+          <a:solidFill>
+            <a:schemeClr val="accent1">
+              <a:shade val="60000"/>
+              <a:hueOff val="0"/>
+              <a:satOff val="0"/>
+              <a:lumOff val="0"/>
+              <a:alphaOff val="0"/>
+            </a:schemeClr>
+          </a:solidFill>
+          <a:prstDash val="solid"/>
+        </a:ln>
+        <a:effectLst/>
+      </dsp:spPr>
+      <dsp:style>
+        <a:lnRef idx="1">
+          <a:scrgbClr r="0" g="0" b="0"/>
+        </a:lnRef>
+        <a:fillRef idx="0">
+          <a:scrgbClr r="0" g="0" b="0"/>
+        </a:fillRef>
+        <a:effectRef idx="0">
+          <a:scrgbClr r="0" g="0" b="0"/>
+        </a:effectRef>
+        <a:fontRef idx="minor"/>
+      </dsp:style>
+    </dsp:sp>
+    <dsp:sp modelId="{1A07A4E1-7A44-4841-BD31-B4EC1307775E}">
+      <dsp:nvSpPr>
+        <dsp:cNvPr id="0" name=""/>
+        <dsp:cNvSpPr/>
+      </dsp:nvSpPr>
+      <dsp:spPr>
+        <a:xfrm>
+          <a:off x="932036" y="874832"/>
+          <a:ext cx="2115963" cy="367233"/>
+        </a:xfrm>
+        <a:custGeom>
+          <a:avLst/>
+          <a:gdLst/>
+          <a:ahLst/>
+          <a:cxnLst/>
+          <a:rect l="0" t="0" r="0" b="0"/>
+          <a:pathLst>
+            <a:path>
+              <a:moveTo>
+                <a:pt x="2115963" y="0"/>
+              </a:moveTo>
+              <a:lnTo>
+                <a:pt x="2115963" y="183616"/>
+              </a:lnTo>
+              <a:lnTo>
+                <a:pt x="0" y="183616"/>
+              </a:lnTo>
+              <a:lnTo>
+                <a:pt x="0" y="367233"/>
+              </a:lnTo>
+            </a:path>
+          </a:pathLst>
+        </a:custGeom>
+        <a:noFill/>
+        <a:ln w="9525" cap="flat" cmpd="sng" algn="ctr">
+          <a:solidFill>
+            <a:schemeClr val="accent1">
+              <a:shade val="60000"/>
+              <a:hueOff val="0"/>
+              <a:satOff val="0"/>
+              <a:lumOff val="0"/>
+              <a:alphaOff val="0"/>
+            </a:schemeClr>
+          </a:solidFill>
+          <a:prstDash val="solid"/>
+        </a:ln>
+        <a:effectLst/>
+      </dsp:spPr>
+      <dsp:style>
+        <a:lnRef idx="1">
+          <a:scrgbClr r="0" g="0" b="0"/>
+        </a:lnRef>
+        <a:fillRef idx="0">
+          <a:scrgbClr r="0" g="0" b="0"/>
+        </a:fillRef>
+        <a:effectRef idx="0">
+          <a:scrgbClr r="0" g="0" b="0"/>
+        </a:effectRef>
+        <a:fontRef idx="minor"/>
+      </dsp:style>
+    </dsp:sp>
+    <dsp:sp modelId="{6066B8DE-E6E5-3744-9538-602CE837F307}">
+      <dsp:nvSpPr>
+        <dsp:cNvPr id="0" name=""/>
+        <dsp:cNvSpPr/>
+      </dsp:nvSpPr>
+      <dsp:spPr>
+        <a:xfrm>
+          <a:off x="2173634" y="467"/>
+          <a:ext cx="1748730" cy="874365"/>
+        </a:xfrm>
+        <a:prstGeom prst="rect">
+          <a:avLst/>
+        </a:prstGeom>
+        <a:gradFill rotWithShape="0">
+          <a:gsLst>
+            <a:gs pos="0">
+              <a:schemeClr val="accent1">
+                <a:hueOff val="0"/>
+                <a:satOff val="0"/>
+                <a:lumOff val="0"/>
+                <a:alphaOff val="0"/>
+                <a:tint val="100000"/>
+                <a:shade val="100000"/>
+                <a:satMod val="130000"/>
+              </a:schemeClr>
+            </a:gs>
+            <a:gs pos="100000">
+              <a:schemeClr val="accent1">
+                <a:hueOff val="0"/>
+                <a:satOff val="0"/>
+                <a:lumOff val="0"/>
+                <a:alphaOff val="0"/>
+                <a:tint val="50000"/>
+                <a:shade val="100000"/>
+                <a:satMod val="350000"/>
+              </a:schemeClr>
+            </a:gs>
+          </a:gsLst>
+          <a:lin ang="16200000" scaled="0"/>
+        </a:gradFill>
+        <a:ln>
+          <a:noFill/>
+        </a:ln>
+        <a:effectLst>
+          <a:outerShdw blurRad="40000" dist="23000" dir="5400000" rotWithShape="0">
+            <a:srgbClr val="000000">
+              <a:alpha val="35000"/>
+            </a:srgbClr>
+          </a:outerShdw>
+        </a:effectLst>
+      </dsp:spPr>
+      <dsp:style>
+        <a:lnRef idx="0">
+          <a:scrgbClr r="0" g="0" b="0"/>
+        </a:lnRef>
+        <a:fillRef idx="3">
+          <a:scrgbClr r="0" g="0" b="0"/>
+        </a:fillRef>
+        <a:effectRef idx="2">
+          <a:scrgbClr r="0" g="0" b="0"/>
+        </a:effectRef>
+        <a:fontRef idx="minor">
+          <a:schemeClr val="lt1"/>
+        </a:fontRef>
+      </dsp:style>
+      <dsp:txBody>
+        <a:bodyPr spcFirstLastPara="0" vert="horz" wrap="square" lIns="12065" tIns="12065" rIns="12065" bIns="12065" numCol="1" spcCol="1270" anchor="ctr" anchorCtr="0">
+          <a:noAutofit/>
+        </a:bodyPr>
+        <a:lstStyle/>
+        <a:p>
+          <a:pPr lvl="0" algn="ctr" defTabSz="844550">
+            <a:lnSpc>
+              <a:spcPct val="90000"/>
+            </a:lnSpc>
+            <a:spcBef>
+              <a:spcPct val="0"/>
+            </a:spcBef>
+            <a:spcAft>
+              <a:spcPct val="35000"/>
+            </a:spcAft>
+          </a:pPr>
+          <a:r>
+            <a:rPr lang="en-US" altLang="zh-CN" sz="1900" kern="1200" dirty="0" smtClean="0"/>
+            <a:t>Pacman</a:t>
+          </a:r>
+          <a:r>
+            <a:rPr lang="zh-CN" altLang="en-US" sz="1900" kern="1200" dirty="0" smtClean="0"/>
+            <a:t> </a:t>
+          </a:r>
+          <a:r>
+            <a:rPr lang="en-US" altLang="zh-CN" sz="1900" kern="1200" dirty="0" smtClean="0"/>
+            <a:t>Interactions</a:t>
+          </a:r>
+          <a:endParaRPr lang="en-US" sz="1900" kern="1200" dirty="0"/>
+        </a:p>
+      </dsp:txBody>
+      <dsp:txXfrm>
+        <a:off x="2173634" y="467"/>
+        <a:ext cx="1748730" cy="874365"/>
+      </dsp:txXfrm>
+    </dsp:sp>
+    <dsp:sp modelId="{D26A0337-0779-3C40-BD93-ED6B61A02FF0}">
+      <dsp:nvSpPr>
+        <dsp:cNvPr id="0" name=""/>
+        <dsp:cNvSpPr/>
+      </dsp:nvSpPr>
+      <dsp:spPr>
+        <a:xfrm>
+          <a:off x="57670" y="1242065"/>
+          <a:ext cx="1748730" cy="874365"/>
+        </a:xfrm>
+        <a:prstGeom prst="rect">
+          <a:avLst/>
+        </a:prstGeom>
+        <a:gradFill rotWithShape="0">
+          <a:gsLst>
+            <a:gs pos="0">
+              <a:schemeClr val="accent1">
+                <a:hueOff val="0"/>
+                <a:satOff val="0"/>
+                <a:lumOff val="0"/>
+                <a:alphaOff val="0"/>
+                <a:tint val="100000"/>
+                <a:shade val="100000"/>
+                <a:satMod val="130000"/>
+              </a:schemeClr>
+            </a:gs>
+            <a:gs pos="100000">
+              <a:schemeClr val="accent1">
+                <a:hueOff val="0"/>
+                <a:satOff val="0"/>
+                <a:lumOff val="0"/>
+                <a:alphaOff val="0"/>
+                <a:tint val="50000"/>
+                <a:shade val="100000"/>
+                <a:satMod val="350000"/>
+              </a:schemeClr>
+            </a:gs>
+          </a:gsLst>
+          <a:lin ang="16200000" scaled="0"/>
+        </a:gradFill>
+        <a:ln>
+          <a:noFill/>
+        </a:ln>
+        <a:effectLst>
+          <a:outerShdw blurRad="40000" dist="23000" dir="5400000" rotWithShape="0">
+            <a:srgbClr val="000000">
+              <a:alpha val="35000"/>
+            </a:srgbClr>
+          </a:outerShdw>
+        </a:effectLst>
+      </dsp:spPr>
+      <dsp:style>
+        <a:lnRef idx="0">
+          <a:scrgbClr r="0" g="0" b="0"/>
+        </a:lnRef>
+        <a:fillRef idx="3">
+          <a:scrgbClr r="0" g="0" b="0"/>
+        </a:fillRef>
+        <a:effectRef idx="2">
+          <a:scrgbClr r="0" g="0" b="0"/>
+        </a:effectRef>
+        <a:fontRef idx="minor">
+          <a:schemeClr val="lt1"/>
+        </a:fontRef>
+      </dsp:style>
+      <dsp:txBody>
+        <a:bodyPr spcFirstLastPara="0" vert="horz" wrap="square" lIns="12065" tIns="12065" rIns="12065" bIns="12065" numCol="1" spcCol="1270" anchor="ctr" anchorCtr="0">
+          <a:noAutofit/>
+        </a:bodyPr>
+        <a:lstStyle/>
+        <a:p>
+          <a:pPr lvl="0" algn="ctr" defTabSz="844550">
+            <a:lnSpc>
+              <a:spcPct val="90000"/>
+            </a:lnSpc>
+            <a:spcBef>
+              <a:spcPct val="0"/>
+            </a:spcBef>
+            <a:spcAft>
+              <a:spcPct val="35000"/>
+            </a:spcAft>
+          </a:pPr>
+          <a:r>
+            <a:rPr lang="en-US" altLang="zh-CN" sz="1900" kern="1200" dirty="0" smtClean="0"/>
+            <a:t>Wall</a:t>
+          </a:r>
+          <a:endParaRPr lang="zh-CN" altLang="en-US" sz="1900" kern="1200" dirty="0" smtClean="0"/>
+        </a:p>
+        <a:p>
+          <a:pPr lvl="0" algn="ctr" defTabSz="844550">
+            <a:lnSpc>
+              <a:spcPct val="90000"/>
+            </a:lnSpc>
+            <a:spcBef>
+              <a:spcPct val="0"/>
+            </a:spcBef>
+            <a:spcAft>
+              <a:spcPct val="35000"/>
+            </a:spcAft>
+          </a:pPr>
+          <a:r>
+            <a:rPr lang="en-US" altLang="zh-CN" sz="1900" kern="1200" dirty="0" smtClean="0"/>
+            <a:t>Velocity</a:t>
+          </a:r>
+          <a:r>
+            <a:rPr lang="zh-CN" altLang="en-US" sz="1900" kern="1200" dirty="0" smtClean="0"/>
+            <a:t> </a:t>
+          </a:r>
+          <a:r>
+            <a:rPr lang="en-US" altLang="zh-CN" sz="1900" kern="1200" dirty="0" smtClean="0"/>
+            <a:t>(0,</a:t>
+          </a:r>
+          <a:r>
+            <a:rPr lang="zh-CN" altLang="en-US" sz="1900" kern="1200" dirty="0" smtClean="0"/>
+            <a:t> </a:t>
+          </a:r>
+          <a:r>
+            <a:rPr lang="en-US" altLang="zh-CN" sz="1900" kern="1200" dirty="0" smtClean="0"/>
+            <a:t>0)</a:t>
+          </a:r>
+          <a:endParaRPr lang="en-US" sz="1900" kern="1200" dirty="0"/>
+        </a:p>
+      </dsp:txBody>
+      <dsp:txXfrm>
+        <a:off x="57670" y="1242065"/>
+        <a:ext cx="1748730" cy="874365"/>
+      </dsp:txXfrm>
+    </dsp:sp>
+    <dsp:sp modelId="{0EAB9C12-3701-2A41-8871-A74FD0D7951A}">
+      <dsp:nvSpPr>
+        <dsp:cNvPr id="0" name=""/>
+        <dsp:cNvSpPr/>
+      </dsp:nvSpPr>
+      <dsp:spPr>
+        <a:xfrm>
+          <a:off x="2173634" y="1242065"/>
+          <a:ext cx="1748730" cy="874365"/>
+        </a:xfrm>
+        <a:prstGeom prst="rect">
+          <a:avLst/>
+        </a:prstGeom>
+        <a:gradFill rotWithShape="0">
+          <a:gsLst>
+            <a:gs pos="0">
+              <a:schemeClr val="accent1">
+                <a:hueOff val="0"/>
+                <a:satOff val="0"/>
+                <a:lumOff val="0"/>
+                <a:alphaOff val="0"/>
+                <a:tint val="100000"/>
+                <a:shade val="100000"/>
+                <a:satMod val="130000"/>
+              </a:schemeClr>
+            </a:gs>
+            <a:gs pos="100000">
+              <a:schemeClr val="accent1">
+                <a:hueOff val="0"/>
+                <a:satOff val="0"/>
+                <a:lumOff val="0"/>
+                <a:alphaOff val="0"/>
+                <a:tint val="50000"/>
+                <a:shade val="100000"/>
+                <a:satMod val="350000"/>
+              </a:schemeClr>
+            </a:gs>
+          </a:gsLst>
+          <a:lin ang="16200000" scaled="0"/>
+        </a:gradFill>
+        <a:ln>
+          <a:noFill/>
+        </a:ln>
+        <a:effectLst>
+          <a:outerShdw blurRad="40000" dist="23000" dir="5400000" rotWithShape="0">
+            <a:srgbClr val="000000">
+              <a:alpha val="35000"/>
+            </a:srgbClr>
+          </a:outerShdw>
+        </a:effectLst>
+      </dsp:spPr>
+      <dsp:style>
+        <a:lnRef idx="0">
+          <a:scrgbClr r="0" g="0" b="0"/>
+        </a:lnRef>
+        <a:fillRef idx="3">
+          <a:scrgbClr r="0" g="0" b="0"/>
+        </a:fillRef>
+        <a:effectRef idx="2">
+          <a:scrgbClr r="0" g="0" b="0"/>
+        </a:effectRef>
+        <a:fontRef idx="minor">
+          <a:schemeClr val="lt1"/>
+        </a:fontRef>
+      </dsp:style>
+      <dsp:txBody>
+        <a:bodyPr spcFirstLastPara="0" vert="horz" wrap="square" lIns="12065" tIns="12065" rIns="12065" bIns="12065" numCol="1" spcCol="1270" anchor="ctr" anchorCtr="0">
+          <a:noAutofit/>
+        </a:bodyPr>
+        <a:lstStyle/>
+        <a:p>
+          <a:pPr lvl="0" algn="ctr" defTabSz="844550">
+            <a:lnSpc>
+              <a:spcPct val="90000"/>
+            </a:lnSpc>
+            <a:spcBef>
+              <a:spcPct val="0"/>
+            </a:spcBef>
+            <a:spcAft>
+              <a:spcPct val="35000"/>
+            </a:spcAft>
+          </a:pPr>
+          <a:r>
+            <a:rPr lang="en-US" altLang="zh-CN" sz="1900" kern="1200" dirty="0" smtClean="0"/>
+            <a:t>Exit</a:t>
+          </a:r>
+          <a:endParaRPr lang="zh-CN" altLang="en-US" sz="1900" kern="1200" dirty="0" smtClean="0"/>
+        </a:p>
+        <a:p>
+          <a:pPr lvl="0" algn="ctr" defTabSz="844550">
+            <a:lnSpc>
+              <a:spcPct val="90000"/>
+            </a:lnSpc>
+            <a:spcBef>
+              <a:spcPct val="0"/>
+            </a:spcBef>
+            <a:spcAft>
+              <a:spcPct val="35000"/>
+            </a:spcAft>
+          </a:pPr>
+          <a:r>
+            <a:rPr lang="en-US" altLang="zh-CN" sz="1900" kern="1200" dirty="0" smtClean="0"/>
+            <a:t>location</a:t>
+          </a:r>
+          <a:r>
+            <a:rPr lang="zh-CN" altLang="en-US" sz="1900" kern="1200" dirty="0" smtClean="0"/>
+            <a:t> </a:t>
+          </a:r>
+          <a:r>
+            <a:rPr lang="en-US" altLang="zh-CN" sz="1900" kern="1200" dirty="0" smtClean="0"/>
+            <a:t>(</a:t>
+          </a:r>
+          <a:r>
+            <a:rPr lang="en-US" altLang="zh-CN" sz="1900" kern="1200" dirty="0" err="1" smtClean="0"/>
+            <a:t>exitTo</a:t>
+          </a:r>
+          <a:r>
+            <a:rPr lang="en-US" altLang="zh-CN" sz="1900" kern="1200" dirty="0" smtClean="0"/>
+            <a:t>)</a:t>
+          </a:r>
+          <a:endParaRPr lang="en-US" sz="1900" kern="1200" dirty="0"/>
+        </a:p>
+      </dsp:txBody>
+      <dsp:txXfrm>
+        <a:off x="2173634" y="1242065"/>
+        <a:ext cx="1748730" cy="874365"/>
+      </dsp:txXfrm>
+    </dsp:sp>
+    <dsp:sp modelId="{90926900-365D-8345-B663-7C5799CAD897}">
+      <dsp:nvSpPr>
+        <dsp:cNvPr id="0" name=""/>
+        <dsp:cNvSpPr/>
+      </dsp:nvSpPr>
+      <dsp:spPr>
+        <a:xfrm>
+          <a:off x="4289598" y="1242065"/>
+          <a:ext cx="1748730" cy="874365"/>
+        </a:xfrm>
+        <a:prstGeom prst="rect">
+          <a:avLst/>
+        </a:prstGeom>
+        <a:gradFill rotWithShape="0">
+          <a:gsLst>
+            <a:gs pos="0">
+              <a:schemeClr val="accent1">
+                <a:hueOff val="0"/>
+                <a:satOff val="0"/>
+                <a:lumOff val="0"/>
+                <a:alphaOff val="0"/>
+                <a:tint val="100000"/>
+                <a:shade val="100000"/>
+                <a:satMod val="130000"/>
+              </a:schemeClr>
+            </a:gs>
+            <a:gs pos="100000">
+              <a:schemeClr val="accent1">
+                <a:hueOff val="0"/>
+                <a:satOff val="0"/>
+                <a:lumOff val="0"/>
+                <a:alphaOff val="0"/>
+                <a:tint val="50000"/>
+                <a:shade val="100000"/>
+                <a:satMod val="350000"/>
+              </a:schemeClr>
+            </a:gs>
+          </a:gsLst>
+          <a:lin ang="16200000" scaled="0"/>
+        </a:gradFill>
+        <a:ln>
+          <a:noFill/>
+        </a:ln>
+        <a:effectLst>
+          <a:outerShdw blurRad="40000" dist="23000" dir="5400000" rotWithShape="0">
+            <a:srgbClr val="000000">
+              <a:alpha val="35000"/>
+            </a:srgbClr>
+          </a:outerShdw>
+        </a:effectLst>
+      </dsp:spPr>
+      <dsp:style>
+        <a:lnRef idx="0">
+          <a:scrgbClr r="0" g="0" b="0"/>
+        </a:lnRef>
+        <a:fillRef idx="3">
+          <a:scrgbClr r="0" g="0" b="0"/>
+        </a:fillRef>
+        <a:effectRef idx="2">
+          <a:scrgbClr r="0" g="0" b="0"/>
+        </a:effectRef>
+        <a:fontRef idx="minor">
+          <a:schemeClr val="lt1"/>
+        </a:fontRef>
+      </dsp:style>
+      <dsp:txBody>
+        <a:bodyPr spcFirstLastPara="0" vert="horz" wrap="square" lIns="12065" tIns="12065" rIns="12065" bIns="12065" numCol="1" spcCol="1270" anchor="ctr" anchorCtr="0">
+          <a:noAutofit/>
+        </a:bodyPr>
+        <a:lstStyle/>
+        <a:p>
+          <a:pPr lvl="0" algn="ctr" defTabSz="844550">
+            <a:lnSpc>
+              <a:spcPct val="90000"/>
+            </a:lnSpc>
+            <a:spcBef>
+              <a:spcPct val="0"/>
+            </a:spcBef>
+            <a:spcAft>
+              <a:spcPct val="35000"/>
+            </a:spcAft>
+          </a:pPr>
+          <a:r>
+            <a:rPr lang="en-US" altLang="zh-CN" sz="1900" kern="1200" dirty="0" smtClean="0"/>
+            <a:t>Food</a:t>
+          </a:r>
+          <a:endParaRPr lang="zh-CN" altLang="en-US" sz="1900" kern="1200" dirty="0" smtClean="0"/>
+        </a:p>
+        <a:p>
+          <a:pPr lvl="0" algn="ctr" defTabSz="844550">
+            <a:lnSpc>
+              <a:spcPct val="90000"/>
+            </a:lnSpc>
+            <a:spcBef>
+              <a:spcPct val="0"/>
+            </a:spcBef>
+            <a:spcAft>
+              <a:spcPct val="35000"/>
+            </a:spcAft>
+          </a:pPr>
+          <a:r>
+            <a:rPr lang="en-US" altLang="zh-CN" sz="1900" kern="1200" dirty="0" smtClean="0"/>
+            <a:t>update</a:t>
+          </a:r>
+          <a:r>
+            <a:rPr lang="zh-CN" altLang="en-US" sz="1900" kern="1200" dirty="0" smtClean="0"/>
+            <a:t> </a:t>
+          </a:r>
+          <a:r>
+            <a:rPr lang="en-US" altLang="zh-CN" sz="1900" kern="1200" dirty="0" smtClean="0"/>
+            <a:t>all</a:t>
+          </a:r>
+          <a:r>
+            <a:rPr lang="zh-CN" altLang="en-US" sz="1900" kern="1200" dirty="0" smtClean="0"/>
+            <a:t> </a:t>
+          </a:r>
+          <a:r>
+            <a:rPr lang="en-US" altLang="zh-CN" sz="1900" kern="1200" dirty="0" smtClean="0"/>
+            <a:t>values</a:t>
+          </a:r>
+          <a:endParaRPr lang="en-US" sz="1900" kern="1200" dirty="0"/>
+        </a:p>
+      </dsp:txBody>
+      <dsp:txXfrm>
+        <a:off x="4289598" y="1242065"/>
+        <a:ext cx="1748730" cy="874365"/>
+      </dsp:txXfrm>
+    </dsp:sp>
+  </dsp:spTree>
+</dsp:drawing>
+</file>
+
+<file path=ppt/diagrams/layout1.xml><?xml version="1.0" encoding="utf-8"?>
+<dgm:layoutDef xmlns:dgm="http://schemas.openxmlformats.org/drawingml/2006/diagram" xmlns:a="http://schemas.openxmlformats.org/drawingml/2006/main" uniqueId="urn:microsoft.com/office/officeart/2005/8/layout/orgChart1">
+  <dgm:title val=""/>
+  <dgm:desc val=""/>
+  <dgm:catLst>
+    <dgm:cat type="hierarchy" pri="1000"/>
+    <dgm:cat type="convert" pri="6000"/>
+  </dgm:catLst>
+  <dgm:sampData>
+    <dgm:dataModel>
+      <dgm:ptLst>
+        <dgm:pt modelId="0" type="doc"/>
+        <dgm:pt modelId="1">
+          <dgm:prSet phldr="1"/>
+        </dgm:pt>
+        <dgm:pt modelId="2" type="asst">
+          <dgm:prSet phldr="1"/>
+        </dgm:pt>
+        <dgm:pt modelId="3">
+          <dgm:prSet phldr="1"/>
+        </dgm:pt>
+        <dgm:pt modelId="4">
+          <dgm:prSet phldr="1"/>
+        </dgm:pt>
+        <dgm:pt modelId="5">
+          <dgm:prSet phldr="1"/>
+        </dgm:pt>
+      </dgm:ptLst>
+      <dgm:cxnLst>
+        <dgm:cxn modelId="5" srcId="0" destId="1" srcOrd="0" destOrd="0"/>
+        <dgm:cxn modelId="6" srcId="1" destId="2" srcOrd="0" destOrd="0"/>
+        <dgm:cxn modelId="7" srcId="1" destId="3" srcOrd="1" destOrd="0"/>
+        <dgm:cxn modelId="8" srcId="1" destId="4" srcOrd="2" destOrd="0"/>
+        <dgm:cxn modelId="9" srcId="1" destId="5" srcOrd="3" destOrd="0"/>
+      </dgm:cxnLst>
+      <dgm:bg/>
+      <dgm:whole/>
+    </dgm:dataModel>
+  </dgm:sampData>
+  <dgm:styleData>
+    <dgm:dataModel>
+      <dgm:ptLst>
+        <dgm:pt modelId="0" type="doc"/>
+        <dgm:pt modelId="1"/>
+        <dgm:pt modelId="12"/>
+        <dgm:pt modelId="13"/>
+      </dgm:ptLst>
+      <dgm:cxnLst>
+        <dgm:cxn modelId="2" srcId="0" destId="1" srcOrd="0" destOrd="0"/>
+        <dgm:cxn modelId="16" srcId="1" destId="12" srcOrd="1" destOrd="0"/>
+        <dgm:cxn modelId="17" srcId="1" destId="13" srcOrd="2" destOrd="0"/>
+      </dgm:cxnLst>
+      <dgm:bg/>
+      <dgm:whole/>
+    </dgm:dataModel>
+  </dgm:styleData>
+  <dgm:clrData>
+    <dgm:dataModel>
+      <dgm:ptLst>
+        <dgm:pt modelId="0" type="doc"/>
+        <dgm:pt modelId="1"/>
+        <dgm:pt modelId="11" type="asst"/>
+        <dgm:pt modelId="12"/>
+        <dgm:pt modelId="13"/>
+        <dgm:pt modelId="14"/>
+      </dgm:ptLst>
+      <dgm:cxnLst>
+        <dgm:cxn modelId="2" srcId="0" destId="1" srcOrd="0" destOrd="0"/>
+        <dgm:cxn modelId="15" srcId="1" destId="11" srcOrd="0" destOrd="0"/>
+        <dgm:cxn modelId="16" srcId="1" destId="12" srcOrd="1" destOrd="0"/>
+        <dgm:cxn modelId="17" srcId="1" destId="13" srcOrd="2" destOrd="0"/>
+        <dgm:cxn modelId="18" srcId="1" destId="14" srcOrd="2" destOrd="0"/>
+      </dgm:cxnLst>
+      <dgm:bg/>
+      <dgm:whole/>
+    </dgm:dataModel>
+  </dgm:clrData>
+  <dgm:layoutNode name="hierChild1">
+    <dgm:varLst>
+      <dgm:orgChart val="1"/>
+      <dgm:chPref val="1"/>
+      <dgm:dir/>
+      <dgm:animOne val="branch"/>
+      <dgm:animLvl val="lvl"/>
+      <dgm:resizeHandles/>
+    </dgm:varLst>
+    <dgm:choose name="Name0">
+      <dgm:if name="Name1" func="var" arg="dir" op="equ" val="norm">
+        <dgm:alg type="hierChild">
+          <dgm:param type="linDir" val="fromL"/>
+        </dgm:alg>
+      </dgm:if>
+      <dgm:else name="Name2">
+        <dgm:alg type="hierChild">
+          <dgm:param type="linDir" val="fromR"/>
+        </dgm:alg>
+      </dgm:else>
+    </dgm:choose>
+    <dgm:shape xmlns:r="http://schemas.openxmlformats.org/officeDocument/2006/relationships" r:blip="">
+      <dgm:adjLst/>
+    </dgm:shape>
+    <dgm:presOf/>
+    <dgm:constrLst>
+      <dgm:constr type="w" for="des" forName="rootComposite1" refType="w" fact="10"/>
+      <dgm:constr type="h" for="des" forName="rootComposite1" refType="w" refFor="des" refForName="rootComposite1" fact="0.5"/>
+      <dgm:constr type="w" for="des" forName="rootComposite" refType="w" fact="10"/>
+      <dgm:constr type="h" for="des" forName="rootComposite" refType="w" refFor="des" refForName="rootComposite1" fact="0.5"/>
+      <dgm:constr type="w" for="des" forName="rootComposite3" refType="w" fact="10"/>
+      <dgm:constr type="h" for="des" forName="rootComposite3" refType="w" refFor="des" refForName="rootComposite1" fact="0.5"/>
+      <dgm:constr type="primFontSz" for="des" ptType="node" op="equ"/>
+      <dgm:constr type="sp" for="des" op="equ"/>
+      <dgm:constr type="sp" for="des" forName="hierRoot1" refType="w" refFor="des" refForName="rootComposite1" fact="0.21"/>
+      <dgm:constr type="sp" for="des" forName="hierRoot2" refType="sp" refFor="des" refForName="hierRoot1"/>
+      <dgm:constr type="sp" for="des" forName="hierRoot3" refType="sp" refFor="des" refForName="hierRoot1"/>
+      <dgm:constr type="sibSp" refType="w" refFor="des" refForName="rootComposite1" fact="0.21"/>
+      <dgm:constr type="sibSp" for="des" forName="hierChild2" refType="sibSp"/>
+      <dgm:constr type="sibSp" for="des" forName="hierChild3" refType="sibSp"/>
+      <dgm:constr type="sibSp" for="des" forName="hierChild4" refType="sibSp"/>
+      <dgm:constr type="sibSp" for="des" forName="hierChild5" refType="sibSp"/>
+      <dgm:constr type="sibSp" for="des" forName="hierChild6" refType="sibSp"/>
+      <dgm:constr type="sibSp" for="des" forName="hierChild7" refType="sibSp"/>
+      <dgm:constr type="secSibSp" refType="w" refFor="des" refForName="rootComposite1" fact="0.21"/>
+      <dgm:constr type="secSibSp" for="des" forName="hierChild2" refType="secSibSp"/>
+      <dgm:constr type="secSibSp" for="des" forName="hierChild3" refType="secSibSp"/>
+      <dgm:constr type="secSibSp" for="des" forName="hierChild4" refType="secSibSp"/>
+      <dgm:constr type="secSibSp" for="des" forName="hierChild5" refType="secSibSp"/>
+      <dgm:constr type="secSibSp" for="des" forName="hierChild6" refType="secSibSp"/>
+      <dgm:constr type="secSibSp" for="des" forName="hierChild7" refType="secSibSp"/>
+    </dgm:constrLst>
+    <dgm:ruleLst/>
+    <dgm:forEach name="Name3" axis="ch">
+      <dgm:forEach name="Name4" axis="self" ptType="node">
+        <dgm:layoutNode name="hierRoot1">
+          <dgm:varLst>
+            <dgm:hierBranch val="init"/>
+          </dgm:varLst>
+          <dgm:choose name="Name5">
+            <dgm:if name="Name6" func="var" arg="hierBranch" op="equ" val="l">
+              <dgm:choose name="Name7">
+                <dgm:if name="Name8" axis="ch" ptType="asst" func="cnt" op="gte" val="1">
+                  <dgm:alg type="hierRoot">
+                    <dgm:param type="hierAlign" val="tR"/>
+                  </dgm:alg>
+                  <dgm:constrLst>
+                    <dgm:constr type="alignOff" val="0.65"/>
+                  </dgm:constrLst>
+                </dgm:if>
+                <dgm:else name="Name9">
+                  <dgm:alg type="hierRoot">
+                    <dgm:param type="hierAlign" val="tR"/>
+                  </dgm:alg>
+                  <dgm:constrLst>
+                    <dgm:constr type="alignOff" val="0.25"/>
+                  </dgm:constrLst>
+                </dgm:else>
+              </dgm:choose>
+            </dgm:if>
+            <dgm:if name="Name10" func="var" arg="hierBranch" op="equ" val="r">
+              <dgm:choose name="Name11">
+                <dgm:if name="Name12" axis="ch" ptType="asst" func="cnt" op="gte" val="1">
+                  <dgm:alg type="hierRoot">
+                    <dgm:param type="hierAlign" val="tL"/>
+                  </dgm:alg>
+                  <dgm:constrLst>
+                    <dgm:constr type="alignOff" val="0.65"/>
+                  </dgm:constrLst>
+                </dgm:if>
+                <dgm:else name="Name13">
+                  <dgm:alg type="hierRoot">
+                    <dgm:param type="hierAlign" val="tL"/>
+                  </dgm:alg>
+                  <dgm:constrLst>
+                    <dgm:constr type="alignOff" val="0.25"/>
+                  </dgm:constrLst>
+                </dgm:else>
+              </dgm:choose>
+            </dgm:if>
+            <dgm:if name="Name14" func="var" arg="hierBranch" op="equ" val="hang">
+              <dgm:alg type="hierRoot"/>
+              <dgm:constrLst>
+                <dgm:constr type="alignOff" val="0.65"/>
+              </dgm:constrLst>
+            </dgm:if>
+            <dgm:else name="Name15">
+              <dgm:alg type="hierRoot"/>
+              <dgm:constrLst>
+                <dgm:constr type="alignOff"/>
+                <dgm:constr type="bendDist" for="des" ptType="parTrans" refType="sp" fact="0.5"/>
+              </dgm:constrLst>
+            </dgm:else>
+          </dgm:choose>
+          <dgm:shape xmlns:r="http://schemas.openxmlformats.org/officeDocument/2006/relationships" r:blip="">
+            <dgm:adjLst/>
+          </dgm:shape>
+          <dgm:presOf/>
+          <dgm:ruleLst/>
+          <dgm:layoutNode name="rootComposite1">
+            <dgm:alg type="composite"/>
+            <dgm:shape xmlns:r="http://schemas.openxmlformats.org/officeDocument/2006/relationships" r:blip="">
+              <dgm:adjLst/>
+            </dgm:shape>
+            <dgm:presOf axis="self" ptType="node" cnt="1"/>
+            <dgm:choose name="Name16">
+              <dgm:if name="Name17" func="var" arg="hierBranch" op="equ" val="init">
+                <dgm:constrLst>
+                  <dgm:constr type="l" for="ch" forName="rootText1"/>
+                  <dgm:constr type="t" for="ch" forName="rootText1"/>
+                  <dgm:constr type="w" for="ch" forName="rootText1" refType="w"/>
+                  <dgm:constr type="h" for="ch" forName="rootText1" refType="h"/>
+                  <dgm:constr type="l" for="ch" forName="rootConnector1"/>
+                  <dgm:constr type="t" for="ch" forName="rootConnector1"/>
+                  <dgm:constr type="w" for="ch" forName="rootConnector1" refType="w" refFor="ch" refForName="rootText1" fact="0.2"/>
+                  <dgm:constr type="h" for="ch" forName="rootConnector1" refType="h" refFor="ch" refForName="rootText1"/>
+                </dgm:constrLst>
+              </dgm:if>
+              <dgm:if name="Name18" func="var" arg="hierBranch" op="equ" val="l">
+                <dgm:constrLst>
+                  <dgm:constr type="l" for="ch" forName="rootText1"/>
+                  <dgm:constr type="t" for="ch" forName="rootText1"/>
+                  <dgm:constr type="w" for="ch" forName="rootText1" refType="w"/>
+                  <dgm:constr type="h" for="ch" forName="rootText1" refType="h"/>
+                  <dgm:constr type="r" for="ch" forName="rootConnector1" refType="w"/>
+                  <dgm:constr type="t" for="ch" forName="rootConnector1"/>
+                  <dgm:constr type="w" for="ch" forName="rootConnector1" refType="w" refFor="ch" refForName="rootText1" fact="0.2"/>
+                  <dgm:constr type="h" for="ch" forName="rootConnector1" refType="h" refFor="ch" refForName="rootText1"/>
+                </dgm:constrLst>
+              </dgm:if>
+              <dgm:if name="Name19" func="var" arg="hierBranch" op="equ" val="r">
+                <dgm:constrLst>
+                  <dgm:constr type="l" for="ch" forName="rootText1"/>
+                  <dgm:constr type="t" for="ch" forName="rootText1"/>
+                  <dgm:constr type="w" for="ch" forName="rootText1" refType="w"/>
+                  <dgm:constr type="h" for="ch" forName="rootText1" refType="h"/>
+                  <dgm:constr type="l" for="ch" forName="rootConnector1"/>
+                  <dgm:constr type="t" for="ch" forName="rootConnector1"/>
+                  <dgm:constr type="w" for="ch" forName="rootConnector1" refType="w" refFor="ch" refForName="rootText1" fact="0.2"/>
+                  <dgm:constr type="h" for="ch" forName="rootConnector1" refType="h" refFor="ch" refForName="rootText1"/>
+                </dgm:constrLst>
+              </dgm:if>
+              <dgm:else name="Name20">
+                <dgm:constrLst>
+                  <dgm:constr type="l" for="ch" forName="rootText1"/>
+                  <dgm:constr type="t" for="ch" forName="rootText1"/>
+                  <dgm:constr type="w" for="ch" forName="rootText1" refType="w"/>
+                  <dgm:constr type="h" for="ch" forName="rootText1" refType="h"/>
+                  <dgm:constr type="r" for="ch" forName="rootConnector1" refType="w"/>
+                  <dgm:constr type="t" for="ch" forName="rootConnector1"/>
+                  <dgm:constr type="w" for="ch" forName="rootConnector1" refType="w" refFor="ch" refForName="rootText1" fact="0.2"/>
+                  <dgm:constr type="h" for="ch" forName="rootConnector1" refType="h" refFor="ch" refForName="rootText1"/>
+                </dgm:constrLst>
+              </dgm:else>
+            </dgm:choose>
+            <dgm:ruleLst/>
+            <dgm:layoutNode name="rootText1" styleLbl="node0">
+              <dgm:varLst>
+                <dgm:chPref val="3"/>
+              </dgm:varLst>
+              <dgm:alg type="tx"/>
+              <dgm:shape xmlns:r="http://schemas.openxmlformats.org/officeDocument/2006/relationships" type="rect" r:blip="">
+                <dgm:adjLst/>
+              </dgm:shape>
+              <dgm:presOf axis="self" ptType="node" cnt="1"/>
+              <dgm:constrLst>
+                <dgm:constr type="primFontSz" val="65"/>
+                <dgm:constr type="lMarg" refType="primFontSz" fact="0.05"/>
+                <dgm:constr type="rMarg" refType="primFontSz" fact="0.05"/>
+                <dgm:constr type="tMarg" refType="primFontSz" fact="0.05"/>
+                <dgm:constr type="bMarg" refType="primFontSz" fact="0.05"/>
+              </dgm:constrLst>
+              <dgm:ruleLst>
+                <dgm:rule type="primFontSz" val="5" fact="NaN" max="NaN"/>
+              </dgm:ruleLst>
+            </dgm:layoutNode>
+            <dgm:layoutNode name="rootConnector1" moveWith="rootText1">
+              <dgm:alg type="sp"/>
+              <dgm:shape xmlns:r="http://schemas.openxmlformats.org/officeDocument/2006/relationships" type="rect" r:blip="" hideGeom="1">
+                <dgm:adjLst/>
+              </dgm:shape>
+              <dgm:presOf axis="self" ptType="node" cnt="1"/>
+              <dgm:constrLst/>
+              <dgm:ruleLst/>
+            </dgm:layoutNode>
+          </dgm:layoutNode>
+          <dgm:layoutNode name="hierChild2">
+            <dgm:choose name="Name21">
+              <dgm:if name="Name22" func="var" arg="hierBranch" op="equ" val="l">
+                <dgm:alg type="hierChild">
+                  <dgm:param type="chAlign" val="r"/>
+                  <dgm:param type="linDir" val="fromT"/>
+                </dgm:alg>
+              </dgm:if>
+              <dgm:if name="Name23" func="var" arg="hierBranch" op="equ" val="r">
+                <dgm:alg type="hierChild">
+                  <dgm:param type="chAlign" val="l"/>
+                  <dgm:param type="linDir" val="fromT"/>
+                </dgm:alg>
+              </dgm:if>
+              <dgm:if name="Name24" func="var" arg="hierBranch" op="equ" val="hang">
+                <dgm:choose name="Name25">
+                  <dgm:if name="Name26" func="var" arg="dir" op="equ" val="norm">
+                    <dgm:alg type="hierChild">
+                      <dgm:param type="chAlign" val="l"/>
+                      <dgm:param type="linDir" val="fromL"/>
+                      <dgm:param type="secChAlign" val="t"/>
+                      <dgm:param type="secLinDir" val="fromT"/>
+                    </dgm:alg>
+                  </dgm:if>
+                  <dgm:else name="Name27">
+                    <dgm:alg type="hierChild">
+                      <dgm:param type="chAlign" val="l"/>
+                      <dgm:param type="linDir" val="fromR"/>
+                      <dgm:param type="secChAlign" val="t"/>
+                      <dgm:param type="secLinDir" val="fromT"/>
+                    </dgm:alg>
+                  </dgm:else>
+                </dgm:choose>
+              </dgm:if>
+              <dgm:else name="Name28">
+                <dgm:choose name="Name29">
+                  <dgm:if name="Name30" func="var" arg="dir" op="equ" val="norm">
+                    <dgm:alg type="hierChild"/>
+                  </dgm:if>
+                  <dgm:else name="Name31">
+                    <dgm:alg type="hierChild">
+                      <dgm:param type="linDir" val="fromR"/>
+                    </dgm:alg>
+                  </dgm:else>
+                </dgm:choose>
+              </dgm:else>
+            </dgm:choose>
+            <dgm:shape xmlns:r="http://schemas.openxmlformats.org/officeDocument/2006/relationships" r:blip="">
+              <dgm:adjLst/>
+            </dgm:shape>
+            <dgm:presOf/>
+            <dgm:constrLst/>
+            <dgm:ruleLst/>
+            <dgm:forEach name="rep2a" axis="ch" ptType="nonAsst">
+              <dgm:forEach name="Name32" axis="precedSib" ptType="parTrans" st="-1" cnt="1">
+                <dgm:choose name="Name33">
+                  <dgm:if name="Name34" func="var" arg="hierBranch" op="equ" val="std">
+                    <dgm:layoutNode name="Name35">
+                      <dgm:alg type="conn">
+                        <dgm:param type="connRout" val="bend"/>
+                        <dgm:param type="dim" val="1D"/>
+                        <dgm:param type="endSty" val="noArr"/>
+                        <dgm:param type="begPts" val="bCtr"/>
+                        <dgm:param type="endPts" val="tCtr"/>
+                        <dgm:param type="bendPt" val="end"/>
+                      </dgm:alg>
+                      <dgm:shape xmlns:r="http://schemas.openxmlformats.org/officeDocument/2006/relationships" type="conn" r:blip="" zOrderOff="-99999">
+                        <dgm:adjLst/>
+                      </dgm:shape>
+                      <dgm:presOf axis="self"/>
+                      <dgm:constrLst>
+                        <dgm:constr type="begPad"/>
+                        <dgm:constr type="endPad"/>
+                      </dgm:constrLst>
+                      <dgm:ruleLst/>
+                    </dgm:layoutNode>
+                  </dgm:if>
+                  <dgm:if name="Name36" func="var" arg="hierBranch" op="equ" val="init">
+                    <dgm:layoutNode name="Name37">
+                      <dgm:choose name="Name38">
+                        <dgm:if name="Name39" axis="self" func="depth" op="lte" val="2">
+                          <dgm:alg type="conn">
+                            <dgm:param type="connRout" val="bend"/>
+                            <dgm:param type="dim" val="1D"/>
+                            <dgm:param type="endSty" val="noArr"/>
+                            <dgm:param type="begPts" val="bCtr"/>
+                            <dgm:param type="endPts" val="tCtr"/>
+                            <dgm:param type="bendPt" val="end"/>
+                          </dgm:alg>
+                        </dgm:if>
+                        <dgm:else name="Name40">
+                          <dgm:choose name="Name41">
+                            <dgm:if name="Name42" axis="par des" func="maxDepth" op="lte" val="1">
+                              <dgm:choose name="Name43">
+                                <dgm:if name="Name44" axis="par ch" ptType="node asst" func="cnt" op="gte" val="1">
+                                  <dgm:alg type="conn">
+                                    <dgm:param type="connRout" val="bend"/>
+                                    <dgm:param type="dim" val="1D"/>
+                                    <dgm:param type="endSty" val="noArr"/>
+                                    <dgm:param type="begPts" val="bCtr"/>
+                                    <dgm:param type="endPts" val="midL midR"/>
+                                  </dgm:alg>
+                                </dgm:if>
+                                <dgm:else name="Name45">
+                                  <dgm:alg type="conn">
+                                    <dgm:param type="connRout" val="bend"/>
+                                    <dgm:param type="dim" val="1D"/>
+                                    <dgm:param type="endSty" val="noArr"/>
+                                    <dgm:param type="begPts" val="bCtr"/>
+                                    <dgm:param type="endPts" val="midL midR"/>
+                                    <dgm:param type="srcNode" val="rootConnector"/>
+                                  </dgm:alg>
+                                </dgm:else>
+                              </dgm:choose>
+                            </dgm:if>
+                            <dgm:else name="Name46">
+                              <dgm:alg type="conn">
+                                <dgm:param type="connRout" val="bend"/>
+                                <dgm:param type="dim" val="1D"/>
+                                <dgm:param type="endSty" val="noArr"/>
+                                <dgm:param type="begPts" val="bCtr"/>
+                                <dgm:param type="endPts" val="tCtr"/>
+                                <dgm:param type="bendPt" val="end"/>
+                              </dgm:alg>
+                            </dgm:else>
+                          </dgm:choose>
+                        </dgm:else>
+                      </dgm:choose>
+                      <dgm:shape xmlns:r="http://schemas.openxmlformats.org/officeDocument/2006/relationships" type="conn" r:blip="" zOrderOff="-99999">
+                        <dgm:adjLst/>
+                      </dgm:shape>
+                      <dgm:presOf axis="self"/>
+                      <dgm:constrLst>
+                        <dgm:constr type="begPad"/>
+                        <dgm:constr type="endPad"/>
+                      </dgm:constrLst>
+                      <dgm:ruleLst/>
+                    </dgm:layoutNode>
+                  </dgm:if>
+                  <dgm:if name="Name47" func="var" arg="hierBranch" op="equ" val="hang">
+                    <dgm:layoutNode name="Name48">
+                      <dgm:alg type="conn">
+                        <dgm:param type="connRout" val="bend"/>
+                        <dgm:param type="dim" val="1D"/>
+                        <dgm:param type="endSty" val="noArr"/>
+                        <dgm:param type="begPts" val="bCtr"/>
+                        <dgm:param type="endPts" val="midL midR"/>
+                      </dgm:alg>
+                      <dgm:shape xmlns:r="http://schemas.openxmlformats.org/officeDocument/2006/relationships" type="conn" r:blip="" zOrderOff="-99999">
+                        <dgm:adjLst/>
+                      </dgm:shape>
+                      <dgm:presOf axis="self"/>
+                      <dgm:constrLst>
+                        <dgm:constr type="begPad"/>
+                        <dgm:constr type="endPad"/>
+                      </dgm:constrLst>
+                      <dgm:ruleLst/>
+                    </dgm:layoutNode>
+                  </dgm:if>
+                  <dgm:else name="Name49">
+                    <dgm:layoutNode name="Name50">
+                      <dgm:choose name="Name51">
+                        <dgm:if name="Name52" axis="self" func="depth" op="lte" val="2">
+                          <dgm:choose name="Name53">
+                            <dgm:if name="Name54" axis="par ch" ptType="node asst" func="cnt" op="gte" val="1">
+                              <dgm:alg type="conn">
+                                <dgm:param type="connRout" val="bend"/>
+                                <dgm:param type="dim" val="1D"/>
+                                <dgm:param type="endSty" val="noArr"/>
+                                <dgm:param type="begPts" val="bCtr"/>
+                                <dgm:param type="endPts" val="midL midR"/>
+                              </dgm:alg>
+                            </dgm:if>
+                            <dgm:else name="Name55">
+                              <dgm:alg type="conn">
+                                <dgm:param type="connRout" val="bend"/>
+                                <dgm:param type="dim" val="1D"/>
+                                <dgm:param type="endSty" val="noArr"/>
+                                <dgm:param type="begPts" val="bCtr"/>
+                                <dgm:param type="endPts" val="midL midR"/>
+                                <dgm:param type="srcNode" val="rootConnector1"/>
+                              </dgm:alg>
+                            </dgm:else>
+                          </dgm:choose>
+                        </dgm:if>
+                        <dgm:else name="Name56">
+                          <dgm:choose name="Name57">
+                            <dgm:if name="Name58" axis="par ch" ptType="node asst" func="cnt" op="gte" val="1">
+                              <dgm:alg type="conn">
+                                <dgm:param type="connRout" val="bend"/>
+                                <dgm:param type="dim" val="1D"/>
+                                <dgm:param type="endSty" val="noArr"/>
+                                <dgm:param type="begPts" val="bCtr"/>
+                                <dgm:param type="endPts" val="midL midR"/>
+                              </dgm:alg>
+                            </dgm:if>
+                            <dgm:else name="Name59">
+                              <dgm:alg type="conn">
+                                <dgm:param type="connRout" val="bend"/>
+                                <dgm:param type="dim" val="1D"/>
+                                <dgm:param type="endSty" val="noArr"/>
+                                <dgm:param type="begPts" val="bCtr"/>
+                                <dgm:param type="endPts" val="midL midR"/>
+                                <dgm:param type="srcNode" val="rootConnector"/>
+                              </dgm:alg>
+                            </dgm:else>
+                          </dgm:choose>
+                        </dgm:else>
+                      </dgm:choose>
+                      <dgm:shape xmlns:r="http://schemas.openxmlformats.org/officeDocument/2006/relationships" type="conn" r:blip="" zOrderOff="-99999">
+                        <dgm:adjLst/>
+                      </dgm:shape>
+                      <dgm:presOf axis="self"/>
+                      <dgm:constrLst>
+                        <dgm:constr type="begPad"/>
+                        <dgm:constr type="endPad"/>
+                      </dgm:constrLst>
+                      <dgm:ruleLst/>
+                    </dgm:layoutNode>
+                  </dgm:else>
+                </dgm:choose>
+              </dgm:forEach>
+              <dgm:layoutNode name="hierRoot2">
+                <dgm:varLst>
+                  <dgm:hierBranch val="init"/>
+                </dgm:varLst>
+                <dgm:choose name="Name60">
+                  <dgm:if name="Name61" func="var" arg="hierBranch" op="equ" val="l">
+                    <dgm:choose name="Name62">
+                      <dgm:if name="Name63" axis="ch" ptType="asst" func="cnt" op="gte" val="1">
+                        <dgm:alg type="hierRoot">
+                          <dgm:param type="hierAlign" val="tR"/>
+                        </dgm:alg>
+                        <dgm:shape xmlns:r="http://schemas.openxmlformats.org/officeDocument/2006/relationships" r:blip="">
+                          <dgm:adjLst/>
+                        </dgm:shape>
+                        <dgm:presOf/>
+                        <dgm:constrLst>
+                          <dgm:constr type="alignOff" val="0.65"/>
+                        </dgm:constrLst>
+                      </dgm:if>
+                      <dgm:else name="Name64">
+                        <dgm:alg type="hierRoot">
+                          <dgm:param type="hierAlign" val="tR"/>
+                        </dgm:alg>
+                        <dgm:shape xmlns:r="http://schemas.openxmlformats.org/officeDocument/2006/relationships" r:blip="">
+                          <dgm:adjLst/>
+                        </dgm:shape>
+                        <dgm:presOf/>
+                        <dgm:constrLst>
+                          <dgm:constr type="alignOff" val="0.25"/>
+                        </dgm:constrLst>
+                      </dgm:else>
+                    </dgm:choose>
+                  </dgm:if>
+                  <dgm:if name="Name65" func="var" arg="hierBranch" op="equ" val="r">
+                    <dgm:choose name="Name66">
+                      <dgm:if name="Name67" axis="ch" ptType="asst" func="cnt" op="gte" val="1">
+                        <dgm:alg type="hierRoot">
+                          <dgm:param type="hierAlign" val="tL"/>
+                        </dgm:alg>
+                        <dgm:shape xmlns:r="http://schemas.openxmlformats.org/officeDocument/2006/relationships" r:blip="">
+                          <dgm:adjLst/>
+                        </dgm:shape>
+                        <dgm:presOf/>
+                        <dgm:constrLst>
+                          <dgm:constr type="alignOff" val="0.65"/>
+                        </dgm:constrLst>
+                      </dgm:if>
+                      <dgm:else name="Name68">
+                        <dgm:alg type="hierRoot">
+                          <dgm:param type="hierAlign" val="tL"/>
+                        </dgm:alg>
+                        <dgm:shape xmlns:r="http://schemas.openxmlformats.org/officeDocument/2006/relationships" r:blip="">
+                          <dgm:adjLst/>
+                        </dgm:shape>
+                        <dgm:presOf/>
+                        <dgm:constrLst>
+                          <dgm:constr type="alignOff" val="0.25"/>
+                        </dgm:constrLst>
+                      </dgm:else>
+                    </dgm:choose>
+                  </dgm:if>
+                  <dgm:if name="Name69" func="var" arg="hierBranch" op="equ" val="std">
+                    <dgm:alg type="hierRoot"/>
+                    <dgm:shape xmlns:r="http://schemas.openxmlformats.org/officeDocument/2006/relationships" r:blip="">
+                      <dgm:adjLst/>
+                    </dgm:shape>
+                    <dgm:presOf/>
+                    <dgm:constrLst>
+                      <dgm:constr type="alignOff"/>
+                      <dgm:constr type="bendDist" for="des" ptType="parTrans" refType="sp" fact="0.5"/>
+                    </dgm:constrLst>
+                  </dgm:if>
+                  <dgm:if name="Name70" func="var" arg="hierBranch" op="equ" val="init">
+                    <dgm:choose name="Name71">
+                      <dgm:if name="Name72" axis="des" func="maxDepth" op="lte" val="1">
+                        <dgm:choose name="Name73">
+                          <dgm:if name="Name74" axis="ch" ptType="asst" func="cnt" op="gte" val="1">
+                            <dgm:alg type="hierRoot">
+                              <dgm:param type="hierAlign" val="tL"/>
+                            </dgm:alg>
+                            <dgm:shape xmlns:r="http://schemas.openxmlformats.org/officeDocument/2006/relationships" r:blip="">
+                              <dgm:adjLst/>
+                            </dgm:shape>
+                            <dgm:presOf/>
+                            <dgm:constrLst>
+                              <dgm:constr type="alignOff" val="0.65"/>
+                            </dgm:constrLst>
+                          </dgm:if>
+                          <dgm:else name="Name75">
+                            <dgm:alg type="hierRoot">
+                              <dgm:param type="hierAlign" val="tL"/>
+                            </dgm:alg>
+                            <dgm:shape xmlns:r="http://schemas.openxmlformats.org/officeDocument/2006/relationships" r:blip="">
+                              <dgm:adjLst/>
+                            </dgm:shape>
+                            <dgm:presOf/>
+                            <dgm:constrLst>
+                              <dgm:constr type="alignOff" val="0.25"/>
+                            </dgm:constrLst>
+                          </dgm:else>
+                        </dgm:choose>
+                      </dgm:if>
+                      <dgm:else name="Name76">
+                        <dgm:alg type="hierRoot"/>
+                        <dgm:shape xmlns:r="http://schemas.openxmlformats.org/officeDocument/2006/relationships" r:blip="">
+                          <dgm:adjLst/>
+                        </dgm:shape>
+                        <dgm:presOf/>
+                        <dgm:constrLst>
+                          <dgm:constr type="alignOff"/>
+                          <dgm:constr type="bendDist" for="des" ptType="parTrans" refType="sp" fact="0.5"/>
+                        </dgm:constrLst>
+                      </dgm:else>
+                    </dgm:choose>
+                  </dgm:if>
+                  <dgm:else name="Name77">
+                    <dgm:alg type="hierRoot"/>
+                    <dgm:shape xmlns:r="http://schemas.openxmlformats.org/officeDocument/2006/relationships" r:blip="">
+                      <dgm:adjLst/>
+                    </dgm:shape>
+                    <dgm:presOf/>
+                    <dgm:constrLst>
+                      <dgm:constr type="alignOff" val="0.65"/>
+                    </dgm:constrLst>
+                  </dgm:else>
+                </dgm:choose>
+                <dgm:ruleLst/>
+                <dgm:layoutNode name="rootComposite">
+                  <dgm:alg type="composite"/>
+                  <dgm:shape xmlns:r="http://schemas.openxmlformats.org/officeDocument/2006/relationships" r:blip="">
+                    <dgm:adjLst/>
+                  </dgm:shape>
+                  <dgm:presOf axis="self" ptType="node" cnt="1"/>
+                  <dgm:choose name="Name78">
+                    <dgm:if name="Name79" func="var" arg="hierBranch" op="equ" val="init">
+                      <dgm:constrLst>
+                        <dgm:constr type="l" for="ch" forName="rootText"/>
+                        <dgm:constr type="t" for="ch" forName="rootText"/>
+                        <dgm:constr type="w" for="ch" forName="rootText" refType="w"/>
+                        <dgm:constr type="h" for="ch" forName="rootText" refType="h"/>
+                        <dgm:constr type="l" for="ch" forName="rootConnector"/>
+                        <dgm:constr type="t" for="ch" forName="rootConnector"/>
+                        <dgm:constr type="w" for="ch" forName="rootConnector" refType="w" refFor="ch" refForName="rootText" fact="0.2"/>
+                        <dgm:constr type="h" for="ch" forName="rootConnector" refType="h" refFor="ch" refForName="rootText"/>
+                      </dgm:constrLst>
+                    </dgm:if>
+                    <dgm:if name="Name80" func="var" arg="hierBranch" op="equ" val="l">
+                      <dgm:constrLst>
+                        <dgm:constr type="l" for="ch" forName="rootText"/>
+                        <dgm:constr type="t" for="ch" forName="rootText"/>
+                        <dgm:constr type="w" for="ch" forName="rootText" refType="w"/>
+                        <dgm:constr type="h" for="ch" forName="rootText" refType="h"/>
+                        <dgm:constr type="r" for="ch" forName="rootConnector" refType="w"/>
+                        <dgm:constr type="t" for="ch" forName="rootConnector"/>
+                        <dgm:constr type="w" for="ch" forName="rootConnector" refType="w" refFor="ch" refForName="rootText" fact="0.2"/>
+                        <dgm:constr type="h" for="ch" forName="rootConnector" refType="h" refFor="ch" refForName="rootText"/>
+                      </dgm:constrLst>
+                    </dgm:if>
+                    <dgm:if name="Name81" func="var" arg="hierBranch" op="equ" val="r">
+                      <dgm:constrLst>
+                        <dgm:constr type="l" for="ch" forName="rootText"/>
+                        <dgm:constr type="t" for="ch" forName="rootText"/>
+                        <dgm:constr type="w" for="ch" forName="rootText" refType="w"/>
+                        <dgm:constr type="h" for="ch" forName="rootText" refType="h"/>
+                        <dgm:constr type="l" for="ch" forName="rootConnector"/>
+                        <dgm:constr type="t" for="ch" forName="rootConnector"/>
+                        <dgm:constr type="w" for="ch" forName="rootConnector" refType="w" refFor="ch" refForName="rootText" fact="0.2"/>
+                        <dgm:constr type="h" for="ch" forName="rootConnector" refType="h" refFor="ch" refForName="rootText"/>
+                      </dgm:constrLst>
+                    </dgm:if>
+                    <dgm:else name="Name82">
+                      <dgm:constrLst>
+                        <dgm:constr type="l" for="ch" forName="rootText"/>
+                        <dgm:constr type="t" for="ch" forName="rootText"/>
+                        <dgm:constr type="w" for="ch" forName="rootText" refType="w"/>
+                        <dgm:constr type="h" for="ch" forName="rootText" refType="h"/>
+                        <dgm:constr type="r" for="ch" forName="rootConnector" refType="w"/>
+                        <dgm:constr type="t" for="ch" forName="rootConnector"/>
+                        <dgm:constr type="w" for="ch" forName="rootConnector" refType="w" refFor="ch" refForName="rootText" fact="0.2"/>
+                        <dgm:constr type="h" for="ch" forName="rootConnector" refType="h" refFor="ch" refForName="rootText"/>
+                      </dgm:constrLst>
+                    </dgm:else>
+                  </dgm:choose>
+                  <dgm:ruleLst/>
+                  <dgm:layoutNode name="rootText">
+                    <dgm:varLst>
+                      <dgm:chPref val="3"/>
+                    </dgm:varLst>
+                    <dgm:alg type="tx"/>
+                    <dgm:shape xmlns:r="http://schemas.openxmlformats.org/officeDocument/2006/relationships" type="rect" r:blip="">
+                      <dgm:adjLst/>
+                    </dgm:shape>
+                    <dgm:presOf axis="self" ptType="node" cnt="1"/>
+                    <dgm:constrLst>
+                      <dgm:constr type="primFontSz" val="65"/>
+                      <dgm:constr type="lMarg" refType="primFontSz" fact="0.05"/>
+                      <dgm:constr type="rMarg" refType="primFontSz" fact="0.05"/>
+                      <dgm:constr type="tMarg" refType="primFontSz" fact="0.05"/>
+                      <dgm:constr type="bMarg" refType="primFontSz" fact="0.05"/>
+                    </dgm:constrLst>
+                    <dgm:ruleLst>
+                      <dgm:rule type="primFontSz" val="5" fact="NaN" max="NaN"/>
+                    </dgm:ruleLst>
+                  </dgm:layoutNode>
+                  <dgm:layoutNode name="rootConnector" moveWith="rootText">
+                    <dgm:alg type="sp"/>
+                    <dgm:shape xmlns:r="http://schemas.openxmlformats.org/officeDocument/2006/relationships" type="rect" r:blip="" hideGeom="1">
+                      <dgm:adjLst/>
+                    </dgm:shape>
+                    <dgm:presOf axis="self" ptType="node" cnt="1"/>
+                    <dgm:constrLst/>
+                    <dgm:ruleLst/>
+                  </dgm:layoutNode>
+                </dgm:layoutNode>
+                <dgm:layoutNode name="hierChild4">
+                  <dgm:choose name="Name83">
+                    <dgm:if name="Name84" func="var" arg="hierBranch" op="equ" val="l">
+                      <dgm:alg type="hierChild">
+                        <dgm:param type="chAlign" val="r"/>
+                        <dgm:param type="linDir" val="fromT"/>
+                      </dgm:alg>
+                    </dgm:if>
+                    <dgm:if name="Name85" func="var" arg="hierBranch" op="equ" val="r">
+                      <dgm:alg type="hierChild">
+                        <dgm:param type="chAlign" val="l"/>
+                        <dgm:param type="linDir" val="fromT"/>
+                      </dgm:alg>
+                    </dgm:if>
+                    <dgm:if name="Name86" func="var" arg="hierBranch" op="equ" val="hang">
+                      <dgm:choose name="Name87">
+                        <dgm:if name="Name88" func="var" arg="dir" op="equ" val="norm">
+                          <dgm:alg type="hierChild">
+                            <dgm:param type="chAlign" val="l"/>
+                            <dgm:param type="linDir" val="fromL"/>
+                            <dgm:param type="secChAlign" val="t"/>
+                            <dgm:param type="secLinDir" val="fromT"/>
+                          </dgm:alg>
+                        </dgm:if>
+                        <dgm:else name="Name89">
+                          <dgm:alg type="hierChild">
+                            <dgm:param type="chAlign" val="l"/>
+                            <dgm:param type="linDir" val="fromR"/>
+                            <dgm:param type="secChAlign" val="t"/>
+                            <dgm:param type="secLinDir" val="fromT"/>
+                          </dgm:alg>
+                        </dgm:else>
+                      </dgm:choose>
+                    </dgm:if>
+                    <dgm:if name="Name90" func="var" arg="hierBranch" op="equ" val="std">
+                      <dgm:choose name="Name91">
+                        <dgm:if name="Name92" func="var" arg="dir" op="equ" val="norm">
+                          <dgm:alg type="hierChild"/>
+                        </dgm:if>
+                        <dgm:else name="Name93">
+                          <dgm:alg type="hierChild">
+                            <dgm:param type="linDir" val="fromR"/>
+                          </dgm:alg>
+                        </dgm:else>
+                      </dgm:choose>
+                    </dgm:if>
+                    <dgm:if name="Name94" func="var" arg="hierBranch" op="equ" val="init">
+                      <dgm:choose name="Name95">
+                        <dgm:if name="Name96" axis="des" func="maxDepth" op="lte" val="1">
+                          <dgm:alg type="hierChild">
+                            <dgm:param type="chAlign" val="l"/>
+                            <dgm:param type="linDir" val="fromT"/>
+                          </dgm:alg>
+                        </dgm:if>
+                        <dgm:else name="Name97">
+                          <dgm:choose name="Name98">
+                            <dgm:if name="Name99" func="var" arg="dir" op="equ" val="norm">
+                              <dgm:alg type="hierChild"/>
+                            </dgm:if>
+                            <dgm:else name="Name100">
+                              <dgm:alg type="hierChild">
+                                <dgm:param type="linDir" val="fromR"/>
+                              </dgm:alg>
+                            </dgm:else>
+                          </dgm:choose>
+                        </dgm:else>
+                      </dgm:choose>
+                    </dgm:if>
+                    <dgm:else name="Name101"/>
+                  </dgm:choose>
+                  <dgm:shape xmlns:r="http://schemas.openxmlformats.org/officeDocument/2006/relationships" r:blip="">
+                    <dgm:adjLst/>
+                  </dgm:shape>
+                  <dgm:presOf/>
+                  <dgm:constrLst/>
+                  <dgm:ruleLst/>
+                  <dgm:forEach name="Name102" ref="rep2a"/>
+                </dgm:layoutNode>
+                <dgm:layoutNode name="hierChild5">
+                  <dgm:choose name="Name103">
+                    <dgm:if name="Name104" func="var" arg="dir" op="equ" val="norm">
+                      <dgm:alg type="hierChild">
+                        <dgm:param type="chAlign" val="l"/>
+                        <dgm:param type="linDir" val="fromL"/>
+                        <dgm:param type="secChAlign" val="t"/>
+                        <dgm:param type="secLinDir" val="fromT"/>
+                      </dgm:alg>
+                    </dgm:if>
+                    <dgm:else name="Name105">
+                      <dgm:alg type="hierChild">
+                        <dgm:param type="chAlign" val="l"/>
+                        <dgm:param type="linDir" val="fromR"/>
+                        <dgm:param type="secChAlign" val="t"/>
+                        <dgm:param type="secLinDir" val="fromT"/>
+                      </dgm:alg>
+                    </dgm:else>
+                  </dgm:choose>
+                  <dgm:shape xmlns:r="http://schemas.openxmlformats.org/officeDocument/2006/relationships" r:blip="">
+                    <dgm:adjLst/>
+                  </dgm:shape>
+                  <dgm:presOf/>
+                  <dgm:constrLst/>
+                  <dgm:ruleLst/>
+                  <dgm:forEach name="Name106" ref="rep2b"/>
+                </dgm:layoutNode>
+              </dgm:layoutNode>
+            </dgm:forEach>
+          </dgm:layoutNode>
+          <dgm:layoutNode name="hierChild3">
+            <dgm:choose name="Name107">
+              <dgm:if name="Name108" func="var" arg="dir" op="equ" val="norm">
+                <dgm:alg type="hierChild">
+                  <dgm:param type="chAlign" val="l"/>
+                  <dgm:param type="linDir" val="fromL"/>
+                  <dgm:param type="secChAlign" val="t"/>
+                  <dgm:param type="secLinDir" val="fromT"/>
+                </dgm:alg>
+              </dgm:if>
+              <dgm:else name="Name109">
+                <dgm:alg type="hierChild">
+                  <dgm:param type="chAlign" val="l"/>
+                  <dgm:param type="linDir" val="fromR"/>
+                  <dgm:param type="secChAlign" val="t"/>
+                  <dgm:param type="secLinDir" val="fromT"/>
+                </dgm:alg>
+              </dgm:else>
+            </dgm:choose>
+            <dgm:shape xmlns:r="http://schemas.openxmlformats.org/officeDocument/2006/relationships" r:blip="">
+              <dgm:adjLst/>
+            </dgm:shape>
+            <dgm:presOf/>
+            <dgm:constrLst/>
+            <dgm:ruleLst/>
+            <dgm:forEach name="rep2b" axis="ch" ptType="asst">
+              <dgm:forEach name="Name110" axis="precedSib" ptType="parTrans" st="-1" cnt="1">
+                <dgm:layoutNode name="Name111">
+                  <dgm:alg type="conn">
+                    <dgm:param type="connRout" val="bend"/>
+                    <dgm:param type="dim" val="1D"/>
+                    <dgm:param type="endSty" val="noArr"/>
+                    <dgm:param type="begPts" val="bCtr"/>
+                    <dgm:param type="endPts" val="midL midR"/>
+                  </dgm:alg>
+                  <dgm:shape xmlns:r="http://schemas.openxmlformats.org/officeDocument/2006/relationships" type="conn" r:blip="" zOrderOff="-99999">
+                    <dgm:adjLst/>
+                  </dgm:shape>
+                  <dgm:presOf axis="self"/>
+                  <dgm:constrLst>
+                    <dgm:constr type="begPad"/>
+                    <dgm:constr type="endPad"/>
+                  </dgm:constrLst>
+                  <dgm:ruleLst/>
+                </dgm:layoutNode>
+              </dgm:forEach>
+              <dgm:layoutNode name="hierRoot3">
+                <dgm:varLst>
+                  <dgm:hierBranch val="init"/>
+                </dgm:varLst>
+                <dgm:choose name="Name112">
+                  <dgm:if name="Name113" func="var" arg="hierBranch" op="equ" val="l">
+                    <dgm:alg type="hierRoot">
+                      <dgm:param type="hierAlign" val="tR"/>
+                    </dgm:alg>
+                    <dgm:shape xmlns:r="http://schemas.openxmlformats.org/officeDocument/2006/relationships" r:blip="">
+                      <dgm:adjLst/>
+                    </dgm:shape>
+                    <dgm:presOf/>
+                    <dgm:constrLst>
+                      <dgm:constr type="alignOff" val="0.65"/>
+                    </dgm:constrLst>
+                  </dgm:if>
+                  <dgm:if name="Name114" func="var" arg="hierBranch" op="equ" val="r">
+                    <dgm:alg type="hierRoot">
+                      <dgm:param type="hierAlign" val="tL"/>
+                    </dgm:alg>
+                    <dgm:shape xmlns:r="http://schemas.openxmlformats.org/officeDocument/2006/relationships" r:blip="">
+                      <dgm:adjLst/>
+                    </dgm:shape>
+                    <dgm:presOf/>
+                    <dgm:constrLst>
+                      <dgm:constr type="alignOff" val="0.65"/>
+                    </dgm:constrLst>
+                  </dgm:if>
+                  <dgm:if name="Name115" func="var" arg="hierBranch" op="equ" val="hang">
+                    <dgm:alg type="hierRoot"/>
+                    <dgm:shape xmlns:r="http://schemas.openxmlformats.org/officeDocument/2006/relationships" r:blip="">
+                      <dgm:adjLst/>
+                    </dgm:shape>
+                    <dgm:presOf/>
+                    <dgm:constrLst>
+                      <dgm:constr type="alignOff" val="0.65"/>
+                    </dgm:constrLst>
+                  </dgm:if>
+                  <dgm:if name="Name116" func="var" arg="hierBranch" op="equ" val="std">
+                    <dgm:alg type="hierRoot"/>
+                    <dgm:shape xmlns:r="http://schemas.openxmlformats.org/officeDocument/2006/relationships" r:blip="">
+                      <dgm:adjLst/>
+                    </dgm:shape>
+                    <dgm:presOf/>
+                    <dgm:constrLst>
+                      <dgm:constr type="alignOff"/>
+                      <dgm:constr type="bendDist" for="des" ptType="parTrans" refType="sp" fact="0.5"/>
+                    </dgm:constrLst>
+                  </dgm:if>
+                  <dgm:if name="Name117" func="var" arg="hierBranch" op="equ" val="init">
+                    <dgm:choose name="Name118">
+                      <dgm:if name="Name119" axis="des" func="maxDepth" op="lte" val="1">
+                        <dgm:alg type="hierRoot">
+                          <dgm:param type="hierAlign" val="tL"/>
+                        </dgm:alg>
+                        <dgm:shape xmlns:r="http://schemas.openxmlformats.org/officeDocument/2006/relationships" r:blip="">
+                          <dgm:adjLst/>
+                        </dgm:shape>
+                        <dgm:presOf/>
+                        <dgm:constrLst>
+                          <dgm:constr type="alignOff" val="0.65"/>
+                        </dgm:constrLst>
+                      </dgm:if>
+                      <dgm:else name="Name120">
+                        <dgm:alg type="hierRoot"/>
+                        <dgm:shape xmlns:r="http://schemas.openxmlformats.org/officeDocument/2006/relationships" r:blip="">
+                          <dgm:adjLst/>
+                        </dgm:shape>
+                        <dgm:presOf/>
+                        <dgm:constrLst>
+                          <dgm:constr type="alignOff"/>
+                          <dgm:constr type="bendDist" for="des" ptType="parTrans" refType="sp" fact="0.5"/>
+                        </dgm:constrLst>
+                      </dgm:else>
+                    </dgm:choose>
+                  </dgm:if>
+                  <dgm:else name="Name121"/>
+                </dgm:choose>
+                <dgm:ruleLst/>
+                <dgm:layoutNode name="rootComposite3">
+                  <dgm:alg type="composite"/>
+                  <dgm:shape xmlns:r="http://schemas.openxmlformats.org/officeDocument/2006/relationships" r:blip="">
+                    <dgm:adjLst/>
+                  </dgm:shape>
+                  <dgm:presOf axis="self" ptType="node" cnt="1"/>
+                  <dgm:choose name="Name122">
+                    <dgm:if name="Name123" func="var" arg="hierBranch" op="equ" val="init">
+                      <dgm:constrLst>
+                        <dgm:constr type="l" for="ch" forName="rootText3"/>
+                        <dgm:constr type="t" for="ch" forName="rootText3"/>
+                        <dgm:constr type="w" for="ch" forName="rootText3" refType="w"/>
+                        <dgm:constr type="h" for="ch" forName="rootText3" refType="h"/>
+                        <dgm:constr type="l" for="ch" forName="rootConnector3"/>
+                        <dgm:constr type="t" for="ch" forName="rootConnector3"/>
+                        <dgm:constr type="w" for="ch" forName="rootConnector3" refType="w" refFor="ch" refForName="rootText3" fact="0.2"/>
+                        <dgm:constr type="h" for="ch" forName="rootConnector3" refType="h" refFor="ch" refForName="rootText3"/>
+                      </dgm:constrLst>
+                    </dgm:if>
+                    <dgm:if name="Name124" func="var" arg="hierBranch" op="equ" val="l">
+                      <dgm:constrLst>
+                        <dgm:constr type="l" for="ch" forName="rootText3"/>
+                        <dgm:constr type="t" for="ch" forName="rootText3"/>
+                        <dgm:constr type="w" for="ch" forName="rootText3" refType="w"/>
+                        <dgm:constr type="h" for="ch" forName="rootText3" refType="h"/>
+                        <dgm:constr type="r" for="ch" forName="rootConnector3" refType="w"/>
+                        <dgm:constr type="t" for="ch" forName="rootConnector3"/>
+                        <dgm:constr type="w" for="ch" forName="rootConnector3" refType="w" refFor="ch" refForName="rootText3" fact="0.2"/>
+                        <dgm:constr type="h" for="ch" forName="rootConnector3" refType="h" refFor="ch" refForName="rootText3"/>
+                      </dgm:constrLst>
+                    </dgm:if>
+                    <dgm:if name="Name125" func="var" arg="hierBranch" op="equ" val="r">
+                      <dgm:constrLst>
+                        <dgm:constr type="l" for="ch" forName="rootText3"/>
+                        <dgm:constr type="t" for="ch" forName="rootText3"/>
+                        <dgm:constr type="w" for="ch" forName="rootText3" refType="w"/>
+                        <dgm:constr type="h" for="ch" forName="rootText3" refType="h"/>
+                        <dgm:constr type="l" for="ch" forName="rootConnector3"/>
+                        <dgm:constr type="t" for="ch" forName="rootConnector3"/>
+                        <dgm:constr type="w" for="ch" forName="rootConnector3" refType="w" refFor="ch" refForName="rootText3" fact="0.2"/>
+                        <dgm:constr type="h" for="ch" forName="rootConnector3" refType="h" refFor="ch" refForName="rootText3"/>
+                      </dgm:constrLst>
+                    </dgm:if>
+                    <dgm:else name="Name126">
+                      <dgm:constrLst>
+                        <dgm:constr type="l" for="ch" forName="rootText3"/>
+                        <dgm:constr type="t" for="ch" forName="rootText3"/>
+                        <dgm:constr type="w" for="ch" forName="rootText3" refType="w"/>
+                        <dgm:constr type="h" for="ch" forName="rootText3" refType="h"/>
+                        <dgm:constr type="r" for="ch" forName="rootConnector3" refType="w"/>
+                        <dgm:constr type="t" for="ch" forName="rootConnector3"/>
+                        <dgm:constr type="w" for="ch" forName="rootConnector3" refType="w" refFor="ch" refForName="rootText3" fact="0.2"/>
+                        <dgm:constr type="h" for="ch" forName="rootConnector3" refType="h" refFor="ch" refForName="rootText3"/>
+                      </dgm:constrLst>
+                    </dgm:else>
+                  </dgm:choose>
+                  <dgm:ruleLst/>
+                  <dgm:layoutNode name="rootText3">
+                    <dgm:varLst>
+                      <dgm:chPref val="3"/>
+                    </dgm:varLst>
+                    <dgm:alg type="tx"/>
+                    <dgm:shape xmlns:r="http://schemas.openxmlformats.org/officeDocument/2006/relationships" type="rect" r:blip="">
+                      <dgm:adjLst/>
+                    </dgm:shape>
+                    <dgm:presOf axis="self" ptType="node" cnt="1"/>
+                    <dgm:constrLst>
+                      <dgm:constr type="primFontSz" val="65"/>
+                      <dgm:constr type="lMarg" refType="primFontSz" fact="0.05"/>
+                      <dgm:constr type="rMarg" refType="primFontSz" fact="0.05"/>
+                      <dgm:constr type="tMarg" refType="primFontSz" fact="0.05"/>
+                      <dgm:constr type="bMarg" refType="primFontSz" fact="0.05"/>
+                    </dgm:constrLst>
+                    <dgm:ruleLst>
+                      <dgm:rule type="primFontSz" val="5" fact="NaN" max="NaN"/>
+                    </dgm:ruleLst>
+                  </dgm:layoutNode>
+                  <dgm:layoutNode name="rootConnector3" moveWith="rootText1">
+                    <dgm:alg type="sp"/>
+                    <dgm:shape xmlns:r="http://schemas.openxmlformats.org/officeDocument/2006/relationships" type="rect" r:blip="" hideGeom="1">
+                      <dgm:adjLst/>
+                    </dgm:shape>
+                    <dgm:presOf axis="self" ptType="node" cnt="1"/>
+                    <dgm:constrLst/>
+                    <dgm:ruleLst/>
+                  </dgm:layoutNode>
+                </dgm:layoutNode>
+                <dgm:layoutNode name="hierChild6">
+                  <dgm:choose name="Name127">
+                    <dgm:if name="Name128" func="var" arg="hierBranch" op="equ" val="l">
+                      <dgm:alg type="hierChild">
+                        <dgm:param type="chAlign" val="r"/>
+                        <dgm:param type="linDir" val="fromT"/>
+                      </dgm:alg>
+                    </dgm:if>
+                    <dgm:if name="Name129" func="var" arg="hierBranch" op="equ" val="r">
+                      <dgm:alg type="hierChild">
+                        <dgm:param type="chAlign" val="l"/>
+                        <dgm:param type="linDir" val="fromT"/>
+                      </dgm:alg>
+                    </dgm:if>
+                    <dgm:if name="Name130" func="var" arg="hierBranch" op="equ" val="hang">
+                      <dgm:choose name="Name131">
+                        <dgm:if name="Name132" func="var" arg="dir" op="equ" val="norm">
+                          <dgm:alg type="hierChild">
+                            <dgm:param type="chAlign" val="l"/>
+                            <dgm:param type="linDir" val="fromL"/>
+                            <dgm:param type="secChAlign" val="t"/>
+                            <dgm:param type="secLinDir" val="fromT"/>
+                          </dgm:alg>
+                        </dgm:if>
+                        <dgm:else name="Name133">
+                          <dgm:alg type="hierChild">
+                            <dgm:param type="chAlign" val="l"/>
+                            <dgm:param type="linDir" val="fromR"/>
+                            <dgm:param type="secChAlign" val="t"/>
+                            <dgm:param type="secLinDir" val="fromT"/>
+                          </dgm:alg>
+                        </dgm:else>
+                      </dgm:choose>
+                    </dgm:if>
+                    <dgm:if name="Name134" func="var" arg="hierBranch" op="equ" val="std">
+                      <dgm:choose name="Name135">
+                        <dgm:if name="Name136" func="var" arg="dir" op="equ" val="norm">
+                          <dgm:alg type="hierChild"/>
+                        </dgm:if>
+                        <dgm:else name="Name137">
+                          <dgm:alg type="hierChild">
+                            <dgm:param type="linDir" val="fromR"/>
+                          </dgm:alg>
+                        </dgm:else>
+                      </dgm:choose>
+                    </dgm:if>
+                    <dgm:if name="Name138" func="var" arg="hierBranch" op="equ" val="init">
+                      <dgm:choose name="Name139">
+                        <dgm:if name="Name140" axis="des" func="maxDepth" op="lte" val="1">
+                          <dgm:alg type="hierChild">
+                            <dgm:param type="chAlign" val="l"/>
+                            <dgm:param type="linDir" val="fromT"/>
+                          </dgm:alg>
+                        </dgm:if>
+                        <dgm:else name="Name141">
+                          <dgm:alg type="hierChild"/>
+                        </dgm:else>
+                      </dgm:choose>
+                    </dgm:if>
+                    <dgm:else name="Name142"/>
+                  </dgm:choose>
+                  <dgm:shape xmlns:r="http://schemas.openxmlformats.org/officeDocument/2006/relationships" r:blip="">
+                    <dgm:adjLst/>
+                  </dgm:shape>
+                  <dgm:presOf/>
+                  <dgm:constrLst/>
+                  <dgm:ruleLst/>
+                  <dgm:forEach name="Name143" ref="rep2a"/>
+                </dgm:layoutNode>
+                <dgm:layoutNode name="hierChild7">
+                  <dgm:choose name="Name144">
+                    <dgm:if name="Name145" func="var" arg="dir" op="equ" val="norm">
+                      <dgm:alg type="hierChild">
+                        <dgm:param type="chAlign" val="l"/>
+                        <dgm:param type="linDir" val="fromL"/>
+                        <dgm:param type="secChAlign" val="t"/>
+                        <dgm:param type="secLinDir" val="fromT"/>
+                      </dgm:alg>
+                    </dgm:if>
+                    <dgm:else name="Name146">
+                      <dgm:alg type="hierChild">
+                        <dgm:param type="chAlign" val="l"/>
+                        <dgm:param type="linDir" val="fromR"/>
+                        <dgm:param type="secChAlign" val="t"/>
+                        <dgm:param type="secLinDir" val="fromT"/>
+                      </dgm:alg>
+                    </dgm:else>
+                  </dgm:choose>
+                  <dgm:shape xmlns:r="http://schemas.openxmlformats.org/officeDocument/2006/relationships" r:blip="">
+                    <dgm:adjLst/>
+                  </dgm:shape>
+                  <dgm:presOf/>
+                  <dgm:constrLst/>
+                  <dgm:ruleLst/>
+                  <dgm:forEach name="Name147" ref="rep2b"/>
+                </dgm:layoutNode>
+              </dgm:layoutNode>
+            </dgm:forEach>
+          </dgm:layoutNode>
+        </dgm:layoutNode>
+      </dgm:forEach>
+    </dgm:forEach>
+  </dgm:layoutNode>
+</dgm:layoutDef>
+</file>
+
+<file path=ppt/diagrams/quickStyle1.xml><?xml version="1.0" encoding="utf-8"?>
+<dgm:styleDef xmlns:dgm="http://schemas.openxmlformats.org/drawingml/2006/diagram" xmlns:a="http://schemas.openxmlformats.org/drawingml/2006/main" uniqueId="urn:microsoft.com/office/officeart/2005/8/quickstyle/simple4">
+  <dgm:title val=""/>
+  <dgm:desc val=""/>
+  <dgm:catLst>
+    <dgm:cat type="simple" pri="10400"/>
+  </dgm:catLst>
+  <dgm:scene3d>
+    <a:camera prst="orthographicFront"/>
+    <a:lightRig rig="threePt" dir="t"/>
+  </dgm:scene3d>
+  <dgm:styleLbl name="node0">
+    <dgm:scene3d>
+      <a:camera prst="orthographicFront"/>
+      <a:lightRig rig="threePt" dir="t"/>
+    </dgm:scene3d>
+    <dgm:sp3d/>
+    <dgm:txPr/>
+    <dgm:style>
+      <a:lnRef idx="0">
+        <a:scrgbClr r="0" g="0" b="0"/>
+      </a:lnRef>
+      <a:fillRef idx="3">
+        <a:scrgbClr r="0" g="0" b="0"/>
+      </a:fillRef>
+      <a:effectRef idx="2">
+        <a:scrgbClr r="0" g="0" b="0"/>
+      </a:effectRef>
+      <a:fontRef idx="minor">
+        <a:schemeClr val="lt1"/>
+      </a:fontRef>
+    </dgm:style>
+  </dgm:styleLbl>
+  <dgm:styleLbl name="lnNode1">
+    <dgm:scene3d>
+      <a:camera prst="orthographicFront"/>
+      <a:lightRig rig="threePt" dir="t"/>
+    </dgm:scene3d>
+    <dgm:sp3d/>
+    <dgm:txPr/>
+    <dgm:style>
+      <a:lnRef idx="1">
+        <a:scrgbClr r="0" g="0" b="0"/>
+      </a:lnRef>
+      <a:fillRef idx="3">
+        <a:scrgbClr r="0" g="0" b="0"/>
+      </a:fillRef>
+      <a:effectRef idx="2">
+        <a:scrgbClr r="0" g="0" b="0"/>
+      </a:effectRef>
+      <a:fontRef idx="minor">
+        <a:schemeClr val="lt1"/>
+      </a:fontRef>
+    </dgm:style>
+  </dgm:styleLbl>
+  <dgm:styleLbl name="vennNode1">
+    <dgm:scene3d>
+      <a:camera prst="orthographicFront"/>
+      <a:lightRig rig="threePt" dir="t"/>
+    </dgm:scene3d>
+    <dgm:sp3d/>
+    <dgm:txPr/>
+    <dgm:style>
+      <a:lnRef idx="0">
+        <a:scrgbClr r="0" g="0" b="0"/>
+      </a:lnRef>
+      <a:fillRef idx="3">
+        <a:scrgbClr r="0" g="0" b="0"/>
+      </a:fillRef>
+      <a:effectRef idx="0">
+        <a:scrgbClr r="0" g="0" b="0"/>
+      </a:effectRef>
+      <a:fontRef idx="minor">
+        <a:schemeClr val="tx1"/>
+      </a:fontRef>
+    </dgm:style>
+  </dgm:styleLbl>
+  <dgm:styleLbl name="alignNode1">
+    <dgm:scene3d>
+      <a:camera prst="orthographicFront"/>
+      <a:lightRig rig="threePt" dir="t"/>
+    </dgm:scene3d>
+    <dgm:sp3d/>
+    <dgm:txPr/>
+    <dgm:style>
+      <a:lnRef idx="1">
+        <a:scrgbClr r="0" g="0" b="0"/>
+      </a:lnRef>
+      <a:fillRef idx="3">
+        <a:scrgbClr r="0" g="0" b="0"/>
+      </a:fillRef>
+      <a:effectRef idx="2">
+        <a:scrgbClr r="0" g="0" b="0"/>
+      </a:effectRef>
+      <a:fontRef idx="minor">
+        <a:schemeClr val="lt1"/>
+      </a:fontRef>
+    </dgm:style>
+  </dgm:styleLbl>
+  <dgm:styleLbl name="node1">
+    <dgm:scene3d>
+      <a:camera prst="orthographicFront"/>
+      <a:lightRig rig="threePt" dir="t"/>
+    </dgm:scene3d>
+    <dgm:sp3d/>
+    <dgm:txPr/>
+    <dgm:style>
+      <a:lnRef idx="0">
+        <a:scrgbClr r="0" g="0" b="0"/>
+      </a:lnRef>
+      <a:fillRef idx="3">
+        <a:scrgbClr r="0" g="0" b="0"/>
+      </a:fillRef>
+      <a:effectRef idx="2">
+        <a:scrgbClr r="0" g="0" b="0"/>
+      </a:effectRef>
+      <a:fontRef idx="minor">
+        <a:schemeClr val="lt1"/>
+      </a:fontRef>
+    </dgm:style>
+  </dgm:styleLbl>
+  <dgm:styleLbl name="node2">
+    <dgm:scene3d>
+      <a:camera prst="orthographicFront"/>
+      <a:lightRig rig="threePt" dir="t"/>
+    </dgm:scene3d>
+    <dgm:sp3d/>
+    <dgm:txPr/>
+    <dgm:style>
+      <a:lnRef idx="0">
+        <a:scrgbClr r="0" g="0" b="0"/>
+      </a:lnRef>
+      <a:fillRef idx="3">
+        <a:scrgbClr r="0" g="0" b="0"/>
+      </a:fillRef>
+      <a:effectRef idx="2">
+        <a:scrgbClr r="0" g="0" b="0"/>
+      </a:effectRef>
+      <a:fontRef idx="minor">
+        <a:schemeClr val="lt1"/>
+      </a:fontRef>
+    </dgm:style>
+  </dgm:styleLbl>
+  <dgm:styleLbl name="node3">
+    <dgm:scene3d>
+      <a:camera prst="orthographicFront"/>
+      <a:lightRig rig="threePt" dir="t"/>
+    </dgm:scene3d>
+    <dgm:sp3d/>
+    <dgm:txPr/>
+    <dgm:style>
+      <a:lnRef idx="0">
+        <a:scrgbClr r="0" g="0" b="0"/>
+      </a:lnRef>
+      <a:fillRef idx="3">
+        <a:scrgbClr r="0" g="0" b="0"/>
+      </a:fillRef>
+      <a:effectRef idx="2">
+        <a:scrgbClr r="0" g="0" b="0"/>
+      </a:effectRef>
+      <a:fontRef idx="minor">
+        <a:schemeClr val="lt1"/>
+      </a:fontRef>
+    </dgm:style>
+  </dgm:styleLbl>
+  <dgm:styleLbl name="node4">
+    <dgm:scene3d>
+      <a:camera prst="orthographicFront"/>
+      <a:lightRig rig="threePt" dir="t"/>
+    </dgm:scene3d>
+    <dgm:sp3d/>
+    <dgm:txPr/>
+    <dgm:style>
+      <a:lnRef idx="0">
+        <a:scrgbClr r="0" g="0" b="0"/>
+      </a:lnRef>
+      <a:fillRef idx="3">
+        <a:scrgbClr r="0" g="0" b="0"/>
+      </a:fillRef>
+      <a:effectRef idx="2">
+        <a:scrgbClr r="0" g="0" b="0"/>
+      </a:effectRef>
+      <a:fontRef idx="minor">
+        <a:schemeClr val="lt1"/>
+      </a:fontRef>
+    </dgm:style>
+  </dgm:styleLbl>
+  <dgm:styleLbl name="fgImgPlace1">
+    <dgm:scene3d>
+      <a:camera prst="orthographicFront"/>
+      <a:lightRig rig="threePt" dir="t"/>
+    </dgm:scene3d>
+    <dgm:sp3d/>
+    <dgm:txPr/>
+    <dgm:style>
+      <a:lnRef idx="0">
+        <a:scrgbClr r="0" g="0" b="0"/>
+      </a:lnRef>
+      <a:fillRef idx="1">
+        <a:scrgbClr r="0" g="0" b="0"/>
+      </a:fillRef>
+      <a:effectRef idx="2">
+        <a:scrgbClr r="0" g="0" b="0"/>
+      </a:effectRef>
+      <a:fontRef idx="minor"/>
+    </dgm:style>
+  </dgm:styleLbl>
+  <dgm:styleLbl name="alignImgPlace1">
+    <dgm:scene3d>
+      <a:camera prst="orthographicFront"/>
+      <a:lightRig rig="threePt" dir="t"/>
+    </dgm:scene3d>
+    <dgm:sp3d/>
+    <dgm:txPr/>
+    <dgm:style>
+      <a:lnRef idx="0">
+        <a:scrgbClr r="0" g="0" b="0"/>
+      </a:lnRef>
+      <a:fillRef idx="1">
+        <a:scrgbClr r="0" g="0" b="0"/>
+      </a:fillRef>
+      <a:effectRef idx="2">
+        <a:scrgbClr r="0" g="0" b="0"/>
+      </a:effectRef>
+      <a:fontRef idx="minor"/>
+    </dgm:style>
+  </dgm:styleLbl>
+  <dgm:styleLbl name="bgImgPlace1">
+    <dgm:scene3d>
+      <a:camera prst="orthographicFront"/>
+      <a:lightRig rig="threePt" dir="t"/>
+    </dgm:scene3d>
+    <dgm:sp3d/>
+    <dgm:txPr/>
+    <dgm:style>
+      <a:lnRef idx="0">
+        <a:scrgbClr r="0" g="0" b="0"/>
+      </a:lnRef>
+      <a:fillRef idx="1">
+        <a:scrgbClr r="0" g="0" b="0"/>
+      </a:fillRef>
+      <a:effectRef idx="2">
+        <a:scrgbClr r="0" g="0" b="0"/>
+      </a:effectRef>
+      <a:fontRef idx="minor"/>
+    </dgm:style>
+  </dgm:styleLbl>
+  <dgm:styleLbl name="sibTrans2D1">
+    <dgm:scene3d>
+      <a:camera prst="orthographicFront"/>
+      <a:lightRig rig="threePt" dir="t"/>
+    </dgm:scene3d>
+    <dgm:sp3d/>
+    <dgm:txPr/>
+    <dgm:style>
+      <a:lnRef idx="0">
+        <a:scrgbClr r="0" g="0" b="0"/>
+      </a:lnRef>
+      <a:fillRef idx="3">
+        <a:scrgbClr r="0" g="0" b="0"/>
+      </a:fillRef>
+      <a:effectRef idx="2">
+        <a:scrgbClr r="0" g="0" b="0"/>
+      </a:effectRef>
+      <a:fontRef idx="minor">
+        <a:schemeClr val="lt1"/>
+      </a:fontRef>
+    </dgm:style>
+  </dgm:styleLbl>
+  <dgm:styleLbl name="fgSibTrans2D1">
+    <dgm:scene3d>
+      <a:camera prst="orthographicFront"/>
+      <a:lightRig rig="threePt" dir="t"/>
+    </dgm:scene3d>
+    <dgm:sp3d/>
+    <dgm:txPr/>
+    <dgm:style>
+      <a:lnRef idx="0">
+        <a:scrgbClr r="0" g="0" b="0"/>
+      </a:lnRef>
+      <a:fillRef idx="3">
+        <a:scrgbClr r="0" g="0" b="0"/>
+      </a:fillRef>
+      <a:effectRef idx="2">
+        <a:scrgbClr r="0" g="0" b="0"/>
+      </a:effectRef>
+      <a:fontRef idx="minor">
+        <a:schemeClr val="lt1"/>
+      </a:fontRef>
+    </dgm:style>
+  </dgm:styleLbl>
+  <dgm:styleLbl name="bgSibTrans2D1">
+    <dgm:scene3d>
+      <a:camera prst="orthographicFront"/>
+      <a:lightRig rig="threePt" dir="t"/>
+    </dgm:scene3d>
+    <dgm:sp3d/>
+    <dgm:txPr/>
+    <dgm:style>
+      <a:lnRef idx="0">
+        <a:scrgbClr r="0" g="0" b="0"/>
+      </a:lnRef>
+      <a:fillRef idx="3">
+        <a:scrgbClr r="0" g="0" b="0"/>
+      </a:fillRef>
+      <a:effectRef idx="2">
+        <a:scrgbClr r="0" g="0" b="0"/>
+      </a:effectRef>
+      <a:fontRef idx="minor">
+        <a:schemeClr val="lt1"/>
+      </a:fontRef>
+    </dgm:style>
+  </dgm:styleLbl>
+  <dgm:styleLbl name="sibTrans1D1">
+    <dgm:scene3d>
+      <a:camera prst="orthographicFront"/>
+      <a:lightRig rig="threePt" dir="t"/>
+    </dgm:scene3d>
+    <dgm:sp3d/>
+    <dgm:txPr/>
+    <dgm:style>
+      <a:lnRef idx="1">
+        <a:scrgbClr r="0" g="0" b="0"/>
+      </a:lnRef>
+      <a:fillRef idx="0">
+        <a:scrgbClr r="0" g="0" b="0"/>
+      </a:fillRef>
+      <a:effectRef idx="0">
+        <a:scrgbClr r="0" g="0" b="0"/>
+      </a:effectRef>
+      <a:fontRef idx="minor"/>
+    </dgm:style>
+  </dgm:styleLbl>
+  <dgm:styleLbl name="callout">
+    <dgm:scene3d>
+      <a:camera prst="orthographicFront"/>
+      <a:lightRig rig="threePt" dir="t"/>
+    </dgm:scene3d>
+    <dgm:sp3d/>
+    <dgm:txPr/>
+    <dgm:style>
+      <a:lnRef idx="2">
+        <a:scrgbClr r="0" g="0" b="0"/>
+      </a:lnRef>
+      <a:fillRef idx="1">
+        <a:scrgbClr r="0" g="0" b="0"/>
+      </a:fillRef>
+      <a:effectRef idx="1">
+        <a:scrgbClr r="0" g="0" b="0"/>
+      </a:effectRef>
+      <a:fontRef idx="minor"/>
+    </dgm:style>
+  </dgm:styleLbl>
+  <dgm:styleLbl name="asst0">
+    <dgm:scene3d>
+      <a:camera prst="orthographicFront"/>
+      <a:lightRig rig="threePt" dir="t"/>
+    </dgm:scene3d>
+    <dgm:sp3d/>
+    <dgm:txPr/>
+    <dgm:style>
+      <a:lnRef idx="0">
+        <a:scrgbClr r="0" g="0" b="0"/>
+      </a:lnRef>
+      <a:fillRef idx="3">
+        <a:scrgbClr r="0" g="0" b="0"/>
+      </a:fillRef>
+      <a:effectRef idx="2">
+        <a:scrgbClr r="0" g="0" b="0"/>
+      </a:effectRef>
+      <a:fontRef idx="minor">
+        <a:schemeClr val="lt1"/>
+      </a:fontRef>
+    </dgm:style>
+  </dgm:styleLbl>
+  <dgm:styleLbl name="asst1">
+    <dgm:scene3d>
+      <a:camera prst="orthographicFront"/>
+      <a:lightRig rig="threePt" dir="t"/>
+    </dgm:scene3d>
+    <dgm:sp3d/>
+    <dgm:txPr/>
+    <dgm:style>
+      <a:lnRef idx="0">
+        <a:scrgbClr r="0" g="0" b="0"/>
+      </a:lnRef>
+      <a:fillRef idx="3">
+        <a:scrgbClr r="0" g="0" b="0"/>
+      </a:fillRef>
+      <a:effectRef idx="2">
+        <a:scrgbClr r="0" g="0" b="0"/>
+      </a:effectRef>
+      <a:fontRef idx="minor">
+        <a:schemeClr val="lt1"/>
+      </a:fontRef>
+    </dgm:style>
+  </dgm:styleLbl>
+  <dgm:styleLbl name="asst2">
+    <dgm:scene3d>
+      <a:camera prst="orthographicFront"/>
+      <a:lightRig rig="threePt" dir="t"/>
+    </dgm:scene3d>
+    <dgm:sp3d/>
+    <dgm:txPr/>
+    <dgm:style>
+      <a:lnRef idx="0">
+        <a:scrgbClr r="0" g="0" b="0"/>
+      </a:lnRef>
+      <a:fillRef idx="3">
+        <a:scrgbClr r="0" g="0" b="0"/>
+      </a:fillRef>
+      <a:effectRef idx="2">
+        <a:scrgbClr r="0" g="0" b="0"/>
+      </a:effectRef>
+      <a:fontRef idx="minor">
+        <a:schemeClr val="lt1"/>
+      </a:fontRef>
+    </dgm:style>
+  </dgm:styleLbl>
+  <dgm:styleLbl name="asst3">
+    <dgm:scene3d>
+      <a:camera prst="orthographicFront"/>
+      <a:lightRig rig="threePt" dir="t"/>
+    </dgm:scene3d>
+    <dgm:sp3d/>
+    <dgm:txPr/>
+    <dgm:style>
+      <a:lnRef idx="0">
+        <a:scrgbClr r="0" g="0" b="0"/>
+      </a:lnRef>
+      <a:fillRef idx="3">
+        <a:scrgbClr r="0" g="0" b="0"/>
+      </a:fillRef>
+      <a:effectRef idx="2">
+        <a:scrgbClr r="0" g="0" b="0"/>
+      </a:effectRef>
+      <a:fontRef idx="minor">
+        <a:schemeClr val="lt1"/>
+      </a:fontRef>
+    </dgm:style>
+  </dgm:styleLbl>
+  <dgm:styleLbl name="asst4">
+    <dgm:scene3d>
+      <a:camera prst="orthographicFront"/>
+      <a:lightRig rig="threePt" dir="t"/>
+    </dgm:scene3d>
+    <dgm:sp3d/>
+    <dgm:txPr/>
+    <dgm:style>
+      <a:lnRef idx="0">
+        <a:scrgbClr r="0" g="0" b="0"/>
+      </a:lnRef>
+      <a:fillRef idx="3">
+        <a:scrgbClr r="0" g="0" b="0"/>
+      </a:fillRef>
+      <a:effectRef idx="2">
+        <a:scrgbClr r="0" g="0" b="0"/>
+      </a:effectRef>
+      <a:fontRef idx="minor">
+        <a:schemeClr val="lt1"/>
+      </a:fontRef>
+    </dgm:style>
+  </dgm:styleLbl>
+  <dgm:styleLbl name="parChTrans2D1">
+    <dgm:scene3d>
+      <a:camera prst="orthographicFront"/>
+      <a:lightRig rig="threePt" dir="t"/>
+    </dgm:scene3d>
+    <dgm:sp3d/>
+    <dgm:txPr/>
+    <dgm:style>
+      <a:lnRef idx="0">
+        <a:scrgbClr r="0" g="0" b="0"/>
+      </a:lnRef>
+      <a:fillRef idx="3">
+        <a:scrgbClr r="0" g="0" b="0"/>
+      </a:fillRef>
+      <a:effectRef idx="2">
+        <a:scrgbClr r="0" g="0" b="0"/>
+      </a:effectRef>
+      <a:fontRef idx="minor">
+        <a:schemeClr val="lt1"/>
+      </a:fontRef>
+    </dgm:style>
+  </dgm:styleLbl>
+  <dgm:styleLbl name="parChTrans2D2">
+    <dgm:scene3d>
+      <a:camera prst="orthographicFront"/>
+      <a:lightRig rig="threePt" dir="t"/>
+    </dgm:scene3d>
+    <dgm:sp3d/>
+    <dgm:txPr/>
+    <dgm:style>
+      <a:lnRef idx="0">
+        <a:scrgbClr r="0" g="0" b="0"/>
+      </a:lnRef>
+      <a:fillRef idx="3">
+        <a:scrgbClr r="0" g="0" b="0"/>
+      </a:fillRef>
+      <a:effectRef idx="2">
+        <a:scrgbClr r="0" g="0" b="0"/>
+      </a:effectRef>
+      <a:fontRef idx="minor">
+        <a:schemeClr val="lt1"/>
+      </a:fontRef>
+    </dgm:style>
+  </dgm:styleLbl>
+  <dgm:styleLbl name="parChTrans2D3">
+    <dgm:scene3d>
+      <a:camera prst="orthographicFront"/>
+      <a:lightRig rig="threePt" dir="t"/>
+    </dgm:scene3d>
+    <dgm:sp3d/>
+    <dgm:txPr/>
+    <dgm:style>
+      <a:lnRef idx="1">
+        <a:scrgbClr r="0" g="0" b="0"/>
+      </a:lnRef>
+      <a:fillRef idx="3">
+        <a:scrgbClr r="0" g="0" b="0"/>
+      </a:fillRef>
+      <a:effectRef idx="2">
+        <a:scrgbClr r="0" g="0" b="0"/>
+      </a:effectRef>
+      <a:fontRef idx="minor">
+        <a:schemeClr val="lt1"/>
+      </a:fontRef>
+    </dgm:style>
+  </dgm:styleLbl>
+  <dgm:styleLbl name="parChTrans2D4">
+    <dgm:scene3d>
+      <a:camera prst="orthographicFront"/>
+      <a:lightRig rig="threePt" dir="t"/>
+    </dgm:scene3d>
+    <dgm:sp3d/>
+    <dgm:txPr/>
+    <dgm:style>
+      <a:lnRef idx="1">
+        <a:scrgbClr r="0" g="0" b="0"/>
+      </a:lnRef>
+      <a:fillRef idx="3">
+        <a:scrgbClr r="0" g="0" b="0"/>
+      </a:fillRef>
+      <a:effectRef idx="2">
+        <a:scrgbClr r="0" g="0" b="0"/>
+      </a:effectRef>
+      <a:fontRef idx="minor">
+        <a:schemeClr val="lt1"/>
+      </a:fontRef>
+    </dgm:style>
+  </dgm:styleLbl>
+  <dgm:styleLbl name="parChTrans1D1">
+    <dgm:scene3d>
+      <a:camera prst="orthographicFront"/>
+      <a:lightRig rig="threePt" dir="t"/>
+    </dgm:scene3d>
+    <dgm:sp3d/>
+    <dgm:txPr/>
+    <dgm:style>
+      <a:lnRef idx="1">
+        <a:scrgbClr r="0" g="0" b="0"/>
+      </a:lnRef>
+      <a:fillRef idx="0">
+        <a:scrgbClr r="0" g="0" b="0"/>
+      </a:fillRef>
+      <a:effectRef idx="0">
+        <a:scrgbClr r="0" g="0" b="0"/>
+      </a:effectRef>
+      <a:fontRef idx="minor"/>
+    </dgm:style>
+  </dgm:styleLbl>
+  <dgm:styleLbl name="parChTrans1D2">
+    <dgm:scene3d>
+      <a:camera prst="orthographicFront"/>
+      <a:lightRig rig="threePt" dir="t"/>
+    </dgm:scene3d>
+    <dgm:sp3d/>
+    <dgm:txPr/>
+    <dgm:style>
+      <a:lnRef idx="1">
+        <a:scrgbClr r="0" g="0" b="0"/>
+      </a:lnRef>
+      <a:fillRef idx="0">
+        <a:scrgbClr r="0" g="0" b="0"/>
+      </a:fillRef>
+      <a:effectRef idx="0">
+        <a:scrgbClr r="0" g="0" b="0"/>
+      </a:effectRef>
+      <a:fontRef idx="minor"/>
+    </dgm:style>
+  </dgm:styleLbl>
+  <dgm:styleLbl name="parChTrans1D3">
+    <dgm:scene3d>
+      <a:camera prst="orthographicFront"/>
+      <a:lightRig rig="threePt" dir="t"/>
+    </dgm:scene3d>
+    <dgm:sp3d/>
+    <dgm:txPr/>
+    <dgm:style>
+      <a:lnRef idx="1">
+        <a:scrgbClr r="0" g="0" b="0"/>
+      </a:lnRef>
+      <a:fillRef idx="0">
+        <a:scrgbClr r="0" g="0" b="0"/>
+      </a:fillRef>
+      <a:effectRef idx="0">
+        <a:scrgbClr r="0" g="0" b="0"/>
+      </a:effectRef>
+      <a:fontRef idx="minor"/>
+    </dgm:style>
+  </dgm:styleLbl>
+  <dgm:styleLbl name="parChTrans1D4">
+    <dgm:scene3d>
+      <a:camera prst="orthographicFront"/>
+      <a:lightRig rig="threePt" dir="t"/>
+    </dgm:scene3d>
+    <dgm:sp3d/>
+    <dgm:txPr/>
+    <dgm:style>
+      <a:lnRef idx="1">
+        <a:scrgbClr r="0" g="0" b="0"/>
+      </a:lnRef>
+      <a:fillRef idx="0">
+        <a:scrgbClr r="0" g="0" b="0"/>
+      </a:fillRef>
+      <a:effectRef idx="0">
+        <a:scrgbClr r="0" g="0" b="0"/>
+      </a:effectRef>
+      <a:fontRef idx="minor"/>
+    </dgm:style>
+  </dgm:styleLbl>
+  <dgm:styleLbl name="fgAcc1">
+    <dgm:scene3d>
+      <a:camera prst="orthographicFront"/>
+      <a:lightRig rig="threePt" dir="t"/>
+    </dgm:scene3d>
+    <dgm:sp3d/>
+    <dgm:txPr/>
+    <dgm:style>
+      <a:lnRef idx="1">
+        <a:scrgbClr r="0" g="0" b="0"/>
+      </a:lnRef>
+      <a:fillRef idx="1">
+        <a:scrgbClr r="0" g="0" b="0"/>
+      </a:fillRef>
+      <a:effectRef idx="0">
+        <a:scrgbClr r="0" g="0" b="0"/>
+      </a:effectRef>
+      <a:fontRef idx="minor"/>
+    </dgm:style>
+  </dgm:styleLbl>
+  <dgm:styleLbl name="conFgAcc1">
+    <dgm:scene3d>
+      <a:camera prst="orthographicFront"/>
+      <a:lightRig rig="threePt" dir="t"/>
+    </dgm:scene3d>
+    <dgm:sp3d/>
+    <dgm:txPr/>
+    <dgm:style>
+      <a:lnRef idx="1">
+        <a:scrgbClr r="0" g="0" b="0"/>
+      </a:lnRef>
+      <a:fillRef idx="1">
+        <a:scrgbClr r="0" g="0" b="0"/>
+      </a:fillRef>
+      <a:effectRef idx="0">
+        <a:scrgbClr r="0" g="0" b="0"/>
+      </a:effectRef>
+      <a:fontRef idx="minor"/>
+    </dgm:style>
+  </dgm:styleLbl>
+  <dgm:styleLbl name="alignAcc1">
+    <dgm:scene3d>
+      <a:camera prst="orthographicFront"/>
+      <a:lightRig rig="threePt" dir="t"/>
+    </dgm:scene3d>
+    <dgm:sp3d/>
+    <dgm:txPr/>
+    <dgm:style>
+      <a:lnRef idx="1">
+        <a:scrgbClr r="0" g="0" b="0"/>
+      </a:lnRef>
+      <a:fillRef idx="1">
+        <a:scrgbClr r="0" g="0" b="0"/>
+      </a:fillRef>
+      <a:effectRef idx="0">
+        <a:scrgbClr r="0" g="0" b="0"/>
+      </a:effectRef>
+      <a:fontRef idx="minor"/>
+    </dgm:style>
+  </dgm:styleLbl>
+  <dgm:styleLbl name="trAlignAcc1">
+    <dgm:scene3d>
+      <a:camera prst="orthographicFront"/>
+      <a:lightRig rig="threePt" dir="t"/>
+    </dgm:scene3d>
+    <dgm:sp3d/>
+    <dgm:txPr/>
+    <dgm:style>
+      <a:lnRef idx="1">
+        <a:scrgbClr r="0" g="0" b="0"/>
+      </a:lnRef>
+      <a:fillRef idx="1">
+        <a:scrgbClr r="0" g="0" b="0"/>
+      </a:fillRef>
+      <a:effectRef idx="0">
+        <a:scrgbClr r="0" g="0" b="0"/>
+      </a:effectRef>
+      <a:fontRef idx="minor"/>
+    </dgm:style>
+  </dgm:styleLbl>
+  <dgm:styleLbl name="bgAcc1">
+    <dgm:scene3d>
+      <a:camera prst="orthographicFront"/>
+      <a:lightRig rig="threePt" dir="t"/>
+    </dgm:scene3d>
+    <dgm:sp3d/>
+    <dgm:txPr/>
+    <dgm:style>
+      <a:lnRef idx="1">
+        <a:scrgbClr r="0" g="0" b="0"/>
+      </a:lnRef>
+      <a:fillRef idx="1">
+        <a:scrgbClr r="0" g="0" b="0"/>
+      </a:fillRef>
+      <a:effectRef idx="0">
+        <a:scrgbClr r="0" g="0" b="0"/>
+      </a:effectRef>
+      <a:fontRef idx="minor"/>
+    </dgm:style>
+  </dgm:styleLbl>
+  <dgm:styleLbl name="solidFgAcc1">
+    <dgm:scene3d>
+      <a:camera prst="orthographicFront"/>
+      <a:lightRig rig="threePt" dir="t"/>
+    </dgm:scene3d>
+    <dgm:sp3d/>
+    <dgm:txPr/>
+    <dgm:style>
+      <a:lnRef idx="1">
+        <a:scrgbClr r="0" g="0" b="0"/>
+      </a:lnRef>
+      <a:fillRef idx="1">
+        <a:scrgbClr r="0" g="0" b="0"/>
+      </a:fillRef>
+      <a:effectRef idx="0">
+        <a:scrgbClr r="0" g="0" b="0"/>
+      </a:effectRef>
+      <a:fontRef idx="minor"/>
+    </dgm:style>
+  </dgm:styleLbl>
+  <dgm:styleLbl name="solidAlignAcc1">
+    <dgm:scene3d>
+      <a:camera prst="orthographicFront"/>
+      <a:lightRig rig="threePt" dir="t"/>
+    </dgm:scene3d>
+    <dgm:sp3d/>
+    <dgm:txPr/>
+    <dgm:style>
+      <a:lnRef idx="1">
+        <a:scrgbClr r="0" g="0" b="0"/>
+      </a:lnRef>
+      <a:fillRef idx="1">
+        <a:scrgbClr r="0" g="0" b="0"/>
+      </a:fillRef>
+      <a:effectRef idx="0">
+        <a:scrgbClr r="0" g="0" b="0"/>
+      </a:effectRef>
+      <a:fontRef idx="minor"/>
+    </dgm:style>
+  </dgm:styleLbl>
+  <dgm:styleLbl name="solidBgAcc1">
+    <dgm:scene3d>
+      <a:camera prst="orthographicFront"/>
+      <a:lightRig rig="threePt" dir="t"/>
+    </dgm:scene3d>
+    <dgm:sp3d/>
+    <dgm:txPr/>
+    <dgm:style>
+      <a:lnRef idx="1">
+        <a:scrgbClr r="0" g="0" b="0"/>
+      </a:lnRef>
+      <a:fillRef idx="1">
+        <a:scrgbClr r="0" g="0" b="0"/>
+      </a:fillRef>
+      <a:effectRef idx="0">
+        <a:scrgbClr r="0" g="0" b="0"/>
+      </a:effectRef>
+      <a:fontRef idx="minor"/>
+    </dgm:style>
+  </dgm:styleLbl>
+  <dgm:styleLbl name="fgAccFollowNode1">
+    <dgm:scene3d>
+      <a:camera prst="orthographicFront"/>
+      <a:lightRig rig="threePt" dir="t"/>
+    </dgm:scene3d>
+    <dgm:sp3d/>
+    <dgm:txPr/>
+    <dgm:style>
+      <a:lnRef idx="1">
+        <a:scrgbClr r="0" g="0" b="0"/>
+      </a:lnRef>
+      <a:fillRef idx="1">
+        <a:scrgbClr r="0" g="0" b="0"/>
+      </a:fillRef>
+      <a:effectRef idx="0">
+        <a:scrgbClr r="0" g="0" b="0"/>
+      </a:effectRef>
+      <a:fontRef idx="minor"/>
+    </dgm:style>
+  </dgm:styleLbl>
+  <dgm:styleLbl name="alignAccFollowNode1">
+    <dgm:scene3d>
+      <a:camera prst="orthographicFront"/>
+      <a:lightRig rig="threePt" dir="t"/>
+    </dgm:scene3d>
+    <dgm:sp3d/>
+    <dgm:txPr/>
+    <dgm:style>
+      <a:lnRef idx="1">
+        <a:scrgbClr r="0" g="0" b="0"/>
+      </a:lnRef>
+      <a:fillRef idx="1">
+        <a:scrgbClr r="0" g="0" b="0"/>
+      </a:fillRef>
+      <a:effectRef idx="0">
+        <a:scrgbClr r="0" g="0" b="0"/>
+      </a:effectRef>
+      <a:fontRef idx="minor"/>
+    </dgm:style>
+  </dgm:styleLbl>
+  <dgm:styleLbl name="bgAccFollowNode1">
+    <dgm:scene3d>
+      <a:camera prst="orthographicFront"/>
+      <a:lightRig rig="threePt" dir="t"/>
+    </dgm:scene3d>
+    <dgm:sp3d/>
+    <dgm:txPr/>
+    <dgm:style>
+      <a:lnRef idx="1">
+        <a:scrgbClr r="0" g="0" b="0"/>
+      </a:lnRef>
+      <a:fillRef idx="1">
+        <a:scrgbClr r="0" g="0" b="0"/>
+      </a:fillRef>
+      <a:effectRef idx="0">
+        <a:scrgbClr r="0" g="0" b="0"/>
+      </a:effectRef>
+      <a:fontRef idx="minor"/>
+    </dgm:style>
+  </dgm:styleLbl>
+  <dgm:styleLbl name="fgAcc0">
+    <dgm:scene3d>
+      <a:camera prst="orthographicFront"/>
+      <a:lightRig rig="threePt" dir="t"/>
+    </dgm:scene3d>
+    <dgm:sp3d/>
+    <dgm:txPr/>
+    <dgm:style>
+      <a:lnRef idx="1">
+        <a:scrgbClr r="0" g="0" b="0"/>
+      </a:lnRef>
+      <a:fillRef idx="1">
+        <a:scrgbClr r="0" g="0" b="0"/>
+      </a:fillRef>
+      <a:effectRef idx="0">
+        <a:scrgbClr r="0" g="0" b="0"/>
+      </a:effectRef>
+      <a:fontRef idx="minor"/>
+    </dgm:style>
+  </dgm:styleLbl>
+  <dgm:styleLbl name="fgAcc2">
+    <dgm:scene3d>
+      <a:camera prst="orthographicFront"/>
+      <a:lightRig rig="threePt" dir="t"/>
+    </dgm:scene3d>
+    <dgm:sp3d/>
+    <dgm:txPr/>
+    <dgm:style>
+      <a:lnRef idx="1">
+        <a:scrgbClr r="0" g="0" b="0"/>
+      </a:lnRef>
+      <a:fillRef idx="1">
+        <a:scrgbClr r="0" g="0" b="0"/>
+      </a:fillRef>
+      <a:effectRef idx="0">
+        <a:scrgbClr r="0" g="0" b="0"/>
+      </a:effectRef>
+      <a:fontRef idx="minor"/>
+    </dgm:style>
+  </dgm:styleLbl>
+  <dgm:styleLbl name="fgAcc3">
+    <dgm:scene3d>
+      <a:camera prst="orthographicFront"/>
+      <a:lightRig rig="threePt" dir="t"/>
+    </dgm:scene3d>
+    <dgm:sp3d/>
+    <dgm:txPr/>
+    <dgm:style>
+      <a:lnRef idx="1">
+        <a:scrgbClr r="0" g="0" b="0"/>
+      </a:lnRef>
+      <a:fillRef idx="1">
+        <a:scrgbClr r="0" g="0" b="0"/>
+      </a:fillRef>
+      <a:effectRef idx="0">
+        <a:scrgbClr r="0" g="0" b="0"/>
+      </a:effectRef>
+      <a:fontRef idx="minor"/>
+    </dgm:style>
+  </dgm:styleLbl>
+  <dgm:styleLbl name="fgAcc4">
+    <dgm:scene3d>
+      <a:camera prst="orthographicFront"/>
+      <a:lightRig rig="threePt" dir="t"/>
+    </dgm:scene3d>
+    <dgm:sp3d/>
+    <dgm:txPr/>
+    <dgm:style>
+      <a:lnRef idx="1">
+        <a:scrgbClr r="0" g="0" b="0"/>
+      </a:lnRef>
+      <a:fillRef idx="1">
+        <a:scrgbClr r="0" g="0" b="0"/>
+      </a:fillRef>
+      <a:effectRef idx="0">
+        <a:scrgbClr r="0" g="0" b="0"/>
+      </a:effectRef>
+      <a:fontRef idx="minor"/>
+    </dgm:style>
+  </dgm:styleLbl>
+  <dgm:styleLbl name="bgShp">
+    <dgm:scene3d>
+      <a:camera prst="orthographicFront"/>
+      <a:lightRig rig="threePt" dir="t"/>
+    </dgm:scene3d>
+    <dgm:sp3d/>
+    <dgm:txPr/>
+    <dgm:style>
+      <a:lnRef idx="0">
+        <a:scrgbClr r="0" g="0" b="0"/>
+      </a:lnRef>
+      <a:fillRef idx="1">
+        <a:scrgbClr r="0" g="0" b="0"/>
+      </a:fillRef>
+      <a:effectRef idx="2">
+        <a:scrgbClr r="0" g="0" b="0"/>
+      </a:effectRef>
+      <a:fontRef idx="minor"/>
+    </dgm:style>
+  </dgm:styleLbl>
+  <dgm:styleLbl name="dkBgShp">
+    <dgm:scene3d>
+      <a:camera prst="orthographicFront"/>
+      <a:lightRig rig="threePt" dir="t"/>
+    </dgm:scene3d>
+    <dgm:sp3d/>
+    <dgm:txPr/>
+    <dgm:style>
+      <a:lnRef idx="0">
+        <a:scrgbClr r="0" g="0" b="0"/>
+      </a:lnRef>
+      <a:fillRef idx="1">
+        <a:scrgbClr r="0" g="0" b="0"/>
+      </a:fillRef>
+      <a:effectRef idx="2">
+        <a:scrgbClr r="0" g="0" b="0"/>
+      </a:effectRef>
+      <a:fontRef idx="minor"/>
+    </dgm:style>
+  </dgm:styleLbl>
+  <dgm:styleLbl name="trBgShp">
+    <dgm:scene3d>
+      <a:camera prst="orthographicFront"/>
+      <a:lightRig rig="threePt" dir="t"/>
+    </dgm:scene3d>
+    <dgm:sp3d/>
+    <dgm:txPr/>
+    <dgm:style>
+      <a:lnRef idx="0">
+        <a:scrgbClr r="0" g="0" b="0"/>
+      </a:lnRef>
+      <a:fillRef idx="1">
+        <a:scrgbClr r="0" g="0" b="0"/>
+      </a:fillRef>
+      <a:effectRef idx="0">
+        <a:scrgbClr r="0" g="0" b="0"/>
+      </a:effectRef>
+      <a:fontRef idx="minor"/>
+    </dgm:style>
+  </dgm:styleLbl>
+  <dgm:styleLbl name="fgShp">
+    <dgm:scene3d>
+      <a:camera prst="orthographicFront"/>
+      <a:lightRig rig="threePt" dir="t"/>
+    </dgm:scene3d>
+    <dgm:sp3d/>
+    <dgm:txPr/>
+    <dgm:style>
+      <a:lnRef idx="0">
+        <a:scrgbClr r="0" g="0" b="0"/>
+      </a:lnRef>
+      <a:fillRef idx="3">
+        <a:scrgbClr r="0" g="0" b="0"/>
+      </a:fillRef>
+      <a:effectRef idx="2">
+        <a:scrgbClr r="0" g="0" b="0"/>
+      </a:effectRef>
+      <a:fontRef idx="minor"/>
+    </dgm:style>
+  </dgm:styleLbl>
+  <dgm:styleLbl name="revTx">
+    <dgm:scene3d>
+      <a:camera prst="orthographicFront"/>
+      <a:lightRig rig="threePt" dir="t"/>
+    </dgm:scene3d>
+    <dgm:sp3d/>
+    <dgm:txPr/>
+    <dgm:style>
+      <a:lnRef idx="0">
+        <a:scrgbClr r="0" g="0" b="0"/>
+      </a:lnRef>
+      <a:fillRef idx="0">
+        <a:scrgbClr r="0" g="0" b="0"/>
+      </a:fillRef>
+      <a:effectRef idx="0">
+        <a:scrgbClr r="0" g="0" b="0"/>
+      </a:effectRef>
+      <a:fontRef idx="minor"/>
+    </dgm:style>
+  </dgm:styleLbl>
+</dgm:styleDef>
+</file>
+
 <file path=ppt/notesMasters/notesMaster1.xml><?xml version="1.0" encoding="utf-8"?>
 <p:notesMaster xmlns:a="http://schemas.openxmlformats.org/drawingml/2006/main" xmlns:r="http://schemas.openxmlformats.org/officeDocument/2006/relationships" xmlns:p="http://schemas.openxmlformats.org/presentationml/2006/main">
   <p:cSld>
@@ -222,7 +4306,7 @@
           <a:p>
             <a:fld id="{F47BD92E-FF1D-6A4E-BE14-EDEAC00E0CAA}" type="datetimeFigureOut">
               <a:rPr lang="en-US" smtClean="0"/>
-              <a:t>11/2/18</a:t>
+              <a:t>11/3/18</a:t>
             </a:fld>
             <a:endParaRPr lang="en-US"/>
           </a:p>
@@ -555,7 +4639,7 @@
           <a:p>
             <a:fld id="{B0EC7914-C99C-EC47-BACB-EACC7A5FFFA3}" type="slidenum">
               <a:rPr lang="en-US" smtClean="0"/>
-              <a:t>3</a:t>
+              <a:t>2</a:t>
             </a:fld>
             <a:endParaRPr lang="en-US"/>
           </a:p>
@@ -661,7 +4745,7 @@
           <a:p>
             <a:fld id="{B0EC7914-C99C-EC47-BACB-EACC7A5FFFA3}" type="slidenum">
               <a:rPr lang="en-US" smtClean="0"/>
-              <a:t>5</a:t>
+              <a:t>4</a:t>
             </a:fld>
             <a:endParaRPr lang="en-US"/>
           </a:p>
@@ -670,7 +4754,7 @@
     </p:spTree>
     <p:extLst>
       <p:ext uri="{BB962C8B-B14F-4D97-AF65-F5344CB8AC3E}">
-        <p14:creationId xmlns:p14="http://schemas.microsoft.com/office/powerpoint/2010/main" val="940924563"/>
+        <p14:creationId xmlns:p14="http://schemas.microsoft.com/office/powerpoint/2010/main" val="2050549864"/>
       </p:ext>
     </p:extLst>
   </p:cSld>
@@ -753,7 +4837,7 @@
           <a:p>
             <a:fld id="{B0EC7914-C99C-EC47-BACB-EACC7A5FFFA3}" type="slidenum">
               <a:rPr lang="en-US" smtClean="0"/>
-              <a:t>6</a:t>
+              <a:t>5</a:t>
             </a:fld>
             <a:endParaRPr lang="en-US"/>
           </a:p>
@@ -762,7 +4846,7 @@
     </p:spTree>
     <p:extLst>
       <p:ext uri="{BB962C8B-B14F-4D97-AF65-F5344CB8AC3E}">
-        <p14:creationId xmlns:p14="http://schemas.microsoft.com/office/powerpoint/2010/main" val="2447390117"/>
+        <p14:creationId xmlns:p14="http://schemas.microsoft.com/office/powerpoint/2010/main" val="1262356065"/>
       </p:ext>
     </p:extLst>
   </p:cSld>
@@ -817,12 +4901,32 @@
           <a:lstStyle/>
           <a:p>
             <a:r>
+              <a:rPr lang="en-US" baseline="0" dirty="0" smtClean="0"/>
+              <a:t>Design decisions </a:t>
+            </a:r>
+            <a:r>
+              <a:rPr lang="mr-IN" baseline="0" dirty="0" smtClean="0"/>
+              <a:t>–</a:t>
+            </a:r>
+            <a:r>
+              <a:rPr lang="en-US" baseline="0" dirty="0" smtClean="0"/>
+              <a:t> flashing ghosts, blinking dots, </a:t>
+            </a:r>
+            <a:r>
+              <a:rPr lang="en-US" baseline="0" dirty="0" err="1" smtClean="0"/>
+              <a:t>pacman</a:t>
+            </a:r>
+            <a:r>
+              <a:rPr lang="en-US" baseline="0" dirty="0" smtClean="0"/>
+              <a:t> animation do not affect game so are handled only in view. </a:t>
+            </a:r>
+            <a:r>
               <a:rPr lang="en-US" dirty="0" smtClean="0"/>
-              <a:t>What each request</a:t>
+              <a:t>Talk about how we are drawing different</a:t>
             </a:r>
             <a:r>
               <a:rPr lang="en-US" baseline="0" dirty="0" smtClean="0"/>
-              <a:t> does</a:t>
+              <a:t> game objects. When to call each request</a:t>
             </a:r>
             <a:endParaRPr lang="en-US" dirty="0"/>
           </a:p>
@@ -845,7 +4949,7 @@
           <a:p>
             <a:fld id="{B0EC7914-C99C-EC47-BACB-EACC7A5FFFA3}" type="slidenum">
               <a:rPr lang="en-US" smtClean="0"/>
-              <a:t>7</a:t>
+              <a:t>14</a:t>
             </a:fld>
             <a:endParaRPr lang="en-US"/>
           </a:p>
@@ -854,7 +4958,7 @@
     </p:spTree>
     <p:extLst>
       <p:ext uri="{BB962C8B-B14F-4D97-AF65-F5344CB8AC3E}">
-        <p14:creationId xmlns:p14="http://schemas.microsoft.com/office/powerpoint/2010/main" val="3369376564"/>
+        <p14:creationId xmlns:p14="http://schemas.microsoft.com/office/powerpoint/2010/main" val="824070473"/>
       </p:ext>
     </p:extLst>
   </p:cSld>
@@ -909,32 +5013,12 @@
           <a:lstStyle/>
           <a:p>
             <a:r>
+              <a:rPr lang="en-US" dirty="0" smtClean="0"/>
+              <a:t>What each request</a:t>
+            </a:r>
+            <a:r>
               <a:rPr lang="en-US" baseline="0" dirty="0" smtClean="0"/>
-              <a:t>Design decisions </a:t>
-            </a:r>
-            <a:r>
-              <a:rPr lang="mr-IN" baseline="0" dirty="0" smtClean="0"/>
-              <a:t>–</a:t>
-            </a:r>
-            <a:r>
-              <a:rPr lang="en-US" baseline="0" dirty="0" smtClean="0"/>
-              <a:t> flashing ghosts, blinking dots, </a:t>
-            </a:r>
-            <a:r>
-              <a:rPr lang="en-US" baseline="0" dirty="0" err="1" smtClean="0"/>
-              <a:t>pacman</a:t>
-            </a:r>
-            <a:r>
-              <a:rPr lang="en-US" baseline="0" dirty="0" smtClean="0"/>
-              <a:t> animation do not affect game so are handled only in view. </a:t>
-            </a:r>
-            <a:r>
-              <a:rPr lang="en-US" dirty="0" smtClean="0"/>
-              <a:t>Talk about how we are drawing different</a:t>
-            </a:r>
-            <a:r>
-              <a:rPr lang="en-US" baseline="0" dirty="0" smtClean="0"/>
-              <a:t> game objects. When to call each request</a:t>
+              <a:t> does</a:t>
             </a:r>
             <a:endParaRPr lang="en-US" dirty="0"/>
           </a:p>
@@ -957,7 +5041,7 @@
           <a:p>
             <a:fld id="{B0EC7914-C99C-EC47-BACB-EACC7A5FFFA3}" type="slidenum">
               <a:rPr lang="en-US" smtClean="0"/>
-              <a:t>8</a:t>
+              <a:t>15</a:t>
             </a:fld>
             <a:endParaRPr lang="en-US"/>
           </a:p>
@@ -966,7 +5050,7 @@
     </p:spTree>
     <p:extLst>
       <p:ext uri="{BB962C8B-B14F-4D97-AF65-F5344CB8AC3E}">
-        <p14:creationId xmlns:p14="http://schemas.microsoft.com/office/powerpoint/2010/main" val="824070473"/>
+        <p14:creationId xmlns:p14="http://schemas.microsoft.com/office/powerpoint/2010/main" val="3369376564"/>
       </p:ext>
     </p:extLst>
   </p:cSld>
@@ -1045,7 +5129,7 @@
           <a:p>
             <a:fld id="{B0EC7914-C99C-EC47-BACB-EACC7A5FFFA3}" type="slidenum">
               <a:rPr lang="en-US" smtClean="0"/>
-              <a:t>14</a:t>
+              <a:t>19</a:t>
             </a:fld>
             <a:endParaRPr lang="en-US"/>
           </a:p>
@@ -1161,7 +5245,7 @@
           <a:p>
             <a:fld id="{B0EC7914-C99C-EC47-BACB-EACC7A5FFFA3}" type="slidenum">
               <a:rPr lang="en-US" smtClean="0"/>
-              <a:t>15</a:t>
+              <a:t>20</a:t>
             </a:fld>
             <a:endParaRPr lang="en-US"/>
           </a:p>
@@ -1361,7 +5445,7 @@
           <a:p>
             <a:fld id="{E2016EA5-1104-9947-BC32-BE5ED901B257}" type="datetimeFigureOut">
               <a:rPr lang="en-US" smtClean="0"/>
-              <a:t>11/2/18</a:t>
+              <a:t>11/3/18</a:t>
             </a:fld>
             <a:endParaRPr lang="en-US"/>
           </a:p>
@@ -1531,7 +5615,7 @@
           <a:p>
             <a:fld id="{E2016EA5-1104-9947-BC32-BE5ED901B257}" type="datetimeFigureOut">
               <a:rPr lang="en-US" smtClean="0"/>
-              <a:t>11/2/18</a:t>
+              <a:t>11/3/18</a:t>
             </a:fld>
             <a:endParaRPr lang="en-US"/>
           </a:p>
@@ -1711,7 +5795,7 @@
           <a:p>
             <a:fld id="{E2016EA5-1104-9947-BC32-BE5ED901B257}" type="datetimeFigureOut">
               <a:rPr lang="en-US" smtClean="0"/>
-              <a:t>11/2/18</a:t>
+              <a:t>11/3/18</a:t>
             </a:fld>
             <a:endParaRPr lang="en-US"/>
           </a:p>
@@ -1881,7 +5965,7 @@
           <a:p>
             <a:fld id="{E2016EA5-1104-9947-BC32-BE5ED901B257}" type="datetimeFigureOut">
               <a:rPr lang="en-US" smtClean="0"/>
-              <a:t>11/2/18</a:t>
+              <a:t>11/3/18</a:t>
             </a:fld>
             <a:endParaRPr lang="en-US"/>
           </a:p>
@@ -2127,7 +6211,7 @@
           <a:p>
             <a:fld id="{E2016EA5-1104-9947-BC32-BE5ED901B257}" type="datetimeFigureOut">
               <a:rPr lang="en-US" smtClean="0"/>
-              <a:t>11/2/18</a:t>
+              <a:t>11/3/18</a:t>
             </a:fld>
             <a:endParaRPr lang="en-US"/>
           </a:p>
@@ -2415,7 +6499,7 @@
           <a:p>
             <a:fld id="{E2016EA5-1104-9947-BC32-BE5ED901B257}" type="datetimeFigureOut">
               <a:rPr lang="en-US" smtClean="0"/>
-              <a:t>11/2/18</a:t>
+              <a:t>11/3/18</a:t>
             </a:fld>
             <a:endParaRPr lang="en-US"/>
           </a:p>
@@ -2837,7 +6921,7 @@
           <a:p>
             <a:fld id="{E2016EA5-1104-9947-BC32-BE5ED901B257}" type="datetimeFigureOut">
               <a:rPr lang="en-US" smtClean="0"/>
-              <a:t>11/2/18</a:t>
+              <a:t>11/3/18</a:t>
             </a:fld>
             <a:endParaRPr lang="en-US"/>
           </a:p>
@@ -2955,7 +7039,7 @@
           <a:p>
             <a:fld id="{E2016EA5-1104-9947-BC32-BE5ED901B257}" type="datetimeFigureOut">
               <a:rPr lang="en-US" smtClean="0"/>
-              <a:t>11/2/18</a:t>
+              <a:t>11/3/18</a:t>
             </a:fld>
             <a:endParaRPr lang="en-US"/>
           </a:p>
@@ -3050,7 +7134,7 @@
           <a:p>
             <a:fld id="{E2016EA5-1104-9947-BC32-BE5ED901B257}" type="datetimeFigureOut">
               <a:rPr lang="en-US" smtClean="0"/>
-              <a:t>11/2/18</a:t>
+              <a:t>11/3/18</a:t>
             </a:fld>
             <a:endParaRPr lang="en-US"/>
           </a:p>
@@ -3327,7 +7411,7 @@
           <a:p>
             <a:fld id="{E2016EA5-1104-9947-BC32-BE5ED901B257}" type="datetimeFigureOut">
               <a:rPr lang="en-US" smtClean="0"/>
-              <a:t>11/2/18</a:t>
+              <a:t>11/3/18</a:t>
             </a:fld>
             <a:endParaRPr lang="en-US"/>
           </a:p>
@@ -3580,7 +7664,7 @@
           <a:p>
             <a:fld id="{E2016EA5-1104-9947-BC32-BE5ED901B257}" type="datetimeFigureOut">
               <a:rPr lang="en-US" smtClean="0"/>
-              <a:t>11/2/18</a:t>
+              <a:t>11/3/18</a:t>
             </a:fld>
             <a:endParaRPr lang="en-US"/>
           </a:p>
@@ -3793,7 +7877,7 @@
           <a:p>
             <a:fld id="{E2016EA5-1104-9947-BC32-BE5ED901B257}" type="datetimeFigureOut">
               <a:rPr lang="en-US" smtClean="0"/>
-              <a:t>11/2/18</a:t>
+              <a:t>11/3/18</a:t>
             </a:fld>
             <a:endParaRPr lang="en-US"/>
           </a:p>
@@ -4331,30 +8415,649 @@
             <p:ph type="title"/>
           </p:nvPr>
         </p:nvSpPr>
-        <p:spPr/>
-        <p:txBody>
-          <a:bodyPr/>
-          <a:lstStyle/>
-          <a:p>
+        <p:spPr>
+          <a:xfrm>
+            <a:off x="457200" y="274638"/>
+            <a:ext cx="8229600" cy="781780"/>
+          </a:xfrm>
+        </p:spPr>
+        <p:txBody>
+          <a:bodyPr>
+            <a:normAutofit fontScale="90000"/>
+          </a:bodyPr>
+          <a:lstStyle/>
+          <a:p>
+            <a:r>
+              <a:rPr lang="en-US" altLang="zh-CN" dirty="0" smtClean="0"/>
+              <a:t>Remaining</a:t>
+            </a:r>
+            <a:r>
+              <a:rPr lang="zh-CN" altLang="en-US" dirty="0" smtClean="0"/>
+              <a:t> </a:t>
+            </a:r>
+            <a:r>
+              <a:rPr lang="en-US" altLang="zh-CN" dirty="0" smtClean="0"/>
+              <a:t>Objects/</a:t>
+            </a:r>
+            <a:r>
+              <a:rPr lang="en-US" altLang="zh-CN" dirty="0" err="1" smtClean="0"/>
+              <a:t>DispatchAdapter</a:t>
+            </a:r>
+            <a:endParaRPr lang="en-US" dirty="0"/>
+          </a:p>
+        </p:txBody>
+      </p:sp>
+      <p:sp>
+        <p:nvSpPr>
+          <p:cNvPr id="4" name="Rectangle 3"/>
+          <p:cNvSpPr/>
+          <p:nvPr/>
+        </p:nvSpPr>
+        <p:spPr>
+          <a:xfrm>
+            <a:off x="457200" y="1417638"/>
+            <a:ext cx="1183710" cy="1237880"/>
+          </a:xfrm>
+          <a:prstGeom prst="rect">
+            <a:avLst/>
+          </a:prstGeom>
+        </p:spPr>
+        <p:style>
+          <a:lnRef idx="1">
+            <a:schemeClr val="accent1"/>
+          </a:lnRef>
+          <a:fillRef idx="3">
+            <a:schemeClr val="accent1"/>
+          </a:fillRef>
+          <a:effectRef idx="2">
+            <a:schemeClr val="accent1"/>
+          </a:effectRef>
+          <a:fontRef idx="minor">
+            <a:schemeClr val="lt1"/>
+          </a:fontRef>
+        </p:style>
+        <p:txBody>
+          <a:bodyPr rtlCol="0" anchor="ctr"/>
+          <a:lstStyle/>
+          <a:p>
+            <a:pPr algn="ctr"/>
+            <a:r>
+              <a:rPr lang="en-US" altLang="zh-CN" dirty="0" smtClean="0"/>
+              <a:t>Fruit</a:t>
+            </a:r>
+            <a:endParaRPr lang="en-US" dirty="0"/>
+          </a:p>
+        </p:txBody>
+      </p:sp>
+      <p:sp>
+        <p:nvSpPr>
+          <p:cNvPr id="5" name="Round Single Corner Rectangle 4"/>
+          <p:cNvSpPr/>
+          <p:nvPr/>
+        </p:nvSpPr>
+        <p:spPr>
+          <a:xfrm>
+            <a:off x="2279737" y="1315233"/>
+            <a:ext cx="1615858" cy="613775"/>
+          </a:xfrm>
+          <a:prstGeom prst="round1Rect">
+            <a:avLst/>
+          </a:prstGeom>
+        </p:spPr>
+        <p:style>
+          <a:lnRef idx="1">
+            <a:schemeClr val="accent1"/>
+          </a:lnRef>
+          <a:fillRef idx="3">
+            <a:schemeClr val="accent1"/>
+          </a:fillRef>
+          <a:effectRef idx="2">
+            <a:schemeClr val="accent1"/>
+          </a:effectRef>
+          <a:fontRef idx="minor">
+            <a:schemeClr val="lt1"/>
+          </a:fontRef>
+        </p:style>
+        <p:txBody>
+          <a:bodyPr rtlCol="0" anchor="ctr"/>
+          <a:lstStyle/>
+          <a:p>
+            <a:pPr algn="ctr"/>
+            <a:r>
+              <a:rPr lang="en-US" altLang="zh-CN" smtClean="0"/>
+              <a:t>fruitTimer</a:t>
+            </a:r>
+            <a:endParaRPr lang="en-US" dirty="0"/>
+          </a:p>
+        </p:txBody>
+      </p:sp>
+      <p:sp>
+        <p:nvSpPr>
+          <p:cNvPr id="6" name="Round Single Corner Rectangle 5"/>
+          <p:cNvSpPr/>
+          <p:nvPr/>
+        </p:nvSpPr>
+        <p:spPr>
+          <a:xfrm>
+            <a:off x="2279737" y="2295395"/>
+            <a:ext cx="1615858" cy="613775"/>
+          </a:xfrm>
+          <a:prstGeom prst="round1Rect">
+            <a:avLst/>
+          </a:prstGeom>
+        </p:spPr>
+        <p:style>
+          <a:lnRef idx="1">
+            <a:schemeClr val="accent1"/>
+          </a:lnRef>
+          <a:fillRef idx="3">
+            <a:schemeClr val="accent1"/>
+          </a:fillRef>
+          <a:effectRef idx="2">
+            <a:schemeClr val="accent1"/>
+          </a:effectRef>
+          <a:fontRef idx="minor">
+            <a:schemeClr val="lt1"/>
+          </a:fontRef>
+        </p:style>
+        <p:txBody>
+          <a:bodyPr rtlCol="0" anchor="ctr"/>
+          <a:lstStyle/>
+          <a:p>
+            <a:pPr algn="ctr"/>
+            <a:r>
+              <a:rPr lang="en-US" altLang="zh-CN" dirty="0" err="1" smtClean="0"/>
+              <a:t>emptyPosList</a:t>
+            </a:r>
+            <a:endParaRPr lang="en-US" dirty="0"/>
+          </a:p>
+        </p:txBody>
+      </p:sp>
+      <p:sp>
+        <p:nvSpPr>
+          <p:cNvPr id="7" name="Rectangle 6"/>
+          <p:cNvSpPr/>
+          <p:nvPr/>
+        </p:nvSpPr>
+        <p:spPr>
+          <a:xfrm>
+            <a:off x="5231704" y="1417638"/>
+            <a:ext cx="1183710" cy="1237880"/>
+          </a:xfrm>
+          <a:prstGeom prst="rect">
+            <a:avLst/>
+          </a:prstGeom>
+        </p:spPr>
+        <p:style>
+          <a:lnRef idx="1">
+            <a:schemeClr val="accent1"/>
+          </a:lnRef>
+          <a:fillRef idx="3">
+            <a:schemeClr val="accent1"/>
+          </a:fillRef>
+          <a:effectRef idx="2">
+            <a:schemeClr val="accent1"/>
+          </a:effectRef>
+          <a:fontRef idx="minor">
+            <a:schemeClr val="lt1"/>
+          </a:fontRef>
+        </p:style>
+        <p:txBody>
+          <a:bodyPr rtlCol="0" anchor="ctr"/>
+          <a:lstStyle/>
+          <a:p>
+            <a:pPr algn="ctr"/>
+            <a:r>
+              <a:rPr lang="en-US" altLang="zh-CN" dirty="0" smtClean="0"/>
+              <a:t>Exit</a:t>
+            </a:r>
+            <a:endParaRPr lang="en-US" dirty="0"/>
+          </a:p>
+        </p:txBody>
+      </p:sp>
+      <p:sp>
+        <p:nvSpPr>
+          <p:cNvPr id="8" name="Rectangle 7"/>
+          <p:cNvSpPr/>
+          <p:nvPr/>
+        </p:nvSpPr>
+        <p:spPr>
+          <a:xfrm>
+            <a:off x="7252570" y="1698375"/>
+            <a:ext cx="1252603" cy="676405"/>
+          </a:xfrm>
+          <a:prstGeom prst="rect">
+            <a:avLst/>
+          </a:prstGeom>
+        </p:spPr>
+        <p:style>
+          <a:lnRef idx="1">
+            <a:schemeClr val="accent1"/>
+          </a:lnRef>
+          <a:fillRef idx="3">
+            <a:schemeClr val="accent1"/>
+          </a:fillRef>
+          <a:effectRef idx="2">
+            <a:schemeClr val="accent1"/>
+          </a:effectRef>
+          <a:fontRef idx="minor">
+            <a:schemeClr val="lt1"/>
+          </a:fontRef>
+        </p:style>
+        <p:txBody>
+          <a:bodyPr rtlCol="0" anchor="ctr"/>
+          <a:lstStyle/>
+          <a:p>
+            <a:pPr algn="ctr"/>
+            <a:r>
+              <a:rPr lang="en-US" altLang="zh-CN" smtClean="0"/>
+              <a:t>exitTo</a:t>
+            </a:r>
+            <a:endParaRPr lang="en-US" dirty="0"/>
+          </a:p>
+        </p:txBody>
+      </p:sp>
+      <p:sp>
+        <p:nvSpPr>
+          <p:cNvPr id="9" name="Left Brace 8"/>
+          <p:cNvSpPr/>
+          <p:nvPr/>
+        </p:nvSpPr>
+        <p:spPr>
+          <a:xfrm>
+            <a:off x="1640910" y="1727576"/>
+            <a:ext cx="638827" cy="769252"/>
+          </a:xfrm>
+          <a:prstGeom prst="leftBrace">
+            <a:avLst/>
+          </a:prstGeom>
+        </p:spPr>
+        <p:style>
+          <a:lnRef idx="2">
+            <a:schemeClr val="accent1"/>
+          </a:lnRef>
+          <a:fillRef idx="0">
+            <a:schemeClr val="accent1"/>
+          </a:fillRef>
+          <a:effectRef idx="1">
+            <a:schemeClr val="accent1"/>
+          </a:effectRef>
+          <a:fontRef idx="minor">
+            <a:schemeClr val="tx1"/>
+          </a:fontRef>
+        </p:style>
+        <p:txBody>
+          <a:bodyPr rtlCol="0" anchor="ctr"/>
+          <a:lstStyle/>
+          <a:p>
+            <a:pPr algn="ctr"/>
             <a:endParaRPr lang="en-US"/>
           </a:p>
         </p:txBody>
       </p:sp>
       <p:sp>
         <p:nvSpPr>
-          <p:cNvPr id="3" name="Content Placeholder 2"/>
-          <p:cNvSpPr>
-            <a:spLocks noGrp="1"/>
-          </p:cNvSpPr>
-          <p:nvPr>
-            <p:ph idx="1"/>
-          </p:nvPr>
-        </p:nvSpPr>
-        <p:spPr/>
-        <p:txBody>
-          <a:bodyPr/>
-          <a:lstStyle/>
-          <a:p>
+          <p:cNvPr id="10" name="Right Arrow 9"/>
+          <p:cNvSpPr/>
+          <p:nvPr/>
+        </p:nvSpPr>
+        <p:spPr>
+          <a:xfrm>
+            <a:off x="6415414" y="1929008"/>
+            <a:ext cx="837156" cy="275573"/>
+          </a:xfrm>
+          <a:prstGeom prst="rightArrow">
+            <a:avLst/>
+          </a:prstGeom>
+        </p:spPr>
+        <p:style>
+          <a:lnRef idx="1">
+            <a:schemeClr val="accent1"/>
+          </a:lnRef>
+          <a:fillRef idx="3">
+            <a:schemeClr val="accent1"/>
+          </a:fillRef>
+          <a:effectRef idx="2">
+            <a:schemeClr val="accent1"/>
+          </a:effectRef>
+          <a:fontRef idx="minor">
+            <a:schemeClr val="lt1"/>
+          </a:fontRef>
+        </p:style>
+        <p:txBody>
+          <a:bodyPr rtlCol="0" anchor="ctr"/>
+          <a:lstStyle/>
+          <a:p>
+            <a:pPr algn="ctr"/>
+            <a:endParaRPr lang="en-US"/>
+          </a:p>
+        </p:txBody>
+      </p:sp>
+      <p:sp>
+        <p:nvSpPr>
+          <p:cNvPr id="11" name="Rectangle 10"/>
+          <p:cNvSpPr/>
+          <p:nvPr/>
+        </p:nvSpPr>
+        <p:spPr>
+          <a:xfrm>
+            <a:off x="1540701" y="3429000"/>
+            <a:ext cx="5974915" cy="767219"/>
+          </a:xfrm>
+          <a:prstGeom prst="rect">
+            <a:avLst/>
+          </a:prstGeom>
+        </p:spPr>
+        <p:style>
+          <a:lnRef idx="1">
+            <a:schemeClr val="accent1"/>
+          </a:lnRef>
+          <a:fillRef idx="3">
+            <a:schemeClr val="accent1"/>
+          </a:fillRef>
+          <a:effectRef idx="2">
+            <a:schemeClr val="accent1"/>
+          </a:effectRef>
+          <a:fontRef idx="minor">
+            <a:schemeClr val="lt1"/>
+          </a:fontRef>
+        </p:style>
+        <p:txBody>
+          <a:bodyPr rtlCol="0" anchor="ctr"/>
+          <a:lstStyle/>
+          <a:p>
+            <a:pPr algn="ctr"/>
+            <a:r>
+              <a:rPr lang="en-US" altLang="zh-CN" dirty="0" smtClean="0"/>
+              <a:t>DA</a:t>
+            </a:r>
+            <a:r>
+              <a:rPr lang="zh-CN" altLang="en-US" dirty="0" smtClean="0"/>
+              <a:t> </a:t>
+            </a:r>
+            <a:r>
+              <a:rPr lang="en-US" altLang="zh-CN" dirty="0" err="1" smtClean="0"/>
+              <a:t>updatePacWorld</a:t>
+            </a:r>
+            <a:r>
+              <a:rPr lang="en-US" altLang="zh-CN" dirty="0" smtClean="0"/>
+              <a:t>()</a:t>
+            </a:r>
+            <a:endParaRPr lang="en-US" dirty="0"/>
+          </a:p>
+        </p:txBody>
+      </p:sp>
+      <p:sp>
+        <p:nvSpPr>
+          <p:cNvPr id="12" name="Rectangle 11"/>
+          <p:cNvSpPr/>
+          <p:nvPr/>
+        </p:nvSpPr>
+        <p:spPr>
+          <a:xfrm>
+            <a:off x="1049055" y="4838176"/>
+            <a:ext cx="2085585" cy="1164921"/>
+          </a:xfrm>
+          <a:prstGeom prst="rect">
+            <a:avLst/>
+          </a:prstGeom>
+        </p:spPr>
+        <p:style>
+          <a:lnRef idx="1">
+            <a:schemeClr val="accent1"/>
+          </a:lnRef>
+          <a:fillRef idx="3">
+            <a:schemeClr val="accent1"/>
+          </a:fillRef>
+          <a:effectRef idx="2">
+            <a:schemeClr val="accent1"/>
+          </a:effectRef>
+          <a:fontRef idx="minor">
+            <a:schemeClr val="lt1"/>
+          </a:fontRef>
+        </p:style>
+        <p:txBody>
+          <a:bodyPr rtlCol="0" anchor="ctr"/>
+          <a:lstStyle/>
+          <a:p>
+            <a:pPr algn="ctr"/>
+            <a:r>
+              <a:rPr lang="en-US" altLang="zh-CN" dirty="0" smtClean="0"/>
+              <a:t>Check</a:t>
+            </a:r>
+            <a:r>
+              <a:rPr lang="zh-CN" altLang="en-US" dirty="0" smtClean="0"/>
+              <a:t> </a:t>
+            </a:r>
+            <a:r>
+              <a:rPr lang="en-US" altLang="zh-CN" dirty="0" smtClean="0"/>
+              <a:t>for</a:t>
+            </a:r>
+            <a:r>
+              <a:rPr lang="zh-CN" altLang="en-US" dirty="0" smtClean="0"/>
+              <a:t> </a:t>
+            </a:r>
+            <a:r>
+              <a:rPr lang="en-US" altLang="zh-CN" dirty="0" smtClean="0"/>
+              <a:t>game</a:t>
+            </a:r>
+            <a:r>
+              <a:rPr lang="zh-CN" altLang="en-US" dirty="0" smtClean="0"/>
+              <a:t> </a:t>
+            </a:r>
+            <a:r>
+              <a:rPr lang="en-US" altLang="zh-CN" dirty="0" smtClean="0"/>
+              <a:t>end:</a:t>
+            </a:r>
+          </a:p>
+          <a:p>
+            <a:pPr algn="ctr"/>
+            <a:r>
+              <a:rPr lang="en-US" altLang="zh-CN" dirty="0" smtClean="0"/>
+              <a:t>Lives/</a:t>
+            </a:r>
+            <a:r>
+              <a:rPr lang="en-US" altLang="zh-CN" dirty="0" err="1" smtClean="0"/>
+              <a:t>dotsLeft</a:t>
+            </a:r>
+            <a:endParaRPr lang="en-US" dirty="0"/>
+          </a:p>
+        </p:txBody>
+      </p:sp>
+      <p:sp>
+        <p:nvSpPr>
+          <p:cNvPr id="13" name="Rectangle 12"/>
+          <p:cNvSpPr/>
+          <p:nvPr/>
+        </p:nvSpPr>
+        <p:spPr>
+          <a:xfrm>
+            <a:off x="3804258" y="4838176"/>
+            <a:ext cx="1702497" cy="1164921"/>
+          </a:xfrm>
+          <a:prstGeom prst="rect">
+            <a:avLst/>
+          </a:prstGeom>
+        </p:spPr>
+        <p:style>
+          <a:lnRef idx="1">
+            <a:schemeClr val="accent1"/>
+          </a:lnRef>
+          <a:fillRef idx="3">
+            <a:schemeClr val="accent1"/>
+          </a:fillRef>
+          <a:effectRef idx="2">
+            <a:schemeClr val="accent1"/>
+          </a:effectRef>
+          <a:fontRef idx="minor">
+            <a:schemeClr val="lt1"/>
+          </a:fontRef>
+        </p:style>
+        <p:txBody>
+          <a:bodyPr rtlCol="0" anchor="ctr"/>
+          <a:lstStyle/>
+          <a:p>
+            <a:pPr algn="ctr"/>
+            <a:r>
+              <a:rPr lang="en-US" altLang="zh-CN" smtClean="0"/>
+              <a:t>afraidTimer</a:t>
+            </a:r>
+            <a:endParaRPr lang="en-US" dirty="0"/>
+          </a:p>
+        </p:txBody>
+      </p:sp>
+      <p:sp>
+        <p:nvSpPr>
+          <p:cNvPr id="14" name="Rectangle 13"/>
+          <p:cNvSpPr/>
+          <p:nvPr/>
+        </p:nvSpPr>
+        <p:spPr>
+          <a:xfrm>
+            <a:off x="6176374" y="4838176"/>
+            <a:ext cx="1702497" cy="1164921"/>
+          </a:xfrm>
+          <a:prstGeom prst="rect">
+            <a:avLst/>
+          </a:prstGeom>
+        </p:spPr>
+        <p:style>
+          <a:lnRef idx="1">
+            <a:schemeClr val="accent1"/>
+          </a:lnRef>
+          <a:fillRef idx="3">
+            <a:schemeClr val="accent1"/>
+          </a:fillRef>
+          <a:effectRef idx="2">
+            <a:schemeClr val="accent1"/>
+          </a:effectRef>
+          <a:fontRef idx="minor">
+            <a:schemeClr val="lt1"/>
+          </a:fontRef>
+        </p:style>
+        <p:txBody>
+          <a:bodyPr rtlCol="0" anchor="ctr"/>
+          <a:lstStyle/>
+          <a:p>
+            <a:pPr algn="ctr"/>
+            <a:r>
+              <a:rPr lang="en-US" altLang="zh-CN" dirty="0" err="1" smtClean="0"/>
+              <a:t>fruitTimer</a:t>
+            </a:r>
+            <a:endParaRPr lang="en-US" dirty="0"/>
+          </a:p>
+        </p:txBody>
+      </p:sp>
+      <p:sp>
+        <p:nvSpPr>
+          <p:cNvPr id="15" name="Down Arrow 14"/>
+          <p:cNvSpPr/>
+          <p:nvPr/>
+        </p:nvSpPr>
+        <p:spPr>
+          <a:xfrm>
+            <a:off x="1932140" y="4207565"/>
+            <a:ext cx="319414" cy="641957"/>
+          </a:xfrm>
+          <a:prstGeom prst="downArrow">
+            <a:avLst/>
+          </a:prstGeom>
+        </p:spPr>
+        <p:style>
+          <a:lnRef idx="1">
+            <a:schemeClr val="accent1"/>
+          </a:lnRef>
+          <a:fillRef idx="3">
+            <a:schemeClr val="accent1"/>
+          </a:fillRef>
+          <a:effectRef idx="2">
+            <a:schemeClr val="accent1"/>
+          </a:effectRef>
+          <a:fontRef idx="minor">
+            <a:schemeClr val="lt1"/>
+          </a:fontRef>
+        </p:style>
+        <p:txBody>
+          <a:bodyPr rtlCol="0" anchor="ctr"/>
+          <a:lstStyle/>
+          <a:p>
+            <a:pPr algn="ctr"/>
+            <a:endParaRPr lang="en-US"/>
+          </a:p>
+        </p:txBody>
+      </p:sp>
+      <p:sp>
+        <p:nvSpPr>
+          <p:cNvPr id="16" name="Down Arrow 15"/>
+          <p:cNvSpPr/>
+          <p:nvPr/>
+        </p:nvSpPr>
+        <p:spPr>
+          <a:xfrm>
+            <a:off x="4495799" y="4214212"/>
+            <a:ext cx="319414" cy="641957"/>
+          </a:xfrm>
+          <a:prstGeom prst="downArrow">
+            <a:avLst/>
+          </a:prstGeom>
+        </p:spPr>
+        <p:style>
+          <a:lnRef idx="1">
+            <a:schemeClr val="accent1"/>
+          </a:lnRef>
+          <a:fillRef idx="3">
+            <a:schemeClr val="accent1"/>
+          </a:fillRef>
+          <a:effectRef idx="2">
+            <a:schemeClr val="accent1"/>
+          </a:effectRef>
+          <a:fontRef idx="minor">
+            <a:schemeClr val="lt1"/>
+          </a:fontRef>
+        </p:style>
+        <p:txBody>
+          <a:bodyPr rtlCol="0" anchor="ctr"/>
+          <a:lstStyle/>
+          <a:p>
+            <a:pPr algn="ctr"/>
+            <a:endParaRPr lang="en-US"/>
+          </a:p>
+        </p:txBody>
+      </p:sp>
+      <p:sp>
+        <p:nvSpPr>
+          <p:cNvPr id="17" name="Down Arrow 16"/>
+          <p:cNvSpPr/>
+          <p:nvPr/>
+        </p:nvSpPr>
+        <p:spPr>
+          <a:xfrm>
+            <a:off x="6899751" y="4196219"/>
+            <a:ext cx="319414" cy="641957"/>
+          </a:xfrm>
+          <a:prstGeom prst="downArrow">
+            <a:avLst/>
+          </a:prstGeom>
+        </p:spPr>
+        <p:style>
+          <a:lnRef idx="1">
+            <a:schemeClr val="accent1"/>
+          </a:lnRef>
+          <a:fillRef idx="3">
+            <a:schemeClr val="accent1"/>
+          </a:fillRef>
+          <a:effectRef idx="2">
+            <a:schemeClr val="accent1"/>
+          </a:effectRef>
+          <a:fontRef idx="minor">
+            <a:schemeClr val="lt1"/>
+          </a:fontRef>
+        </p:style>
+        <p:txBody>
+          <a:bodyPr rtlCol="0" anchor="ctr"/>
+          <a:lstStyle/>
+          <a:p>
+            <a:pPr algn="ctr"/>
             <a:endParaRPr lang="en-US"/>
           </a:p>
         </p:txBody>
@@ -4362,7 +9065,7 @@
     </p:spTree>
     <p:extLst>
       <p:ext uri="{BB962C8B-B14F-4D97-AF65-F5344CB8AC3E}">
-        <p14:creationId xmlns:p14="http://schemas.microsoft.com/office/powerpoint/2010/main" val="1654850993"/>
+        <p14:creationId xmlns:p14="http://schemas.microsoft.com/office/powerpoint/2010/main" val="740684689"/>
       </p:ext>
     </p:extLst>
   </p:cSld>
@@ -4406,14 +9109,21 @@
             <p:ph type="title"/>
           </p:nvPr>
         </p:nvSpPr>
-        <p:spPr/>
-        <p:txBody>
-          <a:bodyPr/>
-          <a:lstStyle/>
-          <a:p>
-            <a:r>
-              <a:rPr lang="en-US" dirty="0" smtClean="0"/>
-              <a:t>Use Cases</a:t>
+        <p:spPr>
+          <a:xfrm>
+            <a:off x="457200" y="274638"/>
+            <a:ext cx="8229600" cy="639762"/>
+          </a:xfrm>
+        </p:spPr>
+        <p:txBody>
+          <a:bodyPr>
+            <a:normAutofit fontScale="90000"/>
+          </a:bodyPr>
+          <a:lstStyle/>
+          <a:p>
+            <a:r>
+              <a:rPr lang="en-US" altLang="zh-CN" dirty="0" smtClean="0"/>
+              <a:t>View</a:t>
             </a:r>
             <a:endParaRPr lang="en-US" dirty="0"/>
           </a:p>
@@ -4421,77 +9131,629 @@
       </p:sp>
       <p:sp>
         <p:nvSpPr>
-          <p:cNvPr id="3" name="Content Placeholder 2"/>
-          <p:cNvSpPr>
-            <a:spLocks noGrp="1"/>
-          </p:cNvSpPr>
-          <p:nvPr>
-            <p:ph idx="1"/>
-          </p:nvPr>
-        </p:nvSpPr>
-        <p:spPr/>
-        <p:txBody>
-          <a:bodyPr>
-            <a:normAutofit/>
-          </a:bodyPr>
-          <a:lstStyle/>
-          <a:p>
-            <a:r>
-              <a:rPr lang="en-US" dirty="0" smtClean="0"/>
+          <p:cNvPr id="4" name="Oval 3"/>
+          <p:cNvSpPr/>
+          <p:nvPr/>
+        </p:nvSpPr>
+        <p:spPr>
+          <a:xfrm>
+            <a:off x="3350712" y="3429000"/>
+            <a:ext cx="2442575" cy="1014608"/>
+          </a:xfrm>
+          <a:prstGeom prst="ellipse">
+            <a:avLst/>
+          </a:prstGeom>
+        </p:spPr>
+        <p:style>
+          <a:lnRef idx="1">
+            <a:schemeClr val="accent1"/>
+          </a:lnRef>
+          <a:fillRef idx="3">
+            <a:schemeClr val="accent1"/>
+          </a:fillRef>
+          <a:effectRef idx="2">
+            <a:schemeClr val="accent1"/>
+          </a:effectRef>
+          <a:fontRef idx="minor">
+            <a:schemeClr val="lt1"/>
+          </a:fontRef>
+        </p:style>
+        <p:txBody>
+          <a:bodyPr rtlCol="0" anchor="ctr"/>
+          <a:lstStyle/>
+          <a:p>
+            <a:pPr algn="ctr"/>
+            <a:r>
+              <a:rPr lang="en-US" altLang="zh-CN" dirty="0" err="1" smtClean="0"/>
+              <a:t>FrameCount</a:t>
+            </a:r>
+            <a:endParaRPr lang="en-US" dirty="0"/>
+          </a:p>
+        </p:txBody>
+      </p:sp>
+      <p:sp>
+        <p:nvSpPr>
+          <p:cNvPr id="5" name="Rectangle 4"/>
+          <p:cNvSpPr/>
+          <p:nvPr/>
+        </p:nvSpPr>
+        <p:spPr>
+          <a:xfrm>
+            <a:off x="1503123" y="4878888"/>
+            <a:ext cx="1340285" cy="864295"/>
+          </a:xfrm>
+          <a:prstGeom prst="rect">
+            <a:avLst/>
+          </a:prstGeom>
+        </p:spPr>
+        <p:style>
+          <a:lnRef idx="1">
+            <a:schemeClr val="accent1"/>
+          </a:lnRef>
+          <a:fillRef idx="3">
+            <a:schemeClr val="accent1"/>
+          </a:fillRef>
+          <a:effectRef idx="2">
+            <a:schemeClr val="accent1"/>
+          </a:effectRef>
+          <a:fontRef idx="minor">
+            <a:schemeClr val="lt1"/>
+          </a:fontRef>
+        </p:style>
+        <p:txBody>
+          <a:bodyPr rtlCol="0" anchor="ctr"/>
+          <a:lstStyle/>
+          <a:p>
+            <a:pPr algn="ctr"/>
+            <a:r>
+              <a:rPr lang="en-US" altLang="zh-CN" dirty="0" smtClean="0"/>
               <a:t>Pacman</a:t>
             </a:r>
+            <a:r>
+              <a:rPr lang="zh-CN" altLang="en-US" dirty="0" smtClean="0"/>
+              <a:t> </a:t>
+            </a:r>
+            <a:r>
+              <a:rPr lang="en-US" altLang="zh-CN" dirty="0" smtClean="0"/>
+              <a:t>animation</a:t>
+            </a:r>
             <a:endParaRPr lang="en-US" dirty="0"/>
           </a:p>
-          <a:p>
-            <a:pPr lvl="1" fontAlgn="base"/>
-            <a:r>
-              <a:rPr lang="en-US" dirty="0"/>
-              <a:t>Pacman can move in all directions - can change direction with user input</a:t>
-            </a:r>
-          </a:p>
-          <a:p>
-            <a:pPr lvl="1" fontAlgn="base"/>
-            <a:r>
-              <a:rPr lang="en-US" dirty="0"/>
-              <a:t>Pacman does not go through walls</a:t>
-            </a:r>
-          </a:p>
-          <a:p>
-            <a:pPr lvl="1" fontAlgn="base"/>
-            <a:r>
-              <a:rPr lang="en-US" dirty="0"/>
-              <a:t>Pacman can teleport through </a:t>
-            </a:r>
-            <a:r>
-              <a:rPr lang="en-US" dirty="0" smtClean="0"/>
-              <a:t>exit</a:t>
-            </a:r>
+        </p:txBody>
+      </p:sp>
+      <p:sp>
+        <p:nvSpPr>
+          <p:cNvPr id="6" name="Rectangle 5"/>
+          <p:cNvSpPr/>
+          <p:nvPr/>
+        </p:nvSpPr>
+        <p:spPr>
+          <a:xfrm>
+            <a:off x="3901856" y="4878888"/>
+            <a:ext cx="1340285" cy="864295"/>
+          </a:xfrm>
+          <a:prstGeom prst="rect">
+            <a:avLst/>
+          </a:prstGeom>
+        </p:spPr>
+        <p:style>
+          <a:lnRef idx="1">
+            <a:schemeClr val="accent1"/>
+          </a:lnRef>
+          <a:fillRef idx="3">
+            <a:schemeClr val="accent1"/>
+          </a:fillRef>
+          <a:effectRef idx="2">
+            <a:schemeClr val="accent1"/>
+          </a:effectRef>
+          <a:fontRef idx="minor">
+            <a:schemeClr val="lt1"/>
+          </a:fontRef>
+        </p:style>
+        <p:txBody>
+          <a:bodyPr rtlCol="0" anchor="ctr"/>
+          <a:lstStyle/>
+          <a:p>
+            <a:pPr algn="ctr"/>
             <a:r>
               <a:rPr lang="en-US" altLang="zh-CN" dirty="0" smtClean="0"/>
-              <a:t>s</a:t>
+              <a:t>flashing</a:t>
+            </a:r>
+            <a:r>
+              <a:rPr lang="zh-CN" altLang="en-US" dirty="0" smtClean="0"/>
+              <a:t> </a:t>
+            </a:r>
+            <a:r>
+              <a:rPr lang="en-US" altLang="zh-CN" dirty="0" smtClean="0"/>
+              <a:t>ghost</a:t>
             </a:r>
             <a:endParaRPr lang="en-US" dirty="0"/>
           </a:p>
-          <a:p>
-            <a:pPr lvl="1" fontAlgn="base"/>
-            <a:r>
-              <a:rPr lang="en-US" dirty="0"/>
-              <a:t>Pacman eats food - food is destroyed, update score, ghost strategy</a:t>
-            </a:r>
-          </a:p>
-          <a:p>
-            <a:pPr lvl="1" fontAlgn="base"/>
-            <a:r>
-              <a:rPr lang="en-US" dirty="0"/>
-              <a:t>Pacman eats afraid ghosts</a:t>
-            </a:r>
-          </a:p>
-        </p:txBody>
-      </p:sp>
+        </p:txBody>
+      </p:sp>
+      <p:sp>
+        <p:nvSpPr>
+          <p:cNvPr id="7" name="Rectangle 6"/>
+          <p:cNvSpPr/>
+          <p:nvPr/>
+        </p:nvSpPr>
+        <p:spPr>
+          <a:xfrm>
+            <a:off x="6300589" y="4878888"/>
+            <a:ext cx="1340285" cy="864295"/>
+          </a:xfrm>
+          <a:prstGeom prst="rect">
+            <a:avLst/>
+          </a:prstGeom>
+        </p:spPr>
+        <p:style>
+          <a:lnRef idx="1">
+            <a:schemeClr val="accent1"/>
+          </a:lnRef>
+          <a:fillRef idx="3">
+            <a:schemeClr val="accent1"/>
+          </a:fillRef>
+          <a:effectRef idx="2">
+            <a:schemeClr val="accent1"/>
+          </a:effectRef>
+          <a:fontRef idx="minor">
+            <a:schemeClr val="lt1"/>
+          </a:fontRef>
+        </p:style>
+        <p:txBody>
+          <a:bodyPr rtlCol="0" anchor="ctr"/>
+          <a:lstStyle/>
+          <a:p>
+            <a:pPr algn="ctr"/>
+            <a:r>
+              <a:rPr lang="en-US" altLang="zh-CN" dirty="0" smtClean="0"/>
+              <a:t>Blinding</a:t>
+            </a:r>
+            <a:r>
+              <a:rPr lang="zh-CN" altLang="en-US" dirty="0" smtClean="0"/>
+              <a:t> </a:t>
+            </a:r>
+            <a:r>
+              <a:rPr lang="en-US" altLang="zh-CN" dirty="0" smtClean="0"/>
+              <a:t>dots</a:t>
+            </a:r>
+            <a:endParaRPr lang="en-US" dirty="0"/>
+          </a:p>
+        </p:txBody>
+      </p:sp>
+      <p:sp>
+        <p:nvSpPr>
+          <p:cNvPr id="8" name="Rectangle 7"/>
+          <p:cNvSpPr/>
+          <p:nvPr/>
+        </p:nvSpPr>
+        <p:spPr>
+          <a:xfrm>
+            <a:off x="1503123" y="1202499"/>
+            <a:ext cx="1828800" cy="1365337"/>
+          </a:xfrm>
+          <a:prstGeom prst="rect">
+            <a:avLst/>
+          </a:prstGeom>
+        </p:spPr>
+        <p:style>
+          <a:lnRef idx="1">
+            <a:schemeClr val="accent1"/>
+          </a:lnRef>
+          <a:fillRef idx="3">
+            <a:schemeClr val="accent1"/>
+          </a:fillRef>
+          <a:effectRef idx="2">
+            <a:schemeClr val="accent1"/>
+          </a:effectRef>
+          <a:fontRef idx="minor">
+            <a:schemeClr val="lt1"/>
+          </a:fontRef>
+        </p:style>
+        <p:txBody>
+          <a:bodyPr rtlCol="0" anchor="ctr"/>
+          <a:lstStyle/>
+          <a:p>
+            <a:pPr algn="ctr"/>
+            <a:r>
+              <a:rPr lang="en-US" altLang="zh-CN" dirty="0" smtClean="0"/>
+              <a:t>Update</a:t>
+            </a:r>
+            <a:r>
+              <a:rPr lang="zh-CN" altLang="en-US" dirty="0" smtClean="0"/>
+              <a:t> </a:t>
+            </a:r>
+            <a:r>
+              <a:rPr lang="en-US" altLang="zh-CN" dirty="0" smtClean="0"/>
+              <a:t>Game</a:t>
+            </a:r>
+            <a:endParaRPr lang="en-US" dirty="0"/>
+          </a:p>
+        </p:txBody>
+      </p:sp>
+      <p:sp>
+        <p:nvSpPr>
+          <p:cNvPr id="9" name="Round Single Corner Rectangle 8"/>
+          <p:cNvSpPr/>
+          <p:nvPr/>
+        </p:nvSpPr>
+        <p:spPr>
+          <a:xfrm>
+            <a:off x="3901855" y="1015240"/>
+            <a:ext cx="3876807" cy="413359"/>
+          </a:xfrm>
+          <a:prstGeom prst="round1Rect">
+            <a:avLst/>
+          </a:prstGeom>
+        </p:spPr>
+        <p:style>
+          <a:lnRef idx="1">
+            <a:schemeClr val="accent1"/>
+          </a:lnRef>
+          <a:fillRef idx="3">
+            <a:schemeClr val="accent1"/>
+          </a:fillRef>
+          <a:effectRef idx="2">
+            <a:schemeClr val="accent1"/>
+          </a:effectRef>
+          <a:fontRef idx="minor">
+            <a:schemeClr val="lt1"/>
+          </a:fontRef>
+        </p:style>
+        <p:txBody>
+          <a:bodyPr rtlCol="0" anchor="ctr"/>
+          <a:lstStyle/>
+          <a:p>
+            <a:pPr algn="ctr"/>
+            <a:r>
+              <a:rPr lang="en-US" altLang="zh-CN" dirty="0" smtClean="0"/>
+              <a:t>Draws</a:t>
+            </a:r>
+            <a:r>
+              <a:rPr lang="zh-CN" altLang="en-US" dirty="0" smtClean="0"/>
+              <a:t> </a:t>
+            </a:r>
+            <a:r>
+              <a:rPr lang="en-US" altLang="zh-CN" dirty="0" smtClean="0"/>
+              <a:t>all</a:t>
+            </a:r>
+            <a:r>
+              <a:rPr lang="zh-CN" altLang="en-US" dirty="0" smtClean="0"/>
+              <a:t> </a:t>
+            </a:r>
+            <a:r>
+              <a:rPr lang="en-US" altLang="zh-CN" dirty="0" smtClean="0"/>
+              <a:t>objects</a:t>
+            </a:r>
+            <a:endParaRPr lang="en-US" dirty="0"/>
+          </a:p>
+        </p:txBody>
+      </p:sp>
+      <p:sp>
+        <p:nvSpPr>
+          <p:cNvPr id="10" name="Round Single Corner Rectangle 9"/>
+          <p:cNvSpPr/>
+          <p:nvPr/>
+        </p:nvSpPr>
+        <p:spPr>
+          <a:xfrm>
+            <a:off x="3920642" y="2361156"/>
+            <a:ext cx="3876807" cy="413359"/>
+          </a:xfrm>
+          <a:prstGeom prst="round1Rect">
+            <a:avLst/>
+          </a:prstGeom>
+        </p:spPr>
+        <p:style>
+          <a:lnRef idx="1">
+            <a:schemeClr val="accent1"/>
+          </a:lnRef>
+          <a:fillRef idx="3">
+            <a:schemeClr val="accent1"/>
+          </a:fillRef>
+          <a:effectRef idx="2">
+            <a:schemeClr val="accent1"/>
+          </a:effectRef>
+          <a:fontRef idx="minor">
+            <a:schemeClr val="lt1"/>
+          </a:fontRef>
+        </p:style>
+        <p:txBody>
+          <a:bodyPr rtlCol="0" anchor="ctr"/>
+          <a:lstStyle/>
+          <a:p>
+            <a:pPr algn="ctr"/>
+            <a:r>
+              <a:rPr lang="en-US" altLang="zh-CN" dirty="0" smtClean="0"/>
+              <a:t>Score,</a:t>
+            </a:r>
+            <a:r>
+              <a:rPr lang="zh-CN" altLang="en-US" dirty="0" smtClean="0"/>
+              <a:t> </a:t>
+            </a:r>
+            <a:r>
+              <a:rPr lang="en-US" altLang="zh-CN" dirty="0" smtClean="0"/>
+              <a:t>lives</a:t>
+            </a:r>
+            <a:endParaRPr lang="en-US" dirty="0"/>
+          </a:p>
+        </p:txBody>
+      </p:sp>
+      <p:sp>
+        <p:nvSpPr>
+          <p:cNvPr id="11" name="Left Brace 10"/>
+          <p:cNvSpPr/>
+          <p:nvPr/>
+        </p:nvSpPr>
+        <p:spPr>
+          <a:xfrm>
+            <a:off x="3350711" y="1202498"/>
+            <a:ext cx="551144" cy="1365337"/>
+          </a:xfrm>
+          <a:prstGeom prst="leftBrace">
+            <a:avLst/>
+          </a:prstGeom>
+        </p:spPr>
+        <p:style>
+          <a:lnRef idx="2">
+            <a:schemeClr val="accent1"/>
+          </a:lnRef>
+          <a:fillRef idx="0">
+            <a:schemeClr val="accent1"/>
+          </a:fillRef>
+          <a:effectRef idx="1">
+            <a:schemeClr val="accent1"/>
+          </a:effectRef>
+          <a:fontRef idx="minor">
+            <a:schemeClr val="tx1"/>
+          </a:fontRef>
+        </p:style>
+        <p:txBody>
+          <a:bodyPr rtlCol="0" anchor="ctr"/>
+          <a:lstStyle/>
+          <a:p>
+            <a:pPr algn="ctr"/>
+            <a:endParaRPr lang="en-US"/>
+          </a:p>
+        </p:txBody>
+      </p:sp>
+      <p:cxnSp>
+        <p:nvCxnSpPr>
+          <p:cNvPr id="13" name="Straight Arrow Connector 12"/>
+          <p:cNvCxnSpPr>
+            <a:stCxn id="4" idx="3"/>
+            <a:endCxn id="5" idx="0"/>
+          </p:cNvCxnSpPr>
+          <p:nvPr/>
+        </p:nvCxnSpPr>
+        <p:spPr>
+          <a:xfrm flipH="1">
+            <a:off x="2173266" y="4295022"/>
+            <a:ext cx="1535153" cy="583866"/>
+          </a:xfrm>
+          <a:prstGeom prst="straightConnector1">
+            <a:avLst/>
+          </a:prstGeom>
+          <a:ln>
+            <a:tailEnd type="triangle"/>
+          </a:ln>
+        </p:spPr>
+        <p:style>
+          <a:lnRef idx="2">
+            <a:schemeClr val="accent1"/>
+          </a:lnRef>
+          <a:fillRef idx="0">
+            <a:schemeClr val="accent1"/>
+          </a:fillRef>
+          <a:effectRef idx="1">
+            <a:schemeClr val="accent1"/>
+          </a:effectRef>
+          <a:fontRef idx="minor">
+            <a:schemeClr val="tx1"/>
+          </a:fontRef>
+        </p:style>
+      </p:cxnSp>
+      <p:cxnSp>
+        <p:nvCxnSpPr>
+          <p:cNvPr id="15" name="Straight Arrow Connector 14"/>
+          <p:cNvCxnSpPr>
+            <a:stCxn id="4" idx="4"/>
+            <a:endCxn id="6" idx="0"/>
+          </p:cNvCxnSpPr>
+          <p:nvPr/>
+        </p:nvCxnSpPr>
+        <p:spPr>
+          <a:xfrm flipH="1">
+            <a:off x="4571999" y="4443608"/>
+            <a:ext cx="1" cy="435280"/>
+          </a:xfrm>
+          <a:prstGeom prst="straightConnector1">
+            <a:avLst/>
+          </a:prstGeom>
+          <a:ln>
+            <a:tailEnd type="triangle"/>
+          </a:ln>
+        </p:spPr>
+        <p:style>
+          <a:lnRef idx="2">
+            <a:schemeClr val="accent1"/>
+          </a:lnRef>
+          <a:fillRef idx="0">
+            <a:schemeClr val="accent1"/>
+          </a:fillRef>
+          <a:effectRef idx="1">
+            <a:schemeClr val="accent1"/>
+          </a:effectRef>
+          <a:fontRef idx="minor">
+            <a:schemeClr val="tx1"/>
+          </a:fontRef>
+        </p:style>
+      </p:cxnSp>
+      <p:cxnSp>
+        <p:nvCxnSpPr>
+          <p:cNvPr id="17" name="Straight Arrow Connector 16"/>
+          <p:cNvCxnSpPr>
+            <a:stCxn id="4" idx="5"/>
+            <a:endCxn id="7" idx="0"/>
+          </p:cNvCxnSpPr>
+          <p:nvPr/>
+        </p:nvCxnSpPr>
+        <p:spPr>
+          <a:xfrm>
+            <a:off x="5435580" y="4295022"/>
+            <a:ext cx="1535152" cy="583866"/>
+          </a:xfrm>
+          <a:prstGeom prst="straightConnector1">
+            <a:avLst/>
+          </a:prstGeom>
+          <a:ln>
+            <a:tailEnd type="triangle"/>
+          </a:ln>
+        </p:spPr>
+        <p:style>
+          <a:lnRef idx="2">
+            <a:schemeClr val="accent1"/>
+          </a:lnRef>
+          <a:fillRef idx="0">
+            <a:schemeClr val="accent1"/>
+          </a:fillRef>
+          <a:effectRef idx="1">
+            <a:schemeClr val="accent1"/>
+          </a:effectRef>
+          <a:fontRef idx="minor">
+            <a:schemeClr val="tx1"/>
+          </a:fontRef>
+        </p:style>
+      </p:cxnSp>
+      <p:sp>
+        <p:nvSpPr>
+          <p:cNvPr id="19" name="Round Single Corner Rectangle 18"/>
+          <p:cNvSpPr/>
+          <p:nvPr/>
+        </p:nvSpPr>
+        <p:spPr>
+          <a:xfrm>
+            <a:off x="4290163" y="1712706"/>
+            <a:ext cx="3688916" cy="299759"/>
+          </a:xfrm>
+          <a:prstGeom prst="round1Rect">
+            <a:avLst/>
+          </a:prstGeom>
+        </p:spPr>
+        <p:style>
+          <a:lnRef idx="1">
+            <a:schemeClr val="accent1"/>
+          </a:lnRef>
+          <a:fillRef idx="3">
+            <a:schemeClr val="accent1"/>
+          </a:fillRef>
+          <a:effectRef idx="2">
+            <a:schemeClr val="accent1"/>
+          </a:effectRef>
+          <a:fontRef idx="minor">
+            <a:schemeClr val="lt1"/>
+          </a:fontRef>
+        </p:style>
+        <p:txBody>
+          <a:bodyPr rtlCol="0" anchor="ctr"/>
+          <a:lstStyle/>
+          <a:p>
+            <a:pPr algn="ctr"/>
+            <a:r>
+              <a:rPr lang="en-US" altLang="zh-CN" sz="1400" dirty="0" smtClean="0"/>
+              <a:t>Draws</a:t>
+            </a:r>
+            <a:r>
+              <a:rPr lang="zh-CN" altLang="en-US" sz="1400" dirty="0" smtClean="0"/>
+              <a:t> </a:t>
+            </a:r>
+            <a:r>
+              <a:rPr lang="en-US" altLang="zh-CN" sz="1400" dirty="0" smtClean="0"/>
+              <a:t>the</a:t>
+            </a:r>
+            <a:r>
+              <a:rPr lang="zh-CN" altLang="en-US" sz="1400" dirty="0" smtClean="0"/>
+              <a:t> </a:t>
+            </a:r>
+            <a:r>
+              <a:rPr lang="en-US" altLang="zh-CN" sz="1400" dirty="0" smtClean="0"/>
+              <a:t>Pacman</a:t>
+            </a:r>
+            <a:r>
+              <a:rPr lang="zh-CN" altLang="en-US" sz="1400" dirty="0" smtClean="0"/>
+              <a:t> </a:t>
+            </a:r>
+            <a:r>
+              <a:rPr lang="en-US" altLang="zh-CN" sz="1400" dirty="0" smtClean="0"/>
+              <a:t>with</a:t>
+            </a:r>
+            <a:r>
+              <a:rPr lang="zh-CN" altLang="en-US" sz="1400" dirty="0" smtClean="0"/>
+              <a:t> </a:t>
+            </a:r>
+            <a:r>
+              <a:rPr lang="en-US" altLang="zh-CN" sz="1400" dirty="0" smtClean="0"/>
+              <a:t>correct</a:t>
+            </a:r>
+            <a:r>
+              <a:rPr lang="zh-CN" altLang="en-US" sz="1400" dirty="0" smtClean="0"/>
+              <a:t> </a:t>
+            </a:r>
+            <a:r>
+              <a:rPr lang="en-US" altLang="zh-CN" sz="1400" dirty="0" smtClean="0"/>
+              <a:t>facing</a:t>
+            </a:r>
+            <a:r>
+              <a:rPr lang="zh-CN" altLang="en-US" sz="1400" dirty="0" smtClean="0"/>
+              <a:t> </a:t>
+            </a:r>
+            <a:r>
+              <a:rPr lang="en-US" altLang="zh-CN" sz="1400" dirty="0" smtClean="0"/>
+              <a:t>direction</a:t>
+            </a:r>
+            <a:endParaRPr lang="en-US" sz="1400" dirty="0"/>
+          </a:p>
+        </p:txBody>
+      </p:sp>
+      <p:cxnSp>
+        <p:nvCxnSpPr>
+          <p:cNvPr id="21" name="Elbow Connector 20"/>
+          <p:cNvCxnSpPr>
+            <a:endCxn id="19" idx="1"/>
+          </p:cNvCxnSpPr>
+          <p:nvPr/>
+        </p:nvCxnSpPr>
+        <p:spPr>
+          <a:xfrm rot="16200000" flipH="1">
+            <a:off x="3988619" y="1561042"/>
+            <a:ext cx="433988" cy="169099"/>
+          </a:xfrm>
+          <a:prstGeom prst="bentConnector2">
+            <a:avLst/>
+          </a:prstGeom>
+          <a:ln>
+            <a:tailEnd type="triangle"/>
+          </a:ln>
+        </p:spPr>
+        <p:style>
+          <a:lnRef idx="2">
+            <a:schemeClr val="accent1"/>
+          </a:lnRef>
+          <a:fillRef idx="0">
+            <a:schemeClr val="accent1"/>
+          </a:fillRef>
+          <a:effectRef idx="1">
+            <a:schemeClr val="accent1"/>
+          </a:effectRef>
+          <a:fontRef idx="minor">
+            <a:schemeClr val="tx1"/>
+          </a:fontRef>
+        </p:style>
+      </p:cxnSp>
     </p:spTree>
     <p:extLst>
       <p:ext uri="{BB962C8B-B14F-4D97-AF65-F5344CB8AC3E}">
-        <p14:creationId xmlns:p14="http://schemas.microsoft.com/office/powerpoint/2010/main" val="2761579830"/>
+        <p14:creationId xmlns:p14="http://schemas.microsoft.com/office/powerpoint/2010/main" val="1356688258"/>
       </p:ext>
     </p:extLst>
   </p:cSld>
@@ -4535,93 +9797,43 @@
             <p:ph type="title"/>
           </p:nvPr>
         </p:nvSpPr>
-        <p:spPr/>
-        <p:txBody>
-          <a:bodyPr/>
+        <p:spPr>
+          <a:xfrm>
+            <a:off x="457200" y="2779250"/>
+            <a:ext cx="8229600" cy="1143000"/>
+          </a:xfrm>
+        </p:spPr>
+        <p:txBody>
+          <a:bodyPr>
+            <a:normAutofit/>
+          </a:bodyPr>
           <a:lstStyle/>
           <a:p>
             <a:r>
               <a:rPr lang="en-US" dirty="0" smtClean="0"/>
-              <a:t>Use Cases</a:t>
+              <a:t>	Questions?</a:t>
             </a:r>
             <a:endParaRPr lang="en-US" dirty="0"/>
-          </a:p>
-        </p:txBody>
-      </p:sp>
-      <p:sp>
-        <p:nvSpPr>
-          <p:cNvPr id="3" name="Content Placeholder 2"/>
-          <p:cNvSpPr>
-            <a:spLocks noGrp="1"/>
-          </p:cNvSpPr>
-          <p:nvPr>
-            <p:ph idx="1"/>
-          </p:nvPr>
-        </p:nvSpPr>
-        <p:spPr/>
-        <p:txBody>
-          <a:bodyPr/>
-          <a:lstStyle/>
-          <a:p>
-            <a:r>
-              <a:rPr lang="en-US" dirty="0" smtClean="0"/>
-              <a:t>Ghosts</a:t>
-            </a:r>
-          </a:p>
-          <a:p>
-            <a:pPr lvl="1" fontAlgn="base"/>
-            <a:r>
-              <a:rPr lang="en-US" dirty="0"/>
-              <a:t>Ghost starts in jail</a:t>
-            </a:r>
-          </a:p>
-          <a:p>
-            <a:pPr lvl="1" fontAlgn="base"/>
-            <a:r>
-              <a:rPr lang="en-US" dirty="0"/>
-              <a:t>Ghost can move based on strategy</a:t>
-            </a:r>
-          </a:p>
-          <a:p>
-            <a:pPr lvl="1" fontAlgn="base"/>
-            <a:r>
-              <a:rPr lang="en-US" dirty="0"/>
-              <a:t>Ghost does not go through walls</a:t>
-            </a:r>
-          </a:p>
-          <a:p>
-            <a:pPr lvl="1" fontAlgn="base"/>
-            <a:r>
-              <a:rPr lang="en-US" dirty="0"/>
-              <a:t>Ghost can teleport through exit</a:t>
-            </a:r>
-          </a:p>
-          <a:p>
-            <a:pPr lvl="1" fontAlgn="base"/>
-            <a:r>
-              <a:rPr lang="en-US" dirty="0"/>
-              <a:t>Eating large dot makes ghosts afraid</a:t>
-            </a:r>
-          </a:p>
-          <a:p>
-            <a:pPr lvl="1" fontAlgn="base"/>
-            <a:r>
-              <a:rPr lang="en-US" dirty="0"/>
-              <a:t>Ghost goes to jail when eaten</a:t>
-            </a:r>
           </a:p>
         </p:txBody>
       </p:sp>
     </p:spTree>
     <p:extLst>
       <p:ext uri="{BB962C8B-B14F-4D97-AF65-F5344CB8AC3E}">
-        <p14:creationId xmlns:p14="http://schemas.microsoft.com/office/powerpoint/2010/main" val="3923475606"/>
+        <p14:creationId xmlns:p14="http://schemas.microsoft.com/office/powerpoint/2010/main" val="2591834153"/>
       </p:ext>
     </p:extLst>
   </p:cSld>
   <p:clrMapOvr>
     <a:masterClrMapping/>
   </p:clrMapOvr>
+  <p:timing>
+    <p:tnLst>
+      <p:par>
+        <p:cTn id="1" dur="indefinite" restart="never" nodeType="tmRoot"/>
+      </p:par>
+    </p:tnLst>
+  </p:timing>
 </p:sld>
 </file>
 
@@ -4657,11 +9869,7 @@
           <a:bodyPr/>
           <a:lstStyle/>
           <a:p>
-            <a:r>
-              <a:rPr lang="en-US" dirty="0" smtClean="0"/>
-              <a:t>Use Cases</a:t>
-            </a:r>
-            <a:endParaRPr lang="en-US" dirty="0"/>
+            <a:endParaRPr lang="en-US"/>
           </a:p>
         </p:txBody>
       </p:sp>
@@ -4680,37 +9888,27 @@
           <a:bodyPr/>
           <a:lstStyle/>
           <a:p>
-            <a:r>
-              <a:rPr lang="en-US" dirty="0" smtClean="0"/>
-              <a:t>Game</a:t>
-            </a:r>
-          </a:p>
-          <a:p>
-            <a:pPr lvl="1"/>
-            <a:r>
-              <a:rPr lang="en-US" dirty="0" smtClean="0"/>
-              <a:t>Spawn fruit periodically</a:t>
-            </a:r>
-          </a:p>
-          <a:p>
-            <a:pPr lvl="1"/>
-            <a:r>
-              <a:rPr lang="en-US" dirty="0" smtClean="0"/>
-              <a:t>End game on win/lose condition</a:t>
-            </a:r>
+            <a:endParaRPr lang="en-US"/>
           </a:p>
         </p:txBody>
       </p:sp>
     </p:spTree>
     <p:extLst>
       <p:ext uri="{BB962C8B-B14F-4D97-AF65-F5344CB8AC3E}">
-        <p14:creationId xmlns:p14="http://schemas.microsoft.com/office/powerpoint/2010/main" val="1314568207"/>
+        <p14:creationId xmlns:p14="http://schemas.microsoft.com/office/powerpoint/2010/main" val="1654850993"/>
       </p:ext>
     </p:extLst>
   </p:cSld>
   <p:clrMapOvr>
     <a:masterClrMapping/>
   </p:clrMapOvr>
+  <p:timing>
+    <p:tnLst>
+      <p:par>
+        <p:cTn id="1" dur="indefinite" restart="never" nodeType="tmRoot"/>
+      </p:par>
+    </p:tnLst>
+  </p:timing>
 </p:sld>
 </file>
 
@@ -4748,7 +9946,7 @@
           <a:p>
             <a:r>
               <a:rPr lang="en-US" dirty="0" smtClean="0"/>
-              <a:t>API Breakdown</a:t>
+              <a:t>View</a:t>
             </a:r>
             <a:endParaRPr lang="en-US" dirty="0"/>
           </a:p>
@@ -4756,7 +9954,7 @@
       </p:sp>
       <p:sp>
         <p:nvSpPr>
-          <p:cNvPr id="3" name="Content Placeholder 2"/>
+          <p:cNvPr id="14" name="Content Placeholder 2"/>
           <p:cNvSpPr>
             <a:spLocks noGrp="1"/>
           </p:cNvSpPr>
@@ -4764,89 +9962,84 @@
             <p:ph idx="1"/>
           </p:nvPr>
         </p:nvSpPr>
-        <p:spPr/>
+        <p:spPr>
+          <a:xfrm>
+            <a:off x="457200" y="1600200"/>
+            <a:ext cx="8360336" cy="4525963"/>
+          </a:xfrm>
+        </p:spPr>
         <p:txBody>
           <a:bodyPr/>
           <a:lstStyle/>
           <a:p>
             <a:r>
-              <a:rPr lang="en-US" dirty="0" smtClean="0"/>
-              <a:t>Model </a:t>
-            </a:r>
-            <a:r>
-              <a:rPr lang="mr-IN" dirty="0" smtClean="0"/>
-              <a:t>–</a:t>
-            </a:r>
-            <a:r>
-              <a:rPr lang="en-US" dirty="0" smtClean="0"/>
-              <a:t> </a:t>
-            </a:r>
-            <a:r>
-              <a:rPr lang="en-US" dirty="0" err="1" smtClean="0"/>
-              <a:t>Cmds</a:t>
-            </a:r>
-            <a:r>
-              <a:rPr lang="en-US" dirty="0" smtClean="0"/>
-              <a:t>, Strategies, </a:t>
-            </a:r>
-            <a:r>
-              <a:rPr lang="en-US" dirty="0" err="1" smtClean="0"/>
-              <a:t>GameObjects</a:t>
-            </a:r>
-            <a:endParaRPr lang="en-US" dirty="0" smtClean="0"/>
-          </a:p>
-          <a:p>
-            <a:pPr lvl="1"/>
-            <a:r>
-              <a:rPr lang="en-US" dirty="0" smtClean="0"/>
-              <a:t>Interfaces and abstract classes</a:t>
-            </a:r>
-          </a:p>
-          <a:p>
-            <a:r>
-              <a:rPr lang="en-US" dirty="0" err="1" smtClean="0"/>
-              <a:t>DispatchAdapter</a:t>
-            </a:r>
-            <a:r>
-              <a:rPr lang="en-US" dirty="0" smtClean="0"/>
-              <a:t>, Controller</a:t>
-            </a:r>
-          </a:p>
-          <a:p>
-            <a:pPr lvl="1"/>
-            <a:r>
-              <a:rPr lang="en-US" dirty="0" smtClean="0"/>
-              <a:t>Manage game, process requests</a:t>
-            </a:r>
-          </a:p>
-          <a:p>
-            <a:r>
-              <a:rPr lang="en-US" dirty="0" err="1" smtClean="0"/>
-              <a:t>View.js</a:t>
-            </a:r>
-            <a:r>
-              <a:rPr lang="en-US" dirty="0" smtClean="0"/>
-              <a:t>, </a:t>
-            </a:r>
-            <a:r>
-              <a:rPr lang="en-US" dirty="0" err="1" smtClean="0"/>
-              <a:t>Index.html</a:t>
-            </a:r>
-            <a:endParaRPr lang="en-US" dirty="0" smtClean="0"/>
-          </a:p>
-          <a:p>
-            <a:pPr lvl="1"/>
-            <a:r>
-              <a:rPr lang="en-US" dirty="0" smtClean="0"/>
-              <a:t>Display game objects, make requests</a:t>
-            </a:r>
-          </a:p>
-        </p:txBody>
-      </p:sp>
+              <a:rPr lang="en-US" dirty="0">
+                <a:hlinkClick r:id="rId3"/>
+              </a:rPr>
+              <a:t>http://</a:t>
+            </a:r>
+            <a:r>
+              <a:rPr lang="en-US" dirty="0" err="1">
+                <a:hlinkClick r:id="rId3"/>
+              </a:rPr>
+              <a:t>pacman</a:t>
+            </a:r>
+            <a:r>
+              <a:rPr lang="en-US" dirty="0">
+                <a:hlinkClick r:id="rId3"/>
+              </a:rPr>
+              <a:t>-team-</a:t>
+            </a:r>
+            <a:r>
+              <a:rPr lang="en-US" dirty="0" err="1">
+                <a:hlinkClick r:id="rId3"/>
+              </a:rPr>
+              <a:t>houston.herokuapp.com</a:t>
+            </a:r>
+            <a:r>
+              <a:rPr lang="en-US" dirty="0">
+                <a:hlinkClick r:id="rId3"/>
+              </a:rPr>
+              <a:t>/</a:t>
+            </a:r>
+            <a:endParaRPr lang="en-US" dirty="0"/>
+          </a:p>
+        </p:txBody>
+      </p:sp>
+      <p:pic>
+        <p:nvPicPr>
+          <p:cNvPr id="3" name="Picture 2"/>
+          <p:cNvPicPr>
+            <a:picLocks noChangeAspect="1"/>
+          </p:cNvPicPr>
+          <p:nvPr/>
+        </p:nvPicPr>
+        <p:blipFill>
+          <a:blip r:embed="rId4">
+            <a:extLst>
+              <a:ext uri="{28A0092B-C50C-407E-A947-70E740481C1C}">
+                <a14:useLocalDpi xmlns:a14="http://schemas.microsoft.com/office/drawing/2010/main" val="0"/>
+              </a:ext>
+            </a:extLst>
+          </a:blip>
+          <a:stretch>
+            <a:fillRect/>
+          </a:stretch>
+        </p:blipFill>
+        <p:spPr>
+          <a:xfrm>
+            <a:off x="1130300" y="2146300"/>
+            <a:ext cx="6883400" cy="4711700"/>
+          </a:xfrm>
+          <a:prstGeom prst="rect">
+            <a:avLst/>
+          </a:prstGeom>
+        </p:spPr>
+      </p:pic>
     </p:spTree>
     <p:extLst>
       <p:ext uri="{BB962C8B-B14F-4D97-AF65-F5344CB8AC3E}">
-        <p14:creationId xmlns:p14="http://schemas.microsoft.com/office/powerpoint/2010/main" val="827146816"/>
+        <p14:creationId xmlns:p14="http://schemas.microsoft.com/office/powerpoint/2010/main" val="2209031246"/>
       </p:ext>
     </p:extLst>
   </p:cSld>
@@ -4897,15 +10090,7 @@
           <a:p>
             <a:r>
               <a:rPr lang="en-US" dirty="0" smtClean="0"/>
-              <a:t>Model </a:t>
-            </a:r>
-            <a:r>
-              <a:rPr lang="mr-IN" dirty="0" smtClean="0"/>
-              <a:t>–</a:t>
-            </a:r>
-            <a:r>
-              <a:rPr lang="en-US" dirty="0" smtClean="0"/>
-              <a:t> Commands, Strategies</a:t>
+              <a:t>Controller</a:t>
             </a:r>
             <a:endParaRPr lang="en-US" dirty="0"/>
           </a:p>
@@ -4928,28 +10113,14 @@
           <a:p>
             <a:r>
               <a:rPr lang="en-US" dirty="0" smtClean="0"/>
-              <a:t>Commands</a:t>
+              <a:t>Supported requests</a:t>
             </a:r>
           </a:p>
           <a:p>
             <a:pPr lvl="1"/>
             <a:r>
               <a:rPr lang="en-US" dirty="0" err="1" smtClean="0"/>
-              <a:t>IGameObjectCmd</a:t>
-            </a:r>
-            <a:endParaRPr lang="en-US" dirty="0" smtClean="0"/>
-          </a:p>
-          <a:p>
-            <a:r>
-              <a:rPr lang="en-US" dirty="0" smtClean="0"/>
-              <a:t>Strategies</a:t>
-            </a:r>
-          </a:p>
-          <a:p>
-            <a:pPr lvl="1"/>
-            <a:r>
-              <a:rPr lang="en-US" dirty="0" err="1" smtClean="0"/>
-              <a:t>IUpdateStrategy</a:t>
+              <a:t>resetGame</a:t>
             </a:r>
             <a:r>
               <a:rPr lang="en-US" dirty="0" smtClean="0"/>
@@ -4961,42 +10132,546 @@
             </a:r>
             <a:r>
               <a:rPr lang="en-US" dirty="0" smtClean="0"/>
-              <a:t> move </a:t>
+              <a:t> get canvas dims and reset game objects </a:t>
+            </a:r>
+          </a:p>
+          <a:p>
+            <a:pPr lvl="1"/>
+            <a:r>
+              <a:rPr lang="en-US" dirty="0" err="1" smtClean="0"/>
+              <a:t>updateGame</a:t>
+            </a:r>
+            <a:r>
+              <a:rPr lang="en-US" dirty="0" smtClean="0"/>
+              <a:t> </a:t>
+            </a:r>
+            <a:r>
+              <a:rPr lang="mr-IN" dirty="0" smtClean="0"/>
+              <a:t>–</a:t>
+            </a:r>
+            <a:r>
+              <a:rPr lang="en-US" dirty="0" smtClean="0"/>
+              <a:t> update game object states</a:t>
+            </a:r>
+          </a:p>
+          <a:p>
+            <a:pPr lvl="1"/>
+            <a:r>
+              <a:rPr lang="en-US" dirty="0" err="1" smtClean="0"/>
+              <a:t>switchDirection</a:t>
+            </a:r>
+            <a:r>
+              <a:rPr lang="en-US" dirty="0" smtClean="0"/>
+              <a:t> </a:t>
+            </a:r>
+            <a:r>
+              <a:rPr lang="mr-IN" dirty="0" smtClean="0"/>
+              <a:t>–</a:t>
+            </a:r>
+            <a:r>
+              <a:rPr lang="en-US" dirty="0" smtClean="0"/>
+              <a:t> switch </a:t>
             </a:r>
             <a:r>
               <a:rPr lang="en-US" dirty="0" err="1" smtClean="0"/>
               <a:t>Pacman</a:t>
             </a:r>
             <a:r>
-              <a:rPr lang="en-US" dirty="0" smtClean="0"/>
-              <a:t> and ghosts</a:t>
-            </a:r>
-          </a:p>
-          <a:p>
-            <a:pPr lvl="1"/>
-            <a:r>
-              <a:rPr lang="en-US" dirty="0" err="1" smtClean="0"/>
-              <a:t>IInteractStrategy</a:t>
-            </a:r>
-            <a:r>
-              <a:rPr lang="en-US" dirty="0" smtClean="0"/>
-              <a:t> </a:t>
-            </a:r>
-            <a:r>
-              <a:rPr lang="mr-IN" dirty="0" smtClean="0"/>
-              <a:t>–</a:t>
-            </a:r>
-            <a:r>
-              <a:rPr lang="en-US" dirty="0" smtClean="0"/>
-              <a:t> one-directional interactions</a:t>
-            </a:r>
+              <a:rPr lang="en-US" smtClean="0"/>
+              <a:t> direction</a:t>
+            </a:r>
+            <a:endParaRPr lang="en-US" dirty="0" smtClean="0"/>
           </a:p>
         </p:txBody>
       </p:sp>
     </p:spTree>
     <p:extLst>
       <p:ext uri="{BB962C8B-B14F-4D97-AF65-F5344CB8AC3E}">
-        <p14:creationId xmlns:p14="http://schemas.microsoft.com/office/powerpoint/2010/main" val="354699675"/>
+        <p14:creationId xmlns:p14="http://schemas.microsoft.com/office/powerpoint/2010/main" val="1459978361"/>
+      </p:ext>
+    </p:extLst>
+  </p:cSld>
+  <p:clrMapOvr>
+    <a:masterClrMapping/>
+  </p:clrMapOvr>
+  <p:timing>
+    <p:tnLst>
+      <p:par>
+        <p:cTn id="1" dur="indefinite" restart="never" nodeType="tmRoot"/>
+      </p:par>
+    </p:tnLst>
+  </p:timing>
+</p:sld>
+</file>
+
+<file path=ppt/slides/slide16.xml><?xml version="1.0" encoding="utf-8"?>
+<p:sld xmlns:a="http://schemas.openxmlformats.org/drawingml/2006/main" xmlns:r="http://schemas.openxmlformats.org/officeDocument/2006/relationships" xmlns:p="http://schemas.openxmlformats.org/presentationml/2006/main">
+  <p:cSld>
+    <p:spTree>
+      <p:nvGrpSpPr>
+        <p:cNvPr id="1" name=""/>
+        <p:cNvGrpSpPr/>
+        <p:nvPr/>
+      </p:nvGrpSpPr>
+      <p:grpSpPr>
+        <a:xfrm>
+          <a:off x="0" y="0"/>
+          <a:ext cx="0" cy="0"/>
+          <a:chOff x="0" y="0"/>
+          <a:chExt cx="0" cy="0"/>
+        </a:xfrm>
+      </p:grpSpPr>
+      <p:sp>
+        <p:nvSpPr>
+          <p:cNvPr id="2" name="Title 1"/>
+          <p:cNvSpPr>
+            <a:spLocks noGrp="1"/>
+          </p:cNvSpPr>
+          <p:nvPr>
+            <p:ph type="title"/>
+          </p:nvPr>
+        </p:nvSpPr>
+        <p:spPr/>
+        <p:txBody>
+          <a:bodyPr/>
+          <a:lstStyle/>
+          <a:p>
+            <a:r>
+              <a:rPr lang="en-US" dirty="0" smtClean="0"/>
+              <a:t>Use Cases</a:t>
+            </a:r>
+            <a:endParaRPr lang="en-US" dirty="0"/>
+          </a:p>
+        </p:txBody>
+      </p:sp>
+      <p:sp>
+        <p:nvSpPr>
+          <p:cNvPr id="3" name="Content Placeholder 2"/>
+          <p:cNvSpPr>
+            <a:spLocks noGrp="1"/>
+          </p:cNvSpPr>
+          <p:nvPr>
+            <p:ph idx="1"/>
+          </p:nvPr>
+        </p:nvSpPr>
+        <p:spPr/>
+        <p:txBody>
+          <a:bodyPr>
+            <a:normAutofit/>
+          </a:bodyPr>
+          <a:lstStyle/>
+          <a:p>
+            <a:r>
+              <a:rPr lang="en-US" dirty="0" smtClean="0"/>
+              <a:t>Pacman</a:t>
+            </a:r>
+            <a:endParaRPr lang="en-US" dirty="0"/>
+          </a:p>
+          <a:p>
+            <a:pPr lvl="1" fontAlgn="base"/>
+            <a:r>
+              <a:rPr lang="en-US" dirty="0"/>
+              <a:t>Pacman can move in all directions - can change direction with user input</a:t>
+            </a:r>
+          </a:p>
+          <a:p>
+            <a:pPr lvl="1" fontAlgn="base"/>
+            <a:r>
+              <a:rPr lang="en-US" dirty="0"/>
+              <a:t>Pacman does not go through walls</a:t>
+            </a:r>
+          </a:p>
+          <a:p>
+            <a:pPr lvl="1" fontAlgn="base"/>
+            <a:r>
+              <a:rPr lang="en-US" dirty="0"/>
+              <a:t>Pacman can teleport through </a:t>
+            </a:r>
+            <a:r>
+              <a:rPr lang="en-US" dirty="0" smtClean="0"/>
+              <a:t>exit</a:t>
+            </a:r>
+            <a:r>
+              <a:rPr lang="en-US" altLang="zh-CN" dirty="0" smtClean="0"/>
+              <a:t>s</a:t>
+            </a:r>
+            <a:endParaRPr lang="en-US" dirty="0"/>
+          </a:p>
+          <a:p>
+            <a:pPr lvl="1" fontAlgn="base"/>
+            <a:r>
+              <a:rPr lang="en-US" dirty="0"/>
+              <a:t>Pacman eats food - food is destroyed, update score, ghost strategy</a:t>
+            </a:r>
+          </a:p>
+          <a:p>
+            <a:pPr lvl="1" fontAlgn="base"/>
+            <a:r>
+              <a:rPr lang="en-US" dirty="0"/>
+              <a:t>Pacman eats afraid ghosts</a:t>
+            </a:r>
+          </a:p>
+        </p:txBody>
+      </p:sp>
+    </p:spTree>
+    <p:extLst>
+      <p:ext uri="{BB962C8B-B14F-4D97-AF65-F5344CB8AC3E}">
+        <p14:creationId xmlns:p14="http://schemas.microsoft.com/office/powerpoint/2010/main" val="2761579830"/>
+      </p:ext>
+    </p:extLst>
+  </p:cSld>
+  <p:clrMapOvr>
+    <a:masterClrMapping/>
+  </p:clrMapOvr>
+  <p:timing>
+    <p:tnLst>
+      <p:par>
+        <p:cTn id="1" dur="indefinite" restart="never" nodeType="tmRoot"/>
+      </p:par>
+    </p:tnLst>
+  </p:timing>
+</p:sld>
+</file>
+
+<file path=ppt/slides/slide17.xml><?xml version="1.0" encoding="utf-8"?>
+<p:sld xmlns:a="http://schemas.openxmlformats.org/drawingml/2006/main" xmlns:r="http://schemas.openxmlformats.org/officeDocument/2006/relationships" xmlns:p="http://schemas.openxmlformats.org/presentationml/2006/main">
+  <p:cSld>
+    <p:spTree>
+      <p:nvGrpSpPr>
+        <p:cNvPr id="1" name=""/>
+        <p:cNvGrpSpPr/>
+        <p:nvPr/>
+      </p:nvGrpSpPr>
+      <p:grpSpPr>
+        <a:xfrm>
+          <a:off x="0" y="0"/>
+          <a:ext cx="0" cy="0"/>
+          <a:chOff x="0" y="0"/>
+          <a:chExt cx="0" cy="0"/>
+        </a:xfrm>
+      </p:grpSpPr>
+      <p:sp>
+        <p:nvSpPr>
+          <p:cNvPr id="2" name="Title 1"/>
+          <p:cNvSpPr>
+            <a:spLocks noGrp="1"/>
+          </p:cNvSpPr>
+          <p:nvPr>
+            <p:ph type="title"/>
+          </p:nvPr>
+        </p:nvSpPr>
+        <p:spPr/>
+        <p:txBody>
+          <a:bodyPr/>
+          <a:lstStyle/>
+          <a:p>
+            <a:r>
+              <a:rPr lang="en-US" dirty="0" smtClean="0"/>
+              <a:t>Use Cases</a:t>
+            </a:r>
+            <a:endParaRPr lang="en-US" dirty="0"/>
+          </a:p>
+        </p:txBody>
+      </p:sp>
+      <p:sp>
+        <p:nvSpPr>
+          <p:cNvPr id="3" name="Content Placeholder 2"/>
+          <p:cNvSpPr>
+            <a:spLocks noGrp="1"/>
+          </p:cNvSpPr>
+          <p:nvPr>
+            <p:ph idx="1"/>
+          </p:nvPr>
+        </p:nvSpPr>
+        <p:spPr/>
+        <p:txBody>
+          <a:bodyPr/>
+          <a:lstStyle/>
+          <a:p>
+            <a:r>
+              <a:rPr lang="en-US" dirty="0" smtClean="0"/>
+              <a:t>Ghosts</a:t>
+            </a:r>
+          </a:p>
+          <a:p>
+            <a:pPr lvl="1" fontAlgn="base"/>
+            <a:r>
+              <a:rPr lang="en-US" dirty="0"/>
+              <a:t>Ghost starts in jail</a:t>
+            </a:r>
+          </a:p>
+          <a:p>
+            <a:pPr lvl="1" fontAlgn="base"/>
+            <a:r>
+              <a:rPr lang="en-US" dirty="0"/>
+              <a:t>Ghost can move based on strategy</a:t>
+            </a:r>
+          </a:p>
+          <a:p>
+            <a:pPr lvl="1" fontAlgn="base"/>
+            <a:r>
+              <a:rPr lang="en-US" dirty="0"/>
+              <a:t>Ghost does not go through walls</a:t>
+            </a:r>
+          </a:p>
+          <a:p>
+            <a:pPr lvl="1" fontAlgn="base"/>
+            <a:r>
+              <a:rPr lang="en-US" dirty="0"/>
+              <a:t>Ghost can teleport through exit</a:t>
+            </a:r>
+          </a:p>
+          <a:p>
+            <a:pPr lvl="1" fontAlgn="base"/>
+            <a:r>
+              <a:rPr lang="en-US" dirty="0"/>
+              <a:t>Eating large dot makes ghosts afraid</a:t>
+            </a:r>
+          </a:p>
+          <a:p>
+            <a:pPr lvl="1" fontAlgn="base"/>
+            <a:r>
+              <a:rPr lang="en-US" dirty="0"/>
+              <a:t>Ghost goes to jail when eaten</a:t>
+            </a:r>
+          </a:p>
+        </p:txBody>
+      </p:sp>
+    </p:spTree>
+    <p:extLst>
+      <p:ext uri="{BB962C8B-B14F-4D97-AF65-F5344CB8AC3E}">
+        <p14:creationId xmlns:p14="http://schemas.microsoft.com/office/powerpoint/2010/main" val="3923475606"/>
+      </p:ext>
+    </p:extLst>
+  </p:cSld>
+  <p:clrMapOvr>
+    <a:masterClrMapping/>
+  </p:clrMapOvr>
+</p:sld>
+</file>
+
+<file path=ppt/slides/slide18.xml><?xml version="1.0" encoding="utf-8"?>
+<p:sld xmlns:a="http://schemas.openxmlformats.org/drawingml/2006/main" xmlns:r="http://schemas.openxmlformats.org/officeDocument/2006/relationships" xmlns:p="http://schemas.openxmlformats.org/presentationml/2006/main">
+  <p:cSld>
+    <p:spTree>
+      <p:nvGrpSpPr>
+        <p:cNvPr id="1" name=""/>
+        <p:cNvGrpSpPr/>
+        <p:nvPr/>
+      </p:nvGrpSpPr>
+      <p:grpSpPr>
+        <a:xfrm>
+          <a:off x="0" y="0"/>
+          <a:ext cx="0" cy="0"/>
+          <a:chOff x="0" y="0"/>
+          <a:chExt cx="0" cy="0"/>
+        </a:xfrm>
+      </p:grpSpPr>
+      <p:sp>
+        <p:nvSpPr>
+          <p:cNvPr id="2" name="Title 1"/>
+          <p:cNvSpPr>
+            <a:spLocks noGrp="1"/>
+          </p:cNvSpPr>
+          <p:nvPr>
+            <p:ph type="title"/>
+          </p:nvPr>
+        </p:nvSpPr>
+        <p:spPr/>
+        <p:txBody>
+          <a:bodyPr/>
+          <a:lstStyle/>
+          <a:p>
+            <a:r>
+              <a:rPr lang="en-US" dirty="0" smtClean="0"/>
+              <a:t>Use Cases</a:t>
+            </a:r>
+            <a:endParaRPr lang="en-US" dirty="0"/>
+          </a:p>
+        </p:txBody>
+      </p:sp>
+      <p:sp>
+        <p:nvSpPr>
+          <p:cNvPr id="3" name="Content Placeholder 2"/>
+          <p:cNvSpPr>
+            <a:spLocks noGrp="1"/>
+          </p:cNvSpPr>
+          <p:nvPr>
+            <p:ph idx="1"/>
+          </p:nvPr>
+        </p:nvSpPr>
+        <p:spPr/>
+        <p:txBody>
+          <a:bodyPr/>
+          <a:lstStyle/>
+          <a:p>
+            <a:r>
+              <a:rPr lang="en-US" dirty="0" smtClean="0"/>
+              <a:t>Game</a:t>
+            </a:r>
+          </a:p>
+          <a:p>
+            <a:pPr lvl="1"/>
+            <a:r>
+              <a:rPr lang="en-US" dirty="0" smtClean="0"/>
+              <a:t>Spawn fruit periodically</a:t>
+            </a:r>
+          </a:p>
+          <a:p>
+            <a:pPr lvl="1"/>
+            <a:r>
+              <a:rPr lang="en-US" dirty="0" smtClean="0"/>
+              <a:t>End game on win/lose condition</a:t>
+            </a:r>
+          </a:p>
+        </p:txBody>
+      </p:sp>
+    </p:spTree>
+    <p:extLst>
+      <p:ext uri="{BB962C8B-B14F-4D97-AF65-F5344CB8AC3E}">
+        <p14:creationId xmlns:p14="http://schemas.microsoft.com/office/powerpoint/2010/main" val="1314568207"/>
+      </p:ext>
+    </p:extLst>
+  </p:cSld>
+  <p:clrMapOvr>
+    <a:masterClrMapping/>
+  </p:clrMapOvr>
+</p:sld>
+</file>
+
+<file path=ppt/slides/slide19.xml><?xml version="1.0" encoding="utf-8"?>
+<p:sld xmlns:a="http://schemas.openxmlformats.org/drawingml/2006/main" xmlns:r="http://schemas.openxmlformats.org/officeDocument/2006/relationships" xmlns:p="http://schemas.openxmlformats.org/presentationml/2006/main">
+  <p:cSld>
+    <p:spTree>
+      <p:nvGrpSpPr>
+        <p:cNvPr id="1" name=""/>
+        <p:cNvGrpSpPr/>
+        <p:nvPr/>
+      </p:nvGrpSpPr>
+      <p:grpSpPr>
+        <a:xfrm>
+          <a:off x="0" y="0"/>
+          <a:ext cx="0" cy="0"/>
+          <a:chOff x="0" y="0"/>
+          <a:chExt cx="0" cy="0"/>
+        </a:xfrm>
+      </p:grpSpPr>
+      <p:sp>
+        <p:nvSpPr>
+          <p:cNvPr id="2" name="Title 1"/>
+          <p:cNvSpPr>
+            <a:spLocks noGrp="1"/>
+          </p:cNvSpPr>
+          <p:nvPr>
+            <p:ph type="title"/>
+          </p:nvPr>
+        </p:nvSpPr>
+        <p:spPr/>
+        <p:txBody>
+          <a:bodyPr/>
+          <a:lstStyle/>
+          <a:p>
+            <a:r>
+              <a:rPr lang="en-US" dirty="0" smtClean="0"/>
+              <a:t>API Breakdown</a:t>
+            </a:r>
+            <a:endParaRPr lang="en-US" dirty="0"/>
+          </a:p>
+        </p:txBody>
+      </p:sp>
+      <p:sp>
+        <p:nvSpPr>
+          <p:cNvPr id="3" name="Content Placeholder 2"/>
+          <p:cNvSpPr>
+            <a:spLocks noGrp="1"/>
+          </p:cNvSpPr>
+          <p:nvPr>
+            <p:ph idx="1"/>
+          </p:nvPr>
+        </p:nvSpPr>
+        <p:spPr/>
+        <p:txBody>
+          <a:bodyPr/>
+          <a:lstStyle/>
+          <a:p>
+            <a:r>
+              <a:rPr lang="en-US" dirty="0" smtClean="0"/>
+              <a:t>Model </a:t>
+            </a:r>
+            <a:r>
+              <a:rPr lang="mr-IN" dirty="0" smtClean="0"/>
+              <a:t>–</a:t>
+            </a:r>
+            <a:r>
+              <a:rPr lang="en-US" dirty="0" smtClean="0"/>
+              <a:t> </a:t>
+            </a:r>
+            <a:r>
+              <a:rPr lang="en-US" dirty="0" err="1" smtClean="0"/>
+              <a:t>Cmds</a:t>
+            </a:r>
+            <a:r>
+              <a:rPr lang="en-US" dirty="0" smtClean="0"/>
+              <a:t>, Strategies, </a:t>
+            </a:r>
+            <a:r>
+              <a:rPr lang="en-US" dirty="0" err="1" smtClean="0"/>
+              <a:t>GameObjects</a:t>
+            </a:r>
+            <a:endParaRPr lang="en-US" dirty="0" smtClean="0"/>
+          </a:p>
+          <a:p>
+            <a:pPr lvl="1"/>
+            <a:r>
+              <a:rPr lang="en-US" dirty="0" smtClean="0"/>
+              <a:t>Interfaces and abstract classes</a:t>
+            </a:r>
+          </a:p>
+          <a:p>
+            <a:r>
+              <a:rPr lang="en-US" dirty="0" err="1" smtClean="0"/>
+              <a:t>DispatchAdapter</a:t>
+            </a:r>
+            <a:r>
+              <a:rPr lang="en-US" dirty="0" smtClean="0"/>
+              <a:t>, Controller</a:t>
+            </a:r>
+          </a:p>
+          <a:p>
+            <a:pPr lvl="1"/>
+            <a:r>
+              <a:rPr lang="en-US" dirty="0" smtClean="0"/>
+              <a:t>Manage game, process requests</a:t>
+            </a:r>
+          </a:p>
+          <a:p>
+            <a:r>
+              <a:rPr lang="en-US" dirty="0" err="1" smtClean="0"/>
+              <a:t>View.js</a:t>
+            </a:r>
+            <a:r>
+              <a:rPr lang="en-US" dirty="0" smtClean="0"/>
+              <a:t>, </a:t>
+            </a:r>
+            <a:r>
+              <a:rPr lang="en-US" dirty="0" err="1" smtClean="0"/>
+              <a:t>Index.html</a:t>
+            </a:r>
+            <a:endParaRPr lang="en-US" dirty="0" smtClean="0"/>
+          </a:p>
+          <a:p>
+            <a:pPr lvl="1"/>
+            <a:r>
+              <a:rPr lang="en-US" dirty="0" smtClean="0"/>
+              <a:t>Display game objects, make requests</a:t>
+            </a:r>
+          </a:p>
+        </p:txBody>
+      </p:sp>
+    </p:spTree>
+    <p:extLst>
+      <p:ext uri="{BB962C8B-B14F-4D97-AF65-F5344CB8AC3E}">
+        <p14:creationId xmlns:p14="http://schemas.microsoft.com/office/powerpoint/2010/main" val="827146816"/>
       </p:ext>
     </p:extLst>
   </p:cSld>
@@ -5040,22 +10715,213 @@
             <p:ph type="title"/>
           </p:nvPr>
         </p:nvSpPr>
+        <p:spPr>
+          <a:xfrm>
+            <a:off x="457200" y="274638"/>
+            <a:ext cx="8229600" cy="777548"/>
+          </a:xfrm>
+        </p:spPr>
+        <p:txBody>
+          <a:bodyPr/>
+          <a:lstStyle/>
+          <a:p>
+            <a:r>
+              <a:rPr lang="en-US" dirty="0" smtClean="0"/>
+              <a:t>API Overview</a:t>
+            </a:r>
+            <a:endParaRPr lang="en-US" dirty="0"/>
+          </a:p>
+        </p:txBody>
+      </p:sp>
+      <p:pic>
+        <p:nvPicPr>
+          <p:cNvPr id="4" name="Picture 3"/>
+          <p:cNvPicPr>
+            <a:picLocks noChangeAspect="1"/>
+          </p:cNvPicPr>
+          <p:nvPr/>
+        </p:nvPicPr>
+        <p:blipFill>
+          <a:blip r:embed="rId3">
+            <a:extLst>
+              <a:ext uri="{28A0092B-C50C-407E-A947-70E740481C1C}">
+                <a14:useLocalDpi xmlns:a14="http://schemas.microsoft.com/office/drawing/2010/main" val="0"/>
+              </a:ext>
+            </a:extLst>
+          </a:blip>
+          <a:stretch>
+            <a:fillRect/>
+          </a:stretch>
+        </p:blipFill>
+        <p:spPr>
+          <a:xfrm>
+            <a:off x="228600" y="1052186"/>
+            <a:ext cx="8686800" cy="3339070"/>
+          </a:xfrm>
+          <a:prstGeom prst="rect">
+            <a:avLst/>
+          </a:prstGeom>
+        </p:spPr>
+      </p:pic>
+      <p:sp>
+        <p:nvSpPr>
+          <p:cNvPr id="5" name="Content Placeholder 2"/>
+          <p:cNvSpPr>
+            <a:spLocks noGrp="1"/>
+          </p:cNvSpPr>
+          <p:nvPr>
+            <p:ph idx="1"/>
+          </p:nvPr>
+        </p:nvSpPr>
+        <p:spPr>
+          <a:xfrm>
+            <a:off x="457200" y="4546948"/>
+            <a:ext cx="8229600" cy="2179529"/>
+          </a:xfrm>
+        </p:spPr>
+        <p:txBody>
+          <a:bodyPr>
+            <a:normAutofit fontScale="77500" lnSpcReduction="20000"/>
+          </a:bodyPr>
+          <a:lstStyle/>
+          <a:p>
+            <a:r>
+              <a:rPr lang="en-US" dirty="0" smtClean="0"/>
+              <a:t>Model </a:t>
+            </a:r>
+            <a:r>
+              <a:rPr lang="mr-IN" dirty="0" smtClean="0"/>
+              <a:t>–</a:t>
+            </a:r>
+            <a:r>
+              <a:rPr lang="en-US" dirty="0" smtClean="0"/>
+              <a:t> </a:t>
+            </a:r>
+            <a:r>
+              <a:rPr lang="en-US" dirty="0" err="1" smtClean="0"/>
+              <a:t>Cmds</a:t>
+            </a:r>
+            <a:r>
+              <a:rPr lang="en-US" dirty="0" smtClean="0"/>
+              <a:t>, Strategies, </a:t>
+            </a:r>
+            <a:r>
+              <a:rPr lang="en-US" dirty="0" err="1" smtClean="0"/>
+              <a:t>GameObjects</a:t>
+            </a:r>
+            <a:endParaRPr lang="en-US" dirty="0" smtClean="0"/>
+          </a:p>
+          <a:p>
+            <a:pPr lvl="1"/>
+            <a:r>
+              <a:rPr lang="en-US" dirty="0" smtClean="0"/>
+              <a:t>Interfaces and abstract classes</a:t>
+            </a:r>
+          </a:p>
+          <a:p>
+            <a:r>
+              <a:rPr lang="en-US" dirty="0" err="1" smtClean="0"/>
+              <a:t>DispatchAdapter</a:t>
+            </a:r>
+            <a:r>
+              <a:rPr lang="en-US" dirty="0" smtClean="0"/>
+              <a:t>, Controller</a:t>
+            </a:r>
+          </a:p>
+          <a:p>
+            <a:pPr lvl="1"/>
+            <a:r>
+              <a:rPr lang="en-US" dirty="0" smtClean="0"/>
+              <a:t>Manage game, process requests</a:t>
+            </a:r>
+          </a:p>
+          <a:p>
+            <a:r>
+              <a:rPr lang="en-US" dirty="0" err="1" smtClean="0"/>
+              <a:t>View.js</a:t>
+            </a:r>
+            <a:r>
+              <a:rPr lang="en-US" dirty="0" smtClean="0"/>
+              <a:t>, </a:t>
+            </a:r>
+            <a:r>
+              <a:rPr lang="en-US" dirty="0" err="1" smtClean="0"/>
+              <a:t>Index.html</a:t>
+            </a:r>
+            <a:endParaRPr lang="en-US" dirty="0" smtClean="0"/>
+          </a:p>
+          <a:p>
+            <a:pPr lvl="1"/>
+            <a:r>
+              <a:rPr lang="en-US" dirty="0" smtClean="0"/>
+              <a:t>Display game objects, make requests</a:t>
+            </a:r>
+          </a:p>
+        </p:txBody>
+      </p:sp>
+    </p:spTree>
+    <p:extLst>
+      <p:ext uri="{BB962C8B-B14F-4D97-AF65-F5344CB8AC3E}">
+        <p14:creationId xmlns:p14="http://schemas.microsoft.com/office/powerpoint/2010/main" val="489816454"/>
+      </p:ext>
+    </p:extLst>
+  </p:cSld>
+  <p:clrMapOvr>
+    <a:masterClrMapping/>
+  </p:clrMapOvr>
+  <p:timing>
+    <p:tnLst>
+      <p:par>
+        <p:cTn id="1" dur="indefinite" restart="never" nodeType="tmRoot"/>
+      </p:par>
+    </p:tnLst>
+  </p:timing>
+</p:sld>
+</file>
+
+<file path=ppt/slides/slide20.xml><?xml version="1.0" encoding="utf-8"?>
+<p:sld xmlns:a="http://schemas.openxmlformats.org/drawingml/2006/main" xmlns:r="http://schemas.openxmlformats.org/officeDocument/2006/relationships" xmlns:p="http://schemas.openxmlformats.org/presentationml/2006/main">
+  <p:cSld>
+    <p:spTree>
+      <p:nvGrpSpPr>
+        <p:cNvPr id="1" name=""/>
+        <p:cNvGrpSpPr/>
+        <p:nvPr/>
+      </p:nvGrpSpPr>
+      <p:grpSpPr>
+        <a:xfrm>
+          <a:off x="0" y="0"/>
+          <a:ext cx="0" cy="0"/>
+          <a:chOff x="0" y="0"/>
+          <a:chExt cx="0" cy="0"/>
+        </a:xfrm>
+      </p:grpSpPr>
+      <p:sp>
+        <p:nvSpPr>
+          <p:cNvPr id="2" name="Title 1"/>
+          <p:cNvSpPr>
+            <a:spLocks noGrp="1"/>
+          </p:cNvSpPr>
+          <p:nvPr>
+            <p:ph type="title"/>
+          </p:nvPr>
+        </p:nvSpPr>
         <p:spPr/>
         <p:txBody>
           <a:bodyPr/>
           <a:lstStyle/>
           <a:p>
             <a:r>
-              <a:rPr lang="en-US" altLang="zh-CN" dirty="0" smtClean="0"/>
-              <a:t>Design</a:t>
-            </a:r>
-            <a:r>
-              <a:rPr lang="zh-CN" altLang="en-US" dirty="0" smtClean="0"/>
-              <a:t> </a:t>
-            </a:r>
-            <a:r>
-              <a:rPr lang="en-US" altLang="zh-CN" dirty="0" smtClean="0"/>
-              <a:t>Overview</a:t>
+              <a:rPr lang="en-US" dirty="0" smtClean="0"/>
+              <a:t>Model </a:t>
+            </a:r>
+            <a:r>
+              <a:rPr lang="mr-IN" dirty="0" smtClean="0"/>
+              <a:t>–</a:t>
+            </a:r>
+            <a:r>
+              <a:rPr lang="en-US" dirty="0" smtClean="0"/>
+              <a:t> Commands, Strategies</a:t>
             </a:r>
             <a:endParaRPr lang="en-US" dirty="0"/>
           </a:p>
@@ -5077,164 +10943,310 @@
           <a:lstStyle/>
           <a:p>
             <a:r>
-              <a:rPr lang="en-US" altLang="zh-CN" dirty="0" smtClean="0"/>
-              <a:t>Command</a:t>
-            </a:r>
-            <a:r>
-              <a:rPr lang="zh-CN" altLang="en-US" dirty="0" smtClean="0"/>
+              <a:rPr lang="en-US" dirty="0" smtClean="0"/>
+              <a:t>Commands</a:t>
+            </a:r>
+          </a:p>
+          <a:p>
+            <a:pPr lvl="1"/>
+            <a:r>
+              <a:rPr lang="en-US" dirty="0" err="1" smtClean="0"/>
+              <a:t>IGameObjectCmd</a:t>
+            </a:r>
+            <a:endParaRPr lang="en-US" dirty="0" smtClean="0"/>
+          </a:p>
+          <a:p>
+            <a:r>
+              <a:rPr lang="en-US" dirty="0" smtClean="0"/>
+              <a:t>Strategies</a:t>
+            </a:r>
+          </a:p>
+          <a:p>
+            <a:pPr lvl="1"/>
+            <a:r>
+              <a:rPr lang="en-US" dirty="0" err="1" smtClean="0"/>
+              <a:t>IUpdateStrategy</a:t>
+            </a:r>
+            <a:r>
+              <a:rPr lang="en-US" dirty="0" smtClean="0"/>
               <a:t> </a:t>
             </a:r>
             <a:r>
-              <a:rPr lang="en-US" altLang="zh-CN" dirty="0" smtClean="0"/>
-              <a:t>design</a:t>
-            </a:r>
-            <a:r>
-              <a:rPr lang="zh-CN" altLang="en-US" dirty="0" smtClean="0"/>
+              <a:rPr lang="mr-IN" dirty="0" smtClean="0"/>
+              <a:t>–</a:t>
+            </a:r>
+            <a:r>
+              <a:rPr lang="en-US" dirty="0" smtClean="0"/>
+              <a:t> move </a:t>
+            </a:r>
+            <a:r>
+              <a:rPr lang="en-US" dirty="0" err="1" smtClean="0"/>
+              <a:t>Pacman</a:t>
+            </a:r>
+            <a:r>
+              <a:rPr lang="en-US" dirty="0" smtClean="0"/>
+              <a:t> and ghosts</a:t>
+            </a:r>
+          </a:p>
+          <a:p>
+            <a:pPr lvl="1"/>
+            <a:r>
+              <a:rPr lang="en-US" dirty="0" err="1" smtClean="0"/>
+              <a:t>IInteractStrategy</a:t>
+            </a:r>
+            <a:r>
+              <a:rPr lang="en-US" dirty="0" smtClean="0"/>
               <a:t> </a:t>
             </a:r>
             <a:r>
-              <a:rPr lang="en-US" altLang="zh-CN" dirty="0" smtClean="0"/>
-              <a:t>pattern</a:t>
-            </a:r>
-          </a:p>
-          <a:p>
-            <a:pPr lvl="1"/>
-            <a:r>
-              <a:rPr lang="en-US" altLang="zh-CN" dirty="0" smtClean="0"/>
-              <a:t>For</a:t>
-            </a:r>
-            <a:r>
-              <a:rPr lang="zh-CN" altLang="en-US" dirty="0" smtClean="0"/>
-              <a:t> </a:t>
-            </a:r>
-            <a:r>
-              <a:rPr lang="en-US" altLang="zh-CN" dirty="0" smtClean="0"/>
-              <a:t>the</a:t>
-            </a:r>
-            <a:r>
-              <a:rPr lang="zh-CN" altLang="en-US" dirty="0" smtClean="0"/>
-              <a:t> </a:t>
-            </a:r>
-            <a:r>
-              <a:rPr lang="en-US" altLang="zh-CN" dirty="0" smtClean="0"/>
-              <a:t>overall</a:t>
-            </a:r>
-            <a:r>
-              <a:rPr lang="zh-CN" altLang="en-US" dirty="0" smtClean="0"/>
-              <a:t> </a:t>
-            </a:r>
-            <a:r>
-              <a:rPr lang="en-US" altLang="zh-CN" dirty="0" smtClean="0"/>
-              <a:t>game</a:t>
-            </a:r>
-            <a:r>
-              <a:rPr lang="zh-CN" altLang="en-US" dirty="0" smtClean="0"/>
-              <a:t> </a:t>
-            </a:r>
-            <a:r>
-              <a:rPr lang="en-US" altLang="zh-CN" dirty="0" smtClean="0"/>
-              <a:t>design</a:t>
-            </a:r>
-          </a:p>
-          <a:p>
-            <a:r>
-              <a:rPr lang="en-US" altLang="zh-CN" dirty="0" smtClean="0"/>
-              <a:t>Singleton</a:t>
-            </a:r>
-            <a:r>
-              <a:rPr lang="zh-CN" altLang="en-US" dirty="0" smtClean="0"/>
-              <a:t> </a:t>
-            </a:r>
-            <a:r>
-              <a:rPr lang="en-US" altLang="zh-CN" dirty="0" smtClean="0"/>
-              <a:t>design</a:t>
-            </a:r>
-            <a:r>
-              <a:rPr lang="zh-CN" altLang="en-US" dirty="0" smtClean="0"/>
-              <a:t> </a:t>
-            </a:r>
-            <a:r>
-              <a:rPr lang="en-US" altLang="zh-CN" dirty="0" smtClean="0"/>
-              <a:t>pattern</a:t>
-            </a:r>
-          </a:p>
-          <a:p>
-            <a:pPr lvl="1"/>
-            <a:r>
-              <a:rPr lang="en-US" altLang="zh-CN" dirty="0" smtClean="0"/>
-              <a:t>For</a:t>
-            </a:r>
-            <a:r>
-              <a:rPr lang="zh-CN" altLang="en-US" dirty="0" smtClean="0"/>
-              <a:t> </a:t>
-            </a:r>
-            <a:r>
-              <a:rPr lang="en-US" altLang="zh-CN" dirty="0" smtClean="0"/>
-              <a:t>the</a:t>
-            </a:r>
-            <a:r>
-              <a:rPr lang="zh-CN" altLang="en-US" dirty="0" smtClean="0"/>
-              <a:t> </a:t>
-            </a:r>
-            <a:r>
-              <a:rPr lang="en-US" altLang="zh-CN" dirty="0" err="1" smtClean="0"/>
-              <a:t>pacman</a:t>
-            </a:r>
-            <a:endParaRPr lang="en-US" altLang="zh-CN" dirty="0" smtClean="0"/>
-          </a:p>
-          <a:p>
-            <a:pPr lvl="1"/>
-            <a:r>
-              <a:rPr lang="en-US" altLang="zh-CN" dirty="0" smtClean="0"/>
-              <a:t>For</a:t>
-            </a:r>
-            <a:r>
-              <a:rPr lang="zh-CN" altLang="en-US" dirty="0" smtClean="0"/>
-              <a:t> </a:t>
-            </a:r>
-            <a:r>
-              <a:rPr lang="en-US" altLang="zh-CN" dirty="0" smtClean="0"/>
-              <a:t>c</a:t>
-            </a:r>
-            <a:r>
-              <a:rPr lang="en-US" altLang="zh-CN" dirty="0" smtClean="0"/>
-              <a:t>oncrete</a:t>
-            </a:r>
-            <a:r>
-              <a:rPr lang="zh-CN" altLang="en-US" dirty="0" smtClean="0"/>
-              <a:t> </a:t>
-            </a:r>
-            <a:r>
-              <a:rPr lang="en-US" altLang="zh-CN" dirty="0" smtClean="0"/>
-              <a:t>strategies</a:t>
-            </a:r>
-            <a:r>
-              <a:rPr lang="zh-CN" altLang="en-US" dirty="0" smtClean="0"/>
-              <a:t> </a:t>
-            </a:r>
-            <a:r>
-              <a:rPr lang="en-US" altLang="zh-CN" dirty="0" smtClean="0"/>
-              <a:t>and</a:t>
-            </a:r>
-            <a:r>
-              <a:rPr lang="zh-CN" altLang="en-US" dirty="0" smtClean="0"/>
-              <a:t> </a:t>
-            </a:r>
-            <a:r>
-              <a:rPr lang="en-US" altLang="zh-CN" dirty="0" smtClean="0"/>
-              <a:t>commands</a:t>
-            </a:r>
-            <a:endParaRPr lang="en-US" altLang="zh-CN" dirty="0"/>
-          </a:p>
-          <a:p>
-            <a:endParaRPr lang="en-US" altLang="zh-CN" dirty="0" smtClean="0"/>
+              <a:rPr lang="mr-IN" dirty="0" smtClean="0"/>
+              <a:t>–</a:t>
+            </a:r>
+            <a:r>
+              <a:rPr lang="en-US" dirty="0" smtClean="0"/>
+              <a:t> one-directional interactions</a:t>
+            </a:r>
           </a:p>
         </p:txBody>
       </p:sp>
     </p:spTree>
     <p:extLst>
       <p:ext uri="{BB962C8B-B14F-4D97-AF65-F5344CB8AC3E}">
-        <p14:creationId xmlns:p14="http://schemas.microsoft.com/office/powerpoint/2010/main" val="1235365097"/>
+        <p14:creationId xmlns:p14="http://schemas.microsoft.com/office/powerpoint/2010/main" val="354699675"/>
+      </p:ext>
+    </p:extLst>
+  </p:cSld>
+  <p:clrMapOvr>
+    <a:masterClrMapping/>
+  </p:clrMapOvr>
+  <p:timing>
+    <p:tnLst>
+      <p:par>
+        <p:cTn id="1" dur="indefinite" restart="never" nodeType="tmRoot"/>
+      </p:par>
+    </p:tnLst>
+  </p:timing>
+</p:sld>
+</file>
+
+<file path=ppt/slides/slide21.xml><?xml version="1.0" encoding="utf-8"?>
+<p:sld xmlns:a="http://schemas.openxmlformats.org/drawingml/2006/main" xmlns:r="http://schemas.openxmlformats.org/officeDocument/2006/relationships" xmlns:p="http://schemas.openxmlformats.org/presentationml/2006/main">
+  <p:cSld>
+    <p:spTree>
+      <p:nvGrpSpPr>
+        <p:cNvPr id="1" name=""/>
+        <p:cNvGrpSpPr/>
+        <p:nvPr/>
+      </p:nvGrpSpPr>
+      <p:grpSpPr>
+        <a:xfrm>
+          <a:off x="0" y="0"/>
+          <a:ext cx="0" cy="0"/>
+          <a:chOff x="0" y="0"/>
+          <a:chExt cx="0" cy="0"/>
+        </a:xfrm>
+      </p:grpSpPr>
+      <p:sp>
+        <p:nvSpPr>
+          <p:cNvPr id="2" name="Title 1"/>
+          <p:cNvSpPr>
+            <a:spLocks noGrp="1"/>
+          </p:cNvSpPr>
+          <p:nvPr>
+            <p:ph type="title"/>
+          </p:nvPr>
+        </p:nvSpPr>
+        <p:spPr/>
+        <p:txBody>
+          <a:bodyPr/>
+          <a:lstStyle/>
+          <a:p>
+            <a:r>
+              <a:rPr lang="en-US" altLang="zh-CN" dirty="0" smtClean="0"/>
+              <a:t>Design</a:t>
+            </a:r>
+            <a:r>
+              <a:rPr lang="zh-CN" altLang="en-US" dirty="0" smtClean="0"/>
+              <a:t> </a:t>
+            </a:r>
+            <a:r>
+              <a:rPr lang="en-US" altLang="zh-CN" dirty="0" smtClean="0"/>
+              <a:t>Overview</a:t>
+            </a:r>
+            <a:endParaRPr lang="en-US" dirty="0"/>
+          </a:p>
+        </p:txBody>
+      </p:sp>
+      <p:sp>
+        <p:nvSpPr>
+          <p:cNvPr id="3" name="Content Placeholder 2"/>
+          <p:cNvSpPr>
+            <a:spLocks noGrp="1"/>
+          </p:cNvSpPr>
+          <p:nvPr>
+            <p:ph idx="1"/>
+          </p:nvPr>
+        </p:nvSpPr>
+        <p:spPr/>
+        <p:txBody>
+          <a:bodyPr/>
+          <a:lstStyle/>
+          <a:p>
+            <a:r>
+              <a:rPr lang="en-US" altLang="zh-CN" dirty="0" smtClean="0"/>
+              <a:t>Command</a:t>
+            </a:r>
+            <a:r>
+              <a:rPr lang="zh-CN" altLang="en-US" dirty="0" smtClean="0"/>
+              <a:t> </a:t>
+            </a:r>
+            <a:r>
+              <a:rPr lang="en-US" altLang="zh-CN" dirty="0" smtClean="0"/>
+              <a:t>design</a:t>
+            </a:r>
+            <a:r>
+              <a:rPr lang="zh-CN" altLang="en-US" dirty="0" smtClean="0"/>
+              <a:t> </a:t>
+            </a:r>
+            <a:r>
+              <a:rPr lang="en-US" altLang="zh-CN" dirty="0" smtClean="0"/>
+              <a:t>pattern</a:t>
+            </a:r>
+          </a:p>
+          <a:p>
+            <a:pPr lvl="1"/>
+            <a:r>
+              <a:rPr lang="en-US" altLang="zh-CN" dirty="0" smtClean="0"/>
+              <a:t>For</a:t>
+            </a:r>
+            <a:r>
+              <a:rPr lang="zh-CN" altLang="en-US" dirty="0" smtClean="0"/>
+              <a:t> </a:t>
+            </a:r>
+            <a:r>
+              <a:rPr lang="en-US" altLang="zh-CN" dirty="0" smtClean="0"/>
+              <a:t>the</a:t>
+            </a:r>
+            <a:r>
+              <a:rPr lang="zh-CN" altLang="en-US" dirty="0" smtClean="0"/>
+              <a:t> </a:t>
+            </a:r>
+            <a:r>
+              <a:rPr lang="en-US" altLang="zh-CN" dirty="0" smtClean="0"/>
+              <a:t>overall</a:t>
+            </a:r>
+            <a:r>
+              <a:rPr lang="zh-CN" altLang="en-US" dirty="0" smtClean="0"/>
+              <a:t> </a:t>
+            </a:r>
+            <a:r>
+              <a:rPr lang="en-US" altLang="zh-CN" dirty="0" smtClean="0"/>
+              <a:t>game</a:t>
+            </a:r>
+            <a:r>
+              <a:rPr lang="zh-CN" altLang="en-US" dirty="0" smtClean="0"/>
+              <a:t> </a:t>
+            </a:r>
+            <a:r>
+              <a:rPr lang="en-US" altLang="zh-CN" dirty="0" smtClean="0"/>
+              <a:t>design</a:t>
+            </a:r>
+          </a:p>
+          <a:p>
+            <a:r>
+              <a:rPr lang="en-US" altLang="zh-CN" dirty="0" smtClean="0"/>
+              <a:t>Singleton</a:t>
+            </a:r>
+            <a:r>
+              <a:rPr lang="zh-CN" altLang="en-US" dirty="0" smtClean="0"/>
+              <a:t> </a:t>
+            </a:r>
+            <a:r>
+              <a:rPr lang="en-US" altLang="zh-CN" dirty="0" smtClean="0"/>
+              <a:t>design</a:t>
+            </a:r>
+            <a:r>
+              <a:rPr lang="zh-CN" altLang="en-US" dirty="0" smtClean="0"/>
+              <a:t> </a:t>
+            </a:r>
+            <a:r>
+              <a:rPr lang="en-US" altLang="zh-CN" dirty="0" smtClean="0"/>
+              <a:t>pattern</a:t>
+            </a:r>
+          </a:p>
+          <a:p>
+            <a:pPr lvl="1"/>
+            <a:r>
+              <a:rPr lang="en-US" altLang="zh-CN" dirty="0" smtClean="0"/>
+              <a:t>For</a:t>
+            </a:r>
+            <a:r>
+              <a:rPr lang="zh-CN" altLang="en-US" dirty="0" smtClean="0"/>
+              <a:t> </a:t>
+            </a:r>
+            <a:r>
+              <a:rPr lang="en-US" altLang="zh-CN" dirty="0" smtClean="0"/>
+              <a:t>the</a:t>
+            </a:r>
+            <a:r>
+              <a:rPr lang="zh-CN" altLang="en-US" dirty="0" smtClean="0"/>
+              <a:t> </a:t>
+            </a:r>
+            <a:r>
+              <a:rPr lang="en-US" altLang="zh-CN" dirty="0" err="1" smtClean="0"/>
+              <a:t>pacman</a:t>
+            </a:r>
+            <a:endParaRPr lang="en-US" altLang="zh-CN" dirty="0" smtClean="0"/>
+          </a:p>
+          <a:p>
+            <a:pPr lvl="1"/>
+            <a:r>
+              <a:rPr lang="en-US" altLang="zh-CN" dirty="0" smtClean="0"/>
+              <a:t>For</a:t>
+            </a:r>
+            <a:r>
+              <a:rPr lang="zh-CN" altLang="en-US" dirty="0" smtClean="0"/>
+              <a:t> </a:t>
+            </a:r>
+            <a:r>
+              <a:rPr lang="en-US" altLang="zh-CN" dirty="0" smtClean="0"/>
+              <a:t>concrete</a:t>
+            </a:r>
+            <a:r>
+              <a:rPr lang="zh-CN" altLang="en-US" dirty="0" smtClean="0"/>
+              <a:t> </a:t>
+            </a:r>
+            <a:r>
+              <a:rPr lang="en-US" altLang="zh-CN" dirty="0" smtClean="0"/>
+              <a:t>strategies</a:t>
+            </a:r>
+            <a:r>
+              <a:rPr lang="zh-CN" altLang="en-US" dirty="0" smtClean="0"/>
+              <a:t> </a:t>
+            </a:r>
+            <a:r>
+              <a:rPr lang="en-US" altLang="zh-CN" dirty="0" smtClean="0"/>
+              <a:t>and</a:t>
+            </a:r>
+            <a:r>
+              <a:rPr lang="zh-CN" altLang="en-US" dirty="0" smtClean="0"/>
+              <a:t> </a:t>
+            </a:r>
+            <a:r>
+              <a:rPr lang="en-US" altLang="zh-CN" dirty="0" smtClean="0"/>
+              <a:t>commands</a:t>
+            </a:r>
+            <a:endParaRPr lang="en-US" altLang="zh-CN" dirty="0"/>
+          </a:p>
+          <a:p>
+            <a:endParaRPr lang="en-US" altLang="zh-CN" dirty="0" smtClean="0"/>
+          </a:p>
+        </p:txBody>
+      </p:sp>
+    </p:spTree>
+    <p:extLst>
+      <p:ext uri="{BB962C8B-B14F-4D97-AF65-F5344CB8AC3E}">
+        <p14:creationId xmlns:p14="http://schemas.microsoft.com/office/powerpoint/2010/main" val="1967083112"/>
       </p:ext>
     </p:extLst>
   </p:cSld>
@@ -5278,19 +11290,22 @@
             <p:ph type="title"/>
           </p:nvPr>
         </p:nvSpPr>
-        <p:spPr>
-          <a:xfrm>
-            <a:off x="457200" y="274638"/>
-            <a:ext cx="8229600" cy="777548"/>
-          </a:xfrm>
-        </p:spPr>
+        <p:spPr/>
         <p:txBody>
           <a:bodyPr/>
           <a:lstStyle/>
           <a:p>
             <a:r>
-              <a:rPr lang="en-US" dirty="0" smtClean="0"/>
-              <a:t>API Overview</a:t>
+              <a:rPr lang="en-US" altLang="zh-CN" dirty="0" smtClean="0"/>
+              <a:t>Model—Commands,</a:t>
+            </a:r>
+            <a:r>
+              <a:rPr lang="zh-CN" altLang="en-US" dirty="0" smtClean="0"/>
+              <a:t> </a:t>
+            </a:r>
+            <a:r>
+              <a:rPr lang="en-US" altLang="zh-CN" dirty="0" smtClean="0"/>
+              <a:t>Strategies</a:t>
             </a:r>
             <a:endParaRPr lang="en-US" dirty="0"/>
           </a:p>
@@ -5298,194 +11313,7 @@
       </p:sp>
       <p:pic>
         <p:nvPicPr>
-          <p:cNvPr id="4" name="Picture 3"/>
-          <p:cNvPicPr>
-            <a:picLocks noChangeAspect="1"/>
-          </p:cNvPicPr>
-          <p:nvPr/>
-        </p:nvPicPr>
-        <p:blipFill>
-          <a:blip r:embed="rId3">
-            <a:extLst>
-              <a:ext uri="{28A0092B-C50C-407E-A947-70E740481C1C}">
-                <a14:useLocalDpi xmlns:a14="http://schemas.microsoft.com/office/drawing/2010/main" val="0"/>
-              </a:ext>
-            </a:extLst>
-          </a:blip>
-          <a:stretch>
-            <a:fillRect/>
-          </a:stretch>
-        </p:blipFill>
-        <p:spPr>
-          <a:xfrm>
-            <a:off x="228600" y="1052186"/>
-            <a:ext cx="8686800" cy="3339070"/>
-          </a:xfrm>
-          <a:prstGeom prst="rect">
-            <a:avLst/>
-          </a:prstGeom>
-        </p:spPr>
-      </p:pic>
-      <p:sp>
-        <p:nvSpPr>
-          <p:cNvPr id="5" name="Content Placeholder 2"/>
-          <p:cNvSpPr>
-            <a:spLocks noGrp="1"/>
-          </p:cNvSpPr>
-          <p:nvPr>
-            <p:ph idx="1"/>
-          </p:nvPr>
-        </p:nvSpPr>
-        <p:spPr>
-          <a:xfrm>
-            <a:off x="457200" y="4546948"/>
-            <a:ext cx="8229600" cy="2179529"/>
-          </a:xfrm>
-        </p:spPr>
-        <p:txBody>
-          <a:bodyPr>
-            <a:normAutofit fontScale="77500" lnSpcReduction="20000"/>
-          </a:bodyPr>
-          <a:lstStyle/>
-          <a:p>
-            <a:r>
-              <a:rPr lang="en-US" dirty="0" smtClean="0"/>
-              <a:t>Model </a:t>
-            </a:r>
-            <a:r>
-              <a:rPr lang="mr-IN" dirty="0" smtClean="0"/>
-              <a:t>–</a:t>
-            </a:r>
-            <a:r>
-              <a:rPr lang="en-US" dirty="0" smtClean="0"/>
-              <a:t> </a:t>
-            </a:r>
-            <a:r>
-              <a:rPr lang="en-US" dirty="0" err="1" smtClean="0"/>
-              <a:t>Cmds</a:t>
-            </a:r>
-            <a:r>
-              <a:rPr lang="en-US" dirty="0" smtClean="0"/>
-              <a:t>, Strategies, </a:t>
-            </a:r>
-            <a:r>
-              <a:rPr lang="en-US" dirty="0" err="1" smtClean="0"/>
-              <a:t>GameObjects</a:t>
-            </a:r>
-            <a:endParaRPr lang="en-US" dirty="0" smtClean="0"/>
-          </a:p>
-          <a:p>
-            <a:pPr lvl="1"/>
-            <a:r>
-              <a:rPr lang="en-US" dirty="0" smtClean="0"/>
-              <a:t>Interfaces and abstract classes</a:t>
-            </a:r>
-          </a:p>
-          <a:p>
-            <a:r>
-              <a:rPr lang="en-US" dirty="0" err="1" smtClean="0"/>
-              <a:t>DispatchAdapter</a:t>
-            </a:r>
-            <a:r>
-              <a:rPr lang="en-US" dirty="0" smtClean="0"/>
-              <a:t>, Controller</a:t>
-            </a:r>
-          </a:p>
-          <a:p>
-            <a:pPr lvl="1"/>
-            <a:r>
-              <a:rPr lang="en-US" dirty="0" smtClean="0"/>
-              <a:t>Manage game, process requests</a:t>
-            </a:r>
-          </a:p>
-          <a:p>
-            <a:r>
-              <a:rPr lang="en-US" dirty="0" err="1" smtClean="0"/>
-              <a:t>View.js</a:t>
-            </a:r>
-            <a:r>
-              <a:rPr lang="en-US" dirty="0" smtClean="0"/>
-              <a:t>, </a:t>
-            </a:r>
-            <a:r>
-              <a:rPr lang="en-US" dirty="0" err="1" smtClean="0"/>
-              <a:t>Index.html</a:t>
-            </a:r>
-            <a:endParaRPr lang="en-US" dirty="0" smtClean="0"/>
-          </a:p>
-          <a:p>
-            <a:pPr lvl="1"/>
-            <a:r>
-              <a:rPr lang="en-US" dirty="0" smtClean="0"/>
-              <a:t>Display game objects, make requests</a:t>
-            </a:r>
-          </a:p>
-        </p:txBody>
-      </p:sp>
-    </p:spTree>
-    <p:extLst>
-      <p:ext uri="{BB962C8B-B14F-4D97-AF65-F5344CB8AC3E}">
-        <p14:creationId xmlns:p14="http://schemas.microsoft.com/office/powerpoint/2010/main" val="489816454"/>
-      </p:ext>
-    </p:extLst>
-  </p:cSld>
-  <p:clrMapOvr>
-    <a:masterClrMapping/>
-  </p:clrMapOvr>
-</p:sld>
-</file>
-
-<file path=ppt/slides/slide4.xml><?xml version="1.0" encoding="utf-8"?>
-<p:sld xmlns:a="http://schemas.openxmlformats.org/drawingml/2006/main" xmlns:r="http://schemas.openxmlformats.org/officeDocument/2006/relationships" xmlns:p="http://schemas.openxmlformats.org/presentationml/2006/main">
-  <p:cSld>
-    <p:spTree>
-      <p:nvGrpSpPr>
-        <p:cNvPr id="1" name=""/>
-        <p:cNvGrpSpPr/>
-        <p:nvPr/>
-      </p:nvGrpSpPr>
-      <p:grpSpPr>
-        <a:xfrm>
-          <a:off x="0" y="0"/>
-          <a:ext cx="0" cy="0"/>
-          <a:chOff x="0" y="0"/>
-          <a:chExt cx="0" cy="0"/>
-        </a:xfrm>
-      </p:grpSpPr>
-      <p:sp>
-        <p:nvSpPr>
-          <p:cNvPr id="2" name="Title 1"/>
-          <p:cNvSpPr>
-            <a:spLocks noGrp="1"/>
-          </p:cNvSpPr>
-          <p:nvPr>
-            <p:ph type="title"/>
-          </p:nvPr>
-        </p:nvSpPr>
-        <p:spPr/>
-        <p:txBody>
-          <a:bodyPr/>
-          <a:lstStyle/>
-          <a:p>
-            <a:r>
-              <a:rPr lang="en-US" altLang="zh-CN" dirty="0" smtClean="0"/>
-              <a:t>Model—Commands,</a:t>
-            </a:r>
-            <a:r>
-              <a:rPr lang="zh-CN" altLang="en-US" dirty="0" smtClean="0"/>
-              <a:t> </a:t>
-            </a:r>
-            <a:r>
-              <a:rPr lang="en-US" altLang="zh-CN" dirty="0" smtClean="0"/>
-              <a:t>Strategies</a:t>
-            </a:r>
-            <a:endParaRPr lang="en-US" dirty="0"/>
-          </a:p>
-        </p:txBody>
-      </p:sp>
-      <p:pic>
-        <p:nvPicPr>
-          <p:cNvPr id="4" name="Picture 3"/>
+          <p:cNvPr id="3" name="Picture 2"/>
           <p:cNvPicPr>
             <a:picLocks noChangeAspect="1"/>
           </p:cNvPicPr>
@@ -5505,8 +11333,8 @@
         </p:blipFill>
         <p:spPr>
           <a:xfrm>
-            <a:off x="0" y="1250863"/>
-            <a:ext cx="9144000" cy="3431211"/>
+            <a:off x="0" y="1749469"/>
+            <a:ext cx="9144000" cy="3800104"/>
           </a:xfrm>
           <a:prstGeom prst="rect">
             <a:avLst/>
@@ -5516,7 +11344,7 @@
     </p:spTree>
     <p:extLst>
       <p:ext uri="{BB962C8B-B14F-4D97-AF65-F5344CB8AC3E}">
-        <p14:creationId xmlns:p14="http://schemas.microsoft.com/office/powerpoint/2010/main" val="2060030462"/>
+        <p14:creationId xmlns:p14="http://schemas.microsoft.com/office/powerpoint/2010/main" val="998792338"/>
       </p:ext>
     </p:extLst>
   </p:cSld>
@@ -5533,7 +11361,7 @@
 </p:sld>
 </file>
 
-<file path=ppt/slides/slide5.xml><?xml version="1.0" encoding="utf-8"?>
+<file path=ppt/slides/slide4.xml><?xml version="1.0" encoding="utf-8"?>
 <p:sld xmlns:a="http://schemas.openxmlformats.org/drawingml/2006/main" xmlns:r="http://schemas.openxmlformats.org/officeDocument/2006/relationships" xmlns:p="http://schemas.openxmlformats.org/presentationml/2006/main">
   <p:cSld>
     <p:spTree>
@@ -5619,7 +11447,7 @@
     </p:spTree>
     <p:extLst>
       <p:ext uri="{BB962C8B-B14F-4D97-AF65-F5344CB8AC3E}">
-        <p14:creationId xmlns:p14="http://schemas.microsoft.com/office/powerpoint/2010/main" val="2696746514"/>
+        <p14:creationId xmlns:p14="http://schemas.microsoft.com/office/powerpoint/2010/main" val="1970639814"/>
       </p:ext>
     </p:extLst>
   </p:cSld>
@@ -5636,7 +11464,7 @@
 </p:sld>
 </file>
 
-<file path=ppt/slides/slide6.xml><?xml version="1.0" encoding="utf-8"?>
+<file path=ppt/slides/slide5.xml><?xml version="1.0" encoding="utf-8"?>
 <p:sld xmlns:a="http://schemas.openxmlformats.org/drawingml/2006/main" xmlns:r="http://schemas.openxmlformats.org/officeDocument/2006/relationships" xmlns:p="http://schemas.openxmlformats.org/presentationml/2006/main">
   <p:cSld>
     <p:spTree>
@@ -5739,7 +11567,7 @@
     </p:spTree>
     <p:extLst>
       <p:ext uri="{BB962C8B-B14F-4D97-AF65-F5344CB8AC3E}">
-        <p14:creationId xmlns:p14="http://schemas.microsoft.com/office/powerpoint/2010/main" val="4037834688"/>
+        <p14:creationId xmlns:p14="http://schemas.microsoft.com/office/powerpoint/2010/main" val="773997192"/>
       </p:ext>
     </p:extLst>
   </p:cSld>
@@ -5752,6 +11580,779 @@
         <p:cTn id="1" dur="indefinite" restart="never" nodeType="tmRoot"/>
       </p:par>
     </p:tnLst>
+  </p:timing>
+</p:sld>
+</file>
+
+<file path=ppt/slides/slide6.xml><?xml version="1.0" encoding="utf-8"?>
+<p:sld xmlns:a="http://schemas.openxmlformats.org/drawingml/2006/main" xmlns:r="http://schemas.openxmlformats.org/officeDocument/2006/relationships" xmlns:p="http://schemas.openxmlformats.org/presentationml/2006/main">
+  <p:cSld>
+    <p:spTree>
+      <p:nvGrpSpPr>
+        <p:cNvPr id="1" name=""/>
+        <p:cNvGrpSpPr/>
+        <p:nvPr/>
+      </p:nvGrpSpPr>
+      <p:grpSpPr>
+        <a:xfrm>
+          <a:off x="0" y="0"/>
+          <a:ext cx="0" cy="0"/>
+          <a:chOff x="0" y="0"/>
+          <a:chExt cx="0" cy="0"/>
+        </a:xfrm>
+      </p:grpSpPr>
+      <p:sp>
+        <p:nvSpPr>
+          <p:cNvPr id="2" name="Title 1"/>
+          <p:cNvSpPr>
+            <a:spLocks noGrp="1"/>
+          </p:cNvSpPr>
+          <p:nvPr>
+            <p:ph type="title"/>
+          </p:nvPr>
+        </p:nvSpPr>
+        <p:spPr/>
+        <p:txBody>
+          <a:bodyPr/>
+          <a:lstStyle/>
+          <a:p>
+            <a:r>
+              <a:rPr lang="en-US" altLang="zh-CN" dirty="0" smtClean="0"/>
+              <a:t>Moving</a:t>
+            </a:r>
+            <a:r>
+              <a:rPr lang="zh-CN" altLang="en-US" dirty="0" smtClean="0"/>
+              <a:t> </a:t>
+            </a:r>
+            <a:r>
+              <a:rPr lang="en-US" altLang="zh-CN" dirty="0" smtClean="0"/>
+              <a:t>Pacman</a:t>
+            </a:r>
+            <a:endParaRPr lang="en-US" dirty="0"/>
+          </a:p>
+        </p:txBody>
+      </p:sp>
+      <p:sp>
+        <p:nvSpPr>
+          <p:cNvPr id="7" name="Rectangle 6"/>
+          <p:cNvSpPr/>
+          <p:nvPr/>
+        </p:nvSpPr>
+        <p:spPr>
+          <a:xfrm>
+            <a:off x="1227551" y="1440492"/>
+            <a:ext cx="2580362" cy="889348"/>
+          </a:xfrm>
+          <a:prstGeom prst="rect">
+            <a:avLst/>
+          </a:prstGeom>
+        </p:spPr>
+        <p:style>
+          <a:lnRef idx="1">
+            <a:schemeClr val="accent1"/>
+          </a:lnRef>
+          <a:fillRef idx="3">
+            <a:schemeClr val="accent1"/>
+          </a:fillRef>
+          <a:effectRef idx="2">
+            <a:schemeClr val="accent1"/>
+          </a:effectRef>
+          <a:fontRef idx="minor">
+            <a:schemeClr val="lt1"/>
+          </a:fontRef>
+        </p:style>
+        <p:txBody>
+          <a:bodyPr rtlCol="0" anchor="ctr"/>
+          <a:lstStyle/>
+          <a:p>
+            <a:pPr algn="ctr"/>
+            <a:r>
+              <a:rPr lang="en-US" altLang="zh-CN" dirty="0" err="1" smtClean="0"/>
+              <a:t>updatePacWorld</a:t>
+            </a:r>
+            <a:endParaRPr lang="en-US" dirty="0"/>
+          </a:p>
+        </p:txBody>
+      </p:sp>
+      <p:sp>
+        <p:nvSpPr>
+          <p:cNvPr id="8" name="Rectangle 7"/>
+          <p:cNvSpPr/>
+          <p:nvPr/>
+        </p:nvSpPr>
+        <p:spPr>
+          <a:xfrm>
+            <a:off x="1227551" y="2918565"/>
+            <a:ext cx="2580362" cy="926926"/>
+          </a:xfrm>
+          <a:prstGeom prst="rect">
+            <a:avLst/>
+          </a:prstGeom>
+        </p:spPr>
+        <p:style>
+          <a:lnRef idx="1">
+            <a:schemeClr val="accent1"/>
+          </a:lnRef>
+          <a:fillRef idx="3">
+            <a:schemeClr val="accent1"/>
+          </a:fillRef>
+          <a:effectRef idx="2">
+            <a:schemeClr val="accent1"/>
+          </a:effectRef>
+          <a:fontRef idx="minor">
+            <a:schemeClr val="lt1"/>
+          </a:fontRef>
+        </p:style>
+        <p:txBody>
+          <a:bodyPr rtlCol="0" anchor="ctr"/>
+          <a:lstStyle/>
+          <a:p>
+            <a:pPr algn="ctr"/>
+            <a:r>
+              <a:rPr lang="en-US" altLang="zh-CN" dirty="0" err="1" smtClean="0"/>
+              <a:t>updateCmd</a:t>
+            </a:r>
+            <a:endParaRPr lang="en-US" dirty="0"/>
+          </a:p>
+        </p:txBody>
+      </p:sp>
+      <p:sp>
+        <p:nvSpPr>
+          <p:cNvPr id="9" name="Rectangle 8"/>
+          <p:cNvSpPr/>
+          <p:nvPr/>
+        </p:nvSpPr>
+        <p:spPr>
+          <a:xfrm>
+            <a:off x="1227551" y="4434216"/>
+            <a:ext cx="2580362" cy="826718"/>
+          </a:xfrm>
+          <a:prstGeom prst="rect">
+            <a:avLst/>
+          </a:prstGeom>
+        </p:spPr>
+        <p:style>
+          <a:lnRef idx="1">
+            <a:schemeClr val="accent1"/>
+          </a:lnRef>
+          <a:fillRef idx="3">
+            <a:schemeClr val="accent1"/>
+          </a:fillRef>
+          <a:effectRef idx="2">
+            <a:schemeClr val="accent1"/>
+          </a:effectRef>
+          <a:fontRef idx="minor">
+            <a:schemeClr val="lt1"/>
+          </a:fontRef>
+        </p:style>
+        <p:txBody>
+          <a:bodyPr rtlCol="0" anchor="ctr"/>
+          <a:lstStyle/>
+          <a:p>
+            <a:pPr algn="ctr"/>
+            <a:r>
+              <a:rPr lang="en-US" altLang="zh-CN" dirty="0" err="1" smtClean="0"/>
+              <a:t>collisionCmd</a:t>
+            </a:r>
+            <a:endParaRPr lang="en-US" dirty="0"/>
+          </a:p>
+        </p:txBody>
+      </p:sp>
+      <p:sp>
+        <p:nvSpPr>
+          <p:cNvPr id="10" name="Rectangle 9"/>
+          <p:cNvSpPr/>
+          <p:nvPr/>
+        </p:nvSpPr>
+        <p:spPr>
+          <a:xfrm>
+            <a:off x="1227551" y="5824603"/>
+            <a:ext cx="2580362" cy="876822"/>
+          </a:xfrm>
+          <a:prstGeom prst="rect">
+            <a:avLst/>
+          </a:prstGeom>
+        </p:spPr>
+        <p:style>
+          <a:lnRef idx="1">
+            <a:schemeClr val="accent1"/>
+          </a:lnRef>
+          <a:fillRef idx="3">
+            <a:schemeClr val="accent1"/>
+          </a:fillRef>
+          <a:effectRef idx="2">
+            <a:schemeClr val="accent1"/>
+          </a:effectRef>
+          <a:fontRef idx="minor">
+            <a:schemeClr val="lt1"/>
+          </a:fontRef>
+        </p:style>
+        <p:txBody>
+          <a:bodyPr rtlCol="0" anchor="ctr"/>
+          <a:lstStyle/>
+          <a:p>
+            <a:pPr algn="ctr"/>
+            <a:r>
+              <a:rPr lang="en-US" altLang="zh-CN" dirty="0" smtClean="0"/>
+              <a:t>If</a:t>
+            </a:r>
+            <a:r>
+              <a:rPr lang="zh-CN" altLang="en-US" dirty="0" smtClean="0"/>
+              <a:t> </a:t>
+            </a:r>
+            <a:r>
+              <a:rPr lang="en-US" altLang="zh-CN" dirty="0" err="1" smtClean="0"/>
+              <a:t>PacmanCollision</a:t>
+            </a:r>
+            <a:endParaRPr lang="en-US" dirty="0"/>
+          </a:p>
+        </p:txBody>
+      </p:sp>
+      <p:sp>
+        <p:nvSpPr>
+          <p:cNvPr id="11" name="Rectangle 10"/>
+          <p:cNvSpPr/>
+          <p:nvPr/>
+        </p:nvSpPr>
+        <p:spPr>
+          <a:xfrm>
+            <a:off x="5223353" y="2918565"/>
+            <a:ext cx="2517732" cy="926925"/>
+          </a:xfrm>
+          <a:prstGeom prst="rect">
+            <a:avLst/>
+          </a:prstGeom>
+        </p:spPr>
+        <p:style>
+          <a:lnRef idx="1">
+            <a:schemeClr val="accent1"/>
+          </a:lnRef>
+          <a:fillRef idx="3">
+            <a:schemeClr val="accent1"/>
+          </a:fillRef>
+          <a:effectRef idx="2">
+            <a:schemeClr val="accent1"/>
+          </a:effectRef>
+          <a:fontRef idx="minor">
+            <a:schemeClr val="lt1"/>
+          </a:fontRef>
+        </p:style>
+        <p:txBody>
+          <a:bodyPr rtlCol="0" anchor="ctr"/>
+          <a:lstStyle/>
+          <a:p>
+            <a:pPr algn="ctr"/>
+            <a:r>
+              <a:rPr lang="en-US" altLang="zh-CN" dirty="0" smtClean="0"/>
+              <a:t>Pacman</a:t>
+            </a:r>
+            <a:r>
+              <a:rPr lang="zh-CN" altLang="en-US" dirty="0" smtClean="0"/>
+              <a:t> </a:t>
+            </a:r>
+            <a:r>
+              <a:rPr lang="en-US" altLang="zh-CN" dirty="0" smtClean="0"/>
+              <a:t>Update</a:t>
+            </a:r>
+            <a:endParaRPr lang="en-US" dirty="0"/>
+          </a:p>
+        </p:txBody>
+      </p:sp>
+      <p:sp>
+        <p:nvSpPr>
+          <p:cNvPr id="12" name="Rectangle 11"/>
+          <p:cNvSpPr/>
+          <p:nvPr/>
+        </p:nvSpPr>
+        <p:spPr>
+          <a:xfrm>
+            <a:off x="5223353" y="4434216"/>
+            <a:ext cx="2517732" cy="826718"/>
+          </a:xfrm>
+          <a:prstGeom prst="rect">
+            <a:avLst/>
+          </a:prstGeom>
+        </p:spPr>
+        <p:style>
+          <a:lnRef idx="1">
+            <a:schemeClr val="accent1"/>
+          </a:lnRef>
+          <a:fillRef idx="3">
+            <a:schemeClr val="accent1"/>
+          </a:fillRef>
+          <a:effectRef idx="2">
+            <a:schemeClr val="accent1"/>
+          </a:effectRef>
+          <a:fontRef idx="minor">
+            <a:schemeClr val="lt1"/>
+          </a:fontRef>
+        </p:style>
+        <p:txBody>
+          <a:bodyPr rtlCol="0" anchor="ctr"/>
+          <a:lstStyle/>
+          <a:p>
+            <a:pPr algn="ctr"/>
+            <a:r>
+              <a:rPr lang="en-US" altLang="zh-CN" dirty="0" smtClean="0"/>
+              <a:t>Pacman</a:t>
+            </a:r>
+            <a:r>
+              <a:rPr lang="zh-CN" altLang="en-US" dirty="0" smtClean="0"/>
+              <a:t> </a:t>
+            </a:r>
+            <a:r>
+              <a:rPr lang="en-US" altLang="zh-CN" dirty="0" smtClean="0"/>
+              <a:t>Interaction</a:t>
+            </a:r>
+            <a:endParaRPr lang="en-US" dirty="0"/>
+          </a:p>
+        </p:txBody>
+      </p:sp>
+      <p:sp>
+        <p:nvSpPr>
+          <p:cNvPr id="15" name="Down Arrow 14"/>
+          <p:cNvSpPr/>
+          <p:nvPr/>
+        </p:nvSpPr>
+        <p:spPr>
+          <a:xfrm>
+            <a:off x="2267211" y="2329840"/>
+            <a:ext cx="388307" cy="588725"/>
+          </a:xfrm>
+          <a:prstGeom prst="downArrow">
+            <a:avLst/>
+          </a:prstGeom>
+        </p:spPr>
+        <p:style>
+          <a:lnRef idx="1">
+            <a:schemeClr val="accent1"/>
+          </a:lnRef>
+          <a:fillRef idx="3">
+            <a:schemeClr val="accent1"/>
+          </a:fillRef>
+          <a:effectRef idx="2">
+            <a:schemeClr val="accent1"/>
+          </a:effectRef>
+          <a:fontRef idx="minor">
+            <a:schemeClr val="lt1"/>
+          </a:fontRef>
+        </p:style>
+        <p:txBody>
+          <a:bodyPr rtlCol="0" anchor="ctr"/>
+          <a:lstStyle/>
+          <a:p>
+            <a:pPr algn="ctr"/>
+            <a:endParaRPr lang="en-US"/>
+          </a:p>
+        </p:txBody>
+      </p:sp>
+      <p:sp>
+        <p:nvSpPr>
+          <p:cNvPr id="16" name="Down Arrow 15"/>
+          <p:cNvSpPr/>
+          <p:nvPr/>
+        </p:nvSpPr>
+        <p:spPr>
+          <a:xfrm>
+            <a:off x="2267210" y="3845491"/>
+            <a:ext cx="388307" cy="588725"/>
+          </a:xfrm>
+          <a:prstGeom prst="downArrow">
+            <a:avLst/>
+          </a:prstGeom>
+        </p:spPr>
+        <p:style>
+          <a:lnRef idx="1">
+            <a:schemeClr val="accent1"/>
+          </a:lnRef>
+          <a:fillRef idx="3">
+            <a:schemeClr val="accent1"/>
+          </a:fillRef>
+          <a:effectRef idx="2">
+            <a:schemeClr val="accent1"/>
+          </a:effectRef>
+          <a:fontRef idx="minor">
+            <a:schemeClr val="lt1"/>
+          </a:fontRef>
+        </p:style>
+        <p:txBody>
+          <a:bodyPr rtlCol="0" anchor="ctr"/>
+          <a:lstStyle/>
+          <a:p>
+            <a:pPr algn="ctr"/>
+            <a:endParaRPr lang="en-US"/>
+          </a:p>
+        </p:txBody>
+      </p:sp>
+      <p:sp>
+        <p:nvSpPr>
+          <p:cNvPr id="17" name="Down Arrow 16"/>
+          <p:cNvSpPr/>
+          <p:nvPr/>
+        </p:nvSpPr>
+        <p:spPr>
+          <a:xfrm>
+            <a:off x="2267210" y="5267196"/>
+            <a:ext cx="388307" cy="588725"/>
+          </a:xfrm>
+          <a:prstGeom prst="downArrow">
+            <a:avLst/>
+          </a:prstGeom>
+        </p:spPr>
+        <p:style>
+          <a:lnRef idx="1">
+            <a:schemeClr val="accent1"/>
+          </a:lnRef>
+          <a:fillRef idx="3">
+            <a:schemeClr val="accent1"/>
+          </a:fillRef>
+          <a:effectRef idx="2">
+            <a:schemeClr val="accent1"/>
+          </a:effectRef>
+          <a:fontRef idx="minor">
+            <a:schemeClr val="lt1"/>
+          </a:fontRef>
+        </p:style>
+        <p:txBody>
+          <a:bodyPr rtlCol="0" anchor="ctr"/>
+          <a:lstStyle/>
+          <a:p>
+            <a:pPr algn="ctr"/>
+            <a:endParaRPr lang="en-US"/>
+          </a:p>
+        </p:txBody>
+      </p:sp>
+      <p:sp>
+        <p:nvSpPr>
+          <p:cNvPr id="18" name="Right Arrow 17"/>
+          <p:cNvSpPr/>
+          <p:nvPr/>
+        </p:nvSpPr>
+        <p:spPr>
+          <a:xfrm>
+            <a:off x="3795387" y="3206662"/>
+            <a:ext cx="1415440" cy="350729"/>
+          </a:xfrm>
+          <a:prstGeom prst="rightArrow">
+            <a:avLst/>
+          </a:prstGeom>
+        </p:spPr>
+        <p:style>
+          <a:lnRef idx="1">
+            <a:schemeClr val="accent1"/>
+          </a:lnRef>
+          <a:fillRef idx="3">
+            <a:schemeClr val="accent1"/>
+          </a:fillRef>
+          <a:effectRef idx="2">
+            <a:schemeClr val="accent1"/>
+          </a:effectRef>
+          <a:fontRef idx="minor">
+            <a:schemeClr val="lt1"/>
+          </a:fontRef>
+        </p:style>
+        <p:txBody>
+          <a:bodyPr rtlCol="0" anchor="ctr"/>
+          <a:lstStyle/>
+          <a:p>
+            <a:pPr algn="ctr"/>
+            <a:endParaRPr lang="en-US"/>
+          </a:p>
+        </p:txBody>
+      </p:sp>
+      <p:sp>
+        <p:nvSpPr>
+          <p:cNvPr id="19" name="Right Arrow 18"/>
+          <p:cNvSpPr/>
+          <p:nvPr/>
+        </p:nvSpPr>
+        <p:spPr>
+          <a:xfrm>
+            <a:off x="3795387" y="4672210"/>
+            <a:ext cx="1415440" cy="350729"/>
+          </a:xfrm>
+          <a:prstGeom prst="rightArrow">
+            <a:avLst/>
+          </a:prstGeom>
+        </p:spPr>
+        <p:style>
+          <a:lnRef idx="1">
+            <a:schemeClr val="accent1"/>
+          </a:lnRef>
+          <a:fillRef idx="3">
+            <a:schemeClr val="accent1"/>
+          </a:fillRef>
+          <a:effectRef idx="2">
+            <a:schemeClr val="accent1"/>
+          </a:effectRef>
+          <a:fontRef idx="minor">
+            <a:schemeClr val="lt1"/>
+          </a:fontRef>
+        </p:style>
+        <p:txBody>
+          <a:bodyPr rtlCol="0" anchor="ctr"/>
+          <a:lstStyle/>
+          <a:p>
+            <a:pPr algn="ctr"/>
+            <a:endParaRPr lang="en-US"/>
+          </a:p>
+        </p:txBody>
+      </p:sp>
+      <p:sp>
+        <p:nvSpPr>
+          <p:cNvPr id="21" name="Bent-Up Arrow 20"/>
+          <p:cNvSpPr/>
+          <p:nvPr/>
+        </p:nvSpPr>
+        <p:spPr>
+          <a:xfrm>
+            <a:off x="3807913" y="5260934"/>
+            <a:ext cx="2530257" cy="1114814"/>
+          </a:xfrm>
+          <a:prstGeom prst="bentUpArrow">
+            <a:avLst/>
+          </a:prstGeom>
+        </p:spPr>
+        <p:style>
+          <a:lnRef idx="1">
+            <a:schemeClr val="accent1"/>
+          </a:lnRef>
+          <a:fillRef idx="3">
+            <a:schemeClr val="accent1"/>
+          </a:fillRef>
+          <a:effectRef idx="2">
+            <a:schemeClr val="accent1"/>
+          </a:effectRef>
+          <a:fontRef idx="minor">
+            <a:schemeClr val="lt1"/>
+          </a:fontRef>
+        </p:style>
+        <p:txBody>
+          <a:bodyPr rtlCol="0" anchor="ctr"/>
+          <a:lstStyle/>
+          <a:p>
+            <a:pPr algn="ctr"/>
+            <a:endParaRPr lang="en-US"/>
+          </a:p>
+        </p:txBody>
+      </p:sp>
+    </p:spTree>
+    <p:extLst>
+      <p:ext uri="{BB962C8B-B14F-4D97-AF65-F5344CB8AC3E}">
+        <p14:creationId xmlns:p14="http://schemas.microsoft.com/office/powerpoint/2010/main" val="141813438"/>
+      </p:ext>
+    </p:extLst>
+  </p:cSld>
+  <p:clrMapOvr>
+    <a:masterClrMapping/>
+  </p:clrMapOvr>
+  <p:timing>
+    <p:tnLst>
+      <p:par>
+        <p:cTn id="1" dur="indefinite" restart="never" nodeType="tmRoot">
+          <p:childTnLst>
+            <p:seq concurrent="1" nextAc="seek">
+              <p:cTn id="2" dur="indefinite" nodeType="mainSeq">
+                <p:childTnLst>
+                  <p:par>
+                    <p:cTn id="3" fill="hold">
+                      <p:stCondLst>
+                        <p:cond delay="indefinite"/>
+                      </p:stCondLst>
+                      <p:childTnLst>
+                        <p:par>
+                          <p:cTn id="4" fill="hold">
+                            <p:stCondLst>
+                              <p:cond delay="0"/>
+                            </p:stCondLst>
+                            <p:childTnLst>
+                              <p:par>
+                                <p:cTn id="5" presetID="1" presetClass="entr" presetSubtype="0" fill="hold" grpId="0" nodeType="clickEffect">
+                                  <p:stCondLst>
+                                    <p:cond delay="0"/>
+                                  </p:stCondLst>
+                                  <p:childTnLst>
+                                    <p:set>
+                                      <p:cBhvr>
+                                        <p:cTn id="6" dur="1" fill="hold">
+                                          <p:stCondLst>
+                                            <p:cond delay="0"/>
+                                          </p:stCondLst>
+                                        </p:cTn>
+                                        <p:tgtEl>
+                                          <p:spTgt spid="12"/>
+                                        </p:tgtEl>
+                                        <p:attrNameLst>
+                                          <p:attrName>style.visibility</p:attrName>
+                                        </p:attrNameLst>
+                                      </p:cBhvr>
+                                      <p:to>
+                                        <p:strVal val="visible"/>
+                                      </p:to>
+                                    </p:set>
+                                  </p:childTnLst>
+                                </p:cTn>
+                              </p:par>
+                              <p:par>
+                                <p:cTn id="7" presetID="1" presetClass="entr" presetSubtype="0" fill="hold" grpId="0" nodeType="withEffect">
+                                  <p:stCondLst>
+                                    <p:cond delay="0"/>
+                                  </p:stCondLst>
+                                  <p:childTnLst>
+                                    <p:set>
+                                      <p:cBhvr>
+                                        <p:cTn id="8" dur="1" fill="hold">
+                                          <p:stCondLst>
+                                            <p:cond delay="0"/>
+                                          </p:stCondLst>
+                                        </p:cTn>
+                                        <p:tgtEl>
+                                          <p:spTgt spid="19"/>
+                                        </p:tgtEl>
+                                        <p:attrNameLst>
+                                          <p:attrName>style.visibility</p:attrName>
+                                        </p:attrNameLst>
+                                      </p:cBhvr>
+                                      <p:to>
+                                        <p:strVal val="visible"/>
+                                      </p:to>
+                                    </p:set>
+                                  </p:childTnLst>
+                                </p:cTn>
+                              </p:par>
+                              <p:par>
+                                <p:cTn id="9" presetID="1" presetClass="entr" presetSubtype="0" fill="hold" grpId="0" nodeType="withEffect">
+                                  <p:stCondLst>
+                                    <p:cond delay="0"/>
+                                  </p:stCondLst>
+                                  <p:childTnLst>
+                                    <p:set>
+                                      <p:cBhvr>
+                                        <p:cTn id="10" dur="1" fill="hold">
+                                          <p:stCondLst>
+                                            <p:cond delay="0"/>
+                                          </p:stCondLst>
+                                        </p:cTn>
+                                        <p:tgtEl>
+                                          <p:spTgt spid="21"/>
+                                        </p:tgtEl>
+                                        <p:attrNameLst>
+                                          <p:attrName>style.visibility</p:attrName>
+                                        </p:attrNameLst>
+                                      </p:cBhvr>
+                                      <p:to>
+                                        <p:strVal val="visible"/>
+                                      </p:to>
+                                    </p:set>
+                                  </p:childTnLst>
+                                </p:cTn>
+                              </p:par>
+                            </p:childTnLst>
+                          </p:cTn>
+                        </p:par>
+                      </p:childTnLst>
+                    </p:cTn>
+                  </p:par>
+                  <p:par>
+                    <p:cTn id="11" fill="hold">
+                      <p:stCondLst>
+                        <p:cond delay="indefinite"/>
+                      </p:stCondLst>
+                      <p:childTnLst>
+                        <p:par>
+                          <p:cTn id="12" fill="hold">
+                            <p:stCondLst>
+                              <p:cond delay="0"/>
+                            </p:stCondLst>
+                            <p:childTnLst>
+                              <p:par>
+                                <p:cTn id="13" presetID="1" presetClass="entr" presetSubtype="0" fill="hold" grpId="0" nodeType="clickEffect">
+                                  <p:stCondLst>
+                                    <p:cond delay="0"/>
+                                  </p:stCondLst>
+                                  <p:childTnLst>
+                                    <p:set>
+                                      <p:cBhvr>
+                                        <p:cTn id="14" dur="1" fill="hold">
+                                          <p:stCondLst>
+                                            <p:cond delay="0"/>
+                                          </p:stCondLst>
+                                        </p:cTn>
+                                        <p:tgtEl>
+                                          <p:spTgt spid="11"/>
+                                        </p:tgtEl>
+                                        <p:attrNameLst>
+                                          <p:attrName>style.visibility</p:attrName>
+                                        </p:attrNameLst>
+                                      </p:cBhvr>
+                                      <p:to>
+                                        <p:strVal val="visible"/>
+                                      </p:to>
+                                    </p:set>
+                                  </p:childTnLst>
+                                </p:cTn>
+                              </p:par>
+                              <p:par>
+                                <p:cTn id="15" presetID="1" presetClass="entr" presetSubtype="0" fill="hold" grpId="0" nodeType="withEffect">
+                                  <p:stCondLst>
+                                    <p:cond delay="0"/>
+                                  </p:stCondLst>
+                                  <p:childTnLst>
+                                    <p:set>
+                                      <p:cBhvr>
+                                        <p:cTn id="16" dur="1" fill="hold">
+                                          <p:stCondLst>
+                                            <p:cond delay="0"/>
+                                          </p:stCondLst>
+                                        </p:cTn>
+                                        <p:tgtEl>
+                                          <p:spTgt spid="18"/>
+                                        </p:tgtEl>
+                                        <p:attrNameLst>
+                                          <p:attrName>style.visibility</p:attrName>
+                                        </p:attrNameLst>
+                                      </p:cBhvr>
+                                      <p:to>
+                                        <p:strVal val="visible"/>
+                                      </p:to>
+                                    </p:set>
+                                  </p:childTnLst>
+                                </p:cTn>
+                              </p:par>
+                            </p:childTnLst>
+                          </p:cTn>
+                        </p:par>
+                      </p:childTnLst>
+                    </p:cTn>
+                  </p:par>
+                </p:childTnLst>
+              </p:cTn>
+              <p:prevCondLst>
+                <p:cond evt="onPrev" delay="0">
+                  <p:tgtEl>
+                    <p:sldTgt/>
+                  </p:tgtEl>
+                </p:cond>
+              </p:prevCondLst>
+              <p:nextCondLst>
+                <p:cond evt="onNext" delay="0">
+                  <p:tgtEl>
+                    <p:sldTgt/>
+                  </p:tgtEl>
+                </p:cond>
+              </p:nextCondLst>
+            </p:seq>
+          </p:childTnLst>
+        </p:cTn>
+      </p:par>
+    </p:tnLst>
+    <p:bldLst>
+      <p:bldP spid="11" grpId="0" animBg="1"/>
+      <p:bldP spid="12" grpId="0" animBg="1"/>
+      <p:bldP spid="18" grpId="0" animBg="1"/>
+      <p:bldP spid="19" grpId="0" animBg="1"/>
+      <p:bldP spid="21" grpId="0" animBg="1"/>
+    </p:bldLst>
   </p:timing>
 </p:sld>
 </file>
@@ -5789,105 +12390,55 @@
           <a:lstStyle/>
           <a:p>
             <a:r>
-              <a:rPr lang="en-US" dirty="0" smtClean="0"/>
-              <a:t>Controller</a:t>
+              <a:rPr lang="en-US" altLang="zh-CN" dirty="0" smtClean="0"/>
+              <a:t>Collisions</a:t>
+            </a:r>
+            <a:r>
+              <a:rPr lang="zh-CN" altLang="en-US" dirty="0" smtClean="0"/>
+              <a:t> </a:t>
+            </a:r>
+            <a:r>
+              <a:rPr lang="en-US" altLang="zh-CN" dirty="0" smtClean="0"/>
+              <a:t>and</a:t>
+            </a:r>
+            <a:r>
+              <a:rPr lang="zh-CN" altLang="en-US" dirty="0" smtClean="0"/>
+              <a:t> </a:t>
+            </a:r>
+            <a:r>
+              <a:rPr lang="en-US" altLang="zh-CN" dirty="0" smtClean="0"/>
+              <a:t>Interactions</a:t>
             </a:r>
             <a:endParaRPr lang="en-US" dirty="0"/>
           </a:p>
         </p:txBody>
       </p:sp>
-      <p:sp>
-        <p:nvSpPr>
-          <p:cNvPr id="3" name="Content Placeholder 2"/>
-          <p:cNvSpPr>
-            <a:spLocks noGrp="1"/>
-          </p:cNvSpPr>
+      <p:graphicFrame>
+        <p:nvGraphicFramePr>
+          <p:cNvPr id="4" name="Diagram 3"/>
+          <p:cNvGraphicFramePr/>
           <p:nvPr>
-            <p:ph idx="1"/>
+            <p:extLst>
+              <p:ext uri="{D42A27DB-BD31-4B8C-83A1-F6EECF244321}">
+                <p14:modId xmlns:p14="http://schemas.microsoft.com/office/powerpoint/2010/main" val="2090674806"/>
+              </p:ext>
+            </p:extLst>
           </p:nvPr>
-        </p:nvSpPr>
-        <p:spPr/>
-        <p:txBody>
-          <a:bodyPr/>
-          <a:lstStyle/>
-          <a:p>
-            <a:r>
-              <a:rPr lang="en-US" dirty="0" smtClean="0"/>
-              <a:t>Supported requests</a:t>
-            </a:r>
-          </a:p>
-          <a:p>
-            <a:pPr lvl="1"/>
-            <a:r>
-              <a:rPr lang="en-US" dirty="0" err="1" smtClean="0"/>
-              <a:t>resetGame</a:t>
-            </a:r>
-            <a:r>
-              <a:rPr lang="en-US" dirty="0" smtClean="0"/>
-              <a:t> </a:t>
-            </a:r>
-            <a:r>
-              <a:rPr lang="mr-IN" dirty="0" smtClean="0"/>
-              <a:t>–</a:t>
-            </a:r>
-            <a:r>
-              <a:rPr lang="en-US" dirty="0" smtClean="0"/>
-              <a:t> get canvas dims and reset game objects </a:t>
-            </a:r>
-          </a:p>
-          <a:p>
-            <a:pPr lvl="1"/>
-            <a:r>
-              <a:rPr lang="en-US" dirty="0" err="1" smtClean="0"/>
-              <a:t>updateGame</a:t>
-            </a:r>
-            <a:r>
-              <a:rPr lang="en-US" dirty="0" smtClean="0"/>
-              <a:t> </a:t>
-            </a:r>
-            <a:r>
-              <a:rPr lang="mr-IN" dirty="0" smtClean="0"/>
-              <a:t>–</a:t>
-            </a:r>
-            <a:r>
-              <a:rPr lang="en-US" dirty="0" smtClean="0"/>
-              <a:t> update game object states</a:t>
-            </a:r>
-          </a:p>
-          <a:p>
-            <a:pPr lvl="1"/>
-            <a:r>
-              <a:rPr lang="en-US" dirty="0" err="1" smtClean="0"/>
-              <a:t>switchDirection</a:t>
-            </a:r>
-            <a:r>
-              <a:rPr lang="en-US" dirty="0" smtClean="0"/>
-              <a:t> </a:t>
-            </a:r>
-            <a:r>
-              <a:rPr lang="mr-IN" dirty="0" smtClean="0"/>
-              <a:t>–</a:t>
-            </a:r>
-            <a:r>
-              <a:rPr lang="en-US" dirty="0" smtClean="0"/>
-              <a:t> switch </a:t>
-            </a:r>
-            <a:r>
-              <a:rPr lang="en-US" dirty="0" err="1" smtClean="0"/>
-              <a:t>Pacman</a:t>
-            </a:r>
-            <a:r>
-              <a:rPr lang="en-US" smtClean="0"/>
-              <a:t> direction</a:t>
-            </a:r>
-            <a:endParaRPr lang="en-US" dirty="0" smtClean="0"/>
-          </a:p>
-        </p:txBody>
-      </p:sp>
+        </p:nvGraphicFramePr>
+        <p:xfrm>
+          <a:off x="1524000" y="2370551"/>
+          <a:ext cx="6096000" cy="2116898"/>
+        </p:xfrm>
+        <a:graphic>
+          <a:graphicData uri="http://schemas.openxmlformats.org/drawingml/2006/diagram">
+            <dgm:relIds xmlns:dgm="http://schemas.openxmlformats.org/drawingml/2006/diagram" xmlns:r="http://schemas.openxmlformats.org/officeDocument/2006/relationships" r:dm="rId2" r:lo="rId3" r:qs="rId4" r:cs="rId5"/>
+          </a:graphicData>
+        </a:graphic>
+      </p:graphicFrame>
     </p:spTree>
     <p:extLst>
       <p:ext uri="{BB962C8B-B14F-4D97-AF65-F5344CB8AC3E}">
-        <p14:creationId xmlns:p14="http://schemas.microsoft.com/office/powerpoint/2010/main" val="1459978361"/>
+        <p14:creationId xmlns:p14="http://schemas.microsoft.com/office/powerpoint/2010/main" val="2060311645"/>
       </p:ext>
     </p:extLst>
   </p:cSld>
@@ -5937,8 +12488,32 @@
           <a:lstStyle/>
           <a:p>
             <a:r>
-              <a:rPr lang="en-US" dirty="0" smtClean="0"/>
-              <a:t>View</a:t>
+              <a:rPr lang="en-US" altLang="zh-CN" dirty="0" smtClean="0"/>
+              <a:t>Switch</a:t>
+            </a:r>
+            <a:r>
+              <a:rPr lang="zh-CN" altLang="en-US" dirty="0" smtClean="0"/>
+              <a:t> </a:t>
+            </a:r>
+            <a:r>
+              <a:rPr lang="en-US" altLang="zh-CN" dirty="0" smtClean="0"/>
+              <a:t>Dir/</a:t>
+            </a:r>
+            <a:r>
+              <a:rPr lang="zh-CN" altLang="en-US" dirty="0" smtClean="0"/>
+              <a:t> </a:t>
+            </a:r>
+            <a:r>
+              <a:rPr lang="en-US" altLang="zh-CN" dirty="0" smtClean="0"/>
+              <a:t>Queue</a:t>
+            </a:r>
+            <a:r>
+              <a:rPr lang="zh-CN" altLang="en-US" dirty="0" smtClean="0"/>
+              <a:t> </a:t>
+            </a:r>
+            <a:r>
+              <a:rPr lang="en-US" altLang="zh-CN" dirty="0" smtClean="0"/>
+              <a:t>Turn</a:t>
             </a:r>
             <a:endParaRPr lang="en-US" dirty="0"/>
           </a:p>
@@ -5946,92 +12521,428 @@
       </p:sp>
       <p:sp>
         <p:nvSpPr>
-          <p:cNvPr id="14" name="Content Placeholder 2"/>
-          <p:cNvSpPr>
-            <a:spLocks noGrp="1"/>
-          </p:cNvSpPr>
-          <p:nvPr>
-            <p:ph idx="1"/>
-          </p:nvPr>
+          <p:cNvPr id="4" name="Rectangle 3"/>
+          <p:cNvSpPr/>
+          <p:nvPr/>
         </p:nvSpPr>
         <p:spPr>
           <a:xfrm>
-            <a:off x="457200" y="1600200"/>
-            <a:ext cx="8360336" cy="4525963"/>
-          </a:xfrm>
-        </p:spPr>
-        <p:txBody>
-          <a:bodyPr/>
-          <a:lstStyle/>
-          <a:p>
-            <a:r>
-              <a:rPr lang="en-US" dirty="0">
-                <a:hlinkClick r:id="rId3"/>
-              </a:rPr>
-              <a:t>http://</a:t>
-            </a:r>
-            <a:r>
-              <a:rPr lang="en-US" dirty="0" err="1">
-                <a:hlinkClick r:id="rId3"/>
-              </a:rPr>
-              <a:t>pacman</a:t>
-            </a:r>
-            <a:r>
-              <a:rPr lang="en-US" dirty="0">
-                <a:hlinkClick r:id="rId3"/>
-              </a:rPr>
-              <a:t>-team-</a:t>
-            </a:r>
-            <a:r>
-              <a:rPr lang="en-US" dirty="0" err="1">
-                <a:hlinkClick r:id="rId3"/>
-              </a:rPr>
-              <a:t>houston.herokuapp.com</a:t>
-            </a:r>
-            <a:r>
-              <a:rPr lang="en-US" dirty="0">
-                <a:hlinkClick r:id="rId3"/>
-              </a:rPr>
-              <a:t>/</a:t>
-            </a:r>
-            <a:endParaRPr lang="en-US" dirty="0"/>
-          </a:p>
-        </p:txBody>
-      </p:sp>
-      <p:pic>
-        <p:nvPicPr>
-          <p:cNvPr id="3" name="Picture 2"/>
-          <p:cNvPicPr>
-            <a:picLocks noChangeAspect="1"/>
-          </p:cNvPicPr>
-          <p:nvPr/>
-        </p:nvPicPr>
-        <p:blipFill>
-          <a:blip r:embed="rId4">
-            <a:extLst>
-              <a:ext uri="{28A0092B-C50C-407E-A947-70E740481C1C}">
-                <a14:useLocalDpi xmlns:a14="http://schemas.microsoft.com/office/drawing/2010/main" val="0"/>
-              </a:ext>
-            </a:extLst>
-          </a:blip>
-          <a:stretch>
-            <a:fillRect/>
-          </a:stretch>
-        </p:blipFill>
-        <p:spPr>
-          <a:xfrm>
-            <a:off x="1130300" y="2146300"/>
-            <a:ext cx="6883400" cy="4711700"/>
+            <a:off x="457200" y="1537732"/>
+            <a:ext cx="2281824" cy="887150"/>
           </a:xfrm>
           <a:prstGeom prst="rect">
             <a:avLst/>
           </a:prstGeom>
         </p:spPr>
-      </p:pic>
+        <p:style>
+          <a:lnRef idx="1">
+            <a:schemeClr val="accent1"/>
+          </a:lnRef>
+          <a:fillRef idx="3">
+            <a:schemeClr val="accent1"/>
+          </a:fillRef>
+          <a:effectRef idx="2">
+            <a:schemeClr val="accent1"/>
+          </a:effectRef>
+          <a:fontRef idx="minor">
+            <a:schemeClr val="lt1"/>
+          </a:fontRef>
+        </p:style>
+        <p:txBody>
+          <a:bodyPr rtlCol="0" anchor="ctr"/>
+          <a:lstStyle/>
+          <a:p>
+            <a:pPr algn="ctr"/>
+            <a:r>
+              <a:rPr lang="en-US" altLang="zh-CN" dirty="0" smtClean="0"/>
+              <a:t>POST</a:t>
+            </a:r>
+            <a:r>
+              <a:rPr lang="zh-CN" altLang="en-US" dirty="0" smtClean="0"/>
+              <a:t> </a:t>
+            </a:r>
+            <a:r>
+              <a:rPr lang="en-US" altLang="zh-CN" dirty="0" err="1" smtClean="0"/>
+              <a:t>SwitchDirection</a:t>
+            </a:r>
+            <a:endParaRPr lang="en-US" dirty="0"/>
+          </a:p>
+        </p:txBody>
+      </p:sp>
+      <p:sp>
+        <p:nvSpPr>
+          <p:cNvPr id="5" name="Rectangle 4"/>
+          <p:cNvSpPr/>
+          <p:nvPr/>
+        </p:nvSpPr>
+        <p:spPr>
+          <a:xfrm>
+            <a:off x="3574614" y="1537731"/>
+            <a:ext cx="1994771" cy="898798"/>
+          </a:xfrm>
+          <a:prstGeom prst="rect">
+            <a:avLst/>
+          </a:prstGeom>
+        </p:spPr>
+        <p:style>
+          <a:lnRef idx="1">
+            <a:schemeClr val="accent1"/>
+          </a:lnRef>
+          <a:fillRef idx="3">
+            <a:schemeClr val="accent1"/>
+          </a:fillRef>
+          <a:effectRef idx="2">
+            <a:schemeClr val="accent1"/>
+          </a:effectRef>
+          <a:fontRef idx="minor">
+            <a:schemeClr val="lt1"/>
+          </a:fontRef>
+        </p:style>
+        <p:txBody>
+          <a:bodyPr rtlCol="0" anchor="ctr"/>
+          <a:lstStyle/>
+          <a:p>
+            <a:pPr algn="ctr"/>
+            <a:r>
+              <a:rPr lang="en-US" altLang="zh-CN" dirty="0" err="1" smtClean="0"/>
+              <a:t>SwitchDirection</a:t>
+            </a:r>
+            <a:r>
+              <a:rPr lang="en-US" altLang="zh-CN" dirty="0" smtClean="0"/>
+              <a:t>()</a:t>
+            </a:r>
+            <a:r>
+              <a:rPr lang="zh-CN" altLang="en-US" dirty="0" smtClean="0"/>
+              <a:t> </a:t>
+            </a:r>
+            <a:r>
+              <a:rPr lang="en-US" altLang="zh-CN" dirty="0" smtClean="0"/>
+              <a:t>(in</a:t>
+            </a:r>
+            <a:r>
+              <a:rPr lang="zh-CN" altLang="en-US" dirty="0" smtClean="0"/>
+              <a:t> </a:t>
+            </a:r>
+            <a:r>
+              <a:rPr lang="en-US" altLang="zh-CN" dirty="0" smtClean="0"/>
+              <a:t>DA)</a:t>
+            </a:r>
+            <a:endParaRPr lang="en-US" dirty="0"/>
+          </a:p>
+        </p:txBody>
+      </p:sp>
+      <p:sp>
+        <p:nvSpPr>
+          <p:cNvPr id="6" name="Rectangle 5"/>
+          <p:cNvSpPr/>
+          <p:nvPr/>
+        </p:nvSpPr>
+        <p:spPr>
+          <a:xfrm>
+            <a:off x="6404975" y="1558827"/>
+            <a:ext cx="2179529" cy="877702"/>
+          </a:xfrm>
+          <a:prstGeom prst="rect">
+            <a:avLst/>
+          </a:prstGeom>
+        </p:spPr>
+        <p:style>
+          <a:lnRef idx="1">
+            <a:schemeClr val="accent1"/>
+          </a:lnRef>
+          <a:fillRef idx="3">
+            <a:schemeClr val="accent1"/>
+          </a:fillRef>
+          <a:effectRef idx="2">
+            <a:schemeClr val="accent1"/>
+          </a:effectRef>
+          <a:fontRef idx="minor">
+            <a:schemeClr val="lt1"/>
+          </a:fontRef>
+        </p:style>
+        <p:txBody>
+          <a:bodyPr rtlCol="0" anchor="ctr"/>
+          <a:lstStyle/>
+          <a:p>
+            <a:pPr algn="ctr"/>
+            <a:r>
+              <a:rPr lang="en-US" altLang="zh-CN" dirty="0" err="1" smtClean="0"/>
+              <a:t>SwitchCmd</a:t>
+            </a:r>
+            <a:endParaRPr lang="en-US" altLang="zh-CN" dirty="0" smtClean="0"/>
+          </a:p>
+          <a:p>
+            <a:pPr algn="ctr"/>
+            <a:r>
+              <a:rPr lang="en-US" altLang="zh-CN" dirty="0" smtClean="0"/>
+              <a:t>-&gt;</a:t>
+            </a:r>
+            <a:r>
+              <a:rPr lang="zh-CN" altLang="en-US" dirty="0" smtClean="0"/>
+              <a:t> </a:t>
+            </a:r>
+            <a:r>
+              <a:rPr lang="en-US" altLang="zh-CN" dirty="0" smtClean="0"/>
+              <a:t>switch</a:t>
+            </a:r>
+            <a:r>
+              <a:rPr lang="zh-CN" altLang="en-US" dirty="0" smtClean="0"/>
+              <a:t> </a:t>
+            </a:r>
+            <a:r>
+              <a:rPr lang="en-US" altLang="zh-CN" dirty="0"/>
+              <a:t>v</a:t>
+            </a:r>
+            <a:r>
+              <a:rPr lang="en-US" altLang="zh-CN" dirty="0" smtClean="0"/>
+              <a:t>elocity</a:t>
+            </a:r>
+            <a:endParaRPr lang="en-US" dirty="0"/>
+          </a:p>
+        </p:txBody>
+      </p:sp>
+      <p:sp>
+        <p:nvSpPr>
+          <p:cNvPr id="8" name="Right Arrow 7"/>
+          <p:cNvSpPr/>
+          <p:nvPr/>
+        </p:nvSpPr>
+        <p:spPr>
+          <a:xfrm>
+            <a:off x="2739024" y="1833576"/>
+            <a:ext cx="835590" cy="295461"/>
+          </a:xfrm>
+          <a:prstGeom prst="rightArrow">
+            <a:avLst/>
+          </a:prstGeom>
+        </p:spPr>
+        <p:style>
+          <a:lnRef idx="1">
+            <a:schemeClr val="accent1"/>
+          </a:lnRef>
+          <a:fillRef idx="3">
+            <a:schemeClr val="accent1"/>
+          </a:fillRef>
+          <a:effectRef idx="2">
+            <a:schemeClr val="accent1"/>
+          </a:effectRef>
+          <a:fontRef idx="minor">
+            <a:schemeClr val="lt1"/>
+          </a:fontRef>
+        </p:style>
+        <p:txBody>
+          <a:bodyPr rtlCol="0" anchor="ctr"/>
+          <a:lstStyle/>
+          <a:p>
+            <a:pPr algn="ctr"/>
+            <a:endParaRPr lang="en-US"/>
+          </a:p>
+        </p:txBody>
+      </p:sp>
+      <p:sp>
+        <p:nvSpPr>
+          <p:cNvPr id="9" name="Right Arrow 8"/>
+          <p:cNvSpPr/>
+          <p:nvPr/>
+        </p:nvSpPr>
+        <p:spPr>
+          <a:xfrm>
+            <a:off x="5582171" y="1817450"/>
+            <a:ext cx="835590" cy="295461"/>
+          </a:xfrm>
+          <a:prstGeom prst="rightArrow">
+            <a:avLst/>
+          </a:prstGeom>
+        </p:spPr>
+        <p:style>
+          <a:lnRef idx="1">
+            <a:schemeClr val="accent1"/>
+          </a:lnRef>
+          <a:fillRef idx="3">
+            <a:schemeClr val="accent1"/>
+          </a:fillRef>
+          <a:effectRef idx="2">
+            <a:schemeClr val="accent1"/>
+          </a:effectRef>
+          <a:fontRef idx="minor">
+            <a:schemeClr val="lt1"/>
+          </a:fontRef>
+        </p:style>
+        <p:txBody>
+          <a:bodyPr rtlCol="0" anchor="ctr"/>
+          <a:lstStyle/>
+          <a:p>
+            <a:pPr algn="ctr"/>
+            <a:endParaRPr lang="en-US"/>
+          </a:p>
+        </p:txBody>
+      </p:sp>
+      <p:sp>
+        <p:nvSpPr>
+          <p:cNvPr id="10" name="Rectangle 9"/>
+          <p:cNvSpPr/>
+          <p:nvPr/>
+        </p:nvSpPr>
+        <p:spPr>
+          <a:xfrm>
+            <a:off x="2893512" y="3429000"/>
+            <a:ext cx="2580362" cy="826718"/>
+          </a:xfrm>
+          <a:prstGeom prst="rect">
+            <a:avLst/>
+          </a:prstGeom>
+        </p:spPr>
+        <p:style>
+          <a:lnRef idx="1">
+            <a:schemeClr val="accent1"/>
+          </a:lnRef>
+          <a:fillRef idx="3">
+            <a:schemeClr val="accent1"/>
+          </a:fillRef>
+          <a:effectRef idx="2">
+            <a:schemeClr val="accent1"/>
+          </a:effectRef>
+          <a:fontRef idx="minor">
+            <a:schemeClr val="lt1"/>
+          </a:fontRef>
+        </p:style>
+        <p:txBody>
+          <a:bodyPr rtlCol="0" anchor="ctr"/>
+          <a:lstStyle/>
+          <a:p>
+            <a:pPr algn="ctr"/>
+            <a:r>
+              <a:rPr lang="en-US" altLang="zh-CN" dirty="0" err="1" smtClean="0"/>
+              <a:t>collisionCmd</a:t>
+            </a:r>
+            <a:endParaRPr lang="en-US" dirty="0"/>
+          </a:p>
+        </p:txBody>
+      </p:sp>
+      <p:sp>
+        <p:nvSpPr>
+          <p:cNvPr id="11" name="Rectangle 10"/>
+          <p:cNvSpPr/>
+          <p:nvPr/>
+        </p:nvSpPr>
+        <p:spPr>
+          <a:xfrm>
+            <a:off x="2893512" y="4819387"/>
+            <a:ext cx="2580362" cy="876822"/>
+          </a:xfrm>
+          <a:prstGeom prst="rect">
+            <a:avLst/>
+          </a:prstGeom>
+        </p:spPr>
+        <p:style>
+          <a:lnRef idx="1">
+            <a:schemeClr val="accent1"/>
+          </a:lnRef>
+          <a:fillRef idx="3">
+            <a:schemeClr val="accent1"/>
+          </a:fillRef>
+          <a:effectRef idx="2">
+            <a:schemeClr val="accent1"/>
+          </a:effectRef>
+          <a:fontRef idx="minor">
+            <a:schemeClr val="lt1"/>
+          </a:fontRef>
+        </p:style>
+        <p:txBody>
+          <a:bodyPr rtlCol="0" anchor="ctr"/>
+          <a:lstStyle/>
+          <a:p>
+            <a:pPr algn="ctr"/>
+            <a:r>
+              <a:rPr lang="en-US" altLang="zh-CN" dirty="0" smtClean="0"/>
+              <a:t>check</a:t>
+            </a:r>
+            <a:r>
+              <a:rPr lang="zh-CN" altLang="en-US" dirty="0" smtClean="0"/>
+              <a:t> </a:t>
+            </a:r>
+            <a:r>
+              <a:rPr lang="en-US" altLang="zh-CN" dirty="0" err="1" smtClean="0"/>
+              <a:t>PacmanCollision</a:t>
+            </a:r>
+            <a:r>
+              <a:rPr lang="zh-CN" altLang="en-US" dirty="0" smtClean="0"/>
+              <a:t> </a:t>
+            </a:r>
+            <a:endParaRPr lang="en-US" altLang="zh-CN" dirty="0" smtClean="0"/>
+          </a:p>
+          <a:p>
+            <a:pPr algn="ctr"/>
+            <a:r>
+              <a:rPr lang="en-US" altLang="zh-CN" dirty="0"/>
+              <a:t>o</a:t>
+            </a:r>
+            <a:r>
+              <a:rPr lang="en-US" altLang="zh-CN" dirty="0" smtClean="0"/>
+              <a:t>n</a:t>
+            </a:r>
+            <a:r>
+              <a:rPr lang="zh-CN" altLang="en-US" dirty="0" smtClean="0"/>
+              <a:t> </a:t>
+            </a:r>
+            <a:r>
+              <a:rPr lang="en-US" altLang="zh-CN" dirty="0" smtClean="0"/>
+              <a:t>switch</a:t>
+            </a:r>
+            <a:r>
+              <a:rPr lang="zh-CN" altLang="en-US" dirty="0" smtClean="0"/>
+              <a:t> </a:t>
+            </a:r>
+            <a:r>
+              <a:rPr lang="en-US" altLang="zh-CN" dirty="0" smtClean="0"/>
+              <a:t>velocity</a:t>
+            </a:r>
+            <a:endParaRPr lang="en-US" dirty="0"/>
+          </a:p>
+        </p:txBody>
+      </p:sp>
+      <p:sp>
+        <p:nvSpPr>
+          <p:cNvPr id="12" name="Down Arrow 11"/>
+          <p:cNvSpPr/>
+          <p:nvPr/>
+        </p:nvSpPr>
+        <p:spPr>
+          <a:xfrm>
+            <a:off x="3933171" y="4261980"/>
+            <a:ext cx="388307" cy="588725"/>
+          </a:xfrm>
+          <a:prstGeom prst="downArrow">
+            <a:avLst/>
+          </a:prstGeom>
+        </p:spPr>
+        <p:style>
+          <a:lnRef idx="1">
+            <a:schemeClr val="accent1"/>
+          </a:lnRef>
+          <a:fillRef idx="3">
+            <a:schemeClr val="accent1"/>
+          </a:fillRef>
+          <a:effectRef idx="2">
+            <a:schemeClr val="accent1"/>
+          </a:effectRef>
+          <a:fontRef idx="minor">
+            <a:schemeClr val="lt1"/>
+          </a:fontRef>
+        </p:style>
+        <p:txBody>
+          <a:bodyPr rtlCol="0" anchor="ctr"/>
+          <a:lstStyle/>
+          <a:p>
+            <a:pPr algn="ctr"/>
+            <a:endParaRPr lang="en-US"/>
+          </a:p>
+        </p:txBody>
+      </p:sp>
     </p:spTree>
     <p:extLst>
       <p:ext uri="{BB962C8B-B14F-4D97-AF65-F5344CB8AC3E}">
-        <p14:creationId xmlns:p14="http://schemas.microsoft.com/office/powerpoint/2010/main" val="2209031246"/>
+        <p14:creationId xmlns:p14="http://schemas.microsoft.com/office/powerpoint/2010/main" val="1098599738"/>
       </p:ext>
     </p:extLst>
   </p:cSld>
@@ -6075,30 +12986,665 @@
             <p:ph type="title"/>
           </p:nvPr>
         </p:nvSpPr>
+        <p:spPr/>
+        <p:txBody>
+          <a:bodyPr/>
+          <a:lstStyle/>
+          <a:p>
+            <a:r>
+              <a:rPr lang="en-US" altLang="zh-CN" dirty="0" smtClean="0"/>
+              <a:t>Moving</a:t>
+            </a:r>
+            <a:r>
+              <a:rPr lang="zh-CN" altLang="en-US" dirty="0" smtClean="0"/>
+              <a:t> </a:t>
+            </a:r>
+            <a:r>
+              <a:rPr lang="en-US" altLang="zh-CN" dirty="0" smtClean="0"/>
+              <a:t>Ghost</a:t>
+            </a:r>
+            <a:endParaRPr lang="en-US" dirty="0"/>
+          </a:p>
+        </p:txBody>
+      </p:sp>
+      <p:sp>
+        <p:nvSpPr>
+          <p:cNvPr id="4" name="Rectangle 3"/>
+          <p:cNvSpPr/>
+          <p:nvPr/>
+        </p:nvSpPr>
         <p:spPr>
           <a:xfrm>
-            <a:off x="457200" y="2779250"/>
-            <a:ext cx="8229600" cy="1143000"/>
+            <a:off x="1227551" y="1440492"/>
+            <a:ext cx="2580362" cy="889348"/>
           </a:xfrm>
+          <a:prstGeom prst="rect">
+            <a:avLst/>
+          </a:prstGeom>
         </p:spPr>
-        <p:txBody>
-          <a:bodyPr>
-            <a:normAutofit/>
+        <p:style>
+          <a:lnRef idx="1">
+            <a:schemeClr val="accent1"/>
+          </a:lnRef>
+          <a:fillRef idx="3">
+            <a:schemeClr val="accent1"/>
+          </a:fillRef>
+          <a:effectRef idx="2">
+            <a:schemeClr val="accent1"/>
+          </a:effectRef>
+          <a:fontRef idx="minor">
+            <a:schemeClr val="lt1"/>
+          </a:fontRef>
+        </p:style>
+        <p:txBody>
+          <a:bodyPr rtlCol="0" anchor="ctr"/>
+          <a:lstStyle/>
+          <a:p>
+            <a:pPr algn="ctr"/>
+            <a:r>
+              <a:rPr lang="en-US" altLang="zh-CN" dirty="0" err="1" smtClean="0"/>
+              <a:t>updatePacWorld</a:t>
+            </a:r>
+            <a:endParaRPr lang="en-US" dirty="0"/>
+          </a:p>
+        </p:txBody>
+      </p:sp>
+      <p:sp>
+        <p:nvSpPr>
+          <p:cNvPr id="5" name="Rectangle 4"/>
+          <p:cNvSpPr/>
+          <p:nvPr/>
+        </p:nvSpPr>
+        <p:spPr>
+          <a:xfrm>
+            <a:off x="1227551" y="2918565"/>
+            <a:ext cx="2580362" cy="926926"/>
+          </a:xfrm>
+          <a:prstGeom prst="rect">
+            <a:avLst/>
+          </a:prstGeom>
+        </p:spPr>
+        <p:style>
+          <a:lnRef idx="1">
+            <a:schemeClr val="accent1"/>
+          </a:lnRef>
+          <a:fillRef idx="3">
+            <a:schemeClr val="accent1"/>
+          </a:fillRef>
+          <a:effectRef idx="2">
+            <a:schemeClr val="accent1"/>
+          </a:effectRef>
+          <a:fontRef idx="minor">
+            <a:schemeClr val="lt1"/>
+          </a:fontRef>
+        </p:style>
+        <p:txBody>
+          <a:bodyPr rtlCol="0" anchor="ctr"/>
+          <a:lstStyle/>
+          <a:p>
+            <a:pPr algn="ctr"/>
+            <a:r>
+              <a:rPr lang="en-US" altLang="zh-CN" dirty="0" err="1" smtClean="0"/>
+              <a:t>updateCmd</a:t>
+            </a:r>
+            <a:endParaRPr lang="en-US" dirty="0"/>
+          </a:p>
+        </p:txBody>
+      </p:sp>
+      <p:sp>
+        <p:nvSpPr>
+          <p:cNvPr id="6" name="Rectangle 5"/>
+          <p:cNvSpPr/>
+          <p:nvPr/>
+        </p:nvSpPr>
+        <p:spPr>
+          <a:xfrm>
+            <a:off x="1227551" y="4434216"/>
+            <a:ext cx="2580362" cy="826718"/>
+          </a:xfrm>
+          <a:prstGeom prst="rect">
+            <a:avLst/>
+          </a:prstGeom>
+        </p:spPr>
+        <p:style>
+          <a:lnRef idx="1">
+            <a:schemeClr val="accent1"/>
+          </a:lnRef>
+          <a:fillRef idx="3">
+            <a:schemeClr val="accent1"/>
+          </a:fillRef>
+          <a:effectRef idx="2">
+            <a:schemeClr val="accent1"/>
+          </a:effectRef>
+          <a:fontRef idx="minor">
+            <a:schemeClr val="lt1"/>
+          </a:fontRef>
+        </p:style>
+        <p:txBody>
+          <a:bodyPr rtlCol="0" anchor="ctr"/>
+          <a:lstStyle/>
+          <a:p>
+            <a:pPr algn="ctr"/>
+            <a:r>
+              <a:rPr lang="en-US" altLang="zh-CN" dirty="0" err="1" smtClean="0"/>
+              <a:t>collisionCmd</a:t>
+            </a:r>
+            <a:endParaRPr lang="en-US" dirty="0"/>
+          </a:p>
+        </p:txBody>
+      </p:sp>
+      <p:sp>
+        <p:nvSpPr>
+          <p:cNvPr id="7" name="Rectangle 6"/>
+          <p:cNvSpPr/>
+          <p:nvPr/>
+        </p:nvSpPr>
+        <p:spPr>
+          <a:xfrm>
+            <a:off x="1227551" y="5824603"/>
+            <a:ext cx="2580362" cy="876822"/>
+          </a:xfrm>
+          <a:prstGeom prst="rect">
+            <a:avLst/>
+          </a:prstGeom>
+        </p:spPr>
+        <p:style>
+          <a:lnRef idx="1">
+            <a:schemeClr val="accent1"/>
+          </a:lnRef>
+          <a:fillRef idx="3">
+            <a:schemeClr val="accent1"/>
+          </a:fillRef>
+          <a:effectRef idx="2">
+            <a:schemeClr val="accent1"/>
+          </a:effectRef>
+          <a:fontRef idx="minor">
+            <a:schemeClr val="lt1"/>
+          </a:fontRef>
+        </p:style>
+        <p:txBody>
+          <a:bodyPr rtlCol="0" anchor="ctr"/>
+          <a:lstStyle/>
+          <a:p>
+            <a:pPr algn="ctr"/>
+            <a:r>
+              <a:rPr lang="en-US" altLang="zh-CN" dirty="0" smtClean="0"/>
+              <a:t>If</a:t>
+            </a:r>
+            <a:r>
+              <a:rPr lang="zh-CN" altLang="en-US" dirty="0" smtClean="0"/>
+              <a:t> </a:t>
+            </a:r>
+            <a:r>
+              <a:rPr lang="en-US" altLang="zh-CN" dirty="0" smtClean="0"/>
+              <a:t>Collision</a:t>
+            </a:r>
+            <a:endParaRPr lang="en-US" dirty="0"/>
+          </a:p>
+        </p:txBody>
+      </p:sp>
+      <p:sp>
+        <p:nvSpPr>
+          <p:cNvPr id="8" name="Rectangle 7"/>
+          <p:cNvSpPr/>
+          <p:nvPr/>
+        </p:nvSpPr>
+        <p:spPr>
+          <a:xfrm>
+            <a:off x="5223353" y="2918565"/>
+            <a:ext cx="2517732" cy="926925"/>
+          </a:xfrm>
+          <a:prstGeom prst="rect">
+            <a:avLst/>
+          </a:prstGeom>
+        </p:spPr>
+        <p:style>
+          <a:lnRef idx="1">
+            <a:schemeClr val="accent1"/>
+          </a:lnRef>
+          <a:fillRef idx="3">
+            <a:schemeClr val="accent1"/>
+          </a:fillRef>
+          <a:effectRef idx="2">
+            <a:schemeClr val="accent1"/>
+          </a:effectRef>
+          <a:fontRef idx="minor">
+            <a:schemeClr val="lt1"/>
+          </a:fontRef>
+        </p:style>
+        <p:txBody>
+          <a:bodyPr rtlCol="0" anchor="ctr"/>
+          <a:lstStyle/>
+          <a:p>
+            <a:pPr algn="ctr"/>
+            <a:r>
+              <a:rPr lang="en-US" altLang="zh-CN" dirty="0" smtClean="0"/>
+              <a:t>Ghost</a:t>
+            </a:r>
+            <a:r>
+              <a:rPr lang="zh-CN" altLang="en-US" dirty="0" smtClean="0"/>
+              <a:t> </a:t>
+            </a:r>
+            <a:r>
+              <a:rPr lang="en-US" altLang="zh-CN" dirty="0" smtClean="0"/>
+              <a:t>Update</a:t>
+            </a:r>
+            <a:endParaRPr lang="en-US" dirty="0"/>
+          </a:p>
+        </p:txBody>
+      </p:sp>
+      <p:sp>
+        <p:nvSpPr>
+          <p:cNvPr id="9" name="Rectangle 8"/>
+          <p:cNvSpPr/>
+          <p:nvPr/>
+        </p:nvSpPr>
+        <p:spPr>
+          <a:xfrm>
+            <a:off x="5223353" y="4434216"/>
+            <a:ext cx="2517732" cy="826718"/>
+          </a:xfrm>
+          <a:prstGeom prst="rect">
+            <a:avLst/>
+          </a:prstGeom>
+        </p:spPr>
+        <p:style>
+          <a:lnRef idx="1">
+            <a:schemeClr val="accent1"/>
+          </a:lnRef>
+          <a:fillRef idx="3">
+            <a:schemeClr val="accent1"/>
+          </a:fillRef>
+          <a:effectRef idx="2">
+            <a:schemeClr val="accent1"/>
+          </a:effectRef>
+          <a:fontRef idx="minor">
+            <a:schemeClr val="lt1"/>
+          </a:fontRef>
+        </p:style>
+        <p:txBody>
+          <a:bodyPr rtlCol="0" anchor="ctr"/>
+          <a:lstStyle/>
+          <a:p>
+            <a:pPr algn="ctr"/>
+            <a:r>
+              <a:rPr lang="en-US" altLang="zh-CN" dirty="0" smtClean="0"/>
+              <a:t>Interaction</a:t>
+            </a:r>
+            <a:r>
+              <a:rPr lang="zh-CN" altLang="en-US" dirty="0" smtClean="0"/>
+              <a:t> </a:t>
+            </a:r>
+            <a:r>
+              <a:rPr lang="en-US" altLang="zh-CN" dirty="0" smtClean="0"/>
+              <a:t>Strategy</a:t>
+            </a:r>
+            <a:endParaRPr lang="en-US" dirty="0"/>
+          </a:p>
+        </p:txBody>
+      </p:sp>
+      <p:sp>
+        <p:nvSpPr>
+          <p:cNvPr id="10" name="Down Arrow 9"/>
+          <p:cNvSpPr/>
+          <p:nvPr/>
+        </p:nvSpPr>
+        <p:spPr>
+          <a:xfrm>
+            <a:off x="2267211" y="2329840"/>
+            <a:ext cx="388307" cy="588725"/>
+          </a:xfrm>
+          <a:prstGeom prst="downArrow">
+            <a:avLst/>
+          </a:prstGeom>
+        </p:spPr>
+        <p:style>
+          <a:lnRef idx="1">
+            <a:schemeClr val="accent1"/>
+          </a:lnRef>
+          <a:fillRef idx="3">
+            <a:schemeClr val="accent1"/>
+          </a:fillRef>
+          <a:effectRef idx="2">
+            <a:schemeClr val="accent1"/>
+          </a:effectRef>
+          <a:fontRef idx="minor">
+            <a:schemeClr val="lt1"/>
+          </a:fontRef>
+        </p:style>
+        <p:txBody>
+          <a:bodyPr rtlCol="0" anchor="ctr"/>
+          <a:lstStyle/>
+          <a:p>
+            <a:pPr algn="ctr"/>
+            <a:endParaRPr lang="en-US"/>
+          </a:p>
+        </p:txBody>
+      </p:sp>
+      <p:sp>
+        <p:nvSpPr>
+          <p:cNvPr id="11" name="Down Arrow 10"/>
+          <p:cNvSpPr/>
+          <p:nvPr/>
+        </p:nvSpPr>
+        <p:spPr>
+          <a:xfrm>
+            <a:off x="2267210" y="3845491"/>
+            <a:ext cx="388307" cy="588725"/>
+          </a:xfrm>
+          <a:prstGeom prst="downArrow">
+            <a:avLst/>
+          </a:prstGeom>
+        </p:spPr>
+        <p:style>
+          <a:lnRef idx="1">
+            <a:schemeClr val="accent1"/>
+          </a:lnRef>
+          <a:fillRef idx="3">
+            <a:schemeClr val="accent1"/>
+          </a:fillRef>
+          <a:effectRef idx="2">
+            <a:schemeClr val="accent1"/>
+          </a:effectRef>
+          <a:fontRef idx="minor">
+            <a:schemeClr val="lt1"/>
+          </a:fontRef>
+        </p:style>
+        <p:txBody>
+          <a:bodyPr rtlCol="0" anchor="ctr"/>
+          <a:lstStyle/>
+          <a:p>
+            <a:pPr algn="ctr"/>
+            <a:endParaRPr lang="en-US"/>
+          </a:p>
+        </p:txBody>
+      </p:sp>
+      <p:sp>
+        <p:nvSpPr>
+          <p:cNvPr id="12" name="Down Arrow 11"/>
+          <p:cNvSpPr/>
+          <p:nvPr/>
+        </p:nvSpPr>
+        <p:spPr>
+          <a:xfrm>
+            <a:off x="2267210" y="5267196"/>
+            <a:ext cx="388307" cy="588725"/>
+          </a:xfrm>
+          <a:prstGeom prst="downArrow">
+            <a:avLst/>
+          </a:prstGeom>
+        </p:spPr>
+        <p:style>
+          <a:lnRef idx="1">
+            <a:schemeClr val="accent1"/>
+          </a:lnRef>
+          <a:fillRef idx="3">
+            <a:schemeClr val="accent1"/>
+          </a:fillRef>
+          <a:effectRef idx="2">
+            <a:schemeClr val="accent1"/>
+          </a:effectRef>
+          <a:fontRef idx="minor">
+            <a:schemeClr val="lt1"/>
+          </a:fontRef>
+        </p:style>
+        <p:txBody>
+          <a:bodyPr rtlCol="0" anchor="ctr"/>
+          <a:lstStyle/>
+          <a:p>
+            <a:pPr algn="ctr"/>
+            <a:endParaRPr lang="en-US"/>
+          </a:p>
+        </p:txBody>
+      </p:sp>
+      <p:sp>
+        <p:nvSpPr>
+          <p:cNvPr id="13" name="Right Arrow 12"/>
+          <p:cNvSpPr/>
+          <p:nvPr/>
+        </p:nvSpPr>
+        <p:spPr>
+          <a:xfrm>
+            <a:off x="3795387" y="3206662"/>
+            <a:ext cx="1415440" cy="350729"/>
+          </a:xfrm>
+          <a:prstGeom prst="rightArrow">
+            <a:avLst/>
+          </a:prstGeom>
+        </p:spPr>
+        <p:style>
+          <a:lnRef idx="1">
+            <a:schemeClr val="accent1"/>
+          </a:lnRef>
+          <a:fillRef idx="3">
+            <a:schemeClr val="accent1"/>
+          </a:fillRef>
+          <a:effectRef idx="2">
+            <a:schemeClr val="accent1"/>
+          </a:effectRef>
+          <a:fontRef idx="minor">
+            <a:schemeClr val="lt1"/>
+          </a:fontRef>
+        </p:style>
+        <p:txBody>
+          <a:bodyPr rtlCol="0" anchor="ctr"/>
+          <a:lstStyle/>
+          <a:p>
+            <a:pPr algn="ctr"/>
+            <a:endParaRPr lang="en-US"/>
+          </a:p>
+        </p:txBody>
+      </p:sp>
+      <p:sp>
+        <p:nvSpPr>
+          <p:cNvPr id="14" name="Right Arrow 13"/>
+          <p:cNvSpPr/>
+          <p:nvPr/>
+        </p:nvSpPr>
+        <p:spPr>
+          <a:xfrm>
+            <a:off x="3795387" y="4672210"/>
+            <a:ext cx="1415440" cy="350729"/>
+          </a:xfrm>
+          <a:prstGeom prst="rightArrow">
+            <a:avLst/>
+          </a:prstGeom>
+        </p:spPr>
+        <p:style>
+          <a:lnRef idx="1">
+            <a:schemeClr val="accent1"/>
+          </a:lnRef>
+          <a:fillRef idx="3">
+            <a:schemeClr val="accent1"/>
+          </a:fillRef>
+          <a:effectRef idx="2">
+            <a:schemeClr val="accent1"/>
+          </a:effectRef>
+          <a:fontRef idx="minor">
+            <a:schemeClr val="lt1"/>
+          </a:fontRef>
+        </p:style>
+        <p:txBody>
+          <a:bodyPr rtlCol="0" anchor="ctr"/>
+          <a:lstStyle/>
+          <a:p>
+            <a:pPr algn="ctr"/>
+            <a:endParaRPr lang="en-US"/>
+          </a:p>
+        </p:txBody>
+      </p:sp>
+      <p:sp>
+        <p:nvSpPr>
+          <p:cNvPr id="15" name="Bent-Up Arrow 14"/>
+          <p:cNvSpPr/>
+          <p:nvPr/>
+        </p:nvSpPr>
+        <p:spPr>
+          <a:xfrm>
+            <a:off x="3807913" y="5260934"/>
+            <a:ext cx="2530257" cy="1114814"/>
+          </a:xfrm>
+          <a:prstGeom prst="bentUpArrow">
+            <a:avLst/>
+          </a:prstGeom>
+        </p:spPr>
+        <p:style>
+          <a:lnRef idx="1">
+            <a:schemeClr val="accent1"/>
+          </a:lnRef>
+          <a:fillRef idx="3">
+            <a:schemeClr val="accent1"/>
+          </a:fillRef>
+          <a:effectRef idx="2">
+            <a:schemeClr val="accent1"/>
+          </a:effectRef>
+          <a:fontRef idx="minor">
+            <a:schemeClr val="lt1"/>
+          </a:fontRef>
+        </p:style>
+        <p:txBody>
+          <a:bodyPr rtlCol="0" anchor="ctr"/>
+          <a:lstStyle/>
+          <a:p>
+            <a:pPr algn="ctr"/>
+            <a:endParaRPr lang="en-US"/>
+          </a:p>
+        </p:txBody>
+      </p:sp>
+      <p:sp>
+        <p:nvSpPr>
+          <p:cNvPr id="18" name="Rectangle 17"/>
+          <p:cNvSpPr/>
+          <p:nvPr/>
+        </p:nvSpPr>
+        <p:spPr>
+          <a:xfrm>
+            <a:off x="4847572" y="1966586"/>
+            <a:ext cx="3062614" cy="3757808"/>
+          </a:xfrm>
+          <a:prstGeom prst="rect">
+            <a:avLst/>
+          </a:prstGeom>
+          <a:noFill/>
+          <a:ln w="28575">
+            <a:solidFill>
+              <a:srgbClr val="00B0F0"/>
+            </a:solidFill>
+          </a:ln>
+        </p:spPr>
+        <p:style>
+          <a:lnRef idx="1">
+            <a:schemeClr val="accent1"/>
+          </a:lnRef>
+          <a:fillRef idx="3">
+            <a:schemeClr val="accent1"/>
+          </a:fillRef>
+          <a:effectRef idx="2">
+            <a:schemeClr val="accent1"/>
+          </a:effectRef>
+          <a:fontRef idx="minor">
+            <a:schemeClr val="lt1"/>
+          </a:fontRef>
+        </p:style>
+        <p:txBody>
+          <a:bodyPr rtlCol="0" anchor="ctr"/>
+          <a:lstStyle/>
+          <a:p>
+            <a:pPr algn="ctr"/>
+            <a:endParaRPr lang="en-US"/>
+          </a:p>
+        </p:txBody>
+      </p:sp>
+      <p:sp>
+        <p:nvSpPr>
+          <p:cNvPr id="19" name="TextBox 18"/>
+          <p:cNvSpPr txBox="1"/>
+          <p:nvPr/>
+        </p:nvSpPr>
+        <p:spPr>
+          <a:xfrm>
+            <a:off x="5123145" y="2116899"/>
+            <a:ext cx="2617940" cy="369332"/>
+          </a:xfrm>
+          <a:prstGeom prst="rect">
+            <a:avLst/>
+          </a:prstGeom>
+          <a:noFill/>
+        </p:spPr>
+        <p:txBody>
+          <a:bodyPr wrap="square" rtlCol="0">
+            <a:spAutoFit/>
           </a:bodyPr>
           <a:lstStyle/>
           <a:p>
             <a:r>
-              <a:rPr lang="en-US" dirty="0" smtClean="0"/>
-              <a:t>	Questions?</a:t>
-            </a:r>
-            <a:endParaRPr lang="en-US" dirty="0"/>
+              <a:rPr lang="en-US" altLang="zh-CN" dirty="0" smtClean="0">
+                <a:solidFill>
+                  <a:srgbClr val="0070C0"/>
+                </a:solidFill>
+              </a:rPr>
+              <a:t>Ghost</a:t>
+            </a:r>
+            <a:r>
+              <a:rPr lang="zh-CN" altLang="en-US" dirty="0" smtClean="0">
+                <a:solidFill>
+                  <a:srgbClr val="0070C0"/>
+                </a:solidFill>
+              </a:rPr>
+              <a:t> </a:t>
+            </a:r>
+            <a:r>
+              <a:rPr lang="en-US" altLang="zh-CN" dirty="0" smtClean="0">
+                <a:solidFill>
+                  <a:srgbClr val="0070C0"/>
+                </a:solidFill>
+              </a:rPr>
+              <a:t>checks</a:t>
+            </a:r>
+            <a:r>
+              <a:rPr lang="zh-CN" altLang="en-US" dirty="0" smtClean="0">
+                <a:solidFill>
+                  <a:srgbClr val="0070C0"/>
+                </a:solidFill>
+              </a:rPr>
+              <a:t> </a:t>
+            </a:r>
+            <a:r>
+              <a:rPr lang="en-US" altLang="zh-CN" dirty="0" smtClean="0">
+                <a:solidFill>
+                  <a:srgbClr val="0070C0"/>
+                </a:solidFill>
+              </a:rPr>
+              <a:t>open</a:t>
+            </a:r>
+            <a:r>
+              <a:rPr lang="zh-CN" altLang="en-US" dirty="0" smtClean="0">
+                <a:solidFill>
+                  <a:srgbClr val="0070C0"/>
+                </a:solidFill>
+              </a:rPr>
+              <a:t> </a:t>
+            </a:r>
+            <a:r>
+              <a:rPr lang="en-US" altLang="zh-CN" dirty="0" smtClean="0">
+                <a:solidFill>
+                  <a:srgbClr val="0070C0"/>
+                </a:solidFill>
+              </a:rPr>
+              <a:t>spaces</a:t>
+            </a:r>
+            <a:endParaRPr lang="en-US" dirty="0">
+              <a:solidFill>
+                <a:srgbClr val="0070C0"/>
+              </a:solidFill>
+            </a:endParaRPr>
           </a:p>
         </p:txBody>
       </p:sp>
     </p:spTree>
     <p:extLst>
       <p:ext uri="{BB962C8B-B14F-4D97-AF65-F5344CB8AC3E}">
-        <p14:creationId xmlns:p14="http://schemas.microsoft.com/office/powerpoint/2010/main" val="2591834153"/>
+        <p14:creationId xmlns:p14="http://schemas.microsoft.com/office/powerpoint/2010/main" val="1914381274"/>
       </p:ext>
     </p:extLst>
   </p:cSld>

--- a/src/main/resources/hw7_presentation.pptx
+++ b/src/main/resources/hw7_presentation.pptx
@@ -5,24 +5,22 @@
     <p:sldMasterId id="2147483648" r:id="rId1"/>
   </p:sldMasterIdLst>
   <p:notesMasterIdLst>
-    <p:notesMasterId r:id="rId17"/>
+    <p:notesMasterId r:id="rId15"/>
   </p:notesMasterIdLst>
   <p:sldIdLst>
     <p:sldId id="256" r:id="rId2"/>
-    <p:sldId id="273" r:id="rId3"/>
-    <p:sldId id="274" r:id="rId4"/>
-    <p:sldId id="270" r:id="rId5"/>
-    <p:sldId id="260" r:id="rId6"/>
-    <p:sldId id="261" r:id="rId7"/>
-    <p:sldId id="262" r:id="rId8"/>
-    <p:sldId id="265" r:id="rId9"/>
-    <p:sldId id="266" r:id="rId10"/>
-    <p:sldId id="271" r:id="rId11"/>
-    <p:sldId id="267" r:id="rId12"/>
-    <p:sldId id="268" r:id="rId13"/>
-    <p:sldId id="264" r:id="rId14"/>
-    <p:sldId id="275" r:id="rId15"/>
-    <p:sldId id="272" r:id="rId16"/>
+    <p:sldId id="274" r:id="rId3"/>
+    <p:sldId id="283" r:id="rId4"/>
+    <p:sldId id="284" r:id="rId5"/>
+    <p:sldId id="285" r:id="rId6"/>
+    <p:sldId id="286" r:id="rId7"/>
+    <p:sldId id="277" r:id="rId8"/>
+    <p:sldId id="281" r:id="rId9"/>
+    <p:sldId id="278" r:id="rId10"/>
+    <p:sldId id="279" r:id="rId11"/>
+    <p:sldId id="280" r:id="rId12"/>
+    <p:sldId id="282" r:id="rId13"/>
+    <p:sldId id="266" r:id="rId14"/>
   </p:sldIdLst>
   <p:sldSz cx="9144000" cy="6858000" type="screen4x3"/>
   <p:notesSz cx="6858000" cy="9144000"/>
@@ -123,7 +121,7 @@
   </p:defaultTextStyle>
   <p:extLst>
     <p:ext uri="{EFAFB233-063F-42B5-8137-9DF3F51BA10A}">
-      <p15:sldGuideLst xmlns:p15="http://schemas.microsoft.com/office/powerpoint/2012/main">
+      <p15:sldGuideLst xmlns:p15="http://schemas.microsoft.com/office/powerpoint/2012/main" xmlns="">
         <p15:guide id="1" orient="horz" pos="2160">
           <p15:clr>
             <a:srgbClr val="A4A3A4"/>
@@ -138,6 +136,4140 @@
     </p:ext>
   </p:extLst>
 </p:presentation>
+</file>
+
+<file path=ppt/diagrams/colors1.xml><?xml version="1.0" encoding="utf-8"?>
+<dgm:colorsDef xmlns:dgm="http://schemas.openxmlformats.org/drawingml/2006/diagram" xmlns:a="http://schemas.openxmlformats.org/drawingml/2006/main" uniqueId="urn:microsoft.com/office/officeart/2005/8/colors/accent1_2">
+  <dgm:title val=""/>
+  <dgm:desc val=""/>
+  <dgm:catLst>
+    <dgm:cat type="accent1" pri="11200"/>
+  </dgm:catLst>
+  <dgm:styleLbl name="node0">
+    <dgm:fillClrLst meth="repeat">
+      <a:schemeClr val="accent1"/>
+    </dgm:fillClrLst>
+    <dgm:linClrLst meth="repeat">
+      <a:schemeClr val="lt1"/>
+    </dgm:linClrLst>
+    <dgm:effectClrLst/>
+    <dgm:txLinClrLst/>
+    <dgm:txFillClrLst/>
+    <dgm:txEffectClrLst/>
+  </dgm:styleLbl>
+  <dgm:styleLbl name="alignNode1">
+    <dgm:fillClrLst meth="repeat">
+      <a:schemeClr val="accent1"/>
+    </dgm:fillClrLst>
+    <dgm:linClrLst meth="repeat">
+      <a:schemeClr val="accent1"/>
+    </dgm:linClrLst>
+    <dgm:effectClrLst/>
+    <dgm:txLinClrLst/>
+    <dgm:txFillClrLst/>
+    <dgm:txEffectClrLst/>
+  </dgm:styleLbl>
+  <dgm:styleLbl name="node1">
+    <dgm:fillClrLst meth="repeat">
+      <a:schemeClr val="accent1"/>
+    </dgm:fillClrLst>
+    <dgm:linClrLst meth="repeat">
+      <a:schemeClr val="lt1"/>
+    </dgm:linClrLst>
+    <dgm:effectClrLst/>
+    <dgm:txLinClrLst/>
+    <dgm:txFillClrLst/>
+    <dgm:txEffectClrLst/>
+  </dgm:styleLbl>
+  <dgm:styleLbl name="lnNode1">
+    <dgm:fillClrLst meth="repeat">
+      <a:schemeClr val="accent1"/>
+    </dgm:fillClrLst>
+    <dgm:linClrLst meth="repeat">
+      <a:schemeClr val="lt1"/>
+    </dgm:linClrLst>
+    <dgm:effectClrLst/>
+    <dgm:txLinClrLst/>
+    <dgm:txFillClrLst/>
+    <dgm:txEffectClrLst/>
+  </dgm:styleLbl>
+  <dgm:styleLbl name="vennNode1">
+    <dgm:fillClrLst meth="repeat">
+      <a:schemeClr val="accent1">
+        <a:alpha val="50000"/>
+      </a:schemeClr>
+    </dgm:fillClrLst>
+    <dgm:linClrLst meth="repeat">
+      <a:schemeClr val="lt1"/>
+    </dgm:linClrLst>
+    <dgm:effectClrLst/>
+    <dgm:txLinClrLst/>
+    <dgm:txFillClrLst/>
+    <dgm:txEffectClrLst/>
+  </dgm:styleLbl>
+  <dgm:styleLbl name="node2">
+    <dgm:fillClrLst meth="repeat">
+      <a:schemeClr val="accent1"/>
+    </dgm:fillClrLst>
+    <dgm:linClrLst meth="repeat">
+      <a:schemeClr val="lt1"/>
+    </dgm:linClrLst>
+    <dgm:effectClrLst/>
+    <dgm:txLinClrLst/>
+    <dgm:txFillClrLst/>
+    <dgm:txEffectClrLst/>
+  </dgm:styleLbl>
+  <dgm:styleLbl name="node3">
+    <dgm:fillClrLst meth="repeat">
+      <a:schemeClr val="accent1"/>
+    </dgm:fillClrLst>
+    <dgm:linClrLst meth="repeat">
+      <a:schemeClr val="lt1"/>
+    </dgm:linClrLst>
+    <dgm:effectClrLst/>
+    <dgm:txLinClrLst/>
+    <dgm:txFillClrLst/>
+    <dgm:txEffectClrLst/>
+  </dgm:styleLbl>
+  <dgm:styleLbl name="node4">
+    <dgm:fillClrLst meth="repeat">
+      <a:schemeClr val="accent1"/>
+    </dgm:fillClrLst>
+    <dgm:linClrLst meth="repeat">
+      <a:schemeClr val="lt1"/>
+    </dgm:linClrLst>
+    <dgm:effectClrLst/>
+    <dgm:txLinClrLst/>
+    <dgm:txFillClrLst/>
+    <dgm:txEffectClrLst/>
+  </dgm:styleLbl>
+  <dgm:styleLbl name="fgImgPlace1">
+    <dgm:fillClrLst meth="repeat">
+      <a:schemeClr val="accent1">
+        <a:tint val="50000"/>
+      </a:schemeClr>
+    </dgm:fillClrLst>
+    <dgm:linClrLst meth="repeat">
+      <a:schemeClr val="lt1"/>
+    </dgm:linClrLst>
+    <dgm:effectClrLst/>
+    <dgm:txLinClrLst/>
+    <dgm:txFillClrLst meth="repeat">
+      <a:schemeClr val="lt1"/>
+    </dgm:txFillClrLst>
+    <dgm:txEffectClrLst/>
+  </dgm:styleLbl>
+  <dgm:styleLbl name="alignImgPlace1">
+    <dgm:fillClrLst meth="repeat">
+      <a:schemeClr val="accent1">
+        <a:tint val="50000"/>
+      </a:schemeClr>
+    </dgm:fillClrLst>
+    <dgm:linClrLst meth="repeat">
+      <a:schemeClr val="lt1"/>
+    </dgm:linClrLst>
+    <dgm:effectClrLst/>
+    <dgm:txLinClrLst/>
+    <dgm:txFillClrLst meth="repeat">
+      <a:schemeClr val="lt1"/>
+    </dgm:txFillClrLst>
+    <dgm:txEffectClrLst/>
+  </dgm:styleLbl>
+  <dgm:styleLbl name="bgImgPlace1">
+    <dgm:fillClrLst meth="repeat">
+      <a:schemeClr val="accent1">
+        <a:tint val="50000"/>
+      </a:schemeClr>
+    </dgm:fillClrLst>
+    <dgm:linClrLst meth="repeat">
+      <a:schemeClr val="lt1"/>
+    </dgm:linClrLst>
+    <dgm:effectClrLst/>
+    <dgm:txLinClrLst/>
+    <dgm:txFillClrLst meth="repeat">
+      <a:schemeClr val="lt1"/>
+    </dgm:txFillClrLst>
+    <dgm:txEffectClrLst/>
+  </dgm:styleLbl>
+  <dgm:styleLbl name="sibTrans2D1">
+    <dgm:fillClrLst meth="repeat">
+      <a:schemeClr val="accent1">
+        <a:tint val="60000"/>
+      </a:schemeClr>
+    </dgm:fillClrLst>
+    <dgm:linClrLst meth="repeat">
+      <a:schemeClr val="accent1">
+        <a:tint val="60000"/>
+      </a:schemeClr>
+    </dgm:linClrLst>
+    <dgm:effectClrLst/>
+    <dgm:txLinClrLst/>
+    <dgm:txFillClrLst/>
+    <dgm:txEffectClrLst/>
+  </dgm:styleLbl>
+  <dgm:styleLbl name="fgSibTrans2D1">
+    <dgm:fillClrLst meth="repeat">
+      <a:schemeClr val="accent1">
+        <a:tint val="60000"/>
+      </a:schemeClr>
+    </dgm:fillClrLst>
+    <dgm:linClrLst meth="repeat">
+      <a:schemeClr val="accent1">
+        <a:tint val="60000"/>
+      </a:schemeClr>
+    </dgm:linClrLst>
+    <dgm:effectClrLst/>
+    <dgm:txLinClrLst/>
+    <dgm:txFillClrLst/>
+    <dgm:txEffectClrLst/>
+  </dgm:styleLbl>
+  <dgm:styleLbl name="bgSibTrans2D1">
+    <dgm:fillClrLst meth="repeat">
+      <a:schemeClr val="accent1">
+        <a:tint val="60000"/>
+      </a:schemeClr>
+    </dgm:fillClrLst>
+    <dgm:linClrLst meth="repeat">
+      <a:schemeClr val="accent1">
+        <a:tint val="60000"/>
+      </a:schemeClr>
+    </dgm:linClrLst>
+    <dgm:effectClrLst/>
+    <dgm:txLinClrLst/>
+    <dgm:txFillClrLst/>
+    <dgm:txEffectClrLst/>
+  </dgm:styleLbl>
+  <dgm:styleLbl name="sibTrans1D1">
+    <dgm:fillClrLst meth="repeat">
+      <a:schemeClr val="accent1"/>
+    </dgm:fillClrLst>
+    <dgm:linClrLst meth="repeat">
+      <a:schemeClr val="accent1"/>
+    </dgm:linClrLst>
+    <dgm:effectClrLst/>
+    <dgm:txLinClrLst/>
+    <dgm:txFillClrLst meth="repeat">
+      <a:schemeClr val="tx1"/>
+    </dgm:txFillClrLst>
+    <dgm:txEffectClrLst/>
+  </dgm:styleLbl>
+  <dgm:styleLbl name="callout">
+    <dgm:fillClrLst meth="repeat">
+      <a:schemeClr val="accent1"/>
+    </dgm:fillClrLst>
+    <dgm:linClrLst meth="repeat">
+      <a:schemeClr val="accent1">
+        <a:tint val="50000"/>
+      </a:schemeClr>
+    </dgm:linClrLst>
+    <dgm:effectClrLst/>
+    <dgm:txLinClrLst/>
+    <dgm:txFillClrLst meth="repeat">
+      <a:schemeClr val="tx1"/>
+    </dgm:txFillClrLst>
+    <dgm:txEffectClrLst/>
+  </dgm:styleLbl>
+  <dgm:styleLbl name="asst0">
+    <dgm:fillClrLst meth="repeat">
+      <a:schemeClr val="accent1"/>
+    </dgm:fillClrLst>
+    <dgm:linClrLst meth="repeat">
+      <a:schemeClr val="lt1"/>
+    </dgm:linClrLst>
+    <dgm:effectClrLst/>
+    <dgm:txLinClrLst/>
+    <dgm:txFillClrLst/>
+    <dgm:txEffectClrLst/>
+  </dgm:styleLbl>
+  <dgm:styleLbl name="asst1">
+    <dgm:fillClrLst meth="repeat">
+      <a:schemeClr val="accent1"/>
+    </dgm:fillClrLst>
+    <dgm:linClrLst meth="repeat">
+      <a:schemeClr val="lt1"/>
+    </dgm:linClrLst>
+    <dgm:effectClrLst/>
+    <dgm:txLinClrLst/>
+    <dgm:txFillClrLst/>
+    <dgm:txEffectClrLst/>
+  </dgm:styleLbl>
+  <dgm:styleLbl name="asst2">
+    <dgm:fillClrLst meth="repeat">
+      <a:schemeClr val="accent1"/>
+    </dgm:fillClrLst>
+    <dgm:linClrLst meth="repeat">
+      <a:schemeClr val="lt1"/>
+    </dgm:linClrLst>
+    <dgm:effectClrLst/>
+    <dgm:txLinClrLst/>
+    <dgm:txFillClrLst/>
+    <dgm:txEffectClrLst/>
+  </dgm:styleLbl>
+  <dgm:styleLbl name="asst3">
+    <dgm:fillClrLst meth="repeat">
+      <a:schemeClr val="accent1"/>
+    </dgm:fillClrLst>
+    <dgm:linClrLst meth="repeat">
+      <a:schemeClr val="lt1"/>
+    </dgm:linClrLst>
+    <dgm:effectClrLst/>
+    <dgm:txLinClrLst/>
+    <dgm:txFillClrLst/>
+    <dgm:txEffectClrLst/>
+  </dgm:styleLbl>
+  <dgm:styleLbl name="asst4">
+    <dgm:fillClrLst meth="repeat">
+      <a:schemeClr val="accent1"/>
+    </dgm:fillClrLst>
+    <dgm:linClrLst meth="repeat">
+      <a:schemeClr val="lt1"/>
+    </dgm:linClrLst>
+    <dgm:effectClrLst/>
+    <dgm:txLinClrLst/>
+    <dgm:txFillClrLst/>
+    <dgm:txEffectClrLst/>
+  </dgm:styleLbl>
+  <dgm:styleLbl name="parChTrans2D1">
+    <dgm:fillClrLst meth="repeat">
+      <a:schemeClr val="accent1">
+        <a:tint val="60000"/>
+      </a:schemeClr>
+    </dgm:fillClrLst>
+    <dgm:linClrLst meth="repeat">
+      <a:schemeClr val="accent1">
+        <a:tint val="60000"/>
+      </a:schemeClr>
+    </dgm:linClrLst>
+    <dgm:effectClrLst/>
+    <dgm:txLinClrLst/>
+    <dgm:txFillClrLst meth="repeat">
+      <a:schemeClr val="lt1"/>
+    </dgm:txFillClrLst>
+    <dgm:txEffectClrLst/>
+  </dgm:styleLbl>
+  <dgm:styleLbl name="parChTrans2D2">
+    <dgm:fillClrLst meth="repeat">
+      <a:schemeClr val="accent1"/>
+    </dgm:fillClrLst>
+    <dgm:linClrLst meth="repeat">
+      <a:schemeClr val="accent1"/>
+    </dgm:linClrLst>
+    <dgm:effectClrLst/>
+    <dgm:txLinClrLst/>
+    <dgm:txFillClrLst meth="repeat">
+      <a:schemeClr val="lt1"/>
+    </dgm:txFillClrLst>
+    <dgm:txEffectClrLst/>
+  </dgm:styleLbl>
+  <dgm:styleLbl name="parChTrans2D3">
+    <dgm:fillClrLst meth="repeat">
+      <a:schemeClr val="accent1"/>
+    </dgm:fillClrLst>
+    <dgm:linClrLst meth="repeat">
+      <a:schemeClr val="accent1"/>
+    </dgm:linClrLst>
+    <dgm:effectClrLst/>
+    <dgm:txLinClrLst/>
+    <dgm:txFillClrLst meth="repeat">
+      <a:schemeClr val="lt1"/>
+    </dgm:txFillClrLst>
+    <dgm:txEffectClrLst/>
+  </dgm:styleLbl>
+  <dgm:styleLbl name="parChTrans2D4">
+    <dgm:fillClrLst meth="repeat">
+      <a:schemeClr val="accent1"/>
+    </dgm:fillClrLst>
+    <dgm:linClrLst meth="repeat">
+      <a:schemeClr val="accent1"/>
+    </dgm:linClrLst>
+    <dgm:effectClrLst/>
+    <dgm:txLinClrLst/>
+    <dgm:txFillClrLst meth="repeat">
+      <a:schemeClr val="lt1"/>
+    </dgm:txFillClrLst>
+    <dgm:txEffectClrLst/>
+  </dgm:styleLbl>
+  <dgm:styleLbl name="parChTrans1D1">
+    <dgm:fillClrLst meth="repeat">
+      <a:schemeClr val="accent1"/>
+    </dgm:fillClrLst>
+    <dgm:linClrLst meth="repeat">
+      <a:schemeClr val="accent1">
+        <a:shade val="60000"/>
+      </a:schemeClr>
+    </dgm:linClrLst>
+    <dgm:effectClrLst/>
+    <dgm:txLinClrLst/>
+    <dgm:txFillClrLst meth="repeat">
+      <a:schemeClr val="tx1"/>
+    </dgm:txFillClrLst>
+    <dgm:txEffectClrLst/>
+  </dgm:styleLbl>
+  <dgm:styleLbl name="parChTrans1D2">
+    <dgm:fillClrLst meth="repeat">
+      <a:schemeClr val="accent1"/>
+    </dgm:fillClrLst>
+    <dgm:linClrLst meth="repeat">
+      <a:schemeClr val="accent1">
+        <a:shade val="60000"/>
+      </a:schemeClr>
+    </dgm:linClrLst>
+    <dgm:effectClrLst/>
+    <dgm:txLinClrLst/>
+    <dgm:txFillClrLst meth="repeat">
+      <a:schemeClr val="tx1"/>
+    </dgm:txFillClrLst>
+    <dgm:txEffectClrLst/>
+  </dgm:styleLbl>
+  <dgm:styleLbl name="parChTrans1D3">
+    <dgm:fillClrLst meth="repeat">
+      <a:schemeClr val="accent1"/>
+    </dgm:fillClrLst>
+    <dgm:linClrLst meth="repeat">
+      <a:schemeClr val="accent1">
+        <a:shade val="80000"/>
+      </a:schemeClr>
+    </dgm:linClrLst>
+    <dgm:effectClrLst/>
+    <dgm:txLinClrLst/>
+    <dgm:txFillClrLst meth="repeat">
+      <a:schemeClr val="tx1"/>
+    </dgm:txFillClrLst>
+    <dgm:txEffectClrLst/>
+  </dgm:styleLbl>
+  <dgm:styleLbl name="parChTrans1D4">
+    <dgm:fillClrLst meth="repeat">
+      <a:schemeClr val="accent1"/>
+    </dgm:fillClrLst>
+    <dgm:linClrLst meth="repeat">
+      <a:schemeClr val="accent1">
+        <a:shade val="80000"/>
+      </a:schemeClr>
+    </dgm:linClrLst>
+    <dgm:effectClrLst/>
+    <dgm:txLinClrLst/>
+    <dgm:txFillClrLst meth="repeat">
+      <a:schemeClr val="tx1"/>
+    </dgm:txFillClrLst>
+    <dgm:txEffectClrLst/>
+  </dgm:styleLbl>
+  <dgm:styleLbl name="fgAcc1">
+    <dgm:fillClrLst meth="repeat">
+      <a:schemeClr val="lt1">
+        <a:alpha val="90000"/>
+      </a:schemeClr>
+    </dgm:fillClrLst>
+    <dgm:linClrLst meth="repeat">
+      <a:schemeClr val="accent1"/>
+    </dgm:linClrLst>
+    <dgm:effectClrLst/>
+    <dgm:txLinClrLst/>
+    <dgm:txFillClrLst meth="repeat">
+      <a:schemeClr val="dk1"/>
+    </dgm:txFillClrLst>
+    <dgm:txEffectClrLst/>
+  </dgm:styleLbl>
+  <dgm:styleLbl name="conFgAcc1">
+    <dgm:fillClrLst meth="repeat">
+      <a:schemeClr val="lt1">
+        <a:alpha val="90000"/>
+      </a:schemeClr>
+    </dgm:fillClrLst>
+    <dgm:linClrLst meth="repeat">
+      <a:schemeClr val="accent1"/>
+    </dgm:linClrLst>
+    <dgm:effectClrLst/>
+    <dgm:txLinClrLst/>
+    <dgm:txFillClrLst meth="repeat">
+      <a:schemeClr val="dk1"/>
+    </dgm:txFillClrLst>
+    <dgm:txEffectClrLst/>
+  </dgm:styleLbl>
+  <dgm:styleLbl name="alignAcc1">
+    <dgm:fillClrLst meth="repeat">
+      <a:schemeClr val="lt1">
+        <a:alpha val="90000"/>
+      </a:schemeClr>
+    </dgm:fillClrLst>
+    <dgm:linClrLst meth="repeat">
+      <a:schemeClr val="accent1"/>
+    </dgm:linClrLst>
+    <dgm:effectClrLst/>
+    <dgm:txLinClrLst/>
+    <dgm:txFillClrLst meth="repeat">
+      <a:schemeClr val="dk1"/>
+    </dgm:txFillClrLst>
+    <dgm:txEffectClrLst/>
+  </dgm:styleLbl>
+  <dgm:styleLbl name="trAlignAcc1">
+    <dgm:fillClrLst meth="repeat">
+      <a:schemeClr val="lt1">
+        <a:alpha val="40000"/>
+      </a:schemeClr>
+    </dgm:fillClrLst>
+    <dgm:linClrLst meth="repeat">
+      <a:schemeClr val="accent1"/>
+    </dgm:linClrLst>
+    <dgm:effectClrLst/>
+    <dgm:txLinClrLst/>
+    <dgm:txFillClrLst meth="repeat">
+      <a:schemeClr val="dk1"/>
+    </dgm:txFillClrLst>
+    <dgm:txEffectClrLst/>
+  </dgm:styleLbl>
+  <dgm:styleLbl name="bgAcc1">
+    <dgm:fillClrLst meth="repeat">
+      <a:schemeClr val="lt1">
+        <a:alpha val="90000"/>
+      </a:schemeClr>
+    </dgm:fillClrLst>
+    <dgm:linClrLst meth="repeat">
+      <a:schemeClr val="accent1"/>
+    </dgm:linClrLst>
+    <dgm:effectClrLst/>
+    <dgm:txLinClrLst/>
+    <dgm:txFillClrLst meth="repeat">
+      <a:schemeClr val="dk1"/>
+    </dgm:txFillClrLst>
+    <dgm:txEffectClrLst/>
+  </dgm:styleLbl>
+  <dgm:styleLbl name="solidFgAcc1">
+    <dgm:fillClrLst meth="repeat">
+      <a:schemeClr val="lt1"/>
+    </dgm:fillClrLst>
+    <dgm:linClrLst meth="repeat">
+      <a:schemeClr val="accent1"/>
+    </dgm:linClrLst>
+    <dgm:effectClrLst/>
+    <dgm:txLinClrLst/>
+    <dgm:txFillClrLst meth="repeat">
+      <a:schemeClr val="dk1"/>
+    </dgm:txFillClrLst>
+    <dgm:txEffectClrLst/>
+  </dgm:styleLbl>
+  <dgm:styleLbl name="solidAlignAcc1">
+    <dgm:fillClrLst meth="repeat">
+      <a:schemeClr val="lt1"/>
+    </dgm:fillClrLst>
+    <dgm:linClrLst meth="repeat">
+      <a:schemeClr val="accent1"/>
+    </dgm:linClrLst>
+    <dgm:effectClrLst/>
+    <dgm:txLinClrLst/>
+    <dgm:txFillClrLst meth="repeat">
+      <a:schemeClr val="dk1"/>
+    </dgm:txFillClrLst>
+    <dgm:txEffectClrLst/>
+  </dgm:styleLbl>
+  <dgm:styleLbl name="solidBgAcc1">
+    <dgm:fillClrLst meth="repeat">
+      <a:schemeClr val="lt1"/>
+    </dgm:fillClrLst>
+    <dgm:linClrLst meth="repeat">
+      <a:schemeClr val="accent1"/>
+    </dgm:linClrLst>
+    <dgm:effectClrLst/>
+    <dgm:txLinClrLst/>
+    <dgm:txFillClrLst meth="repeat">
+      <a:schemeClr val="dk1"/>
+    </dgm:txFillClrLst>
+    <dgm:txEffectClrLst/>
+  </dgm:styleLbl>
+  <dgm:styleLbl name="fgAccFollowNode1">
+    <dgm:fillClrLst meth="repeat">
+      <a:schemeClr val="accent1">
+        <a:alpha val="90000"/>
+        <a:tint val="40000"/>
+      </a:schemeClr>
+    </dgm:fillClrLst>
+    <dgm:linClrLst meth="repeat">
+      <a:schemeClr val="accent1">
+        <a:alpha val="90000"/>
+        <a:tint val="40000"/>
+      </a:schemeClr>
+    </dgm:linClrLst>
+    <dgm:effectClrLst/>
+    <dgm:txLinClrLst/>
+    <dgm:txFillClrLst meth="repeat">
+      <a:schemeClr val="dk1"/>
+    </dgm:txFillClrLst>
+    <dgm:txEffectClrLst/>
+  </dgm:styleLbl>
+  <dgm:styleLbl name="alignAccFollowNode1">
+    <dgm:fillClrLst meth="repeat">
+      <a:schemeClr val="accent1">
+        <a:alpha val="90000"/>
+        <a:tint val="40000"/>
+      </a:schemeClr>
+    </dgm:fillClrLst>
+    <dgm:linClrLst meth="repeat">
+      <a:schemeClr val="accent1">
+        <a:alpha val="90000"/>
+        <a:tint val="40000"/>
+      </a:schemeClr>
+    </dgm:linClrLst>
+    <dgm:effectClrLst/>
+    <dgm:txLinClrLst/>
+    <dgm:txFillClrLst meth="repeat">
+      <a:schemeClr val="dk1"/>
+    </dgm:txFillClrLst>
+    <dgm:txEffectClrLst/>
+  </dgm:styleLbl>
+  <dgm:styleLbl name="bgAccFollowNode1">
+    <dgm:fillClrLst meth="repeat">
+      <a:schemeClr val="accent1">
+        <a:alpha val="90000"/>
+        <a:tint val="40000"/>
+      </a:schemeClr>
+    </dgm:fillClrLst>
+    <dgm:linClrLst meth="repeat">
+      <a:schemeClr val="accent1">
+        <a:alpha val="90000"/>
+        <a:tint val="40000"/>
+      </a:schemeClr>
+    </dgm:linClrLst>
+    <dgm:effectClrLst/>
+    <dgm:txLinClrLst/>
+    <dgm:txFillClrLst meth="repeat">
+      <a:schemeClr val="dk1"/>
+    </dgm:txFillClrLst>
+    <dgm:txEffectClrLst/>
+  </dgm:styleLbl>
+  <dgm:styleLbl name="fgAcc0">
+    <dgm:fillClrLst meth="repeat">
+      <a:schemeClr val="lt1">
+        <a:alpha val="90000"/>
+      </a:schemeClr>
+    </dgm:fillClrLst>
+    <dgm:linClrLst meth="repeat">
+      <a:schemeClr val="accent1"/>
+    </dgm:linClrLst>
+    <dgm:effectClrLst/>
+    <dgm:txLinClrLst/>
+    <dgm:txFillClrLst meth="repeat">
+      <a:schemeClr val="dk1"/>
+    </dgm:txFillClrLst>
+    <dgm:txEffectClrLst/>
+  </dgm:styleLbl>
+  <dgm:styleLbl name="fgAcc2">
+    <dgm:fillClrLst meth="repeat">
+      <a:schemeClr val="lt1">
+        <a:alpha val="90000"/>
+      </a:schemeClr>
+    </dgm:fillClrLst>
+    <dgm:linClrLst meth="repeat">
+      <a:schemeClr val="accent1"/>
+    </dgm:linClrLst>
+    <dgm:effectClrLst/>
+    <dgm:txLinClrLst/>
+    <dgm:txFillClrLst meth="repeat">
+      <a:schemeClr val="dk1"/>
+    </dgm:txFillClrLst>
+    <dgm:txEffectClrLst/>
+  </dgm:styleLbl>
+  <dgm:styleLbl name="fgAcc3">
+    <dgm:fillClrLst meth="repeat">
+      <a:schemeClr val="lt1">
+        <a:alpha val="90000"/>
+      </a:schemeClr>
+    </dgm:fillClrLst>
+    <dgm:linClrLst meth="repeat">
+      <a:schemeClr val="accent1"/>
+    </dgm:linClrLst>
+    <dgm:effectClrLst/>
+    <dgm:txLinClrLst/>
+    <dgm:txFillClrLst meth="repeat">
+      <a:schemeClr val="dk1"/>
+    </dgm:txFillClrLst>
+    <dgm:txEffectClrLst/>
+  </dgm:styleLbl>
+  <dgm:styleLbl name="fgAcc4">
+    <dgm:fillClrLst meth="repeat">
+      <a:schemeClr val="lt1">
+        <a:alpha val="90000"/>
+      </a:schemeClr>
+    </dgm:fillClrLst>
+    <dgm:linClrLst meth="repeat">
+      <a:schemeClr val="accent1"/>
+    </dgm:linClrLst>
+    <dgm:effectClrLst/>
+    <dgm:txLinClrLst/>
+    <dgm:txFillClrLst meth="repeat">
+      <a:schemeClr val="dk1"/>
+    </dgm:txFillClrLst>
+    <dgm:txEffectClrLst/>
+  </dgm:styleLbl>
+  <dgm:styleLbl name="bgShp">
+    <dgm:fillClrLst meth="repeat">
+      <a:schemeClr val="accent1">
+        <a:tint val="40000"/>
+      </a:schemeClr>
+    </dgm:fillClrLst>
+    <dgm:linClrLst meth="repeat">
+      <a:schemeClr val="accent1"/>
+    </dgm:linClrLst>
+    <dgm:effectClrLst/>
+    <dgm:txLinClrLst/>
+    <dgm:txFillClrLst meth="repeat">
+      <a:schemeClr val="dk1"/>
+    </dgm:txFillClrLst>
+    <dgm:txEffectClrLst/>
+  </dgm:styleLbl>
+  <dgm:styleLbl name="dkBgShp">
+    <dgm:fillClrLst meth="repeat">
+      <a:schemeClr val="accent1">
+        <a:shade val="80000"/>
+      </a:schemeClr>
+    </dgm:fillClrLst>
+    <dgm:linClrLst meth="repeat">
+      <a:schemeClr val="accent1"/>
+    </dgm:linClrLst>
+    <dgm:effectClrLst/>
+    <dgm:txLinClrLst/>
+    <dgm:txFillClrLst meth="repeat">
+      <a:schemeClr val="lt1"/>
+    </dgm:txFillClrLst>
+    <dgm:txEffectClrLst/>
+  </dgm:styleLbl>
+  <dgm:styleLbl name="trBgShp">
+    <dgm:fillClrLst meth="repeat">
+      <a:schemeClr val="accent1">
+        <a:tint val="50000"/>
+        <a:alpha val="40000"/>
+      </a:schemeClr>
+    </dgm:fillClrLst>
+    <dgm:linClrLst meth="repeat">
+      <a:schemeClr val="accent1"/>
+    </dgm:linClrLst>
+    <dgm:effectClrLst/>
+    <dgm:txLinClrLst/>
+    <dgm:txFillClrLst meth="repeat">
+      <a:schemeClr val="lt1"/>
+    </dgm:txFillClrLst>
+    <dgm:txEffectClrLst/>
+  </dgm:styleLbl>
+  <dgm:styleLbl name="fgShp">
+    <dgm:fillClrLst meth="repeat">
+      <a:schemeClr val="accent1">
+        <a:tint val="60000"/>
+      </a:schemeClr>
+    </dgm:fillClrLst>
+    <dgm:linClrLst meth="repeat">
+      <a:schemeClr val="lt1"/>
+    </dgm:linClrLst>
+    <dgm:effectClrLst/>
+    <dgm:txLinClrLst/>
+    <dgm:txFillClrLst meth="repeat">
+      <a:schemeClr val="dk1"/>
+    </dgm:txFillClrLst>
+    <dgm:txEffectClrLst/>
+  </dgm:styleLbl>
+  <dgm:styleLbl name="revTx">
+    <dgm:fillClrLst meth="repeat">
+      <a:schemeClr val="lt1">
+        <a:alpha val="0"/>
+      </a:schemeClr>
+    </dgm:fillClrLst>
+    <dgm:linClrLst meth="repeat">
+      <a:schemeClr val="dk1">
+        <a:alpha val="0"/>
+      </a:schemeClr>
+    </dgm:linClrLst>
+    <dgm:effectClrLst/>
+    <dgm:txLinClrLst/>
+    <dgm:txFillClrLst meth="repeat">
+      <a:schemeClr val="tx1"/>
+    </dgm:txFillClrLst>
+    <dgm:txEffectClrLst/>
+  </dgm:styleLbl>
+</dgm:colorsDef>
+</file>
+
+<file path=ppt/diagrams/data1.xml><?xml version="1.0" encoding="utf-8"?>
+<dgm:dataModel xmlns:dgm="http://schemas.openxmlformats.org/drawingml/2006/diagram" xmlns:a="http://schemas.openxmlformats.org/drawingml/2006/main">
+  <dgm:ptLst>
+    <dgm:pt modelId="{BD5BC3F1-499F-7645-901C-2C7837892535}" type="doc">
+      <dgm:prSet loTypeId="urn:microsoft.com/office/officeart/2005/8/layout/orgChart1" loCatId="" qsTypeId="urn:microsoft.com/office/officeart/2005/8/quickstyle/simple4" qsCatId="simple" csTypeId="urn:microsoft.com/office/officeart/2005/8/colors/accent1_2" csCatId="accent1" phldr="1"/>
+      <dgm:spPr/>
+      <dgm:t>
+        <a:bodyPr/>
+        <a:lstStyle/>
+        <a:p>
+          <a:endParaRPr lang="en-US"/>
+        </a:p>
+      </dgm:t>
+    </dgm:pt>
+    <dgm:pt modelId="{2EE1D2BE-D212-F349-8529-DF8E6D6829D6}">
+      <dgm:prSet phldrT="[Text]"/>
+      <dgm:spPr/>
+      <dgm:t>
+        <a:bodyPr/>
+        <a:lstStyle/>
+        <a:p>
+          <a:r>
+            <a:rPr lang="en-US" altLang="zh-CN" dirty="0" smtClean="0"/>
+            <a:t>Pacman</a:t>
+          </a:r>
+          <a:r>
+            <a:rPr lang="zh-CN" altLang="en-US" dirty="0" smtClean="0"/>
+            <a:t> </a:t>
+          </a:r>
+          <a:r>
+            <a:rPr lang="en-US" altLang="zh-CN" dirty="0" smtClean="0"/>
+            <a:t>Interactions</a:t>
+          </a:r>
+          <a:endParaRPr lang="en-US" dirty="0"/>
+        </a:p>
+      </dgm:t>
+    </dgm:pt>
+    <dgm:pt modelId="{984133D1-C7DD-D246-8F7F-B3A02218B76E}" type="parTrans" cxnId="{BE42BB14-E270-A248-A81E-21EC37E9AB11}">
+      <dgm:prSet/>
+      <dgm:spPr/>
+      <dgm:t>
+        <a:bodyPr/>
+        <a:lstStyle/>
+        <a:p>
+          <a:endParaRPr lang="en-US"/>
+        </a:p>
+      </dgm:t>
+    </dgm:pt>
+    <dgm:pt modelId="{161326F2-DA59-0549-BC88-435672AFA423}" type="sibTrans" cxnId="{BE42BB14-E270-A248-A81E-21EC37E9AB11}">
+      <dgm:prSet/>
+      <dgm:spPr/>
+      <dgm:t>
+        <a:bodyPr/>
+        <a:lstStyle/>
+        <a:p>
+          <a:endParaRPr lang="en-US"/>
+        </a:p>
+      </dgm:t>
+    </dgm:pt>
+    <dgm:pt modelId="{89E38E5A-2C3C-4048-A0DE-150A2EFF48D7}">
+      <dgm:prSet phldrT="[Text]"/>
+      <dgm:spPr/>
+      <dgm:t>
+        <a:bodyPr/>
+        <a:lstStyle/>
+        <a:p>
+          <a:r>
+            <a:rPr lang="en-US" altLang="zh-CN" dirty="0" smtClean="0"/>
+            <a:t>Wall</a:t>
+          </a:r>
+          <a:endParaRPr lang="zh-CN" altLang="en-US" dirty="0" smtClean="0"/>
+        </a:p>
+        <a:p>
+          <a:r>
+            <a:rPr lang="en-US" altLang="zh-CN" dirty="0" smtClean="0"/>
+            <a:t>velocity</a:t>
+          </a:r>
+          <a:r>
+            <a:rPr lang="zh-CN" altLang="en-US" dirty="0" smtClean="0"/>
+            <a:t> </a:t>
+          </a:r>
+          <a:r>
+            <a:rPr lang="en-US" altLang="zh-CN" dirty="0" smtClean="0"/>
+            <a:t>(0,</a:t>
+          </a:r>
+          <a:r>
+            <a:rPr lang="zh-CN" altLang="en-US" dirty="0" smtClean="0"/>
+            <a:t> </a:t>
+          </a:r>
+          <a:r>
+            <a:rPr lang="en-US" altLang="zh-CN" dirty="0" smtClean="0"/>
+            <a:t>0)</a:t>
+          </a:r>
+          <a:endParaRPr lang="en-US" dirty="0"/>
+        </a:p>
+      </dgm:t>
+    </dgm:pt>
+    <dgm:pt modelId="{B3F4D04B-0797-AB47-8E6F-5E5A45B35F8B}" type="parTrans" cxnId="{5EC057BB-079A-B647-8D7B-77C01956C73E}">
+      <dgm:prSet/>
+      <dgm:spPr/>
+      <dgm:t>
+        <a:bodyPr/>
+        <a:lstStyle/>
+        <a:p>
+          <a:endParaRPr lang="en-US"/>
+        </a:p>
+      </dgm:t>
+    </dgm:pt>
+    <dgm:pt modelId="{E2D01246-7599-2544-AF45-743624731692}" type="sibTrans" cxnId="{5EC057BB-079A-B647-8D7B-77C01956C73E}">
+      <dgm:prSet/>
+      <dgm:spPr/>
+      <dgm:t>
+        <a:bodyPr/>
+        <a:lstStyle/>
+        <a:p>
+          <a:endParaRPr lang="en-US"/>
+        </a:p>
+      </dgm:t>
+    </dgm:pt>
+    <dgm:pt modelId="{ADE5EDDA-6318-7C4B-91D7-F20FF602F40E}">
+      <dgm:prSet phldrT="[Text]"/>
+      <dgm:spPr/>
+      <dgm:t>
+        <a:bodyPr/>
+        <a:lstStyle/>
+        <a:p>
+          <a:r>
+            <a:rPr lang="en-US" altLang="zh-CN" dirty="0" smtClean="0"/>
+            <a:t>Exit</a:t>
+          </a:r>
+          <a:endParaRPr lang="zh-CN" altLang="en-US" dirty="0" smtClean="0"/>
+        </a:p>
+        <a:p>
+          <a:r>
+            <a:rPr lang="en-US" altLang="zh-CN" dirty="0" smtClean="0"/>
+            <a:t>location</a:t>
+          </a:r>
+          <a:r>
+            <a:rPr lang="zh-CN" altLang="en-US" dirty="0" smtClean="0"/>
+            <a:t> </a:t>
+          </a:r>
+          <a:r>
+            <a:rPr lang="en-US" altLang="zh-CN" dirty="0" smtClean="0"/>
+            <a:t>(</a:t>
+          </a:r>
+          <a:r>
+            <a:rPr lang="en-US" altLang="zh-CN" dirty="0" err="1" smtClean="0"/>
+            <a:t>exitTo</a:t>
+          </a:r>
+          <a:r>
+            <a:rPr lang="en-US" altLang="zh-CN" dirty="0" smtClean="0"/>
+            <a:t>)</a:t>
+          </a:r>
+          <a:endParaRPr lang="en-US" dirty="0"/>
+        </a:p>
+      </dgm:t>
+    </dgm:pt>
+    <dgm:pt modelId="{F6D1A0CC-2E86-1A46-97FA-673204D33998}" type="parTrans" cxnId="{15E8BAFE-D99E-F748-8129-474EA68B47A4}">
+      <dgm:prSet/>
+      <dgm:spPr/>
+      <dgm:t>
+        <a:bodyPr/>
+        <a:lstStyle/>
+        <a:p>
+          <a:endParaRPr lang="en-US"/>
+        </a:p>
+      </dgm:t>
+    </dgm:pt>
+    <dgm:pt modelId="{444E683A-75D5-944B-B571-EFD3898DB91F}" type="sibTrans" cxnId="{15E8BAFE-D99E-F748-8129-474EA68B47A4}">
+      <dgm:prSet/>
+      <dgm:spPr/>
+      <dgm:t>
+        <a:bodyPr/>
+        <a:lstStyle/>
+        <a:p>
+          <a:endParaRPr lang="en-US"/>
+        </a:p>
+      </dgm:t>
+    </dgm:pt>
+    <dgm:pt modelId="{9C27C08A-690D-FD49-834A-46809237F1C0}">
+      <dgm:prSet phldrT="[Text]"/>
+      <dgm:spPr/>
+      <dgm:t>
+        <a:bodyPr/>
+        <a:lstStyle/>
+        <a:p>
+          <a:r>
+            <a:rPr lang="en-US" altLang="zh-CN" dirty="0" smtClean="0"/>
+            <a:t>Food</a:t>
+          </a:r>
+          <a:endParaRPr lang="zh-CN" altLang="en-US" dirty="0" smtClean="0"/>
+        </a:p>
+        <a:p>
+          <a:r>
+            <a:rPr lang="en-US" altLang="zh-CN" dirty="0" smtClean="0"/>
+            <a:t>update</a:t>
+          </a:r>
+          <a:r>
+            <a:rPr lang="zh-CN" altLang="en-US" dirty="0" smtClean="0"/>
+            <a:t> </a:t>
+          </a:r>
+          <a:r>
+            <a:rPr lang="en-US" altLang="zh-CN" dirty="0" smtClean="0"/>
+            <a:t>all</a:t>
+          </a:r>
+          <a:r>
+            <a:rPr lang="zh-CN" altLang="en-US" dirty="0" smtClean="0"/>
+            <a:t> </a:t>
+          </a:r>
+          <a:r>
+            <a:rPr lang="en-US" altLang="zh-CN" dirty="0" smtClean="0"/>
+            <a:t>values</a:t>
+          </a:r>
+          <a:endParaRPr lang="en-US" dirty="0"/>
+        </a:p>
+      </dgm:t>
+    </dgm:pt>
+    <dgm:pt modelId="{7CBEA03F-103C-2342-996B-FD512A3E93C1}" type="parTrans" cxnId="{3DAE3C19-18A9-F042-8A07-10FED53825C3}">
+      <dgm:prSet/>
+      <dgm:spPr/>
+      <dgm:t>
+        <a:bodyPr/>
+        <a:lstStyle/>
+        <a:p>
+          <a:endParaRPr lang="en-US"/>
+        </a:p>
+      </dgm:t>
+    </dgm:pt>
+    <dgm:pt modelId="{3FEE7B4F-FA0B-C54B-8E43-B374680881EC}" type="sibTrans" cxnId="{3DAE3C19-18A9-F042-8A07-10FED53825C3}">
+      <dgm:prSet/>
+      <dgm:spPr/>
+      <dgm:t>
+        <a:bodyPr/>
+        <a:lstStyle/>
+        <a:p>
+          <a:endParaRPr lang="en-US"/>
+        </a:p>
+      </dgm:t>
+    </dgm:pt>
+    <dgm:pt modelId="{B1DAA4D3-D245-0247-963E-223440409FAC}" type="pres">
+      <dgm:prSet presAssocID="{BD5BC3F1-499F-7645-901C-2C7837892535}" presName="hierChild1" presStyleCnt="0">
+        <dgm:presLayoutVars>
+          <dgm:orgChart val="1"/>
+          <dgm:chPref val="1"/>
+          <dgm:dir/>
+          <dgm:animOne val="branch"/>
+          <dgm:animLvl val="lvl"/>
+          <dgm:resizeHandles/>
+        </dgm:presLayoutVars>
+      </dgm:prSet>
+      <dgm:spPr/>
+      <dgm:t>
+        <a:bodyPr/>
+        <a:lstStyle/>
+        <a:p>
+          <a:endParaRPr lang="en-US"/>
+        </a:p>
+      </dgm:t>
+    </dgm:pt>
+    <dgm:pt modelId="{E20BF11A-161E-594D-8F03-F117183377C0}" type="pres">
+      <dgm:prSet presAssocID="{2EE1D2BE-D212-F349-8529-DF8E6D6829D6}" presName="hierRoot1" presStyleCnt="0">
+        <dgm:presLayoutVars>
+          <dgm:hierBranch val="init"/>
+        </dgm:presLayoutVars>
+      </dgm:prSet>
+      <dgm:spPr/>
+    </dgm:pt>
+    <dgm:pt modelId="{EC133F0E-C59D-7E49-A47C-3E170F7A6693}" type="pres">
+      <dgm:prSet presAssocID="{2EE1D2BE-D212-F349-8529-DF8E6D6829D6}" presName="rootComposite1" presStyleCnt="0"/>
+      <dgm:spPr/>
+    </dgm:pt>
+    <dgm:pt modelId="{6066B8DE-E6E5-3744-9538-602CE837F307}" type="pres">
+      <dgm:prSet presAssocID="{2EE1D2BE-D212-F349-8529-DF8E6D6829D6}" presName="rootText1" presStyleLbl="node0" presStyleIdx="0" presStyleCnt="1">
+        <dgm:presLayoutVars>
+          <dgm:chPref val="3"/>
+        </dgm:presLayoutVars>
+      </dgm:prSet>
+      <dgm:spPr/>
+      <dgm:t>
+        <a:bodyPr/>
+        <a:lstStyle/>
+        <a:p>
+          <a:endParaRPr lang="en-US"/>
+        </a:p>
+      </dgm:t>
+    </dgm:pt>
+    <dgm:pt modelId="{79CFD5F1-F965-014D-894E-3DE639F753F7}" type="pres">
+      <dgm:prSet presAssocID="{2EE1D2BE-D212-F349-8529-DF8E6D6829D6}" presName="rootConnector1" presStyleLbl="node1" presStyleIdx="0" presStyleCnt="0"/>
+      <dgm:spPr/>
+      <dgm:t>
+        <a:bodyPr/>
+        <a:lstStyle/>
+        <a:p>
+          <a:endParaRPr lang="en-US"/>
+        </a:p>
+      </dgm:t>
+    </dgm:pt>
+    <dgm:pt modelId="{A4F8CC7D-A909-1044-9025-10828B10F0C9}" type="pres">
+      <dgm:prSet presAssocID="{2EE1D2BE-D212-F349-8529-DF8E6D6829D6}" presName="hierChild2" presStyleCnt="0"/>
+      <dgm:spPr/>
+    </dgm:pt>
+    <dgm:pt modelId="{1A07A4E1-7A44-4841-BD31-B4EC1307775E}" type="pres">
+      <dgm:prSet presAssocID="{B3F4D04B-0797-AB47-8E6F-5E5A45B35F8B}" presName="Name37" presStyleLbl="parChTrans1D2" presStyleIdx="0" presStyleCnt="3"/>
+      <dgm:spPr/>
+      <dgm:t>
+        <a:bodyPr/>
+        <a:lstStyle/>
+        <a:p>
+          <a:endParaRPr lang="en-US"/>
+        </a:p>
+      </dgm:t>
+    </dgm:pt>
+    <dgm:pt modelId="{3202C327-679A-D54D-8A2D-4151A8608776}" type="pres">
+      <dgm:prSet presAssocID="{89E38E5A-2C3C-4048-A0DE-150A2EFF48D7}" presName="hierRoot2" presStyleCnt="0">
+        <dgm:presLayoutVars>
+          <dgm:hierBranch val="init"/>
+        </dgm:presLayoutVars>
+      </dgm:prSet>
+      <dgm:spPr/>
+    </dgm:pt>
+    <dgm:pt modelId="{DFBB8CC4-1984-3D45-891B-4E7D2F92BB28}" type="pres">
+      <dgm:prSet presAssocID="{89E38E5A-2C3C-4048-A0DE-150A2EFF48D7}" presName="rootComposite" presStyleCnt="0"/>
+      <dgm:spPr/>
+    </dgm:pt>
+    <dgm:pt modelId="{D26A0337-0779-3C40-BD93-ED6B61A02FF0}" type="pres">
+      <dgm:prSet presAssocID="{89E38E5A-2C3C-4048-A0DE-150A2EFF48D7}" presName="rootText" presStyleLbl="node2" presStyleIdx="0" presStyleCnt="3">
+        <dgm:presLayoutVars>
+          <dgm:chPref val="3"/>
+        </dgm:presLayoutVars>
+      </dgm:prSet>
+      <dgm:spPr/>
+      <dgm:t>
+        <a:bodyPr/>
+        <a:lstStyle/>
+        <a:p>
+          <a:endParaRPr lang="en-US"/>
+        </a:p>
+      </dgm:t>
+    </dgm:pt>
+    <dgm:pt modelId="{308226C9-3B74-1F4C-8C27-FCDE4738D610}" type="pres">
+      <dgm:prSet presAssocID="{89E38E5A-2C3C-4048-A0DE-150A2EFF48D7}" presName="rootConnector" presStyleLbl="node2" presStyleIdx="0" presStyleCnt="3"/>
+      <dgm:spPr/>
+      <dgm:t>
+        <a:bodyPr/>
+        <a:lstStyle/>
+        <a:p>
+          <a:endParaRPr lang="en-US"/>
+        </a:p>
+      </dgm:t>
+    </dgm:pt>
+    <dgm:pt modelId="{E044E5A6-398A-1141-B3F4-1E2D1AD48A9F}" type="pres">
+      <dgm:prSet presAssocID="{89E38E5A-2C3C-4048-A0DE-150A2EFF48D7}" presName="hierChild4" presStyleCnt="0"/>
+      <dgm:spPr/>
+    </dgm:pt>
+    <dgm:pt modelId="{78382B74-22BC-3141-92BB-AF41A61AD949}" type="pres">
+      <dgm:prSet presAssocID="{89E38E5A-2C3C-4048-A0DE-150A2EFF48D7}" presName="hierChild5" presStyleCnt="0"/>
+      <dgm:spPr/>
+    </dgm:pt>
+    <dgm:pt modelId="{DAA492F3-C4B4-1E48-9266-401CD0E29394}" type="pres">
+      <dgm:prSet presAssocID="{F6D1A0CC-2E86-1A46-97FA-673204D33998}" presName="Name37" presStyleLbl="parChTrans1D2" presStyleIdx="1" presStyleCnt="3"/>
+      <dgm:spPr/>
+      <dgm:t>
+        <a:bodyPr/>
+        <a:lstStyle/>
+        <a:p>
+          <a:endParaRPr lang="en-US"/>
+        </a:p>
+      </dgm:t>
+    </dgm:pt>
+    <dgm:pt modelId="{4FFF8A1F-EFC0-5748-9977-CEA95A936E90}" type="pres">
+      <dgm:prSet presAssocID="{ADE5EDDA-6318-7C4B-91D7-F20FF602F40E}" presName="hierRoot2" presStyleCnt="0">
+        <dgm:presLayoutVars>
+          <dgm:hierBranch val="init"/>
+        </dgm:presLayoutVars>
+      </dgm:prSet>
+      <dgm:spPr/>
+    </dgm:pt>
+    <dgm:pt modelId="{422DBCBA-04AF-3F4B-B814-4619D336B2EE}" type="pres">
+      <dgm:prSet presAssocID="{ADE5EDDA-6318-7C4B-91D7-F20FF602F40E}" presName="rootComposite" presStyleCnt="0"/>
+      <dgm:spPr/>
+    </dgm:pt>
+    <dgm:pt modelId="{0EAB9C12-3701-2A41-8871-A74FD0D7951A}" type="pres">
+      <dgm:prSet presAssocID="{ADE5EDDA-6318-7C4B-91D7-F20FF602F40E}" presName="rootText" presStyleLbl="node2" presStyleIdx="1" presStyleCnt="3">
+        <dgm:presLayoutVars>
+          <dgm:chPref val="3"/>
+        </dgm:presLayoutVars>
+      </dgm:prSet>
+      <dgm:spPr/>
+      <dgm:t>
+        <a:bodyPr/>
+        <a:lstStyle/>
+        <a:p>
+          <a:endParaRPr lang="en-US"/>
+        </a:p>
+      </dgm:t>
+    </dgm:pt>
+    <dgm:pt modelId="{E7A66A87-F902-F446-9A70-68E29CAE6597}" type="pres">
+      <dgm:prSet presAssocID="{ADE5EDDA-6318-7C4B-91D7-F20FF602F40E}" presName="rootConnector" presStyleLbl="node2" presStyleIdx="1" presStyleCnt="3"/>
+      <dgm:spPr/>
+      <dgm:t>
+        <a:bodyPr/>
+        <a:lstStyle/>
+        <a:p>
+          <a:endParaRPr lang="en-US"/>
+        </a:p>
+      </dgm:t>
+    </dgm:pt>
+    <dgm:pt modelId="{BE34FEA6-2E6A-FC48-9D99-2D500ECCAE21}" type="pres">
+      <dgm:prSet presAssocID="{ADE5EDDA-6318-7C4B-91D7-F20FF602F40E}" presName="hierChild4" presStyleCnt="0"/>
+      <dgm:spPr/>
+    </dgm:pt>
+    <dgm:pt modelId="{89BC85A2-61ED-D945-A8B2-1658560E0F26}" type="pres">
+      <dgm:prSet presAssocID="{ADE5EDDA-6318-7C4B-91D7-F20FF602F40E}" presName="hierChild5" presStyleCnt="0"/>
+      <dgm:spPr/>
+    </dgm:pt>
+    <dgm:pt modelId="{2F4736E0-F759-BF4E-A1F8-648C0462720B}" type="pres">
+      <dgm:prSet presAssocID="{7CBEA03F-103C-2342-996B-FD512A3E93C1}" presName="Name37" presStyleLbl="parChTrans1D2" presStyleIdx="2" presStyleCnt="3"/>
+      <dgm:spPr/>
+      <dgm:t>
+        <a:bodyPr/>
+        <a:lstStyle/>
+        <a:p>
+          <a:endParaRPr lang="en-US"/>
+        </a:p>
+      </dgm:t>
+    </dgm:pt>
+    <dgm:pt modelId="{1F8AF886-7C69-E045-B43D-9B872C22098C}" type="pres">
+      <dgm:prSet presAssocID="{9C27C08A-690D-FD49-834A-46809237F1C0}" presName="hierRoot2" presStyleCnt="0">
+        <dgm:presLayoutVars>
+          <dgm:hierBranch val="init"/>
+        </dgm:presLayoutVars>
+      </dgm:prSet>
+      <dgm:spPr/>
+    </dgm:pt>
+    <dgm:pt modelId="{464CB40B-8D1B-EC40-A34C-CB760B47E04A}" type="pres">
+      <dgm:prSet presAssocID="{9C27C08A-690D-FD49-834A-46809237F1C0}" presName="rootComposite" presStyleCnt="0"/>
+      <dgm:spPr/>
+    </dgm:pt>
+    <dgm:pt modelId="{90926900-365D-8345-B663-7C5799CAD897}" type="pres">
+      <dgm:prSet presAssocID="{9C27C08A-690D-FD49-834A-46809237F1C0}" presName="rootText" presStyleLbl="node2" presStyleIdx="2" presStyleCnt="3">
+        <dgm:presLayoutVars>
+          <dgm:chPref val="3"/>
+        </dgm:presLayoutVars>
+      </dgm:prSet>
+      <dgm:spPr/>
+      <dgm:t>
+        <a:bodyPr/>
+        <a:lstStyle/>
+        <a:p>
+          <a:endParaRPr lang="en-US"/>
+        </a:p>
+      </dgm:t>
+    </dgm:pt>
+    <dgm:pt modelId="{42E1A025-620E-E649-A36B-30CA23193671}" type="pres">
+      <dgm:prSet presAssocID="{9C27C08A-690D-FD49-834A-46809237F1C0}" presName="rootConnector" presStyleLbl="node2" presStyleIdx="2" presStyleCnt="3"/>
+      <dgm:spPr/>
+      <dgm:t>
+        <a:bodyPr/>
+        <a:lstStyle/>
+        <a:p>
+          <a:endParaRPr lang="en-US"/>
+        </a:p>
+      </dgm:t>
+    </dgm:pt>
+    <dgm:pt modelId="{D2FDB79E-1B24-D04F-8568-2D9BB9A9B4FA}" type="pres">
+      <dgm:prSet presAssocID="{9C27C08A-690D-FD49-834A-46809237F1C0}" presName="hierChild4" presStyleCnt="0"/>
+      <dgm:spPr/>
+    </dgm:pt>
+    <dgm:pt modelId="{76840404-7E3E-254C-BC27-EFB859371922}" type="pres">
+      <dgm:prSet presAssocID="{9C27C08A-690D-FD49-834A-46809237F1C0}" presName="hierChild5" presStyleCnt="0"/>
+      <dgm:spPr/>
+    </dgm:pt>
+    <dgm:pt modelId="{90A5BE53-9BB8-0A4E-BE59-C48B98BDB866}" type="pres">
+      <dgm:prSet presAssocID="{2EE1D2BE-D212-F349-8529-DF8E6D6829D6}" presName="hierChild3" presStyleCnt="0"/>
+      <dgm:spPr/>
+    </dgm:pt>
+  </dgm:ptLst>
+  <dgm:cxnLst>
+    <dgm:cxn modelId="{EEA1BC2D-0C58-DA41-90A6-BAB1564613C2}" type="presOf" srcId="{F6D1A0CC-2E86-1A46-97FA-673204D33998}" destId="{DAA492F3-C4B4-1E48-9266-401CD0E29394}" srcOrd="0" destOrd="0" presId="urn:microsoft.com/office/officeart/2005/8/layout/orgChart1"/>
+    <dgm:cxn modelId="{E9C2061A-0022-CD41-AB03-ABC3C5BB9425}" type="presOf" srcId="{9C27C08A-690D-FD49-834A-46809237F1C0}" destId="{90926900-365D-8345-B663-7C5799CAD897}" srcOrd="0" destOrd="0" presId="urn:microsoft.com/office/officeart/2005/8/layout/orgChart1"/>
+    <dgm:cxn modelId="{21D3E893-DABE-1141-9FCA-B10B7EB6F318}" type="presOf" srcId="{ADE5EDDA-6318-7C4B-91D7-F20FF602F40E}" destId="{0EAB9C12-3701-2A41-8871-A74FD0D7951A}" srcOrd="0" destOrd="0" presId="urn:microsoft.com/office/officeart/2005/8/layout/orgChart1"/>
+    <dgm:cxn modelId="{49F35A11-1F67-B940-A673-010D142340E1}" type="presOf" srcId="{89E38E5A-2C3C-4048-A0DE-150A2EFF48D7}" destId="{308226C9-3B74-1F4C-8C27-FCDE4738D610}" srcOrd="1" destOrd="0" presId="urn:microsoft.com/office/officeart/2005/8/layout/orgChart1"/>
+    <dgm:cxn modelId="{3B8FD6FE-EF03-694B-92C3-D48F8C0A4B95}" type="presOf" srcId="{9C27C08A-690D-FD49-834A-46809237F1C0}" destId="{42E1A025-620E-E649-A36B-30CA23193671}" srcOrd="1" destOrd="0" presId="urn:microsoft.com/office/officeart/2005/8/layout/orgChart1"/>
+    <dgm:cxn modelId="{C17EC4F7-E05A-674F-B1BF-F101DD6B5542}" type="presOf" srcId="{2EE1D2BE-D212-F349-8529-DF8E6D6829D6}" destId="{6066B8DE-E6E5-3744-9538-602CE837F307}" srcOrd="0" destOrd="0" presId="urn:microsoft.com/office/officeart/2005/8/layout/orgChart1"/>
+    <dgm:cxn modelId="{BE42BB14-E270-A248-A81E-21EC37E9AB11}" srcId="{BD5BC3F1-499F-7645-901C-2C7837892535}" destId="{2EE1D2BE-D212-F349-8529-DF8E6D6829D6}" srcOrd="0" destOrd="0" parTransId="{984133D1-C7DD-D246-8F7F-B3A02218B76E}" sibTransId="{161326F2-DA59-0549-BC88-435672AFA423}"/>
+    <dgm:cxn modelId="{8C5CAF5E-D441-8A4B-A45F-E68998D180BC}" type="presOf" srcId="{BD5BC3F1-499F-7645-901C-2C7837892535}" destId="{B1DAA4D3-D245-0247-963E-223440409FAC}" srcOrd="0" destOrd="0" presId="urn:microsoft.com/office/officeart/2005/8/layout/orgChart1"/>
+    <dgm:cxn modelId="{E3642D47-8F1C-8748-9296-264345C75AA8}" type="presOf" srcId="{ADE5EDDA-6318-7C4B-91D7-F20FF602F40E}" destId="{E7A66A87-F902-F446-9A70-68E29CAE6597}" srcOrd="1" destOrd="0" presId="urn:microsoft.com/office/officeart/2005/8/layout/orgChart1"/>
+    <dgm:cxn modelId="{3DAE3C19-18A9-F042-8A07-10FED53825C3}" srcId="{2EE1D2BE-D212-F349-8529-DF8E6D6829D6}" destId="{9C27C08A-690D-FD49-834A-46809237F1C0}" srcOrd="2" destOrd="0" parTransId="{7CBEA03F-103C-2342-996B-FD512A3E93C1}" sibTransId="{3FEE7B4F-FA0B-C54B-8E43-B374680881EC}"/>
+    <dgm:cxn modelId="{5EC057BB-079A-B647-8D7B-77C01956C73E}" srcId="{2EE1D2BE-D212-F349-8529-DF8E6D6829D6}" destId="{89E38E5A-2C3C-4048-A0DE-150A2EFF48D7}" srcOrd="0" destOrd="0" parTransId="{B3F4D04B-0797-AB47-8E6F-5E5A45B35F8B}" sibTransId="{E2D01246-7599-2544-AF45-743624731692}"/>
+    <dgm:cxn modelId="{B3BA5F09-E850-5B4E-B5DA-8F3715D3BDDA}" type="presOf" srcId="{B3F4D04B-0797-AB47-8E6F-5E5A45B35F8B}" destId="{1A07A4E1-7A44-4841-BD31-B4EC1307775E}" srcOrd="0" destOrd="0" presId="urn:microsoft.com/office/officeart/2005/8/layout/orgChart1"/>
+    <dgm:cxn modelId="{A0F2EF0A-1656-2043-8DD4-EB8754876106}" type="presOf" srcId="{7CBEA03F-103C-2342-996B-FD512A3E93C1}" destId="{2F4736E0-F759-BF4E-A1F8-648C0462720B}" srcOrd="0" destOrd="0" presId="urn:microsoft.com/office/officeart/2005/8/layout/orgChart1"/>
+    <dgm:cxn modelId="{C6B03626-AB56-6D46-A9F3-67EA5825D65C}" type="presOf" srcId="{2EE1D2BE-D212-F349-8529-DF8E6D6829D6}" destId="{79CFD5F1-F965-014D-894E-3DE639F753F7}" srcOrd="1" destOrd="0" presId="urn:microsoft.com/office/officeart/2005/8/layout/orgChart1"/>
+    <dgm:cxn modelId="{15E8BAFE-D99E-F748-8129-474EA68B47A4}" srcId="{2EE1D2BE-D212-F349-8529-DF8E6D6829D6}" destId="{ADE5EDDA-6318-7C4B-91D7-F20FF602F40E}" srcOrd="1" destOrd="0" parTransId="{F6D1A0CC-2E86-1A46-97FA-673204D33998}" sibTransId="{444E683A-75D5-944B-B571-EFD3898DB91F}"/>
+    <dgm:cxn modelId="{73A4C3DF-89F6-1D40-BB81-7CDCE6EB53A9}" type="presOf" srcId="{89E38E5A-2C3C-4048-A0DE-150A2EFF48D7}" destId="{D26A0337-0779-3C40-BD93-ED6B61A02FF0}" srcOrd="0" destOrd="0" presId="urn:microsoft.com/office/officeart/2005/8/layout/orgChart1"/>
+    <dgm:cxn modelId="{05FADB0D-175D-9940-8A0D-370F5193842F}" type="presParOf" srcId="{B1DAA4D3-D245-0247-963E-223440409FAC}" destId="{E20BF11A-161E-594D-8F03-F117183377C0}" srcOrd="0" destOrd="0" presId="urn:microsoft.com/office/officeart/2005/8/layout/orgChart1"/>
+    <dgm:cxn modelId="{F1A1F7B4-5BE9-2344-A142-B177CBDF06F0}" type="presParOf" srcId="{E20BF11A-161E-594D-8F03-F117183377C0}" destId="{EC133F0E-C59D-7E49-A47C-3E170F7A6693}" srcOrd="0" destOrd="0" presId="urn:microsoft.com/office/officeart/2005/8/layout/orgChart1"/>
+    <dgm:cxn modelId="{F50B844A-AC5E-F848-82DA-BC20DBEA826E}" type="presParOf" srcId="{EC133F0E-C59D-7E49-A47C-3E170F7A6693}" destId="{6066B8DE-E6E5-3744-9538-602CE837F307}" srcOrd="0" destOrd="0" presId="urn:microsoft.com/office/officeart/2005/8/layout/orgChart1"/>
+    <dgm:cxn modelId="{BA29549B-3312-A54F-9984-A37A148F9171}" type="presParOf" srcId="{EC133F0E-C59D-7E49-A47C-3E170F7A6693}" destId="{79CFD5F1-F965-014D-894E-3DE639F753F7}" srcOrd="1" destOrd="0" presId="urn:microsoft.com/office/officeart/2005/8/layout/orgChart1"/>
+    <dgm:cxn modelId="{C9683F5C-BF92-2B4D-BBDA-548F54A0C6D0}" type="presParOf" srcId="{E20BF11A-161E-594D-8F03-F117183377C0}" destId="{A4F8CC7D-A909-1044-9025-10828B10F0C9}" srcOrd="1" destOrd="0" presId="urn:microsoft.com/office/officeart/2005/8/layout/orgChart1"/>
+    <dgm:cxn modelId="{F7E494DD-8273-344A-A118-09F7C438E624}" type="presParOf" srcId="{A4F8CC7D-A909-1044-9025-10828B10F0C9}" destId="{1A07A4E1-7A44-4841-BD31-B4EC1307775E}" srcOrd="0" destOrd="0" presId="urn:microsoft.com/office/officeart/2005/8/layout/orgChart1"/>
+    <dgm:cxn modelId="{98760B49-25A5-CD47-9E76-1F29FCF45106}" type="presParOf" srcId="{A4F8CC7D-A909-1044-9025-10828B10F0C9}" destId="{3202C327-679A-D54D-8A2D-4151A8608776}" srcOrd="1" destOrd="0" presId="urn:microsoft.com/office/officeart/2005/8/layout/orgChart1"/>
+    <dgm:cxn modelId="{381BC218-7B7D-E343-892D-0D348AD3B62E}" type="presParOf" srcId="{3202C327-679A-D54D-8A2D-4151A8608776}" destId="{DFBB8CC4-1984-3D45-891B-4E7D2F92BB28}" srcOrd="0" destOrd="0" presId="urn:microsoft.com/office/officeart/2005/8/layout/orgChart1"/>
+    <dgm:cxn modelId="{17A67D6E-FCD3-944D-B3BC-D7F186A9F7B0}" type="presParOf" srcId="{DFBB8CC4-1984-3D45-891B-4E7D2F92BB28}" destId="{D26A0337-0779-3C40-BD93-ED6B61A02FF0}" srcOrd="0" destOrd="0" presId="urn:microsoft.com/office/officeart/2005/8/layout/orgChart1"/>
+    <dgm:cxn modelId="{17BBFBCD-3EC6-A34B-98AE-31919B811D6D}" type="presParOf" srcId="{DFBB8CC4-1984-3D45-891B-4E7D2F92BB28}" destId="{308226C9-3B74-1F4C-8C27-FCDE4738D610}" srcOrd="1" destOrd="0" presId="urn:microsoft.com/office/officeart/2005/8/layout/orgChart1"/>
+    <dgm:cxn modelId="{193D357E-1C06-4744-B55C-E98D9EBFA644}" type="presParOf" srcId="{3202C327-679A-D54D-8A2D-4151A8608776}" destId="{E044E5A6-398A-1141-B3F4-1E2D1AD48A9F}" srcOrd="1" destOrd="0" presId="urn:microsoft.com/office/officeart/2005/8/layout/orgChart1"/>
+    <dgm:cxn modelId="{2E924AE8-BA39-5048-9478-5C020AA31433}" type="presParOf" srcId="{3202C327-679A-D54D-8A2D-4151A8608776}" destId="{78382B74-22BC-3141-92BB-AF41A61AD949}" srcOrd="2" destOrd="0" presId="urn:microsoft.com/office/officeart/2005/8/layout/orgChart1"/>
+    <dgm:cxn modelId="{A015A767-B9A3-864D-9F4E-810A6277829C}" type="presParOf" srcId="{A4F8CC7D-A909-1044-9025-10828B10F0C9}" destId="{DAA492F3-C4B4-1E48-9266-401CD0E29394}" srcOrd="2" destOrd="0" presId="urn:microsoft.com/office/officeart/2005/8/layout/orgChart1"/>
+    <dgm:cxn modelId="{1461A675-A6FB-494E-A881-D5875940802A}" type="presParOf" srcId="{A4F8CC7D-A909-1044-9025-10828B10F0C9}" destId="{4FFF8A1F-EFC0-5748-9977-CEA95A936E90}" srcOrd="3" destOrd="0" presId="urn:microsoft.com/office/officeart/2005/8/layout/orgChart1"/>
+    <dgm:cxn modelId="{96C482FC-D7ED-E041-9281-1586F12693DA}" type="presParOf" srcId="{4FFF8A1F-EFC0-5748-9977-CEA95A936E90}" destId="{422DBCBA-04AF-3F4B-B814-4619D336B2EE}" srcOrd="0" destOrd="0" presId="urn:microsoft.com/office/officeart/2005/8/layout/orgChart1"/>
+    <dgm:cxn modelId="{AA3C8092-43A3-9449-AA88-C2E65384F0F1}" type="presParOf" srcId="{422DBCBA-04AF-3F4B-B814-4619D336B2EE}" destId="{0EAB9C12-3701-2A41-8871-A74FD0D7951A}" srcOrd="0" destOrd="0" presId="urn:microsoft.com/office/officeart/2005/8/layout/orgChart1"/>
+    <dgm:cxn modelId="{C673EB0A-3C99-0047-A431-18B2D7ADC8DB}" type="presParOf" srcId="{422DBCBA-04AF-3F4B-B814-4619D336B2EE}" destId="{E7A66A87-F902-F446-9A70-68E29CAE6597}" srcOrd="1" destOrd="0" presId="urn:microsoft.com/office/officeart/2005/8/layout/orgChart1"/>
+    <dgm:cxn modelId="{93765FFF-E908-D842-8005-C59E88F46A1C}" type="presParOf" srcId="{4FFF8A1F-EFC0-5748-9977-CEA95A936E90}" destId="{BE34FEA6-2E6A-FC48-9D99-2D500ECCAE21}" srcOrd="1" destOrd="0" presId="urn:microsoft.com/office/officeart/2005/8/layout/orgChart1"/>
+    <dgm:cxn modelId="{E14137B0-DA89-B247-927E-ACD37DF25F41}" type="presParOf" srcId="{4FFF8A1F-EFC0-5748-9977-CEA95A936E90}" destId="{89BC85A2-61ED-D945-A8B2-1658560E0F26}" srcOrd="2" destOrd="0" presId="urn:microsoft.com/office/officeart/2005/8/layout/orgChart1"/>
+    <dgm:cxn modelId="{D8CDBD0C-B323-B446-BA12-7C5564BA3297}" type="presParOf" srcId="{A4F8CC7D-A909-1044-9025-10828B10F0C9}" destId="{2F4736E0-F759-BF4E-A1F8-648C0462720B}" srcOrd="4" destOrd="0" presId="urn:microsoft.com/office/officeart/2005/8/layout/orgChart1"/>
+    <dgm:cxn modelId="{BF4CA7A3-3E12-6D4D-84B7-1EE912122779}" type="presParOf" srcId="{A4F8CC7D-A909-1044-9025-10828B10F0C9}" destId="{1F8AF886-7C69-E045-B43D-9B872C22098C}" srcOrd="5" destOrd="0" presId="urn:microsoft.com/office/officeart/2005/8/layout/orgChart1"/>
+    <dgm:cxn modelId="{9CD83B94-0192-6F4F-A413-E0B8DD2B62C3}" type="presParOf" srcId="{1F8AF886-7C69-E045-B43D-9B872C22098C}" destId="{464CB40B-8D1B-EC40-A34C-CB760B47E04A}" srcOrd="0" destOrd="0" presId="urn:microsoft.com/office/officeart/2005/8/layout/orgChart1"/>
+    <dgm:cxn modelId="{FC9996FB-7512-FA4F-AB93-E4CDD29E9DDB}" type="presParOf" srcId="{464CB40B-8D1B-EC40-A34C-CB760B47E04A}" destId="{90926900-365D-8345-B663-7C5799CAD897}" srcOrd="0" destOrd="0" presId="urn:microsoft.com/office/officeart/2005/8/layout/orgChart1"/>
+    <dgm:cxn modelId="{16566CE7-B0C5-2E48-99DF-8F328A42F2E6}" type="presParOf" srcId="{464CB40B-8D1B-EC40-A34C-CB760B47E04A}" destId="{42E1A025-620E-E649-A36B-30CA23193671}" srcOrd="1" destOrd="0" presId="urn:microsoft.com/office/officeart/2005/8/layout/orgChart1"/>
+    <dgm:cxn modelId="{13772409-1F9C-1A45-B854-AE5C39C5A158}" type="presParOf" srcId="{1F8AF886-7C69-E045-B43D-9B872C22098C}" destId="{D2FDB79E-1B24-D04F-8568-2D9BB9A9B4FA}" srcOrd="1" destOrd="0" presId="urn:microsoft.com/office/officeart/2005/8/layout/orgChart1"/>
+    <dgm:cxn modelId="{4395DDD8-52C9-AF4D-9D93-9BEC7BAB0114}" type="presParOf" srcId="{1F8AF886-7C69-E045-B43D-9B872C22098C}" destId="{76840404-7E3E-254C-BC27-EFB859371922}" srcOrd="2" destOrd="0" presId="urn:microsoft.com/office/officeart/2005/8/layout/orgChart1"/>
+    <dgm:cxn modelId="{E7DB9B3D-7708-5247-84AF-EE83E54B493A}" type="presParOf" srcId="{E20BF11A-161E-594D-8F03-F117183377C0}" destId="{90A5BE53-9BB8-0A4E-BE59-C48B98BDB866}" srcOrd="2" destOrd="0" presId="urn:microsoft.com/office/officeart/2005/8/layout/orgChart1"/>
+  </dgm:cxnLst>
+  <dgm:bg/>
+  <dgm:whole/>
+  <dgm:extLst>
+    <a:ext uri="http://schemas.microsoft.com/office/drawing/2008/diagram">
+      <dsp:dataModelExt xmlns:dsp="http://schemas.microsoft.com/office/drawing/2008/diagram" relId="rId7" minVer="http://schemas.openxmlformats.org/drawingml/2006/diagram"/>
+    </a:ext>
+  </dgm:extLst>
+</dgm:dataModel>
+</file>
+
+<file path=ppt/diagrams/drawing1.xml><?xml version="1.0" encoding="utf-8"?>
+<dsp:drawing xmlns:dgm="http://schemas.openxmlformats.org/drawingml/2006/diagram" xmlns:dsp="http://schemas.microsoft.com/office/drawing/2008/diagram" xmlns:a="http://schemas.openxmlformats.org/drawingml/2006/main">
+  <dsp:spTree>
+    <dsp:nvGrpSpPr>
+      <dsp:cNvPr id="0" name=""/>
+      <dsp:cNvGrpSpPr/>
+    </dsp:nvGrpSpPr>
+    <dsp:grpSpPr/>
+    <dsp:sp modelId="{2F4736E0-F759-BF4E-A1F8-648C0462720B}">
+      <dsp:nvSpPr>
+        <dsp:cNvPr id="0" name=""/>
+        <dsp:cNvSpPr/>
+      </dsp:nvSpPr>
+      <dsp:spPr>
+        <a:xfrm>
+          <a:off x="3048000" y="874832"/>
+          <a:ext cx="2115963" cy="367233"/>
+        </a:xfrm>
+        <a:custGeom>
+          <a:avLst/>
+          <a:gdLst/>
+          <a:ahLst/>
+          <a:cxnLst/>
+          <a:rect l="0" t="0" r="0" b="0"/>
+          <a:pathLst>
+            <a:path>
+              <a:moveTo>
+                <a:pt x="0" y="0"/>
+              </a:moveTo>
+              <a:lnTo>
+                <a:pt x="0" y="183616"/>
+              </a:lnTo>
+              <a:lnTo>
+                <a:pt x="2115963" y="183616"/>
+              </a:lnTo>
+              <a:lnTo>
+                <a:pt x="2115963" y="367233"/>
+              </a:lnTo>
+            </a:path>
+          </a:pathLst>
+        </a:custGeom>
+        <a:noFill/>
+        <a:ln w="9525" cap="flat" cmpd="sng" algn="ctr">
+          <a:solidFill>
+            <a:schemeClr val="accent1">
+              <a:shade val="60000"/>
+              <a:hueOff val="0"/>
+              <a:satOff val="0"/>
+              <a:lumOff val="0"/>
+              <a:alphaOff val="0"/>
+            </a:schemeClr>
+          </a:solidFill>
+          <a:prstDash val="solid"/>
+        </a:ln>
+        <a:effectLst/>
+      </dsp:spPr>
+      <dsp:style>
+        <a:lnRef idx="1">
+          <a:scrgbClr r="0" g="0" b="0"/>
+        </a:lnRef>
+        <a:fillRef idx="0">
+          <a:scrgbClr r="0" g="0" b="0"/>
+        </a:fillRef>
+        <a:effectRef idx="0">
+          <a:scrgbClr r="0" g="0" b="0"/>
+        </a:effectRef>
+        <a:fontRef idx="minor"/>
+      </dsp:style>
+    </dsp:sp>
+    <dsp:sp modelId="{DAA492F3-C4B4-1E48-9266-401CD0E29394}">
+      <dsp:nvSpPr>
+        <dsp:cNvPr id="0" name=""/>
+        <dsp:cNvSpPr/>
+      </dsp:nvSpPr>
+      <dsp:spPr>
+        <a:xfrm>
+          <a:off x="3002280" y="874832"/>
+          <a:ext cx="91440" cy="367233"/>
+        </a:xfrm>
+        <a:custGeom>
+          <a:avLst/>
+          <a:gdLst/>
+          <a:ahLst/>
+          <a:cxnLst/>
+          <a:rect l="0" t="0" r="0" b="0"/>
+          <a:pathLst>
+            <a:path>
+              <a:moveTo>
+                <a:pt x="45720" y="0"/>
+              </a:moveTo>
+              <a:lnTo>
+                <a:pt x="45720" y="367233"/>
+              </a:lnTo>
+            </a:path>
+          </a:pathLst>
+        </a:custGeom>
+        <a:noFill/>
+        <a:ln w="9525" cap="flat" cmpd="sng" algn="ctr">
+          <a:solidFill>
+            <a:schemeClr val="accent1">
+              <a:shade val="60000"/>
+              <a:hueOff val="0"/>
+              <a:satOff val="0"/>
+              <a:lumOff val="0"/>
+              <a:alphaOff val="0"/>
+            </a:schemeClr>
+          </a:solidFill>
+          <a:prstDash val="solid"/>
+        </a:ln>
+        <a:effectLst/>
+      </dsp:spPr>
+      <dsp:style>
+        <a:lnRef idx="1">
+          <a:scrgbClr r="0" g="0" b="0"/>
+        </a:lnRef>
+        <a:fillRef idx="0">
+          <a:scrgbClr r="0" g="0" b="0"/>
+        </a:fillRef>
+        <a:effectRef idx="0">
+          <a:scrgbClr r="0" g="0" b="0"/>
+        </a:effectRef>
+        <a:fontRef idx="minor"/>
+      </dsp:style>
+    </dsp:sp>
+    <dsp:sp modelId="{1A07A4E1-7A44-4841-BD31-B4EC1307775E}">
+      <dsp:nvSpPr>
+        <dsp:cNvPr id="0" name=""/>
+        <dsp:cNvSpPr/>
+      </dsp:nvSpPr>
+      <dsp:spPr>
+        <a:xfrm>
+          <a:off x="932036" y="874832"/>
+          <a:ext cx="2115963" cy="367233"/>
+        </a:xfrm>
+        <a:custGeom>
+          <a:avLst/>
+          <a:gdLst/>
+          <a:ahLst/>
+          <a:cxnLst/>
+          <a:rect l="0" t="0" r="0" b="0"/>
+          <a:pathLst>
+            <a:path>
+              <a:moveTo>
+                <a:pt x="2115963" y="0"/>
+              </a:moveTo>
+              <a:lnTo>
+                <a:pt x="2115963" y="183616"/>
+              </a:lnTo>
+              <a:lnTo>
+                <a:pt x="0" y="183616"/>
+              </a:lnTo>
+              <a:lnTo>
+                <a:pt x="0" y="367233"/>
+              </a:lnTo>
+            </a:path>
+          </a:pathLst>
+        </a:custGeom>
+        <a:noFill/>
+        <a:ln w="9525" cap="flat" cmpd="sng" algn="ctr">
+          <a:solidFill>
+            <a:schemeClr val="accent1">
+              <a:shade val="60000"/>
+              <a:hueOff val="0"/>
+              <a:satOff val="0"/>
+              <a:lumOff val="0"/>
+              <a:alphaOff val="0"/>
+            </a:schemeClr>
+          </a:solidFill>
+          <a:prstDash val="solid"/>
+        </a:ln>
+        <a:effectLst/>
+      </dsp:spPr>
+      <dsp:style>
+        <a:lnRef idx="1">
+          <a:scrgbClr r="0" g="0" b="0"/>
+        </a:lnRef>
+        <a:fillRef idx="0">
+          <a:scrgbClr r="0" g="0" b="0"/>
+        </a:fillRef>
+        <a:effectRef idx="0">
+          <a:scrgbClr r="0" g="0" b="0"/>
+        </a:effectRef>
+        <a:fontRef idx="minor"/>
+      </dsp:style>
+    </dsp:sp>
+    <dsp:sp modelId="{6066B8DE-E6E5-3744-9538-602CE837F307}">
+      <dsp:nvSpPr>
+        <dsp:cNvPr id="0" name=""/>
+        <dsp:cNvSpPr/>
+      </dsp:nvSpPr>
+      <dsp:spPr>
+        <a:xfrm>
+          <a:off x="2173634" y="467"/>
+          <a:ext cx="1748730" cy="874365"/>
+        </a:xfrm>
+        <a:prstGeom prst="rect">
+          <a:avLst/>
+        </a:prstGeom>
+        <a:gradFill rotWithShape="0">
+          <a:gsLst>
+            <a:gs pos="0">
+              <a:schemeClr val="accent1">
+                <a:hueOff val="0"/>
+                <a:satOff val="0"/>
+                <a:lumOff val="0"/>
+                <a:alphaOff val="0"/>
+                <a:tint val="100000"/>
+                <a:shade val="100000"/>
+                <a:satMod val="130000"/>
+              </a:schemeClr>
+            </a:gs>
+            <a:gs pos="100000">
+              <a:schemeClr val="accent1">
+                <a:hueOff val="0"/>
+                <a:satOff val="0"/>
+                <a:lumOff val="0"/>
+                <a:alphaOff val="0"/>
+                <a:tint val="50000"/>
+                <a:shade val="100000"/>
+                <a:satMod val="350000"/>
+              </a:schemeClr>
+            </a:gs>
+          </a:gsLst>
+          <a:lin ang="16200000" scaled="0"/>
+        </a:gradFill>
+        <a:ln>
+          <a:noFill/>
+        </a:ln>
+        <a:effectLst>
+          <a:outerShdw blurRad="40000" dist="23000" dir="5400000" rotWithShape="0">
+            <a:srgbClr val="000000">
+              <a:alpha val="35000"/>
+            </a:srgbClr>
+          </a:outerShdw>
+        </a:effectLst>
+      </dsp:spPr>
+      <dsp:style>
+        <a:lnRef idx="0">
+          <a:scrgbClr r="0" g="0" b="0"/>
+        </a:lnRef>
+        <a:fillRef idx="3">
+          <a:scrgbClr r="0" g="0" b="0"/>
+        </a:fillRef>
+        <a:effectRef idx="2">
+          <a:scrgbClr r="0" g="0" b="0"/>
+        </a:effectRef>
+        <a:fontRef idx="minor">
+          <a:schemeClr val="lt1"/>
+        </a:fontRef>
+      </dsp:style>
+      <dsp:txBody>
+        <a:bodyPr spcFirstLastPara="0" vert="horz" wrap="square" lIns="12065" tIns="12065" rIns="12065" bIns="12065" numCol="1" spcCol="1270" anchor="ctr" anchorCtr="0">
+          <a:noAutofit/>
+        </a:bodyPr>
+        <a:lstStyle/>
+        <a:p>
+          <a:pPr lvl="0" algn="ctr" defTabSz="844550">
+            <a:lnSpc>
+              <a:spcPct val="90000"/>
+            </a:lnSpc>
+            <a:spcBef>
+              <a:spcPct val="0"/>
+            </a:spcBef>
+            <a:spcAft>
+              <a:spcPct val="35000"/>
+            </a:spcAft>
+          </a:pPr>
+          <a:r>
+            <a:rPr lang="en-US" altLang="zh-CN" sz="1900" kern="1200" dirty="0" smtClean="0"/>
+            <a:t>Pacman</a:t>
+          </a:r>
+          <a:r>
+            <a:rPr lang="zh-CN" altLang="en-US" sz="1900" kern="1200" dirty="0" smtClean="0"/>
+            <a:t> </a:t>
+          </a:r>
+          <a:r>
+            <a:rPr lang="en-US" altLang="zh-CN" sz="1900" kern="1200" dirty="0" smtClean="0"/>
+            <a:t>Interactions</a:t>
+          </a:r>
+          <a:endParaRPr lang="en-US" sz="1900" kern="1200" dirty="0"/>
+        </a:p>
+      </dsp:txBody>
+      <dsp:txXfrm>
+        <a:off x="2173634" y="467"/>
+        <a:ext cx="1748730" cy="874365"/>
+      </dsp:txXfrm>
+    </dsp:sp>
+    <dsp:sp modelId="{D26A0337-0779-3C40-BD93-ED6B61A02FF0}">
+      <dsp:nvSpPr>
+        <dsp:cNvPr id="0" name=""/>
+        <dsp:cNvSpPr/>
+      </dsp:nvSpPr>
+      <dsp:spPr>
+        <a:xfrm>
+          <a:off x="57670" y="1242065"/>
+          <a:ext cx="1748730" cy="874365"/>
+        </a:xfrm>
+        <a:prstGeom prst="rect">
+          <a:avLst/>
+        </a:prstGeom>
+        <a:gradFill rotWithShape="0">
+          <a:gsLst>
+            <a:gs pos="0">
+              <a:schemeClr val="accent1">
+                <a:hueOff val="0"/>
+                <a:satOff val="0"/>
+                <a:lumOff val="0"/>
+                <a:alphaOff val="0"/>
+                <a:tint val="100000"/>
+                <a:shade val="100000"/>
+                <a:satMod val="130000"/>
+              </a:schemeClr>
+            </a:gs>
+            <a:gs pos="100000">
+              <a:schemeClr val="accent1">
+                <a:hueOff val="0"/>
+                <a:satOff val="0"/>
+                <a:lumOff val="0"/>
+                <a:alphaOff val="0"/>
+                <a:tint val="50000"/>
+                <a:shade val="100000"/>
+                <a:satMod val="350000"/>
+              </a:schemeClr>
+            </a:gs>
+          </a:gsLst>
+          <a:lin ang="16200000" scaled="0"/>
+        </a:gradFill>
+        <a:ln>
+          <a:noFill/>
+        </a:ln>
+        <a:effectLst>
+          <a:outerShdw blurRad="40000" dist="23000" dir="5400000" rotWithShape="0">
+            <a:srgbClr val="000000">
+              <a:alpha val="35000"/>
+            </a:srgbClr>
+          </a:outerShdw>
+        </a:effectLst>
+      </dsp:spPr>
+      <dsp:style>
+        <a:lnRef idx="0">
+          <a:scrgbClr r="0" g="0" b="0"/>
+        </a:lnRef>
+        <a:fillRef idx="3">
+          <a:scrgbClr r="0" g="0" b="0"/>
+        </a:fillRef>
+        <a:effectRef idx="2">
+          <a:scrgbClr r="0" g="0" b="0"/>
+        </a:effectRef>
+        <a:fontRef idx="minor">
+          <a:schemeClr val="lt1"/>
+        </a:fontRef>
+      </dsp:style>
+      <dsp:txBody>
+        <a:bodyPr spcFirstLastPara="0" vert="horz" wrap="square" lIns="12065" tIns="12065" rIns="12065" bIns="12065" numCol="1" spcCol="1270" anchor="ctr" anchorCtr="0">
+          <a:noAutofit/>
+        </a:bodyPr>
+        <a:lstStyle/>
+        <a:p>
+          <a:pPr lvl="0" algn="ctr" defTabSz="844550">
+            <a:lnSpc>
+              <a:spcPct val="90000"/>
+            </a:lnSpc>
+            <a:spcBef>
+              <a:spcPct val="0"/>
+            </a:spcBef>
+            <a:spcAft>
+              <a:spcPct val="35000"/>
+            </a:spcAft>
+          </a:pPr>
+          <a:r>
+            <a:rPr lang="en-US" altLang="zh-CN" sz="1900" kern="1200" dirty="0" smtClean="0"/>
+            <a:t>Wall</a:t>
+          </a:r>
+          <a:endParaRPr lang="zh-CN" altLang="en-US" sz="1900" kern="1200" dirty="0" smtClean="0"/>
+        </a:p>
+        <a:p>
+          <a:pPr lvl="0" algn="ctr" defTabSz="844550">
+            <a:lnSpc>
+              <a:spcPct val="90000"/>
+            </a:lnSpc>
+            <a:spcBef>
+              <a:spcPct val="0"/>
+            </a:spcBef>
+            <a:spcAft>
+              <a:spcPct val="35000"/>
+            </a:spcAft>
+          </a:pPr>
+          <a:r>
+            <a:rPr lang="en-US" altLang="zh-CN" sz="1900" kern="1200" dirty="0" smtClean="0"/>
+            <a:t>velocity</a:t>
+          </a:r>
+          <a:r>
+            <a:rPr lang="zh-CN" altLang="en-US" sz="1900" kern="1200" dirty="0" smtClean="0"/>
+            <a:t> </a:t>
+          </a:r>
+          <a:r>
+            <a:rPr lang="en-US" altLang="zh-CN" sz="1900" kern="1200" dirty="0" smtClean="0"/>
+            <a:t>(0,</a:t>
+          </a:r>
+          <a:r>
+            <a:rPr lang="zh-CN" altLang="en-US" sz="1900" kern="1200" dirty="0" smtClean="0"/>
+            <a:t> </a:t>
+          </a:r>
+          <a:r>
+            <a:rPr lang="en-US" altLang="zh-CN" sz="1900" kern="1200" dirty="0" smtClean="0"/>
+            <a:t>0)</a:t>
+          </a:r>
+          <a:endParaRPr lang="en-US" sz="1900" kern="1200" dirty="0"/>
+        </a:p>
+      </dsp:txBody>
+      <dsp:txXfrm>
+        <a:off x="57670" y="1242065"/>
+        <a:ext cx="1748730" cy="874365"/>
+      </dsp:txXfrm>
+    </dsp:sp>
+    <dsp:sp modelId="{0EAB9C12-3701-2A41-8871-A74FD0D7951A}">
+      <dsp:nvSpPr>
+        <dsp:cNvPr id="0" name=""/>
+        <dsp:cNvSpPr/>
+      </dsp:nvSpPr>
+      <dsp:spPr>
+        <a:xfrm>
+          <a:off x="2173634" y="1242065"/>
+          <a:ext cx="1748730" cy="874365"/>
+        </a:xfrm>
+        <a:prstGeom prst="rect">
+          <a:avLst/>
+        </a:prstGeom>
+        <a:gradFill rotWithShape="0">
+          <a:gsLst>
+            <a:gs pos="0">
+              <a:schemeClr val="accent1">
+                <a:hueOff val="0"/>
+                <a:satOff val="0"/>
+                <a:lumOff val="0"/>
+                <a:alphaOff val="0"/>
+                <a:tint val="100000"/>
+                <a:shade val="100000"/>
+                <a:satMod val="130000"/>
+              </a:schemeClr>
+            </a:gs>
+            <a:gs pos="100000">
+              <a:schemeClr val="accent1">
+                <a:hueOff val="0"/>
+                <a:satOff val="0"/>
+                <a:lumOff val="0"/>
+                <a:alphaOff val="0"/>
+                <a:tint val="50000"/>
+                <a:shade val="100000"/>
+                <a:satMod val="350000"/>
+              </a:schemeClr>
+            </a:gs>
+          </a:gsLst>
+          <a:lin ang="16200000" scaled="0"/>
+        </a:gradFill>
+        <a:ln>
+          <a:noFill/>
+        </a:ln>
+        <a:effectLst>
+          <a:outerShdw blurRad="40000" dist="23000" dir="5400000" rotWithShape="0">
+            <a:srgbClr val="000000">
+              <a:alpha val="35000"/>
+            </a:srgbClr>
+          </a:outerShdw>
+        </a:effectLst>
+      </dsp:spPr>
+      <dsp:style>
+        <a:lnRef idx="0">
+          <a:scrgbClr r="0" g="0" b="0"/>
+        </a:lnRef>
+        <a:fillRef idx="3">
+          <a:scrgbClr r="0" g="0" b="0"/>
+        </a:fillRef>
+        <a:effectRef idx="2">
+          <a:scrgbClr r="0" g="0" b="0"/>
+        </a:effectRef>
+        <a:fontRef idx="minor">
+          <a:schemeClr val="lt1"/>
+        </a:fontRef>
+      </dsp:style>
+      <dsp:txBody>
+        <a:bodyPr spcFirstLastPara="0" vert="horz" wrap="square" lIns="12065" tIns="12065" rIns="12065" bIns="12065" numCol="1" spcCol="1270" anchor="ctr" anchorCtr="0">
+          <a:noAutofit/>
+        </a:bodyPr>
+        <a:lstStyle/>
+        <a:p>
+          <a:pPr lvl="0" algn="ctr" defTabSz="844550">
+            <a:lnSpc>
+              <a:spcPct val="90000"/>
+            </a:lnSpc>
+            <a:spcBef>
+              <a:spcPct val="0"/>
+            </a:spcBef>
+            <a:spcAft>
+              <a:spcPct val="35000"/>
+            </a:spcAft>
+          </a:pPr>
+          <a:r>
+            <a:rPr lang="en-US" altLang="zh-CN" sz="1900" kern="1200" dirty="0" smtClean="0"/>
+            <a:t>Exit</a:t>
+          </a:r>
+          <a:endParaRPr lang="zh-CN" altLang="en-US" sz="1900" kern="1200" dirty="0" smtClean="0"/>
+        </a:p>
+        <a:p>
+          <a:pPr lvl="0" algn="ctr" defTabSz="844550">
+            <a:lnSpc>
+              <a:spcPct val="90000"/>
+            </a:lnSpc>
+            <a:spcBef>
+              <a:spcPct val="0"/>
+            </a:spcBef>
+            <a:spcAft>
+              <a:spcPct val="35000"/>
+            </a:spcAft>
+          </a:pPr>
+          <a:r>
+            <a:rPr lang="en-US" altLang="zh-CN" sz="1900" kern="1200" dirty="0" smtClean="0"/>
+            <a:t>location</a:t>
+          </a:r>
+          <a:r>
+            <a:rPr lang="zh-CN" altLang="en-US" sz="1900" kern="1200" dirty="0" smtClean="0"/>
+            <a:t> </a:t>
+          </a:r>
+          <a:r>
+            <a:rPr lang="en-US" altLang="zh-CN" sz="1900" kern="1200" dirty="0" smtClean="0"/>
+            <a:t>(</a:t>
+          </a:r>
+          <a:r>
+            <a:rPr lang="en-US" altLang="zh-CN" sz="1900" kern="1200" dirty="0" err="1" smtClean="0"/>
+            <a:t>exitTo</a:t>
+          </a:r>
+          <a:r>
+            <a:rPr lang="en-US" altLang="zh-CN" sz="1900" kern="1200" dirty="0" smtClean="0"/>
+            <a:t>)</a:t>
+          </a:r>
+          <a:endParaRPr lang="en-US" sz="1900" kern="1200" dirty="0"/>
+        </a:p>
+      </dsp:txBody>
+      <dsp:txXfrm>
+        <a:off x="2173634" y="1242065"/>
+        <a:ext cx="1748730" cy="874365"/>
+      </dsp:txXfrm>
+    </dsp:sp>
+    <dsp:sp modelId="{90926900-365D-8345-B663-7C5799CAD897}">
+      <dsp:nvSpPr>
+        <dsp:cNvPr id="0" name=""/>
+        <dsp:cNvSpPr/>
+      </dsp:nvSpPr>
+      <dsp:spPr>
+        <a:xfrm>
+          <a:off x="4289598" y="1242065"/>
+          <a:ext cx="1748730" cy="874365"/>
+        </a:xfrm>
+        <a:prstGeom prst="rect">
+          <a:avLst/>
+        </a:prstGeom>
+        <a:gradFill rotWithShape="0">
+          <a:gsLst>
+            <a:gs pos="0">
+              <a:schemeClr val="accent1">
+                <a:hueOff val="0"/>
+                <a:satOff val="0"/>
+                <a:lumOff val="0"/>
+                <a:alphaOff val="0"/>
+                <a:tint val="100000"/>
+                <a:shade val="100000"/>
+                <a:satMod val="130000"/>
+              </a:schemeClr>
+            </a:gs>
+            <a:gs pos="100000">
+              <a:schemeClr val="accent1">
+                <a:hueOff val="0"/>
+                <a:satOff val="0"/>
+                <a:lumOff val="0"/>
+                <a:alphaOff val="0"/>
+                <a:tint val="50000"/>
+                <a:shade val="100000"/>
+                <a:satMod val="350000"/>
+              </a:schemeClr>
+            </a:gs>
+          </a:gsLst>
+          <a:lin ang="16200000" scaled="0"/>
+        </a:gradFill>
+        <a:ln>
+          <a:noFill/>
+        </a:ln>
+        <a:effectLst>
+          <a:outerShdw blurRad="40000" dist="23000" dir="5400000" rotWithShape="0">
+            <a:srgbClr val="000000">
+              <a:alpha val="35000"/>
+            </a:srgbClr>
+          </a:outerShdw>
+        </a:effectLst>
+      </dsp:spPr>
+      <dsp:style>
+        <a:lnRef idx="0">
+          <a:scrgbClr r="0" g="0" b="0"/>
+        </a:lnRef>
+        <a:fillRef idx="3">
+          <a:scrgbClr r="0" g="0" b="0"/>
+        </a:fillRef>
+        <a:effectRef idx="2">
+          <a:scrgbClr r="0" g="0" b="0"/>
+        </a:effectRef>
+        <a:fontRef idx="minor">
+          <a:schemeClr val="lt1"/>
+        </a:fontRef>
+      </dsp:style>
+      <dsp:txBody>
+        <a:bodyPr spcFirstLastPara="0" vert="horz" wrap="square" lIns="12065" tIns="12065" rIns="12065" bIns="12065" numCol="1" spcCol="1270" anchor="ctr" anchorCtr="0">
+          <a:noAutofit/>
+        </a:bodyPr>
+        <a:lstStyle/>
+        <a:p>
+          <a:pPr lvl="0" algn="ctr" defTabSz="844550">
+            <a:lnSpc>
+              <a:spcPct val="90000"/>
+            </a:lnSpc>
+            <a:spcBef>
+              <a:spcPct val="0"/>
+            </a:spcBef>
+            <a:spcAft>
+              <a:spcPct val="35000"/>
+            </a:spcAft>
+          </a:pPr>
+          <a:r>
+            <a:rPr lang="en-US" altLang="zh-CN" sz="1900" kern="1200" dirty="0" smtClean="0"/>
+            <a:t>Food</a:t>
+          </a:r>
+          <a:endParaRPr lang="zh-CN" altLang="en-US" sz="1900" kern="1200" dirty="0" smtClean="0"/>
+        </a:p>
+        <a:p>
+          <a:pPr lvl="0" algn="ctr" defTabSz="844550">
+            <a:lnSpc>
+              <a:spcPct val="90000"/>
+            </a:lnSpc>
+            <a:spcBef>
+              <a:spcPct val="0"/>
+            </a:spcBef>
+            <a:spcAft>
+              <a:spcPct val="35000"/>
+            </a:spcAft>
+          </a:pPr>
+          <a:r>
+            <a:rPr lang="en-US" altLang="zh-CN" sz="1900" kern="1200" dirty="0" smtClean="0"/>
+            <a:t>update</a:t>
+          </a:r>
+          <a:r>
+            <a:rPr lang="zh-CN" altLang="en-US" sz="1900" kern="1200" dirty="0" smtClean="0"/>
+            <a:t> </a:t>
+          </a:r>
+          <a:r>
+            <a:rPr lang="en-US" altLang="zh-CN" sz="1900" kern="1200" dirty="0" smtClean="0"/>
+            <a:t>all</a:t>
+          </a:r>
+          <a:r>
+            <a:rPr lang="zh-CN" altLang="en-US" sz="1900" kern="1200" dirty="0" smtClean="0"/>
+            <a:t> </a:t>
+          </a:r>
+          <a:r>
+            <a:rPr lang="en-US" altLang="zh-CN" sz="1900" kern="1200" dirty="0" smtClean="0"/>
+            <a:t>values</a:t>
+          </a:r>
+          <a:endParaRPr lang="en-US" sz="1900" kern="1200" dirty="0"/>
+        </a:p>
+      </dsp:txBody>
+      <dsp:txXfrm>
+        <a:off x="4289598" y="1242065"/>
+        <a:ext cx="1748730" cy="874365"/>
+      </dsp:txXfrm>
+    </dsp:sp>
+  </dsp:spTree>
+</dsp:drawing>
+</file>
+
+<file path=ppt/diagrams/layout1.xml><?xml version="1.0" encoding="utf-8"?>
+<dgm:layoutDef xmlns:dgm="http://schemas.openxmlformats.org/drawingml/2006/diagram" xmlns:a="http://schemas.openxmlformats.org/drawingml/2006/main" uniqueId="urn:microsoft.com/office/officeart/2005/8/layout/orgChart1">
+  <dgm:title val=""/>
+  <dgm:desc val=""/>
+  <dgm:catLst>
+    <dgm:cat type="hierarchy" pri="1000"/>
+    <dgm:cat type="convert" pri="6000"/>
+  </dgm:catLst>
+  <dgm:sampData>
+    <dgm:dataModel>
+      <dgm:ptLst>
+        <dgm:pt modelId="0" type="doc"/>
+        <dgm:pt modelId="1">
+          <dgm:prSet phldr="1"/>
+        </dgm:pt>
+        <dgm:pt modelId="2" type="asst">
+          <dgm:prSet phldr="1"/>
+        </dgm:pt>
+        <dgm:pt modelId="3">
+          <dgm:prSet phldr="1"/>
+        </dgm:pt>
+        <dgm:pt modelId="4">
+          <dgm:prSet phldr="1"/>
+        </dgm:pt>
+        <dgm:pt modelId="5">
+          <dgm:prSet phldr="1"/>
+        </dgm:pt>
+      </dgm:ptLst>
+      <dgm:cxnLst>
+        <dgm:cxn modelId="5" srcId="0" destId="1" srcOrd="0" destOrd="0"/>
+        <dgm:cxn modelId="6" srcId="1" destId="2" srcOrd="0" destOrd="0"/>
+        <dgm:cxn modelId="7" srcId="1" destId="3" srcOrd="1" destOrd="0"/>
+        <dgm:cxn modelId="8" srcId="1" destId="4" srcOrd="2" destOrd="0"/>
+        <dgm:cxn modelId="9" srcId="1" destId="5" srcOrd="3" destOrd="0"/>
+      </dgm:cxnLst>
+      <dgm:bg/>
+      <dgm:whole/>
+    </dgm:dataModel>
+  </dgm:sampData>
+  <dgm:styleData>
+    <dgm:dataModel>
+      <dgm:ptLst>
+        <dgm:pt modelId="0" type="doc"/>
+        <dgm:pt modelId="1"/>
+        <dgm:pt modelId="12"/>
+        <dgm:pt modelId="13"/>
+      </dgm:ptLst>
+      <dgm:cxnLst>
+        <dgm:cxn modelId="2" srcId="0" destId="1" srcOrd="0" destOrd="0"/>
+        <dgm:cxn modelId="16" srcId="1" destId="12" srcOrd="1" destOrd="0"/>
+        <dgm:cxn modelId="17" srcId="1" destId="13" srcOrd="2" destOrd="0"/>
+      </dgm:cxnLst>
+      <dgm:bg/>
+      <dgm:whole/>
+    </dgm:dataModel>
+  </dgm:styleData>
+  <dgm:clrData>
+    <dgm:dataModel>
+      <dgm:ptLst>
+        <dgm:pt modelId="0" type="doc"/>
+        <dgm:pt modelId="1"/>
+        <dgm:pt modelId="11" type="asst"/>
+        <dgm:pt modelId="12"/>
+        <dgm:pt modelId="13"/>
+        <dgm:pt modelId="14"/>
+      </dgm:ptLst>
+      <dgm:cxnLst>
+        <dgm:cxn modelId="2" srcId="0" destId="1" srcOrd="0" destOrd="0"/>
+        <dgm:cxn modelId="15" srcId="1" destId="11" srcOrd="0" destOrd="0"/>
+        <dgm:cxn modelId="16" srcId="1" destId="12" srcOrd="1" destOrd="0"/>
+        <dgm:cxn modelId="17" srcId="1" destId="13" srcOrd="2" destOrd="0"/>
+        <dgm:cxn modelId="18" srcId="1" destId="14" srcOrd="2" destOrd="0"/>
+      </dgm:cxnLst>
+      <dgm:bg/>
+      <dgm:whole/>
+    </dgm:dataModel>
+  </dgm:clrData>
+  <dgm:layoutNode name="hierChild1">
+    <dgm:varLst>
+      <dgm:orgChart val="1"/>
+      <dgm:chPref val="1"/>
+      <dgm:dir/>
+      <dgm:animOne val="branch"/>
+      <dgm:animLvl val="lvl"/>
+      <dgm:resizeHandles/>
+    </dgm:varLst>
+    <dgm:choose name="Name0">
+      <dgm:if name="Name1" func="var" arg="dir" op="equ" val="norm">
+        <dgm:alg type="hierChild">
+          <dgm:param type="linDir" val="fromL"/>
+        </dgm:alg>
+      </dgm:if>
+      <dgm:else name="Name2">
+        <dgm:alg type="hierChild">
+          <dgm:param type="linDir" val="fromR"/>
+        </dgm:alg>
+      </dgm:else>
+    </dgm:choose>
+    <dgm:shape xmlns:r="http://schemas.openxmlformats.org/officeDocument/2006/relationships" r:blip="">
+      <dgm:adjLst/>
+    </dgm:shape>
+    <dgm:presOf/>
+    <dgm:constrLst>
+      <dgm:constr type="w" for="des" forName="rootComposite1" refType="w" fact="10"/>
+      <dgm:constr type="h" for="des" forName="rootComposite1" refType="w" refFor="des" refForName="rootComposite1" fact="0.5"/>
+      <dgm:constr type="w" for="des" forName="rootComposite" refType="w" fact="10"/>
+      <dgm:constr type="h" for="des" forName="rootComposite" refType="w" refFor="des" refForName="rootComposite1" fact="0.5"/>
+      <dgm:constr type="w" for="des" forName="rootComposite3" refType="w" fact="10"/>
+      <dgm:constr type="h" for="des" forName="rootComposite3" refType="w" refFor="des" refForName="rootComposite1" fact="0.5"/>
+      <dgm:constr type="primFontSz" for="des" ptType="node" op="equ"/>
+      <dgm:constr type="sp" for="des" op="equ"/>
+      <dgm:constr type="sp" for="des" forName="hierRoot1" refType="w" refFor="des" refForName="rootComposite1" fact="0.21"/>
+      <dgm:constr type="sp" for="des" forName="hierRoot2" refType="sp" refFor="des" refForName="hierRoot1"/>
+      <dgm:constr type="sp" for="des" forName="hierRoot3" refType="sp" refFor="des" refForName="hierRoot1"/>
+      <dgm:constr type="sibSp" refType="w" refFor="des" refForName="rootComposite1" fact="0.21"/>
+      <dgm:constr type="sibSp" for="des" forName="hierChild2" refType="sibSp"/>
+      <dgm:constr type="sibSp" for="des" forName="hierChild3" refType="sibSp"/>
+      <dgm:constr type="sibSp" for="des" forName="hierChild4" refType="sibSp"/>
+      <dgm:constr type="sibSp" for="des" forName="hierChild5" refType="sibSp"/>
+      <dgm:constr type="sibSp" for="des" forName="hierChild6" refType="sibSp"/>
+      <dgm:constr type="sibSp" for="des" forName="hierChild7" refType="sibSp"/>
+      <dgm:constr type="secSibSp" refType="w" refFor="des" refForName="rootComposite1" fact="0.21"/>
+      <dgm:constr type="secSibSp" for="des" forName="hierChild2" refType="secSibSp"/>
+      <dgm:constr type="secSibSp" for="des" forName="hierChild3" refType="secSibSp"/>
+      <dgm:constr type="secSibSp" for="des" forName="hierChild4" refType="secSibSp"/>
+      <dgm:constr type="secSibSp" for="des" forName="hierChild5" refType="secSibSp"/>
+      <dgm:constr type="secSibSp" for="des" forName="hierChild6" refType="secSibSp"/>
+      <dgm:constr type="secSibSp" for="des" forName="hierChild7" refType="secSibSp"/>
+    </dgm:constrLst>
+    <dgm:ruleLst/>
+    <dgm:forEach name="Name3" axis="ch">
+      <dgm:forEach name="Name4" axis="self" ptType="node">
+        <dgm:layoutNode name="hierRoot1">
+          <dgm:varLst>
+            <dgm:hierBranch val="init"/>
+          </dgm:varLst>
+          <dgm:choose name="Name5">
+            <dgm:if name="Name6" func="var" arg="hierBranch" op="equ" val="l">
+              <dgm:choose name="Name7">
+                <dgm:if name="Name8" axis="ch" ptType="asst" func="cnt" op="gte" val="1">
+                  <dgm:alg type="hierRoot">
+                    <dgm:param type="hierAlign" val="tR"/>
+                  </dgm:alg>
+                  <dgm:constrLst>
+                    <dgm:constr type="alignOff" val="0.65"/>
+                  </dgm:constrLst>
+                </dgm:if>
+                <dgm:else name="Name9">
+                  <dgm:alg type="hierRoot">
+                    <dgm:param type="hierAlign" val="tR"/>
+                  </dgm:alg>
+                  <dgm:constrLst>
+                    <dgm:constr type="alignOff" val="0.25"/>
+                  </dgm:constrLst>
+                </dgm:else>
+              </dgm:choose>
+            </dgm:if>
+            <dgm:if name="Name10" func="var" arg="hierBranch" op="equ" val="r">
+              <dgm:choose name="Name11">
+                <dgm:if name="Name12" axis="ch" ptType="asst" func="cnt" op="gte" val="1">
+                  <dgm:alg type="hierRoot">
+                    <dgm:param type="hierAlign" val="tL"/>
+                  </dgm:alg>
+                  <dgm:constrLst>
+                    <dgm:constr type="alignOff" val="0.65"/>
+                  </dgm:constrLst>
+                </dgm:if>
+                <dgm:else name="Name13">
+                  <dgm:alg type="hierRoot">
+                    <dgm:param type="hierAlign" val="tL"/>
+                  </dgm:alg>
+                  <dgm:constrLst>
+                    <dgm:constr type="alignOff" val="0.25"/>
+                  </dgm:constrLst>
+                </dgm:else>
+              </dgm:choose>
+            </dgm:if>
+            <dgm:if name="Name14" func="var" arg="hierBranch" op="equ" val="hang">
+              <dgm:alg type="hierRoot"/>
+              <dgm:constrLst>
+                <dgm:constr type="alignOff" val="0.65"/>
+              </dgm:constrLst>
+            </dgm:if>
+            <dgm:else name="Name15">
+              <dgm:alg type="hierRoot"/>
+              <dgm:constrLst>
+                <dgm:constr type="alignOff"/>
+                <dgm:constr type="bendDist" for="des" ptType="parTrans" refType="sp" fact="0.5"/>
+              </dgm:constrLst>
+            </dgm:else>
+          </dgm:choose>
+          <dgm:shape xmlns:r="http://schemas.openxmlformats.org/officeDocument/2006/relationships" r:blip="">
+            <dgm:adjLst/>
+          </dgm:shape>
+          <dgm:presOf/>
+          <dgm:ruleLst/>
+          <dgm:layoutNode name="rootComposite1">
+            <dgm:alg type="composite"/>
+            <dgm:shape xmlns:r="http://schemas.openxmlformats.org/officeDocument/2006/relationships" r:blip="">
+              <dgm:adjLst/>
+            </dgm:shape>
+            <dgm:presOf axis="self" ptType="node" cnt="1"/>
+            <dgm:choose name="Name16">
+              <dgm:if name="Name17" func="var" arg="hierBranch" op="equ" val="init">
+                <dgm:constrLst>
+                  <dgm:constr type="l" for="ch" forName="rootText1"/>
+                  <dgm:constr type="t" for="ch" forName="rootText1"/>
+                  <dgm:constr type="w" for="ch" forName="rootText1" refType="w"/>
+                  <dgm:constr type="h" for="ch" forName="rootText1" refType="h"/>
+                  <dgm:constr type="l" for="ch" forName="rootConnector1"/>
+                  <dgm:constr type="t" for="ch" forName="rootConnector1"/>
+                  <dgm:constr type="w" for="ch" forName="rootConnector1" refType="w" refFor="ch" refForName="rootText1" fact="0.2"/>
+                  <dgm:constr type="h" for="ch" forName="rootConnector1" refType="h" refFor="ch" refForName="rootText1"/>
+                </dgm:constrLst>
+              </dgm:if>
+              <dgm:if name="Name18" func="var" arg="hierBranch" op="equ" val="l">
+                <dgm:constrLst>
+                  <dgm:constr type="l" for="ch" forName="rootText1"/>
+                  <dgm:constr type="t" for="ch" forName="rootText1"/>
+                  <dgm:constr type="w" for="ch" forName="rootText1" refType="w"/>
+                  <dgm:constr type="h" for="ch" forName="rootText1" refType="h"/>
+                  <dgm:constr type="r" for="ch" forName="rootConnector1" refType="w"/>
+                  <dgm:constr type="t" for="ch" forName="rootConnector1"/>
+                  <dgm:constr type="w" for="ch" forName="rootConnector1" refType="w" refFor="ch" refForName="rootText1" fact="0.2"/>
+                  <dgm:constr type="h" for="ch" forName="rootConnector1" refType="h" refFor="ch" refForName="rootText1"/>
+                </dgm:constrLst>
+              </dgm:if>
+              <dgm:if name="Name19" func="var" arg="hierBranch" op="equ" val="r">
+                <dgm:constrLst>
+                  <dgm:constr type="l" for="ch" forName="rootText1"/>
+                  <dgm:constr type="t" for="ch" forName="rootText1"/>
+                  <dgm:constr type="w" for="ch" forName="rootText1" refType="w"/>
+                  <dgm:constr type="h" for="ch" forName="rootText1" refType="h"/>
+                  <dgm:constr type="l" for="ch" forName="rootConnector1"/>
+                  <dgm:constr type="t" for="ch" forName="rootConnector1"/>
+                  <dgm:constr type="w" for="ch" forName="rootConnector1" refType="w" refFor="ch" refForName="rootText1" fact="0.2"/>
+                  <dgm:constr type="h" for="ch" forName="rootConnector1" refType="h" refFor="ch" refForName="rootText1"/>
+                </dgm:constrLst>
+              </dgm:if>
+              <dgm:else name="Name20">
+                <dgm:constrLst>
+                  <dgm:constr type="l" for="ch" forName="rootText1"/>
+                  <dgm:constr type="t" for="ch" forName="rootText1"/>
+                  <dgm:constr type="w" for="ch" forName="rootText1" refType="w"/>
+                  <dgm:constr type="h" for="ch" forName="rootText1" refType="h"/>
+                  <dgm:constr type="r" for="ch" forName="rootConnector1" refType="w"/>
+                  <dgm:constr type="t" for="ch" forName="rootConnector1"/>
+                  <dgm:constr type="w" for="ch" forName="rootConnector1" refType="w" refFor="ch" refForName="rootText1" fact="0.2"/>
+                  <dgm:constr type="h" for="ch" forName="rootConnector1" refType="h" refFor="ch" refForName="rootText1"/>
+                </dgm:constrLst>
+              </dgm:else>
+            </dgm:choose>
+            <dgm:ruleLst/>
+            <dgm:layoutNode name="rootText1" styleLbl="node0">
+              <dgm:varLst>
+                <dgm:chPref val="3"/>
+              </dgm:varLst>
+              <dgm:alg type="tx"/>
+              <dgm:shape xmlns:r="http://schemas.openxmlformats.org/officeDocument/2006/relationships" type="rect" r:blip="">
+                <dgm:adjLst/>
+              </dgm:shape>
+              <dgm:presOf axis="self" ptType="node" cnt="1"/>
+              <dgm:constrLst>
+                <dgm:constr type="primFontSz" val="65"/>
+                <dgm:constr type="lMarg" refType="primFontSz" fact="0.05"/>
+                <dgm:constr type="rMarg" refType="primFontSz" fact="0.05"/>
+                <dgm:constr type="tMarg" refType="primFontSz" fact="0.05"/>
+                <dgm:constr type="bMarg" refType="primFontSz" fact="0.05"/>
+              </dgm:constrLst>
+              <dgm:ruleLst>
+                <dgm:rule type="primFontSz" val="5" fact="NaN" max="NaN"/>
+              </dgm:ruleLst>
+            </dgm:layoutNode>
+            <dgm:layoutNode name="rootConnector1" moveWith="rootText1">
+              <dgm:alg type="sp"/>
+              <dgm:shape xmlns:r="http://schemas.openxmlformats.org/officeDocument/2006/relationships" type="rect" r:blip="" hideGeom="1">
+                <dgm:adjLst/>
+              </dgm:shape>
+              <dgm:presOf axis="self" ptType="node" cnt="1"/>
+              <dgm:constrLst/>
+              <dgm:ruleLst/>
+            </dgm:layoutNode>
+          </dgm:layoutNode>
+          <dgm:layoutNode name="hierChild2">
+            <dgm:choose name="Name21">
+              <dgm:if name="Name22" func="var" arg="hierBranch" op="equ" val="l">
+                <dgm:alg type="hierChild">
+                  <dgm:param type="chAlign" val="r"/>
+                  <dgm:param type="linDir" val="fromT"/>
+                </dgm:alg>
+              </dgm:if>
+              <dgm:if name="Name23" func="var" arg="hierBranch" op="equ" val="r">
+                <dgm:alg type="hierChild">
+                  <dgm:param type="chAlign" val="l"/>
+                  <dgm:param type="linDir" val="fromT"/>
+                </dgm:alg>
+              </dgm:if>
+              <dgm:if name="Name24" func="var" arg="hierBranch" op="equ" val="hang">
+                <dgm:choose name="Name25">
+                  <dgm:if name="Name26" func="var" arg="dir" op="equ" val="norm">
+                    <dgm:alg type="hierChild">
+                      <dgm:param type="chAlign" val="l"/>
+                      <dgm:param type="linDir" val="fromL"/>
+                      <dgm:param type="secChAlign" val="t"/>
+                      <dgm:param type="secLinDir" val="fromT"/>
+                    </dgm:alg>
+                  </dgm:if>
+                  <dgm:else name="Name27">
+                    <dgm:alg type="hierChild">
+                      <dgm:param type="chAlign" val="l"/>
+                      <dgm:param type="linDir" val="fromR"/>
+                      <dgm:param type="secChAlign" val="t"/>
+                      <dgm:param type="secLinDir" val="fromT"/>
+                    </dgm:alg>
+                  </dgm:else>
+                </dgm:choose>
+              </dgm:if>
+              <dgm:else name="Name28">
+                <dgm:choose name="Name29">
+                  <dgm:if name="Name30" func="var" arg="dir" op="equ" val="norm">
+                    <dgm:alg type="hierChild"/>
+                  </dgm:if>
+                  <dgm:else name="Name31">
+                    <dgm:alg type="hierChild">
+                      <dgm:param type="linDir" val="fromR"/>
+                    </dgm:alg>
+                  </dgm:else>
+                </dgm:choose>
+              </dgm:else>
+            </dgm:choose>
+            <dgm:shape xmlns:r="http://schemas.openxmlformats.org/officeDocument/2006/relationships" r:blip="">
+              <dgm:adjLst/>
+            </dgm:shape>
+            <dgm:presOf/>
+            <dgm:constrLst/>
+            <dgm:ruleLst/>
+            <dgm:forEach name="rep2a" axis="ch" ptType="nonAsst">
+              <dgm:forEach name="Name32" axis="precedSib" ptType="parTrans" st="-1" cnt="1">
+                <dgm:choose name="Name33">
+                  <dgm:if name="Name34" func="var" arg="hierBranch" op="equ" val="std">
+                    <dgm:layoutNode name="Name35">
+                      <dgm:alg type="conn">
+                        <dgm:param type="connRout" val="bend"/>
+                        <dgm:param type="dim" val="1D"/>
+                        <dgm:param type="endSty" val="noArr"/>
+                        <dgm:param type="begPts" val="bCtr"/>
+                        <dgm:param type="endPts" val="tCtr"/>
+                        <dgm:param type="bendPt" val="end"/>
+                      </dgm:alg>
+                      <dgm:shape xmlns:r="http://schemas.openxmlformats.org/officeDocument/2006/relationships" type="conn" r:blip="" zOrderOff="-99999">
+                        <dgm:adjLst/>
+                      </dgm:shape>
+                      <dgm:presOf axis="self"/>
+                      <dgm:constrLst>
+                        <dgm:constr type="begPad"/>
+                        <dgm:constr type="endPad"/>
+                      </dgm:constrLst>
+                      <dgm:ruleLst/>
+                    </dgm:layoutNode>
+                  </dgm:if>
+                  <dgm:if name="Name36" func="var" arg="hierBranch" op="equ" val="init">
+                    <dgm:layoutNode name="Name37">
+                      <dgm:choose name="Name38">
+                        <dgm:if name="Name39" axis="self" func="depth" op="lte" val="2">
+                          <dgm:alg type="conn">
+                            <dgm:param type="connRout" val="bend"/>
+                            <dgm:param type="dim" val="1D"/>
+                            <dgm:param type="endSty" val="noArr"/>
+                            <dgm:param type="begPts" val="bCtr"/>
+                            <dgm:param type="endPts" val="tCtr"/>
+                            <dgm:param type="bendPt" val="end"/>
+                          </dgm:alg>
+                        </dgm:if>
+                        <dgm:else name="Name40">
+                          <dgm:choose name="Name41">
+                            <dgm:if name="Name42" axis="par des" func="maxDepth" op="lte" val="1">
+                              <dgm:choose name="Name43">
+                                <dgm:if name="Name44" axis="par ch" ptType="node asst" func="cnt" op="gte" val="1">
+                                  <dgm:alg type="conn">
+                                    <dgm:param type="connRout" val="bend"/>
+                                    <dgm:param type="dim" val="1D"/>
+                                    <dgm:param type="endSty" val="noArr"/>
+                                    <dgm:param type="begPts" val="bCtr"/>
+                                    <dgm:param type="endPts" val="midL midR"/>
+                                  </dgm:alg>
+                                </dgm:if>
+                                <dgm:else name="Name45">
+                                  <dgm:alg type="conn">
+                                    <dgm:param type="connRout" val="bend"/>
+                                    <dgm:param type="dim" val="1D"/>
+                                    <dgm:param type="endSty" val="noArr"/>
+                                    <dgm:param type="begPts" val="bCtr"/>
+                                    <dgm:param type="endPts" val="midL midR"/>
+                                    <dgm:param type="srcNode" val="rootConnector"/>
+                                  </dgm:alg>
+                                </dgm:else>
+                              </dgm:choose>
+                            </dgm:if>
+                            <dgm:else name="Name46">
+                              <dgm:alg type="conn">
+                                <dgm:param type="connRout" val="bend"/>
+                                <dgm:param type="dim" val="1D"/>
+                                <dgm:param type="endSty" val="noArr"/>
+                                <dgm:param type="begPts" val="bCtr"/>
+                                <dgm:param type="endPts" val="tCtr"/>
+                                <dgm:param type="bendPt" val="end"/>
+                              </dgm:alg>
+                            </dgm:else>
+                          </dgm:choose>
+                        </dgm:else>
+                      </dgm:choose>
+                      <dgm:shape xmlns:r="http://schemas.openxmlformats.org/officeDocument/2006/relationships" type="conn" r:blip="" zOrderOff="-99999">
+                        <dgm:adjLst/>
+                      </dgm:shape>
+                      <dgm:presOf axis="self"/>
+                      <dgm:constrLst>
+                        <dgm:constr type="begPad"/>
+                        <dgm:constr type="endPad"/>
+                      </dgm:constrLst>
+                      <dgm:ruleLst/>
+                    </dgm:layoutNode>
+                  </dgm:if>
+                  <dgm:if name="Name47" func="var" arg="hierBranch" op="equ" val="hang">
+                    <dgm:layoutNode name="Name48">
+                      <dgm:alg type="conn">
+                        <dgm:param type="connRout" val="bend"/>
+                        <dgm:param type="dim" val="1D"/>
+                        <dgm:param type="endSty" val="noArr"/>
+                        <dgm:param type="begPts" val="bCtr"/>
+                        <dgm:param type="endPts" val="midL midR"/>
+                      </dgm:alg>
+                      <dgm:shape xmlns:r="http://schemas.openxmlformats.org/officeDocument/2006/relationships" type="conn" r:blip="" zOrderOff="-99999">
+                        <dgm:adjLst/>
+                      </dgm:shape>
+                      <dgm:presOf axis="self"/>
+                      <dgm:constrLst>
+                        <dgm:constr type="begPad"/>
+                        <dgm:constr type="endPad"/>
+                      </dgm:constrLst>
+                      <dgm:ruleLst/>
+                    </dgm:layoutNode>
+                  </dgm:if>
+                  <dgm:else name="Name49">
+                    <dgm:layoutNode name="Name50">
+                      <dgm:choose name="Name51">
+                        <dgm:if name="Name52" axis="self" func="depth" op="lte" val="2">
+                          <dgm:choose name="Name53">
+                            <dgm:if name="Name54" axis="par ch" ptType="node asst" func="cnt" op="gte" val="1">
+                              <dgm:alg type="conn">
+                                <dgm:param type="connRout" val="bend"/>
+                                <dgm:param type="dim" val="1D"/>
+                                <dgm:param type="endSty" val="noArr"/>
+                                <dgm:param type="begPts" val="bCtr"/>
+                                <dgm:param type="endPts" val="midL midR"/>
+                              </dgm:alg>
+                            </dgm:if>
+                            <dgm:else name="Name55">
+                              <dgm:alg type="conn">
+                                <dgm:param type="connRout" val="bend"/>
+                                <dgm:param type="dim" val="1D"/>
+                                <dgm:param type="endSty" val="noArr"/>
+                                <dgm:param type="begPts" val="bCtr"/>
+                                <dgm:param type="endPts" val="midL midR"/>
+                                <dgm:param type="srcNode" val="rootConnector1"/>
+                              </dgm:alg>
+                            </dgm:else>
+                          </dgm:choose>
+                        </dgm:if>
+                        <dgm:else name="Name56">
+                          <dgm:choose name="Name57">
+                            <dgm:if name="Name58" axis="par ch" ptType="node asst" func="cnt" op="gte" val="1">
+                              <dgm:alg type="conn">
+                                <dgm:param type="connRout" val="bend"/>
+                                <dgm:param type="dim" val="1D"/>
+                                <dgm:param type="endSty" val="noArr"/>
+                                <dgm:param type="begPts" val="bCtr"/>
+                                <dgm:param type="endPts" val="midL midR"/>
+                              </dgm:alg>
+                            </dgm:if>
+                            <dgm:else name="Name59">
+                              <dgm:alg type="conn">
+                                <dgm:param type="connRout" val="bend"/>
+                                <dgm:param type="dim" val="1D"/>
+                                <dgm:param type="endSty" val="noArr"/>
+                                <dgm:param type="begPts" val="bCtr"/>
+                                <dgm:param type="endPts" val="midL midR"/>
+                                <dgm:param type="srcNode" val="rootConnector"/>
+                              </dgm:alg>
+                            </dgm:else>
+                          </dgm:choose>
+                        </dgm:else>
+                      </dgm:choose>
+                      <dgm:shape xmlns:r="http://schemas.openxmlformats.org/officeDocument/2006/relationships" type="conn" r:blip="" zOrderOff="-99999">
+                        <dgm:adjLst/>
+                      </dgm:shape>
+                      <dgm:presOf axis="self"/>
+                      <dgm:constrLst>
+                        <dgm:constr type="begPad"/>
+                        <dgm:constr type="endPad"/>
+                      </dgm:constrLst>
+                      <dgm:ruleLst/>
+                    </dgm:layoutNode>
+                  </dgm:else>
+                </dgm:choose>
+              </dgm:forEach>
+              <dgm:layoutNode name="hierRoot2">
+                <dgm:varLst>
+                  <dgm:hierBranch val="init"/>
+                </dgm:varLst>
+                <dgm:choose name="Name60">
+                  <dgm:if name="Name61" func="var" arg="hierBranch" op="equ" val="l">
+                    <dgm:choose name="Name62">
+                      <dgm:if name="Name63" axis="ch" ptType="asst" func="cnt" op="gte" val="1">
+                        <dgm:alg type="hierRoot">
+                          <dgm:param type="hierAlign" val="tR"/>
+                        </dgm:alg>
+                        <dgm:shape xmlns:r="http://schemas.openxmlformats.org/officeDocument/2006/relationships" r:blip="">
+                          <dgm:adjLst/>
+                        </dgm:shape>
+                        <dgm:presOf/>
+                        <dgm:constrLst>
+                          <dgm:constr type="alignOff" val="0.65"/>
+                        </dgm:constrLst>
+                      </dgm:if>
+                      <dgm:else name="Name64">
+                        <dgm:alg type="hierRoot">
+                          <dgm:param type="hierAlign" val="tR"/>
+                        </dgm:alg>
+                        <dgm:shape xmlns:r="http://schemas.openxmlformats.org/officeDocument/2006/relationships" r:blip="">
+                          <dgm:adjLst/>
+                        </dgm:shape>
+                        <dgm:presOf/>
+                        <dgm:constrLst>
+                          <dgm:constr type="alignOff" val="0.25"/>
+                        </dgm:constrLst>
+                      </dgm:else>
+                    </dgm:choose>
+                  </dgm:if>
+                  <dgm:if name="Name65" func="var" arg="hierBranch" op="equ" val="r">
+                    <dgm:choose name="Name66">
+                      <dgm:if name="Name67" axis="ch" ptType="asst" func="cnt" op="gte" val="1">
+                        <dgm:alg type="hierRoot">
+                          <dgm:param type="hierAlign" val="tL"/>
+                        </dgm:alg>
+                        <dgm:shape xmlns:r="http://schemas.openxmlformats.org/officeDocument/2006/relationships" r:blip="">
+                          <dgm:adjLst/>
+                        </dgm:shape>
+                        <dgm:presOf/>
+                        <dgm:constrLst>
+                          <dgm:constr type="alignOff" val="0.65"/>
+                        </dgm:constrLst>
+                      </dgm:if>
+                      <dgm:else name="Name68">
+                        <dgm:alg type="hierRoot">
+                          <dgm:param type="hierAlign" val="tL"/>
+                        </dgm:alg>
+                        <dgm:shape xmlns:r="http://schemas.openxmlformats.org/officeDocument/2006/relationships" r:blip="">
+                          <dgm:adjLst/>
+                        </dgm:shape>
+                        <dgm:presOf/>
+                        <dgm:constrLst>
+                          <dgm:constr type="alignOff" val="0.25"/>
+                        </dgm:constrLst>
+                      </dgm:else>
+                    </dgm:choose>
+                  </dgm:if>
+                  <dgm:if name="Name69" func="var" arg="hierBranch" op="equ" val="std">
+                    <dgm:alg type="hierRoot"/>
+                    <dgm:shape xmlns:r="http://schemas.openxmlformats.org/officeDocument/2006/relationships" r:blip="">
+                      <dgm:adjLst/>
+                    </dgm:shape>
+                    <dgm:presOf/>
+                    <dgm:constrLst>
+                      <dgm:constr type="alignOff"/>
+                      <dgm:constr type="bendDist" for="des" ptType="parTrans" refType="sp" fact="0.5"/>
+                    </dgm:constrLst>
+                  </dgm:if>
+                  <dgm:if name="Name70" func="var" arg="hierBranch" op="equ" val="init">
+                    <dgm:choose name="Name71">
+                      <dgm:if name="Name72" axis="des" func="maxDepth" op="lte" val="1">
+                        <dgm:choose name="Name73">
+                          <dgm:if name="Name74" axis="ch" ptType="asst" func="cnt" op="gte" val="1">
+                            <dgm:alg type="hierRoot">
+                              <dgm:param type="hierAlign" val="tL"/>
+                            </dgm:alg>
+                            <dgm:shape xmlns:r="http://schemas.openxmlformats.org/officeDocument/2006/relationships" r:blip="">
+                              <dgm:adjLst/>
+                            </dgm:shape>
+                            <dgm:presOf/>
+                            <dgm:constrLst>
+                              <dgm:constr type="alignOff" val="0.65"/>
+                            </dgm:constrLst>
+                          </dgm:if>
+                          <dgm:else name="Name75">
+                            <dgm:alg type="hierRoot">
+                              <dgm:param type="hierAlign" val="tL"/>
+                            </dgm:alg>
+                            <dgm:shape xmlns:r="http://schemas.openxmlformats.org/officeDocument/2006/relationships" r:blip="">
+                              <dgm:adjLst/>
+                            </dgm:shape>
+                            <dgm:presOf/>
+                            <dgm:constrLst>
+                              <dgm:constr type="alignOff" val="0.25"/>
+                            </dgm:constrLst>
+                          </dgm:else>
+                        </dgm:choose>
+                      </dgm:if>
+                      <dgm:else name="Name76">
+                        <dgm:alg type="hierRoot"/>
+                        <dgm:shape xmlns:r="http://schemas.openxmlformats.org/officeDocument/2006/relationships" r:blip="">
+                          <dgm:adjLst/>
+                        </dgm:shape>
+                        <dgm:presOf/>
+                        <dgm:constrLst>
+                          <dgm:constr type="alignOff"/>
+                          <dgm:constr type="bendDist" for="des" ptType="parTrans" refType="sp" fact="0.5"/>
+                        </dgm:constrLst>
+                      </dgm:else>
+                    </dgm:choose>
+                  </dgm:if>
+                  <dgm:else name="Name77">
+                    <dgm:alg type="hierRoot"/>
+                    <dgm:shape xmlns:r="http://schemas.openxmlformats.org/officeDocument/2006/relationships" r:blip="">
+                      <dgm:adjLst/>
+                    </dgm:shape>
+                    <dgm:presOf/>
+                    <dgm:constrLst>
+                      <dgm:constr type="alignOff" val="0.65"/>
+                    </dgm:constrLst>
+                  </dgm:else>
+                </dgm:choose>
+                <dgm:ruleLst/>
+                <dgm:layoutNode name="rootComposite">
+                  <dgm:alg type="composite"/>
+                  <dgm:shape xmlns:r="http://schemas.openxmlformats.org/officeDocument/2006/relationships" r:blip="">
+                    <dgm:adjLst/>
+                  </dgm:shape>
+                  <dgm:presOf axis="self" ptType="node" cnt="1"/>
+                  <dgm:choose name="Name78">
+                    <dgm:if name="Name79" func="var" arg="hierBranch" op="equ" val="init">
+                      <dgm:constrLst>
+                        <dgm:constr type="l" for="ch" forName="rootText"/>
+                        <dgm:constr type="t" for="ch" forName="rootText"/>
+                        <dgm:constr type="w" for="ch" forName="rootText" refType="w"/>
+                        <dgm:constr type="h" for="ch" forName="rootText" refType="h"/>
+                        <dgm:constr type="l" for="ch" forName="rootConnector"/>
+                        <dgm:constr type="t" for="ch" forName="rootConnector"/>
+                        <dgm:constr type="w" for="ch" forName="rootConnector" refType="w" refFor="ch" refForName="rootText" fact="0.2"/>
+                        <dgm:constr type="h" for="ch" forName="rootConnector" refType="h" refFor="ch" refForName="rootText"/>
+                      </dgm:constrLst>
+                    </dgm:if>
+                    <dgm:if name="Name80" func="var" arg="hierBranch" op="equ" val="l">
+                      <dgm:constrLst>
+                        <dgm:constr type="l" for="ch" forName="rootText"/>
+                        <dgm:constr type="t" for="ch" forName="rootText"/>
+                        <dgm:constr type="w" for="ch" forName="rootText" refType="w"/>
+                        <dgm:constr type="h" for="ch" forName="rootText" refType="h"/>
+                        <dgm:constr type="r" for="ch" forName="rootConnector" refType="w"/>
+                        <dgm:constr type="t" for="ch" forName="rootConnector"/>
+                        <dgm:constr type="w" for="ch" forName="rootConnector" refType="w" refFor="ch" refForName="rootText" fact="0.2"/>
+                        <dgm:constr type="h" for="ch" forName="rootConnector" refType="h" refFor="ch" refForName="rootText"/>
+                      </dgm:constrLst>
+                    </dgm:if>
+                    <dgm:if name="Name81" func="var" arg="hierBranch" op="equ" val="r">
+                      <dgm:constrLst>
+                        <dgm:constr type="l" for="ch" forName="rootText"/>
+                        <dgm:constr type="t" for="ch" forName="rootText"/>
+                        <dgm:constr type="w" for="ch" forName="rootText" refType="w"/>
+                        <dgm:constr type="h" for="ch" forName="rootText" refType="h"/>
+                        <dgm:constr type="l" for="ch" forName="rootConnector"/>
+                        <dgm:constr type="t" for="ch" forName="rootConnector"/>
+                        <dgm:constr type="w" for="ch" forName="rootConnector" refType="w" refFor="ch" refForName="rootText" fact="0.2"/>
+                        <dgm:constr type="h" for="ch" forName="rootConnector" refType="h" refFor="ch" refForName="rootText"/>
+                      </dgm:constrLst>
+                    </dgm:if>
+                    <dgm:else name="Name82">
+                      <dgm:constrLst>
+                        <dgm:constr type="l" for="ch" forName="rootText"/>
+                        <dgm:constr type="t" for="ch" forName="rootText"/>
+                        <dgm:constr type="w" for="ch" forName="rootText" refType="w"/>
+                        <dgm:constr type="h" for="ch" forName="rootText" refType="h"/>
+                        <dgm:constr type="r" for="ch" forName="rootConnector" refType="w"/>
+                        <dgm:constr type="t" for="ch" forName="rootConnector"/>
+                        <dgm:constr type="w" for="ch" forName="rootConnector" refType="w" refFor="ch" refForName="rootText" fact="0.2"/>
+                        <dgm:constr type="h" for="ch" forName="rootConnector" refType="h" refFor="ch" refForName="rootText"/>
+                      </dgm:constrLst>
+                    </dgm:else>
+                  </dgm:choose>
+                  <dgm:ruleLst/>
+                  <dgm:layoutNode name="rootText">
+                    <dgm:varLst>
+                      <dgm:chPref val="3"/>
+                    </dgm:varLst>
+                    <dgm:alg type="tx"/>
+                    <dgm:shape xmlns:r="http://schemas.openxmlformats.org/officeDocument/2006/relationships" type="rect" r:blip="">
+                      <dgm:adjLst/>
+                    </dgm:shape>
+                    <dgm:presOf axis="self" ptType="node" cnt="1"/>
+                    <dgm:constrLst>
+                      <dgm:constr type="primFontSz" val="65"/>
+                      <dgm:constr type="lMarg" refType="primFontSz" fact="0.05"/>
+                      <dgm:constr type="rMarg" refType="primFontSz" fact="0.05"/>
+                      <dgm:constr type="tMarg" refType="primFontSz" fact="0.05"/>
+                      <dgm:constr type="bMarg" refType="primFontSz" fact="0.05"/>
+                    </dgm:constrLst>
+                    <dgm:ruleLst>
+                      <dgm:rule type="primFontSz" val="5" fact="NaN" max="NaN"/>
+                    </dgm:ruleLst>
+                  </dgm:layoutNode>
+                  <dgm:layoutNode name="rootConnector" moveWith="rootText">
+                    <dgm:alg type="sp"/>
+                    <dgm:shape xmlns:r="http://schemas.openxmlformats.org/officeDocument/2006/relationships" type="rect" r:blip="" hideGeom="1">
+                      <dgm:adjLst/>
+                    </dgm:shape>
+                    <dgm:presOf axis="self" ptType="node" cnt="1"/>
+                    <dgm:constrLst/>
+                    <dgm:ruleLst/>
+                  </dgm:layoutNode>
+                </dgm:layoutNode>
+                <dgm:layoutNode name="hierChild4">
+                  <dgm:choose name="Name83">
+                    <dgm:if name="Name84" func="var" arg="hierBranch" op="equ" val="l">
+                      <dgm:alg type="hierChild">
+                        <dgm:param type="chAlign" val="r"/>
+                        <dgm:param type="linDir" val="fromT"/>
+                      </dgm:alg>
+                    </dgm:if>
+                    <dgm:if name="Name85" func="var" arg="hierBranch" op="equ" val="r">
+                      <dgm:alg type="hierChild">
+                        <dgm:param type="chAlign" val="l"/>
+                        <dgm:param type="linDir" val="fromT"/>
+                      </dgm:alg>
+                    </dgm:if>
+                    <dgm:if name="Name86" func="var" arg="hierBranch" op="equ" val="hang">
+                      <dgm:choose name="Name87">
+                        <dgm:if name="Name88" func="var" arg="dir" op="equ" val="norm">
+                          <dgm:alg type="hierChild">
+                            <dgm:param type="chAlign" val="l"/>
+                            <dgm:param type="linDir" val="fromL"/>
+                            <dgm:param type="secChAlign" val="t"/>
+                            <dgm:param type="secLinDir" val="fromT"/>
+                          </dgm:alg>
+                        </dgm:if>
+                        <dgm:else name="Name89">
+                          <dgm:alg type="hierChild">
+                            <dgm:param type="chAlign" val="l"/>
+                            <dgm:param type="linDir" val="fromR"/>
+                            <dgm:param type="secChAlign" val="t"/>
+                            <dgm:param type="secLinDir" val="fromT"/>
+                          </dgm:alg>
+                        </dgm:else>
+                      </dgm:choose>
+                    </dgm:if>
+                    <dgm:if name="Name90" func="var" arg="hierBranch" op="equ" val="std">
+                      <dgm:choose name="Name91">
+                        <dgm:if name="Name92" func="var" arg="dir" op="equ" val="norm">
+                          <dgm:alg type="hierChild"/>
+                        </dgm:if>
+                        <dgm:else name="Name93">
+                          <dgm:alg type="hierChild">
+                            <dgm:param type="linDir" val="fromR"/>
+                          </dgm:alg>
+                        </dgm:else>
+                      </dgm:choose>
+                    </dgm:if>
+                    <dgm:if name="Name94" func="var" arg="hierBranch" op="equ" val="init">
+                      <dgm:choose name="Name95">
+                        <dgm:if name="Name96" axis="des" func="maxDepth" op="lte" val="1">
+                          <dgm:alg type="hierChild">
+                            <dgm:param type="chAlign" val="l"/>
+                            <dgm:param type="linDir" val="fromT"/>
+                          </dgm:alg>
+                        </dgm:if>
+                        <dgm:else name="Name97">
+                          <dgm:choose name="Name98">
+                            <dgm:if name="Name99" func="var" arg="dir" op="equ" val="norm">
+                              <dgm:alg type="hierChild"/>
+                            </dgm:if>
+                            <dgm:else name="Name100">
+                              <dgm:alg type="hierChild">
+                                <dgm:param type="linDir" val="fromR"/>
+                              </dgm:alg>
+                            </dgm:else>
+                          </dgm:choose>
+                        </dgm:else>
+                      </dgm:choose>
+                    </dgm:if>
+                    <dgm:else name="Name101"/>
+                  </dgm:choose>
+                  <dgm:shape xmlns:r="http://schemas.openxmlformats.org/officeDocument/2006/relationships" r:blip="">
+                    <dgm:adjLst/>
+                  </dgm:shape>
+                  <dgm:presOf/>
+                  <dgm:constrLst/>
+                  <dgm:ruleLst/>
+                  <dgm:forEach name="Name102" ref="rep2a"/>
+                </dgm:layoutNode>
+                <dgm:layoutNode name="hierChild5">
+                  <dgm:choose name="Name103">
+                    <dgm:if name="Name104" func="var" arg="dir" op="equ" val="norm">
+                      <dgm:alg type="hierChild">
+                        <dgm:param type="chAlign" val="l"/>
+                        <dgm:param type="linDir" val="fromL"/>
+                        <dgm:param type="secChAlign" val="t"/>
+                        <dgm:param type="secLinDir" val="fromT"/>
+                      </dgm:alg>
+                    </dgm:if>
+                    <dgm:else name="Name105">
+                      <dgm:alg type="hierChild">
+                        <dgm:param type="chAlign" val="l"/>
+                        <dgm:param type="linDir" val="fromR"/>
+                        <dgm:param type="secChAlign" val="t"/>
+                        <dgm:param type="secLinDir" val="fromT"/>
+                      </dgm:alg>
+                    </dgm:else>
+                  </dgm:choose>
+                  <dgm:shape xmlns:r="http://schemas.openxmlformats.org/officeDocument/2006/relationships" r:blip="">
+                    <dgm:adjLst/>
+                  </dgm:shape>
+                  <dgm:presOf/>
+                  <dgm:constrLst/>
+                  <dgm:ruleLst/>
+                  <dgm:forEach name="Name106" ref="rep2b"/>
+                </dgm:layoutNode>
+              </dgm:layoutNode>
+            </dgm:forEach>
+          </dgm:layoutNode>
+          <dgm:layoutNode name="hierChild3">
+            <dgm:choose name="Name107">
+              <dgm:if name="Name108" func="var" arg="dir" op="equ" val="norm">
+                <dgm:alg type="hierChild">
+                  <dgm:param type="chAlign" val="l"/>
+                  <dgm:param type="linDir" val="fromL"/>
+                  <dgm:param type="secChAlign" val="t"/>
+                  <dgm:param type="secLinDir" val="fromT"/>
+                </dgm:alg>
+              </dgm:if>
+              <dgm:else name="Name109">
+                <dgm:alg type="hierChild">
+                  <dgm:param type="chAlign" val="l"/>
+                  <dgm:param type="linDir" val="fromR"/>
+                  <dgm:param type="secChAlign" val="t"/>
+                  <dgm:param type="secLinDir" val="fromT"/>
+                </dgm:alg>
+              </dgm:else>
+            </dgm:choose>
+            <dgm:shape xmlns:r="http://schemas.openxmlformats.org/officeDocument/2006/relationships" r:blip="">
+              <dgm:adjLst/>
+            </dgm:shape>
+            <dgm:presOf/>
+            <dgm:constrLst/>
+            <dgm:ruleLst/>
+            <dgm:forEach name="rep2b" axis="ch" ptType="asst">
+              <dgm:forEach name="Name110" axis="precedSib" ptType="parTrans" st="-1" cnt="1">
+                <dgm:layoutNode name="Name111">
+                  <dgm:alg type="conn">
+                    <dgm:param type="connRout" val="bend"/>
+                    <dgm:param type="dim" val="1D"/>
+                    <dgm:param type="endSty" val="noArr"/>
+                    <dgm:param type="begPts" val="bCtr"/>
+                    <dgm:param type="endPts" val="midL midR"/>
+                  </dgm:alg>
+                  <dgm:shape xmlns:r="http://schemas.openxmlformats.org/officeDocument/2006/relationships" type="conn" r:blip="" zOrderOff="-99999">
+                    <dgm:adjLst/>
+                  </dgm:shape>
+                  <dgm:presOf axis="self"/>
+                  <dgm:constrLst>
+                    <dgm:constr type="begPad"/>
+                    <dgm:constr type="endPad"/>
+                  </dgm:constrLst>
+                  <dgm:ruleLst/>
+                </dgm:layoutNode>
+              </dgm:forEach>
+              <dgm:layoutNode name="hierRoot3">
+                <dgm:varLst>
+                  <dgm:hierBranch val="init"/>
+                </dgm:varLst>
+                <dgm:choose name="Name112">
+                  <dgm:if name="Name113" func="var" arg="hierBranch" op="equ" val="l">
+                    <dgm:alg type="hierRoot">
+                      <dgm:param type="hierAlign" val="tR"/>
+                    </dgm:alg>
+                    <dgm:shape xmlns:r="http://schemas.openxmlformats.org/officeDocument/2006/relationships" r:blip="">
+                      <dgm:adjLst/>
+                    </dgm:shape>
+                    <dgm:presOf/>
+                    <dgm:constrLst>
+                      <dgm:constr type="alignOff" val="0.65"/>
+                    </dgm:constrLst>
+                  </dgm:if>
+                  <dgm:if name="Name114" func="var" arg="hierBranch" op="equ" val="r">
+                    <dgm:alg type="hierRoot">
+                      <dgm:param type="hierAlign" val="tL"/>
+                    </dgm:alg>
+                    <dgm:shape xmlns:r="http://schemas.openxmlformats.org/officeDocument/2006/relationships" r:blip="">
+                      <dgm:adjLst/>
+                    </dgm:shape>
+                    <dgm:presOf/>
+                    <dgm:constrLst>
+                      <dgm:constr type="alignOff" val="0.65"/>
+                    </dgm:constrLst>
+                  </dgm:if>
+                  <dgm:if name="Name115" func="var" arg="hierBranch" op="equ" val="hang">
+                    <dgm:alg type="hierRoot"/>
+                    <dgm:shape xmlns:r="http://schemas.openxmlformats.org/officeDocument/2006/relationships" r:blip="">
+                      <dgm:adjLst/>
+                    </dgm:shape>
+                    <dgm:presOf/>
+                    <dgm:constrLst>
+                      <dgm:constr type="alignOff" val="0.65"/>
+                    </dgm:constrLst>
+                  </dgm:if>
+                  <dgm:if name="Name116" func="var" arg="hierBranch" op="equ" val="std">
+                    <dgm:alg type="hierRoot"/>
+                    <dgm:shape xmlns:r="http://schemas.openxmlformats.org/officeDocument/2006/relationships" r:blip="">
+                      <dgm:adjLst/>
+                    </dgm:shape>
+                    <dgm:presOf/>
+                    <dgm:constrLst>
+                      <dgm:constr type="alignOff"/>
+                      <dgm:constr type="bendDist" for="des" ptType="parTrans" refType="sp" fact="0.5"/>
+                    </dgm:constrLst>
+                  </dgm:if>
+                  <dgm:if name="Name117" func="var" arg="hierBranch" op="equ" val="init">
+                    <dgm:choose name="Name118">
+                      <dgm:if name="Name119" axis="des" func="maxDepth" op="lte" val="1">
+                        <dgm:alg type="hierRoot">
+                          <dgm:param type="hierAlign" val="tL"/>
+                        </dgm:alg>
+                        <dgm:shape xmlns:r="http://schemas.openxmlformats.org/officeDocument/2006/relationships" r:blip="">
+                          <dgm:adjLst/>
+                        </dgm:shape>
+                        <dgm:presOf/>
+                        <dgm:constrLst>
+                          <dgm:constr type="alignOff" val="0.65"/>
+                        </dgm:constrLst>
+                      </dgm:if>
+                      <dgm:else name="Name120">
+                        <dgm:alg type="hierRoot"/>
+                        <dgm:shape xmlns:r="http://schemas.openxmlformats.org/officeDocument/2006/relationships" r:blip="">
+                          <dgm:adjLst/>
+                        </dgm:shape>
+                        <dgm:presOf/>
+                        <dgm:constrLst>
+                          <dgm:constr type="alignOff"/>
+                          <dgm:constr type="bendDist" for="des" ptType="parTrans" refType="sp" fact="0.5"/>
+                        </dgm:constrLst>
+                      </dgm:else>
+                    </dgm:choose>
+                  </dgm:if>
+                  <dgm:else name="Name121"/>
+                </dgm:choose>
+                <dgm:ruleLst/>
+                <dgm:layoutNode name="rootComposite3">
+                  <dgm:alg type="composite"/>
+                  <dgm:shape xmlns:r="http://schemas.openxmlformats.org/officeDocument/2006/relationships" r:blip="">
+                    <dgm:adjLst/>
+                  </dgm:shape>
+                  <dgm:presOf axis="self" ptType="node" cnt="1"/>
+                  <dgm:choose name="Name122">
+                    <dgm:if name="Name123" func="var" arg="hierBranch" op="equ" val="init">
+                      <dgm:constrLst>
+                        <dgm:constr type="l" for="ch" forName="rootText3"/>
+                        <dgm:constr type="t" for="ch" forName="rootText3"/>
+                        <dgm:constr type="w" for="ch" forName="rootText3" refType="w"/>
+                        <dgm:constr type="h" for="ch" forName="rootText3" refType="h"/>
+                        <dgm:constr type="l" for="ch" forName="rootConnector3"/>
+                        <dgm:constr type="t" for="ch" forName="rootConnector3"/>
+                        <dgm:constr type="w" for="ch" forName="rootConnector3" refType="w" refFor="ch" refForName="rootText3" fact="0.2"/>
+                        <dgm:constr type="h" for="ch" forName="rootConnector3" refType="h" refFor="ch" refForName="rootText3"/>
+                      </dgm:constrLst>
+                    </dgm:if>
+                    <dgm:if name="Name124" func="var" arg="hierBranch" op="equ" val="l">
+                      <dgm:constrLst>
+                        <dgm:constr type="l" for="ch" forName="rootText3"/>
+                        <dgm:constr type="t" for="ch" forName="rootText3"/>
+                        <dgm:constr type="w" for="ch" forName="rootText3" refType="w"/>
+                        <dgm:constr type="h" for="ch" forName="rootText3" refType="h"/>
+                        <dgm:constr type="r" for="ch" forName="rootConnector3" refType="w"/>
+                        <dgm:constr type="t" for="ch" forName="rootConnector3"/>
+                        <dgm:constr type="w" for="ch" forName="rootConnector3" refType="w" refFor="ch" refForName="rootText3" fact="0.2"/>
+                        <dgm:constr type="h" for="ch" forName="rootConnector3" refType="h" refFor="ch" refForName="rootText3"/>
+                      </dgm:constrLst>
+                    </dgm:if>
+                    <dgm:if name="Name125" func="var" arg="hierBranch" op="equ" val="r">
+                      <dgm:constrLst>
+                        <dgm:constr type="l" for="ch" forName="rootText3"/>
+                        <dgm:constr type="t" for="ch" forName="rootText3"/>
+                        <dgm:constr type="w" for="ch" forName="rootText3" refType="w"/>
+                        <dgm:constr type="h" for="ch" forName="rootText3" refType="h"/>
+                        <dgm:constr type="l" for="ch" forName="rootConnector3"/>
+                        <dgm:constr type="t" for="ch" forName="rootConnector3"/>
+                        <dgm:constr type="w" for="ch" forName="rootConnector3" refType="w" refFor="ch" refForName="rootText3" fact="0.2"/>
+                        <dgm:constr type="h" for="ch" forName="rootConnector3" refType="h" refFor="ch" refForName="rootText3"/>
+                      </dgm:constrLst>
+                    </dgm:if>
+                    <dgm:else name="Name126">
+                      <dgm:constrLst>
+                        <dgm:constr type="l" for="ch" forName="rootText3"/>
+                        <dgm:constr type="t" for="ch" forName="rootText3"/>
+                        <dgm:constr type="w" for="ch" forName="rootText3" refType="w"/>
+                        <dgm:constr type="h" for="ch" forName="rootText3" refType="h"/>
+                        <dgm:constr type="r" for="ch" forName="rootConnector3" refType="w"/>
+                        <dgm:constr type="t" for="ch" forName="rootConnector3"/>
+                        <dgm:constr type="w" for="ch" forName="rootConnector3" refType="w" refFor="ch" refForName="rootText3" fact="0.2"/>
+                        <dgm:constr type="h" for="ch" forName="rootConnector3" refType="h" refFor="ch" refForName="rootText3"/>
+                      </dgm:constrLst>
+                    </dgm:else>
+                  </dgm:choose>
+                  <dgm:ruleLst/>
+                  <dgm:layoutNode name="rootText3">
+                    <dgm:varLst>
+                      <dgm:chPref val="3"/>
+                    </dgm:varLst>
+                    <dgm:alg type="tx"/>
+                    <dgm:shape xmlns:r="http://schemas.openxmlformats.org/officeDocument/2006/relationships" type="rect" r:blip="">
+                      <dgm:adjLst/>
+                    </dgm:shape>
+                    <dgm:presOf axis="self" ptType="node" cnt="1"/>
+                    <dgm:constrLst>
+                      <dgm:constr type="primFontSz" val="65"/>
+                      <dgm:constr type="lMarg" refType="primFontSz" fact="0.05"/>
+                      <dgm:constr type="rMarg" refType="primFontSz" fact="0.05"/>
+                      <dgm:constr type="tMarg" refType="primFontSz" fact="0.05"/>
+                      <dgm:constr type="bMarg" refType="primFontSz" fact="0.05"/>
+                    </dgm:constrLst>
+                    <dgm:ruleLst>
+                      <dgm:rule type="primFontSz" val="5" fact="NaN" max="NaN"/>
+                    </dgm:ruleLst>
+                  </dgm:layoutNode>
+                  <dgm:layoutNode name="rootConnector3" moveWith="rootText1">
+                    <dgm:alg type="sp"/>
+                    <dgm:shape xmlns:r="http://schemas.openxmlformats.org/officeDocument/2006/relationships" type="rect" r:blip="" hideGeom="1">
+                      <dgm:adjLst/>
+                    </dgm:shape>
+                    <dgm:presOf axis="self" ptType="node" cnt="1"/>
+                    <dgm:constrLst/>
+                    <dgm:ruleLst/>
+                  </dgm:layoutNode>
+                </dgm:layoutNode>
+                <dgm:layoutNode name="hierChild6">
+                  <dgm:choose name="Name127">
+                    <dgm:if name="Name128" func="var" arg="hierBranch" op="equ" val="l">
+                      <dgm:alg type="hierChild">
+                        <dgm:param type="chAlign" val="r"/>
+                        <dgm:param type="linDir" val="fromT"/>
+                      </dgm:alg>
+                    </dgm:if>
+                    <dgm:if name="Name129" func="var" arg="hierBranch" op="equ" val="r">
+                      <dgm:alg type="hierChild">
+                        <dgm:param type="chAlign" val="l"/>
+                        <dgm:param type="linDir" val="fromT"/>
+                      </dgm:alg>
+                    </dgm:if>
+                    <dgm:if name="Name130" func="var" arg="hierBranch" op="equ" val="hang">
+                      <dgm:choose name="Name131">
+                        <dgm:if name="Name132" func="var" arg="dir" op="equ" val="norm">
+                          <dgm:alg type="hierChild">
+                            <dgm:param type="chAlign" val="l"/>
+                            <dgm:param type="linDir" val="fromL"/>
+                            <dgm:param type="secChAlign" val="t"/>
+                            <dgm:param type="secLinDir" val="fromT"/>
+                          </dgm:alg>
+                        </dgm:if>
+                        <dgm:else name="Name133">
+                          <dgm:alg type="hierChild">
+                            <dgm:param type="chAlign" val="l"/>
+                            <dgm:param type="linDir" val="fromR"/>
+                            <dgm:param type="secChAlign" val="t"/>
+                            <dgm:param type="secLinDir" val="fromT"/>
+                          </dgm:alg>
+                        </dgm:else>
+                      </dgm:choose>
+                    </dgm:if>
+                    <dgm:if name="Name134" func="var" arg="hierBranch" op="equ" val="std">
+                      <dgm:choose name="Name135">
+                        <dgm:if name="Name136" func="var" arg="dir" op="equ" val="norm">
+                          <dgm:alg type="hierChild"/>
+                        </dgm:if>
+                        <dgm:else name="Name137">
+                          <dgm:alg type="hierChild">
+                            <dgm:param type="linDir" val="fromR"/>
+                          </dgm:alg>
+                        </dgm:else>
+                      </dgm:choose>
+                    </dgm:if>
+                    <dgm:if name="Name138" func="var" arg="hierBranch" op="equ" val="init">
+                      <dgm:choose name="Name139">
+                        <dgm:if name="Name140" axis="des" func="maxDepth" op="lte" val="1">
+                          <dgm:alg type="hierChild">
+                            <dgm:param type="chAlign" val="l"/>
+                            <dgm:param type="linDir" val="fromT"/>
+                          </dgm:alg>
+                        </dgm:if>
+                        <dgm:else name="Name141">
+                          <dgm:alg type="hierChild"/>
+                        </dgm:else>
+                      </dgm:choose>
+                    </dgm:if>
+                    <dgm:else name="Name142"/>
+                  </dgm:choose>
+                  <dgm:shape xmlns:r="http://schemas.openxmlformats.org/officeDocument/2006/relationships" r:blip="">
+                    <dgm:adjLst/>
+                  </dgm:shape>
+                  <dgm:presOf/>
+                  <dgm:constrLst/>
+                  <dgm:ruleLst/>
+                  <dgm:forEach name="Name143" ref="rep2a"/>
+                </dgm:layoutNode>
+                <dgm:layoutNode name="hierChild7">
+                  <dgm:choose name="Name144">
+                    <dgm:if name="Name145" func="var" arg="dir" op="equ" val="norm">
+                      <dgm:alg type="hierChild">
+                        <dgm:param type="chAlign" val="l"/>
+                        <dgm:param type="linDir" val="fromL"/>
+                        <dgm:param type="secChAlign" val="t"/>
+                        <dgm:param type="secLinDir" val="fromT"/>
+                      </dgm:alg>
+                    </dgm:if>
+                    <dgm:else name="Name146">
+                      <dgm:alg type="hierChild">
+                        <dgm:param type="chAlign" val="l"/>
+                        <dgm:param type="linDir" val="fromR"/>
+                        <dgm:param type="secChAlign" val="t"/>
+                        <dgm:param type="secLinDir" val="fromT"/>
+                      </dgm:alg>
+                    </dgm:else>
+                  </dgm:choose>
+                  <dgm:shape xmlns:r="http://schemas.openxmlformats.org/officeDocument/2006/relationships" r:blip="">
+                    <dgm:adjLst/>
+                  </dgm:shape>
+                  <dgm:presOf/>
+                  <dgm:constrLst/>
+                  <dgm:ruleLst/>
+                  <dgm:forEach name="Name147" ref="rep2b"/>
+                </dgm:layoutNode>
+              </dgm:layoutNode>
+            </dgm:forEach>
+          </dgm:layoutNode>
+        </dgm:layoutNode>
+      </dgm:forEach>
+    </dgm:forEach>
+  </dgm:layoutNode>
+</dgm:layoutDef>
+</file>
+
+<file path=ppt/diagrams/quickStyle1.xml><?xml version="1.0" encoding="utf-8"?>
+<dgm:styleDef xmlns:dgm="http://schemas.openxmlformats.org/drawingml/2006/diagram" xmlns:a="http://schemas.openxmlformats.org/drawingml/2006/main" uniqueId="urn:microsoft.com/office/officeart/2005/8/quickstyle/simple4">
+  <dgm:title val=""/>
+  <dgm:desc val=""/>
+  <dgm:catLst>
+    <dgm:cat type="simple" pri="10400"/>
+  </dgm:catLst>
+  <dgm:scene3d>
+    <a:camera prst="orthographicFront"/>
+    <a:lightRig rig="threePt" dir="t"/>
+  </dgm:scene3d>
+  <dgm:styleLbl name="node0">
+    <dgm:scene3d>
+      <a:camera prst="orthographicFront"/>
+      <a:lightRig rig="threePt" dir="t"/>
+    </dgm:scene3d>
+    <dgm:sp3d/>
+    <dgm:txPr/>
+    <dgm:style>
+      <a:lnRef idx="0">
+        <a:scrgbClr r="0" g="0" b="0"/>
+      </a:lnRef>
+      <a:fillRef idx="3">
+        <a:scrgbClr r="0" g="0" b="0"/>
+      </a:fillRef>
+      <a:effectRef idx="2">
+        <a:scrgbClr r="0" g="0" b="0"/>
+      </a:effectRef>
+      <a:fontRef idx="minor">
+        <a:schemeClr val="lt1"/>
+      </a:fontRef>
+    </dgm:style>
+  </dgm:styleLbl>
+  <dgm:styleLbl name="lnNode1">
+    <dgm:scene3d>
+      <a:camera prst="orthographicFront"/>
+      <a:lightRig rig="threePt" dir="t"/>
+    </dgm:scene3d>
+    <dgm:sp3d/>
+    <dgm:txPr/>
+    <dgm:style>
+      <a:lnRef idx="1">
+        <a:scrgbClr r="0" g="0" b="0"/>
+      </a:lnRef>
+      <a:fillRef idx="3">
+        <a:scrgbClr r="0" g="0" b="0"/>
+      </a:fillRef>
+      <a:effectRef idx="2">
+        <a:scrgbClr r="0" g="0" b="0"/>
+      </a:effectRef>
+      <a:fontRef idx="minor">
+        <a:schemeClr val="lt1"/>
+      </a:fontRef>
+    </dgm:style>
+  </dgm:styleLbl>
+  <dgm:styleLbl name="vennNode1">
+    <dgm:scene3d>
+      <a:camera prst="orthographicFront"/>
+      <a:lightRig rig="threePt" dir="t"/>
+    </dgm:scene3d>
+    <dgm:sp3d/>
+    <dgm:txPr/>
+    <dgm:style>
+      <a:lnRef idx="0">
+        <a:scrgbClr r="0" g="0" b="0"/>
+      </a:lnRef>
+      <a:fillRef idx="3">
+        <a:scrgbClr r="0" g="0" b="0"/>
+      </a:fillRef>
+      <a:effectRef idx="0">
+        <a:scrgbClr r="0" g="0" b="0"/>
+      </a:effectRef>
+      <a:fontRef idx="minor">
+        <a:schemeClr val="tx1"/>
+      </a:fontRef>
+    </dgm:style>
+  </dgm:styleLbl>
+  <dgm:styleLbl name="alignNode1">
+    <dgm:scene3d>
+      <a:camera prst="orthographicFront"/>
+      <a:lightRig rig="threePt" dir="t"/>
+    </dgm:scene3d>
+    <dgm:sp3d/>
+    <dgm:txPr/>
+    <dgm:style>
+      <a:lnRef idx="1">
+        <a:scrgbClr r="0" g="0" b="0"/>
+      </a:lnRef>
+      <a:fillRef idx="3">
+        <a:scrgbClr r="0" g="0" b="0"/>
+      </a:fillRef>
+      <a:effectRef idx="2">
+        <a:scrgbClr r="0" g="0" b="0"/>
+      </a:effectRef>
+      <a:fontRef idx="minor">
+        <a:schemeClr val="lt1"/>
+      </a:fontRef>
+    </dgm:style>
+  </dgm:styleLbl>
+  <dgm:styleLbl name="node1">
+    <dgm:scene3d>
+      <a:camera prst="orthographicFront"/>
+      <a:lightRig rig="threePt" dir="t"/>
+    </dgm:scene3d>
+    <dgm:sp3d/>
+    <dgm:txPr/>
+    <dgm:style>
+      <a:lnRef idx="0">
+        <a:scrgbClr r="0" g="0" b="0"/>
+      </a:lnRef>
+      <a:fillRef idx="3">
+        <a:scrgbClr r="0" g="0" b="0"/>
+      </a:fillRef>
+      <a:effectRef idx="2">
+        <a:scrgbClr r="0" g="0" b="0"/>
+      </a:effectRef>
+      <a:fontRef idx="minor">
+        <a:schemeClr val="lt1"/>
+      </a:fontRef>
+    </dgm:style>
+  </dgm:styleLbl>
+  <dgm:styleLbl name="node2">
+    <dgm:scene3d>
+      <a:camera prst="orthographicFront"/>
+      <a:lightRig rig="threePt" dir="t"/>
+    </dgm:scene3d>
+    <dgm:sp3d/>
+    <dgm:txPr/>
+    <dgm:style>
+      <a:lnRef idx="0">
+        <a:scrgbClr r="0" g="0" b="0"/>
+      </a:lnRef>
+      <a:fillRef idx="3">
+        <a:scrgbClr r="0" g="0" b="0"/>
+      </a:fillRef>
+      <a:effectRef idx="2">
+        <a:scrgbClr r="0" g="0" b="0"/>
+      </a:effectRef>
+      <a:fontRef idx="minor">
+        <a:schemeClr val="lt1"/>
+      </a:fontRef>
+    </dgm:style>
+  </dgm:styleLbl>
+  <dgm:styleLbl name="node3">
+    <dgm:scene3d>
+      <a:camera prst="orthographicFront"/>
+      <a:lightRig rig="threePt" dir="t"/>
+    </dgm:scene3d>
+    <dgm:sp3d/>
+    <dgm:txPr/>
+    <dgm:style>
+      <a:lnRef idx="0">
+        <a:scrgbClr r="0" g="0" b="0"/>
+      </a:lnRef>
+      <a:fillRef idx="3">
+        <a:scrgbClr r="0" g="0" b="0"/>
+      </a:fillRef>
+      <a:effectRef idx="2">
+        <a:scrgbClr r="0" g="0" b="0"/>
+      </a:effectRef>
+      <a:fontRef idx="minor">
+        <a:schemeClr val="lt1"/>
+      </a:fontRef>
+    </dgm:style>
+  </dgm:styleLbl>
+  <dgm:styleLbl name="node4">
+    <dgm:scene3d>
+      <a:camera prst="orthographicFront"/>
+      <a:lightRig rig="threePt" dir="t"/>
+    </dgm:scene3d>
+    <dgm:sp3d/>
+    <dgm:txPr/>
+    <dgm:style>
+      <a:lnRef idx="0">
+        <a:scrgbClr r="0" g="0" b="0"/>
+      </a:lnRef>
+      <a:fillRef idx="3">
+        <a:scrgbClr r="0" g="0" b="0"/>
+      </a:fillRef>
+      <a:effectRef idx="2">
+        <a:scrgbClr r="0" g="0" b="0"/>
+      </a:effectRef>
+      <a:fontRef idx="minor">
+        <a:schemeClr val="lt1"/>
+      </a:fontRef>
+    </dgm:style>
+  </dgm:styleLbl>
+  <dgm:styleLbl name="fgImgPlace1">
+    <dgm:scene3d>
+      <a:camera prst="orthographicFront"/>
+      <a:lightRig rig="threePt" dir="t"/>
+    </dgm:scene3d>
+    <dgm:sp3d/>
+    <dgm:txPr/>
+    <dgm:style>
+      <a:lnRef idx="0">
+        <a:scrgbClr r="0" g="0" b="0"/>
+      </a:lnRef>
+      <a:fillRef idx="1">
+        <a:scrgbClr r="0" g="0" b="0"/>
+      </a:fillRef>
+      <a:effectRef idx="2">
+        <a:scrgbClr r="0" g="0" b="0"/>
+      </a:effectRef>
+      <a:fontRef idx="minor"/>
+    </dgm:style>
+  </dgm:styleLbl>
+  <dgm:styleLbl name="alignImgPlace1">
+    <dgm:scene3d>
+      <a:camera prst="orthographicFront"/>
+      <a:lightRig rig="threePt" dir="t"/>
+    </dgm:scene3d>
+    <dgm:sp3d/>
+    <dgm:txPr/>
+    <dgm:style>
+      <a:lnRef idx="0">
+        <a:scrgbClr r="0" g="0" b="0"/>
+      </a:lnRef>
+      <a:fillRef idx="1">
+        <a:scrgbClr r="0" g="0" b="0"/>
+      </a:fillRef>
+      <a:effectRef idx="2">
+        <a:scrgbClr r="0" g="0" b="0"/>
+      </a:effectRef>
+      <a:fontRef idx="minor"/>
+    </dgm:style>
+  </dgm:styleLbl>
+  <dgm:styleLbl name="bgImgPlace1">
+    <dgm:scene3d>
+      <a:camera prst="orthographicFront"/>
+      <a:lightRig rig="threePt" dir="t"/>
+    </dgm:scene3d>
+    <dgm:sp3d/>
+    <dgm:txPr/>
+    <dgm:style>
+      <a:lnRef idx="0">
+        <a:scrgbClr r="0" g="0" b="0"/>
+      </a:lnRef>
+      <a:fillRef idx="1">
+        <a:scrgbClr r="0" g="0" b="0"/>
+      </a:fillRef>
+      <a:effectRef idx="2">
+        <a:scrgbClr r="0" g="0" b="0"/>
+      </a:effectRef>
+      <a:fontRef idx="minor"/>
+    </dgm:style>
+  </dgm:styleLbl>
+  <dgm:styleLbl name="sibTrans2D1">
+    <dgm:scene3d>
+      <a:camera prst="orthographicFront"/>
+      <a:lightRig rig="threePt" dir="t"/>
+    </dgm:scene3d>
+    <dgm:sp3d/>
+    <dgm:txPr/>
+    <dgm:style>
+      <a:lnRef idx="0">
+        <a:scrgbClr r="0" g="0" b="0"/>
+      </a:lnRef>
+      <a:fillRef idx="3">
+        <a:scrgbClr r="0" g="0" b="0"/>
+      </a:fillRef>
+      <a:effectRef idx="2">
+        <a:scrgbClr r="0" g="0" b="0"/>
+      </a:effectRef>
+      <a:fontRef idx="minor">
+        <a:schemeClr val="lt1"/>
+      </a:fontRef>
+    </dgm:style>
+  </dgm:styleLbl>
+  <dgm:styleLbl name="fgSibTrans2D1">
+    <dgm:scene3d>
+      <a:camera prst="orthographicFront"/>
+      <a:lightRig rig="threePt" dir="t"/>
+    </dgm:scene3d>
+    <dgm:sp3d/>
+    <dgm:txPr/>
+    <dgm:style>
+      <a:lnRef idx="0">
+        <a:scrgbClr r="0" g="0" b="0"/>
+      </a:lnRef>
+      <a:fillRef idx="3">
+        <a:scrgbClr r="0" g="0" b="0"/>
+      </a:fillRef>
+      <a:effectRef idx="2">
+        <a:scrgbClr r="0" g="0" b="0"/>
+      </a:effectRef>
+      <a:fontRef idx="minor">
+        <a:schemeClr val="lt1"/>
+      </a:fontRef>
+    </dgm:style>
+  </dgm:styleLbl>
+  <dgm:styleLbl name="bgSibTrans2D1">
+    <dgm:scene3d>
+      <a:camera prst="orthographicFront"/>
+      <a:lightRig rig="threePt" dir="t"/>
+    </dgm:scene3d>
+    <dgm:sp3d/>
+    <dgm:txPr/>
+    <dgm:style>
+      <a:lnRef idx="0">
+        <a:scrgbClr r="0" g="0" b="0"/>
+      </a:lnRef>
+      <a:fillRef idx="3">
+        <a:scrgbClr r="0" g="0" b="0"/>
+      </a:fillRef>
+      <a:effectRef idx="2">
+        <a:scrgbClr r="0" g="0" b="0"/>
+      </a:effectRef>
+      <a:fontRef idx="minor">
+        <a:schemeClr val="lt1"/>
+      </a:fontRef>
+    </dgm:style>
+  </dgm:styleLbl>
+  <dgm:styleLbl name="sibTrans1D1">
+    <dgm:scene3d>
+      <a:camera prst="orthographicFront"/>
+      <a:lightRig rig="threePt" dir="t"/>
+    </dgm:scene3d>
+    <dgm:sp3d/>
+    <dgm:txPr/>
+    <dgm:style>
+      <a:lnRef idx="1">
+        <a:scrgbClr r="0" g="0" b="0"/>
+      </a:lnRef>
+      <a:fillRef idx="0">
+        <a:scrgbClr r="0" g="0" b="0"/>
+      </a:fillRef>
+      <a:effectRef idx="0">
+        <a:scrgbClr r="0" g="0" b="0"/>
+      </a:effectRef>
+      <a:fontRef idx="minor"/>
+    </dgm:style>
+  </dgm:styleLbl>
+  <dgm:styleLbl name="callout">
+    <dgm:scene3d>
+      <a:camera prst="orthographicFront"/>
+      <a:lightRig rig="threePt" dir="t"/>
+    </dgm:scene3d>
+    <dgm:sp3d/>
+    <dgm:txPr/>
+    <dgm:style>
+      <a:lnRef idx="2">
+        <a:scrgbClr r="0" g="0" b="0"/>
+      </a:lnRef>
+      <a:fillRef idx="1">
+        <a:scrgbClr r="0" g="0" b="0"/>
+      </a:fillRef>
+      <a:effectRef idx="1">
+        <a:scrgbClr r="0" g="0" b="0"/>
+      </a:effectRef>
+      <a:fontRef idx="minor"/>
+    </dgm:style>
+  </dgm:styleLbl>
+  <dgm:styleLbl name="asst0">
+    <dgm:scene3d>
+      <a:camera prst="orthographicFront"/>
+      <a:lightRig rig="threePt" dir="t"/>
+    </dgm:scene3d>
+    <dgm:sp3d/>
+    <dgm:txPr/>
+    <dgm:style>
+      <a:lnRef idx="0">
+        <a:scrgbClr r="0" g="0" b="0"/>
+      </a:lnRef>
+      <a:fillRef idx="3">
+        <a:scrgbClr r="0" g="0" b="0"/>
+      </a:fillRef>
+      <a:effectRef idx="2">
+        <a:scrgbClr r="0" g="0" b="0"/>
+      </a:effectRef>
+      <a:fontRef idx="minor">
+        <a:schemeClr val="lt1"/>
+      </a:fontRef>
+    </dgm:style>
+  </dgm:styleLbl>
+  <dgm:styleLbl name="asst1">
+    <dgm:scene3d>
+      <a:camera prst="orthographicFront"/>
+      <a:lightRig rig="threePt" dir="t"/>
+    </dgm:scene3d>
+    <dgm:sp3d/>
+    <dgm:txPr/>
+    <dgm:style>
+      <a:lnRef idx="0">
+        <a:scrgbClr r="0" g="0" b="0"/>
+      </a:lnRef>
+      <a:fillRef idx="3">
+        <a:scrgbClr r="0" g="0" b="0"/>
+      </a:fillRef>
+      <a:effectRef idx="2">
+        <a:scrgbClr r="0" g="0" b="0"/>
+      </a:effectRef>
+      <a:fontRef idx="minor">
+        <a:schemeClr val="lt1"/>
+      </a:fontRef>
+    </dgm:style>
+  </dgm:styleLbl>
+  <dgm:styleLbl name="asst2">
+    <dgm:scene3d>
+      <a:camera prst="orthographicFront"/>
+      <a:lightRig rig="threePt" dir="t"/>
+    </dgm:scene3d>
+    <dgm:sp3d/>
+    <dgm:txPr/>
+    <dgm:style>
+      <a:lnRef idx="0">
+        <a:scrgbClr r="0" g="0" b="0"/>
+      </a:lnRef>
+      <a:fillRef idx="3">
+        <a:scrgbClr r="0" g="0" b="0"/>
+      </a:fillRef>
+      <a:effectRef idx="2">
+        <a:scrgbClr r="0" g="0" b="0"/>
+      </a:effectRef>
+      <a:fontRef idx="minor">
+        <a:schemeClr val="lt1"/>
+      </a:fontRef>
+    </dgm:style>
+  </dgm:styleLbl>
+  <dgm:styleLbl name="asst3">
+    <dgm:scene3d>
+      <a:camera prst="orthographicFront"/>
+      <a:lightRig rig="threePt" dir="t"/>
+    </dgm:scene3d>
+    <dgm:sp3d/>
+    <dgm:txPr/>
+    <dgm:style>
+      <a:lnRef idx="0">
+        <a:scrgbClr r="0" g="0" b="0"/>
+      </a:lnRef>
+      <a:fillRef idx="3">
+        <a:scrgbClr r="0" g="0" b="0"/>
+      </a:fillRef>
+      <a:effectRef idx="2">
+        <a:scrgbClr r="0" g="0" b="0"/>
+      </a:effectRef>
+      <a:fontRef idx="minor">
+        <a:schemeClr val="lt1"/>
+      </a:fontRef>
+    </dgm:style>
+  </dgm:styleLbl>
+  <dgm:styleLbl name="asst4">
+    <dgm:scene3d>
+      <a:camera prst="orthographicFront"/>
+      <a:lightRig rig="threePt" dir="t"/>
+    </dgm:scene3d>
+    <dgm:sp3d/>
+    <dgm:txPr/>
+    <dgm:style>
+      <a:lnRef idx="0">
+        <a:scrgbClr r="0" g="0" b="0"/>
+      </a:lnRef>
+      <a:fillRef idx="3">
+        <a:scrgbClr r="0" g="0" b="0"/>
+      </a:fillRef>
+      <a:effectRef idx="2">
+        <a:scrgbClr r="0" g="0" b="0"/>
+      </a:effectRef>
+      <a:fontRef idx="minor">
+        <a:schemeClr val="lt1"/>
+      </a:fontRef>
+    </dgm:style>
+  </dgm:styleLbl>
+  <dgm:styleLbl name="parChTrans2D1">
+    <dgm:scene3d>
+      <a:camera prst="orthographicFront"/>
+      <a:lightRig rig="threePt" dir="t"/>
+    </dgm:scene3d>
+    <dgm:sp3d/>
+    <dgm:txPr/>
+    <dgm:style>
+      <a:lnRef idx="0">
+        <a:scrgbClr r="0" g="0" b="0"/>
+      </a:lnRef>
+      <a:fillRef idx="3">
+        <a:scrgbClr r="0" g="0" b="0"/>
+      </a:fillRef>
+      <a:effectRef idx="2">
+        <a:scrgbClr r="0" g="0" b="0"/>
+      </a:effectRef>
+      <a:fontRef idx="minor">
+        <a:schemeClr val="lt1"/>
+      </a:fontRef>
+    </dgm:style>
+  </dgm:styleLbl>
+  <dgm:styleLbl name="parChTrans2D2">
+    <dgm:scene3d>
+      <a:camera prst="orthographicFront"/>
+      <a:lightRig rig="threePt" dir="t"/>
+    </dgm:scene3d>
+    <dgm:sp3d/>
+    <dgm:txPr/>
+    <dgm:style>
+      <a:lnRef idx="0">
+        <a:scrgbClr r="0" g="0" b="0"/>
+      </a:lnRef>
+      <a:fillRef idx="3">
+        <a:scrgbClr r="0" g="0" b="0"/>
+      </a:fillRef>
+      <a:effectRef idx="2">
+        <a:scrgbClr r="0" g="0" b="0"/>
+      </a:effectRef>
+      <a:fontRef idx="minor">
+        <a:schemeClr val="lt1"/>
+      </a:fontRef>
+    </dgm:style>
+  </dgm:styleLbl>
+  <dgm:styleLbl name="parChTrans2D3">
+    <dgm:scene3d>
+      <a:camera prst="orthographicFront"/>
+      <a:lightRig rig="threePt" dir="t"/>
+    </dgm:scene3d>
+    <dgm:sp3d/>
+    <dgm:txPr/>
+    <dgm:style>
+      <a:lnRef idx="1">
+        <a:scrgbClr r="0" g="0" b="0"/>
+      </a:lnRef>
+      <a:fillRef idx="3">
+        <a:scrgbClr r="0" g="0" b="0"/>
+      </a:fillRef>
+      <a:effectRef idx="2">
+        <a:scrgbClr r="0" g="0" b="0"/>
+      </a:effectRef>
+      <a:fontRef idx="minor">
+        <a:schemeClr val="lt1"/>
+      </a:fontRef>
+    </dgm:style>
+  </dgm:styleLbl>
+  <dgm:styleLbl name="parChTrans2D4">
+    <dgm:scene3d>
+      <a:camera prst="orthographicFront"/>
+      <a:lightRig rig="threePt" dir="t"/>
+    </dgm:scene3d>
+    <dgm:sp3d/>
+    <dgm:txPr/>
+    <dgm:style>
+      <a:lnRef idx="1">
+        <a:scrgbClr r="0" g="0" b="0"/>
+      </a:lnRef>
+      <a:fillRef idx="3">
+        <a:scrgbClr r="0" g="0" b="0"/>
+      </a:fillRef>
+      <a:effectRef idx="2">
+        <a:scrgbClr r="0" g="0" b="0"/>
+      </a:effectRef>
+      <a:fontRef idx="minor">
+        <a:schemeClr val="lt1"/>
+      </a:fontRef>
+    </dgm:style>
+  </dgm:styleLbl>
+  <dgm:styleLbl name="parChTrans1D1">
+    <dgm:scene3d>
+      <a:camera prst="orthographicFront"/>
+      <a:lightRig rig="threePt" dir="t"/>
+    </dgm:scene3d>
+    <dgm:sp3d/>
+    <dgm:txPr/>
+    <dgm:style>
+      <a:lnRef idx="1">
+        <a:scrgbClr r="0" g="0" b="0"/>
+      </a:lnRef>
+      <a:fillRef idx="0">
+        <a:scrgbClr r="0" g="0" b="0"/>
+      </a:fillRef>
+      <a:effectRef idx="0">
+        <a:scrgbClr r="0" g="0" b="0"/>
+      </a:effectRef>
+      <a:fontRef idx="minor"/>
+    </dgm:style>
+  </dgm:styleLbl>
+  <dgm:styleLbl name="parChTrans1D2">
+    <dgm:scene3d>
+      <a:camera prst="orthographicFront"/>
+      <a:lightRig rig="threePt" dir="t"/>
+    </dgm:scene3d>
+    <dgm:sp3d/>
+    <dgm:txPr/>
+    <dgm:style>
+      <a:lnRef idx="1">
+        <a:scrgbClr r="0" g="0" b="0"/>
+      </a:lnRef>
+      <a:fillRef idx="0">
+        <a:scrgbClr r="0" g="0" b="0"/>
+      </a:fillRef>
+      <a:effectRef idx="0">
+        <a:scrgbClr r="0" g="0" b="0"/>
+      </a:effectRef>
+      <a:fontRef idx="minor"/>
+    </dgm:style>
+  </dgm:styleLbl>
+  <dgm:styleLbl name="parChTrans1D3">
+    <dgm:scene3d>
+      <a:camera prst="orthographicFront"/>
+      <a:lightRig rig="threePt" dir="t"/>
+    </dgm:scene3d>
+    <dgm:sp3d/>
+    <dgm:txPr/>
+    <dgm:style>
+      <a:lnRef idx="1">
+        <a:scrgbClr r="0" g="0" b="0"/>
+      </a:lnRef>
+      <a:fillRef idx="0">
+        <a:scrgbClr r="0" g="0" b="0"/>
+      </a:fillRef>
+      <a:effectRef idx="0">
+        <a:scrgbClr r="0" g="0" b="0"/>
+      </a:effectRef>
+      <a:fontRef idx="minor"/>
+    </dgm:style>
+  </dgm:styleLbl>
+  <dgm:styleLbl name="parChTrans1D4">
+    <dgm:scene3d>
+      <a:camera prst="orthographicFront"/>
+      <a:lightRig rig="threePt" dir="t"/>
+    </dgm:scene3d>
+    <dgm:sp3d/>
+    <dgm:txPr/>
+    <dgm:style>
+      <a:lnRef idx="1">
+        <a:scrgbClr r="0" g="0" b="0"/>
+      </a:lnRef>
+      <a:fillRef idx="0">
+        <a:scrgbClr r="0" g="0" b="0"/>
+      </a:fillRef>
+      <a:effectRef idx="0">
+        <a:scrgbClr r="0" g="0" b="0"/>
+      </a:effectRef>
+      <a:fontRef idx="minor"/>
+    </dgm:style>
+  </dgm:styleLbl>
+  <dgm:styleLbl name="fgAcc1">
+    <dgm:scene3d>
+      <a:camera prst="orthographicFront"/>
+      <a:lightRig rig="threePt" dir="t"/>
+    </dgm:scene3d>
+    <dgm:sp3d/>
+    <dgm:txPr/>
+    <dgm:style>
+      <a:lnRef idx="1">
+        <a:scrgbClr r="0" g="0" b="0"/>
+      </a:lnRef>
+      <a:fillRef idx="1">
+        <a:scrgbClr r="0" g="0" b="0"/>
+      </a:fillRef>
+      <a:effectRef idx="0">
+        <a:scrgbClr r="0" g="0" b="0"/>
+      </a:effectRef>
+      <a:fontRef idx="minor"/>
+    </dgm:style>
+  </dgm:styleLbl>
+  <dgm:styleLbl name="conFgAcc1">
+    <dgm:scene3d>
+      <a:camera prst="orthographicFront"/>
+      <a:lightRig rig="threePt" dir="t"/>
+    </dgm:scene3d>
+    <dgm:sp3d/>
+    <dgm:txPr/>
+    <dgm:style>
+      <a:lnRef idx="1">
+        <a:scrgbClr r="0" g="0" b="0"/>
+      </a:lnRef>
+      <a:fillRef idx="1">
+        <a:scrgbClr r="0" g="0" b="0"/>
+      </a:fillRef>
+      <a:effectRef idx="0">
+        <a:scrgbClr r="0" g="0" b="0"/>
+      </a:effectRef>
+      <a:fontRef idx="minor"/>
+    </dgm:style>
+  </dgm:styleLbl>
+  <dgm:styleLbl name="alignAcc1">
+    <dgm:scene3d>
+      <a:camera prst="orthographicFront"/>
+      <a:lightRig rig="threePt" dir="t"/>
+    </dgm:scene3d>
+    <dgm:sp3d/>
+    <dgm:txPr/>
+    <dgm:style>
+      <a:lnRef idx="1">
+        <a:scrgbClr r="0" g="0" b="0"/>
+      </a:lnRef>
+      <a:fillRef idx="1">
+        <a:scrgbClr r="0" g="0" b="0"/>
+      </a:fillRef>
+      <a:effectRef idx="0">
+        <a:scrgbClr r="0" g="0" b="0"/>
+      </a:effectRef>
+      <a:fontRef idx="minor"/>
+    </dgm:style>
+  </dgm:styleLbl>
+  <dgm:styleLbl name="trAlignAcc1">
+    <dgm:scene3d>
+      <a:camera prst="orthographicFront"/>
+      <a:lightRig rig="threePt" dir="t"/>
+    </dgm:scene3d>
+    <dgm:sp3d/>
+    <dgm:txPr/>
+    <dgm:style>
+      <a:lnRef idx="1">
+        <a:scrgbClr r="0" g="0" b="0"/>
+      </a:lnRef>
+      <a:fillRef idx="1">
+        <a:scrgbClr r="0" g="0" b="0"/>
+      </a:fillRef>
+      <a:effectRef idx="0">
+        <a:scrgbClr r="0" g="0" b="0"/>
+      </a:effectRef>
+      <a:fontRef idx="minor"/>
+    </dgm:style>
+  </dgm:styleLbl>
+  <dgm:styleLbl name="bgAcc1">
+    <dgm:scene3d>
+      <a:camera prst="orthographicFront"/>
+      <a:lightRig rig="threePt" dir="t"/>
+    </dgm:scene3d>
+    <dgm:sp3d/>
+    <dgm:txPr/>
+    <dgm:style>
+      <a:lnRef idx="1">
+        <a:scrgbClr r="0" g="0" b="0"/>
+      </a:lnRef>
+      <a:fillRef idx="1">
+        <a:scrgbClr r="0" g="0" b="0"/>
+      </a:fillRef>
+      <a:effectRef idx="0">
+        <a:scrgbClr r="0" g="0" b="0"/>
+      </a:effectRef>
+      <a:fontRef idx="minor"/>
+    </dgm:style>
+  </dgm:styleLbl>
+  <dgm:styleLbl name="solidFgAcc1">
+    <dgm:scene3d>
+      <a:camera prst="orthographicFront"/>
+      <a:lightRig rig="threePt" dir="t"/>
+    </dgm:scene3d>
+    <dgm:sp3d/>
+    <dgm:txPr/>
+    <dgm:style>
+      <a:lnRef idx="1">
+        <a:scrgbClr r="0" g="0" b="0"/>
+      </a:lnRef>
+      <a:fillRef idx="1">
+        <a:scrgbClr r="0" g="0" b="0"/>
+      </a:fillRef>
+      <a:effectRef idx="0">
+        <a:scrgbClr r="0" g="0" b="0"/>
+      </a:effectRef>
+      <a:fontRef idx="minor"/>
+    </dgm:style>
+  </dgm:styleLbl>
+  <dgm:styleLbl name="solidAlignAcc1">
+    <dgm:scene3d>
+      <a:camera prst="orthographicFront"/>
+      <a:lightRig rig="threePt" dir="t"/>
+    </dgm:scene3d>
+    <dgm:sp3d/>
+    <dgm:txPr/>
+    <dgm:style>
+      <a:lnRef idx="1">
+        <a:scrgbClr r="0" g="0" b="0"/>
+      </a:lnRef>
+      <a:fillRef idx="1">
+        <a:scrgbClr r="0" g="0" b="0"/>
+      </a:fillRef>
+      <a:effectRef idx="0">
+        <a:scrgbClr r="0" g="0" b="0"/>
+      </a:effectRef>
+      <a:fontRef idx="minor"/>
+    </dgm:style>
+  </dgm:styleLbl>
+  <dgm:styleLbl name="solidBgAcc1">
+    <dgm:scene3d>
+      <a:camera prst="orthographicFront"/>
+      <a:lightRig rig="threePt" dir="t"/>
+    </dgm:scene3d>
+    <dgm:sp3d/>
+    <dgm:txPr/>
+    <dgm:style>
+      <a:lnRef idx="1">
+        <a:scrgbClr r="0" g="0" b="0"/>
+      </a:lnRef>
+      <a:fillRef idx="1">
+        <a:scrgbClr r="0" g="0" b="0"/>
+      </a:fillRef>
+      <a:effectRef idx="0">
+        <a:scrgbClr r="0" g="0" b="0"/>
+      </a:effectRef>
+      <a:fontRef idx="minor"/>
+    </dgm:style>
+  </dgm:styleLbl>
+  <dgm:styleLbl name="fgAccFollowNode1">
+    <dgm:scene3d>
+      <a:camera prst="orthographicFront"/>
+      <a:lightRig rig="threePt" dir="t"/>
+    </dgm:scene3d>
+    <dgm:sp3d/>
+    <dgm:txPr/>
+    <dgm:style>
+      <a:lnRef idx="1">
+        <a:scrgbClr r="0" g="0" b="0"/>
+      </a:lnRef>
+      <a:fillRef idx="1">
+        <a:scrgbClr r="0" g="0" b="0"/>
+      </a:fillRef>
+      <a:effectRef idx="0">
+        <a:scrgbClr r="0" g="0" b="0"/>
+      </a:effectRef>
+      <a:fontRef idx="minor"/>
+    </dgm:style>
+  </dgm:styleLbl>
+  <dgm:styleLbl name="alignAccFollowNode1">
+    <dgm:scene3d>
+      <a:camera prst="orthographicFront"/>
+      <a:lightRig rig="threePt" dir="t"/>
+    </dgm:scene3d>
+    <dgm:sp3d/>
+    <dgm:txPr/>
+    <dgm:style>
+      <a:lnRef idx="1">
+        <a:scrgbClr r="0" g="0" b="0"/>
+      </a:lnRef>
+      <a:fillRef idx="1">
+        <a:scrgbClr r="0" g="0" b="0"/>
+      </a:fillRef>
+      <a:effectRef idx="0">
+        <a:scrgbClr r="0" g="0" b="0"/>
+      </a:effectRef>
+      <a:fontRef idx="minor"/>
+    </dgm:style>
+  </dgm:styleLbl>
+  <dgm:styleLbl name="bgAccFollowNode1">
+    <dgm:scene3d>
+      <a:camera prst="orthographicFront"/>
+      <a:lightRig rig="threePt" dir="t"/>
+    </dgm:scene3d>
+    <dgm:sp3d/>
+    <dgm:txPr/>
+    <dgm:style>
+      <a:lnRef idx="1">
+        <a:scrgbClr r="0" g="0" b="0"/>
+      </a:lnRef>
+      <a:fillRef idx="1">
+        <a:scrgbClr r="0" g="0" b="0"/>
+      </a:fillRef>
+      <a:effectRef idx="0">
+        <a:scrgbClr r="0" g="0" b="0"/>
+      </a:effectRef>
+      <a:fontRef idx="minor"/>
+    </dgm:style>
+  </dgm:styleLbl>
+  <dgm:styleLbl name="fgAcc0">
+    <dgm:scene3d>
+      <a:camera prst="orthographicFront"/>
+      <a:lightRig rig="threePt" dir="t"/>
+    </dgm:scene3d>
+    <dgm:sp3d/>
+    <dgm:txPr/>
+    <dgm:style>
+      <a:lnRef idx="1">
+        <a:scrgbClr r="0" g="0" b="0"/>
+      </a:lnRef>
+      <a:fillRef idx="1">
+        <a:scrgbClr r="0" g="0" b="0"/>
+      </a:fillRef>
+      <a:effectRef idx="0">
+        <a:scrgbClr r="0" g="0" b="0"/>
+      </a:effectRef>
+      <a:fontRef idx="minor"/>
+    </dgm:style>
+  </dgm:styleLbl>
+  <dgm:styleLbl name="fgAcc2">
+    <dgm:scene3d>
+      <a:camera prst="orthographicFront"/>
+      <a:lightRig rig="threePt" dir="t"/>
+    </dgm:scene3d>
+    <dgm:sp3d/>
+    <dgm:txPr/>
+    <dgm:style>
+      <a:lnRef idx="1">
+        <a:scrgbClr r="0" g="0" b="0"/>
+      </a:lnRef>
+      <a:fillRef idx="1">
+        <a:scrgbClr r="0" g="0" b="0"/>
+      </a:fillRef>
+      <a:effectRef idx="0">
+        <a:scrgbClr r="0" g="0" b="0"/>
+      </a:effectRef>
+      <a:fontRef idx="minor"/>
+    </dgm:style>
+  </dgm:styleLbl>
+  <dgm:styleLbl name="fgAcc3">
+    <dgm:scene3d>
+      <a:camera prst="orthographicFront"/>
+      <a:lightRig rig="threePt" dir="t"/>
+    </dgm:scene3d>
+    <dgm:sp3d/>
+    <dgm:txPr/>
+    <dgm:style>
+      <a:lnRef idx="1">
+        <a:scrgbClr r="0" g="0" b="0"/>
+      </a:lnRef>
+      <a:fillRef idx="1">
+        <a:scrgbClr r="0" g="0" b="0"/>
+      </a:fillRef>
+      <a:effectRef idx="0">
+        <a:scrgbClr r="0" g="0" b="0"/>
+      </a:effectRef>
+      <a:fontRef idx="minor"/>
+    </dgm:style>
+  </dgm:styleLbl>
+  <dgm:styleLbl name="fgAcc4">
+    <dgm:scene3d>
+      <a:camera prst="orthographicFront"/>
+      <a:lightRig rig="threePt" dir="t"/>
+    </dgm:scene3d>
+    <dgm:sp3d/>
+    <dgm:txPr/>
+    <dgm:style>
+      <a:lnRef idx="1">
+        <a:scrgbClr r="0" g="0" b="0"/>
+      </a:lnRef>
+      <a:fillRef idx="1">
+        <a:scrgbClr r="0" g="0" b="0"/>
+      </a:fillRef>
+      <a:effectRef idx="0">
+        <a:scrgbClr r="0" g="0" b="0"/>
+      </a:effectRef>
+      <a:fontRef idx="minor"/>
+    </dgm:style>
+  </dgm:styleLbl>
+  <dgm:styleLbl name="bgShp">
+    <dgm:scene3d>
+      <a:camera prst="orthographicFront"/>
+      <a:lightRig rig="threePt" dir="t"/>
+    </dgm:scene3d>
+    <dgm:sp3d/>
+    <dgm:txPr/>
+    <dgm:style>
+      <a:lnRef idx="0">
+        <a:scrgbClr r="0" g="0" b="0"/>
+      </a:lnRef>
+      <a:fillRef idx="1">
+        <a:scrgbClr r="0" g="0" b="0"/>
+      </a:fillRef>
+      <a:effectRef idx="2">
+        <a:scrgbClr r="0" g="0" b="0"/>
+      </a:effectRef>
+      <a:fontRef idx="minor"/>
+    </dgm:style>
+  </dgm:styleLbl>
+  <dgm:styleLbl name="dkBgShp">
+    <dgm:scene3d>
+      <a:camera prst="orthographicFront"/>
+      <a:lightRig rig="threePt" dir="t"/>
+    </dgm:scene3d>
+    <dgm:sp3d/>
+    <dgm:txPr/>
+    <dgm:style>
+      <a:lnRef idx="0">
+        <a:scrgbClr r="0" g="0" b="0"/>
+      </a:lnRef>
+      <a:fillRef idx="1">
+        <a:scrgbClr r="0" g="0" b="0"/>
+      </a:fillRef>
+      <a:effectRef idx="2">
+        <a:scrgbClr r="0" g="0" b="0"/>
+      </a:effectRef>
+      <a:fontRef idx="minor"/>
+    </dgm:style>
+  </dgm:styleLbl>
+  <dgm:styleLbl name="trBgShp">
+    <dgm:scene3d>
+      <a:camera prst="orthographicFront"/>
+      <a:lightRig rig="threePt" dir="t"/>
+    </dgm:scene3d>
+    <dgm:sp3d/>
+    <dgm:txPr/>
+    <dgm:style>
+      <a:lnRef idx="0">
+        <a:scrgbClr r="0" g="0" b="0"/>
+      </a:lnRef>
+      <a:fillRef idx="1">
+        <a:scrgbClr r="0" g="0" b="0"/>
+      </a:fillRef>
+      <a:effectRef idx="0">
+        <a:scrgbClr r="0" g="0" b="0"/>
+      </a:effectRef>
+      <a:fontRef idx="minor"/>
+    </dgm:style>
+  </dgm:styleLbl>
+  <dgm:styleLbl name="fgShp">
+    <dgm:scene3d>
+      <a:camera prst="orthographicFront"/>
+      <a:lightRig rig="threePt" dir="t"/>
+    </dgm:scene3d>
+    <dgm:sp3d/>
+    <dgm:txPr/>
+    <dgm:style>
+      <a:lnRef idx="0">
+        <a:scrgbClr r="0" g="0" b="0"/>
+      </a:lnRef>
+      <a:fillRef idx="3">
+        <a:scrgbClr r="0" g="0" b="0"/>
+      </a:fillRef>
+      <a:effectRef idx="2">
+        <a:scrgbClr r="0" g="0" b="0"/>
+      </a:effectRef>
+      <a:fontRef idx="minor"/>
+    </dgm:style>
+  </dgm:styleLbl>
+  <dgm:styleLbl name="revTx">
+    <dgm:scene3d>
+      <a:camera prst="orthographicFront"/>
+      <a:lightRig rig="threePt" dir="t"/>
+    </dgm:scene3d>
+    <dgm:sp3d/>
+    <dgm:txPr/>
+    <dgm:style>
+      <a:lnRef idx="0">
+        <a:scrgbClr r="0" g="0" b="0"/>
+      </a:lnRef>
+      <a:fillRef idx="0">
+        <a:scrgbClr r="0" g="0" b="0"/>
+      </a:fillRef>
+      <a:effectRef idx="0">
+        <a:scrgbClr r="0" g="0" b="0"/>
+      </a:effectRef>
+      <a:fontRef idx="minor"/>
+    </dgm:style>
+  </dgm:styleLbl>
+</dgm:styleDef>
 </file>
 
 <file path=ppt/notesMasters/notesMaster1.xml><?xml version="1.0" encoding="utf-8"?>
@@ -222,7 +4354,7 @@
           <a:p>
             <a:fld id="{F47BD92E-FF1D-6A4E-BE14-EDEAC00E0CAA}" type="datetimeFigureOut">
               <a:rPr lang="en-US" smtClean="0"/>
-              <a:t>11/2/18</a:t>
+              <a:t>11/4/18</a:t>
             </a:fld>
             <a:endParaRPr lang="en-US"/>
           </a:p>
@@ -555,7 +4687,7 @@
           <a:p>
             <a:fld id="{B0EC7914-C99C-EC47-BACB-EACC7A5FFFA3}" type="slidenum">
               <a:rPr lang="en-US" smtClean="0"/>
-              <a:t>3</a:t>
+              <a:t>2</a:t>
             </a:fld>
             <a:endParaRPr lang="en-US"/>
           </a:p>
@@ -565,6 +4697,114 @@
     <p:extLst>
       <p:ext uri="{BB962C8B-B14F-4D97-AF65-F5344CB8AC3E}">
         <p14:creationId xmlns:p14="http://schemas.microsoft.com/office/powerpoint/2010/main" val="214430660"/>
+      </p:ext>
+    </p:extLst>
+  </p:cSld>
+  <p:clrMapOvr>
+    <a:masterClrMapping/>
+  </p:clrMapOvr>
+</p:notes>
+</file>
+
+<file path=ppt/notesSlides/notesSlide10.xml><?xml version="1.0" encoding="utf-8"?>
+<p:notes xmlns:a="http://schemas.openxmlformats.org/drawingml/2006/main" xmlns:r="http://schemas.openxmlformats.org/officeDocument/2006/relationships" xmlns:p="http://schemas.openxmlformats.org/presentationml/2006/main">
+  <p:cSld>
+    <p:spTree>
+      <p:nvGrpSpPr>
+        <p:cNvPr id="1" name=""/>
+        <p:cNvGrpSpPr/>
+        <p:nvPr/>
+      </p:nvGrpSpPr>
+      <p:grpSpPr>
+        <a:xfrm>
+          <a:off x="0" y="0"/>
+          <a:ext cx="0" cy="0"/>
+          <a:chOff x="0" y="0"/>
+          <a:chExt cx="0" cy="0"/>
+        </a:xfrm>
+      </p:grpSpPr>
+      <p:sp>
+        <p:nvSpPr>
+          <p:cNvPr id="2" name="Slide Image Placeholder 1"/>
+          <p:cNvSpPr>
+            <a:spLocks noGrp="1" noRot="1" noChangeAspect="1"/>
+          </p:cNvSpPr>
+          <p:nvPr>
+            <p:ph type="sldImg"/>
+          </p:nvPr>
+        </p:nvSpPr>
+        <p:spPr/>
+      </p:sp>
+      <p:sp>
+        <p:nvSpPr>
+          <p:cNvPr id="3" name="Notes Placeholder 2"/>
+          <p:cNvSpPr>
+            <a:spLocks noGrp="1"/>
+          </p:cNvSpPr>
+          <p:nvPr>
+            <p:ph type="body" idx="1"/>
+          </p:nvPr>
+        </p:nvSpPr>
+        <p:spPr/>
+        <p:txBody>
+          <a:bodyPr/>
+          <a:lstStyle/>
+          <a:p>
+            <a:r>
+              <a:rPr lang="en-US" dirty="0" smtClean="0"/>
+              <a:t>Go over all visual</a:t>
+            </a:r>
+            <a:r>
+              <a:rPr lang="en-US" baseline="0" dirty="0" smtClean="0"/>
+              <a:t> features </a:t>
+            </a:r>
+            <a:r>
+              <a:rPr lang="mr-IN" baseline="0" dirty="0" smtClean="0"/>
+              <a:t>–</a:t>
+            </a:r>
+            <a:r>
+              <a:rPr lang="en-US" baseline="0" dirty="0" smtClean="0"/>
+              <a:t> </a:t>
+            </a:r>
+            <a:r>
+              <a:rPr lang="en-US" baseline="0" dirty="0" err="1" smtClean="0"/>
+              <a:t>pacman</a:t>
+            </a:r>
+            <a:r>
+              <a:rPr lang="en-US" baseline="0" dirty="0" smtClean="0"/>
+              <a:t> direction, animation, flashing, blinking, etc. Demo app and show features.</a:t>
+            </a:r>
+            <a:endParaRPr lang="en-US" dirty="0"/>
+          </a:p>
+        </p:txBody>
+      </p:sp>
+      <p:sp>
+        <p:nvSpPr>
+          <p:cNvPr id="4" name="Slide Number Placeholder 3"/>
+          <p:cNvSpPr>
+            <a:spLocks noGrp="1"/>
+          </p:cNvSpPr>
+          <p:nvPr>
+            <p:ph type="sldNum" sz="quarter" idx="10"/>
+          </p:nvPr>
+        </p:nvSpPr>
+        <p:spPr/>
+        <p:txBody>
+          <a:bodyPr/>
+          <a:lstStyle/>
+          <a:p>
+            <a:fld id="{B0EC7914-C99C-EC47-BACB-EACC7A5FFFA3}" type="slidenum">
+              <a:rPr lang="en-US" smtClean="0"/>
+              <a:t>12</a:t>
+            </a:fld>
+            <a:endParaRPr lang="en-US"/>
+          </a:p>
+        </p:txBody>
+      </p:sp>
+    </p:spTree>
+    <p:extLst>
+      <p:ext uri="{BB962C8B-B14F-4D97-AF65-F5344CB8AC3E}">
+        <p14:creationId xmlns:p14="http://schemas.microsoft.com/office/powerpoint/2010/main" val="3222067675"/>
       </p:ext>
     </p:extLst>
   </p:cSld>
@@ -661,7 +4901,7 @@
           <a:p>
             <a:fld id="{B0EC7914-C99C-EC47-BACB-EACC7A5FFFA3}" type="slidenum">
               <a:rPr lang="en-US" smtClean="0"/>
-              <a:t>5</a:t>
+              <a:t>4</a:t>
             </a:fld>
             <a:endParaRPr lang="en-US"/>
           </a:p>
@@ -670,7 +4910,7 @@
     </p:spTree>
     <p:extLst>
       <p:ext uri="{BB962C8B-B14F-4D97-AF65-F5344CB8AC3E}">
-        <p14:creationId xmlns:p14="http://schemas.microsoft.com/office/powerpoint/2010/main" val="940924563"/>
+        <p14:creationId xmlns:p14="http://schemas.microsoft.com/office/powerpoint/2010/main" val="2050549864"/>
       </p:ext>
     </p:extLst>
   </p:cSld>
@@ -753,7 +4993,7 @@
           <a:p>
             <a:fld id="{B0EC7914-C99C-EC47-BACB-EACC7A5FFFA3}" type="slidenum">
               <a:rPr lang="en-US" smtClean="0"/>
-              <a:t>6</a:t>
+              <a:t>5</a:t>
             </a:fld>
             <a:endParaRPr lang="en-US"/>
           </a:p>
@@ -762,7 +5002,7 @@
     </p:spTree>
     <p:extLst>
       <p:ext uri="{BB962C8B-B14F-4D97-AF65-F5344CB8AC3E}">
-        <p14:creationId xmlns:p14="http://schemas.microsoft.com/office/powerpoint/2010/main" val="2447390117"/>
+        <p14:creationId xmlns:p14="http://schemas.microsoft.com/office/powerpoint/2010/main" val="1262356065"/>
       </p:ext>
     </p:extLst>
   </p:cSld>
@@ -818,11 +5058,19 @@
           <a:p>
             <a:r>
               <a:rPr lang="en-US" dirty="0" smtClean="0"/>
-              <a:t>What each request</a:t>
+              <a:t>We broke down the game into 6 primary use cases that will explain how the </a:t>
+            </a:r>
+            <a:r>
+              <a:rPr lang="en-US" dirty="0" err="1" smtClean="0"/>
+              <a:t>api</a:t>
+            </a:r>
+            <a:r>
+              <a:rPr lang="en-US" dirty="0" smtClean="0"/>
+              <a:t> satisfies</a:t>
             </a:r>
             <a:r>
               <a:rPr lang="en-US" baseline="0" dirty="0" smtClean="0"/>
-              <a:t> does</a:t>
+              <a:t> the game requirements</a:t>
             </a:r>
             <a:endParaRPr lang="en-US" dirty="0"/>
           </a:p>
@@ -845,7 +5093,7 @@
           <a:p>
             <a:fld id="{B0EC7914-C99C-EC47-BACB-EACC7A5FFFA3}" type="slidenum">
               <a:rPr lang="en-US" smtClean="0"/>
-              <a:t>7</a:t>
+              <a:t>6</a:t>
             </a:fld>
             <a:endParaRPr lang="en-US"/>
           </a:p>
@@ -854,7 +5102,7 @@
     </p:spTree>
     <p:extLst>
       <p:ext uri="{BB962C8B-B14F-4D97-AF65-F5344CB8AC3E}">
-        <p14:creationId xmlns:p14="http://schemas.microsoft.com/office/powerpoint/2010/main" val="3369376564"/>
+        <p14:creationId xmlns:p14="http://schemas.microsoft.com/office/powerpoint/2010/main" val="4279514582"/>
       </p:ext>
     </p:extLst>
   </p:cSld>
@@ -909,32 +5157,32 @@
           <a:lstStyle/>
           <a:p>
             <a:r>
+              <a:rPr lang="en-US" dirty="0" smtClean="0"/>
+              <a:t>Explain flow </a:t>
+            </a:r>
+            <a:r>
+              <a:rPr lang="mr-IN" dirty="0" smtClean="0"/>
+              <a:t>–</a:t>
+            </a:r>
+            <a:r>
+              <a:rPr lang="en-US" dirty="0" smtClean="0"/>
+              <a:t> update command -&gt;</a:t>
+            </a:r>
+            <a:r>
               <a:rPr lang="en-US" baseline="0" dirty="0" smtClean="0"/>
-              <a:t>Design decisions </a:t>
+              <a:t> collision command -&gt; interaction strategy -&gt; update strategy. Emphasize basics of update and collision commands. Update </a:t>
+            </a:r>
+            <a:r>
+              <a:rPr lang="en-US" baseline="0" dirty="0" err="1" smtClean="0"/>
+              <a:t>doesn</a:t>
             </a:r>
             <a:r>
               <a:rPr lang="mr-IN" baseline="0" dirty="0" smtClean="0"/>
-              <a:t>–</a:t>
+              <a:t>’</a:t>
             </a:r>
             <a:r>
               <a:rPr lang="en-US" baseline="0" dirty="0" smtClean="0"/>
-              <a:t> flashing ghosts, blinking dots, </a:t>
-            </a:r>
-            <a:r>
-              <a:rPr lang="en-US" baseline="0" dirty="0" err="1" smtClean="0"/>
-              <a:t>pacman</a:t>
-            </a:r>
-            <a:r>
-              <a:rPr lang="en-US" baseline="0" dirty="0" smtClean="0"/>
-              <a:t> animation do not affect game so are handled only in view. </a:t>
-            </a:r>
-            <a:r>
-              <a:rPr lang="en-US" dirty="0" smtClean="0"/>
-              <a:t>Talk about how we are drawing different</a:t>
-            </a:r>
-            <a:r>
-              <a:rPr lang="en-US" baseline="0" dirty="0" smtClean="0"/>
-              <a:t> game objects. When to call each request</a:t>
+              <a:t>t do any of the velocity checking, it just sets the new location</a:t>
             </a:r>
             <a:endParaRPr lang="en-US" dirty="0"/>
           </a:p>
@@ -957,7 +5205,7 @@
           <a:p>
             <a:fld id="{B0EC7914-C99C-EC47-BACB-EACC7A5FFFA3}" type="slidenum">
               <a:rPr lang="en-US" smtClean="0"/>
-              <a:t>8</a:t>
+              <a:t>7</a:t>
             </a:fld>
             <a:endParaRPr lang="en-US"/>
           </a:p>
@@ -966,7 +5214,7 @@
     </p:spTree>
     <p:extLst>
       <p:ext uri="{BB962C8B-B14F-4D97-AF65-F5344CB8AC3E}">
-        <p14:creationId xmlns:p14="http://schemas.microsoft.com/office/powerpoint/2010/main" val="824070473"/>
+        <p14:creationId xmlns:p14="http://schemas.microsoft.com/office/powerpoint/2010/main" val="1056344511"/>
       </p:ext>
     </p:extLst>
   </p:cSld>
@@ -1022,7 +5270,19 @@
           <a:p>
             <a:r>
               <a:rPr lang="en-US" dirty="0" smtClean="0"/>
-              <a:t>Overview of how each piece connects to use cases</a:t>
+              <a:t>Discuss how</a:t>
+            </a:r>
+            <a:r>
+              <a:rPr lang="en-US" baseline="0" dirty="0" smtClean="0"/>
+              <a:t> collision works. Talk about </a:t>
+            </a:r>
+            <a:r>
+              <a:rPr lang="en-US" baseline="0" dirty="0" err="1" smtClean="0"/>
+              <a:t>Pacman’s</a:t>
+            </a:r>
+            <a:r>
+              <a:rPr lang="en-US" baseline="0" dirty="0" smtClean="0"/>
+              <a:t> various interactions, especially all the food values</a:t>
             </a:r>
             <a:endParaRPr lang="en-US" dirty="0"/>
           </a:p>
@@ -1045,7 +5305,7 @@
           <a:p>
             <a:fld id="{B0EC7914-C99C-EC47-BACB-EACC7A5FFFA3}" type="slidenum">
               <a:rPr lang="en-US" smtClean="0"/>
-              <a:t>14</a:t>
+              <a:t>8</a:t>
             </a:fld>
             <a:endParaRPr lang="en-US"/>
           </a:p>
@@ -1054,7 +5314,7 @@
     </p:spTree>
     <p:extLst>
       <p:ext uri="{BB962C8B-B14F-4D97-AF65-F5344CB8AC3E}">
-        <p14:creationId xmlns:p14="http://schemas.microsoft.com/office/powerpoint/2010/main" val="1194889481"/>
+        <p14:creationId xmlns:p14="http://schemas.microsoft.com/office/powerpoint/2010/main" val="95229622"/>
       </p:ext>
     </p:extLst>
   </p:cSld>
@@ -1110,35 +5370,11 @@
           <a:p>
             <a:r>
               <a:rPr lang="en-US" dirty="0" smtClean="0"/>
-              <a:t>Talk about how</a:t>
+              <a:t>Highlight that this feature builds off existing update/collision</a:t>
             </a:r>
             <a:r>
               <a:rPr lang="en-US" baseline="0" dirty="0" smtClean="0"/>
-              <a:t> interfaces satisfy use cases. </a:t>
-            </a:r>
-            <a:r>
-              <a:rPr lang="en-US" dirty="0" smtClean="0"/>
-              <a:t>Interact strategy example: ghost handles all </a:t>
-            </a:r>
-            <a:r>
-              <a:rPr lang="en-US" dirty="0" err="1" smtClean="0"/>
-              <a:t>pacman</a:t>
-            </a:r>
-            <a:r>
-              <a:rPr lang="en-US" dirty="0" smtClean="0"/>
-              <a:t>-ghost interactions, and </a:t>
-            </a:r>
-            <a:r>
-              <a:rPr lang="en-US" dirty="0" err="1" smtClean="0"/>
-              <a:t>pacman</a:t>
-            </a:r>
-            <a:r>
-              <a:rPr lang="en-US" dirty="0" smtClean="0"/>
-              <a:t> does not</a:t>
-            </a:r>
-            <a:r>
-              <a:rPr lang="en-US" baseline="0" dirty="0" smtClean="0"/>
-              <a:t> worry about it.</a:t>
+              <a:t> flow. Discuss all the extra features in those commands and the additional fields added to track the state</a:t>
             </a:r>
             <a:endParaRPr lang="en-US" dirty="0"/>
           </a:p>
@@ -1161,7 +5397,7 @@
           <a:p>
             <a:fld id="{B0EC7914-C99C-EC47-BACB-EACC7A5FFFA3}" type="slidenum">
               <a:rPr lang="en-US" smtClean="0"/>
-              <a:t>15</a:t>
+              <a:t>9</a:t>
             </a:fld>
             <a:endParaRPr lang="en-US"/>
           </a:p>
@@ -1170,7 +5406,215 @@
     </p:spTree>
     <p:extLst>
       <p:ext uri="{BB962C8B-B14F-4D97-AF65-F5344CB8AC3E}">
-        <p14:creationId xmlns:p14="http://schemas.microsoft.com/office/powerpoint/2010/main" val="22833653"/>
+        <p14:creationId xmlns:p14="http://schemas.microsoft.com/office/powerpoint/2010/main" val="1564169355"/>
+      </p:ext>
+    </p:extLst>
+  </p:cSld>
+  <p:clrMapOvr>
+    <a:masterClrMapping/>
+  </p:clrMapOvr>
+</p:notes>
+</file>
+
+<file path=ppt/notesSlides/notesSlide8.xml><?xml version="1.0" encoding="utf-8"?>
+<p:notes xmlns:a="http://schemas.openxmlformats.org/drawingml/2006/main" xmlns:r="http://schemas.openxmlformats.org/officeDocument/2006/relationships" xmlns:p="http://schemas.openxmlformats.org/presentationml/2006/main">
+  <p:cSld>
+    <p:spTree>
+      <p:nvGrpSpPr>
+        <p:cNvPr id="1" name=""/>
+        <p:cNvGrpSpPr/>
+        <p:nvPr/>
+      </p:nvGrpSpPr>
+      <p:grpSpPr>
+        <a:xfrm>
+          <a:off x="0" y="0"/>
+          <a:ext cx="0" cy="0"/>
+          <a:chOff x="0" y="0"/>
+          <a:chExt cx="0" cy="0"/>
+        </a:xfrm>
+      </p:grpSpPr>
+      <p:sp>
+        <p:nvSpPr>
+          <p:cNvPr id="2" name="Slide Image Placeholder 1"/>
+          <p:cNvSpPr>
+            <a:spLocks noGrp="1" noRot="1" noChangeAspect="1"/>
+          </p:cNvSpPr>
+          <p:nvPr>
+            <p:ph type="sldImg"/>
+          </p:nvPr>
+        </p:nvSpPr>
+        <p:spPr/>
+      </p:sp>
+      <p:sp>
+        <p:nvSpPr>
+          <p:cNvPr id="3" name="Notes Placeholder 2"/>
+          <p:cNvSpPr>
+            <a:spLocks noGrp="1"/>
+          </p:cNvSpPr>
+          <p:nvPr>
+            <p:ph type="body" idx="1"/>
+          </p:nvPr>
+        </p:nvSpPr>
+        <p:spPr/>
+        <p:txBody>
+          <a:bodyPr/>
+          <a:lstStyle/>
+          <a:p>
+            <a:r>
+              <a:rPr lang="en-US" dirty="0" smtClean="0"/>
+              <a:t>Ghost movement flow is exactly like </a:t>
+            </a:r>
+            <a:r>
+              <a:rPr lang="en-US" dirty="0" err="1" smtClean="0"/>
+              <a:t>Pacman</a:t>
+            </a:r>
+            <a:r>
+              <a:rPr lang="en-US" dirty="0" smtClean="0"/>
+              <a:t> except</a:t>
+            </a:r>
+            <a:r>
+              <a:rPr lang="en-US" baseline="0" dirty="0" smtClean="0"/>
+              <a:t> for interaction and update strategies. All </a:t>
+            </a:r>
+            <a:r>
+              <a:rPr lang="en-US" baseline="0" dirty="0" err="1" smtClean="0"/>
+              <a:t>pacman</a:t>
+            </a:r>
+            <a:r>
+              <a:rPr lang="en-US" baseline="0" dirty="0" smtClean="0"/>
+              <a:t>-ghost interactions are handled by ghost. Ghost checks for open spaces to decide where to move.</a:t>
+            </a:r>
+            <a:endParaRPr lang="en-US" dirty="0"/>
+          </a:p>
+        </p:txBody>
+      </p:sp>
+      <p:sp>
+        <p:nvSpPr>
+          <p:cNvPr id="4" name="Slide Number Placeholder 3"/>
+          <p:cNvSpPr>
+            <a:spLocks noGrp="1"/>
+          </p:cNvSpPr>
+          <p:nvPr>
+            <p:ph type="sldNum" sz="quarter" idx="10"/>
+          </p:nvPr>
+        </p:nvSpPr>
+        <p:spPr/>
+        <p:txBody>
+          <a:bodyPr/>
+          <a:lstStyle/>
+          <a:p>
+            <a:fld id="{B0EC7914-C99C-EC47-BACB-EACC7A5FFFA3}" type="slidenum">
+              <a:rPr lang="en-US" smtClean="0"/>
+              <a:t>10</a:t>
+            </a:fld>
+            <a:endParaRPr lang="en-US"/>
+          </a:p>
+        </p:txBody>
+      </p:sp>
+    </p:spTree>
+    <p:extLst>
+      <p:ext uri="{BB962C8B-B14F-4D97-AF65-F5344CB8AC3E}">
+        <p14:creationId xmlns:p14="http://schemas.microsoft.com/office/powerpoint/2010/main" val="2430031242"/>
+      </p:ext>
+    </p:extLst>
+  </p:cSld>
+  <p:clrMapOvr>
+    <a:masterClrMapping/>
+  </p:clrMapOvr>
+</p:notes>
+</file>
+
+<file path=ppt/notesSlides/notesSlide9.xml><?xml version="1.0" encoding="utf-8"?>
+<p:notes xmlns:a="http://schemas.openxmlformats.org/drawingml/2006/main" xmlns:r="http://schemas.openxmlformats.org/officeDocument/2006/relationships" xmlns:p="http://schemas.openxmlformats.org/presentationml/2006/main">
+  <p:cSld>
+    <p:spTree>
+      <p:nvGrpSpPr>
+        <p:cNvPr id="1" name=""/>
+        <p:cNvGrpSpPr/>
+        <p:nvPr/>
+      </p:nvGrpSpPr>
+      <p:grpSpPr>
+        <a:xfrm>
+          <a:off x="0" y="0"/>
+          <a:ext cx="0" cy="0"/>
+          <a:chOff x="0" y="0"/>
+          <a:chExt cx="0" cy="0"/>
+        </a:xfrm>
+      </p:grpSpPr>
+      <p:sp>
+        <p:nvSpPr>
+          <p:cNvPr id="2" name="Slide Image Placeholder 1"/>
+          <p:cNvSpPr>
+            <a:spLocks noGrp="1" noRot="1" noChangeAspect="1"/>
+          </p:cNvSpPr>
+          <p:nvPr>
+            <p:ph type="sldImg"/>
+          </p:nvPr>
+        </p:nvSpPr>
+        <p:spPr/>
+      </p:sp>
+      <p:sp>
+        <p:nvSpPr>
+          <p:cNvPr id="3" name="Notes Placeholder 2"/>
+          <p:cNvSpPr>
+            <a:spLocks noGrp="1"/>
+          </p:cNvSpPr>
+          <p:nvPr>
+            <p:ph type="body" idx="1"/>
+          </p:nvPr>
+        </p:nvSpPr>
+        <p:spPr/>
+        <p:txBody>
+          <a:bodyPr/>
+          <a:lstStyle/>
+          <a:p>
+            <a:r>
+              <a:rPr lang="en-US" dirty="0" smtClean="0"/>
+              <a:t>Talk about how fruit tracks empty positions. Exit know where to go to.</a:t>
+            </a:r>
+            <a:r>
+              <a:rPr lang="en-US" baseline="0" dirty="0" smtClean="0"/>
+              <a:t> Go over all the checks in </a:t>
+            </a:r>
+            <a:r>
+              <a:rPr lang="en-US" baseline="0" dirty="0" err="1" smtClean="0"/>
+              <a:t>updatePacWorld</a:t>
+            </a:r>
+            <a:r>
+              <a:rPr lang="en-US" baseline="0" dirty="0" smtClean="0"/>
+              <a:t> besides update notification</a:t>
+            </a:r>
+            <a:endParaRPr lang="en-US" dirty="0"/>
+          </a:p>
+        </p:txBody>
+      </p:sp>
+      <p:sp>
+        <p:nvSpPr>
+          <p:cNvPr id="4" name="Slide Number Placeholder 3"/>
+          <p:cNvSpPr>
+            <a:spLocks noGrp="1"/>
+          </p:cNvSpPr>
+          <p:nvPr>
+            <p:ph type="sldNum" sz="quarter" idx="10"/>
+          </p:nvPr>
+        </p:nvSpPr>
+        <p:spPr/>
+        <p:txBody>
+          <a:bodyPr/>
+          <a:lstStyle/>
+          <a:p>
+            <a:fld id="{B0EC7914-C99C-EC47-BACB-EACC7A5FFFA3}" type="slidenum">
+              <a:rPr lang="en-US" smtClean="0"/>
+              <a:t>11</a:t>
+            </a:fld>
+            <a:endParaRPr lang="en-US"/>
+          </a:p>
+        </p:txBody>
+      </p:sp>
+    </p:spTree>
+    <p:extLst>
+      <p:ext uri="{BB962C8B-B14F-4D97-AF65-F5344CB8AC3E}">
+        <p14:creationId xmlns:p14="http://schemas.microsoft.com/office/powerpoint/2010/main" val="202801192"/>
       </p:ext>
     </p:extLst>
   </p:cSld>
@@ -1361,7 +5805,7 @@
           <a:p>
             <a:fld id="{E2016EA5-1104-9947-BC32-BE5ED901B257}" type="datetimeFigureOut">
               <a:rPr lang="en-US" smtClean="0"/>
-              <a:t>11/2/18</a:t>
+              <a:t>11/4/18</a:t>
             </a:fld>
             <a:endParaRPr lang="en-US"/>
           </a:p>
@@ -1531,7 +5975,7 @@
           <a:p>
             <a:fld id="{E2016EA5-1104-9947-BC32-BE5ED901B257}" type="datetimeFigureOut">
               <a:rPr lang="en-US" smtClean="0"/>
-              <a:t>11/2/18</a:t>
+              <a:t>11/4/18</a:t>
             </a:fld>
             <a:endParaRPr lang="en-US"/>
           </a:p>
@@ -1711,7 +6155,7 @@
           <a:p>
             <a:fld id="{E2016EA5-1104-9947-BC32-BE5ED901B257}" type="datetimeFigureOut">
               <a:rPr lang="en-US" smtClean="0"/>
-              <a:t>11/2/18</a:t>
+              <a:t>11/4/18</a:t>
             </a:fld>
             <a:endParaRPr lang="en-US"/>
           </a:p>
@@ -1881,7 +6325,7 @@
           <a:p>
             <a:fld id="{E2016EA5-1104-9947-BC32-BE5ED901B257}" type="datetimeFigureOut">
               <a:rPr lang="en-US" smtClean="0"/>
-              <a:t>11/2/18</a:t>
+              <a:t>11/4/18</a:t>
             </a:fld>
             <a:endParaRPr lang="en-US"/>
           </a:p>
@@ -2127,7 +6571,7 @@
           <a:p>
             <a:fld id="{E2016EA5-1104-9947-BC32-BE5ED901B257}" type="datetimeFigureOut">
               <a:rPr lang="en-US" smtClean="0"/>
-              <a:t>11/2/18</a:t>
+              <a:t>11/4/18</a:t>
             </a:fld>
             <a:endParaRPr lang="en-US"/>
           </a:p>
@@ -2415,7 +6859,7 @@
           <a:p>
             <a:fld id="{E2016EA5-1104-9947-BC32-BE5ED901B257}" type="datetimeFigureOut">
               <a:rPr lang="en-US" smtClean="0"/>
-              <a:t>11/2/18</a:t>
+              <a:t>11/4/18</a:t>
             </a:fld>
             <a:endParaRPr lang="en-US"/>
           </a:p>
@@ -2837,7 +7281,7 @@
           <a:p>
             <a:fld id="{E2016EA5-1104-9947-BC32-BE5ED901B257}" type="datetimeFigureOut">
               <a:rPr lang="en-US" smtClean="0"/>
-              <a:t>11/2/18</a:t>
+              <a:t>11/4/18</a:t>
             </a:fld>
             <a:endParaRPr lang="en-US"/>
           </a:p>
@@ -2955,7 +7399,7 @@
           <a:p>
             <a:fld id="{E2016EA5-1104-9947-BC32-BE5ED901B257}" type="datetimeFigureOut">
               <a:rPr lang="en-US" smtClean="0"/>
-              <a:t>11/2/18</a:t>
+              <a:t>11/4/18</a:t>
             </a:fld>
             <a:endParaRPr lang="en-US"/>
           </a:p>
@@ -3050,7 +7494,7 @@
           <a:p>
             <a:fld id="{E2016EA5-1104-9947-BC32-BE5ED901B257}" type="datetimeFigureOut">
               <a:rPr lang="en-US" smtClean="0"/>
-              <a:t>11/2/18</a:t>
+              <a:t>11/4/18</a:t>
             </a:fld>
             <a:endParaRPr lang="en-US"/>
           </a:p>
@@ -3327,7 +7771,7 @@
           <a:p>
             <a:fld id="{E2016EA5-1104-9947-BC32-BE5ED901B257}" type="datetimeFigureOut">
               <a:rPr lang="en-US" smtClean="0"/>
-              <a:t>11/2/18</a:t>
+              <a:t>11/4/18</a:t>
             </a:fld>
             <a:endParaRPr lang="en-US"/>
           </a:p>
@@ -3580,7 +8024,7 @@
           <a:p>
             <a:fld id="{E2016EA5-1104-9947-BC32-BE5ED901B257}" type="datetimeFigureOut">
               <a:rPr lang="en-US" smtClean="0"/>
-              <a:t>11/2/18</a:t>
+              <a:t>11/4/18</a:t>
             </a:fld>
             <a:endParaRPr lang="en-US"/>
           </a:p>
@@ -3793,7 +8237,7 @@
           <a:p>
             <a:fld id="{E2016EA5-1104-9947-BC32-BE5ED901B257}" type="datetimeFigureOut">
               <a:rPr lang="en-US" smtClean="0"/>
-              <a:t>11/2/18</a:t>
+              <a:t>11/4/18</a:t>
             </a:fld>
             <a:endParaRPr lang="en-US"/>
           </a:p>
@@ -4297,7 +8741,7 @@
   <p:timing>
     <p:tnLst>
       <p:par>
-        <p:cTn id="1" dur="indefinite" restart="never" nodeType="tmRoot"/>
+        <p:cTn xmlns:p14="http://schemas.microsoft.com/office/powerpoint/2010/main" id="1" dur="indefinite" restart="never" nodeType="tmRoot"/>
       </p:par>
     </p:tnLst>
   </p:timing>
@@ -4336,33 +8780,664 @@
           <a:bodyPr/>
           <a:lstStyle/>
           <a:p>
+            <a:r>
+              <a:rPr lang="en-US" altLang="zh-CN" dirty="0" smtClean="0"/>
+              <a:t>Moving</a:t>
+            </a:r>
+            <a:r>
+              <a:rPr lang="zh-CN" altLang="en-US" dirty="0" smtClean="0"/>
+              <a:t> </a:t>
+            </a:r>
+            <a:r>
+              <a:rPr lang="en-US" altLang="zh-CN" dirty="0" smtClean="0"/>
+              <a:t>Ghost</a:t>
+            </a:r>
+            <a:endParaRPr lang="en-US" dirty="0"/>
+          </a:p>
+        </p:txBody>
+      </p:sp>
+      <p:sp>
+        <p:nvSpPr>
+          <p:cNvPr id="4" name="Rectangle 3"/>
+          <p:cNvSpPr/>
+          <p:nvPr/>
+        </p:nvSpPr>
+        <p:spPr>
+          <a:xfrm>
+            <a:off x="1227551" y="1440492"/>
+            <a:ext cx="2580362" cy="889348"/>
+          </a:xfrm>
+          <a:prstGeom prst="rect">
+            <a:avLst/>
+          </a:prstGeom>
+        </p:spPr>
+        <p:style>
+          <a:lnRef idx="1">
+            <a:schemeClr val="accent1"/>
+          </a:lnRef>
+          <a:fillRef idx="3">
+            <a:schemeClr val="accent1"/>
+          </a:fillRef>
+          <a:effectRef idx="2">
+            <a:schemeClr val="accent1"/>
+          </a:effectRef>
+          <a:fontRef idx="minor">
+            <a:schemeClr val="lt1"/>
+          </a:fontRef>
+        </p:style>
+        <p:txBody>
+          <a:bodyPr rtlCol="0" anchor="ctr"/>
+          <a:lstStyle/>
+          <a:p>
+            <a:pPr algn="ctr"/>
+            <a:r>
+              <a:rPr lang="en-US" altLang="zh-CN" dirty="0" err="1" smtClean="0"/>
+              <a:t>updatePacWorld</a:t>
+            </a:r>
+            <a:r>
+              <a:rPr lang="en-US" altLang="zh-CN" dirty="0" smtClean="0"/>
+              <a:t>()</a:t>
+            </a:r>
+            <a:endParaRPr lang="en-US" dirty="0"/>
+          </a:p>
+        </p:txBody>
+      </p:sp>
+      <p:sp>
+        <p:nvSpPr>
+          <p:cNvPr id="5" name="Rectangle 4"/>
+          <p:cNvSpPr/>
+          <p:nvPr/>
+        </p:nvSpPr>
+        <p:spPr>
+          <a:xfrm>
+            <a:off x="1227551" y="2918565"/>
+            <a:ext cx="2580362" cy="926926"/>
+          </a:xfrm>
+          <a:prstGeom prst="rect">
+            <a:avLst/>
+          </a:prstGeom>
+        </p:spPr>
+        <p:style>
+          <a:lnRef idx="1">
+            <a:schemeClr val="accent1"/>
+          </a:lnRef>
+          <a:fillRef idx="3">
+            <a:schemeClr val="accent1"/>
+          </a:fillRef>
+          <a:effectRef idx="2">
+            <a:schemeClr val="accent1"/>
+          </a:effectRef>
+          <a:fontRef idx="minor">
+            <a:schemeClr val="lt1"/>
+          </a:fontRef>
+        </p:style>
+        <p:txBody>
+          <a:bodyPr rtlCol="0" anchor="ctr"/>
+          <a:lstStyle/>
+          <a:p>
+            <a:pPr algn="ctr"/>
+            <a:r>
+              <a:rPr lang="en-US" altLang="zh-CN" dirty="0" smtClean="0"/>
+              <a:t>Update Command</a:t>
+            </a:r>
+            <a:endParaRPr lang="en-US" dirty="0"/>
+          </a:p>
+        </p:txBody>
+      </p:sp>
+      <p:sp>
+        <p:nvSpPr>
+          <p:cNvPr id="6" name="Rectangle 5"/>
+          <p:cNvSpPr/>
+          <p:nvPr/>
+        </p:nvSpPr>
+        <p:spPr>
+          <a:xfrm>
+            <a:off x="1227551" y="4434216"/>
+            <a:ext cx="2580362" cy="826718"/>
+          </a:xfrm>
+          <a:prstGeom prst="rect">
+            <a:avLst/>
+          </a:prstGeom>
+        </p:spPr>
+        <p:style>
+          <a:lnRef idx="1">
+            <a:schemeClr val="accent1"/>
+          </a:lnRef>
+          <a:fillRef idx="3">
+            <a:schemeClr val="accent1"/>
+          </a:fillRef>
+          <a:effectRef idx="2">
+            <a:schemeClr val="accent1"/>
+          </a:effectRef>
+          <a:fontRef idx="minor">
+            <a:schemeClr val="lt1"/>
+          </a:fontRef>
+        </p:style>
+        <p:txBody>
+          <a:bodyPr rtlCol="0" anchor="ctr"/>
+          <a:lstStyle/>
+          <a:p>
+            <a:pPr algn="ctr"/>
+            <a:r>
+              <a:rPr lang="en-US" altLang="zh-CN" dirty="0" smtClean="0"/>
+              <a:t>Collision Command</a:t>
+            </a:r>
+            <a:endParaRPr lang="en-US" dirty="0"/>
+          </a:p>
+        </p:txBody>
+      </p:sp>
+      <p:sp>
+        <p:nvSpPr>
+          <p:cNvPr id="7" name="Rectangle 6"/>
+          <p:cNvSpPr/>
+          <p:nvPr/>
+        </p:nvSpPr>
+        <p:spPr>
+          <a:xfrm>
+            <a:off x="1227551" y="5824603"/>
+            <a:ext cx="2580362" cy="876822"/>
+          </a:xfrm>
+          <a:prstGeom prst="rect">
+            <a:avLst/>
+          </a:prstGeom>
+        </p:spPr>
+        <p:style>
+          <a:lnRef idx="1">
+            <a:schemeClr val="accent1"/>
+          </a:lnRef>
+          <a:fillRef idx="3">
+            <a:schemeClr val="accent1"/>
+          </a:fillRef>
+          <a:effectRef idx="2">
+            <a:schemeClr val="accent1"/>
+          </a:effectRef>
+          <a:fontRef idx="minor">
+            <a:schemeClr val="lt1"/>
+          </a:fontRef>
+        </p:style>
+        <p:txBody>
+          <a:bodyPr rtlCol="0" anchor="ctr"/>
+          <a:lstStyle/>
+          <a:p>
+            <a:pPr algn="ctr"/>
+            <a:r>
+              <a:rPr lang="en-US" altLang="zh-CN" dirty="0" smtClean="0"/>
+              <a:t>If</a:t>
+            </a:r>
+            <a:r>
+              <a:rPr lang="zh-CN" altLang="en-US" dirty="0" smtClean="0"/>
+              <a:t> </a:t>
+            </a:r>
+            <a:r>
+              <a:rPr lang="en-US" altLang="zh-CN" dirty="0" smtClean="0"/>
+              <a:t>Collision</a:t>
+            </a:r>
+            <a:endParaRPr lang="en-US" dirty="0"/>
+          </a:p>
+        </p:txBody>
+      </p:sp>
+      <p:sp>
+        <p:nvSpPr>
+          <p:cNvPr id="8" name="Rectangle 7"/>
+          <p:cNvSpPr/>
+          <p:nvPr/>
+        </p:nvSpPr>
+        <p:spPr>
+          <a:xfrm>
+            <a:off x="5223353" y="2918565"/>
+            <a:ext cx="2517732" cy="926925"/>
+          </a:xfrm>
+          <a:prstGeom prst="rect">
+            <a:avLst/>
+          </a:prstGeom>
+        </p:spPr>
+        <p:style>
+          <a:lnRef idx="1">
+            <a:schemeClr val="accent1"/>
+          </a:lnRef>
+          <a:fillRef idx="3">
+            <a:schemeClr val="accent1"/>
+          </a:fillRef>
+          <a:effectRef idx="2">
+            <a:schemeClr val="accent1"/>
+          </a:effectRef>
+          <a:fontRef idx="minor">
+            <a:schemeClr val="lt1"/>
+          </a:fontRef>
+        </p:style>
+        <p:txBody>
+          <a:bodyPr rtlCol="0" anchor="ctr"/>
+          <a:lstStyle/>
+          <a:p>
+            <a:pPr algn="ctr"/>
+            <a:r>
+              <a:rPr lang="en-US" altLang="zh-CN" dirty="0" smtClean="0"/>
+              <a:t>Ghost</a:t>
+            </a:r>
+            <a:r>
+              <a:rPr lang="zh-CN" altLang="en-US" dirty="0" smtClean="0"/>
+              <a:t> </a:t>
+            </a:r>
+            <a:r>
+              <a:rPr lang="en-US" altLang="zh-CN" dirty="0" smtClean="0"/>
+              <a:t>Update Strategy</a:t>
+            </a:r>
+            <a:endParaRPr lang="en-US" dirty="0"/>
+          </a:p>
+        </p:txBody>
+      </p:sp>
+      <p:sp>
+        <p:nvSpPr>
+          <p:cNvPr id="9" name="Rectangle 8"/>
+          <p:cNvSpPr/>
+          <p:nvPr/>
+        </p:nvSpPr>
+        <p:spPr>
+          <a:xfrm>
+            <a:off x="5223353" y="4434216"/>
+            <a:ext cx="2517732" cy="826718"/>
+          </a:xfrm>
+          <a:prstGeom prst="rect">
+            <a:avLst/>
+          </a:prstGeom>
+        </p:spPr>
+        <p:style>
+          <a:lnRef idx="1">
+            <a:schemeClr val="accent1"/>
+          </a:lnRef>
+          <a:fillRef idx="3">
+            <a:schemeClr val="accent1"/>
+          </a:fillRef>
+          <a:effectRef idx="2">
+            <a:schemeClr val="accent1"/>
+          </a:effectRef>
+          <a:fontRef idx="minor">
+            <a:schemeClr val="lt1"/>
+          </a:fontRef>
+        </p:style>
+        <p:txBody>
+          <a:bodyPr rtlCol="0" anchor="ctr"/>
+          <a:lstStyle/>
+          <a:p>
+            <a:pPr algn="ctr"/>
+            <a:r>
+              <a:rPr lang="en-US" altLang="zh-CN" dirty="0" smtClean="0"/>
+              <a:t>Interaction</a:t>
+            </a:r>
+            <a:r>
+              <a:rPr lang="zh-CN" altLang="en-US" dirty="0" smtClean="0"/>
+              <a:t> </a:t>
+            </a:r>
+            <a:r>
+              <a:rPr lang="en-US" altLang="zh-CN" dirty="0" smtClean="0"/>
+              <a:t>Strategy</a:t>
+            </a:r>
+            <a:endParaRPr lang="en-US" dirty="0"/>
+          </a:p>
+        </p:txBody>
+      </p:sp>
+      <p:sp>
+        <p:nvSpPr>
+          <p:cNvPr id="10" name="Down Arrow 9"/>
+          <p:cNvSpPr/>
+          <p:nvPr/>
+        </p:nvSpPr>
+        <p:spPr>
+          <a:xfrm>
+            <a:off x="2267211" y="2329840"/>
+            <a:ext cx="388307" cy="588725"/>
+          </a:xfrm>
+          <a:prstGeom prst="downArrow">
+            <a:avLst/>
+          </a:prstGeom>
+        </p:spPr>
+        <p:style>
+          <a:lnRef idx="1">
+            <a:schemeClr val="accent1"/>
+          </a:lnRef>
+          <a:fillRef idx="3">
+            <a:schemeClr val="accent1"/>
+          </a:fillRef>
+          <a:effectRef idx="2">
+            <a:schemeClr val="accent1"/>
+          </a:effectRef>
+          <a:fontRef idx="minor">
+            <a:schemeClr val="lt1"/>
+          </a:fontRef>
+        </p:style>
+        <p:txBody>
+          <a:bodyPr rtlCol="0" anchor="ctr"/>
+          <a:lstStyle/>
+          <a:p>
+            <a:pPr algn="ctr"/>
             <a:endParaRPr lang="en-US"/>
           </a:p>
         </p:txBody>
       </p:sp>
       <p:sp>
         <p:nvSpPr>
-          <p:cNvPr id="3" name="Content Placeholder 2"/>
-          <p:cNvSpPr>
-            <a:spLocks noGrp="1"/>
-          </p:cNvSpPr>
-          <p:nvPr>
-            <p:ph idx="1"/>
-          </p:nvPr>
-        </p:nvSpPr>
-        <p:spPr/>
-        <p:txBody>
-          <a:bodyPr/>
-          <a:lstStyle/>
-          <a:p>
+          <p:cNvPr id="11" name="Down Arrow 10"/>
+          <p:cNvSpPr/>
+          <p:nvPr/>
+        </p:nvSpPr>
+        <p:spPr>
+          <a:xfrm>
+            <a:off x="2267210" y="3845491"/>
+            <a:ext cx="388307" cy="588725"/>
+          </a:xfrm>
+          <a:prstGeom prst="downArrow">
+            <a:avLst/>
+          </a:prstGeom>
+        </p:spPr>
+        <p:style>
+          <a:lnRef idx="1">
+            <a:schemeClr val="accent1"/>
+          </a:lnRef>
+          <a:fillRef idx="3">
+            <a:schemeClr val="accent1"/>
+          </a:fillRef>
+          <a:effectRef idx="2">
+            <a:schemeClr val="accent1"/>
+          </a:effectRef>
+          <a:fontRef idx="minor">
+            <a:schemeClr val="lt1"/>
+          </a:fontRef>
+        </p:style>
+        <p:txBody>
+          <a:bodyPr rtlCol="0" anchor="ctr"/>
+          <a:lstStyle/>
+          <a:p>
+            <a:pPr algn="ctr"/>
             <a:endParaRPr lang="en-US"/>
+          </a:p>
+        </p:txBody>
+      </p:sp>
+      <p:sp>
+        <p:nvSpPr>
+          <p:cNvPr id="12" name="Down Arrow 11"/>
+          <p:cNvSpPr/>
+          <p:nvPr/>
+        </p:nvSpPr>
+        <p:spPr>
+          <a:xfrm>
+            <a:off x="2267210" y="5267196"/>
+            <a:ext cx="388307" cy="588725"/>
+          </a:xfrm>
+          <a:prstGeom prst="downArrow">
+            <a:avLst/>
+          </a:prstGeom>
+        </p:spPr>
+        <p:style>
+          <a:lnRef idx="1">
+            <a:schemeClr val="accent1"/>
+          </a:lnRef>
+          <a:fillRef idx="3">
+            <a:schemeClr val="accent1"/>
+          </a:fillRef>
+          <a:effectRef idx="2">
+            <a:schemeClr val="accent1"/>
+          </a:effectRef>
+          <a:fontRef idx="minor">
+            <a:schemeClr val="lt1"/>
+          </a:fontRef>
+        </p:style>
+        <p:txBody>
+          <a:bodyPr rtlCol="0" anchor="ctr"/>
+          <a:lstStyle/>
+          <a:p>
+            <a:pPr algn="ctr"/>
+            <a:endParaRPr lang="en-US"/>
+          </a:p>
+        </p:txBody>
+      </p:sp>
+      <p:sp>
+        <p:nvSpPr>
+          <p:cNvPr id="13" name="Right Arrow 12"/>
+          <p:cNvSpPr/>
+          <p:nvPr/>
+        </p:nvSpPr>
+        <p:spPr>
+          <a:xfrm>
+            <a:off x="3795387" y="3206662"/>
+            <a:ext cx="1415440" cy="350729"/>
+          </a:xfrm>
+          <a:prstGeom prst="rightArrow">
+            <a:avLst/>
+          </a:prstGeom>
+        </p:spPr>
+        <p:style>
+          <a:lnRef idx="1">
+            <a:schemeClr val="accent1"/>
+          </a:lnRef>
+          <a:fillRef idx="3">
+            <a:schemeClr val="accent1"/>
+          </a:fillRef>
+          <a:effectRef idx="2">
+            <a:schemeClr val="accent1"/>
+          </a:effectRef>
+          <a:fontRef idx="minor">
+            <a:schemeClr val="lt1"/>
+          </a:fontRef>
+        </p:style>
+        <p:txBody>
+          <a:bodyPr rtlCol="0" anchor="ctr"/>
+          <a:lstStyle/>
+          <a:p>
+            <a:pPr algn="ctr"/>
+            <a:endParaRPr lang="en-US"/>
+          </a:p>
+        </p:txBody>
+      </p:sp>
+      <p:sp>
+        <p:nvSpPr>
+          <p:cNvPr id="14" name="Right Arrow 13"/>
+          <p:cNvSpPr/>
+          <p:nvPr/>
+        </p:nvSpPr>
+        <p:spPr>
+          <a:xfrm>
+            <a:off x="3795387" y="4672210"/>
+            <a:ext cx="1415440" cy="350729"/>
+          </a:xfrm>
+          <a:prstGeom prst="rightArrow">
+            <a:avLst/>
+          </a:prstGeom>
+        </p:spPr>
+        <p:style>
+          <a:lnRef idx="1">
+            <a:schemeClr val="accent1"/>
+          </a:lnRef>
+          <a:fillRef idx="3">
+            <a:schemeClr val="accent1"/>
+          </a:fillRef>
+          <a:effectRef idx="2">
+            <a:schemeClr val="accent1"/>
+          </a:effectRef>
+          <a:fontRef idx="minor">
+            <a:schemeClr val="lt1"/>
+          </a:fontRef>
+        </p:style>
+        <p:txBody>
+          <a:bodyPr rtlCol="0" anchor="ctr"/>
+          <a:lstStyle/>
+          <a:p>
+            <a:pPr algn="ctr"/>
+            <a:endParaRPr lang="en-US"/>
+          </a:p>
+        </p:txBody>
+      </p:sp>
+      <p:sp>
+        <p:nvSpPr>
+          <p:cNvPr id="15" name="Bent-Up Arrow 14"/>
+          <p:cNvSpPr/>
+          <p:nvPr/>
+        </p:nvSpPr>
+        <p:spPr>
+          <a:xfrm>
+            <a:off x="3807913" y="5260934"/>
+            <a:ext cx="2530257" cy="1114814"/>
+          </a:xfrm>
+          <a:prstGeom prst="bentUpArrow">
+            <a:avLst/>
+          </a:prstGeom>
+        </p:spPr>
+        <p:style>
+          <a:lnRef idx="1">
+            <a:schemeClr val="accent1"/>
+          </a:lnRef>
+          <a:fillRef idx="3">
+            <a:schemeClr val="accent1"/>
+          </a:fillRef>
+          <a:effectRef idx="2">
+            <a:schemeClr val="accent1"/>
+          </a:effectRef>
+          <a:fontRef idx="minor">
+            <a:schemeClr val="lt1"/>
+          </a:fontRef>
+        </p:style>
+        <p:txBody>
+          <a:bodyPr rtlCol="0" anchor="ctr"/>
+          <a:lstStyle/>
+          <a:p>
+            <a:pPr algn="ctr"/>
+            <a:endParaRPr lang="en-US"/>
+          </a:p>
+        </p:txBody>
+      </p:sp>
+      <p:sp>
+        <p:nvSpPr>
+          <p:cNvPr id="18" name="Rectangle 17"/>
+          <p:cNvSpPr/>
+          <p:nvPr/>
+        </p:nvSpPr>
+        <p:spPr>
+          <a:xfrm>
+            <a:off x="4847572" y="1966586"/>
+            <a:ext cx="3062614" cy="3757808"/>
+          </a:xfrm>
+          <a:prstGeom prst="rect">
+            <a:avLst/>
+          </a:prstGeom>
+          <a:noFill/>
+          <a:ln w="28575">
+            <a:solidFill>
+              <a:srgbClr val="00B0F0"/>
+            </a:solidFill>
+          </a:ln>
+        </p:spPr>
+        <p:style>
+          <a:lnRef idx="1">
+            <a:schemeClr val="accent1"/>
+          </a:lnRef>
+          <a:fillRef idx="3">
+            <a:schemeClr val="accent1"/>
+          </a:fillRef>
+          <a:effectRef idx="2">
+            <a:schemeClr val="accent1"/>
+          </a:effectRef>
+          <a:fontRef idx="minor">
+            <a:schemeClr val="lt1"/>
+          </a:fontRef>
+        </p:style>
+        <p:txBody>
+          <a:bodyPr rtlCol="0" anchor="ctr"/>
+          <a:lstStyle/>
+          <a:p>
+            <a:pPr algn="ctr"/>
+            <a:endParaRPr lang="en-US"/>
+          </a:p>
+        </p:txBody>
+      </p:sp>
+      <p:sp>
+        <p:nvSpPr>
+          <p:cNvPr id="19" name="TextBox 18"/>
+          <p:cNvSpPr txBox="1"/>
+          <p:nvPr/>
+        </p:nvSpPr>
+        <p:spPr>
+          <a:xfrm>
+            <a:off x="5123145" y="2116899"/>
+            <a:ext cx="2617940" cy="369332"/>
+          </a:xfrm>
+          <a:prstGeom prst="rect">
+            <a:avLst/>
+          </a:prstGeom>
+          <a:noFill/>
+        </p:spPr>
+        <p:txBody>
+          <a:bodyPr wrap="square" rtlCol="0">
+            <a:spAutoFit/>
+          </a:bodyPr>
+          <a:lstStyle/>
+          <a:p>
+            <a:r>
+              <a:rPr lang="en-US" altLang="zh-CN" dirty="0" smtClean="0">
+                <a:solidFill>
+                  <a:srgbClr val="0070C0"/>
+                </a:solidFill>
+              </a:rPr>
+              <a:t>Ghost</a:t>
+            </a:r>
+            <a:r>
+              <a:rPr lang="zh-CN" altLang="en-US" dirty="0" smtClean="0">
+                <a:solidFill>
+                  <a:srgbClr val="0070C0"/>
+                </a:solidFill>
+              </a:rPr>
+              <a:t> </a:t>
+            </a:r>
+            <a:r>
+              <a:rPr lang="en-US" altLang="zh-CN" dirty="0" smtClean="0">
+                <a:solidFill>
+                  <a:srgbClr val="0070C0"/>
+                </a:solidFill>
+              </a:rPr>
+              <a:t>checks</a:t>
+            </a:r>
+            <a:r>
+              <a:rPr lang="zh-CN" altLang="en-US" dirty="0" smtClean="0">
+                <a:solidFill>
+                  <a:srgbClr val="0070C0"/>
+                </a:solidFill>
+              </a:rPr>
+              <a:t> </a:t>
+            </a:r>
+            <a:r>
+              <a:rPr lang="en-US" altLang="zh-CN" dirty="0" smtClean="0">
+                <a:solidFill>
+                  <a:srgbClr val="0070C0"/>
+                </a:solidFill>
+              </a:rPr>
+              <a:t>open</a:t>
+            </a:r>
+            <a:r>
+              <a:rPr lang="zh-CN" altLang="en-US" dirty="0" smtClean="0">
+                <a:solidFill>
+                  <a:srgbClr val="0070C0"/>
+                </a:solidFill>
+              </a:rPr>
+              <a:t> </a:t>
+            </a:r>
+            <a:r>
+              <a:rPr lang="en-US" altLang="zh-CN" dirty="0" smtClean="0">
+                <a:solidFill>
+                  <a:srgbClr val="0070C0"/>
+                </a:solidFill>
+              </a:rPr>
+              <a:t>spaces</a:t>
+            </a:r>
+            <a:endParaRPr lang="en-US" dirty="0">
+              <a:solidFill>
+                <a:srgbClr val="0070C0"/>
+              </a:solidFill>
+            </a:endParaRPr>
           </a:p>
         </p:txBody>
       </p:sp>
     </p:spTree>
     <p:extLst>
       <p:ext uri="{BB962C8B-B14F-4D97-AF65-F5344CB8AC3E}">
-        <p14:creationId xmlns:p14="http://schemas.microsoft.com/office/powerpoint/2010/main" val="1654850993"/>
+        <p14:creationId xmlns:p14="http://schemas.microsoft.com/office/powerpoint/2010/main" val="1914381274"/>
       </p:ext>
     </p:extLst>
   </p:cSld>
@@ -4372,7 +9447,7 @@
   <p:timing>
     <p:tnLst>
       <p:par>
-        <p:cTn id="1" dur="indefinite" restart="never" nodeType="tmRoot"/>
+        <p:cTn xmlns:p14="http://schemas.microsoft.com/office/powerpoint/2010/main" id="1" dur="indefinite" restart="never" nodeType="tmRoot"/>
       </p:par>
     </p:tnLst>
   </p:timing>
@@ -4406,14 +9481,33 @@
             <p:ph type="title"/>
           </p:nvPr>
         </p:nvSpPr>
-        <p:spPr/>
-        <p:txBody>
-          <a:bodyPr/>
-          <a:lstStyle/>
-          <a:p>
-            <a:r>
-              <a:rPr lang="en-US" dirty="0" smtClean="0"/>
-              <a:t>Use Cases</a:t>
+        <p:spPr>
+          <a:xfrm>
+            <a:off x="457200" y="274638"/>
+            <a:ext cx="8229600" cy="781780"/>
+          </a:xfrm>
+        </p:spPr>
+        <p:txBody>
+          <a:bodyPr>
+            <a:normAutofit fontScale="90000"/>
+          </a:bodyPr>
+          <a:lstStyle/>
+          <a:p>
+            <a:r>
+              <a:rPr lang="en-US" altLang="zh-CN" dirty="0" smtClean="0"/>
+              <a:t>Remaining</a:t>
+            </a:r>
+            <a:r>
+              <a:rPr lang="zh-CN" altLang="en-US" dirty="0" smtClean="0"/>
+              <a:t> </a:t>
+            </a:r>
+            <a:r>
+              <a:rPr lang="en-US" altLang="zh-CN" dirty="0" smtClean="0"/>
+              <a:t>Objects/</a:t>
+            </a:r>
+            <a:r>
+              <a:rPr lang="en-US" altLang="zh-CN" dirty="0" err="1" smtClean="0"/>
+              <a:t>DispatchAdapter</a:t>
             </a:r>
             <a:endParaRPr lang="en-US" dirty="0"/>
           </a:p>
@@ -4421,77 +9515,639 @@
       </p:sp>
       <p:sp>
         <p:nvSpPr>
-          <p:cNvPr id="3" name="Content Placeholder 2"/>
-          <p:cNvSpPr>
-            <a:spLocks noGrp="1"/>
-          </p:cNvSpPr>
-          <p:nvPr>
-            <p:ph idx="1"/>
-          </p:nvPr>
-        </p:nvSpPr>
-        <p:spPr/>
-        <p:txBody>
-          <a:bodyPr>
-            <a:normAutofit/>
-          </a:bodyPr>
-          <a:lstStyle/>
-          <a:p>
-            <a:r>
-              <a:rPr lang="en-US" dirty="0" smtClean="0"/>
-              <a:t>Pacman</a:t>
+          <p:cNvPr id="4" name="Rectangle 3"/>
+          <p:cNvSpPr/>
+          <p:nvPr/>
+        </p:nvSpPr>
+        <p:spPr>
+          <a:xfrm>
+            <a:off x="457200" y="1492350"/>
+            <a:ext cx="1183710" cy="1237880"/>
+          </a:xfrm>
+          <a:prstGeom prst="rect">
+            <a:avLst/>
+          </a:prstGeom>
+        </p:spPr>
+        <p:style>
+          <a:lnRef idx="1">
+            <a:schemeClr val="accent1"/>
+          </a:lnRef>
+          <a:fillRef idx="3">
+            <a:schemeClr val="accent1"/>
+          </a:fillRef>
+          <a:effectRef idx="2">
+            <a:schemeClr val="accent1"/>
+          </a:effectRef>
+          <a:fontRef idx="minor">
+            <a:schemeClr val="lt1"/>
+          </a:fontRef>
+        </p:style>
+        <p:txBody>
+          <a:bodyPr rtlCol="0" anchor="ctr"/>
+          <a:lstStyle/>
+          <a:p>
+            <a:pPr algn="ctr"/>
+            <a:r>
+              <a:rPr lang="en-US" altLang="zh-CN" dirty="0" smtClean="0"/>
+              <a:t>Fruit</a:t>
             </a:r>
             <a:endParaRPr lang="en-US" dirty="0"/>
           </a:p>
-          <a:p>
-            <a:pPr lvl="1" fontAlgn="base"/>
-            <a:r>
-              <a:rPr lang="en-US" dirty="0"/>
-              <a:t>Pacman can move in all directions - can change direction with user input</a:t>
-            </a:r>
-          </a:p>
-          <a:p>
-            <a:pPr lvl="1" fontAlgn="base"/>
-            <a:r>
-              <a:rPr lang="en-US" dirty="0"/>
-              <a:t>Pacman does not go through walls</a:t>
-            </a:r>
-          </a:p>
-          <a:p>
-            <a:pPr lvl="1" fontAlgn="base"/>
-            <a:r>
-              <a:rPr lang="en-US" dirty="0"/>
-              <a:t>Pacman can teleport through </a:t>
-            </a:r>
-            <a:r>
-              <a:rPr lang="en-US" dirty="0" smtClean="0"/>
-              <a:t>exit</a:t>
-            </a:r>
+        </p:txBody>
+      </p:sp>
+      <p:sp>
+        <p:nvSpPr>
+          <p:cNvPr id="5" name="Round Single Corner Rectangle 4"/>
+          <p:cNvSpPr/>
+          <p:nvPr/>
+        </p:nvSpPr>
+        <p:spPr>
+          <a:xfrm>
+            <a:off x="2279737" y="1389945"/>
+            <a:ext cx="1615858" cy="613775"/>
+          </a:xfrm>
+          <a:prstGeom prst="round1Rect">
+            <a:avLst/>
+          </a:prstGeom>
+        </p:spPr>
+        <p:style>
+          <a:lnRef idx="1">
+            <a:schemeClr val="accent1"/>
+          </a:lnRef>
+          <a:fillRef idx="3">
+            <a:schemeClr val="accent1"/>
+          </a:fillRef>
+          <a:effectRef idx="2">
+            <a:schemeClr val="accent1"/>
+          </a:effectRef>
+          <a:fontRef idx="minor">
+            <a:schemeClr val="lt1"/>
+          </a:fontRef>
+        </p:style>
+        <p:txBody>
+          <a:bodyPr rtlCol="0" anchor="ctr"/>
+          <a:lstStyle/>
+          <a:p>
+            <a:pPr algn="ctr"/>
+            <a:r>
+              <a:rPr lang="en-US" altLang="zh-CN" smtClean="0"/>
+              <a:t>fruitTimer</a:t>
+            </a:r>
+            <a:endParaRPr lang="en-US" dirty="0"/>
+          </a:p>
+        </p:txBody>
+      </p:sp>
+      <p:sp>
+        <p:nvSpPr>
+          <p:cNvPr id="6" name="Round Single Corner Rectangle 5"/>
+          <p:cNvSpPr/>
+          <p:nvPr/>
+        </p:nvSpPr>
+        <p:spPr>
+          <a:xfrm>
+            <a:off x="2279737" y="2370107"/>
+            <a:ext cx="1615858" cy="613775"/>
+          </a:xfrm>
+          <a:prstGeom prst="round1Rect">
+            <a:avLst/>
+          </a:prstGeom>
+        </p:spPr>
+        <p:style>
+          <a:lnRef idx="1">
+            <a:schemeClr val="accent1"/>
+          </a:lnRef>
+          <a:fillRef idx="3">
+            <a:schemeClr val="accent1"/>
+          </a:fillRef>
+          <a:effectRef idx="2">
+            <a:schemeClr val="accent1"/>
+          </a:effectRef>
+          <a:fontRef idx="minor">
+            <a:schemeClr val="lt1"/>
+          </a:fontRef>
+        </p:style>
+        <p:txBody>
+          <a:bodyPr rtlCol="0" anchor="ctr"/>
+          <a:lstStyle/>
+          <a:p>
+            <a:pPr algn="ctr"/>
+            <a:r>
+              <a:rPr lang="en-US" altLang="zh-CN" dirty="0" err="1" smtClean="0"/>
+              <a:t>emptyPosList</a:t>
+            </a:r>
+            <a:endParaRPr lang="en-US" dirty="0"/>
+          </a:p>
+        </p:txBody>
+      </p:sp>
+      <p:sp>
+        <p:nvSpPr>
+          <p:cNvPr id="7" name="Rectangle 6"/>
+          <p:cNvSpPr/>
+          <p:nvPr/>
+        </p:nvSpPr>
+        <p:spPr>
+          <a:xfrm>
+            <a:off x="5231704" y="1492350"/>
+            <a:ext cx="1183710" cy="1237880"/>
+          </a:xfrm>
+          <a:prstGeom prst="rect">
+            <a:avLst/>
+          </a:prstGeom>
+        </p:spPr>
+        <p:style>
+          <a:lnRef idx="1">
+            <a:schemeClr val="accent1"/>
+          </a:lnRef>
+          <a:fillRef idx="3">
+            <a:schemeClr val="accent1"/>
+          </a:fillRef>
+          <a:effectRef idx="2">
+            <a:schemeClr val="accent1"/>
+          </a:effectRef>
+          <a:fontRef idx="minor">
+            <a:schemeClr val="lt1"/>
+          </a:fontRef>
+        </p:style>
+        <p:txBody>
+          <a:bodyPr rtlCol="0" anchor="ctr"/>
+          <a:lstStyle/>
+          <a:p>
+            <a:pPr algn="ctr"/>
             <a:r>
               <a:rPr lang="en-US" altLang="zh-CN" dirty="0" smtClean="0"/>
-              <a:t>s</a:t>
+              <a:t>Exit</a:t>
             </a:r>
             <a:endParaRPr lang="en-US" dirty="0"/>
           </a:p>
-          <a:p>
-            <a:pPr lvl="1" fontAlgn="base"/>
-            <a:r>
-              <a:rPr lang="en-US" dirty="0"/>
-              <a:t>Pacman eats food - food is destroyed, update score, ghost strategy</a:t>
-            </a:r>
-          </a:p>
-          <a:p>
-            <a:pPr lvl="1" fontAlgn="base"/>
-            <a:r>
-              <a:rPr lang="en-US" dirty="0"/>
-              <a:t>Pacman eats afraid ghosts</a:t>
-            </a:r>
+        </p:txBody>
+      </p:sp>
+      <p:sp>
+        <p:nvSpPr>
+          <p:cNvPr id="8" name="Rectangle 7"/>
+          <p:cNvSpPr/>
+          <p:nvPr/>
+        </p:nvSpPr>
+        <p:spPr>
+          <a:xfrm>
+            <a:off x="7252570" y="1773087"/>
+            <a:ext cx="1252603" cy="676405"/>
+          </a:xfrm>
+          <a:prstGeom prst="rect">
+            <a:avLst/>
+          </a:prstGeom>
+        </p:spPr>
+        <p:style>
+          <a:lnRef idx="1">
+            <a:schemeClr val="accent1"/>
+          </a:lnRef>
+          <a:fillRef idx="3">
+            <a:schemeClr val="accent1"/>
+          </a:fillRef>
+          <a:effectRef idx="2">
+            <a:schemeClr val="accent1"/>
+          </a:effectRef>
+          <a:fontRef idx="minor">
+            <a:schemeClr val="lt1"/>
+          </a:fontRef>
+        </p:style>
+        <p:txBody>
+          <a:bodyPr rtlCol="0" anchor="ctr"/>
+          <a:lstStyle/>
+          <a:p>
+            <a:pPr algn="ctr"/>
+            <a:r>
+              <a:rPr lang="en-US" altLang="zh-CN" smtClean="0"/>
+              <a:t>exitTo</a:t>
+            </a:r>
+            <a:endParaRPr lang="en-US" dirty="0"/>
+          </a:p>
+        </p:txBody>
+      </p:sp>
+      <p:sp>
+        <p:nvSpPr>
+          <p:cNvPr id="9" name="Left Brace 8"/>
+          <p:cNvSpPr/>
+          <p:nvPr/>
+        </p:nvSpPr>
+        <p:spPr>
+          <a:xfrm>
+            <a:off x="1640910" y="1802288"/>
+            <a:ext cx="638827" cy="769252"/>
+          </a:xfrm>
+          <a:prstGeom prst="leftBrace">
+            <a:avLst/>
+          </a:prstGeom>
+        </p:spPr>
+        <p:style>
+          <a:lnRef idx="2">
+            <a:schemeClr val="accent1"/>
+          </a:lnRef>
+          <a:fillRef idx="0">
+            <a:schemeClr val="accent1"/>
+          </a:fillRef>
+          <a:effectRef idx="1">
+            <a:schemeClr val="accent1"/>
+          </a:effectRef>
+          <a:fontRef idx="minor">
+            <a:schemeClr val="tx1"/>
+          </a:fontRef>
+        </p:style>
+        <p:txBody>
+          <a:bodyPr rtlCol="0" anchor="ctr"/>
+          <a:lstStyle/>
+          <a:p>
+            <a:pPr algn="ctr"/>
+            <a:endParaRPr lang="en-US"/>
+          </a:p>
+        </p:txBody>
+      </p:sp>
+      <p:sp>
+        <p:nvSpPr>
+          <p:cNvPr id="10" name="Right Arrow 9"/>
+          <p:cNvSpPr/>
+          <p:nvPr/>
+        </p:nvSpPr>
+        <p:spPr>
+          <a:xfrm>
+            <a:off x="6415414" y="2003720"/>
+            <a:ext cx="837156" cy="275573"/>
+          </a:xfrm>
+          <a:prstGeom prst="rightArrow">
+            <a:avLst/>
+          </a:prstGeom>
+        </p:spPr>
+        <p:style>
+          <a:lnRef idx="1">
+            <a:schemeClr val="accent1"/>
+          </a:lnRef>
+          <a:fillRef idx="3">
+            <a:schemeClr val="accent1"/>
+          </a:fillRef>
+          <a:effectRef idx="2">
+            <a:schemeClr val="accent1"/>
+          </a:effectRef>
+          <a:fontRef idx="minor">
+            <a:schemeClr val="lt1"/>
+          </a:fontRef>
+        </p:style>
+        <p:txBody>
+          <a:bodyPr rtlCol="0" anchor="ctr"/>
+          <a:lstStyle/>
+          <a:p>
+            <a:pPr algn="ctr"/>
+            <a:endParaRPr lang="en-US"/>
+          </a:p>
+        </p:txBody>
+      </p:sp>
+      <p:sp>
+        <p:nvSpPr>
+          <p:cNvPr id="11" name="Rectangle 10"/>
+          <p:cNvSpPr/>
+          <p:nvPr/>
+        </p:nvSpPr>
+        <p:spPr>
+          <a:xfrm>
+            <a:off x="1540701" y="3503712"/>
+            <a:ext cx="5974915" cy="767219"/>
+          </a:xfrm>
+          <a:prstGeom prst="rect">
+            <a:avLst/>
+          </a:prstGeom>
+        </p:spPr>
+        <p:style>
+          <a:lnRef idx="1">
+            <a:schemeClr val="accent1"/>
+          </a:lnRef>
+          <a:fillRef idx="3">
+            <a:schemeClr val="accent1"/>
+          </a:fillRef>
+          <a:effectRef idx="2">
+            <a:schemeClr val="accent1"/>
+          </a:effectRef>
+          <a:fontRef idx="minor">
+            <a:schemeClr val="lt1"/>
+          </a:fontRef>
+        </p:style>
+        <p:txBody>
+          <a:bodyPr rtlCol="0" anchor="ctr"/>
+          <a:lstStyle/>
+          <a:p>
+            <a:pPr algn="ctr"/>
+            <a:r>
+              <a:rPr lang="en-US" altLang="zh-CN" dirty="0" smtClean="0"/>
+              <a:t>DA</a:t>
+            </a:r>
+            <a:r>
+              <a:rPr lang="zh-CN" altLang="en-US" dirty="0" smtClean="0"/>
+              <a:t> </a:t>
+            </a:r>
+            <a:r>
+              <a:rPr lang="en-US" altLang="zh-CN" dirty="0" err="1" smtClean="0"/>
+              <a:t>updatePacWorld</a:t>
+            </a:r>
+            <a:r>
+              <a:rPr lang="en-US" altLang="zh-CN" dirty="0" smtClean="0"/>
+              <a:t>()</a:t>
+            </a:r>
+            <a:endParaRPr lang="en-US" dirty="0"/>
+          </a:p>
+        </p:txBody>
+      </p:sp>
+      <p:sp>
+        <p:nvSpPr>
+          <p:cNvPr id="12" name="Rectangle 11"/>
+          <p:cNvSpPr/>
+          <p:nvPr/>
+        </p:nvSpPr>
+        <p:spPr>
+          <a:xfrm>
+            <a:off x="1049055" y="4912888"/>
+            <a:ext cx="2085585" cy="1164921"/>
+          </a:xfrm>
+          <a:prstGeom prst="rect">
+            <a:avLst/>
+          </a:prstGeom>
+        </p:spPr>
+        <p:style>
+          <a:lnRef idx="1">
+            <a:schemeClr val="accent1"/>
+          </a:lnRef>
+          <a:fillRef idx="3">
+            <a:schemeClr val="accent1"/>
+          </a:fillRef>
+          <a:effectRef idx="2">
+            <a:schemeClr val="accent1"/>
+          </a:effectRef>
+          <a:fontRef idx="minor">
+            <a:schemeClr val="lt1"/>
+          </a:fontRef>
+        </p:style>
+        <p:txBody>
+          <a:bodyPr rtlCol="0" anchor="ctr"/>
+          <a:lstStyle/>
+          <a:p>
+            <a:pPr algn="ctr"/>
+            <a:r>
+              <a:rPr lang="en-US" altLang="zh-CN" dirty="0" smtClean="0"/>
+              <a:t>Check</a:t>
+            </a:r>
+            <a:r>
+              <a:rPr lang="zh-CN" altLang="en-US" dirty="0" smtClean="0"/>
+              <a:t> </a:t>
+            </a:r>
+            <a:r>
+              <a:rPr lang="en-US" altLang="zh-CN" dirty="0" smtClean="0"/>
+              <a:t>for</a:t>
+            </a:r>
+            <a:r>
+              <a:rPr lang="zh-CN" altLang="en-US" dirty="0" smtClean="0"/>
+              <a:t> </a:t>
+            </a:r>
+            <a:r>
+              <a:rPr lang="en-US" altLang="zh-CN" dirty="0" smtClean="0"/>
+              <a:t>game</a:t>
+            </a:r>
+            <a:r>
+              <a:rPr lang="zh-CN" altLang="en-US" dirty="0" smtClean="0"/>
+              <a:t> </a:t>
+            </a:r>
+            <a:r>
+              <a:rPr lang="en-US" altLang="zh-CN" dirty="0" smtClean="0"/>
+              <a:t>end:</a:t>
+            </a:r>
+          </a:p>
+          <a:p>
+            <a:pPr algn="ctr"/>
+            <a:r>
+              <a:rPr lang="en-US" altLang="zh-CN" dirty="0" smtClean="0"/>
+              <a:t>li</a:t>
+            </a:r>
+            <a:r>
+              <a:rPr lang="en-US" altLang="zh-CN" dirty="0" smtClean="0"/>
+              <a:t>ves</a:t>
+            </a:r>
+            <a:r>
+              <a:rPr lang="en-US" altLang="zh-CN" dirty="0" smtClean="0"/>
+              <a:t>/</a:t>
+            </a:r>
+            <a:r>
+              <a:rPr lang="en-US" altLang="zh-CN" dirty="0" err="1" smtClean="0"/>
+              <a:t>dotsLeft</a:t>
+            </a:r>
+            <a:endParaRPr lang="en-US" dirty="0"/>
+          </a:p>
+        </p:txBody>
+      </p:sp>
+      <p:sp>
+        <p:nvSpPr>
+          <p:cNvPr id="13" name="Rectangle 12"/>
+          <p:cNvSpPr/>
+          <p:nvPr/>
+        </p:nvSpPr>
+        <p:spPr>
+          <a:xfrm>
+            <a:off x="3804258" y="4912888"/>
+            <a:ext cx="1702497" cy="1164921"/>
+          </a:xfrm>
+          <a:prstGeom prst="rect">
+            <a:avLst/>
+          </a:prstGeom>
+        </p:spPr>
+        <p:style>
+          <a:lnRef idx="1">
+            <a:schemeClr val="accent1"/>
+          </a:lnRef>
+          <a:fillRef idx="3">
+            <a:schemeClr val="accent1"/>
+          </a:fillRef>
+          <a:effectRef idx="2">
+            <a:schemeClr val="accent1"/>
+          </a:effectRef>
+          <a:fontRef idx="minor">
+            <a:schemeClr val="lt1"/>
+          </a:fontRef>
+        </p:style>
+        <p:txBody>
+          <a:bodyPr rtlCol="0" anchor="ctr"/>
+          <a:lstStyle/>
+          <a:p>
+            <a:pPr algn="ctr"/>
+            <a:r>
+              <a:rPr lang="en-US" altLang="zh-CN" dirty="0" smtClean="0"/>
+              <a:t>Check and update </a:t>
+            </a:r>
+            <a:r>
+              <a:rPr lang="en-US" altLang="zh-CN" dirty="0" err="1" smtClean="0"/>
+              <a:t>afraidTimer</a:t>
+            </a:r>
+            <a:endParaRPr lang="en-US" dirty="0"/>
+          </a:p>
+        </p:txBody>
+      </p:sp>
+      <p:sp>
+        <p:nvSpPr>
+          <p:cNvPr id="14" name="Rectangle 13"/>
+          <p:cNvSpPr/>
+          <p:nvPr/>
+        </p:nvSpPr>
+        <p:spPr>
+          <a:xfrm>
+            <a:off x="6176374" y="4912888"/>
+            <a:ext cx="1702497" cy="1164921"/>
+          </a:xfrm>
+          <a:prstGeom prst="rect">
+            <a:avLst/>
+          </a:prstGeom>
+        </p:spPr>
+        <p:style>
+          <a:lnRef idx="1">
+            <a:schemeClr val="accent1"/>
+          </a:lnRef>
+          <a:fillRef idx="3">
+            <a:schemeClr val="accent1"/>
+          </a:fillRef>
+          <a:effectRef idx="2">
+            <a:schemeClr val="accent1"/>
+          </a:effectRef>
+          <a:fontRef idx="minor">
+            <a:schemeClr val="lt1"/>
+          </a:fontRef>
+        </p:style>
+        <p:txBody>
+          <a:bodyPr rtlCol="0" anchor="ctr"/>
+          <a:lstStyle/>
+          <a:p>
+            <a:pPr algn="ctr"/>
+            <a:r>
+              <a:rPr lang="en-US" altLang="zh-CN" dirty="0" smtClean="0"/>
+              <a:t>Check and update </a:t>
+            </a:r>
+            <a:r>
+              <a:rPr lang="en-US" altLang="zh-CN" dirty="0" err="1" smtClean="0"/>
+              <a:t>fruitTimer</a:t>
+            </a:r>
+            <a:endParaRPr lang="en-US" dirty="0"/>
+          </a:p>
+        </p:txBody>
+      </p:sp>
+      <p:sp>
+        <p:nvSpPr>
+          <p:cNvPr id="15" name="Down Arrow 14"/>
+          <p:cNvSpPr/>
+          <p:nvPr/>
+        </p:nvSpPr>
+        <p:spPr>
+          <a:xfrm>
+            <a:off x="1932140" y="4282277"/>
+            <a:ext cx="319414" cy="641957"/>
+          </a:xfrm>
+          <a:prstGeom prst="downArrow">
+            <a:avLst/>
+          </a:prstGeom>
+        </p:spPr>
+        <p:style>
+          <a:lnRef idx="1">
+            <a:schemeClr val="accent1"/>
+          </a:lnRef>
+          <a:fillRef idx="3">
+            <a:schemeClr val="accent1"/>
+          </a:fillRef>
+          <a:effectRef idx="2">
+            <a:schemeClr val="accent1"/>
+          </a:effectRef>
+          <a:fontRef idx="minor">
+            <a:schemeClr val="lt1"/>
+          </a:fontRef>
+        </p:style>
+        <p:txBody>
+          <a:bodyPr rtlCol="0" anchor="ctr"/>
+          <a:lstStyle/>
+          <a:p>
+            <a:pPr algn="ctr"/>
+            <a:endParaRPr lang="en-US"/>
+          </a:p>
+        </p:txBody>
+      </p:sp>
+      <p:sp>
+        <p:nvSpPr>
+          <p:cNvPr id="16" name="Down Arrow 15"/>
+          <p:cNvSpPr/>
+          <p:nvPr/>
+        </p:nvSpPr>
+        <p:spPr>
+          <a:xfrm>
+            <a:off x="4495799" y="4288924"/>
+            <a:ext cx="319414" cy="641957"/>
+          </a:xfrm>
+          <a:prstGeom prst="downArrow">
+            <a:avLst/>
+          </a:prstGeom>
+        </p:spPr>
+        <p:style>
+          <a:lnRef idx="1">
+            <a:schemeClr val="accent1"/>
+          </a:lnRef>
+          <a:fillRef idx="3">
+            <a:schemeClr val="accent1"/>
+          </a:fillRef>
+          <a:effectRef idx="2">
+            <a:schemeClr val="accent1"/>
+          </a:effectRef>
+          <a:fontRef idx="minor">
+            <a:schemeClr val="lt1"/>
+          </a:fontRef>
+        </p:style>
+        <p:txBody>
+          <a:bodyPr rtlCol="0" anchor="ctr"/>
+          <a:lstStyle/>
+          <a:p>
+            <a:pPr algn="ctr"/>
+            <a:endParaRPr lang="en-US"/>
+          </a:p>
+        </p:txBody>
+      </p:sp>
+      <p:sp>
+        <p:nvSpPr>
+          <p:cNvPr id="17" name="Down Arrow 16"/>
+          <p:cNvSpPr/>
+          <p:nvPr/>
+        </p:nvSpPr>
+        <p:spPr>
+          <a:xfrm>
+            <a:off x="6899751" y="4270931"/>
+            <a:ext cx="319414" cy="641957"/>
+          </a:xfrm>
+          <a:prstGeom prst="downArrow">
+            <a:avLst/>
+          </a:prstGeom>
+        </p:spPr>
+        <p:style>
+          <a:lnRef idx="1">
+            <a:schemeClr val="accent1"/>
+          </a:lnRef>
+          <a:fillRef idx="3">
+            <a:schemeClr val="accent1"/>
+          </a:fillRef>
+          <a:effectRef idx="2">
+            <a:schemeClr val="accent1"/>
+          </a:effectRef>
+          <a:fontRef idx="minor">
+            <a:schemeClr val="lt1"/>
+          </a:fontRef>
+        </p:style>
+        <p:txBody>
+          <a:bodyPr rtlCol="0" anchor="ctr"/>
+          <a:lstStyle/>
+          <a:p>
+            <a:pPr algn="ctr"/>
+            <a:endParaRPr lang="en-US"/>
           </a:p>
         </p:txBody>
       </p:sp>
     </p:spTree>
     <p:extLst>
       <p:ext uri="{BB962C8B-B14F-4D97-AF65-F5344CB8AC3E}">
-        <p14:creationId xmlns:p14="http://schemas.microsoft.com/office/powerpoint/2010/main" val="2761579830"/>
+        <p14:creationId xmlns:p14="http://schemas.microsoft.com/office/powerpoint/2010/main" val="740684689"/>
       </p:ext>
     </p:extLst>
   </p:cSld>
@@ -4501,7 +10157,7 @@
   <p:timing>
     <p:tnLst>
       <p:par>
-        <p:cTn id="1" dur="indefinite" restart="never" nodeType="tmRoot"/>
+        <p:cTn xmlns:p14="http://schemas.microsoft.com/office/powerpoint/2010/main" id="1" dur="indefinite" restart="never" nodeType="tmRoot"/>
       </p:par>
     </p:tnLst>
   </p:timing>
@@ -4535,14 +10191,21 @@
             <p:ph type="title"/>
           </p:nvPr>
         </p:nvSpPr>
-        <p:spPr/>
-        <p:txBody>
-          <a:bodyPr/>
-          <a:lstStyle/>
-          <a:p>
-            <a:r>
-              <a:rPr lang="en-US" dirty="0" smtClean="0"/>
-              <a:t>Use Cases</a:t>
+        <p:spPr>
+          <a:xfrm>
+            <a:off x="457200" y="274638"/>
+            <a:ext cx="8229600" cy="639762"/>
+          </a:xfrm>
+        </p:spPr>
+        <p:txBody>
+          <a:bodyPr>
+            <a:normAutofit fontScale="90000"/>
+          </a:bodyPr>
+          <a:lstStyle/>
+          <a:p>
+            <a:r>
+              <a:rPr lang="en-US" altLang="zh-CN" dirty="0" smtClean="0"/>
+              <a:t>View</a:t>
             </a:r>
             <a:endParaRPr lang="en-US" dirty="0"/>
           </a:p>
@@ -4550,78 +10213,642 @@
       </p:sp>
       <p:sp>
         <p:nvSpPr>
-          <p:cNvPr id="3" name="Content Placeholder 2"/>
-          <p:cNvSpPr>
-            <a:spLocks noGrp="1"/>
-          </p:cNvSpPr>
-          <p:nvPr>
-            <p:ph idx="1"/>
-          </p:nvPr>
-        </p:nvSpPr>
-        <p:spPr/>
-        <p:txBody>
-          <a:bodyPr/>
-          <a:lstStyle/>
-          <a:p>
-            <a:r>
-              <a:rPr lang="en-US" dirty="0" smtClean="0"/>
-              <a:t>Ghosts</a:t>
-            </a:r>
-          </a:p>
-          <a:p>
-            <a:pPr lvl="1" fontAlgn="base"/>
-            <a:r>
-              <a:rPr lang="en-US" dirty="0"/>
-              <a:t>Ghost starts in jail</a:t>
-            </a:r>
-          </a:p>
-          <a:p>
-            <a:pPr lvl="1" fontAlgn="base"/>
-            <a:r>
-              <a:rPr lang="en-US" dirty="0"/>
-              <a:t>Ghost can move based on strategy</a:t>
-            </a:r>
-          </a:p>
-          <a:p>
-            <a:pPr lvl="1" fontAlgn="base"/>
-            <a:r>
-              <a:rPr lang="en-US" dirty="0"/>
-              <a:t>Ghost does not go through walls</a:t>
-            </a:r>
-          </a:p>
-          <a:p>
-            <a:pPr lvl="1" fontAlgn="base"/>
-            <a:r>
-              <a:rPr lang="en-US" dirty="0"/>
-              <a:t>Ghost can teleport through exit</a:t>
-            </a:r>
-          </a:p>
-          <a:p>
-            <a:pPr lvl="1" fontAlgn="base"/>
-            <a:r>
-              <a:rPr lang="en-US" dirty="0"/>
-              <a:t>Eating large dot makes ghosts afraid</a:t>
-            </a:r>
-          </a:p>
-          <a:p>
-            <a:pPr lvl="1" fontAlgn="base"/>
-            <a:r>
-              <a:rPr lang="en-US" dirty="0"/>
-              <a:t>Ghost goes to jail when eaten</a:t>
-            </a:r>
-          </a:p>
-        </p:txBody>
-      </p:sp>
+          <p:cNvPr id="4" name="Oval 3"/>
+          <p:cNvSpPr/>
+          <p:nvPr/>
+        </p:nvSpPr>
+        <p:spPr>
+          <a:xfrm>
+            <a:off x="3350712" y="3615780"/>
+            <a:ext cx="2442575" cy="1014608"/>
+          </a:xfrm>
+          <a:prstGeom prst="ellipse">
+            <a:avLst/>
+          </a:prstGeom>
+        </p:spPr>
+        <p:style>
+          <a:lnRef idx="1">
+            <a:schemeClr val="accent1"/>
+          </a:lnRef>
+          <a:fillRef idx="3">
+            <a:schemeClr val="accent1"/>
+          </a:fillRef>
+          <a:effectRef idx="2">
+            <a:schemeClr val="accent1"/>
+          </a:effectRef>
+          <a:fontRef idx="minor">
+            <a:schemeClr val="lt1"/>
+          </a:fontRef>
+        </p:style>
+        <p:txBody>
+          <a:bodyPr rtlCol="0" anchor="ctr"/>
+          <a:lstStyle/>
+          <a:p>
+            <a:pPr algn="ctr"/>
+            <a:r>
+              <a:rPr lang="en-US" altLang="zh-CN" dirty="0" err="1" smtClean="0"/>
+              <a:t>FrameCount</a:t>
+            </a:r>
+            <a:endParaRPr lang="en-US" dirty="0"/>
+          </a:p>
+        </p:txBody>
+      </p:sp>
+      <p:sp>
+        <p:nvSpPr>
+          <p:cNvPr id="5" name="Rectangle 4"/>
+          <p:cNvSpPr/>
+          <p:nvPr/>
+        </p:nvSpPr>
+        <p:spPr>
+          <a:xfrm>
+            <a:off x="1503123" y="5065668"/>
+            <a:ext cx="1340285" cy="864295"/>
+          </a:xfrm>
+          <a:prstGeom prst="rect">
+            <a:avLst/>
+          </a:prstGeom>
+        </p:spPr>
+        <p:style>
+          <a:lnRef idx="1">
+            <a:schemeClr val="accent1"/>
+          </a:lnRef>
+          <a:fillRef idx="3">
+            <a:schemeClr val="accent1"/>
+          </a:fillRef>
+          <a:effectRef idx="2">
+            <a:schemeClr val="accent1"/>
+          </a:effectRef>
+          <a:fontRef idx="minor">
+            <a:schemeClr val="lt1"/>
+          </a:fontRef>
+        </p:style>
+        <p:txBody>
+          <a:bodyPr rtlCol="0" anchor="ctr"/>
+          <a:lstStyle/>
+          <a:p>
+            <a:pPr algn="ctr"/>
+            <a:r>
+              <a:rPr lang="en-US" altLang="zh-CN" dirty="0" smtClean="0"/>
+              <a:t>Pacman</a:t>
+            </a:r>
+            <a:r>
+              <a:rPr lang="zh-CN" altLang="en-US" dirty="0" smtClean="0"/>
+              <a:t> </a:t>
+            </a:r>
+            <a:r>
+              <a:rPr lang="en-US" altLang="zh-CN" dirty="0" smtClean="0"/>
+              <a:t>animation</a:t>
+            </a:r>
+            <a:endParaRPr lang="en-US" dirty="0"/>
+          </a:p>
+        </p:txBody>
+      </p:sp>
+      <p:sp>
+        <p:nvSpPr>
+          <p:cNvPr id="6" name="Rectangle 5"/>
+          <p:cNvSpPr/>
+          <p:nvPr/>
+        </p:nvSpPr>
+        <p:spPr>
+          <a:xfrm>
+            <a:off x="3901856" y="5065668"/>
+            <a:ext cx="1340285" cy="864295"/>
+          </a:xfrm>
+          <a:prstGeom prst="rect">
+            <a:avLst/>
+          </a:prstGeom>
+        </p:spPr>
+        <p:style>
+          <a:lnRef idx="1">
+            <a:schemeClr val="accent1"/>
+          </a:lnRef>
+          <a:fillRef idx="3">
+            <a:schemeClr val="accent1"/>
+          </a:fillRef>
+          <a:effectRef idx="2">
+            <a:schemeClr val="accent1"/>
+          </a:effectRef>
+          <a:fontRef idx="minor">
+            <a:schemeClr val="lt1"/>
+          </a:fontRef>
+        </p:style>
+        <p:txBody>
+          <a:bodyPr rtlCol="0" anchor="ctr"/>
+          <a:lstStyle/>
+          <a:p>
+            <a:pPr algn="ctr"/>
+            <a:r>
+              <a:rPr lang="en-US" altLang="zh-CN" dirty="0" smtClean="0"/>
+              <a:t>flashing</a:t>
+            </a:r>
+            <a:r>
+              <a:rPr lang="zh-CN" altLang="en-US" dirty="0" smtClean="0"/>
+              <a:t> </a:t>
+            </a:r>
+            <a:r>
+              <a:rPr lang="en-US" altLang="zh-CN" dirty="0" smtClean="0"/>
+              <a:t>ghost</a:t>
+            </a:r>
+            <a:endParaRPr lang="en-US" dirty="0"/>
+          </a:p>
+        </p:txBody>
+      </p:sp>
+      <p:sp>
+        <p:nvSpPr>
+          <p:cNvPr id="7" name="Rectangle 6"/>
+          <p:cNvSpPr/>
+          <p:nvPr/>
+        </p:nvSpPr>
+        <p:spPr>
+          <a:xfrm>
+            <a:off x="6300589" y="5065668"/>
+            <a:ext cx="1340285" cy="864295"/>
+          </a:xfrm>
+          <a:prstGeom prst="rect">
+            <a:avLst/>
+          </a:prstGeom>
+        </p:spPr>
+        <p:style>
+          <a:lnRef idx="1">
+            <a:schemeClr val="accent1"/>
+          </a:lnRef>
+          <a:fillRef idx="3">
+            <a:schemeClr val="accent1"/>
+          </a:fillRef>
+          <a:effectRef idx="2">
+            <a:schemeClr val="accent1"/>
+          </a:effectRef>
+          <a:fontRef idx="minor">
+            <a:schemeClr val="lt1"/>
+          </a:fontRef>
+        </p:style>
+        <p:txBody>
+          <a:bodyPr rtlCol="0" anchor="ctr"/>
+          <a:lstStyle/>
+          <a:p>
+            <a:pPr algn="ctr"/>
+            <a:r>
+              <a:rPr lang="en-US" altLang="zh-CN" dirty="0" smtClean="0"/>
+              <a:t>Blinding</a:t>
+            </a:r>
+            <a:r>
+              <a:rPr lang="zh-CN" altLang="en-US" dirty="0" smtClean="0"/>
+              <a:t> </a:t>
+            </a:r>
+            <a:r>
+              <a:rPr lang="en-US" altLang="zh-CN" dirty="0" smtClean="0"/>
+              <a:t>dots</a:t>
+            </a:r>
+            <a:endParaRPr lang="en-US" dirty="0"/>
+          </a:p>
+        </p:txBody>
+      </p:sp>
+      <p:sp>
+        <p:nvSpPr>
+          <p:cNvPr id="8" name="Rectangle 7"/>
+          <p:cNvSpPr/>
+          <p:nvPr/>
+        </p:nvSpPr>
+        <p:spPr>
+          <a:xfrm>
+            <a:off x="1503123" y="1389279"/>
+            <a:ext cx="1828800" cy="1365337"/>
+          </a:xfrm>
+          <a:prstGeom prst="rect">
+            <a:avLst/>
+          </a:prstGeom>
+        </p:spPr>
+        <p:style>
+          <a:lnRef idx="1">
+            <a:schemeClr val="accent1"/>
+          </a:lnRef>
+          <a:fillRef idx="3">
+            <a:schemeClr val="accent1"/>
+          </a:fillRef>
+          <a:effectRef idx="2">
+            <a:schemeClr val="accent1"/>
+          </a:effectRef>
+          <a:fontRef idx="minor">
+            <a:schemeClr val="lt1"/>
+          </a:fontRef>
+        </p:style>
+        <p:txBody>
+          <a:bodyPr rtlCol="0" anchor="ctr"/>
+          <a:lstStyle/>
+          <a:p>
+            <a:pPr algn="ctr"/>
+            <a:r>
+              <a:rPr lang="en-US" altLang="zh-CN" dirty="0" smtClean="0"/>
+              <a:t>Update</a:t>
+            </a:r>
+            <a:r>
+              <a:rPr lang="zh-CN" altLang="en-US" dirty="0" smtClean="0"/>
+              <a:t> </a:t>
+            </a:r>
+            <a:r>
+              <a:rPr lang="en-US" altLang="zh-CN" dirty="0" smtClean="0"/>
+              <a:t>Game</a:t>
+            </a:r>
+            <a:endParaRPr lang="en-US" dirty="0"/>
+          </a:p>
+        </p:txBody>
+      </p:sp>
+      <p:sp>
+        <p:nvSpPr>
+          <p:cNvPr id="9" name="Round Single Corner Rectangle 8"/>
+          <p:cNvSpPr/>
+          <p:nvPr/>
+        </p:nvSpPr>
+        <p:spPr>
+          <a:xfrm>
+            <a:off x="3901855" y="1202020"/>
+            <a:ext cx="3876807" cy="413359"/>
+          </a:xfrm>
+          <a:prstGeom prst="round1Rect">
+            <a:avLst/>
+          </a:prstGeom>
+        </p:spPr>
+        <p:style>
+          <a:lnRef idx="1">
+            <a:schemeClr val="accent1"/>
+          </a:lnRef>
+          <a:fillRef idx="3">
+            <a:schemeClr val="accent1"/>
+          </a:fillRef>
+          <a:effectRef idx="2">
+            <a:schemeClr val="accent1"/>
+          </a:effectRef>
+          <a:fontRef idx="minor">
+            <a:schemeClr val="lt1"/>
+          </a:fontRef>
+        </p:style>
+        <p:txBody>
+          <a:bodyPr rtlCol="0" anchor="ctr"/>
+          <a:lstStyle/>
+          <a:p>
+            <a:pPr algn="ctr"/>
+            <a:r>
+              <a:rPr lang="en-US" altLang="zh-CN" dirty="0" smtClean="0"/>
+              <a:t>Draws</a:t>
+            </a:r>
+            <a:r>
+              <a:rPr lang="zh-CN" altLang="en-US" dirty="0" smtClean="0"/>
+              <a:t> </a:t>
+            </a:r>
+            <a:r>
+              <a:rPr lang="en-US" altLang="zh-CN" dirty="0" smtClean="0"/>
+              <a:t>all</a:t>
+            </a:r>
+            <a:r>
+              <a:rPr lang="zh-CN" altLang="en-US" dirty="0" smtClean="0"/>
+              <a:t> </a:t>
+            </a:r>
+            <a:r>
+              <a:rPr lang="en-US" altLang="zh-CN" dirty="0" smtClean="0"/>
+              <a:t>objects</a:t>
+            </a:r>
+            <a:endParaRPr lang="en-US" dirty="0"/>
+          </a:p>
+        </p:txBody>
+      </p:sp>
+      <p:sp>
+        <p:nvSpPr>
+          <p:cNvPr id="10" name="Round Single Corner Rectangle 9"/>
+          <p:cNvSpPr/>
+          <p:nvPr/>
+        </p:nvSpPr>
+        <p:spPr>
+          <a:xfrm>
+            <a:off x="3920642" y="2547936"/>
+            <a:ext cx="3876807" cy="413359"/>
+          </a:xfrm>
+          <a:prstGeom prst="round1Rect">
+            <a:avLst/>
+          </a:prstGeom>
+        </p:spPr>
+        <p:style>
+          <a:lnRef idx="1">
+            <a:schemeClr val="accent1"/>
+          </a:lnRef>
+          <a:fillRef idx="3">
+            <a:schemeClr val="accent1"/>
+          </a:fillRef>
+          <a:effectRef idx="2">
+            <a:schemeClr val="accent1"/>
+          </a:effectRef>
+          <a:fontRef idx="minor">
+            <a:schemeClr val="lt1"/>
+          </a:fontRef>
+        </p:style>
+        <p:txBody>
+          <a:bodyPr rtlCol="0" anchor="ctr"/>
+          <a:lstStyle/>
+          <a:p>
+            <a:pPr algn="ctr"/>
+            <a:r>
+              <a:rPr lang="en-US" altLang="zh-CN" dirty="0" smtClean="0"/>
+              <a:t>Score,</a:t>
+            </a:r>
+            <a:r>
+              <a:rPr lang="zh-CN" altLang="en-US" dirty="0" smtClean="0"/>
+              <a:t> </a:t>
+            </a:r>
+            <a:r>
+              <a:rPr lang="en-US" altLang="zh-CN" dirty="0" smtClean="0"/>
+              <a:t>lives</a:t>
+            </a:r>
+            <a:endParaRPr lang="en-US" dirty="0"/>
+          </a:p>
+        </p:txBody>
+      </p:sp>
+      <p:sp>
+        <p:nvSpPr>
+          <p:cNvPr id="11" name="Left Brace 10"/>
+          <p:cNvSpPr/>
+          <p:nvPr/>
+        </p:nvSpPr>
+        <p:spPr>
+          <a:xfrm>
+            <a:off x="3350711" y="1389278"/>
+            <a:ext cx="551144" cy="1365337"/>
+          </a:xfrm>
+          <a:prstGeom prst="leftBrace">
+            <a:avLst/>
+          </a:prstGeom>
+        </p:spPr>
+        <p:style>
+          <a:lnRef idx="2">
+            <a:schemeClr val="accent1"/>
+          </a:lnRef>
+          <a:fillRef idx="0">
+            <a:schemeClr val="accent1"/>
+          </a:fillRef>
+          <a:effectRef idx="1">
+            <a:schemeClr val="accent1"/>
+          </a:effectRef>
+          <a:fontRef idx="minor">
+            <a:schemeClr val="tx1"/>
+          </a:fontRef>
+        </p:style>
+        <p:txBody>
+          <a:bodyPr rtlCol="0" anchor="ctr"/>
+          <a:lstStyle/>
+          <a:p>
+            <a:pPr algn="ctr"/>
+            <a:endParaRPr lang="en-US"/>
+          </a:p>
+        </p:txBody>
+      </p:sp>
+      <p:cxnSp>
+        <p:nvCxnSpPr>
+          <p:cNvPr id="13" name="Straight Arrow Connector 12"/>
+          <p:cNvCxnSpPr>
+            <a:stCxn id="4" idx="3"/>
+            <a:endCxn id="5" idx="0"/>
+          </p:cNvCxnSpPr>
+          <p:nvPr/>
+        </p:nvCxnSpPr>
+        <p:spPr>
+          <a:xfrm flipH="1">
+            <a:off x="2173266" y="4481802"/>
+            <a:ext cx="1535153" cy="583866"/>
+          </a:xfrm>
+          <a:prstGeom prst="straightConnector1">
+            <a:avLst/>
+          </a:prstGeom>
+          <a:ln>
+            <a:tailEnd type="triangle"/>
+          </a:ln>
+        </p:spPr>
+        <p:style>
+          <a:lnRef idx="2">
+            <a:schemeClr val="accent1"/>
+          </a:lnRef>
+          <a:fillRef idx="0">
+            <a:schemeClr val="accent1"/>
+          </a:fillRef>
+          <a:effectRef idx="1">
+            <a:schemeClr val="accent1"/>
+          </a:effectRef>
+          <a:fontRef idx="minor">
+            <a:schemeClr val="tx1"/>
+          </a:fontRef>
+        </p:style>
+      </p:cxnSp>
+      <p:cxnSp>
+        <p:nvCxnSpPr>
+          <p:cNvPr id="15" name="Straight Arrow Connector 14"/>
+          <p:cNvCxnSpPr>
+            <a:stCxn id="4" idx="4"/>
+            <a:endCxn id="6" idx="0"/>
+          </p:cNvCxnSpPr>
+          <p:nvPr/>
+        </p:nvCxnSpPr>
+        <p:spPr>
+          <a:xfrm flipH="1">
+            <a:off x="4571999" y="4630388"/>
+            <a:ext cx="1" cy="435280"/>
+          </a:xfrm>
+          <a:prstGeom prst="straightConnector1">
+            <a:avLst/>
+          </a:prstGeom>
+          <a:ln>
+            <a:tailEnd type="triangle"/>
+          </a:ln>
+        </p:spPr>
+        <p:style>
+          <a:lnRef idx="2">
+            <a:schemeClr val="accent1"/>
+          </a:lnRef>
+          <a:fillRef idx="0">
+            <a:schemeClr val="accent1"/>
+          </a:fillRef>
+          <a:effectRef idx="1">
+            <a:schemeClr val="accent1"/>
+          </a:effectRef>
+          <a:fontRef idx="minor">
+            <a:schemeClr val="tx1"/>
+          </a:fontRef>
+        </p:style>
+      </p:cxnSp>
+      <p:cxnSp>
+        <p:nvCxnSpPr>
+          <p:cNvPr id="17" name="Straight Arrow Connector 16"/>
+          <p:cNvCxnSpPr>
+            <a:stCxn id="4" idx="5"/>
+            <a:endCxn id="7" idx="0"/>
+          </p:cNvCxnSpPr>
+          <p:nvPr/>
+        </p:nvCxnSpPr>
+        <p:spPr>
+          <a:xfrm>
+            <a:off x="5435580" y="4481802"/>
+            <a:ext cx="1535152" cy="583866"/>
+          </a:xfrm>
+          <a:prstGeom prst="straightConnector1">
+            <a:avLst/>
+          </a:prstGeom>
+          <a:ln>
+            <a:tailEnd type="triangle"/>
+          </a:ln>
+        </p:spPr>
+        <p:style>
+          <a:lnRef idx="2">
+            <a:schemeClr val="accent1"/>
+          </a:lnRef>
+          <a:fillRef idx="0">
+            <a:schemeClr val="accent1"/>
+          </a:fillRef>
+          <a:effectRef idx="1">
+            <a:schemeClr val="accent1"/>
+          </a:effectRef>
+          <a:fontRef idx="minor">
+            <a:schemeClr val="tx1"/>
+          </a:fontRef>
+        </p:style>
+      </p:cxnSp>
+      <p:sp>
+        <p:nvSpPr>
+          <p:cNvPr id="19" name="Round Single Corner Rectangle 18"/>
+          <p:cNvSpPr/>
+          <p:nvPr/>
+        </p:nvSpPr>
+        <p:spPr>
+          <a:xfrm>
+            <a:off x="4290163" y="1899486"/>
+            <a:ext cx="3688916" cy="299759"/>
+          </a:xfrm>
+          <a:prstGeom prst="round1Rect">
+            <a:avLst/>
+          </a:prstGeom>
+        </p:spPr>
+        <p:style>
+          <a:lnRef idx="1">
+            <a:schemeClr val="accent1"/>
+          </a:lnRef>
+          <a:fillRef idx="3">
+            <a:schemeClr val="accent1"/>
+          </a:fillRef>
+          <a:effectRef idx="2">
+            <a:schemeClr val="accent1"/>
+          </a:effectRef>
+          <a:fontRef idx="minor">
+            <a:schemeClr val="lt1"/>
+          </a:fontRef>
+        </p:style>
+        <p:txBody>
+          <a:bodyPr rtlCol="0" anchor="ctr"/>
+          <a:lstStyle/>
+          <a:p>
+            <a:pPr algn="ctr"/>
+            <a:r>
+              <a:rPr lang="en-US" altLang="zh-CN" sz="1400" dirty="0" smtClean="0"/>
+              <a:t>Draws</a:t>
+            </a:r>
+            <a:r>
+              <a:rPr lang="zh-CN" altLang="en-US" sz="1400" dirty="0" smtClean="0"/>
+              <a:t> </a:t>
+            </a:r>
+            <a:r>
+              <a:rPr lang="en-US" altLang="zh-CN" sz="1400" dirty="0" smtClean="0"/>
+              <a:t>the</a:t>
+            </a:r>
+            <a:r>
+              <a:rPr lang="zh-CN" altLang="en-US" sz="1400" dirty="0" smtClean="0"/>
+              <a:t> </a:t>
+            </a:r>
+            <a:r>
+              <a:rPr lang="en-US" altLang="zh-CN" sz="1400" dirty="0" smtClean="0"/>
+              <a:t>Pacman</a:t>
+            </a:r>
+            <a:r>
+              <a:rPr lang="zh-CN" altLang="en-US" sz="1400" dirty="0" smtClean="0"/>
+              <a:t> </a:t>
+            </a:r>
+            <a:r>
+              <a:rPr lang="en-US" altLang="zh-CN" sz="1400" dirty="0" smtClean="0"/>
+              <a:t>with</a:t>
+            </a:r>
+            <a:r>
+              <a:rPr lang="zh-CN" altLang="en-US" sz="1400" dirty="0" smtClean="0"/>
+              <a:t> </a:t>
+            </a:r>
+            <a:r>
+              <a:rPr lang="en-US" altLang="zh-CN" sz="1400" dirty="0" smtClean="0"/>
+              <a:t>correct</a:t>
+            </a:r>
+            <a:r>
+              <a:rPr lang="zh-CN" altLang="en-US" sz="1400" dirty="0" smtClean="0"/>
+              <a:t> </a:t>
+            </a:r>
+            <a:r>
+              <a:rPr lang="en-US" altLang="zh-CN" sz="1400" dirty="0" smtClean="0"/>
+              <a:t>facing</a:t>
+            </a:r>
+            <a:r>
+              <a:rPr lang="zh-CN" altLang="en-US" sz="1400" dirty="0" smtClean="0"/>
+              <a:t> </a:t>
+            </a:r>
+            <a:r>
+              <a:rPr lang="en-US" altLang="zh-CN" sz="1400" dirty="0" smtClean="0"/>
+              <a:t>direction</a:t>
+            </a:r>
+            <a:endParaRPr lang="en-US" sz="1400" dirty="0"/>
+          </a:p>
+        </p:txBody>
+      </p:sp>
+      <p:cxnSp>
+        <p:nvCxnSpPr>
+          <p:cNvPr id="21" name="Elbow Connector 20"/>
+          <p:cNvCxnSpPr>
+            <a:endCxn id="19" idx="1"/>
+          </p:cNvCxnSpPr>
+          <p:nvPr/>
+        </p:nvCxnSpPr>
+        <p:spPr>
+          <a:xfrm rot="16200000" flipH="1">
+            <a:off x="3988619" y="1747822"/>
+            <a:ext cx="433988" cy="169099"/>
+          </a:xfrm>
+          <a:prstGeom prst="bentConnector2">
+            <a:avLst/>
+          </a:prstGeom>
+          <a:ln>
+            <a:tailEnd type="triangle"/>
+          </a:ln>
+        </p:spPr>
+        <p:style>
+          <a:lnRef idx="2">
+            <a:schemeClr val="accent1"/>
+          </a:lnRef>
+          <a:fillRef idx="0">
+            <a:schemeClr val="accent1"/>
+          </a:fillRef>
+          <a:effectRef idx="1">
+            <a:schemeClr val="accent1"/>
+          </a:effectRef>
+          <a:fontRef idx="minor">
+            <a:schemeClr val="tx1"/>
+          </a:fontRef>
+        </p:style>
+      </p:cxnSp>
     </p:spTree>
     <p:extLst>
       <p:ext uri="{BB962C8B-B14F-4D97-AF65-F5344CB8AC3E}">
-        <p14:creationId xmlns:p14="http://schemas.microsoft.com/office/powerpoint/2010/main" val="3923475606"/>
+        <p14:creationId xmlns:p14="http://schemas.microsoft.com/office/powerpoint/2010/main" val="1356688258"/>
       </p:ext>
     </p:extLst>
   </p:cSld>
   <p:clrMapOvr>
     <a:masterClrMapping/>
   </p:clrMapOvr>
+  <p:timing>
+    <p:tnLst>
+      <p:par>
+        <p:cTn xmlns:p14="http://schemas.microsoft.com/office/powerpoint/2010/main" id="1" dur="indefinite" restart="never" nodeType="tmRoot"/>
+      </p:par>
+    </p:tnLst>
+  </p:timing>
 </p:sld>
 </file>
 
@@ -4652,201 +10879,30 @@
             <p:ph type="title"/>
           </p:nvPr>
         </p:nvSpPr>
-        <p:spPr/>
-        <p:txBody>
-          <a:bodyPr/>
+        <p:spPr>
+          <a:xfrm>
+            <a:off x="457200" y="2779250"/>
+            <a:ext cx="8229600" cy="1143000"/>
+          </a:xfrm>
+        </p:spPr>
+        <p:txBody>
+          <a:bodyPr>
+            <a:normAutofit/>
+          </a:bodyPr>
           <a:lstStyle/>
           <a:p>
             <a:r>
               <a:rPr lang="en-US" dirty="0" smtClean="0"/>
-              <a:t>Use Cases</a:t>
+              <a:t>	Questions?</a:t>
             </a:r>
             <a:endParaRPr lang="en-US" dirty="0"/>
-          </a:p>
-        </p:txBody>
-      </p:sp>
-      <p:sp>
-        <p:nvSpPr>
-          <p:cNvPr id="3" name="Content Placeholder 2"/>
-          <p:cNvSpPr>
-            <a:spLocks noGrp="1"/>
-          </p:cNvSpPr>
-          <p:nvPr>
-            <p:ph idx="1"/>
-          </p:nvPr>
-        </p:nvSpPr>
-        <p:spPr/>
-        <p:txBody>
-          <a:bodyPr/>
-          <a:lstStyle/>
-          <a:p>
-            <a:r>
-              <a:rPr lang="en-US" dirty="0" smtClean="0"/>
-              <a:t>Game</a:t>
-            </a:r>
-          </a:p>
-          <a:p>
-            <a:pPr lvl="1"/>
-            <a:r>
-              <a:rPr lang="en-US" dirty="0" smtClean="0"/>
-              <a:t>Spawn fruit periodically</a:t>
-            </a:r>
-          </a:p>
-          <a:p>
-            <a:pPr lvl="1"/>
-            <a:r>
-              <a:rPr lang="en-US" dirty="0" smtClean="0"/>
-              <a:t>End game on win/lose condition</a:t>
-            </a:r>
           </a:p>
         </p:txBody>
       </p:sp>
     </p:spTree>
     <p:extLst>
       <p:ext uri="{BB962C8B-B14F-4D97-AF65-F5344CB8AC3E}">
-        <p14:creationId xmlns:p14="http://schemas.microsoft.com/office/powerpoint/2010/main" val="1314568207"/>
-      </p:ext>
-    </p:extLst>
-  </p:cSld>
-  <p:clrMapOvr>
-    <a:masterClrMapping/>
-  </p:clrMapOvr>
-</p:sld>
-</file>
-
-<file path=ppt/slides/slide14.xml><?xml version="1.0" encoding="utf-8"?>
-<p:sld xmlns:a="http://schemas.openxmlformats.org/drawingml/2006/main" xmlns:r="http://schemas.openxmlformats.org/officeDocument/2006/relationships" xmlns:p="http://schemas.openxmlformats.org/presentationml/2006/main">
-  <p:cSld>
-    <p:spTree>
-      <p:nvGrpSpPr>
-        <p:cNvPr id="1" name=""/>
-        <p:cNvGrpSpPr/>
-        <p:nvPr/>
-      </p:nvGrpSpPr>
-      <p:grpSpPr>
-        <a:xfrm>
-          <a:off x="0" y="0"/>
-          <a:ext cx="0" cy="0"/>
-          <a:chOff x="0" y="0"/>
-          <a:chExt cx="0" cy="0"/>
-        </a:xfrm>
-      </p:grpSpPr>
-      <p:sp>
-        <p:nvSpPr>
-          <p:cNvPr id="2" name="Title 1"/>
-          <p:cNvSpPr>
-            <a:spLocks noGrp="1"/>
-          </p:cNvSpPr>
-          <p:nvPr>
-            <p:ph type="title"/>
-          </p:nvPr>
-        </p:nvSpPr>
-        <p:spPr/>
-        <p:txBody>
-          <a:bodyPr/>
-          <a:lstStyle/>
-          <a:p>
-            <a:r>
-              <a:rPr lang="en-US" dirty="0" smtClean="0"/>
-              <a:t>API Breakdown</a:t>
-            </a:r>
-            <a:endParaRPr lang="en-US" dirty="0"/>
-          </a:p>
-        </p:txBody>
-      </p:sp>
-      <p:sp>
-        <p:nvSpPr>
-          <p:cNvPr id="3" name="Content Placeholder 2"/>
-          <p:cNvSpPr>
-            <a:spLocks noGrp="1"/>
-          </p:cNvSpPr>
-          <p:nvPr>
-            <p:ph idx="1"/>
-          </p:nvPr>
-        </p:nvSpPr>
-        <p:spPr/>
-        <p:txBody>
-          <a:bodyPr/>
-          <a:lstStyle/>
-          <a:p>
-            <a:r>
-              <a:rPr lang="en-US" dirty="0" smtClean="0"/>
-              <a:t>Model </a:t>
-            </a:r>
-            <a:r>
-              <a:rPr lang="mr-IN" dirty="0" smtClean="0"/>
-              <a:t>–</a:t>
-            </a:r>
-            <a:r>
-              <a:rPr lang="en-US" dirty="0" smtClean="0"/>
-              <a:t> </a:t>
-            </a:r>
-            <a:r>
-              <a:rPr lang="en-US" dirty="0" err="1" smtClean="0"/>
-              <a:t>Cmds</a:t>
-            </a:r>
-            <a:r>
-              <a:rPr lang="en-US" dirty="0" smtClean="0"/>
-              <a:t>, Strategies, </a:t>
-            </a:r>
-            <a:r>
-              <a:rPr lang="en-US" dirty="0" err="1" smtClean="0"/>
-              <a:t>GameObjects</a:t>
-            </a:r>
-            <a:endParaRPr lang="en-US" dirty="0" smtClean="0"/>
-          </a:p>
-          <a:p>
-            <a:pPr lvl="1"/>
-            <a:r>
-              <a:rPr lang="en-US" dirty="0" smtClean="0"/>
-              <a:t>Interfaces and abstract classes</a:t>
-            </a:r>
-          </a:p>
-          <a:p>
-            <a:r>
-              <a:rPr lang="en-US" dirty="0" err="1" smtClean="0"/>
-              <a:t>DispatchAdapter</a:t>
-            </a:r>
-            <a:r>
-              <a:rPr lang="en-US" dirty="0" smtClean="0"/>
-              <a:t>, Controller</a:t>
-            </a:r>
-          </a:p>
-          <a:p>
-            <a:pPr lvl="1"/>
-            <a:r>
-              <a:rPr lang="en-US" dirty="0" smtClean="0"/>
-              <a:t>Manage game, process requests</a:t>
-            </a:r>
-          </a:p>
-          <a:p>
-            <a:r>
-              <a:rPr lang="en-US" dirty="0" err="1" smtClean="0"/>
-              <a:t>View.js</a:t>
-            </a:r>
-            <a:r>
-              <a:rPr lang="en-US" dirty="0" smtClean="0"/>
-              <a:t>, </a:t>
-            </a:r>
-            <a:r>
-              <a:rPr lang="en-US" dirty="0" err="1" smtClean="0"/>
-              <a:t>Index.html</a:t>
-            </a:r>
-            <a:endParaRPr lang="en-US" dirty="0" smtClean="0"/>
-          </a:p>
-          <a:p>
-            <a:pPr lvl="1"/>
-            <a:r>
-              <a:rPr lang="en-US" dirty="0" smtClean="0"/>
-              <a:t>Display game objects, make requests</a:t>
-            </a:r>
-          </a:p>
-        </p:txBody>
-      </p:sp>
-    </p:spTree>
-    <p:extLst>
-      <p:ext uri="{BB962C8B-B14F-4D97-AF65-F5344CB8AC3E}">
-        <p14:creationId xmlns:p14="http://schemas.microsoft.com/office/powerpoint/2010/main" val="827146816"/>
+        <p14:creationId xmlns:p14="http://schemas.microsoft.com/office/powerpoint/2010/main" val="2591834153"/>
       </p:ext>
     </p:extLst>
   </p:cSld>
@@ -4856,157 +10912,7 @@
   <p:timing>
     <p:tnLst>
       <p:par>
-        <p:cTn id="1" dur="indefinite" restart="never" nodeType="tmRoot"/>
-      </p:par>
-    </p:tnLst>
-  </p:timing>
-</p:sld>
-</file>
-
-<file path=ppt/slides/slide15.xml><?xml version="1.0" encoding="utf-8"?>
-<p:sld xmlns:a="http://schemas.openxmlformats.org/drawingml/2006/main" xmlns:r="http://schemas.openxmlformats.org/officeDocument/2006/relationships" xmlns:p="http://schemas.openxmlformats.org/presentationml/2006/main">
-  <p:cSld>
-    <p:spTree>
-      <p:nvGrpSpPr>
-        <p:cNvPr id="1" name=""/>
-        <p:cNvGrpSpPr/>
-        <p:nvPr/>
-      </p:nvGrpSpPr>
-      <p:grpSpPr>
-        <a:xfrm>
-          <a:off x="0" y="0"/>
-          <a:ext cx="0" cy="0"/>
-          <a:chOff x="0" y="0"/>
-          <a:chExt cx="0" cy="0"/>
-        </a:xfrm>
-      </p:grpSpPr>
-      <p:sp>
-        <p:nvSpPr>
-          <p:cNvPr id="2" name="Title 1"/>
-          <p:cNvSpPr>
-            <a:spLocks noGrp="1"/>
-          </p:cNvSpPr>
-          <p:nvPr>
-            <p:ph type="title"/>
-          </p:nvPr>
-        </p:nvSpPr>
-        <p:spPr/>
-        <p:txBody>
-          <a:bodyPr/>
-          <a:lstStyle/>
-          <a:p>
-            <a:r>
-              <a:rPr lang="en-US" dirty="0" smtClean="0"/>
-              <a:t>Model </a:t>
-            </a:r>
-            <a:r>
-              <a:rPr lang="mr-IN" dirty="0" smtClean="0"/>
-              <a:t>–</a:t>
-            </a:r>
-            <a:r>
-              <a:rPr lang="en-US" dirty="0" smtClean="0"/>
-              <a:t> Commands, Strategies</a:t>
-            </a:r>
-            <a:endParaRPr lang="en-US" dirty="0"/>
-          </a:p>
-        </p:txBody>
-      </p:sp>
-      <p:sp>
-        <p:nvSpPr>
-          <p:cNvPr id="3" name="Content Placeholder 2"/>
-          <p:cNvSpPr>
-            <a:spLocks noGrp="1"/>
-          </p:cNvSpPr>
-          <p:nvPr>
-            <p:ph idx="1"/>
-          </p:nvPr>
-        </p:nvSpPr>
-        <p:spPr/>
-        <p:txBody>
-          <a:bodyPr/>
-          <a:lstStyle/>
-          <a:p>
-            <a:r>
-              <a:rPr lang="en-US" dirty="0" smtClean="0"/>
-              <a:t>Commands</a:t>
-            </a:r>
-          </a:p>
-          <a:p>
-            <a:pPr lvl="1"/>
-            <a:r>
-              <a:rPr lang="en-US" dirty="0" err="1" smtClean="0"/>
-              <a:t>IGameObjectCmd</a:t>
-            </a:r>
-            <a:endParaRPr lang="en-US" dirty="0" smtClean="0"/>
-          </a:p>
-          <a:p>
-            <a:r>
-              <a:rPr lang="en-US" dirty="0" smtClean="0"/>
-              <a:t>Strategies</a:t>
-            </a:r>
-          </a:p>
-          <a:p>
-            <a:pPr lvl="1"/>
-            <a:r>
-              <a:rPr lang="en-US" dirty="0" err="1" smtClean="0"/>
-              <a:t>IUpdateStrategy</a:t>
-            </a:r>
-            <a:r>
-              <a:rPr lang="en-US" dirty="0" smtClean="0"/>
-              <a:t> </a:t>
-            </a:r>
-            <a:r>
-              <a:rPr lang="mr-IN" dirty="0" smtClean="0"/>
-              <a:t>–</a:t>
-            </a:r>
-            <a:r>
-              <a:rPr lang="en-US" dirty="0" smtClean="0"/>
-              <a:t> move </a:t>
-            </a:r>
-            <a:r>
-              <a:rPr lang="en-US" dirty="0" err="1" smtClean="0"/>
-              <a:t>Pacman</a:t>
-            </a:r>
-            <a:r>
-              <a:rPr lang="en-US" dirty="0" smtClean="0"/>
-              <a:t> and ghosts</a:t>
-            </a:r>
-          </a:p>
-          <a:p>
-            <a:pPr lvl="1"/>
-            <a:r>
-              <a:rPr lang="en-US" dirty="0" err="1" smtClean="0"/>
-              <a:t>IInteractStrategy</a:t>
-            </a:r>
-            <a:r>
-              <a:rPr lang="en-US" dirty="0" smtClean="0"/>
-              <a:t> </a:t>
-            </a:r>
-            <a:r>
-              <a:rPr lang="mr-IN" dirty="0" smtClean="0"/>
-              <a:t>–</a:t>
-            </a:r>
-            <a:r>
-              <a:rPr lang="en-US" dirty="0" smtClean="0"/>
-              <a:t> one-directional interactions</a:t>
-            </a:r>
-          </a:p>
-        </p:txBody>
-      </p:sp>
-    </p:spTree>
-    <p:extLst>
-      <p:ext uri="{BB962C8B-B14F-4D97-AF65-F5344CB8AC3E}">
-        <p14:creationId xmlns:p14="http://schemas.microsoft.com/office/powerpoint/2010/main" val="354699675"/>
-      </p:ext>
-    </p:extLst>
-  </p:cSld>
-  <p:clrMapOvr>
-    <a:masterClrMapping/>
-  </p:clrMapOvr>
-  <p:timing>
-    <p:tnLst>
-      <p:par>
-        <p:cTn id="1" dur="indefinite" restart="never" nodeType="tmRoot"/>
+        <p:cTn xmlns:p14="http://schemas.microsoft.com/office/powerpoint/2010/main" id="1" dur="indefinite" restart="never" nodeType="tmRoot"/>
       </p:par>
     </p:tnLst>
   </p:timing>
@@ -5014,244 +10920,6 @@
 </file>
 
 <file path=ppt/slides/slide2.xml><?xml version="1.0" encoding="utf-8"?>
-<p:sld xmlns:a="http://schemas.openxmlformats.org/drawingml/2006/main" xmlns:r="http://schemas.openxmlformats.org/officeDocument/2006/relationships" xmlns:p="http://schemas.openxmlformats.org/presentationml/2006/main">
-  <p:cSld>
-    <p:spTree>
-      <p:nvGrpSpPr>
-        <p:cNvPr id="1" name=""/>
-        <p:cNvGrpSpPr/>
-        <p:nvPr/>
-      </p:nvGrpSpPr>
-      <p:grpSpPr>
-        <a:xfrm>
-          <a:off x="0" y="0"/>
-          <a:ext cx="0" cy="0"/>
-          <a:chOff x="0" y="0"/>
-          <a:chExt cx="0" cy="0"/>
-        </a:xfrm>
-      </p:grpSpPr>
-      <p:sp>
-        <p:nvSpPr>
-          <p:cNvPr id="2" name="Title 1"/>
-          <p:cNvSpPr>
-            <a:spLocks noGrp="1"/>
-          </p:cNvSpPr>
-          <p:nvPr>
-            <p:ph type="title"/>
-          </p:nvPr>
-        </p:nvSpPr>
-        <p:spPr/>
-        <p:txBody>
-          <a:bodyPr/>
-          <a:lstStyle/>
-          <a:p>
-            <a:r>
-              <a:rPr lang="en-US" altLang="zh-CN" dirty="0" smtClean="0"/>
-              <a:t>Design</a:t>
-            </a:r>
-            <a:r>
-              <a:rPr lang="zh-CN" altLang="en-US" dirty="0" smtClean="0"/>
-              <a:t> </a:t>
-            </a:r>
-            <a:r>
-              <a:rPr lang="en-US" altLang="zh-CN" dirty="0" smtClean="0"/>
-              <a:t>Overview</a:t>
-            </a:r>
-            <a:endParaRPr lang="en-US" dirty="0"/>
-          </a:p>
-        </p:txBody>
-      </p:sp>
-      <p:sp>
-        <p:nvSpPr>
-          <p:cNvPr id="3" name="Content Placeholder 2"/>
-          <p:cNvSpPr>
-            <a:spLocks noGrp="1"/>
-          </p:cNvSpPr>
-          <p:nvPr>
-            <p:ph idx="1"/>
-          </p:nvPr>
-        </p:nvSpPr>
-        <p:spPr/>
-        <p:txBody>
-          <a:bodyPr/>
-          <a:lstStyle/>
-          <a:p>
-            <a:r>
-              <a:rPr lang="en-US" altLang="zh-CN" dirty="0" smtClean="0"/>
-              <a:t>Command</a:t>
-            </a:r>
-            <a:r>
-              <a:rPr lang="zh-CN" altLang="en-US" dirty="0" smtClean="0"/>
-              <a:t> </a:t>
-            </a:r>
-            <a:r>
-              <a:rPr lang="en-US" altLang="zh-CN" dirty="0" smtClean="0"/>
-              <a:t>design</a:t>
-            </a:r>
-            <a:r>
-              <a:rPr lang="zh-CN" altLang="en-US" dirty="0" smtClean="0"/>
-              <a:t> </a:t>
-            </a:r>
-            <a:r>
-              <a:rPr lang="en-US" altLang="zh-CN" dirty="0" smtClean="0"/>
-              <a:t>pattern</a:t>
-            </a:r>
-          </a:p>
-          <a:p>
-            <a:pPr lvl="1"/>
-            <a:r>
-              <a:rPr lang="en-US" altLang="zh-CN" dirty="0" smtClean="0"/>
-              <a:t>For</a:t>
-            </a:r>
-            <a:r>
-              <a:rPr lang="zh-CN" altLang="en-US" dirty="0" smtClean="0"/>
-              <a:t> </a:t>
-            </a:r>
-            <a:r>
-              <a:rPr lang="en-US" altLang="zh-CN" dirty="0" smtClean="0"/>
-              <a:t>the</a:t>
-            </a:r>
-            <a:r>
-              <a:rPr lang="zh-CN" altLang="en-US" dirty="0" smtClean="0"/>
-              <a:t> </a:t>
-            </a:r>
-            <a:r>
-              <a:rPr lang="en-US" altLang="zh-CN" dirty="0" smtClean="0"/>
-              <a:t>overall</a:t>
-            </a:r>
-            <a:r>
-              <a:rPr lang="zh-CN" altLang="en-US" dirty="0" smtClean="0"/>
-              <a:t> </a:t>
-            </a:r>
-            <a:r>
-              <a:rPr lang="en-US" altLang="zh-CN" dirty="0" smtClean="0"/>
-              <a:t>game</a:t>
-            </a:r>
-            <a:r>
-              <a:rPr lang="zh-CN" altLang="en-US" dirty="0" smtClean="0"/>
-              <a:t> </a:t>
-            </a:r>
-            <a:r>
-              <a:rPr lang="en-US" altLang="zh-CN" dirty="0" smtClean="0"/>
-              <a:t>design</a:t>
-            </a:r>
-          </a:p>
-          <a:p>
-            <a:r>
-              <a:rPr lang="en-US" altLang="zh-CN" dirty="0" smtClean="0"/>
-              <a:t>Singleton</a:t>
-            </a:r>
-            <a:r>
-              <a:rPr lang="zh-CN" altLang="en-US" dirty="0" smtClean="0"/>
-              <a:t> </a:t>
-            </a:r>
-            <a:r>
-              <a:rPr lang="en-US" altLang="zh-CN" dirty="0" smtClean="0"/>
-              <a:t>design</a:t>
-            </a:r>
-            <a:r>
-              <a:rPr lang="zh-CN" altLang="en-US" dirty="0" smtClean="0"/>
-              <a:t> </a:t>
-            </a:r>
-            <a:r>
-              <a:rPr lang="en-US" altLang="zh-CN" dirty="0" smtClean="0"/>
-              <a:t>pattern</a:t>
-            </a:r>
-          </a:p>
-          <a:p>
-            <a:pPr lvl="1"/>
-            <a:r>
-              <a:rPr lang="en-US" altLang="zh-CN" dirty="0" smtClean="0"/>
-              <a:t>For</a:t>
-            </a:r>
-            <a:r>
-              <a:rPr lang="zh-CN" altLang="en-US" dirty="0" smtClean="0"/>
-              <a:t> </a:t>
-            </a:r>
-            <a:r>
-              <a:rPr lang="en-US" altLang="zh-CN" dirty="0" smtClean="0"/>
-              <a:t>the</a:t>
-            </a:r>
-            <a:r>
-              <a:rPr lang="zh-CN" altLang="en-US" dirty="0" smtClean="0"/>
-              <a:t> </a:t>
-            </a:r>
-            <a:r>
-              <a:rPr lang="en-US" altLang="zh-CN" dirty="0" err="1" smtClean="0"/>
-              <a:t>pacman</a:t>
-            </a:r>
-            <a:endParaRPr lang="en-US" altLang="zh-CN" dirty="0" smtClean="0"/>
-          </a:p>
-          <a:p>
-            <a:pPr lvl="1"/>
-            <a:r>
-              <a:rPr lang="en-US" altLang="zh-CN" dirty="0" smtClean="0"/>
-              <a:t>For</a:t>
-            </a:r>
-            <a:r>
-              <a:rPr lang="zh-CN" altLang="en-US" dirty="0" smtClean="0"/>
-              <a:t> </a:t>
-            </a:r>
-            <a:r>
-              <a:rPr lang="en-US" altLang="zh-CN" dirty="0" smtClean="0"/>
-              <a:t>c</a:t>
-            </a:r>
-            <a:r>
-              <a:rPr lang="en-US" altLang="zh-CN" dirty="0" smtClean="0"/>
-              <a:t>oncrete</a:t>
-            </a:r>
-            <a:r>
-              <a:rPr lang="zh-CN" altLang="en-US" dirty="0" smtClean="0"/>
-              <a:t> </a:t>
-            </a:r>
-            <a:r>
-              <a:rPr lang="en-US" altLang="zh-CN" dirty="0" smtClean="0"/>
-              <a:t>strategies</a:t>
-            </a:r>
-            <a:r>
-              <a:rPr lang="zh-CN" altLang="en-US" dirty="0" smtClean="0"/>
-              <a:t> </a:t>
-            </a:r>
-            <a:r>
-              <a:rPr lang="en-US" altLang="zh-CN" dirty="0" smtClean="0"/>
-              <a:t>and</a:t>
-            </a:r>
-            <a:r>
-              <a:rPr lang="zh-CN" altLang="en-US" dirty="0" smtClean="0"/>
-              <a:t> </a:t>
-            </a:r>
-            <a:r>
-              <a:rPr lang="en-US" altLang="zh-CN" dirty="0" smtClean="0"/>
-              <a:t>commands</a:t>
-            </a:r>
-            <a:endParaRPr lang="en-US" altLang="zh-CN" dirty="0"/>
-          </a:p>
-          <a:p>
-            <a:endParaRPr lang="en-US" altLang="zh-CN" dirty="0" smtClean="0"/>
-          </a:p>
-        </p:txBody>
-      </p:sp>
-    </p:spTree>
-    <p:extLst>
-      <p:ext uri="{BB962C8B-B14F-4D97-AF65-F5344CB8AC3E}">
-        <p14:creationId xmlns:p14="http://schemas.microsoft.com/office/powerpoint/2010/main" val="1235365097"/>
-      </p:ext>
-    </p:extLst>
-  </p:cSld>
-  <p:clrMapOvr>
-    <a:masterClrMapping/>
-  </p:clrMapOvr>
-  <p:timing>
-    <p:tnLst>
-      <p:par>
-        <p:cTn id="1" dur="indefinite" restart="never" nodeType="tmRoot"/>
-      </p:par>
-    </p:tnLst>
-  </p:timing>
-</p:sld>
-</file>
-
-<file path=ppt/slides/slide3.xml><?xml version="1.0" encoding="utf-8"?>
 <p:sld xmlns:a="http://schemas.openxmlformats.org/drawingml/2006/main" xmlns:r="http://schemas.openxmlformats.org/officeDocument/2006/relationships" xmlns:p="http://schemas.openxmlformats.org/presentationml/2006/main">
   <p:cSld>
     <p:spTree>
@@ -5432,10 +11100,17 @@
   <p:clrMapOvr>
     <a:masterClrMapping/>
   </p:clrMapOvr>
+  <p:timing>
+    <p:tnLst>
+      <p:par>
+        <p:cTn xmlns:p14="http://schemas.microsoft.com/office/powerpoint/2010/main" id="1" dur="indefinite" restart="never" nodeType="tmRoot"/>
+      </p:par>
+    </p:tnLst>
+  </p:timing>
 </p:sld>
 </file>
 
-<file path=ppt/slides/slide4.xml><?xml version="1.0" encoding="utf-8"?>
+<file path=ppt/slides/slide3.xml><?xml version="1.0" encoding="utf-8"?>
 <p:sld xmlns:a="http://schemas.openxmlformats.org/drawingml/2006/main" xmlns:r="http://schemas.openxmlformats.org/officeDocument/2006/relationships" xmlns:p="http://schemas.openxmlformats.org/presentationml/2006/main">
   <p:cSld>
     <p:spTree>
@@ -5485,7 +11160,7 @@
       </p:sp>
       <p:pic>
         <p:nvPicPr>
-          <p:cNvPr id="4" name="Picture 3"/>
+          <p:cNvPr id="3" name="Picture 2"/>
           <p:cNvPicPr>
             <a:picLocks noChangeAspect="1"/>
           </p:cNvPicPr>
@@ -5505,8 +11180,8 @@
         </p:blipFill>
         <p:spPr>
           <a:xfrm>
-            <a:off x="0" y="1250863"/>
-            <a:ext cx="9144000" cy="3431211"/>
+            <a:off x="0" y="1749469"/>
+            <a:ext cx="9144000" cy="3800104"/>
           </a:xfrm>
           <a:prstGeom prst="rect">
             <a:avLst/>
@@ -5516,7 +11191,7 @@
     </p:spTree>
     <p:extLst>
       <p:ext uri="{BB962C8B-B14F-4D97-AF65-F5344CB8AC3E}">
-        <p14:creationId xmlns:p14="http://schemas.microsoft.com/office/powerpoint/2010/main" val="2060030462"/>
+        <p14:creationId xmlns:p14="http://schemas.microsoft.com/office/powerpoint/2010/main" val="998792338"/>
       </p:ext>
     </p:extLst>
   </p:cSld>
@@ -5526,14 +11201,14 @@
   <p:timing>
     <p:tnLst>
       <p:par>
-        <p:cTn id="1" dur="indefinite" restart="never" nodeType="tmRoot"/>
+        <p:cTn xmlns:p14="http://schemas.microsoft.com/office/powerpoint/2010/main" id="1" dur="indefinite" restart="never" nodeType="tmRoot"/>
       </p:par>
     </p:tnLst>
   </p:timing>
 </p:sld>
 </file>
 
-<file path=ppt/slides/slide5.xml><?xml version="1.0" encoding="utf-8"?>
+<file path=ppt/slides/slide4.xml><?xml version="1.0" encoding="utf-8"?>
 <p:sld xmlns:a="http://schemas.openxmlformats.org/drawingml/2006/main" xmlns:r="http://schemas.openxmlformats.org/officeDocument/2006/relationships" xmlns:p="http://schemas.openxmlformats.org/presentationml/2006/main">
   <p:cSld>
     <p:spTree>
@@ -5619,7 +11294,7 @@
     </p:spTree>
     <p:extLst>
       <p:ext uri="{BB962C8B-B14F-4D97-AF65-F5344CB8AC3E}">
-        <p14:creationId xmlns:p14="http://schemas.microsoft.com/office/powerpoint/2010/main" val="2696746514"/>
+        <p14:creationId xmlns:p14="http://schemas.microsoft.com/office/powerpoint/2010/main" val="1970639814"/>
       </p:ext>
     </p:extLst>
   </p:cSld>
@@ -5629,14 +11304,14 @@
   <p:timing>
     <p:tnLst>
       <p:par>
-        <p:cTn id="1" dur="indefinite" restart="never" nodeType="tmRoot"/>
+        <p:cTn xmlns:p14="http://schemas.microsoft.com/office/powerpoint/2010/main" id="1" dur="indefinite" restart="never" nodeType="tmRoot"/>
       </p:par>
     </p:tnLst>
   </p:timing>
 </p:sld>
 </file>
 
-<file path=ppt/slides/slide6.xml><?xml version="1.0" encoding="utf-8"?>
+<file path=ppt/slides/slide5.xml><?xml version="1.0" encoding="utf-8"?>
 <p:sld xmlns:a="http://schemas.openxmlformats.org/drawingml/2006/main" xmlns:r="http://schemas.openxmlformats.org/officeDocument/2006/relationships" xmlns:p="http://schemas.openxmlformats.org/presentationml/2006/main">
   <p:cSld>
     <p:spTree>
@@ -5698,7 +11373,7 @@
         </p:blipFill>
         <p:spPr>
           <a:xfrm>
-            <a:off x="730908" y="1417638"/>
+            <a:off x="730908" y="1454994"/>
             <a:ext cx="3022600" cy="1841500"/>
           </a:xfrm>
           <a:prstGeom prst="rect">
@@ -5728,7 +11403,7 @@
         </p:blipFill>
         <p:spPr>
           <a:xfrm>
-            <a:off x="5308600" y="1417638"/>
+            <a:off x="5308600" y="1454994"/>
             <a:ext cx="3378200" cy="4508500"/>
           </a:xfrm>
           <a:prstGeom prst="rect">
@@ -5739,7 +11414,7 @@
     </p:spTree>
     <p:extLst>
       <p:ext uri="{BB962C8B-B14F-4D97-AF65-F5344CB8AC3E}">
-        <p14:creationId xmlns:p14="http://schemas.microsoft.com/office/powerpoint/2010/main" val="4037834688"/>
+        <p14:creationId xmlns:p14="http://schemas.microsoft.com/office/powerpoint/2010/main" val="773997192"/>
       </p:ext>
     </p:extLst>
   </p:cSld>
@@ -5749,7 +11424,74 @@
   <p:timing>
     <p:tnLst>
       <p:par>
-        <p:cTn id="1" dur="indefinite" restart="never" nodeType="tmRoot"/>
+        <p:cTn xmlns:p14="http://schemas.microsoft.com/office/powerpoint/2010/main" id="1" dur="indefinite" restart="never" nodeType="tmRoot"/>
+      </p:par>
+    </p:tnLst>
+  </p:timing>
+</p:sld>
+</file>
+
+<file path=ppt/slides/slide6.xml><?xml version="1.0" encoding="utf-8"?>
+<p:sld xmlns:a="http://schemas.openxmlformats.org/drawingml/2006/main" xmlns:r="http://schemas.openxmlformats.org/officeDocument/2006/relationships" xmlns:p="http://schemas.openxmlformats.org/presentationml/2006/main">
+  <p:cSld>
+    <p:spTree>
+      <p:nvGrpSpPr>
+        <p:cNvPr id="1" name=""/>
+        <p:cNvGrpSpPr/>
+        <p:nvPr/>
+      </p:nvGrpSpPr>
+      <p:grpSpPr>
+        <a:xfrm>
+          <a:off x="0" y="0"/>
+          <a:ext cx="0" cy="0"/>
+          <a:chOff x="0" y="0"/>
+          <a:chExt cx="0" cy="0"/>
+        </a:xfrm>
+      </p:grpSpPr>
+      <p:sp>
+        <p:nvSpPr>
+          <p:cNvPr id="2" name="Title 1"/>
+          <p:cNvSpPr>
+            <a:spLocks noGrp="1"/>
+          </p:cNvSpPr>
+          <p:nvPr>
+            <p:ph type="title"/>
+          </p:nvPr>
+        </p:nvSpPr>
+        <p:spPr>
+          <a:xfrm>
+            <a:off x="457200" y="2779250"/>
+            <a:ext cx="8229600" cy="1143000"/>
+          </a:xfrm>
+        </p:spPr>
+        <p:txBody>
+          <a:bodyPr>
+            <a:normAutofit/>
+          </a:bodyPr>
+          <a:lstStyle/>
+          <a:p>
+            <a:r>
+              <a:rPr lang="en-US" dirty="0" smtClean="0"/>
+              <a:t>Use Cases and Implementations</a:t>
+            </a:r>
+            <a:endParaRPr lang="en-US" dirty="0"/>
+          </a:p>
+        </p:txBody>
+      </p:sp>
+    </p:spTree>
+    <p:extLst>
+      <p:ext uri="{BB962C8B-B14F-4D97-AF65-F5344CB8AC3E}">
+        <p14:creationId xmlns:p14="http://schemas.microsoft.com/office/powerpoint/2010/main" val="2299062073"/>
+      </p:ext>
+    </p:extLst>
+  </p:cSld>
+  <p:clrMapOvr>
+    <a:masterClrMapping/>
+  </p:clrMapOvr>
+  <p:timing>
+    <p:tnLst>
+      <p:par>
+        <p:cTn xmlns:p14="http://schemas.microsoft.com/office/powerpoint/2010/main" id="1" dur="indefinite" restart="never" nodeType="tmRoot"/>
       </p:par>
     </p:tnLst>
   </p:timing>
@@ -5789,8 +11531,16 @@
           <a:lstStyle/>
           <a:p>
             <a:r>
-              <a:rPr lang="en-US" dirty="0" smtClean="0"/>
-              <a:t>Controller</a:t>
+              <a:rPr lang="en-US" altLang="zh-CN" dirty="0" smtClean="0"/>
+              <a:t>Moving</a:t>
+            </a:r>
+            <a:r>
+              <a:rPr lang="zh-CN" altLang="en-US" dirty="0" smtClean="0"/>
+              <a:t> </a:t>
+            </a:r>
+            <a:r>
+              <a:rPr lang="en-US" altLang="zh-CN" dirty="0" smtClean="0"/>
+              <a:t>Pacman</a:t>
             </a:r>
             <a:endParaRPr lang="en-US" dirty="0"/>
           </a:p>
@@ -5798,96 +11548,520 @@
       </p:sp>
       <p:sp>
         <p:nvSpPr>
-          <p:cNvPr id="3" name="Content Placeholder 2"/>
-          <p:cNvSpPr>
-            <a:spLocks noGrp="1"/>
-          </p:cNvSpPr>
-          <p:nvPr>
-            <p:ph idx="1"/>
-          </p:nvPr>
-        </p:nvSpPr>
-        <p:spPr/>
-        <p:txBody>
-          <a:bodyPr/>
-          <a:lstStyle/>
-          <a:p>
-            <a:r>
-              <a:rPr lang="en-US" dirty="0" smtClean="0"/>
-              <a:t>Supported requests</a:t>
-            </a:r>
-          </a:p>
-          <a:p>
-            <a:pPr lvl="1"/>
-            <a:r>
-              <a:rPr lang="en-US" dirty="0" err="1" smtClean="0"/>
-              <a:t>resetGame</a:t>
-            </a:r>
-            <a:r>
-              <a:rPr lang="en-US" dirty="0" smtClean="0"/>
+          <p:cNvPr id="7" name="Rectangle 6"/>
+          <p:cNvSpPr/>
+          <p:nvPr/>
+        </p:nvSpPr>
+        <p:spPr>
+          <a:xfrm>
+            <a:off x="1227551" y="1440492"/>
+            <a:ext cx="2580362" cy="889348"/>
+          </a:xfrm>
+          <a:prstGeom prst="rect">
+            <a:avLst/>
+          </a:prstGeom>
+        </p:spPr>
+        <p:style>
+          <a:lnRef idx="1">
+            <a:schemeClr val="accent1"/>
+          </a:lnRef>
+          <a:fillRef idx="3">
+            <a:schemeClr val="accent1"/>
+          </a:fillRef>
+          <a:effectRef idx="2">
+            <a:schemeClr val="accent1"/>
+          </a:effectRef>
+          <a:fontRef idx="minor">
+            <a:schemeClr val="lt1"/>
+          </a:fontRef>
+        </p:style>
+        <p:txBody>
+          <a:bodyPr rtlCol="0" anchor="ctr"/>
+          <a:lstStyle/>
+          <a:p>
+            <a:pPr algn="ctr"/>
+            <a:r>
+              <a:rPr lang="en-US" altLang="zh-CN" dirty="0" err="1" smtClean="0"/>
+              <a:t>updatePacWorld</a:t>
+            </a:r>
+            <a:r>
+              <a:rPr lang="en-US" altLang="zh-CN" dirty="0" smtClean="0"/>
+              <a:t>()</a:t>
+            </a:r>
+            <a:endParaRPr lang="en-US" dirty="0"/>
+          </a:p>
+        </p:txBody>
+      </p:sp>
+      <p:sp>
+        <p:nvSpPr>
+          <p:cNvPr id="8" name="Rectangle 7"/>
+          <p:cNvSpPr/>
+          <p:nvPr/>
+        </p:nvSpPr>
+        <p:spPr>
+          <a:xfrm>
+            <a:off x="1227551" y="2918565"/>
+            <a:ext cx="2580362" cy="926926"/>
+          </a:xfrm>
+          <a:prstGeom prst="rect">
+            <a:avLst/>
+          </a:prstGeom>
+        </p:spPr>
+        <p:style>
+          <a:lnRef idx="1">
+            <a:schemeClr val="accent1"/>
+          </a:lnRef>
+          <a:fillRef idx="3">
+            <a:schemeClr val="accent1"/>
+          </a:fillRef>
+          <a:effectRef idx="2">
+            <a:schemeClr val="accent1"/>
+          </a:effectRef>
+          <a:fontRef idx="minor">
+            <a:schemeClr val="lt1"/>
+          </a:fontRef>
+        </p:style>
+        <p:txBody>
+          <a:bodyPr rtlCol="0" anchor="ctr"/>
+          <a:lstStyle/>
+          <a:p>
+            <a:pPr algn="ctr"/>
+            <a:r>
+              <a:rPr lang="en-US" altLang="zh-CN" dirty="0" smtClean="0"/>
+              <a:t>U</a:t>
+            </a:r>
+            <a:r>
+              <a:rPr lang="en-US" altLang="zh-CN" dirty="0" smtClean="0"/>
+              <a:t>pdate Command</a:t>
+            </a:r>
+            <a:endParaRPr lang="en-US" dirty="0"/>
+          </a:p>
+        </p:txBody>
+      </p:sp>
+      <p:sp>
+        <p:nvSpPr>
+          <p:cNvPr id="9" name="Rectangle 8"/>
+          <p:cNvSpPr/>
+          <p:nvPr/>
+        </p:nvSpPr>
+        <p:spPr>
+          <a:xfrm>
+            <a:off x="1227551" y="4434216"/>
+            <a:ext cx="2580362" cy="826718"/>
+          </a:xfrm>
+          <a:prstGeom prst="rect">
+            <a:avLst/>
+          </a:prstGeom>
+        </p:spPr>
+        <p:style>
+          <a:lnRef idx="1">
+            <a:schemeClr val="accent1"/>
+          </a:lnRef>
+          <a:fillRef idx="3">
+            <a:schemeClr val="accent1"/>
+          </a:fillRef>
+          <a:effectRef idx="2">
+            <a:schemeClr val="accent1"/>
+          </a:effectRef>
+          <a:fontRef idx="minor">
+            <a:schemeClr val="lt1"/>
+          </a:fontRef>
+        </p:style>
+        <p:txBody>
+          <a:bodyPr rtlCol="0" anchor="ctr"/>
+          <a:lstStyle/>
+          <a:p>
+            <a:pPr algn="ctr"/>
+            <a:r>
+              <a:rPr lang="en-US" altLang="zh-CN" dirty="0" smtClean="0"/>
+              <a:t>Collision Command</a:t>
+            </a:r>
+            <a:endParaRPr lang="en-US" dirty="0"/>
+          </a:p>
+        </p:txBody>
+      </p:sp>
+      <p:sp>
+        <p:nvSpPr>
+          <p:cNvPr id="10" name="Rectangle 9"/>
+          <p:cNvSpPr/>
+          <p:nvPr/>
+        </p:nvSpPr>
+        <p:spPr>
+          <a:xfrm>
+            <a:off x="1227551" y="5824603"/>
+            <a:ext cx="2580362" cy="876822"/>
+          </a:xfrm>
+          <a:prstGeom prst="rect">
+            <a:avLst/>
+          </a:prstGeom>
+        </p:spPr>
+        <p:style>
+          <a:lnRef idx="1">
+            <a:schemeClr val="accent1"/>
+          </a:lnRef>
+          <a:fillRef idx="3">
+            <a:schemeClr val="accent1"/>
+          </a:fillRef>
+          <a:effectRef idx="2">
+            <a:schemeClr val="accent1"/>
+          </a:effectRef>
+          <a:fontRef idx="minor">
+            <a:schemeClr val="lt1"/>
+          </a:fontRef>
+        </p:style>
+        <p:txBody>
+          <a:bodyPr rtlCol="0" anchor="ctr"/>
+          <a:lstStyle/>
+          <a:p>
+            <a:pPr algn="ctr"/>
+            <a:r>
+              <a:rPr lang="en-US" altLang="zh-CN" dirty="0" smtClean="0"/>
+              <a:t>If</a:t>
+            </a:r>
+            <a:r>
+              <a:rPr lang="zh-CN" altLang="en-US" dirty="0" smtClean="0"/>
               <a:t> </a:t>
             </a:r>
             <a:r>
-              <a:rPr lang="mr-IN" dirty="0" smtClean="0"/>
-              <a:t>–</a:t>
-            </a:r>
-            <a:r>
-              <a:rPr lang="en-US" dirty="0" smtClean="0"/>
-              <a:t> get canvas dims and reset game objects </a:t>
-            </a:r>
-          </a:p>
-          <a:p>
-            <a:pPr lvl="1"/>
-            <a:r>
-              <a:rPr lang="en-US" dirty="0" err="1" smtClean="0"/>
-              <a:t>updateGame</a:t>
-            </a:r>
-            <a:r>
-              <a:rPr lang="en-US" dirty="0" smtClean="0"/>
+              <a:rPr lang="en-US" altLang="zh-CN" dirty="0" err="1" smtClean="0"/>
+              <a:t>PacmanCollision</a:t>
+            </a:r>
+            <a:endParaRPr lang="en-US" dirty="0"/>
+          </a:p>
+        </p:txBody>
+      </p:sp>
+      <p:sp>
+        <p:nvSpPr>
+          <p:cNvPr id="11" name="Rectangle 10"/>
+          <p:cNvSpPr/>
+          <p:nvPr/>
+        </p:nvSpPr>
+        <p:spPr>
+          <a:xfrm>
+            <a:off x="5223353" y="2918565"/>
+            <a:ext cx="2517732" cy="926925"/>
+          </a:xfrm>
+          <a:prstGeom prst="rect">
+            <a:avLst/>
+          </a:prstGeom>
+        </p:spPr>
+        <p:style>
+          <a:lnRef idx="1">
+            <a:schemeClr val="accent1"/>
+          </a:lnRef>
+          <a:fillRef idx="3">
+            <a:schemeClr val="accent1"/>
+          </a:fillRef>
+          <a:effectRef idx="2">
+            <a:schemeClr val="accent1"/>
+          </a:effectRef>
+          <a:fontRef idx="minor">
+            <a:schemeClr val="lt1"/>
+          </a:fontRef>
+        </p:style>
+        <p:txBody>
+          <a:bodyPr rtlCol="0" anchor="ctr"/>
+          <a:lstStyle/>
+          <a:p>
+            <a:pPr algn="ctr"/>
+            <a:r>
+              <a:rPr lang="en-US" altLang="zh-CN" dirty="0" err="1" smtClean="0"/>
+              <a:t>Pacman</a:t>
+            </a:r>
+            <a:r>
+              <a:rPr lang="zh-CN" altLang="en-US" dirty="0" smtClean="0"/>
               <a:t> </a:t>
             </a:r>
             <a:r>
-              <a:rPr lang="mr-IN" dirty="0" smtClean="0"/>
-              <a:t>–</a:t>
-            </a:r>
-            <a:r>
-              <a:rPr lang="en-US" dirty="0" smtClean="0"/>
-              <a:t> update game object states</a:t>
-            </a:r>
-          </a:p>
-          <a:p>
-            <a:pPr lvl="1"/>
-            <a:r>
-              <a:rPr lang="en-US" dirty="0" err="1" smtClean="0"/>
-              <a:t>switchDirection</a:t>
-            </a:r>
-            <a:r>
-              <a:rPr lang="en-US" dirty="0" smtClean="0"/>
+              <a:rPr lang="en-US" altLang="zh-CN" dirty="0" smtClean="0"/>
+              <a:t>Update Strategy</a:t>
+            </a:r>
+            <a:endParaRPr lang="en-US" dirty="0"/>
+          </a:p>
+        </p:txBody>
+      </p:sp>
+      <p:sp>
+        <p:nvSpPr>
+          <p:cNvPr id="12" name="Rectangle 11"/>
+          <p:cNvSpPr/>
+          <p:nvPr/>
+        </p:nvSpPr>
+        <p:spPr>
+          <a:xfrm>
+            <a:off x="5223353" y="4434216"/>
+            <a:ext cx="2517732" cy="826718"/>
+          </a:xfrm>
+          <a:prstGeom prst="rect">
+            <a:avLst/>
+          </a:prstGeom>
+        </p:spPr>
+        <p:style>
+          <a:lnRef idx="1">
+            <a:schemeClr val="accent1"/>
+          </a:lnRef>
+          <a:fillRef idx="3">
+            <a:schemeClr val="accent1"/>
+          </a:fillRef>
+          <a:effectRef idx="2">
+            <a:schemeClr val="accent1"/>
+          </a:effectRef>
+          <a:fontRef idx="minor">
+            <a:schemeClr val="lt1"/>
+          </a:fontRef>
+        </p:style>
+        <p:txBody>
+          <a:bodyPr rtlCol="0" anchor="ctr"/>
+          <a:lstStyle/>
+          <a:p>
+            <a:pPr algn="ctr"/>
+            <a:r>
+              <a:rPr lang="en-US" altLang="zh-CN" dirty="0" err="1" smtClean="0"/>
+              <a:t>Pacman</a:t>
+            </a:r>
+            <a:r>
+              <a:rPr lang="zh-CN" altLang="en-US" dirty="0" smtClean="0"/>
               <a:t> </a:t>
             </a:r>
             <a:r>
-              <a:rPr lang="mr-IN" dirty="0" smtClean="0"/>
-              <a:t>–</a:t>
-            </a:r>
-            <a:r>
-              <a:rPr lang="en-US" dirty="0" smtClean="0"/>
-              <a:t> switch </a:t>
-            </a:r>
-            <a:r>
-              <a:rPr lang="en-US" dirty="0" err="1" smtClean="0"/>
-              <a:t>Pacman</a:t>
-            </a:r>
-            <a:r>
-              <a:rPr lang="en-US" smtClean="0"/>
-              <a:t> direction</a:t>
-            </a:r>
-            <a:endParaRPr lang="en-US" dirty="0" smtClean="0"/>
+              <a:rPr lang="en-US" altLang="zh-CN" dirty="0" smtClean="0"/>
+              <a:t>Interaction Strategy</a:t>
+            </a:r>
+            <a:endParaRPr lang="en-US" dirty="0"/>
+          </a:p>
+        </p:txBody>
+      </p:sp>
+      <p:sp>
+        <p:nvSpPr>
+          <p:cNvPr id="15" name="Down Arrow 14"/>
+          <p:cNvSpPr/>
+          <p:nvPr/>
+        </p:nvSpPr>
+        <p:spPr>
+          <a:xfrm>
+            <a:off x="2267211" y="2329840"/>
+            <a:ext cx="388307" cy="588725"/>
+          </a:xfrm>
+          <a:prstGeom prst="downArrow">
+            <a:avLst/>
+          </a:prstGeom>
+        </p:spPr>
+        <p:style>
+          <a:lnRef idx="1">
+            <a:schemeClr val="accent1"/>
+          </a:lnRef>
+          <a:fillRef idx="3">
+            <a:schemeClr val="accent1"/>
+          </a:fillRef>
+          <a:effectRef idx="2">
+            <a:schemeClr val="accent1"/>
+          </a:effectRef>
+          <a:fontRef idx="minor">
+            <a:schemeClr val="lt1"/>
+          </a:fontRef>
+        </p:style>
+        <p:txBody>
+          <a:bodyPr rtlCol="0" anchor="ctr"/>
+          <a:lstStyle/>
+          <a:p>
+            <a:pPr algn="ctr"/>
+            <a:endParaRPr lang="en-US"/>
+          </a:p>
+        </p:txBody>
+      </p:sp>
+      <p:sp>
+        <p:nvSpPr>
+          <p:cNvPr id="16" name="Down Arrow 15"/>
+          <p:cNvSpPr/>
+          <p:nvPr/>
+        </p:nvSpPr>
+        <p:spPr>
+          <a:xfrm>
+            <a:off x="2267210" y="3845491"/>
+            <a:ext cx="388307" cy="588725"/>
+          </a:xfrm>
+          <a:prstGeom prst="downArrow">
+            <a:avLst/>
+          </a:prstGeom>
+        </p:spPr>
+        <p:style>
+          <a:lnRef idx="1">
+            <a:schemeClr val="accent1"/>
+          </a:lnRef>
+          <a:fillRef idx="3">
+            <a:schemeClr val="accent1"/>
+          </a:fillRef>
+          <a:effectRef idx="2">
+            <a:schemeClr val="accent1"/>
+          </a:effectRef>
+          <a:fontRef idx="minor">
+            <a:schemeClr val="lt1"/>
+          </a:fontRef>
+        </p:style>
+        <p:txBody>
+          <a:bodyPr rtlCol="0" anchor="ctr"/>
+          <a:lstStyle/>
+          <a:p>
+            <a:pPr algn="ctr"/>
+            <a:endParaRPr lang="en-US"/>
+          </a:p>
+        </p:txBody>
+      </p:sp>
+      <p:sp>
+        <p:nvSpPr>
+          <p:cNvPr id="17" name="Down Arrow 16"/>
+          <p:cNvSpPr/>
+          <p:nvPr/>
+        </p:nvSpPr>
+        <p:spPr>
+          <a:xfrm>
+            <a:off x="2267210" y="5267196"/>
+            <a:ext cx="388307" cy="588725"/>
+          </a:xfrm>
+          <a:prstGeom prst="downArrow">
+            <a:avLst/>
+          </a:prstGeom>
+        </p:spPr>
+        <p:style>
+          <a:lnRef idx="1">
+            <a:schemeClr val="accent1"/>
+          </a:lnRef>
+          <a:fillRef idx="3">
+            <a:schemeClr val="accent1"/>
+          </a:fillRef>
+          <a:effectRef idx="2">
+            <a:schemeClr val="accent1"/>
+          </a:effectRef>
+          <a:fontRef idx="minor">
+            <a:schemeClr val="lt1"/>
+          </a:fontRef>
+        </p:style>
+        <p:txBody>
+          <a:bodyPr rtlCol="0" anchor="ctr"/>
+          <a:lstStyle/>
+          <a:p>
+            <a:pPr algn="ctr"/>
+            <a:endParaRPr lang="en-US"/>
+          </a:p>
+        </p:txBody>
+      </p:sp>
+      <p:sp>
+        <p:nvSpPr>
+          <p:cNvPr id="18" name="Right Arrow 17"/>
+          <p:cNvSpPr/>
+          <p:nvPr/>
+        </p:nvSpPr>
+        <p:spPr>
+          <a:xfrm>
+            <a:off x="3795387" y="3206662"/>
+            <a:ext cx="1415440" cy="350729"/>
+          </a:xfrm>
+          <a:prstGeom prst="rightArrow">
+            <a:avLst/>
+          </a:prstGeom>
+        </p:spPr>
+        <p:style>
+          <a:lnRef idx="1">
+            <a:schemeClr val="accent1"/>
+          </a:lnRef>
+          <a:fillRef idx="3">
+            <a:schemeClr val="accent1"/>
+          </a:fillRef>
+          <a:effectRef idx="2">
+            <a:schemeClr val="accent1"/>
+          </a:effectRef>
+          <a:fontRef idx="minor">
+            <a:schemeClr val="lt1"/>
+          </a:fontRef>
+        </p:style>
+        <p:txBody>
+          <a:bodyPr rtlCol="0" anchor="ctr"/>
+          <a:lstStyle/>
+          <a:p>
+            <a:pPr algn="ctr"/>
+            <a:endParaRPr lang="en-US"/>
+          </a:p>
+        </p:txBody>
+      </p:sp>
+      <p:sp>
+        <p:nvSpPr>
+          <p:cNvPr id="19" name="Right Arrow 18"/>
+          <p:cNvSpPr/>
+          <p:nvPr/>
+        </p:nvSpPr>
+        <p:spPr>
+          <a:xfrm>
+            <a:off x="3795387" y="4672210"/>
+            <a:ext cx="1415440" cy="350729"/>
+          </a:xfrm>
+          <a:prstGeom prst="rightArrow">
+            <a:avLst/>
+          </a:prstGeom>
+        </p:spPr>
+        <p:style>
+          <a:lnRef idx="1">
+            <a:schemeClr val="accent1"/>
+          </a:lnRef>
+          <a:fillRef idx="3">
+            <a:schemeClr val="accent1"/>
+          </a:fillRef>
+          <a:effectRef idx="2">
+            <a:schemeClr val="accent1"/>
+          </a:effectRef>
+          <a:fontRef idx="minor">
+            <a:schemeClr val="lt1"/>
+          </a:fontRef>
+        </p:style>
+        <p:txBody>
+          <a:bodyPr rtlCol="0" anchor="ctr"/>
+          <a:lstStyle/>
+          <a:p>
+            <a:pPr algn="ctr"/>
+            <a:endParaRPr lang="en-US"/>
+          </a:p>
+        </p:txBody>
+      </p:sp>
+      <p:sp>
+        <p:nvSpPr>
+          <p:cNvPr id="21" name="Bent-Up Arrow 20"/>
+          <p:cNvSpPr/>
+          <p:nvPr/>
+        </p:nvSpPr>
+        <p:spPr>
+          <a:xfrm>
+            <a:off x="3807913" y="5260934"/>
+            <a:ext cx="2940748" cy="1114814"/>
+          </a:xfrm>
+          <a:prstGeom prst="bentUpArrow">
+            <a:avLst/>
+          </a:prstGeom>
+        </p:spPr>
+        <p:style>
+          <a:lnRef idx="1">
+            <a:schemeClr val="accent1"/>
+          </a:lnRef>
+          <a:fillRef idx="3">
+            <a:schemeClr val="accent1"/>
+          </a:fillRef>
+          <a:effectRef idx="2">
+            <a:schemeClr val="accent1"/>
+          </a:effectRef>
+          <a:fontRef idx="minor">
+            <a:schemeClr val="lt1"/>
+          </a:fontRef>
+        </p:style>
+        <p:txBody>
+          <a:bodyPr rtlCol="0" anchor="ctr"/>
+          <a:lstStyle/>
+          <a:p>
+            <a:pPr algn="ctr"/>
+            <a:endParaRPr lang="en-US"/>
           </a:p>
         </p:txBody>
       </p:sp>
     </p:spTree>
     <p:extLst>
       <p:ext uri="{BB962C8B-B14F-4D97-AF65-F5344CB8AC3E}">
-        <p14:creationId xmlns:p14="http://schemas.microsoft.com/office/powerpoint/2010/main" val="1459978361"/>
+        <p14:creationId xmlns:p14="http://schemas.microsoft.com/office/powerpoint/2010/main" val="141813438"/>
       </p:ext>
     </p:extLst>
   </p:cSld>
@@ -5897,9 +12071,210 @@
   <p:timing>
     <p:tnLst>
       <p:par>
-        <p:cTn id="1" dur="indefinite" restart="never" nodeType="tmRoot"/>
+        <p:cTn xmlns:p14="http://schemas.microsoft.com/office/powerpoint/2010/main" id="1" dur="indefinite" restart="never" nodeType="tmRoot">
+          <p:childTnLst>
+            <p:seq concurrent="1" nextAc="seek">
+              <p:cTn id="2" dur="indefinite" nodeType="mainSeq">
+                <p:childTnLst>
+                  <p:par>
+                    <p:cTn id="3" fill="hold">
+                      <p:stCondLst>
+                        <p:cond delay="indefinite"/>
+                      </p:stCondLst>
+                      <p:childTnLst>
+                        <p:par>
+                          <p:cTn id="4" fill="hold">
+                            <p:stCondLst>
+                              <p:cond delay="0"/>
+                            </p:stCondLst>
+                            <p:childTnLst>
+                              <p:par>
+                                <p:cTn id="5" presetID="1" presetClass="entr" presetSubtype="0" fill="hold" grpId="0" nodeType="clickEffect">
+                                  <p:stCondLst>
+                                    <p:cond delay="0"/>
+                                  </p:stCondLst>
+                                  <p:childTnLst>
+                                    <p:set>
+                                      <p:cBhvr>
+                                        <p:cTn id="6" dur="1" fill="hold">
+                                          <p:stCondLst>
+                                            <p:cond delay="0"/>
+                                          </p:stCondLst>
+                                        </p:cTn>
+                                        <p:tgtEl>
+                                          <p:spTgt spid="12"/>
+                                        </p:tgtEl>
+                                        <p:attrNameLst>
+                                          <p:attrName>style.visibility</p:attrName>
+                                        </p:attrNameLst>
+                                      </p:cBhvr>
+                                      <p:to>
+                                        <p:strVal val="visible"/>
+                                      </p:to>
+                                    </p:set>
+                                  </p:childTnLst>
+                                </p:cTn>
+                              </p:par>
+                              <p:par>
+                                <p:cTn id="7" presetID="1" presetClass="entr" presetSubtype="0" fill="hold" grpId="0" nodeType="withEffect">
+                                  <p:stCondLst>
+                                    <p:cond delay="0"/>
+                                  </p:stCondLst>
+                                  <p:childTnLst>
+                                    <p:set>
+                                      <p:cBhvr>
+                                        <p:cTn id="8" dur="1" fill="hold">
+                                          <p:stCondLst>
+                                            <p:cond delay="0"/>
+                                          </p:stCondLst>
+                                        </p:cTn>
+                                        <p:tgtEl>
+                                          <p:spTgt spid="19"/>
+                                        </p:tgtEl>
+                                        <p:attrNameLst>
+                                          <p:attrName>style.visibility</p:attrName>
+                                        </p:attrNameLst>
+                                      </p:cBhvr>
+                                      <p:to>
+                                        <p:strVal val="visible"/>
+                                      </p:to>
+                                    </p:set>
+                                  </p:childTnLst>
+                                </p:cTn>
+                              </p:par>
+                              <p:par>
+                                <p:cTn id="9" presetID="1" presetClass="entr" presetSubtype="0" fill="hold" grpId="0" nodeType="withEffect">
+                                  <p:stCondLst>
+                                    <p:cond delay="0"/>
+                                  </p:stCondLst>
+                                  <p:childTnLst>
+                                    <p:set>
+                                      <p:cBhvr>
+                                        <p:cTn id="10" dur="1" fill="hold">
+                                          <p:stCondLst>
+                                            <p:cond delay="0"/>
+                                          </p:stCondLst>
+                                        </p:cTn>
+                                        <p:tgtEl>
+                                          <p:spTgt spid="21"/>
+                                        </p:tgtEl>
+                                        <p:attrNameLst>
+                                          <p:attrName>style.visibility</p:attrName>
+                                        </p:attrNameLst>
+                                      </p:cBhvr>
+                                      <p:to>
+                                        <p:strVal val="visible"/>
+                                      </p:to>
+                                    </p:set>
+                                  </p:childTnLst>
+                                </p:cTn>
+                              </p:par>
+                            </p:childTnLst>
+                          </p:cTn>
+                        </p:par>
+                      </p:childTnLst>
+                    </p:cTn>
+                  </p:par>
+                  <p:par>
+                    <p:cTn id="11" fill="hold">
+                      <p:stCondLst>
+                        <p:cond delay="indefinite"/>
+                      </p:stCondLst>
+                      <p:childTnLst>
+                        <p:par>
+                          <p:cTn id="12" fill="hold">
+                            <p:stCondLst>
+                              <p:cond delay="0"/>
+                            </p:stCondLst>
+                            <p:childTnLst>
+                              <p:par>
+                                <p:cTn id="13" presetID="1" presetClass="entr" presetSubtype="0" fill="hold" grpId="0" nodeType="clickEffect">
+                                  <p:stCondLst>
+                                    <p:cond delay="0"/>
+                                  </p:stCondLst>
+                                  <p:childTnLst>
+                                    <p:set>
+                                      <p:cBhvr>
+                                        <p:cTn id="14" dur="1" fill="hold">
+                                          <p:stCondLst>
+                                            <p:cond delay="0"/>
+                                          </p:stCondLst>
+                                        </p:cTn>
+                                        <p:tgtEl>
+                                          <p:spTgt spid="11"/>
+                                        </p:tgtEl>
+                                        <p:attrNameLst>
+                                          <p:attrName>style.visibility</p:attrName>
+                                        </p:attrNameLst>
+                                      </p:cBhvr>
+                                      <p:to>
+                                        <p:strVal val="visible"/>
+                                      </p:to>
+                                    </p:set>
+                                  </p:childTnLst>
+                                </p:cTn>
+                              </p:par>
+                              <p:par>
+                                <p:cTn id="15" presetID="1" presetClass="entr" presetSubtype="0" fill="hold" grpId="0" nodeType="withEffect">
+                                  <p:stCondLst>
+                                    <p:cond delay="0"/>
+                                  </p:stCondLst>
+                                  <p:childTnLst>
+                                    <p:set>
+                                      <p:cBhvr>
+                                        <p:cTn id="16" dur="1" fill="hold">
+                                          <p:stCondLst>
+                                            <p:cond delay="0"/>
+                                          </p:stCondLst>
+                                        </p:cTn>
+                                        <p:tgtEl>
+                                          <p:spTgt spid="18"/>
+                                        </p:tgtEl>
+                                        <p:attrNameLst>
+                                          <p:attrName>style.visibility</p:attrName>
+                                        </p:attrNameLst>
+                                      </p:cBhvr>
+                                      <p:to>
+                                        <p:strVal val="visible"/>
+                                      </p:to>
+                                    </p:set>
+                                  </p:childTnLst>
+                                </p:cTn>
+                              </p:par>
+                            </p:childTnLst>
+                          </p:cTn>
+                        </p:par>
+                      </p:childTnLst>
+                    </p:cTn>
+                  </p:par>
+                </p:childTnLst>
+              </p:cTn>
+              <p:prevCondLst>
+                <p:cond evt="onPrev" delay="0">
+                  <p:tgtEl>
+                    <p:sldTgt/>
+                  </p:tgtEl>
+                </p:cond>
+              </p:prevCondLst>
+              <p:nextCondLst>
+                <p:cond evt="onNext" delay="0">
+                  <p:tgtEl>
+                    <p:sldTgt/>
+                  </p:tgtEl>
+                </p:cond>
+              </p:nextCondLst>
+            </p:seq>
+          </p:childTnLst>
+        </p:cTn>
       </p:par>
     </p:tnLst>
+    <p:bldLst>
+      <p:bldP spid="11" grpId="0" animBg="1"/>
+      <p:bldP spid="12" grpId="0" animBg="1"/>
+      <p:bldP spid="18" grpId="0" animBg="1"/>
+      <p:bldP spid="19" grpId="0" animBg="1"/>
+      <p:bldP spid="21" grpId="0" animBg="1"/>
+    </p:bldLst>
   </p:timing>
 </p:sld>
 </file>
@@ -5937,101 +12312,55 @@
           <a:lstStyle/>
           <a:p>
             <a:r>
-              <a:rPr lang="en-US" dirty="0" smtClean="0"/>
-              <a:t>View</a:t>
+              <a:rPr lang="en-US" altLang="zh-CN" dirty="0" smtClean="0"/>
+              <a:t>Collisions</a:t>
+            </a:r>
+            <a:r>
+              <a:rPr lang="zh-CN" altLang="en-US" dirty="0" smtClean="0"/>
+              <a:t> </a:t>
+            </a:r>
+            <a:r>
+              <a:rPr lang="en-US" altLang="zh-CN" dirty="0" smtClean="0"/>
+              <a:t>and</a:t>
+            </a:r>
+            <a:r>
+              <a:rPr lang="zh-CN" altLang="en-US" dirty="0" smtClean="0"/>
+              <a:t> </a:t>
+            </a:r>
+            <a:r>
+              <a:rPr lang="en-US" altLang="zh-CN" dirty="0" smtClean="0"/>
+              <a:t>Interactions</a:t>
             </a:r>
             <a:endParaRPr lang="en-US" dirty="0"/>
           </a:p>
         </p:txBody>
       </p:sp>
-      <p:sp>
-        <p:nvSpPr>
-          <p:cNvPr id="14" name="Content Placeholder 2"/>
-          <p:cNvSpPr>
-            <a:spLocks noGrp="1"/>
-          </p:cNvSpPr>
+      <p:graphicFrame>
+        <p:nvGraphicFramePr>
+          <p:cNvPr id="4" name="Diagram 3"/>
+          <p:cNvGraphicFramePr/>
           <p:nvPr>
-            <p:ph idx="1"/>
+            <p:extLst>
+              <p:ext uri="{D42A27DB-BD31-4B8C-83A1-F6EECF244321}">
+                <p14:modId xmlns:p14="http://schemas.microsoft.com/office/powerpoint/2010/main" val="3100469317"/>
+              </p:ext>
+            </p:extLst>
           </p:nvPr>
-        </p:nvSpPr>
-        <p:spPr>
-          <a:xfrm>
-            <a:off x="457200" y="1600200"/>
-            <a:ext cx="8360336" cy="4525963"/>
-          </a:xfrm>
-        </p:spPr>
-        <p:txBody>
-          <a:bodyPr/>
-          <a:lstStyle/>
-          <a:p>
-            <a:r>
-              <a:rPr lang="en-US" dirty="0">
-                <a:hlinkClick r:id="rId3"/>
-              </a:rPr>
-              <a:t>http://</a:t>
-            </a:r>
-            <a:r>
-              <a:rPr lang="en-US" dirty="0" err="1">
-                <a:hlinkClick r:id="rId3"/>
-              </a:rPr>
-              <a:t>pacman</a:t>
-            </a:r>
-            <a:r>
-              <a:rPr lang="en-US" dirty="0">
-                <a:hlinkClick r:id="rId3"/>
-              </a:rPr>
-              <a:t>-team-</a:t>
-            </a:r>
-            <a:r>
-              <a:rPr lang="en-US" dirty="0" err="1">
-                <a:hlinkClick r:id="rId3"/>
-              </a:rPr>
-              <a:t>houston.herokuapp.com</a:t>
-            </a:r>
-            <a:r>
-              <a:rPr lang="en-US" dirty="0">
-                <a:hlinkClick r:id="rId3"/>
-              </a:rPr>
-              <a:t>/</a:t>
-            </a:r>
-            <a:endParaRPr lang="en-US" dirty="0"/>
-          </a:p>
-        </p:txBody>
-      </p:sp>
-      <p:pic>
-        <p:nvPicPr>
-          <p:cNvPr id="3" name="Picture 2"/>
-          <p:cNvPicPr>
-            <a:picLocks noChangeAspect="1"/>
-          </p:cNvPicPr>
-          <p:nvPr/>
-        </p:nvPicPr>
-        <p:blipFill>
-          <a:blip r:embed="rId4">
-            <a:extLst>
-              <a:ext uri="{28A0092B-C50C-407E-A947-70E740481C1C}">
-                <a14:useLocalDpi xmlns:a14="http://schemas.microsoft.com/office/drawing/2010/main" val="0"/>
-              </a:ext>
-            </a:extLst>
-          </a:blip>
-          <a:stretch>
-            <a:fillRect/>
-          </a:stretch>
-        </p:blipFill>
-        <p:spPr>
-          <a:xfrm>
-            <a:off x="1130300" y="2146300"/>
-            <a:ext cx="6883400" cy="4711700"/>
-          </a:xfrm>
-          <a:prstGeom prst="rect">
-            <a:avLst/>
-          </a:prstGeom>
-        </p:spPr>
-      </p:pic>
+        </p:nvGraphicFramePr>
+        <p:xfrm>
+          <a:off x="1524000" y="2370551"/>
+          <a:ext cx="6096000" cy="2116898"/>
+        </p:xfrm>
+        <a:graphic>
+          <a:graphicData uri="http://schemas.openxmlformats.org/drawingml/2006/diagram">
+            <dgm:relIds xmlns:dgm="http://schemas.openxmlformats.org/drawingml/2006/diagram" xmlns:r="http://schemas.openxmlformats.org/officeDocument/2006/relationships" r:dm="rId3" r:lo="rId4" r:qs="rId5" r:cs="rId6"/>
+          </a:graphicData>
+        </a:graphic>
+      </p:graphicFrame>
     </p:spTree>
     <p:extLst>
       <p:ext uri="{BB962C8B-B14F-4D97-AF65-F5344CB8AC3E}">
-        <p14:creationId xmlns:p14="http://schemas.microsoft.com/office/powerpoint/2010/main" val="2209031246"/>
+        <p14:creationId xmlns:p14="http://schemas.microsoft.com/office/powerpoint/2010/main" val="2060311645"/>
       </p:ext>
     </p:extLst>
   </p:cSld>
@@ -6041,7 +12370,7 @@
   <p:timing>
     <p:tnLst>
       <p:par>
-        <p:cTn id="1" dur="indefinite" restart="never" nodeType="tmRoot"/>
+        <p:cTn xmlns:p14="http://schemas.microsoft.com/office/powerpoint/2010/main" id="1" dur="indefinite" restart="never" nodeType="tmRoot"/>
       </p:par>
     </p:tnLst>
   </p:timing>
@@ -6075,30 +12404,463 @@
             <p:ph type="title"/>
           </p:nvPr>
         </p:nvSpPr>
+        <p:spPr/>
+        <p:txBody>
+          <a:bodyPr/>
+          <a:lstStyle/>
+          <a:p>
+            <a:r>
+              <a:rPr lang="en-US" altLang="zh-CN" dirty="0" smtClean="0"/>
+              <a:t>Switch</a:t>
+            </a:r>
+            <a:r>
+              <a:rPr lang="zh-CN" altLang="en-US" dirty="0" smtClean="0"/>
+              <a:t> </a:t>
+            </a:r>
+            <a:r>
+              <a:rPr lang="en-US" altLang="zh-CN" dirty="0" smtClean="0"/>
+              <a:t>Direction/Queue</a:t>
+            </a:r>
+            <a:r>
+              <a:rPr lang="zh-CN" altLang="en-US" dirty="0" smtClean="0"/>
+              <a:t> </a:t>
+            </a:r>
+            <a:r>
+              <a:rPr lang="en-US" altLang="zh-CN" dirty="0" smtClean="0"/>
+              <a:t>Turn</a:t>
+            </a:r>
+            <a:endParaRPr lang="en-US" dirty="0"/>
+          </a:p>
+        </p:txBody>
+      </p:sp>
+      <p:sp>
+        <p:nvSpPr>
+          <p:cNvPr id="4" name="Rectangle 3"/>
+          <p:cNvSpPr/>
+          <p:nvPr/>
+        </p:nvSpPr>
         <p:spPr>
           <a:xfrm>
-            <a:off x="457200" y="2779250"/>
-            <a:ext cx="8229600" cy="1143000"/>
+            <a:off x="457200" y="1687156"/>
+            <a:ext cx="2281824" cy="887150"/>
           </a:xfrm>
+          <a:prstGeom prst="rect">
+            <a:avLst/>
+          </a:prstGeom>
         </p:spPr>
-        <p:txBody>
-          <a:bodyPr>
-            <a:normAutofit/>
-          </a:bodyPr>
-          <a:lstStyle/>
-          <a:p>
-            <a:r>
-              <a:rPr lang="en-US" dirty="0" smtClean="0"/>
-              <a:t>	Questions?</a:t>
+        <p:style>
+          <a:lnRef idx="1">
+            <a:schemeClr val="accent1"/>
+          </a:lnRef>
+          <a:fillRef idx="3">
+            <a:schemeClr val="accent1"/>
+          </a:fillRef>
+          <a:effectRef idx="2">
+            <a:schemeClr val="accent1"/>
+          </a:effectRef>
+          <a:fontRef idx="minor">
+            <a:schemeClr val="lt1"/>
+          </a:fontRef>
+        </p:style>
+        <p:txBody>
+          <a:bodyPr rtlCol="0" anchor="ctr"/>
+          <a:lstStyle/>
+          <a:p>
+            <a:pPr algn="ctr"/>
+            <a:r>
+              <a:rPr lang="en-US" altLang="zh-CN" dirty="0" smtClean="0"/>
+              <a:t>POST</a:t>
+            </a:r>
+            <a:r>
+              <a:rPr lang="zh-CN" altLang="en-US" dirty="0" smtClean="0"/>
+              <a:t> </a:t>
+            </a:r>
+            <a:r>
+              <a:rPr lang="en-US" altLang="zh-CN" dirty="0" err="1" smtClean="0"/>
+              <a:t>SwitchDirection</a:t>
             </a:r>
             <a:endParaRPr lang="en-US" dirty="0"/>
+          </a:p>
+        </p:txBody>
+      </p:sp>
+      <p:sp>
+        <p:nvSpPr>
+          <p:cNvPr id="5" name="Rectangle 4"/>
+          <p:cNvSpPr/>
+          <p:nvPr/>
+        </p:nvSpPr>
+        <p:spPr>
+          <a:xfrm>
+            <a:off x="3574614" y="1687155"/>
+            <a:ext cx="1994771" cy="898798"/>
+          </a:xfrm>
+          <a:prstGeom prst="rect">
+            <a:avLst/>
+          </a:prstGeom>
+        </p:spPr>
+        <p:style>
+          <a:lnRef idx="1">
+            <a:schemeClr val="accent1"/>
+          </a:lnRef>
+          <a:fillRef idx="3">
+            <a:schemeClr val="accent1"/>
+          </a:fillRef>
+          <a:effectRef idx="2">
+            <a:schemeClr val="accent1"/>
+          </a:effectRef>
+          <a:fontRef idx="minor">
+            <a:schemeClr val="lt1"/>
+          </a:fontRef>
+        </p:style>
+        <p:txBody>
+          <a:bodyPr rtlCol="0" anchor="ctr"/>
+          <a:lstStyle/>
+          <a:p>
+            <a:pPr algn="ctr"/>
+            <a:r>
+              <a:rPr lang="en-US" altLang="zh-CN" dirty="0" err="1"/>
+              <a:t>s</a:t>
+            </a:r>
+            <a:r>
+              <a:rPr lang="en-US" altLang="zh-CN" dirty="0" err="1" smtClean="0"/>
+              <a:t>witchDirection</a:t>
+            </a:r>
+            <a:r>
+              <a:rPr lang="en-US" altLang="zh-CN" dirty="0" smtClean="0"/>
+              <a:t>()</a:t>
+            </a:r>
+            <a:r>
+              <a:rPr lang="zh-CN" altLang="en-US" dirty="0" smtClean="0"/>
+              <a:t> </a:t>
+            </a:r>
+            <a:r>
+              <a:rPr lang="en-US" altLang="zh-CN" dirty="0" smtClean="0"/>
+              <a:t>(in</a:t>
+            </a:r>
+            <a:r>
+              <a:rPr lang="zh-CN" altLang="en-US" dirty="0" smtClean="0"/>
+              <a:t> </a:t>
+            </a:r>
+            <a:r>
+              <a:rPr lang="en-US" altLang="zh-CN" dirty="0" smtClean="0"/>
+              <a:t>DA)</a:t>
+            </a:r>
+            <a:endParaRPr lang="en-US" dirty="0"/>
+          </a:p>
+        </p:txBody>
+      </p:sp>
+      <p:sp>
+        <p:nvSpPr>
+          <p:cNvPr id="6" name="Rectangle 5"/>
+          <p:cNvSpPr/>
+          <p:nvPr/>
+        </p:nvSpPr>
+        <p:spPr>
+          <a:xfrm>
+            <a:off x="6404975" y="1708251"/>
+            <a:ext cx="2179529" cy="877702"/>
+          </a:xfrm>
+          <a:prstGeom prst="rect">
+            <a:avLst/>
+          </a:prstGeom>
+        </p:spPr>
+        <p:style>
+          <a:lnRef idx="1">
+            <a:schemeClr val="accent1"/>
+          </a:lnRef>
+          <a:fillRef idx="3">
+            <a:schemeClr val="accent1"/>
+          </a:fillRef>
+          <a:effectRef idx="2">
+            <a:schemeClr val="accent1"/>
+          </a:effectRef>
+          <a:fontRef idx="minor">
+            <a:schemeClr val="lt1"/>
+          </a:fontRef>
+        </p:style>
+        <p:txBody>
+          <a:bodyPr rtlCol="0" anchor="ctr"/>
+          <a:lstStyle/>
+          <a:p>
+            <a:pPr algn="ctr"/>
+            <a:r>
+              <a:rPr lang="en-US" altLang="zh-CN" dirty="0" smtClean="0"/>
+              <a:t>Switch Command</a:t>
+            </a:r>
+            <a:endParaRPr lang="en-US" altLang="zh-CN" dirty="0" smtClean="0"/>
+          </a:p>
+          <a:p>
+            <a:pPr algn="ctr"/>
+            <a:r>
+              <a:rPr lang="en-US" altLang="zh-CN" dirty="0" smtClean="0"/>
+              <a:t>-&gt;</a:t>
+            </a:r>
+            <a:r>
+              <a:rPr lang="zh-CN" altLang="en-US" dirty="0" smtClean="0"/>
+              <a:t> </a:t>
+            </a:r>
+            <a:r>
+              <a:rPr lang="en-US" altLang="zh-CN" dirty="0" smtClean="0"/>
+              <a:t>switch</a:t>
+            </a:r>
+            <a:r>
+              <a:rPr lang="zh-CN" altLang="en-US" dirty="0" smtClean="0"/>
+              <a:t> </a:t>
+            </a:r>
+            <a:r>
+              <a:rPr lang="en-US" altLang="zh-CN" dirty="0"/>
+              <a:t>v</a:t>
+            </a:r>
+            <a:r>
+              <a:rPr lang="en-US" altLang="zh-CN" dirty="0" smtClean="0"/>
+              <a:t>elocity</a:t>
+            </a:r>
+            <a:endParaRPr lang="en-US" dirty="0"/>
+          </a:p>
+        </p:txBody>
+      </p:sp>
+      <p:sp>
+        <p:nvSpPr>
+          <p:cNvPr id="8" name="Right Arrow 7"/>
+          <p:cNvSpPr/>
+          <p:nvPr/>
+        </p:nvSpPr>
+        <p:spPr>
+          <a:xfrm>
+            <a:off x="2739024" y="1983000"/>
+            <a:ext cx="835590" cy="295461"/>
+          </a:xfrm>
+          <a:prstGeom prst="rightArrow">
+            <a:avLst/>
+          </a:prstGeom>
+        </p:spPr>
+        <p:style>
+          <a:lnRef idx="1">
+            <a:schemeClr val="accent1"/>
+          </a:lnRef>
+          <a:fillRef idx="3">
+            <a:schemeClr val="accent1"/>
+          </a:fillRef>
+          <a:effectRef idx="2">
+            <a:schemeClr val="accent1"/>
+          </a:effectRef>
+          <a:fontRef idx="minor">
+            <a:schemeClr val="lt1"/>
+          </a:fontRef>
+        </p:style>
+        <p:txBody>
+          <a:bodyPr rtlCol="0" anchor="ctr"/>
+          <a:lstStyle/>
+          <a:p>
+            <a:pPr algn="ctr"/>
+            <a:endParaRPr lang="en-US"/>
+          </a:p>
+        </p:txBody>
+      </p:sp>
+      <p:sp>
+        <p:nvSpPr>
+          <p:cNvPr id="9" name="Right Arrow 8"/>
+          <p:cNvSpPr/>
+          <p:nvPr/>
+        </p:nvSpPr>
+        <p:spPr>
+          <a:xfrm>
+            <a:off x="5582171" y="1966874"/>
+            <a:ext cx="835590" cy="295461"/>
+          </a:xfrm>
+          <a:prstGeom prst="rightArrow">
+            <a:avLst/>
+          </a:prstGeom>
+        </p:spPr>
+        <p:style>
+          <a:lnRef idx="1">
+            <a:schemeClr val="accent1"/>
+          </a:lnRef>
+          <a:fillRef idx="3">
+            <a:schemeClr val="accent1"/>
+          </a:fillRef>
+          <a:effectRef idx="2">
+            <a:schemeClr val="accent1"/>
+          </a:effectRef>
+          <a:fontRef idx="minor">
+            <a:schemeClr val="lt1"/>
+          </a:fontRef>
+        </p:style>
+        <p:txBody>
+          <a:bodyPr rtlCol="0" anchor="ctr"/>
+          <a:lstStyle/>
+          <a:p>
+            <a:pPr algn="ctr"/>
+            <a:endParaRPr lang="en-US"/>
+          </a:p>
+        </p:txBody>
+      </p:sp>
+      <p:sp>
+        <p:nvSpPr>
+          <p:cNvPr id="10" name="Rectangle 9"/>
+          <p:cNvSpPr/>
+          <p:nvPr/>
+        </p:nvSpPr>
+        <p:spPr>
+          <a:xfrm>
+            <a:off x="3192336" y="3429000"/>
+            <a:ext cx="2580362" cy="826718"/>
+          </a:xfrm>
+          <a:prstGeom prst="rect">
+            <a:avLst/>
+          </a:prstGeom>
+        </p:spPr>
+        <p:style>
+          <a:lnRef idx="1">
+            <a:schemeClr val="accent1"/>
+          </a:lnRef>
+          <a:fillRef idx="3">
+            <a:schemeClr val="accent1"/>
+          </a:fillRef>
+          <a:effectRef idx="2">
+            <a:schemeClr val="accent1"/>
+          </a:effectRef>
+          <a:fontRef idx="minor">
+            <a:schemeClr val="lt1"/>
+          </a:fontRef>
+        </p:style>
+        <p:txBody>
+          <a:bodyPr rtlCol="0" anchor="ctr"/>
+          <a:lstStyle/>
+          <a:p>
+            <a:pPr algn="ctr"/>
+            <a:r>
+              <a:rPr lang="en-US" altLang="zh-CN" dirty="0" smtClean="0"/>
+              <a:t>Collision Command</a:t>
+            </a:r>
+            <a:endParaRPr lang="en-US" dirty="0"/>
+          </a:p>
+        </p:txBody>
+      </p:sp>
+      <p:sp>
+        <p:nvSpPr>
+          <p:cNvPr id="11" name="Rectangle 10"/>
+          <p:cNvSpPr/>
+          <p:nvPr/>
+        </p:nvSpPr>
+        <p:spPr>
+          <a:xfrm>
+            <a:off x="3192336" y="4819387"/>
+            <a:ext cx="2580362" cy="876822"/>
+          </a:xfrm>
+          <a:prstGeom prst="rect">
+            <a:avLst/>
+          </a:prstGeom>
+        </p:spPr>
+        <p:style>
+          <a:lnRef idx="1">
+            <a:schemeClr val="accent1"/>
+          </a:lnRef>
+          <a:fillRef idx="3">
+            <a:schemeClr val="accent1"/>
+          </a:fillRef>
+          <a:effectRef idx="2">
+            <a:schemeClr val="accent1"/>
+          </a:effectRef>
+          <a:fontRef idx="minor">
+            <a:schemeClr val="lt1"/>
+          </a:fontRef>
+        </p:style>
+        <p:txBody>
+          <a:bodyPr rtlCol="0" anchor="ctr"/>
+          <a:lstStyle/>
+          <a:p>
+            <a:pPr algn="ctr"/>
+            <a:r>
+              <a:rPr lang="en-US" altLang="zh-CN" dirty="0" smtClean="0"/>
+              <a:t>check</a:t>
+            </a:r>
+            <a:r>
+              <a:rPr lang="zh-CN" altLang="en-US" dirty="0" smtClean="0"/>
+              <a:t> </a:t>
+            </a:r>
+            <a:r>
+              <a:rPr lang="en-US" altLang="zh-CN" dirty="0" err="1" smtClean="0"/>
+              <a:t>PacmanCollision</a:t>
+            </a:r>
+            <a:r>
+              <a:rPr lang="zh-CN" altLang="en-US" dirty="0" smtClean="0"/>
+              <a:t> </a:t>
+            </a:r>
+            <a:endParaRPr lang="en-US" altLang="zh-CN" dirty="0" smtClean="0"/>
+          </a:p>
+          <a:p>
+            <a:pPr algn="ctr"/>
+            <a:r>
+              <a:rPr lang="en-US" altLang="zh-CN" dirty="0"/>
+              <a:t>o</a:t>
+            </a:r>
+            <a:r>
+              <a:rPr lang="en-US" altLang="zh-CN" dirty="0" smtClean="0"/>
+              <a:t>n</a:t>
+            </a:r>
+            <a:r>
+              <a:rPr lang="zh-CN" altLang="en-US" dirty="0" smtClean="0"/>
+              <a:t> </a:t>
+            </a:r>
+            <a:r>
+              <a:rPr lang="en-US" altLang="zh-CN" dirty="0" smtClean="0"/>
+              <a:t>switch</a:t>
+            </a:r>
+            <a:r>
+              <a:rPr lang="zh-CN" altLang="en-US" dirty="0" smtClean="0"/>
+              <a:t> </a:t>
+            </a:r>
+            <a:r>
+              <a:rPr lang="en-US" altLang="zh-CN" dirty="0" smtClean="0"/>
+              <a:t>velocity</a:t>
+            </a:r>
+            <a:endParaRPr lang="en-US" dirty="0"/>
+          </a:p>
+        </p:txBody>
+      </p:sp>
+      <p:sp>
+        <p:nvSpPr>
+          <p:cNvPr id="12" name="Down Arrow 11"/>
+          <p:cNvSpPr/>
+          <p:nvPr/>
+        </p:nvSpPr>
+        <p:spPr>
+          <a:xfrm>
+            <a:off x="4231995" y="4261980"/>
+            <a:ext cx="388307" cy="588725"/>
+          </a:xfrm>
+          <a:prstGeom prst="downArrow">
+            <a:avLst/>
+          </a:prstGeom>
+        </p:spPr>
+        <p:style>
+          <a:lnRef idx="1">
+            <a:schemeClr val="accent1"/>
+          </a:lnRef>
+          <a:fillRef idx="3">
+            <a:schemeClr val="accent1"/>
+          </a:fillRef>
+          <a:effectRef idx="2">
+            <a:schemeClr val="accent1"/>
+          </a:effectRef>
+          <a:fontRef idx="minor">
+            <a:schemeClr val="lt1"/>
+          </a:fontRef>
+        </p:style>
+        <p:txBody>
+          <a:bodyPr rtlCol="0" anchor="ctr"/>
+          <a:lstStyle/>
+          <a:p>
+            <a:pPr algn="ctr"/>
+            <a:endParaRPr lang="en-US"/>
           </a:p>
         </p:txBody>
       </p:sp>
     </p:spTree>
     <p:extLst>
       <p:ext uri="{BB962C8B-B14F-4D97-AF65-F5344CB8AC3E}">
-        <p14:creationId xmlns:p14="http://schemas.microsoft.com/office/powerpoint/2010/main" val="2591834153"/>
+        <p14:creationId xmlns:p14="http://schemas.microsoft.com/office/powerpoint/2010/main" val="1098599738"/>
       </p:ext>
     </p:extLst>
   </p:cSld>
@@ -6108,7 +12870,7 @@
   <p:timing>
     <p:tnLst>
       <p:par>
-        <p:cTn id="1" dur="indefinite" restart="never" nodeType="tmRoot"/>
+        <p:cTn xmlns:p14="http://schemas.microsoft.com/office/powerpoint/2010/main" id="1" dur="indefinite" restart="never" nodeType="tmRoot"/>
       </p:par>
     </p:tnLst>
   </p:timing>
